--- a/Mini-Project/GroupK.pptx
+++ b/Mini-Project/GroupK.pptx
@@ -111,6 +111,11 @@
       </a:defRPr>
     </a:lvl9pPr>
   </p:defaultTextStyle>
+  <p:extLst>
+    <p:ext uri="{EFAFB233-063F-42B5-8137-9DF3F51BA10A}">
+      <p15:sldGuideLst xmlns:p15="http://schemas.microsoft.com/office/powerpoint/2012/main"/>
+    </p:ext>
+  </p:extLst>
 </p:presentation>
 </file>
 
@@ -192,7 +197,7 @@
           <a:noFill/>
           <a:extLst>
             <a:ext uri="{909E8E84-426E-40dd-AFC4-6F175D3DCCD1}">
-              <a14:hiddenFill xmlns:a14="http://schemas.microsoft.com/office/drawing/2010/main" xmlns="">
+              <a14:hiddenFill xmlns="" xmlns:a14="http://schemas.microsoft.com/office/drawing/2010/main">
                 <a:solidFill>
                   <a:srgbClr val="FFFFFF"/>
                 </a:solidFill>
@@ -252,7 +257,7 @@
             </a:ln>
             <a:extLst>
               <a:ext uri="{91240B29-F687-4f45-9708-019B960494DF}">
-                <a14:hiddenLine xmlns:a14="http://schemas.microsoft.com/office/drawing/2010/main" xmlns="" w="9525">
+                <a14:hiddenLine xmlns="" xmlns:a14="http://schemas.microsoft.com/office/drawing/2010/main" w="9525">
                   <a:solidFill>
                     <a:srgbClr val="000000"/>
                   </a:solidFill>
@@ -349,7 +354,7 @@
             </a:ln>
             <a:extLst>
               <a:ext uri="{91240B29-F687-4f45-9708-019B960494DF}">
-                <a14:hiddenLine xmlns:a14="http://schemas.microsoft.com/office/drawing/2010/main" xmlns="" w="9525">
+                <a14:hiddenLine xmlns="" xmlns:a14="http://schemas.microsoft.com/office/drawing/2010/main" w="9525">
                   <a:solidFill>
                     <a:srgbClr val="000000"/>
                   </a:solidFill>
@@ -446,7 +451,7 @@
             </a:ln>
             <a:extLst>
               <a:ext uri="{91240B29-F687-4f45-9708-019B960494DF}">
-                <a14:hiddenLine xmlns:a14="http://schemas.microsoft.com/office/drawing/2010/main" xmlns="" w="9525">
+                <a14:hiddenLine xmlns="" xmlns:a14="http://schemas.microsoft.com/office/drawing/2010/main" w="9525">
                   <a:solidFill>
                     <a:srgbClr val="000000"/>
                   </a:solidFill>
@@ -487,7 +492,7 @@
             </a:ln>
             <a:extLst>
               <a:ext uri="{91240B29-F687-4f45-9708-019B960494DF}">
-                <a14:hiddenLine xmlns:a14="http://schemas.microsoft.com/office/drawing/2010/main" xmlns="" w="9525">
+                <a14:hiddenLine xmlns="" xmlns:a14="http://schemas.microsoft.com/office/drawing/2010/main" w="9525">
                   <a:solidFill>
                     <a:srgbClr val="000000"/>
                   </a:solidFill>
@@ -584,7 +589,7 @@
             </a:ln>
             <a:extLst>
               <a:ext uri="{91240B29-F687-4f45-9708-019B960494DF}">
-                <a14:hiddenLine xmlns:a14="http://schemas.microsoft.com/office/drawing/2010/main" xmlns="" w="9525">
+                <a14:hiddenLine xmlns="" xmlns:a14="http://schemas.microsoft.com/office/drawing/2010/main" w="9525">
                   <a:solidFill>
                     <a:srgbClr val="000000"/>
                   </a:solidFill>
@@ -653,7 +658,7 @@
             </a:ln>
             <a:extLst>
               <a:ext uri="{91240B29-F687-4f45-9708-019B960494DF}">
-                <a14:hiddenLine xmlns:a14="http://schemas.microsoft.com/office/drawing/2010/main" xmlns="" w="9525">
+                <a14:hiddenLine xmlns="" xmlns:a14="http://schemas.microsoft.com/office/drawing/2010/main" w="9525">
                   <a:solidFill>
                     <a:srgbClr val="000000"/>
                   </a:solidFill>
@@ -722,7 +727,7 @@
             </a:ln>
             <a:extLst>
               <a:ext uri="{91240B29-F687-4f45-9708-019B960494DF}">
-                <a14:hiddenLine xmlns:a14="http://schemas.microsoft.com/office/drawing/2010/main" xmlns="" w="9525">
+                <a14:hiddenLine xmlns="" xmlns:a14="http://schemas.microsoft.com/office/drawing/2010/main" w="9525">
                   <a:solidFill>
                     <a:srgbClr val="000000"/>
                   </a:solidFill>
@@ -819,7 +824,7 @@
             </a:ln>
             <a:extLst>
               <a:ext uri="{91240B29-F687-4f45-9708-019B960494DF}">
-                <a14:hiddenLine xmlns:a14="http://schemas.microsoft.com/office/drawing/2010/main" xmlns="" w="9525">
+                <a14:hiddenLine xmlns="" xmlns:a14="http://schemas.microsoft.com/office/drawing/2010/main" w="9525">
                   <a:solidFill>
                     <a:srgbClr val="000000"/>
                   </a:solidFill>
@@ -888,7 +893,7 @@
             </a:ln>
             <a:extLst>
               <a:ext uri="{91240B29-F687-4f45-9708-019B960494DF}">
-                <a14:hiddenLine xmlns:a14="http://schemas.microsoft.com/office/drawing/2010/main" xmlns="" w="9525">
+                <a14:hiddenLine xmlns="" xmlns:a14="http://schemas.microsoft.com/office/drawing/2010/main" w="9525">
                   <a:solidFill>
                     <a:srgbClr val="000000"/>
                   </a:solidFill>
@@ -957,7 +962,7 @@
             </a:ln>
             <a:extLst>
               <a:ext uri="{91240B29-F687-4f45-9708-019B960494DF}">
-                <a14:hiddenLine xmlns:a14="http://schemas.microsoft.com/office/drawing/2010/main" xmlns="" w="9525">
+                <a14:hiddenLine xmlns="" xmlns:a14="http://schemas.microsoft.com/office/drawing/2010/main" w="9525">
                   <a:solidFill>
                     <a:srgbClr val="000000"/>
                   </a:solidFill>
@@ -1054,7 +1059,7 @@
             </a:ln>
             <a:extLst>
               <a:ext uri="{91240B29-F687-4f45-9708-019B960494DF}">
-                <a14:hiddenLine xmlns:a14="http://schemas.microsoft.com/office/drawing/2010/main" xmlns="" w="9525">
+                <a14:hiddenLine xmlns="" xmlns:a14="http://schemas.microsoft.com/office/drawing/2010/main" w="9525">
                   <a:solidFill>
                     <a:srgbClr val="000000"/>
                   </a:solidFill>
@@ -1151,7 +1156,7 @@
             </a:ln>
             <a:extLst>
               <a:ext uri="{91240B29-F687-4f45-9708-019B960494DF}">
-                <a14:hiddenLine xmlns:a14="http://schemas.microsoft.com/office/drawing/2010/main" xmlns="" w="9525">
+                <a14:hiddenLine xmlns="" xmlns:a14="http://schemas.microsoft.com/office/drawing/2010/main" w="9525">
                   <a:solidFill>
                     <a:srgbClr val="000000"/>
                   </a:solidFill>
@@ -1220,7 +1225,7 @@
             </a:ln>
             <a:extLst>
               <a:ext uri="{91240B29-F687-4f45-9708-019B960494DF}">
-                <a14:hiddenLine xmlns:a14="http://schemas.microsoft.com/office/drawing/2010/main" xmlns="" w="9525">
+                <a14:hiddenLine xmlns="" xmlns:a14="http://schemas.microsoft.com/office/drawing/2010/main" w="9525">
                   <a:solidFill>
                     <a:srgbClr val="000000"/>
                   </a:solidFill>
@@ -1337,7 +1342,7 @@
             </a:ln>
             <a:extLst>
               <a:ext uri="{91240B29-F687-4f45-9708-019B960494DF}">
-                <a14:hiddenLine xmlns:a14="http://schemas.microsoft.com/office/drawing/2010/main" xmlns="" w="9525">
+                <a14:hiddenLine xmlns="" xmlns:a14="http://schemas.microsoft.com/office/drawing/2010/main" w="9525">
                   <a:solidFill>
                     <a:srgbClr val="000000"/>
                   </a:solidFill>
@@ -1406,7 +1411,7 @@
             </a:ln>
             <a:extLst>
               <a:ext uri="{91240B29-F687-4f45-9708-019B960494DF}">
-                <a14:hiddenLine xmlns:a14="http://schemas.microsoft.com/office/drawing/2010/main" xmlns="" w="9525">
+                <a14:hiddenLine xmlns="" xmlns:a14="http://schemas.microsoft.com/office/drawing/2010/main" w="9525">
                   <a:solidFill>
                     <a:srgbClr val="000000"/>
                   </a:solidFill>
@@ -1503,7 +1508,7 @@
             </a:ln>
             <a:extLst>
               <a:ext uri="{91240B29-F687-4f45-9708-019B960494DF}">
-                <a14:hiddenLine xmlns:a14="http://schemas.microsoft.com/office/drawing/2010/main" xmlns="" w="9525">
+                <a14:hiddenLine xmlns="" xmlns:a14="http://schemas.microsoft.com/office/drawing/2010/main" w="9525">
                   <a:solidFill>
                     <a:srgbClr val="000000"/>
                   </a:solidFill>
@@ -1600,7 +1605,7 @@
             </a:ln>
             <a:extLst>
               <a:ext uri="{91240B29-F687-4f45-9708-019B960494DF}">
-                <a14:hiddenLine xmlns:a14="http://schemas.microsoft.com/office/drawing/2010/main" xmlns="" w="9525">
+                <a14:hiddenLine xmlns="" xmlns:a14="http://schemas.microsoft.com/office/drawing/2010/main" w="9525">
                   <a:solidFill>
                     <a:srgbClr val="000000"/>
                   </a:solidFill>
@@ -1669,7 +1674,7 @@
             </a:ln>
             <a:extLst>
               <a:ext uri="{91240B29-F687-4f45-9708-019B960494DF}">
-                <a14:hiddenLine xmlns:a14="http://schemas.microsoft.com/office/drawing/2010/main" xmlns="" w="9525">
+                <a14:hiddenLine xmlns="" xmlns:a14="http://schemas.microsoft.com/office/drawing/2010/main" w="9525">
                   <a:solidFill>
                     <a:srgbClr val="000000"/>
                   </a:solidFill>
@@ -1766,7 +1771,7 @@
             </a:ln>
             <a:extLst>
               <a:ext uri="{91240B29-F687-4f45-9708-019B960494DF}">
-                <a14:hiddenLine xmlns:a14="http://schemas.microsoft.com/office/drawing/2010/main" xmlns="" w="9525">
+                <a14:hiddenLine xmlns="" xmlns:a14="http://schemas.microsoft.com/office/drawing/2010/main" w="9525">
                   <a:solidFill>
                     <a:srgbClr val="000000"/>
                   </a:solidFill>
@@ -1863,7 +1868,7 @@
             </a:ln>
             <a:extLst>
               <a:ext uri="{91240B29-F687-4f45-9708-019B960494DF}">
-                <a14:hiddenLine xmlns:a14="http://schemas.microsoft.com/office/drawing/2010/main" xmlns="" w="9525">
+                <a14:hiddenLine xmlns="" xmlns:a14="http://schemas.microsoft.com/office/drawing/2010/main" w="9525">
                   <a:solidFill>
                     <a:srgbClr val="000000"/>
                   </a:solidFill>
@@ -1926,7 +1931,7 @@
             </a:ln>
             <a:extLst>
               <a:ext uri="{91240B29-F687-4f45-9708-019B960494DF}">
-                <a14:hiddenLine xmlns:a14="http://schemas.microsoft.com/office/drawing/2010/main" xmlns="" w="9525">
+                <a14:hiddenLine xmlns="" xmlns:a14="http://schemas.microsoft.com/office/drawing/2010/main" w="9525">
                   <a:solidFill>
                     <a:srgbClr val="000000"/>
                   </a:solidFill>
@@ -2023,7 +2028,7 @@
             </a:ln>
             <a:extLst>
               <a:ext uri="{91240B29-F687-4f45-9708-019B960494DF}">
-                <a14:hiddenLine xmlns:a14="http://schemas.microsoft.com/office/drawing/2010/main" xmlns="" w="9525">
+                <a14:hiddenLine xmlns="" xmlns:a14="http://schemas.microsoft.com/office/drawing/2010/main" w="9525">
                   <a:solidFill>
                     <a:srgbClr val="000000"/>
                   </a:solidFill>
@@ -2086,7 +2091,7 @@
             </a:ln>
             <a:extLst>
               <a:ext uri="{91240B29-F687-4f45-9708-019B960494DF}">
-                <a14:hiddenLine xmlns:a14="http://schemas.microsoft.com/office/drawing/2010/main" xmlns="" w="9525">
+                <a14:hiddenLine xmlns="" xmlns:a14="http://schemas.microsoft.com/office/drawing/2010/main" w="9525">
                   <a:solidFill>
                     <a:srgbClr val="000000"/>
                   </a:solidFill>
@@ -2183,7 +2188,7 @@
             </a:ln>
             <a:extLst>
               <a:ext uri="{91240B29-F687-4f45-9708-019B960494DF}">
-                <a14:hiddenLine xmlns:a14="http://schemas.microsoft.com/office/drawing/2010/main" xmlns="" w="9525">
+                <a14:hiddenLine xmlns="" xmlns:a14="http://schemas.microsoft.com/office/drawing/2010/main" w="9525">
                   <a:solidFill>
                     <a:srgbClr val="000000"/>
                   </a:solidFill>
@@ -2258,7 +2263,7 @@
             </a:ln>
             <a:extLst>
               <a:ext uri="{91240B29-F687-4f45-9708-019B960494DF}">
-                <a14:hiddenLine xmlns:a14="http://schemas.microsoft.com/office/drawing/2010/main" xmlns="" w="9525">
+                <a14:hiddenLine xmlns="" xmlns:a14="http://schemas.microsoft.com/office/drawing/2010/main" w="9525">
                   <a:solidFill>
                     <a:srgbClr val="000000"/>
                   </a:solidFill>
@@ -2355,7 +2360,7 @@
             </a:ln>
             <a:extLst>
               <a:ext uri="{91240B29-F687-4f45-9708-019B960494DF}">
-                <a14:hiddenLine xmlns:a14="http://schemas.microsoft.com/office/drawing/2010/main" xmlns="" w="9525">
+                <a14:hiddenLine xmlns="" xmlns:a14="http://schemas.microsoft.com/office/drawing/2010/main" w="9525">
                   <a:solidFill>
                     <a:srgbClr val="000000"/>
                   </a:solidFill>
@@ -2430,7 +2435,7 @@
             </a:ln>
             <a:extLst>
               <a:ext uri="{91240B29-F687-4f45-9708-019B960494DF}">
-                <a14:hiddenLine xmlns:a14="http://schemas.microsoft.com/office/drawing/2010/main" xmlns="" w="9525">
+                <a14:hiddenLine xmlns="" xmlns:a14="http://schemas.microsoft.com/office/drawing/2010/main" w="9525">
                   <a:solidFill>
                     <a:srgbClr val="000000"/>
                   </a:solidFill>
@@ -2527,7 +2532,7 @@
             </a:ln>
             <a:extLst>
               <a:ext uri="{91240B29-F687-4f45-9708-019B960494DF}">
-                <a14:hiddenLine xmlns:a14="http://schemas.microsoft.com/office/drawing/2010/main" xmlns="" w="9525">
+                <a14:hiddenLine xmlns="" xmlns:a14="http://schemas.microsoft.com/office/drawing/2010/main" w="9525">
                   <a:solidFill>
                     <a:srgbClr val="000000"/>
                   </a:solidFill>
@@ -2568,7 +2573,7 @@
             </a:ln>
             <a:extLst>
               <a:ext uri="{91240B29-F687-4f45-9708-019B960494DF}">
-                <a14:hiddenLine xmlns:a14="http://schemas.microsoft.com/office/drawing/2010/main" xmlns="" w="9525">
+                <a14:hiddenLine xmlns="" xmlns:a14="http://schemas.microsoft.com/office/drawing/2010/main" w="9525">
                   <a:solidFill>
                     <a:srgbClr val="000000"/>
                   </a:solidFill>
@@ -2665,7 +2670,7 @@
             </a:ln>
             <a:extLst>
               <a:ext uri="{91240B29-F687-4f45-9708-019B960494DF}">
-                <a14:hiddenLine xmlns:a14="http://schemas.microsoft.com/office/drawing/2010/main" xmlns="" w="9525">
+                <a14:hiddenLine xmlns="" xmlns:a14="http://schemas.microsoft.com/office/drawing/2010/main" w="9525">
                   <a:solidFill>
                     <a:srgbClr val="000000"/>
                   </a:solidFill>
@@ -2734,7 +2739,7 @@
             </a:ln>
             <a:extLst>
               <a:ext uri="{91240B29-F687-4f45-9708-019B960494DF}">
-                <a14:hiddenLine xmlns:a14="http://schemas.microsoft.com/office/drawing/2010/main" xmlns="" w="9525">
+                <a14:hiddenLine xmlns="" xmlns:a14="http://schemas.microsoft.com/office/drawing/2010/main" w="9525">
                   <a:solidFill>
                     <a:srgbClr val="000000"/>
                   </a:solidFill>
@@ -2803,7 +2808,7 @@
             </a:ln>
             <a:extLst>
               <a:ext uri="{91240B29-F687-4f45-9708-019B960494DF}">
-                <a14:hiddenLine xmlns:a14="http://schemas.microsoft.com/office/drawing/2010/main" xmlns="" w="9525">
+                <a14:hiddenLine xmlns="" xmlns:a14="http://schemas.microsoft.com/office/drawing/2010/main" w="9525">
                   <a:solidFill>
                     <a:srgbClr val="000000"/>
                   </a:solidFill>
@@ -2900,7 +2905,7 @@
             </a:ln>
             <a:extLst>
               <a:ext uri="{91240B29-F687-4f45-9708-019B960494DF}">
-                <a14:hiddenLine xmlns:a14="http://schemas.microsoft.com/office/drawing/2010/main" xmlns="" w="9525">
+                <a14:hiddenLine xmlns="" xmlns:a14="http://schemas.microsoft.com/office/drawing/2010/main" w="9525">
                   <a:solidFill>
                     <a:srgbClr val="000000"/>
                   </a:solidFill>
@@ -2975,7 +2980,7 @@
             </a:ln>
             <a:extLst>
               <a:ext uri="{91240B29-F687-4f45-9708-019B960494DF}">
-                <a14:hiddenLine xmlns:a14="http://schemas.microsoft.com/office/drawing/2010/main" xmlns="" w="9525">
+                <a14:hiddenLine xmlns="" xmlns:a14="http://schemas.microsoft.com/office/drawing/2010/main" w="9525">
                   <a:solidFill>
                     <a:srgbClr val="000000"/>
                   </a:solidFill>
@@ -3044,7 +3049,7 @@
             </a:ln>
             <a:extLst>
               <a:ext uri="{91240B29-F687-4f45-9708-019B960494DF}">
-                <a14:hiddenLine xmlns:a14="http://schemas.microsoft.com/office/drawing/2010/main" xmlns="" w="9525">
+                <a14:hiddenLine xmlns="" xmlns:a14="http://schemas.microsoft.com/office/drawing/2010/main" w="9525">
                   <a:solidFill>
                     <a:srgbClr val="000000"/>
                   </a:solidFill>
@@ -3141,7 +3146,7 @@
             </a:ln>
             <a:extLst>
               <a:ext uri="{91240B29-F687-4f45-9708-019B960494DF}">
-                <a14:hiddenLine xmlns:a14="http://schemas.microsoft.com/office/drawing/2010/main" xmlns="" w="9525">
+                <a14:hiddenLine xmlns="" xmlns:a14="http://schemas.microsoft.com/office/drawing/2010/main" w="9525">
                   <a:solidFill>
                     <a:srgbClr val="000000"/>
                   </a:solidFill>
@@ -3210,7 +3215,7 @@
             </a:ln>
             <a:extLst>
               <a:ext uri="{91240B29-F687-4f45-9708-019B960494DF}">
-                <a14:hiddenLine xmlns:a14="http://schemas.microsoft.com/office/drawing/2010/main" xmlns="" w="9525">
+                <a14:hiddenLine xmlns="" xmlns:a14="http://schemas.microsoft.com/office/drawing/2010/main" w="9525">
                   <a:solidFill>
                     <a:srgbClr val="000000"/>
                   </a:solidFill>
@@ -3307,7 +3312,7 @@
             </a:ln>
             <a:extLst>
               <a:ext uri="{91240B29-F687-4f45-9708-019B960494DF}">
-                <a14:hiddenLine xmlns:a14="http://schemas.microsoft.com/office/drawing/2010/main" xmlns="" w="9525">
+                <a14:hiddenLine xmlns="" xmlns:a14="http://schemas.microsoft.com/office/drawing/2010/main" w="9525">
                   <a:solidFill>
                     <a:srgbClr val="000000"/>
                   </a:solidFill>
@@ -3376,7 +3381,7 @@
             </a:ln>
             <a:extLst>
               <a:ext uri="{91240B29-F687-4f45-9708-019B960494DF}">
-                <a14:hiddenLine xmlns:a14="http://schemas.microsoft.com/office/drawing/2010/main" xmlns="" w="9525">
+                <a14:hiddenLine xmlns="" xmlns:a14="http://schemas.microsoft.com/office/drawing/2010/main" w="9525">
                   <a:solidFill>
                     <a:srgbClr val="000000"/>
                   </a:solidFill>
@@ -3473,7 +3478,7 @@
             </a:ln>
             <a:extLst>
               <a:ext uri="{91240B29-F687-4f45-9708-019B960494DF}">
-                <a14:hiddenLine xmlns:a14="http://schemas.microsoft.com/office/drawing/2010/main" xmlns="" w="9525">
+                <a14:hiddenLine xmlns="" xmlns:a14="http://schemas.microsoft.com/office/drawing/2010/main" w="9525">
                   <a:solidFill>
                     <a:srgbClr val="000000"/>
                   </a:solidFill>
@@ -3514,7 +3519,7 @@
             </a:ln>
             <a:extLst>
               <a:ext uri="{91240B29-F687-4f45-9708-019B960494DF}">
-                <a14:hiddenLine xmlns:a14="http://schemas.microsoft.com/office/drawing/2010/main" xmlns="" w="9525">
+                <a14:hiddenLine xmlns="" xmlns:a14="http://schemas.microsoft.com/office/drawing/2010/main" w="9525">
                   <a:solidFill>
                     <a:srgbClr val="000000"/>
                   </a:solidFill>
@@ -3586,7 +3591,7 @@
             </a:ln>
             <a:extLst>
               <a:ext uri="{91240B29-F687-4f45-9708-019B960494DF}">
-                <a14:hiddenLine xmlns:a14="http://schemas.microsoft.com/office/drawing/2010/main" xmlns="" w="9525">
+                <a14:hiddenLine xmlns="" xmlns:a14="http://schemas.microsoft.com/office/drawing/2010/main" w="9525">
                   <a:solidFill>
                     <a:srgbClr val="000000"/>
                   </a:solidFill>
@@ -3683,7 +3688,7 @@
             </a:ln>
             <a:extLst>
               <a:ext uri="{91240B29-F687-4f45-9708-019B960494DF}">
-                <a14:hiddenLine xmlns:a14="http://schemas.microsoft.com/office/drawing/2010/main" xmlns="" w="9525">
+                <a14:hiddenLine xmlns="" xmlns:a14="http://schemas.microsoft.com/office/drawing/2010/main" w="9525">
                   <a:solidFill>
                     <a:srgbClr val="000000"/>
                   </a:solidFill>
@@ -3752,7 +3757,7 @@
             </a:ln>
             <a:extLst>
               <a:ext uri="{91240B29-F687-4f45-9708-019B960494DF}">
-                <a14:hiddenLine xmlns:a14="http://schemas.microsoft.com/office/drawing/2010/main" xmlns="" w="9525">
+                <a14:hiddenLine xmlns="" xmlns:a14="http://schemas.microsoft.com/office/drawing/2010/main" w="9525">
                   <a:solidFill>
                     <a:srgbClr val="000000"/>
                   </a:solidFill>
@@ -3849,7 +3854,7 @@
             </a:ln>
             <a:extLst>
               <a:ext uri="{91240B29-F687-4f45-9708-019B960494DF}">
-                <a14:hiddenLine xmlns:a14="http://schemas.microsoft.com/office/drawing/2010/main" xmlns="" w="9525">
+                <a14:hiddenLine xmlns="" xmlns:a14="http://schemas.microsoft.com/office/drawing/2010/main" w="9525">
                   <a:solidFill>
                     <a:srgbClr val="000000"/>
                   </a:solidFill>
@@ -3946,7 +3951,7 @@
             </a:ln>
             <a:extLst>
               <a:ext uri="{91240B29-F687-4f45-9708-019B960494DF}">
-                <a14:hiddenLine xmlns:a14="http://schemas.microsoft.com/office/drawing/2010/main" xmlns="" w="9525">
+                <a14:hiddenLine xmlns="" xmlns:a14="http://schemas.microsoft.com/office/drawing/2010/main" w="9525">
                   <a:solidFill>
                     <a:srgbClr val="000000"/>
                   </a:solidFill>
@@ -4018,7 +4023,7 @@
             </a:ln>
             <a:extLst>
               <a:ext uri="{91240B29-F687-4f45-9708-019B960494DF}">
-                <a14:hiddenLine xmlns:a14="http://schemas.microsoft.com/office/drawing/2010/main" xmlns="" w="9525">
+                <a14:hiddenLine xmlns="" xmlns:a14="http://schemas.microsoft.com/office/drawing/2010/main" w="9525">
                   <a:solidFill>
                     <a:srgbClr val="000000"/>
                   </a:solidFill>
@@ -4087,7 +4092,7 @@
             </a:ln>
             <a:extLst>
               <a:ext uri="{91240B29-F687-4f45-9708-019B960494DF}">
-                <a14:hiddenLine xmlns:a14="http://schemas.microsoft.com/office/drawing/2010/main" xmlns="" w="9525">
+                <a14:hiddenLine xmlns="" xmlns:a14="http://schemas.microsoft.com/office/drawing/2010/main" w="9525">
                   <a:solidFill>
                     <a:srgbClr val="000000"/>
                   </a:solidFill>
@@ -4184,7 +4189,7 @@
             </a:ln>
             <a:extLst>
               <a:ext uri="{91240B29-F687-4f45-9708-019B960494DF}">
-                <a14:hiddenLine xmlns:a14="http://schemas.microsoft.com/office/drawing/2010/main" xmlns="" w="9525">
+                <a14:hiddenLine xmlns="" xmlns:a14="http://schemas.microsoft.com/office/drawing/2010/main" w="9525">
                   <a:solidFill>
                     <a:srgbClr val="000000"/>
                   </a:solidFill>
@@ -4281,7 +4286,7 @@
             </a:ln>
             <a:extLst>
               <a:ext uri="{91240B29-F687-4f45-9708-019B960494DF}">
-                <a14:hiddenLine xmlns:a14="http://schemas.microsoft.com/office/drawing/2010/main" xmlns="" w="9525">
+                <a14:hiddenLine xmlns="" xmlns:a14="http://schemas.microsoft.com/office/drawing/2010/main" w="9525">
                   <a:solidFill>
                     <a:srgbClr val="000000"/>
                   </a:solidFill>
@@ -4350,7 +4355,7 @@
             </a:ln>
             <a:extLst>
               <a:ext uri="{91240B29-F687-4f45-9708-019B960494DF}">
-                <a14:hiddenLine xmlns:a14="http://schemas.microsoft.com/office/drawing/2010/main" xmlns="" w="9525">
+                <a14:hiddenLine xmlns="" xmlns:a14="http://schemas.microsoft.com/office/drawing/2010/main" w="9525">
                   <a:solidFill>
                     <a:srgbClr val="000000"/>
                   </a:solidFill>
@@ -4477,7 +4482,7 @@
             </a:ln>
             <a:extLst>
               <a:ext uri="{91240B29-F687-4f45-9708-019B960494DF}">
-                <a14:hiddenLine xmlns:a14="http://schemas.microsoft.com/office/drawing/2010/main" xmlns="" w="9525">
+                <a14:hiddenLine xmlns="" xmlns:a14="http://schemas.microsoft.com/office/drawing/2010/main" w="9525">
                   <a:solidFill>
                     <a:srgbClr val="000000"/>
                   </a:solidFill>
@@ -4552,7 +4557,7 @@
             </a:ln>
             <a:extLst>
               <a:ext uri="{91240B29-F687-4f45-9708-019B960494DF}">
-                <a14:hiddenLine xmlns:a14="http://schemas.microsoft.com/office/drawing/2010/main" xmlns="" w="9525">
+                <a14:hiddenLine xmlns="" xmlns:a14="http://schemas.microsoft.com/office/drawing/2010/main" w="9525">
                   <a:solidFill>
                     <a:srgbClr val="000000"/>
                   </a:solidFill>
@@ -4649,7 +4654,7 @@
             </a:ln>
             <a:extLst>
               <a:ext uri="{91240B29-F687-4f45-9708-019B960494DF}">
-                <a14:hiddenLine xmlns:a14="http://schemas.microsoft.com/office/drawing/2010/main" xmlns="" w="9525">
+                <a14:hiddenLine xmlns="" xmlns:a14="http://schemas.microsoft.com/office/drawing/2010/main" w="9525">
                   <a:solidFill>
                     <a:srgbClr val="000000"/>
                   </a:solidFill>
@@ -4796,7 +4801,7 @@
           <a:p>
             <a:fld id="{C7CC04FB-86A9-4518-B68C-513A8C480987}" type="datetimeFigureOut">
               <a:rPr lang="it-IT" smtClean="0"/>
-              <a:t>23/12/2025</a:t>
+              <a:t>13/01/2026</a:t>
             </a:fld>
             <a:endParaRPr lang="it-IT"/>
           </a:p>
@@ -4848,7 +4853,7 @@
           <a:p>
             <a:fld id="{53989CFC-89DE-4F17-B3B6-DFC80C736B18}" type="slidenum">
               <a:rPr lang="it-IT" smtClean="0"/>
-              <a:t>‹N›</a:t>
+              <a:t>‹#›</a:t>
             </a:fld>
             <a:endParaRPr lang="it-IT"/>
           </a:p>
@@ -5063,7 +5068,7 @@
           <a:p>
             <a:fld id="{C7CC04FB-86A9-4518-B68C-513A8C480987}" type="datetimeFigureOut">
               <a:rPr lang="it-IT" smtClean="0"/>
-              <a:t>23/12/2025</a:t>
+              <a:t>13/01/2026</a:t>
             </a:fld>
             <a:endParaRPr lang="it-IT"/>
           </a:p>
@@ -5105,7 +5110,7 @@
           <a:p>
             <a:fld id="{53989CFC-89DE-4F17-B3B6-DFC80C736B18}" type="slidenum">
               <a:rPr lang="it-IT" smtClean="0"/>
-              <a:t>‹N›</a:t>
+              <a:t>‹#›</a:t>
             </a:fld>
             <a:endParaRPr lang="it-IT"/>
           </a:p>
@@ -5259,7 +5264,7 @@
           <a:p>
             <a:fld id="{C7CC04FB-86A9-4518-B68C-513A8C480987}" type="datetimeFigureOut">
               <a:rPr lang="it-IT" smtClean="0"/>
-              <a:t>23/12/2025</a:t>
+              <a:t>13/01/2026</a:t>
             </a:fld>
             <a:endParaRPr lang="it-IT"/>
           </a:p>
@@ -5301,7 +5306,7 @@
           <a:p>
             <a:fld id="{53989CFC-89DE-4F17-B3B6-DFC80C736B18}" type="slidenum">
               <a:rPr lang="it-IT" smtClean="0"/>
-              <a:t>‹N›</a:t>
+              <a:t>‹#›</a:t>
             </a:fld>
             <a:endParaRPr lang="it-IT"/>
           </a:p>
@@ -5522,7 +5527,7 @@
           <a:p>
             <a:fld id="{C7CC04FB-86A9-4518-B68C-513A8C480987}" type="datetimeFigureOut">
               <a:rPr lang="it-IT" smtClean="0"/>
-              <a:t>23/12/2025</a:t>
+              <a:t>13/01/2026</a:t>
             </a:fld>
             <a:endParaRPr lang="it-IT"/>
           </a:p>
@@ -5564,7 +5569,7 @@
           <a:p>
             <a:fld id="{53989CFC-89DE-4F17-B3B6-DFC80C736B18}" type="slidenum">
               <a:rPr lang="it-IT" smtClean="0"/>
-              <a:t>‹N›</a:t>
+              <a:t>‹#›</a:t>
             </a:fld>
             <a:endParaRPr lang="it-IT"/>
           </a:p>
@@ -5956,7 +5961,7 @@
           <a:p>
             <a:fld id="{C7CC04FB-86A9-4518-B68C-513A8C480987}" type="datetimeFigureOut">
               <a:rPr lang="it-IT" smtClean="0"/>
-              <a:t>23/12/2025</a:t>
+              <a:t>13/01/2026</a:t>
             </a:fld>
             <a:endParaRPr lang="it-IT"/>
           </a:p>
@@ -5998,7 +6003,7 @@
           <a:p>
             <a:fld id="{53989CFC-89DE-4F17-B3B6-DFC80C736B18}" type="slidenum">
               <a:rPr lang="it-IT" smtClean="0"/>
-              <a:t>‹N›</a:t>
+              <a:t>‹#›</a:t>
             </a:fld>
             <a:endParaRPr lang="it-IT"/>
           </a:p>
@@ -6502,7 +6507,7 @@
           <a:p>
             <a:fld id="{C7CC04FB-86A9-4518-B68C-513A8C480987}" type="datetimeFigureOut">
               <a:rPr lang="it-IT" smtClean="0"/>
-              <a:t>23/12/2025</a:t>
+              <a:t>13/01/2026</a:t>
             </a:fld>
             <a:endParaRPr lang="it-IT"/>
           </a:p>
@@ -6544,7 +6549,7 @@
           <a:p>
             <a:fld id="{53989CFC-89DE-4F17-B3B6-DFC80C736B18}" type="slidenum">
               <a:rPr lang="it-IT" smtClean="0"/>
-              <a:t>‹N›</a:t>
+              <a:t>‹#›</a:t>
             </a:fld>
             <a:endParaRPr lang="it-IT"/>
           </a:p>
@@ -7222,7 +7227,7 @@
           <a:p>
             <a:fld id="{C7CC04FB-86A9-4518-B68C-513A8C480987}" type="datetimeFigureOut">
               <a:rPr lang="it-IT" smtClean="0"/>
-              <a:t>23/12/2025</a:t>
+              <a:t>13/01/2026</a:t>
             </a:fld>
             <a:endParaRPr lang="it-IT"/>
           </a:p>
@@ -7264,7 +7269,7 @@
           <a:p>
             <a:fld id="{53989CFC-89DE-4F17-B3B6-DFC80C736B18}" type="slidenum">
               <a:rPr lang="it-IT" smtClean="0"/>
-              <a:t>‹N›</a:t>
+              <a:t>‹#›</a:t>
             </a:fld>
             <a:endParaRPr lang="it-IT"/>
           </a:p>
@@ -7392,7 +7397,7 @@
           <a:p>
             <a:fld id="{C7CC04FB-86A9-4518-B68C-513A8C480987}" type="datetimeFigureOut">
               <a:rPr lang="it-IT" smtClean="0"/>
-              <a:t>23/12/2025</a:t>
+              <a:t>13/01/2026</a:t>
             </a:fld>
             <a:endParaRPr lang="it-IT"/>
           </a:p>
@@ -7434,7 +7439,7 @@
           <a:p>
             <a:fld id="{53989CFC-89DE-4F17-B3B6-DFC80C736B18}" type="slidenum">
               <a:rPr lang="it-IT" smtClean="0"/>
-              <a:t>‹N›</a:t>
+              <a:t>‹#›</a:t>
             </a:fld>
             <a:endParaRPr lang="it-IT"/>
           </a:p>
@@ -7572,7 +7577,7 @@
           <a:p>
             <a:fld id="{C7CC04FB-86A9-4518-B68C-513A8C480987}" type="datetimeFigureOut">
               <a:rPr lang="it-IT" smtClean="0"/>
-              <a:t>23/12/2025</a:t>
+              <a:t>13/01/2026</a:t>
             </a:fld>
             <a:endParaRPr lang="it-IT"/>
           </a:p>
@@ -7614,7 +7619,7 @@
           <a:p>
             <a:fld id="{53989CFC-89DE-4F17-B3B6-DFC80C736B18}" type="slidenum">
               <a:rPr lang="it-IT" smtClean="0"/>
-              <a:t>‹N›</a:t>
+              <a:t>‹#›</a:t>
             </a:fld>
             <a:endParaRPr lang="it-IT"/>
           </a:p>
@@ -7742,7 +7747,7 @@
           <a:p>
             <a:fld id="{C7CC04FB-86A9-4518-B68C-513A8C480987}" type="datetimeFigureOut">
               <a:rPr lang="it-IT" smtClean="0"/>
-              <a:t>23/12/2025</a:t>
+              <a:t>13/01/2026</a:t>
             </a:fld>
             <a:endParaRPr lang="it-IT"/>
           </a:p>
@@ -7784,7 +7789,7 @@
           <a:p>
             <a:fld id="{53989CFC-89DE-4F17-B3B6-DFC80C736B18}" type="slidenum">
               <a:rPr lang="it-IT" smtClean="0"/>
-              <a:t>‹N›</a:t>
+              <a:t>‹#›</a:t>
             </a:fld>
             <a:endParaRPr lang="it-IT"/>
           </a:p>
@@ -7992,7 +7997,7 @@
           <a:p>
             <a:fld id="{C7CC04FB-86A9-4518-B68C-513A8C480987}" type="datetimeFigureOut">
               <a:rPr lang="it-IT" smtClean="0"/>
-              <a:t>23/12/2025</a:t>
+              <a:t>13/01/2026</a:t>
             </a:fld>
             <a:endParaRPr lang="it-IT"/>
           </a:p>
@@ -8034,7 +8039,7 @@
           <a:p>
             <a:fld id="{53989CFC-89DE-4F17-B3B6-DFC80C736B18}" type="slidenum">
               <a:rPr lang="it-IT" smtClean="0"/>
-              <a:t>‹N›</a:t>
+              <a:t>‹#›</a:t>
             </a:fld>
             <a:endParaRPr lang="it-IT"/>
           </a:p>
@@ -8224,7 +8229,7 @@
           <a:p>
             <a:fld id="{C7CC04FB-86A9-4518-B68C-513A8C480987}" type="datetimeFigureOut">
               <a:rPr lang="it-IT" smtClean="0"/>
-              <a:t>23/12/2025</a:t>
+              <a:t>13/01/2026</a:t>
             </a:fld>
             <a:endParaRPr lang="it-IT"/>
           </a:p>
@@ -8266,7 +8271,7 @@
           <a:p>
             <a:fld id="{53989CFC-89DE-4F17-B3B6-DFC80C736B18}" type="slidenum">
               <a:rPr lang="it-IT" smtClean="0"/>
-              <a:t>‹N›</a:t>
+              <a:t>‹#›</a:t>
             </a:fld>
             <a:endParaRPr lang="it-IT"/>
           </a:p>
@@ -8605,7 +8610,7 @@
           <a:p>
             <a:fld id="{C7CC04FB-86A9-4518-B68C-513A8C480987}" type="datetimeFigureOut">
               <a:rPr lang="it-IT" smtClean="0"/>
-              <a:t>23/12/2025</a:t>
+              <a:t>13/01/2026</a:t>
             </a:fld>
             <a:endParaRPr lang="it-IT"/>
           </a:p>
@@ -8647,7 +8652,7 @@
           <a:p>
             <a:fld id="{53989CFC-89DE-4F17-B3B6-DFC80C736B18}" type="slidenum">
               <a:rPr lang="it-IT" smtClean="0"/>
-              <a:t>‹N›</a:t>
+              <a:t>‹#›</a:t>
             </a:fld>
             <a:endParaRPr lang="it-IT"/>
           </a:p>
@@ -8723,7 +8728,7 @@
           <a:p>
             <a:fld id="{C7CC04FB-86A9-4518-B68C-513A8C480987}" type="datetimeFigureOut">
               <a:rPr lang="it-IT" smtClean="0"/>
-              <a:t>23/12/2025</a:t>
+              <a:t>13/01/2026</a:t>
             </a:fld>
             <a:endParaRPr lang="it-IT"/>
           </a:p>
@@ -8765,7 +8770,7 @@
           <a:p>
             <a:fld id="{53989CFC-89DE-4F17-B3B6-DFC80C736B18}" type="slidenum">
               <a:rPr lang="it-IT" smtClean="0"/>
-              <a:t>‹N›</a:t>
+              <a:t>‹#›</a:t>
             </a:fld>
             <a:endParaRPr lang="it-IT"/>
           </a:p>
@@ -8818,7 +8823,7 @@
           <a:p>
             <a:fld id="{C7CC04FB-86A9-4518-B68C-513A8C480987}" type="datetimeFigureOut">
               <a:rPr lang="it-IT" smtClean="0"/>
-              <a:t>23/12/2025</a:t>
+              <a:t>13/01/2026</a:t>
             </a:fld>
             <a:endParaRPr lang="it-IT"/>
           </a:p>
@@ -8860,7 +8865,7 @@
           <a:p>
             <a:fld id="{53989CFC-89DE-4F17-B3B6-DFC80C736B18}" type="slidenum">
               <a:rPr lang="it-IT" smtClean="0"/>
-              <a:t>‹N›</a:t>
+              <a:t>‹#›</a:t>
             </a:fld>
             <a:endParaRPr lang="it-IT"/>
           </a:p>
@@ -9067,7 +9072,7 @@
           <a:p>
             <a:fld id="{C7CC04FB-86A9-4518-B68C-513A8C480987}" type="datetimeFigureOut">
               <a:rPr lang="it-IT" smtClean="0"/>
-              <a:t>23/12/2025</a:t>
+              <a:t>13/01/2026</a:t>
             </a:fld>
             <a:endParaRPr lang="it-IT"/>
           </a:p>
@@ -9109,7 +9114,7 @@
           <a:p>
             <a:fld id="{53989CFC-89DE-4F17-B3B6-DFC80C736B18}" type="slidenum">
               <a:rPr lang="it-IT" smtClean="0"/>
-              <a:t>‹N›</a:t>
+              <a:t>‹#›</a:t>
             </a:fld>
             <a:endParaRPr lang="it-IT"/>
           </a:p>
@@ -9347,7 +9352,7 @@
           <a:p>
             <a:fld id="{C7CC04FB-86A9-4518-B68C-513A8C480987}" type="datetimeFigureOut">
               <a:rPr lang="it-IT" smtClean="0"/>
-              <a:t>23/12/2025</a:t>
+              <a:t>13/01/2026</a:t>
             </a:fld>
             <a:endParaRPr lang="it-IT"/>
           </a:p>
@@ -9389,7 +9394,7 @@
           <a:p>
             <a:fld id="{53989CFC-89DE-4F17-B3B6-DFC80C736B18}" type="slidenum">
               <a:rPr lang="it-IT" smtClean="0"/>
-              <a:t>‹N›</a:t>
+              <a:t>‹#›</a:t>
             </a:fld>
             <a:endParaRPr lang="it-IT"/>
           </a:p>
@@ -9463,7 +9468,7 @@
           <a:noFill/>
           <a:extLst>
             <a:ext uri="{909E8E84-426E-40dd-AFC4-6F175D3DCCD1}">
-              <a14:hiddenFill xmlns:a14="http://schemas.microsoft.com/office/drawing/2010/main" xmlns="">
+              <a14:hiddenFill xmlns="" xmlns:a14="http://schemas.microsoft.com/office/drawing/2010/main">
                 <a:solidFill>
                   <a:srgbClr val="FFFFFF"/>
                 </a:solidFill>
@@ -9537,7 +9542,7 @@
               </a:ln>
               <a:extLst>
                 <a:ext uri="{91240B29-F687-4f45-9708-019B960494DF}">
-                  <a14:hiddenLine xmlns:a14="http://schemas.microsoft.com/office/drawing/2010/main" xmlns="" w="9525">
+                  <a14:hiddenLine xmlns="" xmlns:a14="http://schemas.microsoft.com/office/drawing/2010/main" w="9525">
                     <a:solidFill>
                       <a:srgbClr val="000000"/>
                     </a:solidFill>
@@ -9634,7 +9639,7 @@
               </a:ln>
               <a:extLst>
                 <a:ext uri="{91240B29-F687-4f45-9708-019B960494DF}">
-                  <a14:hiddenLine xmlns:a14="http://schemas.microsoft.com/office/drawing/2010/main" xmlns="" w="9525">
+                  <a14:hiddenLine xmlns="" xmlns:a14="http://schemas.microsoft.com/office/drawing/2010/main" w="9525">
                     <a:solidFill>
                       <a:srgbClr val="000000"/>
                     </a:solidFill>
@@ -9731,7 +9736,7 @@
               </a:ln>
               <a:extLst>
                 <a:ext uri="{91240B29-F687-4f45-9708-019B960494DF}">
-                  <a14:hiddenLine xmlns:a14="http://schemas.microsoft.com/office/drawing/2010/main" xmlns="" w="9525">
+                  <a14:hiddenLine xmlns="" xmlns:a14="http://schemas.microsoft.com/office/drawing/2010/main" w="9525">
                     <a:solidFill>
                       <a:srgbClr val="000000"/>
                     </a:solidFill>
@@ -9800,7 +9805,7 @@
               </a:ln>
               <a:extLst>
                 <a:ext uri="{91240B29-F687-4f45-9708-019B960494DF}">
-                  <a14:hiddenLine xmlns:a14="http://schemas.microsoft.com/office/drawing/2010/main" xmlns="" w="9525">
+                  <a14:hiddenLine xmlns="" xmlns:a14="http://schemas.microsoft.com/office/drawing/2010/main" w="9525">
                     <a:solidFill>
                       <a:srgbClr val="000000"/>
                     </a:solidFill>
@@ -9897,7 +9902,7 @@
               </a:ln>
               <a:extLst>
                 <a:ext uri="{91240B29-F687-4f45-9708-019B960494DF}">
-                  <a14:hiddenLine xmlns:a14="http://schemas.microsoft.com/office/drawing/2010/main" xmlns="" w="9525">
+                  <a14:hiddenLine xmlns="" xmlns:a14="http://schemas.microsoft.com/office/drawing/2010/main" w="9525">
                     <a:solidFill>
                       <a:srgbClr val="000000"/>
                     </a:solidFill>
@@ -9966,7 +9971,7 @@
               </a:ln>
               <a:extLst>
                 <a:ext uri="{91240B29-F687-4f45-9708-019B960494DF}">
-                  <a14:hiddenLine xmlns:a14="http://schemas.microsoft.com/office/drawing/2010/main" xmlns="" w="9525">
+                  <a14:hiddenLine xmlns="" xmlns:a14="http://schemas.microsoft.com/office/drawing/2010/main" w="9525">
                     <a:solidFill>
                       <a:srgbClr val="000000"/>
                     </a:solidFill>
@@ -10035,7 +10040,7 @@
               </a:ln>
               <a:extLst>
                 <a:ext uri="{91240B29-F687-4f45-9708-019B960494DF}">
-                  <a14:hiddenLine xmlns:a14="http://schemas.microsoft.com/office/drawing/2010/main" xmlns="" w="9525">
+                  <a14:hiddenLine xmlns="" xmlns:a14="http://schemas.microsoft.com/office/drawing/2010/main" w="9525">
                     <a:solidFill>
                       <a:srgbClr val="000000"/>
                     </a:solidFill>
@@ -10132,7 +10137,7 @@
               </a:ln>
               <a:extLst>
                 <a:ext uri="{91240B29-F687-4f45-9708-019B960494DF}">
-                  <a14:hiddenLine xmlns:a14="http://schemas.microsoft.com/office/drawing/2010/main" xmlns="" w="9525">
+                  <a14:hiddenLine xmlns="" xmlns:a14="http://schemas.microsoft.com/office/drawing/2010/main" w="9525">
                     <a:solidFill>
                       <a:srgbClr val="000000"/>
                     </a:solidFill>
@@ -10229,7 +10234,7 @@
               </a:ln>
               <a:extLst>
                 <a:ext uri="{91240B29-F687-4f45-9708-019B960494DF}">
-                  <a14:hiddenLine xmlns:a14="http://schemas.microsoft.com/office/drawing/2010/main" xmlns="" w="9525">
+                  <a14:hiddenLine xmlns="" xmlns:a14="http://schemas.microsoft.com/office/drawing/2010/main" w="9525">
                     <a:solidFill>
                       <a:srgbClr val="000000"/>
                     </a:solidFill>
@@ -10298,7 +10303,7 @@
               </a:ln>
               <a:extLst>
                 <a:ext uri="{91240B29-F687-4f45-9708-019B960494DF}">
-                  <a14:hiddenLine xmlns:a14="http://schemas.microsoft.com/office/drawing/2010/main" xmlns="" w="9525">
+                  <a14:hiddenLine xmlns="" xmlns:a14="http://schemas.microsoft.com/office/drawing/2010/main" w="9525">
                     <a:solidFill>
                       <a:srgbClr val="000000"/>
                     </a:solidFill>
@@ -10415,7 +10420,7 @@
               </a:ln>
               <a:extLst>
                 <a:ext uri="{91240B29-F687-4f45-9708-019B960494DF}">
-                  <a14:hiddenLine xmlns:a14="http://schemas.microsoft.com/office/drawing/2010/main" xmlns="" w="9525">
+                  <a14:hiddenLine xmlns="" xmlns:a14="http://schemas.microsoft.com/office/drawing/2010/main" w="9525">
                     <a:solidFill>
                       <a:srgbClr val="000000"/>
                     </a:solidFill>
@@ -10513,7 +10518,7 @@
               </a:ln>
               <a:extLst>
                 <a:ext uri="{91240B29-F687-4f45-9708-019B960494DF}">
-                  <a14:hiddenLine xmlns:a14="http://schemas.microsoft.com/office/drawing/2010/main" xmlns="" w="9525">
+                  <a14:hiddenLine xmlns="" xmlns:a14="http://schemas.microsoft.com/office/drawing/2010/main" w="9525">
                     <a:solidFill>
                       <a:srgbClr val="000000"/>
                     </a:solidFill>
@@ -10582,7 +10587,7 @@
               </a:ln>
               <a:extLst>
                 <a:ext uri="{91240B29-F687-4f45-9708-019B960494DF}">
-                  <a14:hiddenLine xmlns:a14="http://schemas.microsoft.com/office/drawing/2010/main" xmlns="" w="9525">
+                  <a14:hiddenLine xmlns="" xmlns:a14="http://schemas.microsoft.com/office/drawing/2010/main" w="9525">
                     <a:solidFill>
                       <a:srgbClr val="000000"/>
                     </a:solidFill>
@@ -10651,7 +10656,7 @@
               </a:ln>
               <a:extLst>
                 <a:ext uri="{91240B29-F687-4f45-9708-019B960494DF}">
-                  <a14:hiddenLine xmlns:a14="http://schemas.microsoft.com/office/drawing/2010/main" xmlns="" w="9525">
+                  <a14:hiddenLine xmlns="" xmlns:a14="http://schemas.microsoft.com/office/drawing/2010/main" w="9525">
                     <a:solidFill>
                       <a:srgbClr val="000000"/>
                     </a:solidFill>
@@ -10748,7 +10753,7 @@
               </a:ln>
               <a:extLst>
                 <a:ext uri="{91240B29-F687-4f45-9708-019B960494DF}">
-                  <a14:hiddenLine xmlns:a14="http://schemas.microsoft.com/office/drawing/2010/main" xmlns="" w="9525">
+                  <a14:hiddenLine xmlns="" xmlns:a14="http://schemas.microsoft.com/office/drawing/2010/main" w="9525">
                     <a:solidFill>
                       <a:srgbClr val="000000"/>
                     </a:solidFill>
@@ -10789,7 +10794,7 @@
               </a:ln>
               <a:extLst>
                 <a:ext uri="{91240B29-F687-4f45-9708-019B960494DF}">
-                  <a14:hiddenLine xmlns:a14="http://schemas.microsoft.com/office/drawing/2010/main" xmlns="" w="9525">
+                  <a14:hiddenLine xmlns="" xmlns:a14="http://schemas.microsoft.com/office/drawing/2010/main" w="9525">
                     <a:solidFill>
                       <a:srgbClr val="000000"/>
                     </a:solidFill>
@@ -10861,7 +10866,7 @@
               </a:ln>
               <a:extLst>
                 <a:ext uri="{91240B29-F687-4f45-9708-019B960494DF}">
-                  <a14:hiddenLine xmlns:a14="http://schemas.microsoft.com/office/drawing/2010/main" xmlns="" w="9525">
+                  <a14:hiddenLine xmlns="" xmlns:a14="http://schemas.microsoft.com/office/drawing/2010/main" w="9525">
                     <a:solidFill>
                       <a:srgbClr val="000000"/>
                     </a:solidFill>
@@ -10958,7 +10963,7 @@
               </a:ln>
               <a:extLst>
                 <a:ext uri="{91240B29-F687-4f45-9708-019B960494DF}">
-                  <a14:hiddenLine xmlns:a14="http://schemas.microsoft.com/office/drawing/2010/main" xmlns="" w="9525">
+                  <a14:hiddenLine xmlns="" xmlns:a14="http://schemas.microsoft.com/office/drawing/2010/main" w="9525">
                     <a:solidFill>
                       <a:srgbClr val="000000"/>
                     </a:solidFill>
@@ -11027,7 +11032,7 @@
               </a:ln>
               <a:extLst>
                 <a:ext uri="{91240B29-F687-4f45-9708-019B960494DF}">
-                  <a14:hiddenLine xmlns:a14="http://schemas.microsoft.com/office/drawing/2010/main" xmlns="" w="9525">
+                  <a14:hiddenLine xmlns="" xmlns:a14="http://schemas.microsoft.com/office/drawing/2010/main" w="9525">
                     <a:solidFill>
                       <a:srgbClr val="000000"/>
                     </a:solidFill>
@@ -11124,7 +11129,7 @@
               </a:ln>
               <a:extLst>
                 <a:ext uri="{91240B29-F687-4f45-9708-019B960494DF}">
-                  <a14:hiddenLine xmlns:a14="http://schemas.microsoft.com/office/drawing/2010/main" xmlns="" w="9525">
+                  <a14:hiddenLine xmlns="" xmlns:a14="http://schemas.microsoft.com/office/drawing/2010/main" w="9525">
                     <a:solidFill>
                       <a:srgbClr val="000000"/>
                     </a:solidFill>
@@ -11196,7 +11201,7 @@
               </a:ln>
               <a:extLst>
                 <a:ext uri="{91240B29-F687-4f45-9708-019B960494DF}">
-                  <a14:hiddenLine xmlns:a14="http://schemas.microsoft.com/office/drawing/2010/main" xmlns="" w="9525">
+                  <a14:hiddenLine xmlns="" xmlns:a14="http://schemas.microsoft.com/office/drawing/2010/main" w="9525">
                     <a:solidFill>
                       <a:srgbClr val="000000"/>
                     </a:solidFill>
@@ -11265,7 +11270,7 @@
               </a:ln>
               <a:extLst>
                 <a:ext uri="{91240B29-F687-4f45-9708-019B960494DF}">
-                  <a14:hiddenLine xmlns:a14="http://schemas.microsoft.com/office/drawing/2010/main" xmlns="" w="9525">
+                  <a14:hiddenLine xmlns="" xmlns:a14="http://schemas.microsoft.com/office/drawing/2010/main" w="9525">
                     <a:solidFill>
                       <a:srgbClr val="000000"/>
                     </a:solidFill>
@@ -11362,7 +11367,7 @@
               </a:ln>
               <a:extLst>
                 <a:ext uri="{91240B29-F687-4f45-9708-019B960494DF}">
-                  <a14:hiddenLine xmlns:a14="http://schemas.microsoft.com/office/drawing/2010/main" xmlns="" w="9525">
+                  <a14:hiddenLine xmlns="" xmlns:a14="http://schemas.microsoft.com/office/drawing/2010/main" w="9525">
                     <a:solidFill>
                       <a:srgbClr val="000000"/>
                     </a:solidFill>
@@ -11459,7 +11464,7 @@
               </a:ln>
               <a:extLst>
                 <a:ext uri="{91240B29-F687-4f45-9708-019B960494DF}">
-                  <a14:hiddenLine xmlns:a14="http://schemas.microsoft.com/office/drawing/2010/main" xmlns="" w="9525">
+                  <a14:hiddenLine xmlns="" xmlns:a14="http://schemas.microsoft.com/office/drawing/2010/main" w="9525">
                     <a:solidFill>
                       <a:srgbClr val="000000"/>
                     </a:solidFill>
@@ -11531,7 +11536,7 @@
               </a:ln>
               <a:extLst>
                 <a:ext uri="{91240B29-F687-4f45-9708-019B960494DF}">
-                  <a14:hiddenLine xmlns:a14="http://schemas.microsoft.com/office/drawing/2010/main" xmlns="" w="9525">
+                  <a14:hiddenLine xmlns="" xmlns:a14="http://schemas.microsoft.com/office/drawing/2010/main" w="9525">
                     <a:solidFill>
                       <a:srgbClr val="000000"/>
                     </a:solidFill>
@@ -11658,7 +11663,7 @@
               </a:ln>
               <a:extLst>
                 <a:ext uri="{91240B29-F687-4f45-9708-019B960494DF}">
-                  <a14:hiddenLine xmlns:a14="http://schemas.microsoft.com/office/drawing/2010/main" xmlns="" w="9525">
+                  <a14:hiddenLine xmlns="" xmlns:a14="http://schemas.microsoft.com/office/drawing/2010/main" w="9525">
                     <a:solidFill>
                       <a:srgbClr val="000000"/>
                     </a:solidFill>
@@ -11763,7 +11768,7 @@
               </a:ln>
               <a:extLst>
                 <a:ext uri="{91240B29-F687-4f45-9708-019B960494DF}">
-                  <a14:hiddenLine xmlns:a14="http://schemas.microsoft.com/office/drawing/2010/main" xmlns="" w="9525">
+                  <a14:hiddenLine xmlns="" xmlns:a14="http://schemas.microsoft.com/office/drawing/2010/main" w="9525">
                     <a:solidFill>
                       <a:srgbClr val="000000"/>
                     </a:solidFill>
@@ -11885,7 +11890,7 @@
               </a:ln>
               <a:extLst>
                 <a:ext uri="{91240B29-F687-4f45-9708-019B960494DF}">
-                  <a14:hiddenLine xmlns:a14="http://schemas.microsoft.com/office/drawing/2010/main" xmlns="" w="9525">
+                  <a14:hiddenLine xmlns="" xmlns:a14="http://schemas.microsoft.com/office/drawing/2010/main" w="9525">
                     <a:solidFill>
                       <a:srgbClr val="000000"/>
                     </a:solidFill>
@@ -11982,7 +11987,7 @@
               </a:ln>
               <a:extLst>
                 <a:ext uri="{91240B29-F687-4f45-9708-019B960494DF}">
-                  <a14:hiddenLine xmlns:a14="http://schemas.microsoft.com/office/drawing/2010/main" xmlns="" w="9525">
+                  <a14:hiddenLine xmlns="" xmlns:a14="http://schemas.microsoft.com/office/drawing/2010/main" w="9525">
                     <a:solidFill>
                       <a:srgbClr val="000000"/>
                     </a:solidFill>
@@ -12054,7 +12059,7 @@
               </a:ln>
               <a:extLst>
                 <a:ext uri="{91240B29-F687-4f45-9708-019B960494DF}">
-                  <a14:hiddenLine xmlns:a14="http://schemas.microsoft.com/office/drawing/2010/main" xmlns="" w="9525">
+                  <a14:hiddenLine xmlns="" xmlns:a14="http://schemas.microsoft.com/office/drawing/2010/main" w="9525">
                     <a:solidFill>
                       <a:srgbClr val="000000"/>
                     </a:solidFill>
@@ -12151,7 +12156,7 @@
               </a:ln>
               <a:extLst>
                 <a:ext uri="{91240B29-F687-4f45-9708-019B960494DF}">
-                  <a14:hiddenLine xmlns:a14="http://schemas.microsoft.com/office/drawing/2010/main" xmlns="" w="9525">
+                  <a14:hiddenLine xmlns="" xmlns:a14="http://schemas.microsoft.com/office/drawing/2010/main" w="9525">
                     <a:solidFill>
                       <a:srgbClr val="000000"/>
                     </a:solidFill>
@@ -12226,7 +12231,7 @@
               </a:ln>
               <a:extLst>
                 <a:ext uri="{91240B29-F687-4f45-9708-019B960494DF}">
-                  <a14:hiddenLine xmlns:a14="http://schemas.microsoft.com/office/drawing/2010/main" xmlns="" w="9525">
+                  <a14:hiddenLine xmlns="" xmlns:a14="http://schemas.microsoft.com/office/drawing/2010/main" w="9525">
                     <a:solidFill>
                       <a:srgbClr val="000000"/>
                     </a:solidFill>
@@ -12323,7 +12328,7 @@
               </a:ln>
               <a:extLst>
                 <a:ext uri="{91240B29-F687-4f45-9708-019B960494DF}">
-                  <a14:hiddenLine xmlns:a14="http://schemas.microsoft.com/office/drawing/2010/main" xmlns="" w="9525">
+                  <a14:hiddenLine xmlns="" xmlns:a14="http://schemas.microsoft.com/office/drawing/2010/main" w="9525">
                     <a:solidFill>
                       <a:srgbClr val="000000"/>
                     </a:solidFill>
@@ -12398,7 +12403,7 @@
               </a:ln>
               <a:extLst>
                 <a:ext uri="{91240B29-F687-4f45-9708-019B960494DF}">
-                  <a14:hiddenLine xmlns:a14="http://schemas.microsoft.com/office/drawing/2010/main" xmlns="" w="9525">
+                  <a14:hiddenLine xmlns="" xmlns:a14="http://schemas.microsoft.com/office/drawing/2010/main" w="9525">
                     <a:solidFill>
                       <a:srgbClr val="000000"/>
                     </a:solidFill>
@@ -12495,7 +12500,7 @@
               </a:ln>
               <a:extLst>
                 <a:ext uri="{91240B29-F687-4f45-9708-019B960494DF}">
-                  <a14:hiddenLine xmlns:a14="http://schemas.microsoft.com/office/drawing/2010/main" xmlns="" w="9525">
+                  <a14:hiddenLine xmlns="" xmlns:a14="http://schemas.microsoft.com/office/drawing/2010/main" w="9525">
                     <a:solidFill>
                       <a:srgbClr val="000000"/>
                     </a:solidFill>
@@ -12536,7 +12541,7 @@
               </a:ln>
               <a:extLst>
                 <a:ext uri="{91240B29-F687-4f45-9708-019B960494DF}">
-                  <a14:hiddenLine xmlns:a14="http://schemas.microsoft.com/office/drawing/2010/main" xmlns="" w="9525">
+                  <a14:hiddenLine xmlns="" xmlns:a14="http://schemas.microsoft.com/office/drawing/2010/main" w="9525">
                     <a:solidFill>
                       <a:srgbClr val="000000"/>
                     </a:solidFill>
@@ -12683,7 +12688,7 @@
           <a:p>
             <a:fld id="{C7CC04FB-86A9-4518-B68C-513A8C480987}" type="datetimeFigureOut">
               <a:rPr lang="it-IT" smtClean="0"/>
-              <a:t>23/12/2025</a:t>
+              <a:t>13/01/2026</a:t>
             </a:fld>
             <a:endParaRPr lang="it-IT"/>
           </a:p>
@@ -12761,7 +12766,7 @@
           <a:p>
             <a:fld id="{53989CFC-89DE-4F17-B3B6-DFC80C736B18}" type="slidenum">
               <a:rPr lang="it-IT" smtClean="0"/>
-              <a:t>‹N›</a:t>
+              <a:t>‹#›</a:t>
             </a:fld>
             <a:endParaRPr lang="it-IT"/>
           </a:p>
@@ -13529,7 +13534,7 @@
             </a:ln>
             <a:extLst>
               <a:ext uri="{91240B29-F687-4f45-9708-019B960494DF}">
-                <a14:hiddenLine xmlns="" xmlns:a16="http://schemas.microsoft.com/office/drawing/2014/main" xmlns:p14="http://schemas.microsoft.com/office/powerpoint/2010/main" xmlns:a14="http://schemas.microsoft.com/office/drawing/2010/main" w="9525">
+                <a14:hiddenLine xmlns:a14="http://schemas.microsoft.com/office/drawing/2010/main" xmlns:p14="http://schemas.microsoft.com/office/powerpoint/2010/main" xmlns:a16="http://schemas.microsoft.com/office/drawing/2014/main" xmlns="" w="9525">
                   <a:solidFill>
                     <a:srgbClr val="000000"/>
                   </a:solidFill>
@@ -13641,7 +13646,7 @@
             </a:ln>
             <a:extLst>
               <a:ext uri="{91240B29-F687-4f45-9708-019B960494DF}">
-                <a14:hiddenLine xmlns="" xmlns:a16="http://schemas.microsoft.com/office/drawing/2014/main" xmlns:p14="http://schemas.microsoft.com/office/powerpoint/2010/main" xmlns:a14="http://schemas.microsoft.com/office/drawing/2010/main" w="9525">
+                <a14:hiddenLine xmlns:a14="http://schemas.microsoft.com/office/drawing/2010/main" xmlns:p14="http://schemas.microsoft.com/office/powerpoint/2010/main" xmlns:a16="http://schemas.microsoft.com/office/drawing/2014/main" xmlns="" w="9525">
                   <a:solidFill>
                     <a:srgbClr val="000000"/>
                   </a:solidFill>
@@ -13753,7 +13758,7 @@
             </a:ln>
             <a:extLst>
               <a:ext uri="{91240B29-F687-4f45-9708-019B960494DF}">
-                <a14:hiddenLine xmlns="" xmlns:a16="http://schemas.microsoft.com/office/drawing/2014/main" xmlns:p14="http://schemas.microsoft.com/office/powerpoint/2010/main" xmlns:a14="http://schemas.microsoft.com/office/drawing/2010/main" w="9525">
+                <a14:hiddenLine xmlns:a14="http://schemas.microsoft.com/office/drawing/2010/main" xmlns:p14="http://schemas.microsoft.com/office/powerpoint/2010/main" xmlns:a16="http://schemas.microsoft.com/office/drawing/2014/main" xmlns="" w="9525">
                   <a:solidFill>
                     <a:srgbClr val="000000"/>
                   </a:solidFill>
@@ -13837,7 +13842,7 @@
             </a:ln>
             <a:extLst>
               <a:ext uri="{91240B29-F687-4f45-9708-019B960494DF}">
-                <a14:hiddenLine xmlns="" xmlns:a16="http://schemas.microsoft.com/office/drawing/2014/main" xmlns:p14="http://schemas.microsoft.com/office/powerpoint/2010/main" xmlns:a14="http://schemas.microsoft.com/office/drawing/2010/main" w="9525">
+                <a14:hiddenLine xmlns:a14="http://schemas.microsoft.com/office/drawing/2010/main" xmlns:p14="http://schemas.microsoft.com/office/powerpoint/2010/main" xmlns:a16="http://schemas.microsoft.com/office/drawing/2014/main" xmlns="" w="9525">
                   <a:solidFill>
                     <a:srgbClr val="000000"/>
                   </a:solidFill>
@@ -13949,7 +13954,7 @@
             </a:ln>
             <a:extLst>
               <a:ext uri="{91240B29-F687-4f45-9708-019B960494DF}">
-                <a14:hiddenLine xmlns="" xmlns:a16="http://schemas.microsoft.com/office/drawing/2014/main" xmlns:p14="http://schemas.microsoft.com/office/powerpoint/2010/main" xmlns:a14="http://schemas.microsoft.com/office/drawing/2010/main" w="9525">
+                <a14:hiddenLine xmlns:a14="http://schemas.microsoft.com/office/drawing/2010/main" xmlns:p14="http://schemas.microsoft.com/office/powerpoint/2010/main" xmlns:a16="http://schemas.microsoft.com/office/drawing/2014/main" xmlns="" w="9525">
                   <a:solidFill>
                     <a:srgbClr val="000000"/>
                   </a:solidFill>
@@ -14033,7 +14038,7 @@
             </a:ln>
             <a:extLst>
               <a:ext uri="{91240B29-F687-4f45-9708-019B960494DF}">
-                <a14:hiddenLine xmlns="" xmlns:a16="http://schemas.microsoft.com/office/drawing/2014/main" xmlns:p14="http://schemas.microsoft.com/office/powerpoint/2010/main" xmlns:a14="http://schemas.microsoft.com/office/drawing/2010/main" w="9525">
+                <a14:hiddenLine xmlns:a14="http://schemas.microsoft.com/office/drawing/2010/main" xmlns:p14="http://schemas.microsoft.com/office/powerpoint/2010/main" xmlns:a16="http://schemas.microsoft.com/office/drawing/2014/main" xmlns="" w="9525">
                   <a:solidFill>
                     <a:srgbClr val="000000"/>
                   </a:solidFill>
@@ -14117,7 +14122,7 @@
             </a:ln>
             <a:extLst>
               <a:ext uri="{91240B29-F687-4f45-9708-019B960494DF}">
-                <a14:hiddenLine xmlns="" xmlns:a16="http://schemas.microsoft.com/office/drawing/2014/main" xmlns:p14="http://schemas.microsoft.com/office/powerpoint/2010/main" xmlns:a14="http://schemas.microsoft.com/office/drawing/2010/main" w="9525">
+                <a14:hiddenLine xmlns:a14="http://schemas.microsoft.com/office/drawing/2010/main" xmlns:p14="http://schemas.microsoft.com/office/powerpoint/2010/main" xmlns:a16="http://schemas.microsoft.com/office/drawing/2014/main" xmlns="" w="9525">
                   <a:solidFill>
                     <a:srgbClr val="000000"/>
                   </a:solidFill>
@@ -14229,7 +14234,7 @@
             </a:ln>
             <a:extLst>
               <a:ext uri="{91240B29-F687-4f45-9708-019B960494DF}">
-                <a14:hiddenLine xmlns="" xmlns:a16="http://schemas.microsoft.com/office/drawing/2014/main" xmlns:p14="http://schemas.microsoft.com/office/powerpoint/2010/main" xmlns:a14="http://schemas.microsoft.com/office/drawing/2010/main" w="9525">
+                <a14:hiddenLine xmlns:a14="http://schemas.microsoft.com/office/drawing/2010/main" xmlns:p14="http://schemas.microsoft.com/office/powerpoint/2010/main" xmlns:a16="http://schemas.microsoft.com/office/drawing/2014/main" xmlns="" w="9525">
                   <a:solidFill>
                     <a:srgbClr val="000000"/>
                   </a:solidFill>
@@ -14341,7 +14346,7 @@
             </a:ln>
             <a:extLst>
               <a:ext uri="{91240B29-F687-4f45-9708-019B960494DF}">
-                <a14:hiddenLine xmlns="" xmlns:a16="http://schemas.microsoft.com/office/drawing/2014/main" xmlns:p14="http://schemas.microsoft.com/office/powerpoint/2010/main" xmlns:a14="http://schemas.microsoft.com/office/drawing/2010/main" w="9525">
+                <a14:hiddenLine xmlns:a14="http://schemas.microsoft.com/office/drawing/2010/main" xmlns:p14="http://schemas.microsoft.com/office/powerpoint/2010/main" xmlns:a16="http://schemas.microsoft.com/office/drawing/2014/main" xmlns="" w="9525">
                   <a:solidFill>
                     <a:srgbClr val="000000"/>
                   </a:solidFill>
@@ -14425,7 +14430,7 @@
             </a:ln>
             <a:extLst>
               <a:ext uri="{91240B29-F687-4f45-9708-019B960494DF}">
-                <a14:hiddenLine xmlns="" xmlns:a16="http://schemas.microsoft.com/office/drawing/2014/main" xmlns:p14="http://schemas.microsoft.com/office/powerpoint/2010/main" xmlns:a14="http://schemas.microsoft.com/office/drawing/2010/main" w="9525">
+                <a14:hiddenLine xmlns:a14="http://schemas.microsoft.com/office/drawing/2010/main" xmlns:p14="http://schemas.microsoft.com/office/powerpoint/2010/main" xmlns:a16="http://schemas.microsoft.com/office/drawing/2014/main" xmlns="" w="9525">
                   <a:solidFill>
                     <a:srgbClr val="000000"/>
                   </a:solidFill>
@@ -14557,7 +14562,7 @@
             </a:ln>
             <a:extLst>
               <a:ext uri="{91240B29-F687-4f45-9708-019B960494DF}">
-                <a14:hiddenLine xmlns="" xmlns:a16="http://schemas.microsoft.com/office/drawing/2014/main" xmlns:p14="http://schemas.microsoft.com/office/powerpoint/2010/main" xmlns:a14="http://schemas.microsoft.com/office/drawing/2010/main" w="9525">
+                <a14:hiddenLine xmlns:a14="http://schemas.microsoft.com/office/drawing/2010/main" xmlns:p14="http://schemas.microsoft.com/office/powerpoint/2010/main" xmlns:a16="http://schemas.microsoft.com/office/drawing/2014/main" xmlns="" w="9525">
                   <a:solidFill>
                     <a:srgbClr val="000000"/>
                   </a:solidFill>
@@ -14685,7 +14690,7 @@
             </a:ln>
             <a:extLst>
               <a:ext uri="{91240B29-F687-4f45-9708-019B960494DF}">
-                <a14:hiddenLine xmlns="" xmlns:a16="http://schemas.microsoft.com/office/drawing/2014/main" xmlns:p14="http://schemas.microsoft.com/office/powerpoint/2010/main" xmlns:a14="http://schemas.microsoft.com/office/drawing/2010/main" w="9525">
+                <a14:hiddenLine xmlns:a14="http://schemas.microsoft.com/office/drawing/2010/main" xmlns:p14="http://schemas.microsoft.com/office/powerpoint/2010/main" xmlns:a16="http://schemas.microsoft.com/office/drawing/2014/main" xmlns="" w="9525">
                   <a:solidFill>
                     <a:srgbClr val="000000"/>
                   </a:solidFill>
@@ -14769,7 +14774,7 @@
             </a:ln>
             <a:extLst>
               <a:ext uri="{91240B29-F687-4f45-9708-019B960494DF}">
-                <a14:hiddenLine xmlns="" xmlns:a16="http://schemas.microsoft.com/office/drawing/2014/main" xmlns:p14="http://schemas.microsoft.com/office/powerpoint/2010/main" xmlns:a14="http://schemas.microsoft.com/office/drawing/2010/main" w="9525">
+                <a14:hiddenLine xmlns:a14="http://schemas.microsoft.com/office/drawing/2010/main" xmlns:p14="http://schemas.microsoft.com/office/powerpoint/2010/main" xmlns:a16="http://schemas.microsoft.com/office/drawing/2014/main" xmlns="" w="9525">
                   <a:solidFill>
                     <a:srgbClr val="000000"/>
                   </a:solidFill>
@@ -14853,7 +14858,7 @@
             </a:ln>
             <a:extLst>
               <a:ext uri="{91240B29-F687-4f45-9708-019B960494DF}">
-                <a14:hiddenLine xmlns="" xmlns:a16="http://schemas.microsoft.com/office/drawing/2014/main" xmlns:p14="http://schemas.microsoft.com/office/powerpoint/2010/main" xmlns:a14="http://schemas.microsoft.com/office/drawing/2010/main" w="9525">
+                <a14:hiddenLine xmlns:a14="http://schemas.microsoft.com/office/drawing/2010/main" xmlns:p14="http://schemas.microsoft.com/office/powerpoint/2010/main" xmlns:a16="http://schemas.microsoft.com/office/drawing/2014/main" xmlns="" w="9525">
                   <a:solidFill>
                     <a:srgbClr val="000000"/>
                   </a:solidFill>
@@ -14965,7 +14970,7 @@
             </a:ln>
             <a:extLst>
               <a:ext uri="{91240B29-F687-4f45-9708-019B960494DF}">
-                <a14:hiddenLine xmlns="" xmlns:a16="http://schemas.microsoft.com/office/drawing/2014/main" xmlns:p14="http://schemas.microsoft.com/office/powerpoint/2010/main" xmlns:a14="http://schemas.microsoft.com/office/drawing/2010/main" w="9525">
+                <a14:hiddenLine xmlns:a14="http://schemas.microsoft.com/office/drawing/2010/main" xmlns:p14="http://schemas.microsoft.com/office/powerpoint/2010/main" xmlns:a16="http://schemas.microsoft.com/office/drawing/2014/main" xmlns="" w="9525">
                   <a:solidFill>
                     <a:srgbClr val="000000"/>
                   </a:solidFill>
@@ -15021,7 +15026,7 @@
             </a:ln>
             <a:extLst>
               <a:ext uri="{91240B29-F687-4f45-9708-019B960494DF}">
-                <a14:hiddenLine xmlns="" xmlns:a16="http://schemas.microsoft.com/office/drawing/2014/main" xmlns:p14="http://schemas.microsoft.com/office/powerpoint/2010/main" xmlns:a14="http://schemas.microsoft.com/office/drawing/2010/main" w="9525">
+                <a14:hiddenLine xmlns:a14="http://schemas.microsoft.com/office/drawing/2010/main" xmlns:p14="http://schemas.microsoft.com/office/powerpoint/2010/main" xmlns:a16="http://schemas.microsoft.com/office/drawing/2014/main" xmlns="" w="9525">
                   <a:solidFill>
                     <a:srgbClr val="000000"/>
                   </a:solidFill>
@@ -15108,7 +15113,7 @@
             </a:ln>
             <a:extLst>
               <a:ext uri="{91240B29-F687-4f45-9708-019B960494DF}">
-                <a14:hiddenLine xmlns="" xmlns:a16="http://schemas.microsoft.com/office/drawing/2014/main" xmlns:p14="http://schemas.microsoft.com/office/powerpoint/2010/main" xmlns:a14="http://schemas.microsoft.com/office/drawing/2010/main" w="9525">
+                <a14:hiddenLine xmlns:a14="http://schemas.microsoft.com/office/drawing/2010/main" xmlns:p14="http://schemas.microsoft.com/office/powerpoint/2010/main" xmlns:a16="http://schemas.microsoft.com/office/drawing/2014/main" xmlns="" w="9525">
                   <a:solidFill>
                     <a:srgbClr val="000000"/>
                   </a:solidFill>
@@ -15220,7 +15225,7 @@
             </a:ln>
             <a:extLst>
               <a:ext uri="{91240B29-F687-4f45-9708-019B960494DF}">
-                <a14:hiddenLine xmlns="" xmlns:a16="http://schemas.microsoft.com/office/drawing/2014/main" xmlns:p14="http://schemas.microsoft.com/office/powerpoint/2010/main" xmlns:a14="http://schemas.microsoft.com/office/drawing/2010/main" w="9525">
+                <a14:hiddenLine xmlns:a14="http://schemas.microsoft.com/office/drawing/2010/main" xmlns:p14="http://schemas.microsoft.com/office/powerpoint/2010/main" xmlns:a16="http://schemas.microsoft.com/office/drawing/2014/main" xmlns="" w="9525">
                   <a:solidFill>
                     <a:srgbClr val="000000"/>
                   </a:solidFill>
@@ -15304,7 +15309,7 @@
             </a:ln>
             <a:extLst>
               <a:ext uri="{91240B29-F687-4f45-9708-019B960494DF}">
-                <a14:hiddenLine xmlns="" xmlns:a16="http://schemas.microsoft.com/office/drawing/2014/main" xmlns:p14="http://schemas.microsoft.com/office/powerpoint/2010/main" xmlns:a14="http://schemas.microsoft.com/office/drawing/2010/main" w="9525">
+                <a14:hiddenLine xmlns:a14="http://schemas.microsoft.com/office/drawing/2010/main" xmlns:p14="http://schemas.microsoft.com/office/powerpoint/2010/main" xmlns:a16="http://schemas.microsoft.com/office/drawing/2014/main" xmlns="" w="9525">
                   <a:solidFill>
                     <a:srgbClr val="000000"/>
                   </a:solidFill>
@@ -15416,7 +15421,7 @@
             </a:ln>
             <a:extLst>
               <a:ext uri="{91240B29-F687-4f45-9708-019B960494DF}">
-                <a14:hiddenLine xmlns="" xmlns:a16="http://schemas.microsoft.com/office/drawing/2014/main" xmlns:p14="http://schemas.microsoft.com/office/powerpoint/2010/main" xmlns:a14="http://schemas.microsoft.com/office/drawing/2010/main" w="9525">
+                <a14:hiddenLine xmlns:a14="http://schemas.microsoft.com/office/drawing/2010/main" xmlns:p14="http://schemas.microsoft.com/office/powerpoint/2010/main" xmlns:a16="http://schemas.microsoft.com/office/drawing/2014/main" xmlns="" w="9525">
                   <a:solidFill>
                     <a:srgbClr val="000000"/>
                   </a:solidFill>
@@ -15503,7 +15508,7 @@
             </a:ln>
             <a:extLst>
               <a:ext uri="{91240B29-F687-4f45-9708-019B960494DF}">
-                <a14:hiddenLine xmlns="" xmlns:a16="http://schemas.microsoft.com/office/drawing/2014/main" xmlns:p14="http://schemas.microsoft.com/office/powerpoint/2010/main" xmlns:a14="http://schemas.microsoft.com/office/drawing/2010/main" w="9525">
+                <a14:hiddenLine xmlns:a14="http://schemas.microsoft.com/office/drawing/2010/main" xmlns:p14="http://schemas.microsoft.com/office/powerpoint/2010/main" xmlns:a16="http://schemas.microsoft.com/office/drawing/2014/main" xmlns="" w="9525">
                   <a:solidFill>
                     <a:srgbClr val="000000"/>
                   </a:solidFill>
@@ -15587,7 +15592,7 @@
             </a:ln>
             <a:extLst>
               <a:ext uri="{91240B29-F687-4f45-9708-019B960494DF}">
-                <a14:hiddenLine xmlns="" xmlns:a16="http://schemas.microsoft.com/office/drawing/2014/main" xmlns:p14="http://schemas.microsoft.com/office/powerpoint/2010/main" xmlns:a14="http://schemas.microsoft.com/office/drawing/2010/main" w="9525">
+                <a14:hiddenLine xmlns:a14="http://schemas.microsoft.com/office/drawing/2010/main" xmlns:p14="http://schemas.microsoft.com/office/powerpoint/2010/main" xmlns:a16="http://schemas.microsoft.com/office/drawing/2014/main" xmlns="" w="9525">
                   <a:solidFill>
                     <a:srgbClr val="000000"/>
                   </a:solidFill>
@@ -15699,7 +15704,7 @@
             </a:ln>
             <a:extLst>
               <a:ext uri="{91240B29-F687-4f45-9708-019B960494DF}">
-                <a14:hiddenLine xmlns="" xmlns:a16="http://schemas.microsoft.com/office/drawing/2014/main" xmlns:p14="http://schemas.microsoft.com/office/powerpoint/2010/main" xmlns:a14="http://schemas.microsoft.com/office/drawing/2010/main" w="9525">
+                <a14:hiddenLine xmlns:a14="http://schemas.microsoft.com/office/drawing/2010/main" xmlns:p14="http://schemas.microsoft.com/office/powerpoint/2010/main" xmlns:a16="http://schemas.microsoft.com/office/drawing/2014/main" xmlns="" w="9525">
                   <a:solidFill>
                     <a:srgbClr val="000000"/>
                   </a:solidFill>
@@ -15811,7 +15816,7 @@
             </a:ln>
             <a:extLst>
               <a:ext uri="{91240B29-F687-4f45-9708-019B960494DF}">
-                <a14:hiddenLine xmlns="" xmlns:a16="http://schemas.microsoft.com/office/drawing/2014/main" xmlns:p14="http://schemas.microsoft.com/office/powerpoint/2010/main" xmlns:a14="http://schemas.microsoft.com/office/drawing/2010/main" w="9525">
+                <a14:hiddenLine xmlns:a14="http://schemas.microsoft.com/office/drawing/2010/main" xmlns:p14="http://schemas.microsoft.com/office/powerpoint/2010/main" xmlns:a16="http://schemas.microsoft.com/office/drawing/2014/main" xmlns="" w="9525">
                   <a:solidFill>
                     <a:srgbClr val="000000"/>
                   </a:solidFill>
@@ -15898,7 +15903,7 @@
             </a:ln>
             <a:extLst>
               <a:ext uri="{91240B29-F687-4f45-9708-019B960494DF}">
-                <a14:hiddenLine xmlns="" xmlns:a16="http://schemas.microsoft.com/office/drawing/2014/main" xmlns:p14="http://schemas.microsoft.com/office/powerpoint/2010/main" xmlns:a14="http://schemas.microsoft.com/office/drawing/2010/main" w="9525">
+                <a14:hiddenLine xmlns:a14="http://schemas.microsoft.com/office/drawing/2010/main" xmlns:p14="http://schemas.microsoft.com/office/powerpoint/2010/main" xmlns:a16="http://schemas.microsoft.com/office/drawing/2014/main" xmlns="" w="9525">
                   <a:solidFill>
                     <a:srgbClr val="000000"/>
                   </a:solidFill>
@@ -16040,7 +16045,7 @@
             </a:ln>
             <a:extLst>
               <a:ext uri="{91240B29-F687-4f45-9708-019B960494DF}">
-                <a14:hiddenLine xmlns="" xmlns:a16="http://schemas.microsoft.com/office/drawing/2014/main" xmlns:p14="http://schemas.microsoft.com/office/powerpoint/2010/main" xmlns:a14="http://schemas.microsoft.com/office/drawing/2010/main" w="9525">
+                <a14:hiddenLine xmlns:a14="http://schemas.microsoft.com/office/drawing/2010/main" xmlns:p14="http://schemas.microsoft.com/office/powerpoint/2010/main" xmlns:a16="http://schemas.microsoft.com/office/drawing/2014/main" xmlns="" w="9525">
                   <a:solidFill>
                     <a:srgbClr val="000000"/>
                   </a:solidFill>
@@ -16089,10 +16094,9 @@
           <a:lstStyle/>
           <a:p>
             <a:r>
-              <a:rPr lang="it-IT" dirty="0" err="1"/>
-              <a:t>enviorment</a:t>
-            </a:r>
-            <a:endParaRPr lang="it-IT" dirty="0"/>
+              <a:rPr lang="it-IT" dirty="0"/>
+              <a:t>enviROnment</a:t>
+            </a:r>
           </a:p>
         </p:txBody>
       </p:sp>
@@ -16746,7 +16750,7 @@
             </a:ln>
             <a:extLst>
               <a:ext uri="{91240B29-F687-4f45-9708-019B960494DF}">
-                <a14:hiddenLine xmlns="" xmlns:a16="http://schemas.microsoft.com/office/drawing/2014/main" xmlns:p14="http://schemas.microsoft.com/office/powerpoint/2010/main" xmlns:a14="http://schemas.microsoft.com/office/drawing/2010/main" w="9525">
+                <a14:hiddenLine xmlns:a14="http://schemas.microsoft.com/office/drawing/2010/main" xmlns:p14="http://schemas.microsoft.com/office/powerpoint/2010/main" xmlns:a16="http://schemas.microsoft.com/office/drawing/2014/main" xmlns="" w="9525">
                   <a:solidFill>
                     <a:srgbClr val="000000"/>
                   </a:solidFill>
@@ -16858,7 +16862,7 @@
             </a:ln>
             <a:extLst>
               <a:ext uri="{91240B29-F687-4f45-9708-019B960494DF}">
-                <a14:hiddenLine xmlns="" xmlns:a16="http://schemas.microsoft.com/office/drawing/2014/main" xmlns:p14="http://schemas.microsoft.com/office/powerpoint/2010/main" xmlns:a14="http://schemas.microsoft.com/office/drawing/2010/main" w="9525">
+                <a14:hiddenLine xmlns:a14="http://schemas.microsoft.com/office/drawing/2010/main" xmlns:p14="http://schemas.microsoft.com/office/powerpoint/2010/main" xmlns:a16="http://schemas.microsoft.com/office/drawing/2014/main" xmlns="" w="9525">
                   <a:solidFill>
                     <a:srgbClr val="000000"/>
                   </a:solidFill>
@@ -16970,7 +16974,7 @@
             </a:ln>
             <a:extLst>
               <a:ext uri="{91240B29-F687-4f45-9708-019B960494DF}">
-                <a14:hiddenLine xmlns="" xmlns:a16="http://schemas.microsoft.com/office/drawing/2014/main" xmlns:p14="http://schemas.microsoft.com/office/powerpoint/2010/main" xmlns:a14="http://schemas.microsoft.com/office/drawing/2010/main" w="9525">
+                <a14:hiddenLine xmlns:a14="http://schemas.microsoft.com/office/drawing/2010/main" xmlns:p14="http://schemas.microsoft.com/office/powerpoint/2010/main" xmlns:a16="http://schemas.microsoft.com/office/drawing/2014/main" xmlns="" w="9525">
                   <a:solidFill>
                     <a:srgbClr val="000000"/>
                   </a:solidFill>
@@ -17054,7 +17058,7 @@
             </a:ln>
             <a:extLst>
               <a:ext uri="{91240B29-F687-4f45-9708-019B960494DF}">
-                <a14:hiddenLine xmlns="" xmlns:a16="http://schemas.microsoft.com/office/drawing/2014/main" xmlns:p14="http://schemas.microsoft.com/office/powerpoint/2010/main" xmlns:a14="http://schemas.microsoft.com/office/drawing/2010/main" w="9525">
+                <a14:hiddenLine xmlns:a14="http://schemas.microsoft.com/office/drawing/2010/main" xmlns:p14="http://schemas.microsoft.com/office/powerpoint/2010/main" xmlns:a16="http://schemas.microsoft.com/office/drawing/2014/main" xmlns="" w="9525">
                   <a:solidFill>
                     <a:srgbClr val="000000"/>
                   </a:solidFill>
@@ -17166,7 +17170,7 @@
             </a:ln>
             <a:extLst>
               <a:ext uri="{91240B29-F687-4f45-9708-019B960494DF}">
-                <a14:hiddenLine xmlns="" xmlns:a16="http://schemas.microsoft.com/office/drawing/2014/main" xmlns:p14="http://schemas.microsoft.com/office/powerpoint/2010/main" xmlns:a14="http://schemas.microsoft.com/office/drawing/2010/main" w="9525">
+                <a14:hiddenLine xmlns:a14="http://schemas.microsoft.com/office/drawing/2010/main" xmlns:p14="http://schemas.microsoft.com/office/powerpoint/2010/main" xmlns:a16="http://schemas.microsoft.com/office/drawing/2014/main" xmlns="" w="9525">
                   <a:solidFill>
                     <a:srgbClr val="000000"/>
                   </a:solidFill>
@@ -17250,7 +17254,7 @@
             </a:ln>
             <a:extLst>
               <a:ext uri="{91240B29-F687-4f45-9708-019B960494DF}">
-                <a14:hiddenLine xmlns="" xmlns:a16="http://schemas.microsoft.com/office/drawing/2014/main" xmlns:p14="http://schemas.microsoft.com/office/powerpoint/2010/main" xmlns:a14="http://schemas.microsoft.com/office/drawing/2010/main" w="9525">
+                <a14:hiddenLine xmlns:a14="http://schemas.microsoft.com/office/drawing/2010/main" xmlns:p14="http://schemas.microsoft.com/office/powerpoint/2010/main" xmlns:a16="http://schemas.microsoft.com/office/drawing/2014/main" xmlns="" w="9525">
                   <a:solidFill>
                     <a:srgbClr val="000000"/>
                   </a:solidFill>
@@ -17334,7 +17338,7 @@
             </a:ln>
             <a:extLst>
               <a:ext uri="{91240B29-F687-4f45-9708-019B960494DF}">
-                <a14:hiddenLine xmlns="" xmlns:a16="http://schemas.microsoft.com/office/drawing/2014/main" xmlns:p14="http://schemas.microsoft.com/office/powerpoint/2010/main" xmlns:a14="http://schemas.microsoft.com/office/drawing/2010/main" w="9525">
+                <a14:hiddenLine xmlns:a14="http://schemas.microsoft.com/office/drawing/2010/main" xmlns:p14="http://schemas.microsoft.com/office/powerpoint/2010/main" xmlns:a16="http://schemas.microsoft.com/office/drawing/2014/main" xmlns="" w="9525">
                   <a:solidFill>
                     <a:srgbClr val="000000"/>
                   </a:solidFill>
@@ -17446,7 +17450,7 @@
             </a:ln>
             <a:extLst>
               <a:ext uri="{91240B29-F687-4f45-9708-019B960494DF}">
-                <a14:hiddenLine xmlns="" xmlns:a16="http://schemas.microsoft.com/office/drawing/2014/main" xmlns:p14="http://schemas.microsoft.com/office/powerpoint/2010/main" xmlns:a14="http://schemas.microsoft.com/office/drawing/2010/main" w="9525">
+                <a14:hiddenLine xmlns:a14="http://schemas.microsoft.com/office/drawing/2010/main" xmlns:p14="http://schemas.microsoft.com/office/powerpoint/2010/main" xmlns:a16="http://schemas.microsoft.com/office/drawing/2014/main" xmlns="" w="9525">
                   <a:solidFill>
                     <a:srgbClr val="000000"/>
                   </a:solidFill>
@@ -17558,7 +17562,7 @@
             </a:ln>
             <a:extLst>
               <a:ext uri="{91240B29-F687-4f45-9708-019B960494DF}">
-                <a14:hiddenLine xmlns="" xmlns:a16="http://schemas.microsoft.com/office/drawing/2014/main" xmlns:p14="http://schemas.microsoft.com/office/powerpoint/2010/main" xmlns:a14="http://schemas.microsoft.com/office/drawing/2010/main" w="9525">
+                <a14:hiddenLine xmlns:a14="http://schemas.microsoft.com/office/drawing/2010/main" xmlns:p14="http://schemas.microsoft.com/office/powerpoint/2010/main" xmlns:a16="http://schemas.microsoft.com/office/drawing/2014/main" xmlns="" w="9525">
                   <a:solidFill>
                     <a:srgbClr val="000000"/>
                   </a:solidFill>
@@ -17642,7 +17646,7 @@
             </a:ln>
             <a:extLst>
               <a:ext uri="{91240B29-F687-4f45-9708-019B960494DF}">
-                <a14:hiddenLine xmlns="" xmlns:a16="http://schemas.microsoft.com/office/drawing/2014/main" xmlns:p14="http://schemas.microsoft.com/office/powerpoint/2010/main" xmlns:a14="http://schemas.microsoft.com/office/drawing/2010/main" w="9525">
+                <a14:hiddenLine xmlns:a14="http://schemas.microsoft.com/office/drawing/2010/main" xmlns:p14="http://schemas.microsoft.com/office/powerpoint/2010/main" xmlns:a16="http://schemas.microsoft.com/office/drawing/2014/main" xmlns="" w="9525">
                   <a:solidFill>
                     <a:srgbClr val="000000"/>
                   </a:solidFill>
@@ -17774,7 +17778,7 @@
             </a:ln>
             <a:extLst>
               <a:ext uri="{91240B29-F687-4f45-9708-019B960494DF}">
-                <a14:hiddenLine xmlns="" xmlns:a16="http://schemas.microsoft.com/office/drawing/2014/main" xmlns:p14="http://schemas.microsoft.com/office/powerpoint/2010/main" xmlns:a14="http://schemas.microsoft.com/office/drawing/2010/main" w="9525">
+                <a14:hiddenLine xmlns:a14="http://schemas.microsoft.com/office/drawing/2010/main" xmlns:p14="http://schemas.microsoft.com/office/powerpoint/2010/main" xmlns:a16="http://schemas.microsoft.com/office/drawing/2014/main" xmlns="" w="9525">
                   <a:solidFill>
                     <a:srgbClr val="000000"/>
                   </a:solidFill>
@@ -17902,7 +17906,7 @@
             </a:ln>
             <a:extLst>
               <a:ext uri="{91240B29-F687-4f45-9708-019B960494DF}">
-                <a14:hiddenLine xmlns="" xmlns:a16="http://schemas.microsoft.com/office/drawing/2014/main" xmlns:p14="http://schemas.microsoft.com/office/powerpoint/2010/main" xmlns:a14="http://schemas.microsoft.com/office/drawing/2010/main" w="9525">
+                <a14:hiddenLine xmlns:a14="http://schemas.microsoft.com/office/drawing/2010/main" xmlns:p14="http://schemas.microsoft.com/office/powerpoint/2010/main" xmlns:a16="http://schemas.microsoft.com/office/drawing/2014/main" xmlns="" w="9525">
                   <a:solidFill>
                     <a:srgbClr val="000000"/>
                   </a:solidFill>
@@ -17986,7 +17990,7 @@
             </a:ln>
             <a:extLst>
               <a:ext uri="{91240B29-F687-4f45-9708-019B960494DF}">
-                <a14:hiddenLine xmlns="" xmlns:a16="http://schemas.microsoft.com/office/drawing/2014/main" xmlns:p14="http://schemas.microsoft.com/office/powerpoint/2010/main" xmlns:a14="http://schemas.microsoft.com/office/drawing/2010/main" w="9525">
+                <a14:hiddenLine xmlns:a14="http://schemas.microsoft.com/office/drawing/2010/main" xmlns:p14="http://schemas.microsoft.com/office/powerpoint/2010/main" xmlns:a16="http://schemas.microsoft.com/office/drawing/2014/main" xmlns="" w="9525">
                   <a:solidFill>
                     <a:srgbClr val="000000"/>
                   </a:solidFill>
@@ -18070,7 +18074,7 @@
             </a:ln>
             <a:extLst>
               <a:ext uri="{91240B29-F687-4f45-9708-019B960494DF}">
-                <a14:hiddenLine xmlns="" xmlns:a16="http://schemas.microsoft.com/office/drawing/2014/main" xmlns:p14="http://schemas.microsoft.com/office/powerpoint/2010/main" xmlns:a14="http://schemas.microsoft.com/office/drawing/2010/main" w="9525">
+                <a14:hiddenLine xmlns:a14="http://schemas.microsoft.com/office/drawing/2010/main" xmlns:p14="http://schemas.microsoft.com/office/powerpoint/2010/main" xmlns:a16="http://schemas.microsoft.com/office/drawing/2014/main" xmlns="" w="9525">
                   <a:solidFill>
                     <a:srgbClr val="000000"/>
                   </a:solidFill>
@@ -18182,7 +18186,7 @@
             </a:ln>
             <a:extLst>
               <a:ext uri="{91240B29-F687-4f45-9708-019B960494DF}">
-                <a14:hiddenLine xmlns="" xmlns:a16="http://schemas.microsoft.com/office/drawing/2014/main" xmlns:p14="http://schemas.microsoft.com/office/powerpoint/2010/main" xmlns:a14="http://schemas.microsoft.com/office/drawing/2010/main" w="9525">
+                <a14:hiddenLine xmlns:a14="http://schemas.microsoft.com/office/drawing/2010/main" xmlns:p14="http://schemas.microsoft.com/office/powerpoint/2010/main" xmlns:a16="http://schemas.microsoft.com/office/drawing/2014/main" xmlns="" w="9525">
                   <a:solidFill>
                     <a:srgbClr val="000000"/>
                   </a:solidFill>
@@ -18238,7 +18242,7 @@
             </a:ln>
             <a:extLst>
               <a:ext uri="{91240B29-F687-4f45-9708-019B960494DF}">
-                <a14:hiddenLine xmlns="" xmlns:a16="http://schemas.microsoft.com/office/drawing/2014/main" xmlns:p14="http://schemas.microsoft.com/office/powerpoint/2010/main" xmlns:a14="http://schemas.microsoft.com/office/drawing/2010/main" w="9525">
+                <a14:hiddenLine xmlns:a14="http://schemas.microsoft.com/office/drawing/2010/main" xmlns:p14="http://schemas.microsoft.com/office/powerpoint/2010/main" xmlns:a16="http://schemas.microsoft.com/office/drawing/2014/main" xmlns="" w="9525">
                   <a:solidFill>
                     <a:srgbClr val="000000"/>
                   </a:solidFill>
@@ -18325,7 +18329,7 @@
             </a:ln>
             <a:extLst>
               <a:ext uri="{91240B29-F687-4f45-9708-019B960494DF}">
-                <a14:hiddenLine xmlns="" xmlns:a16="http://schemas.microsoft.com/office/drawing/2014/main" xmlns:p14="http://schemas.microsoft.com/office/powerpoint/2010/main" xmlns:a14="http://schemas.microsoft.com/office/drawing/2010/main" w="9525">
+                <a14:hiddenLine xmlns:a14="http://schemas.microsoft.com/office/drawing/2010/main" xmlns:p14="http://schemas.microsoft.com/office/powerpoint/2010/main" xmlns:a16="http://schemas.microsoft.com/office/drawing/2014/main" xmlns="" w="9525">
                   <a:solidFill>
                     <a:srgbClr val="000000"/>
                   </a:solidFill>
@@ -18437,7 +18441,7 @@
             </a:ln>
             <a:extLst>
               <a:ext uri="{91240B29-F687-4f45-9708-019B960494DF}">
-                <a14:hiddenLine xmlns="" xmlns:a16="http://schemas.microsoft.com/office/drawing/2014/main" xmlns:p14="http://schemas.microsoft.com/office/powerpoint/2010/main" xmlns:a14="http://schemas.microsoft.com/office/drawing/2010/main" w="9525">
+                <a14:hiddenLine xmlns:a14="http://schemas.microsoft.com/office/drawing/2010/main" xmlns:p14="http://schemas.microsoft.com/office/powerpoint/2010/main" xmlns:a16="http://schemas.microsoft.com/office/drawing/2014/main" xmlns="" w="9525">
                   <a:solidFill>
                     <a:srgbClr val="000000"/>
                   </a:solidFill>
@@ -18521,7 +18525,7 @@
             </a:ln>
             <a:extLst>
               <a:ext uri="{91240B29-F687-4f45-9708-019B960494DF}">
-                <a14:hiddenLine xmlns="" xmlns:a16="http://schemas.microsoft.com/office/drawing/2014/main" xmlns:p14="http://schemas.microsoft.com/office/powerpoint/2010/main" xmlns:a14="http://schemas.microsoft.com/office/drawing/2010/main" w="9525">
+                <a14:hiddenLine xmlns:a14="http://schemas.microsoft.com/office/drawing/2010/main" xmlns:p14="http://schemas.microsoft.com/office/powerpoint/2010/main" xmlns:a16="http://schemas.microsoft.com/office/drawing/2014/main" xmlns="" w="9525">
                   <a:solidFill>
                     <a:srgbClr val="000000"/>
                   </a:solidFill>
@@ -18633,7 +18637,7 @@
             </a:ln>
             <a:extLst>
               <a:ext uri="{91240B29-F687-4f45-9708-019B960494DF}">
-                <a14:hiddenLine xmlns="" xmlns:a16="http://schemas.microsoft.com/office/drawing/2014/main" xmlns:p14="http://schemas.microsoft.com/office/powerpoint/2010/main" xmlns:a14="http://schemas.microsoft.com/office/drawing/2010/main" w="9525">
+                <a14:hiddenLine xmlns:a14="http://schemas.microsoft.com/office/drawing/2010/main" xmlns:p14="http://schemas.microsoft.com/office/powerpoint/2010/main" xmlns:a16="http://schemas.microsoft.com/office/drawing/2014/main" xmlns="" w="9525">
                   <a:solidFill>
                     <a:srgbClr val="000000"/>
                   </a:solidFill>
@@ -18720,7 +18724,7 @@
             </a:ln>
             <a:extLst>
               <a:ext uri="{91240B29-F687-4f45-9708-019B960494DF}">
-                <a14:hiddenLine xmlns="" xmlns:a16="http://schemas.microsoft.com/office/drawing/2014/main" xmlns:p14="http://schemas.microsoft.com/office/powerpoint/2010/main" xmlns:a14="http://schemas.microsoft.com/office/drawing/2010/main" w="9525">
+                <a14:hiddenLine xmlns:a14="http://schemas.microsoft.com/office/drawing/2010/main" xmlns:p14="http://schemas.microsoft.com/office/powerpoint/2010/main" xmlns:a16="http://schemas.microsoft.com/office/drawing/2014/main" xmlns="" w="9525">
                   <a:solidFill>
                     <a:srgbClr val="000000"/>
                   </a:solidFill>
@@ -18804,7 +18808,7 @@
             </a:ln>
             <a:extLst>
               <a:ext uri="{91240B29-F687-4f45-9708-019B960494DF}">
-                <a14:hiddenLine xmlns="" xmlns:a16="http://schemas.microsoft.com/office/drawing/2014/main" xmlns:p14="http://schemas.microsoft.com/office/powerpoint/2010/main" xmlns:a14="http://schemas.microsoft.com/office/drawing/2010/main" w="9525">
+                <a14:hiddenLine xmlns:a14="http://schemas.microsoft.com/office/drawing/2010/main" xmlns:p14="http://schemas.microsoft.com/office/powerpoint/2010/main" xmlns:a16="http://schemas.microsoft.com/office/drawing/2014/main" xmlns="" w="9525">
                   <a:solidFill>
                     <a:srgbClr val="000000"/>
                   </a:solidFill>
@@ -18916,7 +18920,7 @@
             </a:ln>
             <a:extLst>
               <a:ext uri="{91240B29-F687-4f45-9708-019B960494DF}">
-                <a14:hiddenLine xmlns="" xmlns:a16="http://schemas.microsoft.com/office/drawing/2014/main" xmlns:p14="http://schemas.microsoft.com/office/powerpoint/2010/main" xmlns:a14="http://schemas.microsoft.com/office/drawing/2010/main" w="9525">
+                <a14:hiddenLine xmlns:a14="http://schemas.microsoft.com/office/drawing/2010/main" xmlns:p14="http://schemas.microsoft.com/office/powerpoint/2010/main" xmlns:a16="http://schemas.microsoft.com/office/drawing/2014/main" xmlns="" w="9525">
                   <a:solidFill>
                     <a:srgbClr val="000000"/>
                   </a:solidFill>
@@ -19028,7 +19032,7 @@
             </a:ln>
             <a:extLst>
               <a:ext uri="{91240B29-F687-4f45-9708-019B960494DF}">
-                <a14:hiddenLine xmlns="" xmlns:a16="http://schemas.microsoft.com/office/drawing/2014/main" xmlns:p14="http://schemas.microsoft.com/office/powerpoint/2010/main" xmlns:a14="http://schemas.microsoft.com/office/drawing/2010/main" w="9525">
+                <a14:hiddenLine xmlns:a14="http://schemas.microsoft.com/office/drawing/2010/main" xmlns:p14="http://schemas.microsoft.com/office/powerpoint/2010/main" xmlns:a16="http://schemas.microsoft.com/office/drawing/2014/main" xmlns="" w="9525">
                   <a:solidFill>
                     <a:srgbClr val="000000"/>
                   </a:solidFill>
@@ -19115,7 +19119,7 @@
             </a:ln>
             <a:extLst>
               <a:ext uri="{91240B29-F687-4f45-9708-019B960494DF}">
-                <a14:hiddenLine xmlns="" xmlns:a16="http://schemas.microsoft.com/office/drawing/2014/main" xmlns:p14="http://schemas.microsoft.com/office/powerpoint/2010/main" xmlns:a14="http://schemas.microsoft.com/office/drawing/2010/main" w="9525">
+                <a14:hiddenLine xmlns:a14="http://schemas.microsoft.com/office/drawing/2010/main" xmlns:p14="http://schemas.microsoft.com/office/powerpoint/2010/main" xmlns:a16="http://schemas.microsoft.com/office/drawing/2014/main" xmlns="" w="9525">
                   <a:solidFill>
                     <a:srgbClr val="000000"/>
                   </a:solidFill>
@@ -19257,7 +19261,7 @@
             </a:ln>
             <a:extLst>
               <a:ext uri="{91240B29-F687-4f45-9708-019B960494DF}">
-                <a14:hiddenLine xmlns="" xmlns:a16="http://schemas.microsoft.com/office/drawing/2014/main" xmlns:p14="http://schemas.microsoft.com/office/powerpoint/2010/main" xmlns:a14="http://schemas.microsoft.com/office/drawing/2010/main" w="9525">
+                <a14:hiddenLine xmlns:a14="http://schemas.microsoft.com/office/drawing/2010/main" xmlns:p14="http://schemas.microsoft.com/office/powerpoint/2010/main" xmlns:a16="http://schemas.microsoft.com/office/drawing/2014/main" xmlns="" w="9525">
                   <a:solidFill>
                     <a:srgbClr val="000000"/>
                   </a:solidFill>
@@ -19993,7 +19997,7 @@
             </a:ln>
             <a:extLst>
               <a:ext uri="{91240B29-F687-4f45-9708-019B960494DF}">
-                <a14:hiddenLine xmlns="" xmlns:a16="http://schemas.microsoft.com/office/drawing/2014/main" xmlns:p14="http://schemas.microsoft.com/office/powerpoint/2010/main" xmlns:a14="http://schemas.microsoft.com/office/drawing/2010/main" w="9525">
+                <a14:hiddenLine xmlns:a14="http://schemas.microsoft.com/office/drawing/2010/main" xmlns:p14="http://schemas.microsoft.com/office/powerpoint/2010/main" xmlns:a16="http://schemas.microsoft.com/office/drawing/2014/main" xmlns="" w="9525">
                   <a:solidFill>
                     <a:srgbClr val="000000"/>
                   </a:solidFill>
@@ -20105,7 +20109,7 @@
             </a:ln>
             <a:extLst>
               <a:ext uri="{91240B29-F687-4f45-9708-019B960494DF}">
-                <a14:hiddenLine xmlns="" xmlns:a16="http://schemas.microsoft.com/office/drawing/2014/main" xmlns:p14="http://schemas.microsoft.com/office/powerpoint/2010/main" xmlns:a14="http://schemas.microsoft.com/office/drawing/2010/main" w="9525">
+                <a14:hiddenLine xmlns:a14="http://schemas.microsoft.com/office/drawing/2010/main" xmlns:p14="http://schemas.microsoft.com/office/powerpoint/2010/main" xmlns:a16="http://schemas.microsoft.com/office/drawing/2014/main" xmlns="" w="9525">
                   <a:solidFill>
                     <a:srgbClr val="000000"/>
                   </a:solidFill>
@@ -20217,7 +20221,7 @@
             </a:ln>
             <a:extLst>
               <a:ext uri="{91240B29-F687-4f45-9708-019B960494DF}">
-                <a14:hiddenLine xmlns="" xmlns:a16="http://schemas.microsoft.com/office/drawing/2014/main" xmlns:p14="http://schemas.microsoft.com/office/powerpoint/2010/main" xmlns:a14="http://schemas.microsoft.com/office/drawing/2010/main" w="9525">
+                <a14:hiddenLine xmlns:a14="http://schemas.microsoft.com/office/drawing/2010/main" xmlns:p14="http://schemas.microsoft.com/office/powerpoint/2010/main" xmlns:a16="http://schemas.microsoft.com/office/drawing/2014/main" xmlns="" w="9525">
                   <a:solidFill>
                     <a:srgbClr val="000000"/>
                   </a:solidFill>
@@ -20301,7 +20305,7 @@
             </a:ln>
             <a:extLst>
               <a:ext uri="{91240B29-F687-4f45-9708-019B960494DF}">
-                <a14:hiddenLine xmlns="" xmlns:a16="http://schemas.microsoft.com/office/drawing/2014/main" xmlns:p14="http://schemas.microsoft.com/office/powerpoint/2010/main" xmlns:a14="http://schemas.microsoft.com/office/drawing/2010/main" w="9525">
+                <a14:hiddenLine xmlns:a14="http://schemas.microsoft.com/office/drawing/2010/main" xmlns:p14="http://schemas.microsoft.com/office/powerpoint/2010/main" xmlns:a16="http://schemas.microsoft.com/office/drawing/2014/main" xmlns="" w="9525">
                   <a:solidFill>
                     <a:srgbClr val="000000"/>
                   </a:solidFill>
@@ -20413,7 +20417,7 @@
             </a:ln>
             <a:extLst>
               <a:ext uri="{91240B29-F687-4f45-9708-019B960494DF}">
-                <a14:hiddenLine xmlns="" xmlns:a16="http://schemas.microsoft.com/office/drawing/2014/main" xmlns:p14="http://schemas.microsoft.com/office/powerpoint/2010/main" xmlns:a14="http://schemas.microsoft.com/office/drawing/2010/main" w="9525">
+                <a14:hiddenLine xmlns:a14="http://schemas.microsoft.com/office/drawing/2010/main" xmlns:p14="http://schemas.microsoft.com/office/powerpoint/2010/main" xmlns:a16="http://schemas.microsoft.com/office/drawing/2014/main" xmlns="" w="9525">
                   <a:solidFill>
                     <a:srgbClr val="000000"/>
                   </a:solidFill>
@@ -20497,7 +20501,7 @@
             </a:ln>
             <a:extLst>
               <a:ext uri="{91240B29-F687-4f45-9708-019B960494DF}">
-                <a14:hiddenLine xmlns="" xmlns:a16="http://schemas.microsoft.com/office/drawing/2014/main" xmlns:p14="http://schemas.microsoft.com/office/powerpoint/2010/main" xmlns:a14="http://schemas.microsoft.com/office/drawing/2010/main" w="9525">
+                <a14:hiddenLine xmlns:a14="http://schemas.microsoft.com/office/drawing/2010/main" xmlns:p14="http://schemas.microsoft.com/office/powerpoint/2010/main" xmlns:a16="http://schemas.microsoft.com/office/drawing/2014/main" xmlns="" w="9525">
                   <a:solidFill>
                     <a:srgbClr val="000000"/>
                   </a:solidFill>
@@ -20581,7 +20585,7 @@
             </a:ln>
             <a:extLst>
               <a:ext uri="{91240B29-F687-4f45-9708-019B960494DF}">
-                <a14:hiddenLine xmlns="" xmlns:a16="http://schemas.microsoft.com/office/drawing/2014/main" xmlns:p14="http://schemas.microsoft.com/office/powerpoint/2010/main" xmlns:a14="http://schemas.microsoft.com/office/drawing/2010/main" w="9525">
+                <a14:hiddenLine xmlns:a14="http://schemas.microsoft.com/office/drawing/2010/main" xmlns:p14="http://schemas.microsoft.com/office/powerpoint/2010/main" xmlns:a16="http://schemas.microsoft.com/office/drawing/2014/main" xmlns="" w="9525">
                   <a:solidFill>
                     <a:srgbClr val="000000"/>
                   </a:solidFill>
@@ -20693,7 +20697,7 @@
             </a:ln>
             <a:extLst>
               <a:ext uri="{91240B29-F687-4f45-9708-019B960494DF}">
-                <a14:hiddenLine xmlns="" xmlns:a16="http://schemas.microsoft.com/office/drawing/2014/main" xmlns:p14="http://schemas.microsoft.com/office/powerpoint/2010/main" xmlns:a14="http://schemas.microsoft.com/office/drawing/2010/main" w="9525">
+                <a14:hiddenLine xmlns:a14="http://schemas.microsoft.com/office/drawing/2010/main" xmlns:p14="http://schemas.microsoft.com/office/powerpoint/2010/main" xmlns:a16="http://schemas.microsoft.com/office/drawing/2014/main" xmlns="" w="9525">
                   <a:solidFill>
                     <a:srgbClr val="000000"/>
                   </a:solidFill>
@@ -20805,7 +20809,7 @@
             </a:ln>
             <a:extLst>
               <a:ext uri="{91240B29-F687-4f45-9708-019B960494DF}">
-                <a14:hiddenLine xmlns="" xmlns:a16="http://schemas.microsoft.com/office/drawing/2014/main" xmlns:p14="http://schemas.microsoft.com/office/powerpoint/2010/main" xmlns:a14="http://schemas.microsoft.com/office/drawing/2010/main" w="9525">
+                <a14:hiddenLine xmlns:a14="http://schemas.microsoft.com/office/drawing/2010/main" xmlns:p14="http://schemas.microsoft.com/office/powerpoint/2010/main" xmlns:a16="http://schemas.microsoft.com/office/drawing/2014/main" xmlns="" w="9525">
                   <a:solidFill>
                     <a:srgbClr val="000000"/>
                   </a:solidFill>
@@ -20889,7 +20893,7 @@
             </a:ln>
             <a:extLst>
               <a:ext uri="{91240B29-F687-4f45-9708-019B960494DF}">
-                <a14:hiddenLine xmlns="" xmlns:a16="http://schemas.microsoft.com/office/drawing/2014/main" xmlns:p14="http://schemas.microsoft.com/office/powerpoint/2010/main" xmlns:a14="http://schemas.microsoft.com/office/drawing/2010/main" w="9525">
+                <a14:hiddenLine xmlns:a14="http://schemas.microsoft.com/office/drawing/2010/main" xmlns:p14="http://schemas.microsoft.com/office/powerpoint/2010/main" xmlns:a16="http://schemas.microsoft.com/office/drawing/2014/main" xmlns="" w="9525">
                   <a:solidFill>
                     <a:srgbClr val="000000"/>
                   </a:solidFill>
@@ -21021,7 +21025,7 @@
             </a:ln>
             <a:extLst>
               <a:ext uri="{91240B29-F687-4f45-9708-019B960494DF}">
-                <a14:hiddenLine xmlns="" xmlns:a16="http://schemas.microsoft.com/office/drawing/2014/main" xmlns:p14="http://schemas.microsoft.com/office/powerpoint/2010/main" xmlns:a14="http://schemas.microsoft.com/office/drawing/2010/main" w="9525">
+                <a14:hiddenLine xmlns:a14="http://schemas.microsoft.com/office/drawing/2010/main" xmlns:p14="http://schemas.microsoft.com/office/powerpoint/2010/main" xmlns:a16="http://schemas.microsoft.com/office/drawing/2014/main" xmlns="" w="9525">
                   <a:solidFill>
                     <a:srgbClr val="000000"/>
                   </a:solidFill>
@@ -21149,7 +21153,7 @@
             </a:ln>
             <a:extLst>
               <a:ext uri="{91240B29-F687-4f45-9708-019B960494DF}">
-                <a14:hiddenLine xmlns="" xmlns:a16="http://schemas.microsoft.com/office/drawing/2014/main" xmlns:p14="http://schemas.microsoft.com/office/powerpoint/2010/main" xmlns:a14="http://schemas.microsoft.com/office/drawing/2010/main" w="9525">
+                <a14:hiddenLine xmlns:a14="http://schemas.microsoft.com/office/drawing/2010/main" xmlns:p14="http://schemas.microsoft.com/office/powerpoint/2010/main" xmlns:a16="http://schemas.microsoft.com/office/drawing/2014/main" xmlns="" w="9525">
                   <a:solidFill>
                     <a:srgbClr val="000000"/>
                   </a:solidFill>
@@ -21233,7 +21237,7 @@
             </a:ln>
             <a:extLst>
               <a:ext uri="{91240B29-F687-4f45-9708-019B960494DF}">
-                <a14:hiddenLine xmlns="" xmlns:a16="http://schemas.microsoft.com/office/drawing/2014/main" xmlns:p14="http://schemas.microsoft.com/office/powerpoint/2010/main" xmlns:a14="http://schemas.microsoft.com/office/drawing/2010/main" w="9525">
+                <a14:hiddenLine xmlns:a14="http://schemas.microsoft.com/office/drawing/2010/main" xmlns:p14="http://schemas.microsoft.com/office/powerpoint/2010/main" xmlns:a16="http://schemas.microsoft.com/office/drawing/2014/main" xmlns="" w="9525">
                   <a:solidFill>
                     <a:srgbClr val="000000"/>
                   </a:solidFill>
@@ -21317,7 +21321,7 @@
             </a:ln>
             <a:extLst>
               <a:ext uri="{91240B29-F687-4f45-9708-019B960494DF}">
-                <a14:hiddenLine xmlns="" xmlns:a16="http://schemas.microsoft.com/office/drawing/2014/main" xmlns:p14="http://schemas.microsoft.com/office/powerpoint/2010/main" xmlns:a14="http://schemas.microsoft.com/office/drawing/2010/main" w="9525">
+                <a14:hiddenLine xmlns:a14="http://schemas.microsoft.com/office/drawing/2010/main" xmlns:p14="http://schemas.microsoft.com/office/powerpoint/2010/main" xmlns:a16="http://schemas.microsoft.com/office/drawing/2014/main" xmlns="" w="9525">
                   <a:solidFill>
                     <a:srgbClr val="000000"/>
                   </a:solidFill>
@@ -21429,7 +21433,7 @@
             </a:ln>
             <a:extLst>
               <a:ext uri="{91240B29-F687-4f45-9708-019B960494DF}">
-                <a14:hiddenLine xmlns="" xmlns:a16="http://schemas.microsoft.com/office/drawing/2014/main" xmlns:p14="http://schemas.microsoft.com/office/powerpoint/2010/main" xmlns:a14="http://schemas.microsoft.com/office/drawing/2010/main" w="9525">
+                <a14:hiddenLine xmlns:a14="http://schemas.microsoft.com/office/drawing/2010/main" xmlns:p14="http://schemas.microsoft.com/office/powerpoint/2010/main" xmlns:a16="http://schemas.microsoft.com/office/drawing/2014/main" xmlns="" w="9525">
                   <a:solidFill>
                     <a:srgbClr val="000000"/>
                   </a:solidFill>
@@ -21485,7 +21489,7 @@
             </a:ln>
             <a:extLst>
               <a:ext uri="{91240B29-F687-4f45-9708-019B960494DF}">
-                <a14:hiddenLine xmlns="" xmlns:a16="http://schemas.microsoft.com/office/drawing/2014/main" xmlns:p14="http://schemas.microsoft.com/office/powerpoint/2010/main" xmlns:a14="http://schemas.microsoft.com/office/drawing/2010/main" w="9525">
+                <a14:hiddenLine xmlns:a14="http://schemas.microsoft.com/office/drawing/2010/main" xmlns:p14="http://schemas.microsoft.com/office/powerpoint/2010/main" xmlns:a16="http://schemas.microsoft.com/office/drawing/2014/main" xmlns="" w="9525">
                   <a:solidFill>
                     <a:srgbClr val="000000"/>
                   </a:solidFill>
@@ -21572,7 +21576,7 @@
             </a:ln>
             <a:extLst>
               <a:ext uri="{91240B29-F687-4f45-9708-019B960494DF}">
-                <a14:hiddenLine xmlns="" xmlns:a16="http://schemas.microsoft.com/office/drawing/2014/main" xmlns:p14="http://schemas.microsoft.com/office/powerpoint/2010/main" xmlns:a14="http://schemas.microsoft.com/office/drawing/2010/main" w="9525">
+                <a14:hiddenLine xmlns:a14="http://schemas.microsoft.com/office/drawing/2010/main" xmlns:p14="http://schemas.microsoft.com/office/powerpoint/2010/main" xmlns:a16="http://schemas.microsoft.com/office/drawing/2014/main" xmlns="" w="9525">
                   <a:solidFill>
                     <a:srgbClr val="000000"/>
                   </a:solidFill>
@@ -21684,7 +21688,7 @@
             </a:ln>
             <a:extLst>
               <a:ext uri="{91240B29-F687-4f45-9708-019B960494DF}">
-                <a14:hiddenLine xmlns="" xmlns:a16="http://schemas.microsoft.com/office/drawing/2014/main" xmlns:p14="http://schemas.microsoft.com/office/powerpoint/2010/main" xmlns:a14="http://schemas.microsoft.com/office/drawing/2010/main" w="9525">
+                <a14:hiddenLine xmlns:a14="http://schemas.microsoft.com/office/drawing/2010/main" xmlns:p14="http://schemas.microsoft.com/office/powerpoint/2010/main" xmlns:a16="http://schemas.microsoft.com/office/drawing/2014/main" xmlns="" w="9525">
                   <a:solidFill>
                     <a:srgbClr val="000000"/>
                   </a:solidFill>
@@ -21768,7 +21772,7 @@
             </a:ln>
             <a:extLst>
               <a:ext uri="{91240B29-F687-4f45-9708-019B960494DF}">
-                <a14:hiddenLine xmlns="" xmlns:a16="http://schemas.microsoft.com/office/drawing/2014/main" xmlns:p14="http://schemas.microsoft.com/office/powerpoint/2010/main" xmlns:a14="http://schemas.microsoft.com/office/drawing/2010/main" w="9525">
+                <a14:hiddenLine xmlns:a14="http://schemas.microsoft.com/office/drawing/2010/main" xmlns:p14="http://schemas.microsoft.com/office/powerpoint/2010/main" xmlns:a16="http://schemas.microsoft.com/office/drawing/2014/main" xmlns="" w="9525">
                   <a:solidFill>
                     <a:srgbClr val="000000"/>
                   </a:solidFill>
@@ -21880,7 +21884,7 @@
             </a:ln>
             <a:extLst>
               <a:ext uri="{91240B29-F687-4f45-9708-019B960494DF}">
-                <a14:hiddenLine xmlns="" xmlns:a16="http://schemas.microsoft.com/office/drawing/2014/main" xmlns:p14="http://schemas.microsoft.com/office/powerpoint/2010/main" xmlns:a14="http://schemas.microsoft.com/office/drawing/2010/main" w="9525">
+                <a14:hiddenLine xmlns:a14="http://schemas.microsoft.com/office/drawing/2010/main" xmlns:p14="http://schemas.microsoft.com/office/powerpoint/2010/main" xmlns:a16="http://schemas.microsoft.com/office/drawing/2014/main" xmlns="" w="9525">
                   <a:solidFill>
                     <a:srgbClr val="000000"/>
                   </a:solidFill>
@@ -21967,7 +21971,7 @@
             </a:ln>
             <a:extLst>
               <a:ext uri="{91240B29-F687-4f45-9708-019B960494DF}">
-                <a14:hiddenLine xmlns="" xmlns:a16="http://schemas.microsoft.com/office/drawing/2014/main" xmlns:p14="http://schemas.microsoft.com/office/powerpoint/2010/main" xmlns:a14="http://schemas.microsoft.com/office/drawing/2010/main" w="9525">
+                <a14:hiddenLine xmlns:a14="http://schemas.microsoft.com/office/drawing/2010/main" xmlns:p14="http://schemas.microsoft.com/office/powerpoint/2010/main" xmlns:a16="http://schemas.microsoft.com/office/drawing/2014/main" xmlns="" w="9525">
                   <a:solidFill>
                     <a:srgbClr val="000000"/>
                   </a:solidFill>
@@ -22051,7 +22055,7 @@
             </a:ln>
             <a:extLst>
               <a:ext uri="{91240B29-F687-4f45-9708-019B960494DF}">
-                <a14:hiddenLine xmlns="" xmlns:a16="http://schemas.microsoft.com/office/drawing/2014/main" xmlns:p14="http://schemas.microsoft.com/office/powerpoint/2010/main" xmlns:a14="http://schemas.microsoft.com/office/drawing/2010/main" w="9525">
+                <a14:hiddenLine xmlns:a14="http://schemas.microsoft.com/office/drawing/2010/main" xmlns:p14="http://schemas.microsoft.com/office/powerpoint/2010/main" xmlns:a16="http://schemas.microsoft.com/office/drawing/2014/main" xmlns="" w="9525">
                   <a:solidFill>
                     <a:srgbClr val="000000"/>
                   </a:solidFill>
@@ -22163,7 +22167,7 @@
             </a:ln>
             <a:extLst>
               <a:ext uri="{91240B29-F687-4f45-9708-019B960494DF}">
-                <a14:hiddenLine xmlns="" xmlns:a16="http://schemas.microsoft.com/office/drawing/2014/main" xmlns:p14="http://schemas.microsoft.com/office/powerpoint/2010/main" xmlns:a14="http://schemas.microsoft.com/office/drawing/2010/main" w="9525">
+                <a14:hiddenLine xmlns:a14="http://schemas.microsoft.com/office/drawing/2010/main" xmlns:p14="http://schemas.microsoft.com/office/powerpoint/2010/main" xmlns:a16="http://schemas.microsoft.com/office/drawing/2014/main" xmlns="" w="9525">
                   <a:solidFill>
                     <a:srgbClr val="000000"/>
                   </a:solidFill>
@@ -22275,7 +22279,7 @@
             </a:ln>
             <a:extLst>
               <a:ext uri="{91240B29-F687-4f45-9708-019B960494DF}">
-                <a14:hiddenLine xmlns="" xmlns:a16="http://schemas.microsoft.com/office/drawing/2014/main" xmlns:p14="http://schemas.microsoft.com/office/powerpoint/2010/main" xmlns:a14="http://schemas.microsoft.com/office/drawing/2010/main" w="9525">
+                <a14:hiddenLine xmlns:a14="http://schemas.microsoft.com/office/drawing/2010/main" xmlns:p14="http://schemas.microsoft.com/office/powerpoint/2010/main" xmlns:a16="http://schemas.microsoft.com/office/drawing/2014/main" xmlns="" w="9525">
                   <a:solidFill>
                     <a:srgbClr val="000000"/>
                   </a:solidFill>
@@ -22362,7 +22366,7 @@
             </a:ln>
             <a:extLst>
               <a:ext uri="{91240B29-F687-4f45-9708-019B960494DF}">
-                <a14:hiddenLine xmlns="" xmlns:a16="http://schemas.microsoft.com/office/drawing/2014/main" xmlns:p14="http://schemas.microsoft.com/office/powerpoint/2010/main" xmlns:a14="http://schemas.microsoft.com/office/drawing/2010/main" w="9525">
+                <a14:hiddenLine xmlns:a14="http://schemas.microsoft.com/office/drawing/2010/main" xmlns:p14="http://schemas.microsoft.com/office/powerpoint/2010/main" xmlns:a16="http://schemas.microsoft.com/office/drawing/2014/main" xmlns="" w="9525">
                   <a:solidFill>
                     <a:srgbClr val="000000"/>
                   </a:solidFill>
@@ -22504,7 +22508,7 @@
             </a:ln>
             <a:extLst>
               <a:ext uri="{91240B29-F687-4f45-9708-019B960494DF}">
-                <a14:hiddenLine xmlns="" xmlns:a16="http://schemas.microsoft.com/office/drawing/2014/main" xmlns:p14="http://schemas.microsoft.com/office/powerpoint/2010/main" xmlns:a14="http://schemas.microsoft.com/office/drawing/2010/main" w="9525">
+                <a14:hiddenLine xmlns:a14="http://schemas.microsoft.com/office/drawing/2010/main" xmlns:p14="http://schemas.microsoft.com/office/powerpoint/2010/main" xmlns:a16="http://schemas.microsoft.com/office/drawing/2014/main" xmlns="" w="9525">
                   <a:solidFill>
                     <a:srgbClr val="000000"/>
                   </a:solidFill>
@@ -23269,7 +23273,7 @@
             </a:ln>
             <a:extLst>
               <a:ext uri="{91240B29-F687-4f45-9708-019B960494DF}">
-                <a14:hiddenLine xmlns="" xmlns:a16="http://schemas.microsoft.com/office/drawing/2014/main" xmlns:p14="http://schemas.microsoft.com/office/powerpoint/2010/main" xmlns:a14="http://schemas.microsoft.com/office/drawing/2010/main" w="9525">
+                <a14:hiddenLine xmlns:a14="http://schemas.microsoft.com/office/drawing/2010/main" xmlns:p14="http://schemas.microsoft.com/office/powerpoint/2010/main" xmlns:a16="http://schemas.microsoft.com/office/drawing/2014/main" xmlns="" w="9525">
                   <a:solidFill>
                     <a:srgbClr val="000000"/>
                   </a:solidFill>
@@ -23381,7 +23385,7 @@
             </a:ln>
             <a:extLst>
               <a:ext uri="{91240B29-F687-4f45-9708-019B960494DF}">
-                <a14:hiddenLine xmlns="" xmlns:a16="http://schemas.microsoft.com/office/drawing/2014/main" xmlns:p14="http://schemas.microsoft.com/office/powerpoint/2010/main" xmlns:a14="http://schemas.microsoft.com/office/drawing/2010/main" w="9525">
+                <a14:hiddenLine xmlns:a14="http://schemas.microsoft.com/office/drawing/2010/main" xmlns:p14="http://schemas.microsoft.com/office/powerpoint/2010/main" xmlns:a16="http://schemas.microsoft.com/office/drawing/2014/main" xmlns="" w="9525">
                   <a:solidFill>
                     <a:srgbClr val="000000"/>
                   </a:solidFill>
@@ -23493,7 +23497,7 @@
             </a:ln>
             <a:extLst>
               <a:ext uri="{91240B29-F687-4f45-9708-019B960494DF}">
-                <a14:hiddenLine xmlns="" xmlns:a16="http://schemas.microsoft.com/office/drawing/2014/main" xmlns:p14="http://schemas.microsoft.com/office/powerpoint/2010/main" xmlns:a14="http://schemas.microsoft.com/office/drawing/2010/main" w="9525">
+                <a14:hiddenLine xmlns:a14="http://schemas.microsoft.com/office/drawing/2010/main" xmlns:p14="http://schemas.microsoft.com/office/powerpoint/2010/main" xmlns:a16="http://schemas.microsoft.com/office/drawing/2014/main" xmlns="" w="9525">
                   <a:solidFill>
                     <a:srgbClr val="000000"/>
                   </a:solidFill>
@@ -23577,7 +23581,7 @@
             </a:ln>
             <a:extLst>
               <a:ext uri="{91240B29-F687-4f45-9708-019B960494DF}">
-                <a14:hiddenLine xmlns="" xmlns:a16="http://schemas.microsoft.com/office/drawing/2014/main" xmlns:p14="http://schemas.microsoft.com/office/powerpoint/2010/main" xmlns:a14="http://schemas.microsoft.com/office/drawing/2010/main" w="9525">
+                <a14:hiddenLine xmlns:a14="http://schemas.microsoft.com/office/drawing/2010/main" xmlns:p14="http://schemas.microsoft.com/office/powerpoint/2010/main" xmlns:a16="http://schemas.microsoft.com/office/drawing/2014/main" xmlns="" w="9525">
                   <a:solidFill>
                     <a:srgbClr val="000000"/>
                   </a:solidFill>
@@ -23689,7 +23693,7 @@
             </a:ln>
             <a:extLst>
               <a:ext uri="{91240B29-F687-4f45-9708-019B960494DF}">
-                <a14:hiddenLine xmlns="" xmlns:a16="http://schemas.microsoft.com/office/drawing/2014/main" xmlns:p14="http://schemas.microsoft.com/office/powerpoint/2010/main" xmlns:a14="http://schemas.microsoft.com/office/drawing/2010/main" w="9525">
+                <a14:hiddenLine xmlns:a14="http://schemas.microsoft.com/office/drawing/2010/main" xmlns:p14="http://schemas.microsoft.com/office/powerpoint/2010/main" xmlns:a16="http://schemas.microsoft.com/office/drawing/2014/main" xmlns="" w="9525">
                   <a:solidFill>
                     <a:srgbClr val="000000"/>
                   </a:solidFill>
@@ -23773,7 +23777,7 @@
             </a:ln>
             <a:extLst>
               <a:ext uri="{91240B29-F687-4f45-9708-019B960494DF}">
-                <a14:hiddenLine xmlns="" xmlns:a16="http://schemas.microsoft.com/office/drawing/2014/main" xmlns:p14="http://schemas.microsoft.com/office/powerpoint/2010/main" xmlns:a14="http://schemas.microsoft.com/office/drawing/2010/main" w="9525">
+                <a14:hiddenLine xmlns:a14="http://schemas.microsoft.com/office/drawing/2010/main" xmlns:p14="http://schemas.microsoft.com/office/powerpoint/2010/main" xmlns:a16="http://schemas.microsoft.com/office/drawing/2014/main" xmlns="" w="9525">
                   <a:solidFill>
                     <a:srgbClr val="000000"/>
                   </a:solidFill>
@@ -23857,7 +23861,7 @@
             </a:ln>
             <a:extLst>
               <a:ext uri="{91240B29-F687-4f45-9708-019B960494DF}">
-                <a14:hiddenLine xmlns="" xmlns:a16="http://schemas.microsoft.com/office/drawing/2014/main" xmlns:p14="http://schemas.microsoft.com/office/powerpoint/2010/main" xmlns:a14="http://schemas.microsoft.com/office/drawing/2010/main" w="9525">
+                <a14:hiddenLine xmlns:a14="http://schemas.microsoft.com/office/drawing/2010/main" xmlns:p14="http://schemas.microsoft.com/office/powerpoint/2010/main" xmlns:a16="http://schemas.microsoft.com/office/drawing/2014/main" xmlns="" w="9525">
                   <a:solidFill>
                     <a:srgbClr val="000000"/>
                   </a:solidFill>
@@ -23969,7 +23973,7 @@
             </a:ln>
             <a:extLst>
               <a:ext uri="{91240B29-F687-4f45-9708-019B960494DF}">
-                <a14:hiddenLine xmlns="" xmlns:a16="http://schemas.microsoft.com/office/drawing/2014/main" xmlns:p14="http://schemas.microsoft.com/office/powerpoint/2010/main" xmlns:a14="http://schemas.microsoft.com/office/drawing/2010/main" w="9525">
+                <a14:hiddenLine xmlns:a14="http://schemas.microsoft.com/office/drawing/2010/main" xmlns:p14="http://schemas.microsoft.com/office/powerpoint/2010/main" xmlns:a16="http://schemas.microsoft.com/office/drawing/2014/main" xmlns="" w="9525">
                   <a:solidFill>
                     <a:srgbClr val="000000"/>
                   </a:solidFill>
@@ -24081,7 +24085,7 @@
             </a:ln>
             <a:extLst>
               <a:ext uri="{91240B29-F687-4f45-9708-019B960494DF}">
-                <a14:hiddenLine xmlns="" xmlns:a16="http://schemas.microsoft.com/office/drawing/2014/main" xmlns:p14="http://schemas.microsoft.com/office/powerpoint/2010/main" xmlns:a14="http://schemas.microsoft.com/office/drawing/2010/main" w="9525">
+                <a14:hiddenLine xmlns:a14="http://schemas.microsoft.com/office/drawing/2010/main" xmlns:p14="http://schemas.microsoft.com/office/powerpoint/2010/main" xmlns:a16="http://schemas.microsoft.com/office/drawing/2014/main" xmlns="" w="9525">
                   <a:solidFill>
                     <a:srgbClr val="000000"/>
                   </a:solidFill>
@@ -24165,7 +24169,7 @@
             </a:ln>
             <a:extLst>
               <a:ext uri="{91240B29-F687-4f45-9708-019B960494DF}">
-                <a14:hiddenLine xmlns="" xmlns:a16="http://schemas.microsoft.com/office/drawing/2014/main" xmlns:p14="http://schemas.microsoft.com/office/powerpoint/2010/main" xmlns:a14="http://schemas.microsoft.com/office/drawing/2010/main" w="9525">
+                <a14:hiddenLine xmlns:a14="http://schemas.microsoft.com/office/drawing/2010/main" xmlns:p14="http://schemas.microsoft.com/office/powerpoint/2010/main" xmlns:a16="http://schemas.microsoft.com/office/drawing/2014/main" xmlns="" w="9525">
                   <a:solidFill>
                     <a:srgbClr val="000000"/>
                   </a:solidFill>
@@ -24297,7 +24301,7 @@
             </a:ln>
             <a:extLst>
               <a:ext uri="{91240B29-F687-4f45-9708-019B960494DF}">
-                <a14:hiddenLine xmlns="" xmlns:a16="http://schemas.microsoft.com/office/drawing/2014/main" xmlns:p14="http://schemas.microsoft.com/office/powerpoint/2010/main" xmlns:a14="http://schemas.microsoft.com/office/drawing/2010/main" w="9525">
+                <a14:hiddenLine xmlns:a14="http://schemas.microsoft.com/office/drawing/2010/main" xmlns:p14="http://schemas.microsoft.com/office/powerpoint/2010/main" xmlns:a16="http://schemas.microsoft.com/office/drawing/2014/main" xmlns="" w="9525">
                   <a:solidFill>
                     <a:srgbClr val="000000"/>
                   </a:solidFill>
@@ -24425,7 +24429,7 @@
             </a:ln>
             <a:extLst>
               <a:ext uri="{91240B29-F687-4f45-9708-019B960494DF}">
-                <a14:hiddenLine xmlns="" xmlns:a16="http://schemas.microsoft.com/office/drawing/2014/main" xmlns:p14="http://schemas.microsoft.com/office/powerpoint/2010/main" xmlns:a14="http://schemas.microsoft.com/office/drawing/2010/main" w="9525">
+                <a14:hiddenLine xmlns:a14="http://schemas.microsoft.com/office/drawing/2010/main" xmlns:p14="http://schemas.microsoft.com/office/powerpoint/2010/main" xmlns:a16="http://schemas.microsoft.com/office/drawing/2014/main" xmlns="" w="9525">
                   <a:solidFill>
                     <a:srgbClr val="000000"/>
                   </a:solidFill>
@@ -24509,7 +24513,7 @@
             </a:ln>
             <a:extLst>
               <a:ext uri="{91240B29-F687-4f45-9708-019B960494DF}">
-                <a14:hiddenLine xmlns="" xmlns:a16="http://schemas.microsoft.com/office/drawing/2014/main" xmlns:p14="http://schemas.microsoft.com/office/powerpoint/2010/main" xmlns:a14="http://schemas.microsoft.com/office/drawing/2010/main" w="9525">
+                <a14:hiddenLine xmlns:a14="http://schemas.microsoft.com/office/drawing/2010/main" xmlns:p14="http://schemas.microsoft.com/office/powerpoint/2010/main" xmlns:a16="http://schemas.microsoft.com/office/drawing/2014/main" xmlns="" w="9525">
                   <a:solidFill>
                     <a:srgbClr val="000000"/>
                   </a:solidFill>
@@ -24593,7 +24597,7 @@
             </a:ln>
             <a:extLst>
               <a:ext uri="{91240B29-F687-4f45-9708-019B960494DF}">
-                <a14:hiddenLine xmlns="" xmlns:a16="http://schemas.microsoft.com/office/drawing/2014/main" xmlns:p14="http://schemas.microsoft.com/office/powerpoint/2010/main" xmlns:a14="http://schemas.microsoft.com/office/drawing/2010/main" w="9525">
+                <a14:hiddenLine xmlns:a14="http://schemas.microsoft.com/office/drawing/2010/main" xmlns:p14="http://schemas.microsoft.com/office/powerpoint/2010/main" xmlns:a16="http://schemas.microsoft.com/office/drawing/2014/main" xmlns="" w="9525">
                   <a:solidFill>
                     <a:srgbClr val="000000"/>
                   </a:solidFill>
@@ -24705,7 +24709,7 @@
             </a:ln>
             <a:extLst>
               <a:ext uri="{91240B29-F687-4f45-9708-019B960494DF}">
-                <a14:hiddenLine xmlns="" xmlns:a16="http://schemas.microsoft.com/office/drawing/2014/main" xmlns:p14="http://schemas.microsoft.com/office/powerpoint/2010/main" xmlns:a14="http://schemas.microsoft.com/office/drawing/2010/main" w="9525">
+                <a14:hiddenLine xmlns:a14="http://schemas.microsoft.com/office/drawing/2010/main" xmlns:p14="http://schemas.microsoft.com/office/powerpoint/2010/main" xmlns:a16="http://schemas.microsoft.com/office/drawing/2014/main" xmlns="" w="9525">
                   <a:solidFill>
                     <a:srgbClr val="000000"/>
                   </a:solidFill>
@@ -24761,7 +24765,7 @@
             </a:ln>
             <a:extLst>
               <a:ext uri="{91240B29-F687-4f45-9708-019B960494DF}">
-                <a14:hiddenLine xmlns="" xmlns:a16="http://schemas.microsoft.com/office/drawing/2014/main" xmlns:p14="http://schemas.microsoft.com/office/powerpoint/2010/main" xmlns:a14="http://schemas.microsoft.com/office/drawing/2010/main" w="9525">
+                <a14:hiddenLine xmlns:a14="http://schemas.microsoft.com/office/drawing/2010/main" xmlns:p14="http://schemas.microsoft.com/office/powerpoint/2010/main" xmlns:a16="http://schemas.microsoft.com/office/drawing/2014/main" xmlns="" w="9525">
                   <a:solidFill>
                     <a:srgbClr val="000000"/>
                   </a:solidFill>
@@ -24848,7 +24852,7 @@
             </a:ln>
             <a:extLst>
               <a:ext uri="{91240B29-F687-4f45-9708-019B960494DF}">
-                <a14:hiddenLine xmlns="" xmlns:a16="http://schemas.microsoft.com/office/drawing/2014/main" xmlns:p14="http://schemas.microsoft.com/office/powerpoint/2010/main" xmlns:a14="http://schemas.microsoft.com/office/drawing/2010/main" w="9525">
+                <a14:hiddenLine xmlns:a14="http://schemas.microsoft.com/office/drawing/2010/main" xmlns:p14="http://schemas.microsoft.com/office/powerpoint/2010/main" xmlns:a16="http://schemas.microsoft.com/office/drawing/2014/main" xmlns="" w="9525">
                   <a:solidFill>
                     <a:srgbClr val="000000"/>
                   </a:solidFill>
@@ -24960,7 +24964,7 @@
             </a:ln>
             <a:extLst>
               <a:ext uri="{91240B29-F687-4f45-9708-019B960494DF}">
-                <a14:hiddenLine xmlns="" xmlns:a16="http://schemas.microsoft.com/office/drawing/2014/main" xmlns:p14="http://schemas.microsoft.com/office/powerpoint/2010/main" xmlns:a14="http://schemas.microsoft.com/office/drawing/2010/main" w="9525">
+                <a14:hiddenLine xmlns:a14="http://schemas.microsoft.com/office/drawing/2010/main" xmlns:p14="http://schemas.microsoft.com/office/powerpoint/2010/main" xmlns:a16="http://schemas.microsoft.com/office/drawing/2014/main" xmlns="" w="9525">
                   <a:solidFill>
                     <a:srgbClr val="000000"/>
                   </a:solidFill>
@@ -25044,7 +25048,7 @@
             </a:ln>
             <a:extLst>
               <a:ext uri="{91240B29-F687-4f45-9708-019B960494DF}">
-                <a14:hiddenLine xmlns="" xmlns:a16="http://schemas.microsoft.com/office/drawing/2014/main" xmlns:p14="http://schemas.microsoft.com/office/powerpoint/2010/main" xmlns:a14="http://schemas.microsoft.com/office/drawing/2010/main" w="9525">
+                <a14:hiddenLine xmlns:a14="http://schemas.microsoft.com/office/drawing/2010/main" xmlns:p14="http://schemas.microsoft.com/office/powerpoint/2010/main" xmlns:a16="http://schemas.microsoft.com/office/drawing/2014/main" xmlns="" w="9525">
                   <a:solidFill>
                     <a:srgbClr val="000000"/>
                   </a:solidFill>
@@ -25156,7 +25160,7 @@
             </a:ln>
             <a:extLst>
               <a:ext uri="{91240B29-F687-4f45-9708-019B960494DF}">
-                <a14:hiddenLine xmlns="" xmlns:a16="http://schemas.microsoft.com/office/drawing/2014/main" xmlns:p14="http://schemas.microsoft.com/office/powerpoint/2010/main" xmlns:a14="http://schemas.microsoft.com/office/drawing/2010/main" w="9525">
+                <a14:hiddenLine xmlns:a14="http://schemas.microsoft.com/office/drawing/2010/main" xmlns:p14="http://schemas.microsoft.com/office/powerpoint/2010/main" xmlns:a16="http://schemas.microsoft.com/office/drawing/2014/main" xmlns="" w="9525">
                   <a:solidFill>
                     <a:srgbClr val="000000"/>
                   </a:solidFill>
@@ -25243,7 +25247,7 @@
             </a:ln>
             <a:extLst>
               <a:ext uri="{91240B29-F687-4f45-9708-019B960494DF}">
-                <a14:hiddenLine xmlns="" xmlns:a16="http://schemas.microsoft.com/office/drawing/2014/main" xmlns:p14="http://schemas.microsoft.com/office/powerpoint/2010/main" xmlns:a14="http://schemas.microsoft.com/office/drawing/2010/main" w="9525">
+                <a14:hiddenLine xmlns:a14="http://schemas.microsoft.com/office/drawing/2010/main" xmlns:p14="http://schemas.microsoft.com/office/powerpoint/2010/main" xmlns:a16="http://schemas.microsoft.com/office/drawing/2014/main" xmlns="" w="9525">
                   <a:solidFill>
                     <a:srgbClr val="000000"/>
                   </a:solidFill>
@@ -25327,7 +25331,7 @@
             </a:ln>
             <a:extLst>
               <a:ext uri="{91240B29-F687-4f45-9708-019B960494DF}">
-                <a14:hiddenLine xmlns="" xmlns:a16="http://schemas.microsoft.com/office/drawing/2014/main" xmlns:p14="http://schemas.microsoft.com/office/powerpoint/2010/main" xmlns:a14="http://schemas.microsoft.com/office/drawing/2010/main" w="9525">
+                <a14:hiddenLine xmlns:a14="http://schemas.microsoft.com/office/drawing/2010/main" xmlns:p14="http://schemas.microsoft.com/office/powerpoint/2010/main" xmlns:a16="http://schemas.microsoft.com/office/drawing/2014/main" xmlns="" w="9525">
                   <a:solidFill>
                     <a:srgbClr val="000000"/>
                   </a:solidFill>
@@ -25439,7 +25443,7 @@
             </a:ln>
             <a:extLst>
               <a:ext uri="{91240B29-F687-4f45-9708-019B960494DF}">
-                <a14:hiddenLine xmlns="" xmlns:a16="http://schemas.microsoft.com/office/drawing/2014/main" xmlns:p14="http://schemas.microsoft.com/office/powerpoint/2010/main" xmlns:a14="http://schemas.microsoft.com/office/drawing/2010/main" w="9525">
+                <a14:hiddenLine xmlns:a14="http://schemas.microsoft.com/office/drawing/2010/main" xmlns:p14="http://schemas.microsoft.com/office/powerpoint/2010/main" xmlns:a16="http://schemas.microsoft.com/office/drawing/2014/main" xmlns="" w="9525">
                   <a:solidFill>
                     <a:srgbClr val="000000"/>
                   </a:solidFill>
@@ -25551,7 +25555,7 @@
             </a:ln>
             <a:extLst>
               <a:ext uri="{91240B29-F687-4f45-9708-019B960494DF}">
-                <a14:hiddenLine xmlns="" xmlns:a16="http://schemas.microsoft.com/office/drawing/2014/main" xmlns:p14="http://schemas.microsoft.com/office/powerpoint/2010/main" xmlns:a14="http://schemas.microsoft.com/office/drawing/2010/main" w="9525">
+                <a14:hiddenLine xmlns:a14="http://schemas.microsoft.com/office/drawing/2010/main" xmlns:p14="http://schemas.microsoft.com/office/powerpoint/2010/main" xmlns:a16="http://schemas.microsoft.com/office/drawing/2014/main" xmlns="" w="9525">
                   <a:solidFill>
                     <a:srgbClr val="000000"/>
                   </a:solidFill>
@@ -25638,7 +25642,7 @@
             </a:ln>
             <a:extLst>
               <a:ext uri="{91240B29-F687-4f45-9708-019B960494DF}">
-                <a14:hiddenLine xmlns="" xmlns:a16="http://schemas.microsoft.com/office/drawing/2014/main" xmlns:p14="http://schemas.microsoft.com/office/powerpoint/2010/main" xmlns:a14="http://schemas.microsoft.com/office/drawing/2010/main" w="9525">
+                <a14:hiddenLine xmlns:a14="http://schemas.microsoft.com/office/drawing/2010/main" xmlns:p14="http://schemas.microsoft.com/office/powerpoint/2010/main" xmlns:a16="http://schemas.microsoft.com/office/drawing/2014/main" xmlns="" w="9525">
                   <a:solidFill>
                     <a:srgbClr val="000000"/>
                   </a:solidFill>
@@ -25780,7 +25784,7 @@
             </a:ln>
             <a:extLst>
               <a:ext uri="{91240B29-F687-4f45-9708-019B960494DF}">
-                <a14:hiddenLine xmlns="" xmlns:a16="http://schemas.microsoft.com/office/drawing/2014/main" xmlns:p14="http://schemas.microsoft.com/office/powerpoint/2010/main" xmlns:a14="http://schemas.microsoft.com/office/drawing/2010/main" w="9525">
+                <a14:hiddenLine xmlns:a14="http://schemas.microsoft.com/office/drawing/2010/main" xmlns:p14="http://schemas.microsoft.com/office/powerpoint/2010/main" xmlns:a16="http://schemas.microsoft.com/office/drawing/2014/main" xmlns="" w="9525">
                   <a:solidFill>
                     <a:srgbClr val="000000"/>
                   </a:solidFill>
@@ -26141,7 +26145,7 @@
             </a:ln>
             <a:extLst>
               <a:ext uri="{91240B29-F687-4f45-9708-019B960494DF}">
-                <a14:hiddenLine xmlns="" xmlns:a16="http://schemas.microsoft.com/office/drawing/2014/main" xmlns:p14="http://schemas.microsoft.com/office/powerpoint/2010/main" xmlns:a14="http://schemas.microsoft.com/office/drawing/2010/main" w="9525">
+                <a14:hiddenLine xmlns:a14="http://schemas.microsoft.com/office/drawing/2010/main" xmlns:p14="http://schemas.microsoft.com/office/powerpoint/2010/main" xmlns:a16="http://schemas.microsoft.com/office/drawing/2014/main" xmlns="" w="9525">
                   <a:solidFill>
                     <a:srgbClr val="000000"/>
                   </a:solidFill>
@@ -26253,7 +26257,7 @@
             </a:ln>
             <a:extLst>
               <a:ext uri="{91240B29-F687-4f45-9708-019B960494DF}">
-                <a14:hiddenLine xmlns="" xmlns:a16="http://schemas.microsoft.com/office/drawing/2014/main" xmlns:p14="http://schemas.microsoft.com/office/powerpoint/2010/main" xmlns:a14="http://schemas.microsoft.com/office/drawing/2010/main" w="9525">
+                <a14:hiddenLine xmlns:a14="http://schemas.microsoft.com/office/drawing/2010/main" xmlns:p14="http://schemas.microsoft.com/office/powerpoint/2010/main" xmlns:a16="http://schemas.microsoft.com/office/drawing/2014/main" xmlns="" w="9525">
                   <a:solidFill>
                     <a:srgbClr val="000000"/>
                   </a:solidFill>
@@ -26365,7 +26369,7 @@
             </a:ln>
             <a:extLst>
               <a:ext uri="{91240B29-F687-4f45-9708-019B960494DF}">
-                <a14:hiddenLine xmlns="" xmlns:a16="http://schemas.microsoft.com/office/drawing/2014/main" xmlns:p14="http://schemas.microsoft.com/office/powerpoint/2010/main" xmlns:a14="http://schemas.microsoft.com/office/drawing/2010/main" w="9525">
+                <a14:hiddenLine xmlns:a14="http://schemas.microsoft.com/office/drawing/2010/main" xmlns:p14="http://schemas.microsoft.com/office/powerpoint/2010/main" xmlns:a16="http://schemas.microsoft.com/office/drawing/2014/main" xmlns="" w="9525">
                   <a:solidFill>
                     <a:srgbClr val="000000"/>
                   </a:solidFill>
@@ -26449,7 +26453,7 @@
             </a:ln>
             <a:extLst>
               <a:ext uri="{91240B29-F687-4f45-9708-019B960494DF}">
-                <a14:hiddenLine xmlns="" xmlns:a16="http://schemas.microsoft.com/office/drawing/2014/main" xmlns:p14="http://schemas.microsoft.com/office/powerpoint/2010/main" xmlns:a14="http://schemas.microsoft.com/office/drawing/2010/main" w="9525">
+                <a14:hiddenLine xmlns:a14="http://schemas.microsoft.com/office/drawing/2010/main" xmlns:p14="http://schemas.microsoft.com/office/powerpoint/2010/main" xmlns:a16="http://schemas.microsoft.com/office/drawing/2014/main" xmlns="" w="9525">
                   <a:solidFill>
                     <a:srgbClr val="000000"/>
                   </a:solidFill>
@@ -26561,7 +26565,7 @@
             </a:ln>
             <a:extLst>
               <a:ext uri="{91240B29-F687-4f45-9708-019B960494DF}">
-                <a14:hiddenLine xmlns="" xmlns:a16="http://schemas.microsoft.com/office/drawing/2014/main" xmlns:p14="http://schemas.microsoft.com/office/powerpoint/2010/main" xmlns:a14="http://schemas.microsoft.com/office/drawing/2010/main" w="9525">
+                <a14:hiddenLine xmlns:a14="http://schemas.microsoft.com/office/drawing/2010/main" xmlns:p14="http://schemas.microsoft.com/office/powerpoint/2010/main" xmlns:a16="http://schemas.microsoft.com/office/drawing/2014/main" xmlns="" w="9525">
                   <a:solidFill>
                     <a:srgbClr val="000000"/>
                   </a:solidFill>
@@ -26645,7 +26649,7 @@
             </a:ln>
             <a:extLst>
               <a:ext uri="{91240B29-F687-4f45-9708-019B960494DF}">
-                <a14:hiddenLine xmlns="" xmlns:a16="http://schemas.microsoft.com/office/drawing/2014/main" xmlns:p14="http://schemas.microsoft.com/office/powerpoint/2010/main" xmlns:a14="http://schemas.microsoft.com/office/drawing/2010/main" w="9525">
+                <a14:hiddenLine xmlns:a14="http://schemas.microsoft.com/office/drawing/2010/main" xmlns:p14="http://schemas.microsoft.com/office/powerpoint/2010/main" xmlns:a16="http://schemas.microsoft.com/office/drawing/2014/main" xmlns="" w="9525">
                   <a:solidFill>
                     <a:srgbClr val="000000"/>
                   </a:solidFill>
@@ -26729,7 +26733,7 @@
             </a:ln>
             <a:extLst>
               <a:ext uri="{91240B29-F687-4f45-9708-019B960494DF}">
-                <a14:hiddenLine xmlns="" xmlns:a16="http://schemas.microsoft.com/office/drawing/2014/main" xmlns:p14="http://schemas.microsoft.com/office/powerpoint/2010/main" xmlns:a14="http://schemas.microsoft.com/office/drawing/2010/main" w="9525">
+                <a14:hiddenLine xmlns:a14="http://schemas.microsoft.com/office/drawing/2010/main" xmlns:p14="http://schemas.microsoft.com/office/powerpoint/2010/main" xmlns:a16="http://schemas.microsoft.com/office/drawing/2014/main" xmlns="" w="9525">
                   <a:solidFill>
                     <a:srgbClr val="000000"/>
                   </a:solidFill>
@@ -26841,7 +26845,7 @@
             </a:ln>
             <a:extLst>
               <a:ext uri="{91240B29-F687-4f45-9708-019B960494DF}">
-                <a14:hiddenLine xmlns="" xmlns:a16="http://schemas.microsoft.com/office/drawing/2014/main" xmlns:p14="http://schemas.microsoft.com/office/powerpoint/2010/main" xmlns:a14="http://schemas.microsoft.com/office/drawing/2010/main" w="9525">
+                <a14:hiddenLine xmlns:a14="http://schemas.microsoft.com/office/drawing/2010/main" xmlns:p14="http://schemas.microsoft.com/office/powerpoint/2010/main" xmlns:a16="http://schemas.microsoft.com/office/drawing/2014/main" xmlns="" w="9525">
                   <a:solidFill>
                     <a:srgbClr val="000000"/>
                   </a:solidFill>
@@ -26953,7 +26957,7 @@
             </a:ln>
             <a:extLst>
               <a:ext uri="{91240B29-F687-4f45-9708-019B960494DF}">
-                <a14:hiddenLine xmlns="" xmlns:a16="http://schemas.microsoft.com/office/drawing/2014/main" xmlns:p14="http://schemas.microsoft.com/office/powerpoint/2010/main" xmlns:a14="http://schemas.microsoft.com/office/drawing/2010/main" w="9525">
+                <a14:hiddenLine xmlns:a14="http://schemas.microsoft.com/office/drawing/2010/main" xmlns:p14="http://schemas.microsoft.com/office/powerpoint/2010/main" xmlns:a16="http://schemas.microsoft.com/office/drawing/2014/main" xmlns="" w="9525">
                   <a:solidFill>
                     <a:srgbClr val="000000"/>
                   </a:solidFill>
@@ -27037,7 +27041,7 @@
             </a:ln>
             <a:extLst>
               <a:ext uri="{91240B29-F687-4f45-9708-019B960494DF}">
-                <a14:hiddenLine xmlns="" xmlns:a16="http://schemas.microsoft.com/office/drawing/2014/main" xmlns:p14="http://schemas.microsoft.com/office/powerpoint/2010/main" xmlns:a14="http://schemas.microsoft.com/office/drawing/2010/main" w="9525">
+                <a14:hiddenLine xmlns:a14="http://schemas.microsoft.com/office/drawing/2010/main" xmlns:p14="http://schemas.microsoft.com/office/powerpoint/2010/main" xmlns:a16="http://schemas.microsoft.com/office/drawing/2014/main" xmlns="" w="9525">
                   <a:solidFill>
                     <a:srgbClr val="000000"/>
                   </a:solidFill>
@@ -27169,7 +27173,7 @@
             </a:ln>
             <a:extLst>
               <a:ext uri="{91240B29-F687-4f45-9708-019B960494DF}">
-                <a14:hiddenLine xmlns="" xmlns:a16="http://schemas.microsoft.com/office/drawing/2014/main" xmlns:p14="http://schemas.microsoft.com/office/powerpoint/2010/main" xmlns:a14="http://schemas.microsoft.com/office/drawing/2010/main" w="9525">
+                <a14:hiddenLine xmlns:a14="http://schemas.microsoft.com/office/drawing/2010/main" xmlns:p14="http://schemas.microsoft.com/office/powerpoint/2010/main" xmlns:a16="http://schemas.microsoft.com/office/drawing/2014/main" xmlns="" w="9525">
                   <a:solidFill>
                     <a:srgbClr val="000000"/>
                   </a:solidFill>
@@ -27297,7 +27301,7 @@
             </a:ln>
             <a:extLst>
               <a:ext uri="{91240B29-F687-4f45-9708-019B960494DF}">
-                <a14:hiddenLine xmlns="" xmlns:a16="http://schemas.microsoft.com/office/drawing/2014/main" xmlns:p14="http://schemas.microsoft.com/office/powerpoint/2010/main" xmlns:a14="http://schemas.microsoft.com/office/drawing/2010/main" w="9525">
+                <a14:hiddenLine xmlns:a14="http://schemas.microsoft.com/office/drawing/2010/main" xmlns:p14="http://schemas.microsoft.com/office/powerpoint/2010/main" xmlns:a16="http://schemas.microsoft.com/office/drawing/2014/main" xmlns="" w="9525">
                   <a:solidFill>
                     <a:srgbClr val="000000"/>
                   </a:solidFill>
@@ -27381,7 +27385,7 @@
             </a:ln>
             <a:extLst>
               <a:ext uri="{91240B29-F687-4f45-9708-019B960494DF}">
-                <a14:hiddenLine xmlns="" xmlns:a16="http://schemas.microsoft.com/office/drawing/2014/main" xmlns:p14="http://schemas.microsoft.com/office/powerpoint/2010/main" xmlns:a14="http://schemas.microsoft.com/office/drawing/2010/main" w="9525">
+                <a14:hiddenLine xmlns:a14="http://schemas.microsoft.com/office/drawing/2010/main" xmlns:p14="http://schemas.microsoft.com/office/powerpoint/2010/main" xmlns:a16="http://schemas.microsoft.com/office/drawing/2014/main" xmlns="" w="9525">
                   <a:solidFill>
                     <a:srgbClr val="000000"/>
                   </a:solidFill>
@@ -27465,7 +27469,7 @@
             </a:ln>
             <a:extLst>
               <a:ext uri="{91240B29-F687-4f45-9708-019B960494DF}">
-                <a14:hiddenLine xmlns="" xmlns:a16="http://schemas.microsoft.com/office/drawing/2014/main" xmlns:p14="http://schemas.microsoft.com/office/powerpoint/2010/main" xmlns:a14="http://schemas.microsoft.com/office/drawing/2010/main" w="9525">
+                <a14:hiddenLine xmlns:a14="http://schemas.microsoft.com/office/drawing/2010/main" xmlns:p14="http://schemas.microsoft.com/office/powerpoint/2010/main" xmlns:a16="http://schemas.microsoft.com/office/drawing/2014/main" xmlns="" w="9525">
                   <a:solidFill>
                     <a:srgbClr val="000000"/>
                   </a:solidFill>
@@ -27577,7 +27581,7 @@
             </a:ln>
             <a:extLst>
               <a:ext uri="{91240B29-F687-4f45-9708-019B960494DF}">
-                <a14:hiddenLine xmlns="" xmlns:a16="http://schemas.microsoft.com/office/drawing/2014/main" xmlns:p14="http://schemas.microsoft.com/office/powerpoint/2010/main" xmlns:a14="http://schemas.microsoft.com/office/drawing/2010/main" w="9525">
+                <a14:hiddenLine xmlns:a14="http://schemas.microsoft.com/office/drawing/2010/main" xmlns:p14="http://schemas.microsoft.com/office/powerpoint/2010/main" xmlns:a16="http://schemas.microsoft.com/office/drawing/2014/main" xmlns="" w="9525">
                   <a:solidFill>
                     <a:srgbClr val="000000"/>
                   </a:solidFill>
@@ -27633,7 +27637,7 @@
             </a:ln>
             <a:extLst>
               <a:ext uri="{91240B29-F687-4f45-9708-019B960494DF}">
-                <a14:hiddenLine xmlns="" xmlns:a16="http://schemas.microsoft.com/office/drawing/2014/main" xmlns:p14="http://schemas.microsoft.com/office/powerpoint/2010/main" xmlns:a14="http://schemas.microsoft.com/office/drawing/2010/main" w="9525">
+                <a14:hiddenLine xmlns:a14="http://schemas.microsoft.com/office/drawing/2010/main" xmlns:p14="http://schemas.microsoft.com/office/powerpoint/2010/main" xmlns:a16="http://schemas.microsoft.com/office/drawing/2014/main" xmlns="" w="9525">
                   <a:solidFill>
                     <a:srgbClr val="000000"/>
                   </a:solidFill>
@@ -27720,7 +27724,7 @@
             </a:ln>
             <a:extLst>
               <a:ext uri="{91240B29-F687-4f45-9708-019B960494DF}">
-                <a14:hiddenLine xmlns="" xmlns:a16="http://schemas.microsoft.com/office/drawing/2014/main" xmlns:p14="http://schemas.microsoft.com/office/powerpoint/2010/main" xmlns:a14="http://schemas.microsoft.com/office/drawing/2010/main" w="9525">
+                <a14:hiddenLine xmlns:a14="http://schemas.microsoft.com/office/drawing/2010/main" xmlns:p14="http://schemas.microsoft.com/office/powerpoint/2010/main" xmlns:a16="http://schemas.microsoft.com/office/drawing/2014/main" xmlns="" w="9525">
                   <a:solidFill>
                     <a:srgbClr val="000000"/>
                   </a:solidFill>
@@ -27832,7 +27836,7 @@
             </a:ln>
             <a:extLst>
               <a:ext uri="{91240B29-F687-4f45-9708-019B960494DF}">
-                <a14:hiddenLine xmlns="" xmlns:a16="http://schemas.microsoft.com/office/drawing/2014/main" xmlns:p14="http://schemas.microsoft.com/office/powerpoint/2010/main" xmlns:a14="http://schemas.microsoft.com/office/drawing/2010/main" w="9525">
+                <a14:hiddenLine xmlns:a14="http://schemas.microsoft.com/office/drawing/2010/main" xmlns:p14="http://schemas.microsoft.com/office/powerpoint/2010/main" xmlns:a16="http://schemas.microsoft.com/office/drawing/2014/main" xmlns="" w="9525">
                   <a:solidFill>
                     <a:srgbClr val="000000"/>
                   </a:solidFill>
@@ -27916,7 +27920,7 @@
             </a:ln>
             <a:extLst>
               <a:ext uri="{91240B29-F687-4f45-9708-019B960494DF}">
-                <a14:hiddenLine xmlns="" xmlns:a16="http://schemas.microsoft.com/office/drawing/2014/main" xmlns:p14="http://schemas.microsoft.com/office/powerpoint/2010/main" xmlns:a14="http://schemas.microsoft.com/office/drawing/2010/main" w="9525">
+                <a14:hiddenLine xmlns:a14="http://schemas.microsoft.com/office/drawing/2010/main" xmlns:p14="http://schemas.microsoft.com/office/powerpoint/2010/main" xmlns:a16="http://schemas.microsoft.com/office/drawing/2014/main" xmlns="" w="9525">
                   <a:solidFill>
                     <a:srgbClr val="000000"/>
                   </a:solidFill>
@@ -28028,7 +28032,7 @@
             </a:ln>
             <a:extLst>
               <a:ext uri="{91240B29-F687-4f45-9708-019B960494DF}">
-                <a14:hiddenLine xmlns="" xmlns:a16="http://schemas.microsoft.com/office/drawing/2014/main" xmlns:p14="http://schemas.microsoft.com/office/powerpoint/2010/main" xmlns:a14="http://schemas.microsoft.com/office/drawing/2010/main" w="9525">
+                <a14:hiddenLine xmlns:a14="http://schemas.microsoft.com/office/drawing/2010/main" xmlns:p14="http://schemas.microsoft.com/office/powerpoint/2010/main" xmlns:a16="http://schemas.microsoft.com/office/drawing/2014/main" xmlns="" w="9525">
                   <a:solidFill>
                     <a:srgbClr val="000000"/>
                   </a:solidFill>
@@ -28115,7 +28119,7 @@
             </a:ln>
             <a:extLst>
               <a:ext uri="{91240B29-F687-4f45-9708-019B960494DF}">
-                <a14:hiddenLine xmlns="" xmlns:a16="http://schemas.microsoft.com/office/drawing/2014/main" xmlns:p14="http://schemas.microsoft.com/office/powerpoint/2010/main" xmlns:a14="http://schemas.microsoft.com/office/drawing/2010/main" w="9525">
+                <a14:hiddenLine xmlns:a14="http://schemas.microsoft.com/office/drawing/2010/main" xmlns:p14="http://schemas.microsoft.com/office/powerpoint/2010/main" xmlns:a16="http://schemas.microsoft.com/office/drawing/2014/main" xmlns="" w="9525">
                   <a:solidFill>
                     <a:srgbClr val="000000"/>
                   </a:solidFill>
@@ -28199,7 +28203,7 @@
             </a:ln>
             <a:extLst>
               <a:ext uri="{91240B29-F687-4f45-9708-019B960494DF}">
-                <a14:hiddenLine xmlns="" xmlns:a16="http://schemas.microsoft.com/office/drawing/2014/main" xmlns:p14="http://schemas.microsoft.com/office/powerpoint/2010/main" xmlns:a14="http://schemas.microsoft.com/office/drawing/2010/main" w="9525">
+                <a14:hiddenLine xmlns:a14="http://schemas.microsoft.com/office/drawing/2010/main" xmlns:p14="http://schemas.microsoft.com/office/powerpoint/2010/main" xmlns:a16="http://schemas.microsoft.com/office/drawing/2014/main" xmlns="" w="9525">
                   <a:solidFill>
                     <a:srgbClr val="000000"/>
                   </a:solidFill>
@@ -28311,7 +28315,7 @@
             </a:ln>
             <a:extLst>
               <a:ext uri="{91240B29-F687-4f45-9708-019B960494DF}">
-                <a14:hiddenLine xmlns="" xmlns:a16="http://schemas.microsoft.com/office/drawing/2014/main" xmlns:p14="http://schemas.microsoft.com/office/powerpoint/2010/main" xmlns:a14="http://schemas.microsoft.com/office/drawing/2010/main" w="9525">
+                <a14:hiddenLine xmlns:a14="http://schemas.microsoft.com/office/drawing/2010/main" xmlns:p14="http://schemas.microsoft.com/office/powerpoint/2010/main" xmlns:a16="http://schemas.microsoft.com/office/drawing/2014/main" xmlns="" w="9525">
                   <a:solidFill>
                     <a:srgbClr val="000000"/>
                   </a:solidFill>
@@ -28423,7 +28427,7 @@
             </a:ln>
             <a:extLst>
               <a:ext uri="{91240B29-F687-4f45-9708-019B960494DF}">
-                <a14:hiddenLine xmlns="" xmlns:a16="http://schemas.microsoft.com/office/drawing/2014/main" xmlns:p14="http://schemas.microsoft.com/office/powerpoint/2010/main" xmlns:a14="http://schemas.microsoft.com/office/drawing/2010/main" w="9525">
+                <a14:hiddenLine xmlns:a14="http://schemas.microsoft.com/office/drawing/2010/main" xmlns:p14="http://schemas.microsoft.com/office/powerpoint/2010/main" xmlns:a16="http://schemas.microsoft.com/office/drawing/2014/main" xmlns="" w="9525">
                   <a:solidFill>
                     <a:srgbClr val="000000"/>
                   </a:solidFill>
@@ -28510,7 +28514,7 @@
             </a:ln>
             <a:extLst>
               <a:ext uri="{91240B29-F687-4f45-9708-019B960494DF}">
-                <a14:hiddenLine xmlns="" xmlns:a16="http://schemas.microsoft.com/office/drawing/2014/main" xmlns:p14="http://schemas.microsoft.com/office/powerpoint/2010/main" xmlns:a14="http://schemas.microsoft.com/office/drawing/2010/main" w="9525">
+                <a14:hiddenLine xmlns:a14="http://schemas.microsoft.com/office/drawing/2010/main" xmlns:p14="http://schemas.microsoft.com/office/powerpoint/2010/main" xmlns:a16="http://schemas.microsoft.com/office/drawing/2014/main" xmlns="" w="9525">
                   <a:solidFill>
                     <a:srgbClr val="000000"/>
                   </a:solidFill>
@@ -28652,7 +28656,7 @@
             </a:ln>
             <a:extLst>
               <a:ext uri="{91240B29-F687-4f45-9708-019B960494DF}">
-                <a14:hiddenLine xmlns="" xmlns:a16="http://schemas.microsoft.com/office/drawing/2014/main" xmlns:p14="http://schemas.microsoft.com/office/powerpoint/2010/main" xmlns:a14="http://schemas.microsoft.com/office/drawing/2010/main" w="9525">
+                <a14:hiddenLine xmlns:a14="http://schemas.microsoft.com/office/drawing/2010/main" xmlns:p14="http://schemas.microsoft.com/office/powerpoint/2010/main" xmlns:a16="http://schemas.microsoft.com/office/drawing/2014/main" xmlns="" w="9525">
                   <a:solidFill>
                     <a:srgbClr val="000000"/>
                   </a:solidFill>
@@ -29560,7 +29564,7 @@
             </a:ln>
             <a:extLst>
               <a:ext uri="{91240B29-F687-4f45-9708-019B960494DF}">
-                <a14:hiddenLine xmlns="" xmlns:a16="http://schemas.microsoft.com/office/drawing/2014/main" xmlns:p14="http://schemas.microsoft.com/office/powerpoint/2010/main" xmlns:a14="http://schemas.microsoft.com/office/drawing/2010/main" w="9525">
+                <a14:hiddenLine xmlns:a14="http://schemas.microsoft.com/office/drawing/2010/main" xmlns:p14="http://schemas.microsoft.com/office/powerpoint/2010/main" xmlns:a16="http://schemas.microsoft.com/office/drawing/2014/main" xmlns="" w="9525">
                   <a:solidFill>
                     <a:srgbClr val="000000"/>
                   </a:solidFill>
@@ -29672,7 +29676,7 @@
             </a:ln>
             <a:extLst>
               <a:ext uri="{91240B29-F687-4f45-9708-019B960494DF}">
-                <a14:hiddenLine xmlns="" xmlns:a16="http://schemas.microsoft.com/office/drawing/2014/main" xmlns:p14="http://schemas.microsoft.com/office/powerpoint/2010/main" xmlns:a14="http://schemas.microsoft.com/office/drawing/2010/main" w="9525">
+                <a14:hiddenLine xmlns:a14="http://schemas.microsoft.com/office/drawing/2010/main" xmlns:p14="http://schemas.microsoft.com/office/powerpoint/2010/main" xmlns:a16="http://schemas.microsoft.com/office/drawing/2014/main" xmlns="" w="9525">
                   <a:solidFill>
                     <a:srgbClr val="000000"/>
                   </a:solidFill>
@@ -29784,7 +29788,7 @@
             </a:ln>
             <a:extLst>
               <a:ext uri="{91240B29-F687-4f45-9708-019B960494DF}">
-                <a14:hiddenLine xmlns="" xmlns:a16="http://schemas.microsoft.com/office/drawing/2014/main" xmlns:p14="http://schemas.microsoft.com/office/powerpoint/2010/main" xmlns:a14="http://schemas.microsoft.com/office/drawing/2010/main" w="9525">
+                <a14:hiddenLine xmlns:a14="http://schemas.microsoft.com/office/drawing/2010/main" xmlns:p14="http://schemas.microsoft.com/office/powerpoint/2010/main" xmlns:a16="http://schemas.microsoft.com/office/drawing/2014/main" xmlns="" w="9525">
                   <a:solidFill>
                     <a:srgbClr val="000000"/>
                   </a:solidFill>
@@ -29868,7 +29872,7 @@
             </a:ln>
             <a:extLst>
               <a:ext uri="{91240B29-F687-4f45-9708-019B960494DF}">
-                <a14:hiddenLine xmlns="" xmlns:a16="http://schemas.microsoft.com/office/drawing/2014/main" xmlns:p14="http://schemas.microsoft.com/office/powerpoint/2010/main" xmlns:a14="http://schemas.microsoft.com/office/drawing/2010/main" w="9525">
+                <a14:hiddenLine xmlns:a14="http://schemas.microsoft.com/office/drawing/2010/main" xmlns:p14="http://schemas.microsoft.com/office/powerpoint/2010/main" xmlns:a16="http://schemas.microsoft.com/office/drawing/2014/main" xmlns="" w="9525">
                   <a:solidFill>
                     <a:srgbClr val="000000"/>
                   </a:solidFill>
@@ -29980,7 +29984,7 @@
             </a:ln>
             <a:extLst>
               <a:ext uri="{91240B29-F687-4f45-9708-019B960494DF}">
-                <a14:hiddenLine xmlns="" xmlns:a16="http://schemas.microsoft.com/office/drawing/2014/main" xmlns:p14="http://schemas.microsoft.com/office/powerpoint/2010/main" xmlns:a14="http://schemas.microsoft.com/office/drawing/2010/main" w="9525">
+                <a14:hiddenLine xmlns:a14="http://schemas.microsoft.com/office/drawing/2010/main" xmlns:p14="http://schemas.microsoft.com/office/powerpoint/2010/main" xmlns:a16="http://schemas.microsoft.com/office/drawing/2014/main" xmlns="" w="9525">
                   <a:solidFill>
                     <a:srgbClr val="000000"/>
                   </a:solidFill>
@@ -30064,7 +30068,7 @@
             </a:ln>
             <a:extLst>
               <a:ext uri="{91240B29-F687-4f45-9708-019B960494DF}">
-                <a14:hiddenLine xmlns="" xmlns:a16="http://schemas.microsoft.com/office/drawing/2014/main" xmlns:p14="http://schemas.microsoft.com/office/powerpoint/2010/main" xmlns:a14="http://schemas.microsoft.com/office/drawing/2010/main" w="9525">
+                <a14:hiddenLine xmlns:a14="http://schemas.microsoft.com/office/drawing/2010/main" xmlns:p14="http://schemas.microsoft.com/office/powerpoint/2010/main" xmlns:a16="http://schemas.microsoft.com/office/drawing/2014/main" xmlns="" w="9525">
                   <a:solidFill>
                     <a:srgbClr val="000000"/>
                   </a:solidFill>
@@ -30148,7 +30152,7 @@
             </a:ln>
             <a:extLst>
               <a:ext uri="{91240B29-F687-4f45-9708-019B960494DF}">
-                <a14:hiddenLine xmlns="" xmlns:a16="http://schemas.microsoft.com/office/drawing/2014/main" xmlns:p14="http://schemas.microsoft.com/office/powerpoint/2010/main" xmlns:a14="http://schemas.microsoft.com/office/drawing/2010/main" w="9525">
+                <a14:hiddenLine xmlns:a14="http://schemas.microsoft.com/office/drawing/2010/main" xmlns:p14="http://schemas.microsoft.com/office/powerpoint/2010/main" xmlns:a16="http://schemas.microsoft.com/office/drawing/2014/main" xmlns="" w="9525">
                   <a:solidFill>
                     <a:srgbClr val="000000"/>
                   </a:solidFill>
@@ -30260,7 +30264,7 @@
             </a:ln>
             <a:extLst>
               <a:ext uri="{91240B29-F687-4f45-9708-019B960494DF}">
-                <a14:hiddenLine xmlns="" xmlns:a16="http://schemas.microsoft.com/office/drawing/2014/main" xmlns:p14="http://schemas.microsoft.com/office/powerpoint/2010/main" xmlns:a14="http://schemas.microsoft.com/office/drawing/2010/main" w="9525">
+                <a14:hiddenLine xmlns:a14="http://schemas.microsoft.com/office/drawing/2010/main" xmlns:p14="http://schemas.microsoft.com/office/powerpoint/2010/main" xmlns:a16="http://schemas.microsoft.com/office/drawing/2014/main" xmlns="" w="9525">
                   <a:solidFill>
                     <a:srgbClr val="000000"/>
                   </a:solidFill>
@@ -30372,7 +30376,7 @@
             </a:ln>
             <a:extLst>
               <a:ext uri="{91240B29-F687-4f45-9708-019B960494DF}">
-                <a14:hiddenLine xmlns="" xmlns:a16="http://schemas.microsoft.com/office/drawing/2014/main" xmlns:p14="http://schemas.microsoft.com/office/powerpoint/2010/main" xmlns:a14="http://schemas.microsoft.com/office/drawing/2010/main" w="9525">
+                <a14:hiddenLine xmlns:a14="http://schemas.microsoft.com/office/drawing/2010/main" xmlns:p14="http://schemas.microsoft.com/office/powerpoint/2010/main" xmlns:a16="http://schemas.microsoft.com/office/drawing/2014/main" xmlns="" w="9525">
                   <a:solidFill>
                     <a:srgbClr val="000000"/>
                   </a:solidFill>
@@ -30456,7 +30460,7 @@
             </a:ln>
             <a:extLst>
               <a:ext uri="{91240B29-F687-4f45-9708-019B960494DF}">
-                <a14:hiddenLine xmlns="" xmlns:a16="http://schemas.microsoft.com/office/drawing/2014/main" xmlns:p14="http://schemas.microsoft.com/office/powerpoint/2010/main" xmlns:a14="http://schemas.microsoft.com/office/drawing/2010/main" w="9525">
+                <a14:hiddenLine xmlns:a14="http://schemas.microsoft.com/office/drawing/2010/main" xmlns:p14="http://schemas.microsoft.com/office/powerpoint/2010/main" xmlns:a16="http://schemas.microsoft.com/office/drawing/2014/main" xmlns="" w="9525">
                   <a:solidFill>
                     <a:srgbClr val="000000"/>
                   </a:solidFill>
@@ -30588,7 +30592,7 @@
             </a:ln>
             <a:extLst>
               <a:ext uri="{91240B29-F687-4f45-9708-019B960494DF}">
-                <a14:hiddenLine xmlns="" xmlns:a16="http://schemas.microsoft.com/office/drawing/2014/main" xmlns:p14="http://schemas.microsoft.com/office/powerpoint/2010/main" xmlns:a14="http://schemas.microsoft.com/office/drawing/2010/main" w="9525">
+                <a14:hiddenLine xmlns:a14="http://schemas.microsoft.com/office/drawing/2010/main" xmlns:p14="http://schemas.microsoft.com/office/powerpoint/2010/main" xmlns:a16="http://schemas.microsoft.com/office/drawing/2014/main" xmlns="" w="9525">
                   <a:solidFill>
                     <a:srgbClr val="000000"/>
                   </a:solidFill>
@@ -30716,7 +30720,7 @@
             </a:ln>
             <a:extLst>
               <a:ext uri="{91240B29-F687-4f45-9708-019B960494DF}">
-                <a14:hiddenLine xmlns="" xmlns:a16="http://schemas.microsoft.com/office/drawing/2014/main" xmlns:p14="http://schemas.microsoft.com/office/powerpoint/2010/main" xmlns:a14="http://schemas.microsoft.com/office/drawing/2010/main" w="9525">
+                <a14:hiddenLine xmlns:a14="http://schemas.microsoft.com/office/drawing/2010/main" xmlns:p14="http://schemas.microsoft.com/office/powerpoint/2010/main" xmlns:a16="http://schemas.microsoft.com/office/drawing/2014/main" xmlns="" w="9525">
                   <a:solidFill>
                     <a:srgbClr val="000000"/>
                   </a:solidFill>
@@ -30800,7 +30804,7 @@
             </a:ln>
             <a:extLst>
               <a:ext uri="{91240B29-F687-4f45-9708-019B960494DF}">
-                <a14:hiddenLine xmlns="" xmlns:a16="http://schemas.microsoft.com/office/drawing/2014/main" xmlns:p14="http://schemas.microsoft.com/office/powerpoint/2010/main" xmlns:a14="http://schemas.microsoft.com/office/drawing/2010/main" w="9525">
+                <a14:hiddenLine xmlns:a14="http://schemas.microsoft.com/office/drawing/2010/main" xmlns:p14="http://schemas.microsoft.com/office/powerpoint/2010/main" xmlns:a16="http://schemas.microsoft.com/office/drawing/2014/main" xmlns="" w="9525">
                   <a:solidFill>
                     <a:srgbClr val="000000"/>
                   </a:solidFill>
@@ -30884,7 +30888,7 @@
             </a:ln>
             <a:extLst>
               <a:ext uri="{91240B29-F687-4f45-9708-019B960494DF}">
-                <a14:hiddenLine xmlns="" xmlns:a16="http://schemas.microsoft.com/office/drawing/2014/main" xmlns:p14="http://schemas.microsoft.com/office/powerpoint/2010/main" xmlns:a14="http://schemas.microsoft.com/office/drawing/2010/main" w="9525">
+                <a14:hiddenLine xmlns:a14="http://schemas.microsoft.com/office/drawing/2010/main" xmlns:p14="http://schemas.microsoft.com/office/powerpoint/2010/main" xmlns:a16="http://schemas.microsoft.com/office/drawing/2014/main" xmlns="" w="9525">
                   <a:solidFill>
                     <a:srgbClr val="000000"/>
                   </a:solidFill>
@@ -30996,7 +31000,7 @@
             </a:ln>
             <a:extLst>
               <a:ext uri="{91240B29-F687-4f45-9708-019B960494DF}">
-                <a14:hiddenLine xmlns="" xmlns:a16="http://schemas.microsoft.com/office/drawing/2014/main" xmlns:p14="http://schemas.microsoft.com/office/powerpoint/2010/main" xmlns:a14="http://schemas.microsoft.com/office/drawing/2010/main" w="9525">
+                <a14:hiddenLine xmlns:a14="http://schemas.microsoft.com/office/drawing/2010/main" xmlns:p14="http://schemas.microsoft.com/office/powerpoint/2010/main" xmlns:a16="http://schemas.microsoft.com/office/drawing/2014/main" xmlns="" w="9525">
                   <a:solidFill>
                     <a:srgbClr val="000000"/>
                   </a:solidFill>
@@ -31052,7 +31056,7 @@
             </a:ln>
             <a:extLst>
               <a:ext uri="{91240B29-F687-4f45-9708-019B960494DF}">
-                <a14:hiddenLine xmlns="" xmlns:a16="http://schemas.microsoft.com/office/drawing/2014/main" xmlns:p14="http://schemas.microsoft.com/office/powerpoint/2010/main" xmlns:a14="http://schemas.microsoft.com/office/drawing/2010/main" w="9525">
+                <a14:hiddenLine xmlns:a14="http://schemas.microsoft.com/office/drawing/2010/main" xmlns:p14="http://schemas.microsoft.com/office/powerpoint/2010/main" xmlns:a16="http://schemas.microsoft.com/office/drawing/2014/main" xmlns="" w="9525">
                   <a:solidFill>
                     <a:srgbClr val="000000"/>
                   </a:solidFill>
@@ -31139,7 +31143,7 @@
             </a:ln>
             <a:extLst>
               <a:ext uri="{91240B29-F687-4f45-9708-019B960494DF}">
-                <a14:hiddenLine xmlns="" xmlns:a16="http://schemas.microsoft.com/office/drawing/2014/main" xmlns:p14="http://schemas.microsoft.com/office/powerpoint/2010/main" xmlns:a14="http://schemas.microsoft.com/office/drawing/2010/main" w="9525">
+                <a14:hiddenLine xmlns:a14="http://schemas.microsoft.com/office/drawing/2010/main" xmlns:p14="http://schemas.microsoft.com/office/powerpoint/2010/main" xmlns:a16="http://schemas.microsoft.com/office/drawing/2014/main" xmlns="" w="9525">
                   <a:solidFill>
                     <a:srgbClr val="000000"/>
                   </a:solidFill>
@@ -31251,7 +31255,7 @@
             </a:ln>
             <a:extLst>
               <a:ext uri="{91240B29-F687-4f45-9708-019B960494DF}">
-                <a14:hiddenLine xmlns="" xmlns:a16="http://schemas.microsoft.com/office/drawing/2014/main" xmlns:p14="http://schemas.microsoft.com/office/powerpoint/2010/main" xmlns:a14="http://schemas.microsoft.com/office/drawing/2010/main" w="9525">
+                <a14:hiddenLine xmlns:a14="http://schemas.microsoft.com/office/drawing/2010/main" xmlns:p14="http://schemas.microsoft.com/office/powerpoint/2010/main" xmlns:a16="http://schemas.microsoft.com/office/drawing/2014/main" xmlns="" w="9525">
                   <a:solidFill>
                     <a:srgbClr val="000000"/>
                   </a:solidFill>
@@ -31335,7 +31339,7 @@
             </a:ln>
             <a:extLst>
               <a:ext uri="{91240B29-F687-4f45-9708-019B960494DF}">
-                <a14:hiddenLine xmlns="" xmlns:a16="http://schemas.microsoft.com/office/drawing/2014/main" xmlns:p14="http://schemas.microsoft.com/office/powerpoint/2010/main" xmlns:a14="http://schemas.microsoft.com/office/drawing/2010/main" w="9525">
+                <a14:hiddenLine xmlns:a14="http://schemas.microsoft.com/office/drawing/2010/main" xmlns:p14="http://schemas.microsoft.com/office/powerpoint/2010/main" xmlns:a16="http://schemas.microsoft.com/office/drawing/2014/main" xmlns="" w="9525">
                   <a:solidFill>
                     <a:srgbClr val="000000"/>
                   </a:solidFill>
@@ -31447,7 +31451,7 @@
             </a:ln>
             <a:extLst>
               <a:ext uri="{91240B29-F687-4f45-9708-019B960494DF}">
-                <a14:hiddenLine xmlns="" xmlns:a16="http://schemas.microsoft.com/office/drawing/2014/main" xmlns:p14="http://schemas.microsoft.com/office/powerpoint/2010/main" xmlns:a14="http://schemas.microsoft.com/office/drawing/2010/main" w="9525">
+                <a14:hiddenLine xmlns:a14="http://schemas.microsoft.com/office/drawing/2010/main" xmlns:p14="http://schemas.microsoft.com/office/powerpoint/2010/main" xmlns:a16="http://schemas.microsoft.com/office/drawing/2014/main" xmlns="" w="9525">
                   <a:solidFill>
                     <a:srgbClr val="000000"/>
                   </a:solidFill>
@@ -31534,7 +31538,7 @@
             </a:ln>
             <a:extLst>
               <a:ext uri="{91240B29-F687-4f45-9708-019B960494DF}">
-                <a14:hiddenLine xmlns="" xmlns:a16="http://schemas.microsoft.com/office/drawing/2014/main" xmlns:p14="http://schemas.microsoft.com/office/powerpoint/2010/main" xmlns:a14="http://schemas.microsoft.com/office/drawing/2010/main" w="9525">
+                <a14:hiddenLine xmlns:a14="http://schemas.microsoft.com/office/drawing/2010/main" xmlns:p14="http://schemas.microsoft.com/office/powerpoint/2010/main" xmlns:a16="http://schemas.microsoft.com/office/drawing/2014/main" xmlns="" w="9525">
                   <a:solidFill>
                     <a:srgbClr val="000000"/>
                   </a:solidFill>
@@ -31618,7 +31622,7 @@
             </a:ln>
             <a:extLst>
               <a:ext uri="{91240B29-F687-4f45-9708-019B960494DF}">
-                <a14:hiddenLine xmlns="" xmlns:a16="http://schemas.microsoft.com/office/drawing/2014/main" xmlns:p14="http://schemas.microsoft.com/office/powerpoint/2010/main" xmlns:a14="http://schemas.microsoft.com/office/drawing/2010/main" w="9525">
+                <a14:hiddenLine xmlns:a14="http://schemas.microsoft.com/office/drawing/2010/main" xmlns:p14="http://schemas.microsoft.com/office/powerpoint/2010/main" xmlns:a16="http://schemas.microsoft.com/office/drawing/2014/main" xmlns="" w="9525">
                   <a:solidFill>
                     <a:srgbClr val="000000"/>
                   </a:solidFill>
@@ -31730,7 +31734,7 @@
             </a:ln>
             <a:extLst>
               <a:ext uri="{91240B29-F687-4f45-9708-019B960494DF}">
-                <a14:hiddenLine xmlns="" xmlns:a16="http://schemas.microsoft.com/office/drawing/2014/main" xmlns:p14="http://schemas.microsoft.com/office/powerpoint/2010/main" xmlns:a14="http://schemas.microsoft.com/office/drawing/2010/main" w="9525">
+                <a14:hiddenLine xmlns:a14="http://schemas.microsoft.com/office/drawing/2010/main" xmlns:p14="http://schemas.microsoft.com/office/powerpoint/2010/main" xmlns:a16="http://schemas.microsoft.com/office/drawing/2014/main" xmlns="" w="9525">
                   <a:solidFill>
                     <a:srgbClr val="000000"/>
                   </a:solidFill>
@@ -31842,7 +31846,7 @@
             </a:ln>
             <a:extLst>
               <a:ext uri="{91240B29-F687-4f45-9708-019B960494DF}">
-                <a14:hiddenLine xmlns="" xmlns:a16="http://schemas.microsoft.com/office/drawing/2014/main" xmlns:p14="http://schemas.microsoft.com/office/powerpoint/2010/main" xmlns:a14="http://schemas.microsoft.com/office/drawing/2010/main" w="9525">
+                <a14:hiddenLine xmlns:a14="http://schemas.microsoft.com/office/drawing/2010/main" xmlns:p14="http://schemas.microsoft.com/office/powerpoint/2010/main" xmlns:a16="http://schemas.microsoft.com/office/drawing/2014/main" xmlns="" w="9525">
                   <a:solidFill>
                     <a:srgbClr val="000000"/>
                   </a:solidFill>
@@ -31929,7 +31933,7 @@
             </a:ln>
             <a:extLst>
               <a:ext uri="{91240B29-F687-4f45-9708-019B960494DF}">
-                <a14:hiddenLine xmlns="" xmlns:a16="http://schemas.microsoft.com/office/drawing/2014/main" xmlns:p14="http://schemas.microsoft.com/office/powerpoint/2010/main" xmlns:a14="http://schemas.microsoft.com/office/drawing/2010/main" w="9525">
+                <a14:hiddenLine xmlns:a14="http://schemas.microsoft.com/office/drawing/2010/main" xmlns:p14="http://schemas.microsoft.com/office/powerpoint/2010/main" xmlns:a16="http://schemas.microsoft.com/office/drawing/2014/main" xmlns="" w="9525">
                   <a:solidFill>
                     <a:srgbClr val="000000"/>
                   </a:solidFill>
@@ -32071,7 +32075,7 @@
             </a:ln>
             <a:extLst>
               <a:ext uri="{91240B29-F687-4f45-9708-019B960494DF}">
-                <a14:hiddenLine xmlns="" xmlns:a16="http://schemas.microsoft.com/office/drawing/2014/main" xmlns:p14="http://schemas.microsoft.com/office/powerpoint/2010/main" xmlns:a14="http://schemas.microsoft.com/office/drawing/2010/main" w="9525">
+                <a14:hiddenLine xmlns:a14="http://schemas.microsoft.com/office/drawing/2010/main" xmlns:p14="http://schemas.microsoft.com/office/powerpoint/2010/main" xmlns:a16="http://schemas.microsoft.com/office/drawing/2014/main" xmlns="" w="9525">
                   <a:solidFill>
                     <a:srgbClr val="000000"/>
                   </a:solidFill>
@@ -33151,7 +33155,7 @@
             </a:ln>
             <a:extLst>
               <a:ext uri="{91240B29-F687-4f45-9708-019B960494DF}">
-                <a14:hiddenLine xmlns="" xmlns:a16="http://schemas.microsoft.com/office/drawing/2014/main" xmlns:p14="http://schemas.microsoft.com/office/powerpoint/2010/main" xmlns:a14="http://schemas.microsoft.com/office/drawing/2010/main" w="9525">
+                <a14:hiddenLine xmlns:a14="http://schemas.microsoft.com/office/drawing/2010/main" xmlns:p14="http://schemas.microsoft.com/office/powerpoint/2010/main" xmlns:a16="http://schemas.microsoft.com/office/drawing/2014/main" xmlns="" w="9525">
                   <a:solidFill>
                     <a:srgbClr val="000000"/>
                   </a:solidFill>
@@ -33263,7 +33267,7 @@
             </a:ln>
             <a:extLst>
               <a:ext uri="{91240B29-F687-4f45-9708-019B960494DF}">
-                <a14:hiddenLine xmlns="" xmlns:a16="http://schemas.microsoft.com/office/drawing/2014/main" xmlns:p14="http://schemas.microsoft.com/office/powerpoint/2010/main" xmlns:a14="http://schemas.microsoft.com/office/drawing/2010/main" w="9525">
+                <a14:hiddenLine xmlns:a14="http://schemas.microsoft.com/office/drawing/2010/main" xmlns:p14="http://schemas.microsoft.com/office/powerpoint/2010/main" xmlns:a16="http://schemas.microsoft.com/office/drawing/2014/main" xmlns="" w="9525">
                   <a:solidFill>
                     <a:srgbClr val="000000"/>
                   </a:solidFill>
@@ -33375,7 +33379,7 @@
             </a:ln>
             <a:extLst>
               <a:ext uri="{91240B29-F687-4f45-9708-019B960494DF}">
-                <a14:hiddenLine xmlns="" xmlns:a16="http://schemas.microsoft.com/office/drawing/2014/main" xmlns:p14="http://schemas.microsoft.com/office/powerpoint/2010/main" xmlns:a14="http://schemas.microsoft.com/office/drawing/2010/main" w="9525">
+                <a14:hiddenLine xmlns:a14="http://schemas.microsoft.com/office/drawing/2010/main" xmlns:p14="http://schemas.microsoft.com/office/powerpoint/2010/main" xmlns:a16="http://schemas.microsoft.com/office/drawing/2014/main" xmlns="" w="9525">
                   <a:solidFill>
                     <a:srgbClr val="000000"/>
                   </a:solidFill>
@@ -33459,7 +33463,7 @@
             </a:ln>
             <a:extLst>
               <a:ext uri="{91240B29-F687-4f45-9708-019B960494DF}">
-                <a14:hiddenLine xmlns="" xmlns:a16="http://schemas.microsoft.com/office/drawing/2014/main" xmlns:p14="http://schemas.microsoft.com/office/powerpoint/2010/main" xmlns:a14="http://schemas.microsoft.com/office/drawing/2010/main" w="9525">
+                <a14:hiddenLine xmlns:a14="http://schemas.microsoft.com/office/drawing/2010/main" xmlns:p14="http://schemas.microsoft.com/office/powerpoint/2010/main" xmlns:a16="http://schemas.microsoft.com/office/drawing/2014/main" xmlns="" w="9525">
                   <a:solidFill>
                     <a:srgbClr val="000000"/>
                   </a:solidFill>
@@ -33571,7 +33575,7 @@
             </a:ln>
             <a:extLst>
               <a:ext uri="{91240B29-F687-4f45-9708-019B960494DF}">
-                <a14:hiddenLine xmlns="" xmlns:a16="http://schemas.microsoft.com/office/drawing/2014/main" xmlns:p14="http://schemas.microsoft.com/office/powerpoint/2010/main" xmlns:a14="http://schemas.microsoft.com/office/drawing/2010/main" w="9525">
+                <a14:hiddenLine xmlns:a14="http://schemas.microsoft.com/office/drawing/2010/main" xmlns:p14="http://schemas.microsoft.com/office/powerpoint/2010/main" xmlns:a16="http://schemas.microsoft.com/office/drawing/2014/main" xmlns="" w="9525">
                   <a:solidFill>
                     <a:srgbClr val="000000"/>
                   </a:solidFill>
@@ -33655,7 +33659,7 @@
             </a:ln>
             <a:extLst>
               <a:ext uri="{91240B29-F687-4f45-9708-019B960494DF}">
-                <a14:hiddenLine xmlns="" xmlns:a16="http://schemas.microsoft.com/office/drawing/2014/main" xmlns:p14="http://schemas.microsoft.com/office/powerpoint/2010/main" xmlns:a14="http://schemas.microsoft.com/office/drawing/2010/main" w="9525">
+                <a14:hiddenLine xmlns:a14="http://schemas.microsoft.com/office/drawing/2010/main" xmlns:p14="http://schemas.microsoft.com/office/powerpoint/2010/main" xmlns:a16="http://schemas.microsoft.com/office/drawing/2014/main" xmlns="" w="9525">
                   <a:solidFill>
                     <a:srgbClr val="000000"/>
                   </a:solidFill>
@@ -33739,7 +33743,7 @@
             </a:ln>
             <a:extLst>
               <a:ext uri="{91240B29-F687-4f45-9708-019B960494DF}">
-                <a14:hiddenLine xmlns="" xmlns:a16="http://schemas.microsoft.com/office/drawing/2014/main" xmlns:p14="http://schemas.microsoft.com/office/powerpoint/2010/main" xmlns:a14="http://schemas.microsoft.com/office/drawing/2010/main" w="9525">
+                <a14:hiddenLine xmlns:a14="http://schemas.microsoft.com/office/drawing/2010/main" xmlns:p14="http://schemas.microsoft.com/office/powerpoint/2010/main" xmlns:a16="http://schemas.microsoft.com/office/drawing/2014/main" xmlns="" w="9525">
                   <a:solidFill>
                     <a:srgbClr val="000000"/>
                   </a:solidFill>
@@ -33851,7 +33855,7 @@
             </a:ln>
             <a:extLst>
               <a:ext uri="{91240B29-F687-4f45-9708-019B960494DF}">
-                <a14:hiddenLine xmlns="" xmlns:a16="http://schemas.microsoft.com/office/drawing/2014/main" xmlns:p14="http://schemas.microsoft.com/office/powerpoint/2010/main" xmlns:a14="http://schemas.microsoft.com/office/drawing/2010/main" w="9525">
+                <a14:hiddenLine xmlns:a14="http://schemas.microsoft.com/office/drawing/2010/main" xmlns:p14="http://schemas.microsoft.com/office/powerpoint/2010/main" xmlns:a16="http://schemas.microsoft.com/office/drawing/2014/main" xmlns="" w="9525">
                   <a:solidFill>
                     <a:srgbClr val="000000"/>
                   </a:solidFill>
@@ -33963,7 +33967,7 @@
             </a:ln>
             <a:extLst>
               <a:ext uri="{91240B29-F687-4f45-9708-019B960494DF}">
-                <a14:hiddenLine xmlns="" xmlns:a16="http://schemas.microsoft.com/office/drawing/2014/main" xmlns:p14="http://schemas.microsoft.com/office/powerpoint/2010/main" xmlns:a14="http://schemas.microsoft.com/office/drawing/2010/main" w="9525">
+                <a14:hiddenLine xmlns:a14="http://schemas.microsoft.com/office/drawing/2010/main" xmlns:p14="http://schemas.microsoft.com/office/powerpoint/2010/main" xmlns:a16="http://schemas.microsoft.com/office/drawing/2014/main" xmlns="" w="9525">
                   <a:solidFill>
                     <a:srgbClr val="000000"/>
                   </a:solidFill>
@@ -34047,7 +34051,7 @@
             </a:ln>
             <a:extLst>
               <a:ext uri="{91240B29-F687-4f45-9708-019B960494DF}">
-                <a14:hiddenLine xmlns="" xmlns:a16="http://schemas.microsoft.com/office/drawing/2014/main" xmlns:p14="http://schemas.microsoft.com/office/powerpoint/2010/main" xmlns:a14="http://schemas.microsoft.com/office/drawing/2010/main" w="9525">
+                <a14:hiddenLine xmlns:a14="http://schemas.microsoft.com/office/drawing/2010/main" xmlns:p14="http://schemas.microsoft.com/office/powerpoint/2010/main" xmlns:a16="http://schemas.microsoft.com/office/drawing/2014/main" xmlns="" w="9525">
                   <a:solidFill>
                     <a:srgbClr val="000000"/>
                   </a:solidFill>
@@ -34179,7 +34183,7 @@
             </a:ln>
             <a:extLst>
               <a:ext uri="{91240B29-F687-4f45-9708-019B960494DF}">
-                <a14:hiddenLine xmlns="" xmlns:a16="http://schemas.microsoft.com/office/drawing/2014/main" xmlns:p14="http://schemas.microsoft.com/office/powerpoint/2010/main" xmlns:a14="http://schemas.microsoft.com/office/drawing/2010/main" w="9525">
+                <a14:hiddenLine xmlns:a14="http://schemas.microsoft.com/office/drawing/2010/main" xmlns:p14="http://schemas.microsoft.com/office/powerpoint/2010/main" xmlns:a16="http://schemas.microsoft.com/office/drawing/2014/main" xmlns="" w="9525">
                   <a:solidFill>
                     <a:srgbClr val="000000"/>
                   </a:solidFill>
@@ -34307,7 +34311,7 @@
             </a:ln>
             <a:extLst>
               <a:ext uri="{91240B29-F687-4f45-9708-019B960494DF}">
-                <a14:hiddenLine xmlns="" xmlns:a16="http://schemas.microsoft.com/office/drawing/2014/main" xmlns:p14="http://schemas.microsoft.com/office/powerpoint/2010/main" xmlns:a14="http://schemas.microsoft.com/office/drawing/2010/main" w="9525">
+                <a14:hiddenLine xmlns:a14="http://schemas.microsoft.com/office/drawing/2010/main" xmlns:p14="http://schemas.microsoft.com/office/powerpoint/2010/main" xmlns:a16="http://schemas.microsoft.com/office/drawing/2014/main" xmlns="" w="9525">
                   <a:solidFill>
                     <a:srgbClr val="000000"/>
                   </a:solidFill>
@@ -34391,7 +34395,7 @@
             </a:ln>
             <a:extLst>
               <a:ext uri="{91240B29-F687-4f45-9708-019B960494DF}">
-                <a14:hiddenLine xmlns="" xmlns:a16="http://schemas.microsoft.com/office/drawing/2014/main" xmlns:p14="http://schemas.microsoft.com/office/powerpoint/2010/main" xmlns:a14="http://schemas.microsoft.com/office/drawing/2010/main" w="9525">
+                <a14:hiddenLine xmlns:a14="http://schemas.microsoft.com/office/drawing/2010/main" xmlns:p14="http://schemas.microsoft.com/office/powerpoint/2010/main" xmlns:a16="http://schemas.microsoft.com/office/drawing/2014/main" xmlns="" w="9525">
                   <a:solidFill>
                     <a:srgbClr val="000000"/>
                   </a:solidFill>
@@ -34475,7 +34479,7 @@
             </a:ln>
             <a:extLst>
               <a:ext uri="{91240B29-F687-4f45-9708-019B960494DF}">
-                <a14:hiddenLine xmlns="" xmlns:a16="http://schemas.microsoft.com/office/drawing/2014/main" xmlns:p14="http://schemas.microsoft.com/office/powerpoint/2010/main" xmlns:a14="http://schemas.microsoft.com/office/drawing/2010/main" w="9525">
+                <a14:hiddenLine xmlns:a14="http://schemas.microsoft.com/office/drawing/2010/main" xmlns:p14="http://schemas.microsoft.com/office/powerpoint/2010/main" xmlns:a16="http://schemas.microsoft.com/office/drawing/2014/main" xmlns="" w="9525">
                   <a:solidFill>
                     <a:srgbClr val="000000"/>
                   </a:solidFill>
@@ -34587,7 +34591,7 @@
             </a:ln>
             <a:extLst>
               <a:ext uri="{91240B29-F687-4f45-9708-019B960494DF}">
-                <a14:hiddenLine xmlns="" xmlns:a16="http://schemas.microsoft.com/office/drawing/2014/main" xmlns:p14="http://schemas.microsoft.com/office/powerpoint/2010/main" xmlns:a14="http://schemas.microsoft.com/office/drawing/2010/main" w="9525">
+                <a14:hiddenLine xmlns:a14="http://schemas.microsoft.com/office/drawing/2010/main" xmlns:p14="http://schemas.microsoft.com/office/powerpoint/2010/main" xmlns:a16="http://schemas.microsoft.com/office/drawing/2014/main" xmlns="" w="9525">
                   <a:solidFill>
                     <a:srgbClr val="000000"/>
                   </a:solidFill>
@@ -34643,7 +34647,7 @@
             </a:ln>
             <a:extLst>
               <a:ext uri="{91240B29-F687-4f45-9708-019B960494DF}">
-                <a14:hiddenLine xmlns="" xmlns:a16="http://schemas.microsoft.com/office/drawing/2014/main" xmlns:p14="http://schemas.microsoft.com/office/powerpoint/2010/main" xmlns:a14="http://schemas.microsoft.com/office/drawing/2010/main" w="9525">
+                <a14:hiddenLine xmlns:a14="http://schemas.microsoft.com/office/drawing/2010/main" xmlns:p14="http://schemas.microsoft.com/office/powerpoint/2010/main" xmlns:a16="http://schemas.microsoft.com/office/drawing/2014/main" xmlns="" w="9525">
                   <a:solidFill>
                     <a:srgbClr val="000000"/>
                   </a:solidFill>
@@ -34730,7 +34734,7 @@
             </a:ln>
             <a:extLst>
               <a:ext uri="{91240B29-F687-4f45-9708-019B960494DF}">
-                <a14:hiddenLine xmlns="" xmlns:a16="http://schemas.microsoft.com/office/drawing/2014/main" xmlns:p14="http://schemas.microsoft.com/office/powerpoint/2010/main" xmlns:a14="http://schemas.microsoft.com/office/drawing/2010/main" w="9525">
+                <a14:hiddenLine xmlns:a14="http://schemas.microsoft.com/office/drawing/2010/main" xmlns:p14="http://schemas.microsoft.com/office/powerpoint/2010/main" xmlns:a16="http://schemas.microsoft.com/office/drawing/2014/main" xmlns="" w="9525">
                   <a:solidFill>
                     <a:srgbClr val="000000"/>
                   </a:solidFill>
@@ -34842,7 +34846,7 @@
             </a:ln>
             <a:extLst>
               <a:ext uri="{91240B29-F687-4f45-9708-019B960494DF}">
-                <a14:hiddenLine xmlns="" xmlns:a16="http://schemas.microsoft.com/office/drawing/2014/main" xmlns:p14="http://schemas.microsoft.com/office/powerpoint/2010/main" xmlns:a14="http://schemas.microsoft.com/office/drawing/2010/main" w="9525">
+                <a14:hiddenLine xmlns:a14="http://schemas.microsoft.com/office/drawing/2010/main" xmlns:p14="http://schemas.microsoft.com/office/powerpoint/2010/main" xmlns:a16="http://schemas.microsoft.com/office/drawing/2014/main" xmlns="" w="9525">
                   <a:solidFill>
                     <a:srgbClr val="000000"/>
                   </a:solidFill>
@@ -34926,7 +34930,7 @@
             </a:ln>
             <a:extLst>
               <a:ext uri="{91240B29-F687-4f45-9708-019B960494DF}">
-                <a14:hiddenLine xmlns="" xmlns:a16="http://schemas.microsoft.com/office/drawing/2014/main" xmlns:p14="http://schemas.microsoft.com/office/powerpoint/2010/main" xmlns:a14="http://schemas.microsoft.com/office/drawing/2010/main" w="9525">
+                <a14:hiddenLine xmlns:a14="http://schemas.microsoft.com/office/drawing/2010/main" xmlns:p14="http://schemas.microsoft.com/office/powerpoint/2010/main" xmlns:a16="http://schemas.microsoft.com/office/drawing/2014/main" xmlns="" w="9525">
                   <a:solidFill>
                     <a:srgbClr val="000000"/>
                   </a:solidFill>
@@ -35038,7 +35042,7 @@
             </a:ln>
             <a:extLst>
               <a:ext uri="{91240B29-F687-4f45-9708-019B960494DF}">
-                <a14:hiddenLine xmlns="" xmlns:a16="http://schemas.microsoft.com/office/drawing/2014/main" xmlns:p14="http://schemas.microsoft.com/office/powerpoint/2010/main" xmlns:a14="http://schemas.microsoft.com/office/drawing/2010/main" w="9525">
+                <a14:hiddenLine xmlns:a14="http://schemas.microsoft.com/office/drawing/2010/main" xmlns:p14="http://schemas.microsoft.com/office/powerpoint/2010/main" xmlns:a16="http://schemas.microsoft.com/office/drawing/2014/main" xmlns="" w="9525">
                   <a:solidFill>
                     <a:srgbClr val="000000"/>
                   </a:solidFill>
@@ -35125,7 +35129,7 @@
             </a:ln>
             <a:extLst>
               <a:ext uri="{91240B29-F687-4f45-9708-019B960494DF}">
-                <a14:hiddenLine xmlns="" xmlns:a16="http://schemas.microsoft.com/office/drawing/2014/main" xmlns:p14="http://schemas.microsoft.com/office/powerpoint/2010/main" xmlns:a14="http://schemas.microsoft.com/office/drawing/2010/main" w="9525">
+                <a14:hiddenLine xmlns:a14="http://schemas.microsoft.com/office/drawing/2010/main" xmlns:p14="http://schemas.microsoft.com/office/powerpoint/2010/main" xmlns:a16="http://schemas.microsoft.com/office/drawing/2014/main" xmlns="" w="9525">
                   <a:solidFill>
                     <a:srgbClr val="000000"/>
                   </a:solidFill>
@@ -35209,7 +35213,7 @@
             </a:ln>
             <a:extLst>
               <a:ext uri="{91240B29-F687-4f45-9708-019B960494DF}">
-                <a14:hiddenLine xmlns="" xmlns:a16="http://schemas.microsoft.com/office/drawing/2014/main" xmlns:p14="http://schemas.microsoft.com/office/powerpoint/2010/main" xmlns:a14="http://schemas.microsoft.com/office/drawing/2010/main" w="9525">
+                <a14:hiddenLine xmlns:a14="http://schemas.microsoft.com/office/drawing/2010/main" xmlns:p14="http://schemas.microsoft.com/office/powerpoint/2010/main" xmlns:a16="http://schemas.microsoft.com/office/drawing/2014/main" xmlns="" w="9525">
                   <a:solidFill>
                     <a:srgbClr val="000000"/>
                   </a:solidFill>
@@ -35321,7 +35325,7 @@
             </a:ln>
             <a:extLst>
               <a:ext uri="{91240B29-F687-4f45-9708-019B960494DF}">
-                <a14:hiddenLine xmlns="" xmlns:a16="http://schemas.microsoft.com/office/drawing/2014/main" xmlns:p14="http://schemas.microsoft.com/office/powerpoint/2010/main" xmlns:a14="http://schemas.microsoft.com/office/drawing/2010/main" w="9525">
+                <a14:hiddenLine xmlns:a14="http://schemas.microsoft.com/office/drawing/2010/main" xmlns:p14="http://schemas.microsoft.com/office/powerpoint/2010/main" xmlns:a16="http://schemas.microsoft.com/office/drawing/2014/main" xmlns="" w="9525">
                   <a:solidFill>
                     <a:srgbClr val="000000"/>
                   </a:solidFill>
@@ -35433,7 +35437,7 @@
             </a:ln>
             <a:extLst>
               <a:ext uri="{91240B29-F687-4f45-9708-019B960494DF}">
-                <a14:hiddenLine xmlns="" xmlns:a16="http://schemas.microsoft.com/office/drawing/2014/main" xmlns:p14="http://schemas.microsoft.com/office/powerpoint/2010/main" xmlns:a14="http://schemas.microsoft.com/office/drawing/2010/main" w="9525">
+                <a14:hiddenLine xmlns:a14="http://schemas.microsoft.com/office/drawing/2010/main" xmlns:p14="http://schemas.microsoft.com/office/powerpoint/2010/main" xmlns:a16="http://schemas.microsoft.com/office/drawing/2014/main" xmlns="" w="9525">
                   <a:solidFill>
                     <a:srgbClr val="000000"/>
                   </a:solidFill>
@@ -35520,7 +35524,7 @@
             </a:ln>
             <a:extLst>
               <a:ext uri="{91240B29-F687-4f45-9708-019B960494DF}">
-                <a14:hiddenLine xmlns="" xmlns:a16="http://schemas.microsoft.com/office/drawing/2014/main" xmlns:p14="http://schemas.microsoft.com/office/powerpoint/2010/main" xmlns:a14="http://schemas.microsoft.com/office/drawing/2010/main" w="9525">
+                <a14:hiddenLine xmlns:a14="http://schemas.microsoft.com/office/drawing/2010/main" xmlns:p14="http://schemas.microsoft.com/office/powerpoint/2010/main" xmlns:a16="http://schemas.microsoft.com/office/drawing/2014/main" xmlns="" w="9525">
                   <a:solidFill>
                     <a:srgbClr val="000000"/>
                   </a:solidFill>
@@ -35662,7 +35666,7 @@
             </a:ln>
             <a:extLst>
               <a:ext uri="{91240B29-F687-4f45-9708-019B960494DF}">
-                <a14:hiddenLine xmlns="" xmlns:a16="http://schemas.microsoft.com/office/drawing/2014/main" xmlns:p14="http://schemas.microsoft.com/office/powerpoint/2010/main" xmlns:a14="http://schemas.microsoft.com/office/drawing/2010/main" w="9525">
+                <a14:hiddenLine xmlns:a14="http://schemas.microsoft.com/office/drawing/2010/main" xmlns:p14="http://schemas.microsoft.com/office/powerpoint/2010/main" xmlns:a16="http://schemas.microsoft.com/office/drawing/2014/main" xmlns="" w="9525">
                   <a:solidFill>
                     <a:srgbClr val="000000"/>
                   </a:solidFill>

--- a/Mini-Project/GroupK.pptx
+++ b/Mini-Project/GroupK.pptx
@@ -197,7 +197,7 @@
           <a:noFill/>
           <a:extLst>
             <a:ext uri="{909E8E84-426E-40dd-AFC4-6F175D3DCCD1}">
-              <a14:hiddenFill xmlns="" xmlns:a14="http://schemas.microsoft.com/office/drawing/2010/main">
+              <a14:hiddenFill xmlns:a14="http://schemas.microsoft.com/office/drawing/2010/main" xmlns="">
                 <a:solidFill>
                   <a:srgbClr val="FFFFFF"/>
                 </a:solidFill>
@@ -257,7 +257,7 @@
             </a:ln>
             <a:extLst>
               <a:ext uri="{91240B29-F687-4f45-9708-019B960494DF}">
-                <a14:hiddenLine xmlns="" xmlns:a14="http://schemas.microsoft.com/office/drawing/2010/main" w="9525">
+                <a14:hiddenLine xmlns:a14="http://schemas.microsoft.com/office/drawing/2010/main" xmlns="" w="9525">
                   <a:solidFill>
                     <a:srgbClr val="000000"/>
                   </a:solidFill>
@@ -354,7 +354,7 @@
             </a:ln>
             <a:extLst>
               <a:ext uri="{91240B29-F687-4f45-9708-019B960494DF}">
-                <a14:hiddenLine xmlns="" xmlns:a14="http://schemas.microsoft.com/office/drawing/2010/main" w="9525">
+                <a14:hiddenLine xmlns:a14="http://schemas.microsoft.com/office/drawing/2010/main" xmlns="" w="9525">
                   <a:solidFill>
                     <a:srgbClr val="000000"/>
                   </a:solidFill>
@@ -451,7 +451,7 @@
             </a:ln>
             <a:extLst>
               <a:ext uri="{91240B29-F687-4f45-9708-019B960494DF}">
-                <a14:hiddenLine xmlns="" xmlns:a14="http://schemas.microsoft.com/office/drawing/2010/main" w="9525">
+                <a14:hiddenLine xmlns:a14="http://schemas.microsoft.com/office/drawing/2010/main" xmlns="" w="9525">
                   <a:solidFill>
                     <a:srgbClr val="000000"/>
                   </a:solidFill>
@@ -492,7 +492,7 @@
             </a:ln>
             <a:extLst>
               <a:ext uri="{91240B29-F687-4f45-9708-019B960494DF}">
-                <a14:hiddenLine xmlns="" xmlns:a14="http://schemas.microsoft.com/office/drawing/2010/main" w="9525">
+                <a14:hiddenLine xmlns:a14="http://schemas.microsoft.com/office/drawing/2010/main" xmlns="" w="9525">
                   <a:solidFill>
                     <a:srgbClr val="000000"/>
                   </a:solidFill>
@@ -589,7 +589,7 @@
             </a:ln>
             <a:extLst>
               <a:ext uri="{91240B29-F687-4f45-9708-019B960494DF}">
-                <a14:hiddenLine xmlns="" xmlns:a14="http://schemas.microsoft.com/office/drawing/2010/main" w="9525">
+                <a14:hiddenLine xmlns:a14="http://schemas.microsoft.com/office/drawing/2010/main" xmlns="" w="9525">
                   <a:solidFill>
                     <a:srgbClr val="000000"/>
                   </a:solidFill>
@@ -658,7 +658,7 @@
             </a:ln>
             <a:extLst>
               <a:ext uri="{91240B29-F687-4f45-9708-019B960494DF}">
-                <a14:hiddenLine xmlns="" xmlns:a14="http://schemas.microsoft.com/office/drawing/2010/main" w="9525">
+                <a14:hiddenLine xmlns:a14="http://schemas.microsoft.com/office/drawing/2010/main" xmlns="" w="9525">
                   <a:solidFill>
                     <a:srgbClr val="000000"/>
                   </a:solidFill>
@@ -727,7 +727,7 @@
             </a:ln>
             <a:extLst>
               <a:ext uri="{91240B29-F687-4f45-9708-019B960494DF}">
-                <a14:hiddenLine xmlns="" xmlns:a14="http://schemas.microsoft.com/office/drawing/2010/main" w="9525">
+                <a14:hiddenLine xmlns:a14="http://schemas.microsoft.com/office/drawing/2010/main" xmlns="" w="9525">
                   <a:solidFill>
                     <a:srgbClr val="000000"/>
                   </a:solidFill>
@@ -824,7 +824,7 @@
             </a:ln>
             <a:extLst>
               <a:ext uri="{91240B29-F687-4f45-9708-019B960494DF}">
-                <a14:hiddenLine xmlns="" xmlns:a14="http://schemas.microsoft.com/office/drawing/2010/main" w="9525">
+                <a14:hiddenLine xmlns:a14="http://schemas.microsoft.com/office/drawing/2010/main" xmlns="" w="9525">
                   <a:solidFill>
                     <a:srgbClr val="000000"/>
                   </a:solidFill>
@@ -893,7 +893,7 @@
             </a:ln>
             <a:extLst>
               <a:ext uri="{91240B29-F687-4f45-9708-019B960494DF}">
-                <a14:hiddenLine xmlns="" xmlns:a14="http://schemas.microsoft.com/office/drawing/2010/main" w="9525">
+                <a14:hiddenLine xmlns:a14="http://schemas.microsoft.com/office/drawing/2010/main" xmlns="" w="9525">
                   <a:solidFill>
                     <a:srgbClr val="000000"/>
                   </a:solidFill>
@@ -962,7 +962,7 @@
             </a:ln>
             <a:extLst>
               <a:ext uri="{91240B29-F687-4f45-9708-019B960494DF}">
-                <a14:hiddenLine xmlns="" xmlns:a14="http://schemas.microsoft.com/office/drawing/2010/main" w="9525">
+                <a14:hiddenLine xmlns:a14="http://schemas.microsoft.com/office/drawing/2010/main" xmlns="" w="9525">
                   <a:solidFill>
                     <a:srgbClr val="000000"/>
                   </a:solidFill>
@@ -1059,7 +1059,7 @@
             </a:ln>
             <a:extLst>
               <a:ext uri="{91240B29-F687-4f45-9708-019B960494DF}">
-                <a14:hiddenLine xmlns="" xmlns:a14="http://schemas.microsoft.com/office/drawing/2010/main" w="9525">
+                <a14:hiddenLine xmlns:a14="http://schemas.microsoft.com/office/drawing/2010/main" xmlns="" w="9525">
                   <a:solidFill>
                     <a:srgbClr val="000000"/>
                   </a:solidFill>
@@ -1156,7 +1156,7 @@
             </a:ln>
             <a:extLst>
               <a:ext uri="{91240B29-F687-4f45-9708-019B960494DF}">
-                <a14:hiddenLine xmlns="" xmlns:a14="http://schemas.microsoft.com/office/drawing/2010/main" w="9525">
+                <a14:hiddenLine xmlns:a14="http://schemas.microsoft.com/office/drawing/2010/main" xmlns="" w="9525">
                   <a:solidFill>
                     <a:srgbClr val="000000"/>
                   </a:solidFill>
@@ -1225,7 +1225,7 @@
             </a:ln>
             <a:extLst>
               <a:ext uri="{91240B29-F687-4f45-9708-019B960494DF}">
-                <a14:hiddenLine xmlns="" xmlns:a14="http://schemas.microsoft.com/office/drawing/2010/main" w="9525">
+                <a14:hiddenLine xmlns:a14="http://schemas.microsoft.com/office/drawing/2010/main" xmlns="" w="9525">
                   <a:solidFill>
                     <a:srgbClr val="000000"/>
                   </a:solidFill>
@@ -1342,7 +1342,7 @@
             </a:ln>
             <a:extLst>
               <a:ext uri="{91240B29-F687-4f45-9708-019B960494DF}">
-                <a14:hiddenLine xmlns="" xmlns:a14="http://schemas.microsoft.com/office/drawing/2010/main" w="9525">
+                <a14:hiddenLine xmlns:a14="http://schemas.microsoft.com/office/drawing/2010/main" xmlns="" w="9525">
                   <a:solidFill>
                     <a:srgbClr val="000000"/>
                   </a:solidFill>
@@ -1411,7 +1411,7 @@
             </a:ln>
             <a:extLst>
               <a:ext uri="{91240B29-F687-4f45-9708-019B960494DF}">
-                <a14:hiddenLine xmlns="" xmlns:a14="http://schemas.microsoft.com/office/drawing/2010/main" w="9525">
+                <a14:hiddenLine xmlns:a14="http://schemas.microsoft.com/office/drawing/2010/main" xmlns="" w="9525">
                   <a:solidFill>
                     <a:srgbClr val="000000"/>
                   </a:solidFill>
@@ -1508,7 +1508,7 @@
             </a:ln>
             <a:extLst>
               <a:ext uri="{91240B29-F687-4f45-9708-019B960494DF}">
-                <a14:hiddenLine xmlns="" xmlns:a14="http://schemas.microsoft.com/office/drawing/2010/main" w="9525">
+                <a14:hiddenLine xmlns:a14="http://schemas.microsoft.com/office/drawing/2010/main" xmlns="" w="9525">
                   <a:solidFill>
                     <a:srgbClr val="000000"/>
                   </a:solidFill>
@@ -1605,7 +1605,7 @@
             </a:ln>
             <a:extLst>
               <a:ext uri="{91240B29-F687-4f45-9708-019B960494DF}">
-                <a14:hiddenLine xmlns="" xmlns:a14="http://schemas.microsoft.com/office/drawing/2010/main" w="9525">
+                <a14:hiddenLine xmlns:a14="http://schemas.microsoft.com/office/drawing/2010/main" xmlns="" w="9525">
                   <a:solidFill>
                     <a:srgbClr val="000000"/>
                   </a:solidFill>
@@ -1674,7 +1674,7 @@
             </a:ln>
             <a:extLst>
               <a:ext uri="{91240B29-F687-4f45-9708-019B960494DF}">
-                <a14:hiddenLine xmlns="" xmlns:a14="http://schemas.microsoft.com/office/drawing/2010/main" w="9525">
+                <a14:hiddenLine xmlns:a14="http://schemas.microsoft.com/office/drawing/2010/main" xmlns="" w="9525">
                   <a:solidFill>
                     <a:srgbClr val="000000"/>
                   </a:solidFill>
@@ -1771,7 +1771,7 @@
             </a:ln>
             <a:extLst>
               <a:ext uri="{91240B29-F687-4f45-9708-019B960494DF}">
-                <a14:hiddenLine xmlns="" xmlns:a14="http://schemas.microsoft.com/office/drawing/2010/main" w="9525">
+                <a14:hiddenLine xmlns:a14="http://schemas.microsoft.com/office/drawing/2010/main" xmlns="" w="9525">
                   <a:solidFill>
                     <a:srgbClr val="000000"/>
                   </a:solidFill>
@@ -1868,7 +1868,7 @@
             </a:ln>
             <a:extLst>
               <a:ext uri="{91240B29-F687-4f45-9708-019B960494DF}">
-                <a14:hiddenLine xmlns="" xmlns:a14="http://schemas.microsoft.com/office/drawing/2010/main" w="9525">
+                <a14:hiddenLine xmlns:a14="http://schemas.microsoft.com/office/drawing/2010/main" xmlns="" w="9525">
                   <a:solidFill>
                     <a:srgbClr val="000000"/>
                   </a:solidFill>
@@ -1931,7 +1931,7 @@
             </a:ln>
             <a:extLst>
               <a:ext uri="{91240B29-F687-4f45-9708-019B960494DF}">
-                <a14:hiddenLine xmlns="" xmlns:a14="http://schemas.microsoft.com/office/drawing/2010/main" w="9525">
+                <a14:hiddenLine xmlns:a14="http://schemas.microsoft.com/office/drawing/2010/main" xmlns="" w="9525">
                   <a:solidFill>
                     <a:srgbClr val="000000"/>
                   </a:solidFill>
@@ -2028,7 +2028,7 @@
             </a:ln>
             <a:extLst>
               <a:ext uri="{91240B29-F687-4f45-9708-019B960494DF}">
-                <a14:hiddenLine xmlns="" xmlns:a14="http://schemas.microsoft.com/office/drawing/2010/main" w="9525">
+                <a14:hiddenLine xmlns:a14="http://schemas.microsoft.com/office/drawing/2010/main" xmlns="" w="9525">
                   <a:solidFill>
                     <a:srgbClr val="000000"/>
                   </a:solidFill>
@@ -2091,7 +2091,7 @@
             </a:ln>
             <a:extLst>
               <a:ext uri="{91240B29-F687-4f45-9708-019B960494DF}">
-                <a14:hiddenLine xmlns="" xmlns:a14="http://schemas.microsoft.com/office/drawing/2010/main" w="9525">
+                <a14:hiddenLine xmlns:a14="http://schemas.microsoft.com/office/drawing/2010/main" xmlns="" w="9525">
                   <a:solidFill>
                     <a:srgbClr val="000000"/>
                   </a:solidFill>
@@ -2188,7 +2188,7 @@
             </a:ln>
             <a:extLst>
               <a:ext uri="{91240B29-F687-4f45-9708-019B960494DF}">
-                <a14:hiddenLine xmlns="" xmlns:a14="http://schemas.microsoft.com/office/drawing/2010/main" w="9525">
+                <a14:hiddenLine xmlns:a14="http://schemas.microsoft.com/office/drawing/2010/main" xmlns="" w="9525">
                   <a:solidFill>
                     <a:srgbClr val="000000"/>
                   </a:solidFill>
@@ -2263,7 +2263,7 @@
             </a:ln>
             <a:extLst>
               <a:ext uri="{91240B29-F687-4f45-9708-019B960494DF}">
-                <a14:hiddenLine xmlns="" xmlns:a14="http://schemas.microsoft.com/office/drawing/2010/main" w="9525">
+                <a14:hiddenLine xmlns:a14="http://schemas.microsoft.com/office/drawing/2010/main" xmlns="" w="9525">
                   <a:solidFill>
                     <a:srgbClr val="000000"/>
                   </a:solidFill>
@@ -2360,7 +2360,7 @@
             </a:ln>
             <a:extLst>
               <a:ext uri="{91240B29-F687-4f45-9708-019B960494DF}">
-                <a14:hiddenLine xmlns="" xmlns:a14="http://schemas.microsoft.com/office/drawing/2010/main" w="9525">
+                <a14:hiddenLine xmlns:a14="http://schemas.microsoft.com/office/drawing/2010/main" xmlns="" w="9525">
                   <a:solidFill>
                     <a:srgbClr val="000000"/>
                   </a:solidFill>
@@ -2435,7 +2435,7 @@
             </a:ln>
             <a:extLst>
               <a:ext uri="{91240B29-F687-4f45-9708-019B960494DF}">
-                <a14:hiddenLine xmlns="" xmlns:a14="http://schemas.microsoft.com/office/drawing/2010/main" w="9525">
+                <a14:hiddenLine xmlns:a14="http://schemas.microsoft.com/office/drawing/2010/main" xmlns="" w="9525">
                   <a:solidFill>
                     <a:srgbClr val="000000"/>
                   </a:solidFill>
@@ -2532,7 +2532,7 @@
             </a:ln>
             <a:extLst>
               <a:ext uri="{91240B29-F687-4f45-9708-019B960494DF}">
-                <a14:hiddenLine xmlns="" xmlns:a14="http://schemas.microsoft.com/office/drawing/2010/main" w="9525">
+                <a14:hiddenLine xmlns:a14="http://schemas.microsoft.com/office/drawing/2010/main" xmlns="" w="9525">
                   <a:solidFill>
                     <a:srgbClr val="000000"/>
                   </a:solidFill>
@@ -2573,7 +2573,7 @@
             </a:ln>
             <a:extLst>
               <a:ext uri="{91240B29-F687-4f45-9708-019B960494DF}">
-                <a14:hiddenLine xmlns="" xmlns:a14="http://schemas.microsoft.com/office/drawing/2010/main" w="9525">
+                <a14:hiddenLine xmlns:a14="http://schemas.microsoft.com/office/drawing/2010/main" xmlns="" w="9525">
                   <a:solidFill>
                     <a:srgbClr val="000000"/>
                   </a:solidFill>
@@ -2670,7 +2670,7 @@
             </a:ln>
             <a:extLst>
               <a:ext uri="{91240B29-F687-4f45-9708-019B960494DF}">
-                <a14:hiddenLine xmlns="" xmlns:a14="http://schemas.microsoft.com/office/drawing/2010/main" w="9525">
+                <a14:hiddenLine xmlns:a14="http://schemas.microsoft.com/office/drawing/2010/main" xmlns="" w="9525">
                   <a:solidFill>
                     <a:srgbClr val="000000"/>
                   </a:solidFill>
@@ -2739,7 +2739,7 @@
             </a:ln>
             <a:extLst>
               <a:ext uri="{91240B29-F687-4f45-9708-019B960494DF}">
-                <a14:hiddenLine xmlns="" xmlns:a14="http://schemas.microsoft.com/office/drawing/2010/main" w="9525">
+                <a14:hiddenLine xmlns:a14="http://schemas.microsoft.com/office/drawing/2010/main" xmlns="" w="9525">
                   <a:solidFill>
                     <a:srgbClr val="000000"/>
                   </a:solidFill>
@@ -2808,7 +2808,7 @@
             </a:ln>
             <a:extLst>
               <a:ext uri="{91240B29-F687-4f45-9708-019B960494DF}">
-                <a14:hiddenLine xmlns="" xmlns:a14="http://schemas.microsoft.com/office/drawing/2010/main" w="9525">
+                <a14:hiddenLine xmlns:a14="http://schemas.microsoft.com/office/drawing/2010/main" xmlns="" w="9525">
                   <a:solidFill>
                     <a:srgbClr val="000000"/>
                   </a:solidFill>
@@ -2905,7 +2905,7 @@
             </a:ln>
             <a:extLst>
               <a:ext uri="{91240B29-F687-4f45-9708-019B960494DF}">
-                <a14:hiddenLine xmlns="" xmlns:a14="http://schemas.microsoft.com/office/drawing/2010/main" w="9525">
+                <a14:hiddenLine xmlns:a14="http://schemas.microsoft.com/office/drawing/2010/main" xmlns="" w="9525">
                   <a:solidFill>
                     <a:srgbClr val="000000"/>
                   </a:solidFill>
@@ -2980,7 +2980,7 @@
             </a:ln>
             <a:extLst>
               <a:ext uri="{91240B29-F687-4f45-9708-019B960494DF}">
-                <a14:hiddenLine xmlns="" xmlns:a14="http://schemas.microsoft.com/office/drawing/2010/main" w="9525">
+                <a14:hiddenLine xmlns:a14="http://schemas.microsoft.com/office/drawing/2010/main" xmlns="" w="9525">
                   <a:solidFill>
                     <a:srgbClr val="000000"/>
                   </a:solidFill>
@@ -3049,7 +3049,7 @@
             </a:ln>
             <a:extLst>
               <a:ext uri="{91240B29-F687-4f45-9708-019B960494DF}">
-                <a14:hiddenLine xmlns="" xmlns:a14="http://schemas.microsoft.com/office/drawing/2010/main" w="9525">
+                <a14:hiddenLine xmlns:a14="http://schemas.microsoft.com/office/drawing/2010/main" xmlns="" w="9525">
                   <a:solidFill>
                     <a:srgbClr val="000000"/>
                   </a:solidFill>
@@ -3146,7 +3146,7 @@
             </a:ln>
             <a:extLst>
               <a:ext uri="{91240B29-F687-4f45-9708-019B960494DF}">
-                <a14:hiddenLine xmlns="" xmlns:a14="http://schemas.microsoft.com/office/drawing/2010/main" w="9525">
+                <a14:hiddenLine xmlns:a14="http://schemas.microsoft.com/office/drawing/2010/main" xmlns="" w="9525">
                   <a:solidFill>
                     <a:srgbClr val="000000"/>
                   </a:solidFill>
@@ -3215,7 +3215,7 @@
             </a:ln>
             <a:extLst>
               <a:ext uri="{91240B29-F687-4f45-9708-019B960494DF}">
-                <a14:hiddenLine xmlns="" xmlns:a14="http://schemas.microsoft.com/office/drawing/2010/main" w="9525">
+                <a14:hiddenLine xmlns:a14="http://schemas.microsoft.com/office/drawing/2010/main" xmlns="" w="9525">
                   <a:solidFill>
                     <a:srgbClr val="000000"/>
                   </a:solidFill>
@@ -3312,7 +3312,7 @@
             </a:ln>
             <a:extLst>
               <a:ext uri="{91240B29-F687-4f45-9708-019B960494DF}">
-                <a14:hiddenLine xmlns="" xmlns:a14="http://schemas.microsoft.com/office/drawing/2010/main" w="9525">
+                <a14:hiddenLine xmlns:a14="http://schemas.microsoft.com/office/drawing/2010/main" xmlns="" w="9525">
                   <a:solidFill>
                     <a:srgbClr val="000000"/>
                   </a:solidFill>
@@ -3381,7 +3381,7 @@
             </a:ln>
             <a:extLst>
               <a:ext uri="{91240B29-F687-4f45-9708-019B960494DF}">
-                <a14:hiddenLine xmlns="" xmlns:a14="http://schemas.microsoft.com/office/drawing/2010/main" w="9525">
+                <a14:hiddenLine xmlns:a14="http://schemas.microsoft.com/office/drawing/2010/main" xmlns="" w="9525">
                   <a:solidFill>
                     <a:srgbClr val="000000"/>
                   </a:solidFill>
@@ -3478,7 +3478,7 @@
             </a:ln>
             <a:extLst>
               <a:ext uri="{91240B29-F687-4f45-9708-019B960494DF}">
-                <a14:hiddenLine xmlns="" xmlns:a14="http://schemas.microsoft.com/office/drawing/2010/main" w="9525">
+                <a14:hiddenLine xmlns:a14="http://schemas.microsoft.com/office/drawing/2010/main" xmlns="" w="9525">
                   <a:solidFill>
                     <a:srgbClr val="000000"/>
                   </a:solidFill>
@@ -3519,7 +3519,7 @@
             </a:ln>
             <a:extLst>
               <a:ext uri="{91240B29-F687-4f45-9708-019B960494DF}">
-                <a14:hiddenLine xmlns="" xmlns:a14="http://schemas.microsoft.com/office/drawing/2010/main" w="9525">
+                <a14:hiddenLine xmlns:a14="http://schemas.microsoft.com/office/drawing/2010/main" xmlns="" w="9525">
                   <a:solidFill>
                     <a:srgbClr val="000000"/>
                   </a:solidFill>
@@ -3591,7 +3591,7 @@
             </a:ln>
             <a:extLst>
               <a:ext uri="{91240B29-F687-4f45-9708-019B960494DF}">
-                <a14:hiddenLine xmlns="" xmlns:a14="http://schemas.microsoft.com/office/drawing/2010/main" w="9525">
+                <a14:hiddenLine xmlns:a14="http://schemas.microsoft.com/office/drawing/2010/main" xmlns="" w="9525">
                   <a:solidFill>
                     <a:srgbClr val="000000"/>
                   </a:solidFill>
@@ -3688,7 +3688,7 @@
             </a:ln>
             <a:extLst>
               <a:ext uri="{91240B29-F687-4f45-9708-019B960494DF}">
-                <a14:hiddenLine xmlns="" xmlns:a14="http://schemas.microsoft.com/office/drawing/2010/main" w="9525">
+                <a14:hiddenLine xmlns:a14="http://schemas.microsoft.com/office/drawing/2010/main" xmlns="" w="9525">
                   <a:solidFill>
                     <a:srgbClr val="000000"/>
                   </a:solidFill>
@@ -3757,7 +3757,7 @@
             </a:ln>
             <a:extLst>
               <a:ext uri="{91240B29-F687-4f45-9708-019B960494DF}">
-                <a14:hiddenLine xmlns="" xmlns:a14="http://schemas.microsoft.com/office/drawing/2010/main" w="9525">
+                <a14:hiddenLine xmlns:a14="http://schemas.microsoft.com/office/drawing/2010/main" xmlns="" w="9525">
                   <a:solidFill>
                     <a:srgbClr val="000000"/>
                   </a:solidFill>
@@ -3854,7 +3854,7 @@
             </a:ln>
             <a:extLst>
               <a:ext uri="{91240B29-F687-4f45-9708-019B960494DF}">
-                <a14:hiddenLine xmlns="" xmlns:a14="http://schemas.microsoft.com/office/drawing/2010/main" w="9525">
+                <a14:hiddenLine xmlns:a14="http://schemas.microsoft.com/office/drawing/2010/main" xmlns="" w="9525">
                   <a:solidFill>
                     <a:srgbClr val="000000"/>
                   </a:solidFill>
@@ -3951,7 +3951,7 @@
             </a:ln>
             <a:extLst>
               <a:ext uri="{91240B29-F687-4f45-9708-019B960494DF}">
-                <a14:hiddenLine xmlns="" xmlns:a14="http://schemas.microsoft.com/office/drawing/2010/main" w="9525">
+                <a14:hiddenLine xmlns:a14="http://schemas.microsoft.com/office/drawing/2010/main" xmlns="" w="9525">
                   <a:solidFill>
                     <a:srgbClr val="000000"/>
                   </a:solidFill>
@@ -4023,7 +4023,7 @@
             </a:ln>
             <a:extLst>
               <a:ext uri="{91240B29-F687-4f45-9708-019B960494DF}">
-                <a14:hiddenLine xmlns="" xmlns:a14="http://schemas.microsoft.com/office/drawing/2010/main" w="9525">
+                <a14:hiddenLine xmlns:a14="http://schemas.microsoft.com/office/drawing/2010/main" xmlns="" w="9525">
                   <a:solidFill>
                     <a:srgbClr val="000000"/>
                   </a:solidFill>
@@ -4092,7 +4092,7 @@
             </a:ln>
             <a:extLst>
               <a:ext uri="{91240B29-F687-4f45-9708-019B960494DF}">
-                <a14:hiddenLine xmlns="" xmlns:a14="http://schemas.microsoft.com/office/drawing/2010/main" w="9525">
+                <a14:hiddenLine xmlns:a14="http://schemas.microsoft.com/office/drawing/2010/main" xmlns="" w="9525">
                   <a:solidFill>
                     <a:srgbClr val="000000"/>
                   </a:solidFill>
@@ -4189,7 +4189,7 @@
             </a:ln>
             <a:extLst>
               <a:ext uri="{91240B29-F687-4f45-9708-019B960494DF}">
-                <a14:hiddenLine xmlns="" xmlns:a14="http://schemas.microsoft.com/office/drawing/2010/main" w="9525">
+                <a14:hiddenLine xmlns:a14="http://schemas.microsoft.com/office/drawing/2010/main" xmlns="" w="9525">
                   <a:solidFill>
                     <a:srgbClr val="000000"/>
                   </a:solidFill>
@@ -4286,7 +4286,7 @@
             </a:ln>
             <a:extLst>
               <a:ext uri="{91240B29-F687-4f45-9708-019B960494DF}">
-                <a14:hiddenLine xmlns="" xmlns:a14="http://schemas.microsoft.com/office/drawing/2010/main" w="9525">
+                <a14:hiddenLine xmlns:a14="http://schemas.microsoft.com/office/drawing/2010/main" xmlns="" w="9525">
                   <a:solidFill>
                     <a:srgbClr val="000000"/>
                   </a:solidFill>
@@ -4355,7 +4355,7 @@
             </a:ln>
             <a:extLst>
               <a:ext uri="{91240B29-F687-4f45-9708-019B960494DF}">
-                <a14:hiddenLine xmlns="" xmlns:a14="http://schemas.microsoft.com/office/drawing/2010/main" w="9525">
+                <a14:hiddenLine xmlns:a14="http://schemas.microsoft.com/office/drawing/2010/main" xmlns="" w="9525">
                   <a:solidFill>
                     <a:srgbClr val="000000"/>
                   </a:solidFill>
@@ -4482,7 +4482,7 @@
             </a:ln>
             <a:extLst>
               <a:ext uri="{91240B29-F687-4f45-9708-019B960494DF}">
-                <a14:hiddenLine xmlns="" xmlns:a14="http://schemas.microsoft.com/office/drawing/2010/main" w="9525">
+                <a14:hiddenLine xmlns:a14="http://schemas.microsoft.com/office/drawing/2010/main" xmlns="" w="9525">
                   <a:solidFill>
                     <a:srgbClr val="000000"/>
                   </a:solidFill>
@@ -4557,7 +4557,7 @@
             </a:ln>
             <a:extLst>
               <a:ext uri="{91240B29-F687-4f45-9708-019B960494DF}">
-                <a14:hiddenLine xmlns="" xmlns:a14="http://schemas.microsoft.com/office/drawing/2010/main" w="9525">
+                <a14:hiddenLine xmlns:a14="http://schemas.microsoft.com/office/drawing/2010/main" xmlns="" w="9525">
                   <a:solidFill>
                     <a:srgbClr val="000000"/>
                   </a:solidFill>
@@ -4654,7 +4654,7 @@
             </a:ln>
             <a:extLst>
               <a:ext uri="{91240B29-F687-4f45-9708-019B960494DF}">
-                <a14:hiddenLine xmlns="" xmlns:a14="http://schemas.microsoft.com/office/drawing/2010/main" w="9525">
+                <a14:hiddenLine xmlns:a14="http://schemas.microsoft.com/office/drawing/2010/main" xmlns="" w="9525">
                   <a:solidFill>
                     <a:srgbClr val="000000"/>
                   </a:solidFill>
@@ -9468,7 +9468,7 @@
           <a:noFill/>
           <a:extLst>
             <a:ext uri="{909E8E84-426E-40dd-AFC4-6F175D3DCCD1}">
-              <a14:hiddenFill xmlns="" xmlns:a14="http://schemas.microsoft.com/office/drawing/2010/main">
+              <a14:hiddenFill xmlns:a14="http://schemas.microsoft.com/office/drawing/2010/main" xmlns="">
                 <a:solidFill>
                   <a:srgbClr val="FFFFFF"/>
                 </a:solidFill>
@@ -9542,7 +9542,7 @@
               </a:ln>
               <a:extLst>
                 <a:ext uri="{91240B29-F687-4f45-9708-019B960494DF}">
-                  <a14:hiddenLine xmlns="" xmlns:a14="http://schemas.microsoft.com/office/drawing/2010/main" w="9525">
+                  <a14:hiddenLine xmlns:a14="http://schemas.microsoft.com/office/drawing/2010/main" xmlns="" w="9525">
                     <a:solidFill>
                       <a:srgbClr val="000000"/>
                     </a:solidFill>
@@ -9639,7 +9639,7 @@
               </a:ln>
               <a:extLst>
                 <a:ext uri="{91240B29-F687-4f45-9708-019B960494DF}">
-                  <a14:hiddenLine xmlns="" xmlns:a14="http://schemas.microsoft.com/office/drawing/2010/main" w="9525">
+                  <a14:hiddenLine xmlns:a14="http://schemas.microsoft.com/office/drawing/2010/main" xmlns="" w="9525">
                     <a:solidFill>
                       <a:srgbClr val="000000"/>
                     </a:solidFill>
@@ -9736,7 +9736,7 @@
               </a:ln>
               <a:extLst>
                 <a:ext uri="{91240B29-F687-4f45-9708-019B960494DF}">
-                  <a14:hiddenLine xmlns="" xmlns:a14="http://schemas.microsoft.com/office/drawing/2010/main" w="9525">
+                  <a14:hiddenLine xmlns:a14="http://schemas.microsoft.com/office/drawing/2010/main" xmlns="" w="9525">
                     <a:solidFill>
                       <a:srgbClr val="000000"/>
                     </a:solidFill>
@@ -9805,7 +9805,7 @@
               </a:ln>
               <a:extLst>
                 <a:ext uri="{91240B29-F687-4f45-9708-019B960494DF}">
-                  <a14:hiddenLine xmlns="" xmlns:a14="http://schemas.microsoft.com/office/drawing/2010/main" w="9525">
+                  <a14:hiddenLine xmlns:a14="http://schemas.microsoft.com/office/drawing/2010/main" xmlns="" w="9525">
                     <a:solidFill>
                       <a:srgbClr val="000000"/>
                     </a:solidFill>
@@ -9902,7 +9902,7 @@
               </a:ln>
               <a:extLst>
                 <a:ext uri="{91240B29-F687-4f45-9708-019B960494DF}">
-                  <a14:hiddenLine xmlns="" xmlns:a14="http://schemas.microsoft.com/office/drawing/2010/main" w="9525">
+                  <a14:hiddenLine xmlns:a14="http://schemas.microsoft.com/office/drawing/2010/main" xmlns="" w="9525">
                     <a:solidFill>
                       <a:srgbClr val="000000"/>
                     </a:solidFill>
@@ -9971,7 +9971,7 @@
               </a:ln>
               <a:extLst>
                 <a:ext uri="{91240B29-F687-4f45-9708-019B960494DF}">
-                  <a14:hiddenLine xmlns="" xmlns:a14="http://schemas.microsoft.com/office/drawing/2010/main" w="9525">
+                  <a14:hiddenLine xmlns:a14="http://schemas.microsoft.com/office/drawing/2010/main" xmlns="" w="9525">
                     <a:solidFill>
                       <a:srgbClr val="000000"/>
                     </a:solidFill>
@@ -10040,7 +10040,7 @@
               </a:ln>
               <a:extLst>
                 <a:ext uri="{91240B29-F687-4f45-9708-019B960494DF}">
-                  <a14:hiddenLine xmlns="" xmlns:a14="http://schemas.microsoft.com/office/drawing/2010/main" w="9525">
+                  <a14:hiddenLine xmlns:a14="http://schemas.microsoft.com/office/drawing/2010/main" xmlns="" w="9525">
                     <a:solidFill>
                       <a:srgbClr val="000000"/>
                     </a:solidFill>
@@ -10137,7 +10137,7 @@
               </a:ln>
               <a:extLst>
                 <a:ext uri="{91240B29-F687-4f45-9708-019B960494DF}">
-                  <a14:hiddenLine xmlns="" xmlns:a14="http://schemas.microsoft.com/office/drawing/2010/main" w="9525">
+                  <a14:hiddenLine xmlns:a14="http://schemas.microsoft.com/office/drawing/2010/main" xmlns="" w="9525">
                     <a:solidFill>
                       <a:srgbClr val="000000"/>
                     </a:solidFill>
@@ -10234,7 +10234,7 @@
               </a:ln>
               <a:extLst>
                 <a:ext uri="{91240B29-F687-4f45-9708-019B960494DF}">
-                  <a14:hiddenLine xmlns="" xmlns:a14="http://schemas.microsoft.com/office/drawing/2010/main" w="9525">
+                  <a14:hiddenLine xmlns:a14="http://schemas.microsoft.com/office/drawing/2010/main" xmlns="" w="9525">
                     <a:solidFill>
                       <a:srgbClr val="000000"/>
                     </a:solidFill>
@@ -10303,7 +10303,7 @@
               </a:ln>
               <a:extLst>
                 <a:ext uri="{91240B29-F687-4f45-9708-019B960494DF}">
-                  <a14:hiddenLine xmlns="" xmlns:a14="http://schemas.microsoft.com/office/drawing/2010/main" w="9525">
+                  <a14:hiddenLine xmlns:a14="http://schemas.microsoft.com/office/drawing/2010/main" xmlns="" w="9525">
                     <a:solidFill>
                       <a:srgbClr val="000000"/>
                     </a:solidFill>
@@ -10420,7 +10420,7 @@
               </a:ln>
               <a:extLst>
                 <a:ext uri="{91240B29-F687-4f45-9708-019B960494DF}">
-                  <a14:hiddenLine xmlns="" xmlns:a14="http://schemas.microsoft.com/office/drawing/2010/main" w="9525">
+                  <a14:hiddenLine xmlns:a14="http://schemas.microsoft.com/office/drawing/2010/main" xmlns="" w="9525">
                     <a:solidFill>
                       <a:srgbClr val="000000"/>
                     </a:solidFill>
@@ -10518,7 +10518,7 @@
               </a:ln>
               <a:extLst>
                 <a:ext uri="{91240B29-F687-4f45-9708-019B960494DF}">
-                  <a14:hiddenLine xmlns="" xmlns:a14="http://schemas.microsoft.com/office/drawing/2010/main" w="9525">
+                  <a14:hiddenLine xmlns:a14="http://schemas.microsoft.com/office/drawing/2010/main" xmlns="" w="9525">
                     <a:solidFill>
                       <a:srgbClr val="000000"/>
                     </a:solidFill>
@@ -10587,7 +10587,7 @@
               </a:ln>
               <a:extLst>
                 <a:ext uri="{91240B29-F687-4f45-9708-019B960494DF}">
-                  <a14:hiddenLine xmlns="" xmlns:a14="http://schemas.microsoft.com/office/drawing/2010/main" w="9525">
+                  <a14:hiddenLine xmlns:a14="http://schemas.microsoft.com/office/drawing/2010/main" xmlns="" w="9525">
                     <a:solidFill>
                       <a:srgbClr val="000000"/>
                     </a:solidFill>
@@ -10656,7 +10656,7 @@
               </a:ln>
               <a:extLst>
                 <a:ext uri="{91240B29-F687-4f45-9708-019B960494DF}">
-                  <a14:hiddenLine xmlns="" xmlns:a14="http://schemas.microsoft.com/office/drawing/2010/main" w="9525">
+                  <a14:hiddenLine xmlns:a14="http://schemas.microsoft.com/office/drawing/2010/main" xmlns="" w="9525">
                     <a:solidFill>
                       <a:srgbClr val="000000"/>
                     </a:solidFill>
@@ -10753,7 +10753,7 @@
               </a:ln>
               <a:extLst>
                 <a:ext uri="{91240B29-F687-4f45-9708-019B960494DF}">
-                  <a14:hiddenLine xmlns="" xmlns:a14="http://schemas.microsoft.com/office/drawing/2010/main" w="9525">
+                  <a14:hiddenLine xmlns:a14="http://schemas.microsoft.com/office/drawing/2010/main" xmlns="" w="9525">
                     <a:solidFill>
                       <a:srgbClr val="000000"/>
                     </a:solidFill>
@@ -10794,7 +10794,7 @@
               </a:ln>
               <a:extLst>
                 <a:ext uri="{91240B29-F687-4f45-9708-019B960494DF}">
-                  <a14:hiddenLine xmlns="" xmlns:a14="http://schemas.microsoft.com/office/drawing/2010/main" w="9525">
+                  <a14:hiddenLine xmlns:a14="http://schemas.microsoft.com/office/drawing/2010/main" xmlns="" w="9525">
                     <a:solidFill>
                       <a:srgbClr val="000000"/>
                     </a:solidFill>
@@ -10866,7 +10866,7 @@
               </a:ln>
               <a:extLst>
                 <a:ext uri="{91240B29-F687-4f45-9708-019B960494DF}">
-                  <a14:hiddenLine xmlns="" xmlns:a14="http://schemas.microsoft.com/office/drawing/2010/main" w="9525">
+                  <a14:hiddenLine xmlns:a14="http://schemas.microsoft.com/office/drawing/2010/main" xmlns="" w="9525">
                     <a:solidFill>
                       <a:srgbClr val="000000"/>
                     </a:solidFill>
@@ -10963,7 +10963,7 @@
               </a:ln>
               <a:extLst>
                 <a:ext uri="{91240B29-F687-4f45-9708-019B960494DF}">
-                  <a14:hiddenLine xmlns="" xmlns:a14="http://schemas.microsoft.com/office/drawing/2010/main" w="9525">
+                  <a14:hiddenLine xmlns:a14="http://schemas.microsoft.com/office/drawing/2010/main" xmlns="" w="9525">
                     <a:solidFill>
                       <a:srgbClr val="000000"/>
                     </a:solidFill>
@@ -11032,7 +11032,7 @@
               </a:ln>
               <a:extLst>
                 <a:ext uri="{91240B29-F687-4f45-9708-019B960494DF}">
-                  <a14:hiddenLine xmlns="" xmlns:a14="http://schemas.microsoft.com/office/drawing/2010/main" w="9525">
+                  <a14:hiddenLine xmlns:a14="http://schemas.microsoft.com/office/drawing/2010/main" xmlns="" w="9525">
                     <a:solidFill>
                       <a:srgbClr val="000000"/>
                     </a:solidFill>
@@ -11129,7 +11129,7 @@
               </a:ln>
               <a:extLst>
                 <a:ext uri="{91240B29-F687-4f45-9708-019B960494DF}">
-                  <a14:hiddenLine xmlns="" xmlns:a14="http://schemas.microsoft.com/office/drawing/2010/main" w="9525">
+                  <a14:hiddenLine xmlns:a14="http://schemas.microsoft.com/office/drawing/2010/main" xmlns="" w="9525">
                     <a:solidFill>
                       <a:srgbClr val="000000"/>
                     </a:solidFill>
@@ -11201,7 +11201,7 @@
               </a:ln>
               <a:extLst>
                 <a:ext uri="{91240B29-F687-4f45-9708-019B960494DF}">
-                  <a14:hiddenLine xmlns="" xmlns:a14="http://schemas.microsoft.com/office/drawing/2010/main" w="9525">
+                  <a14:hiddenLine xmlns:a14="http://schemas.microsoft.com/office/drawing/2010/main" xmlns="" w="9525">
                     <a:solidFill>
                       <a:srgbClr val="000000"/>
                     </a:solidFill>
@@ -11270,7 +11270,7 @@
               </a:ln>
               <a:extLst>
                 <a:ext uri="{91240B29-F687-4f45-9708-019B960494DF}">
-                  <a14:hiddenLine xmlns="" xmlns:a14="http://schemas.microsoft.com/office/drawing/2010/main" w="9525">
+                  <a14:hiddenLine xmlns:a14="http://schemas.microsoft.com/office/drawing/2010/main" xmlns="" w="9525">
                     <a:solidFill>
                       <a:srgbClr val="000000"/>
                     </a:solidFill>
@@ -11367,7 +11367,7 @@
               </a:ln>
               <a:extLst>
                 <a:ext uri="{91240B29-F687-4f45-9708-019B960494DF}">
-                  <a14:hiddenLine xmlns="" xmlns:a14="http://schemas.microsoft.com/office/drawing/2010/main" w="9525">
+                  <a14:hiddenLine xmlns:a14="http://schemas.microsoft.com/office/drawing/2010/main" xmlns="" w="9525">
                     <a:solidFill>
                       <a:srgbClr val="000000"/>
                     </a:solidFill>
@@ -11464,7 +11464,7 @@
               </a:ln>
               <a:extLst>
                 <a:ext uri="{91240B29-F687-4f45-9708-019B960494DF}">
-                  <a14:hiddenLine xmlns="" xmlns:a14="http://schemas.microsoft.com/office/drawing/2010/main" w="9525">
+                  <a14:hiddenLine xmlns:a14="http://schemas.microsoft.com/office/drawing/2010/main" xmlns="" w="9525">
                     <a:solidFill>
                       <a:srgbClr val="000000"/>
                     </a:solidFill>
@@ -11536,7 +11536,7 @@
               </a:ln>
               <a:extLst>
                 <a:ext uri="{91240B29-F687-4f45-9708-019B960494DF}">
-                  <a14:hiddenLine xmlns="" xmlns:a14="http://schemas.microsoft.com/office/drawing/2010/main" w="9525">
+                  <a14:hiddenLine xmlns:a14="http://schemas.microsoft.com/office/drawing/2010/main" xmlns="" w="9525">
                     <a:solidFill>
                       <a:srgbClr val="000000"/>
                     </a:solidFill>
@@ -11663,7 +11663,7 @@
               </a:ln>
               <a:extLst>
                 <a:ext uri="{91240B29-F687-4f45-9708-019B960494DF}">
-                  <a14:hiddenLine xmlns="" xmlns:a14="http://schemas.microsoft.com/office/drawing/2010/main" w="9525">
+                  <a14:hiddenLine xmlns:a14="http://schemas.microsoft.com/office/drawing/2010/main" xmlns="" w="9525">
                     <a:solidFill>
                       <a:srgbClr val="000000"/>
                     </a:solidFill>
@@ -11768,7 +11768,7 @@
               </a:ln>
               <a:extLst>
                 <a:ext uri="{91240B29-F687-4f45-9708-019B960494DF}">
-                  <a14:hiddenLine xmlns="" xmlns:a14="http://schemas.microsoft.com/office/drawing/2010/main" w="9525">
+                  <a14:hiddenLine xmlns:a14="http://schemas.microsoft.com/office/drawing/2010/main" xmlns="" w="9525">
                     <a:solidFill>
                       <a:srgbClr val="000000"/>
                     </a:solidFill>
@@ -11890,7 +11890,7 @@
               </a:ln>
               <a:extLst>
                 <a:ext uri="{91240B29-F687-4f45-9708-019B960494DF}">
-                  <a14:hiddenLine xmlns="" xmlns:a14="http://schemas.microsoft.com/office/drawing/2010/main" w="9525">
+                  <a14:hiddenLine xmlns:a14="http://schemas.microsoft.com/office/drawing/2010/main" xmlns="" w="9525">
                     <a:solidFill>
                       <a:srgbClr val="000000"/>
                     </a:solidFill>
@@ -11987,7 +11987,7 @@
               </a:ln>
               <a:extLst>
                 <a:ext uri="{91240B29-F687-4f45-9708-019B960494DF}">
-                  <a14:hiddenLine xmlns="" xmlns:a14="http://schemas.microsoft.com/office/drawing/2010/main" w="9525">
+                  <a14:hiddenLine xmlns:a14="http://schemas.microsoft.com/office/drawing/2010/main" xmlns="" w="9525">
                     <a:solidFill>
                       <a:srgbClr val="000000"/>
                     </a:solidFill>
@@ -12059,7 +12059,7 @@
               </a:ln>
               <a:extLst>
                 <a:ext uri="{91240B29-F687-4f45-9708-019B960494DF}">
-                  <a14:hiddenLine xmlns="" xmlns:a14="http://schemas.microsoft.com/office/drawing/2010/main" w="9525">
+                  <a14:hiddenLine xmlns:a14="http://schemas.microsoft.com/office/drawing/2010/main" xmlns="" w="9525">
                     <a:solidFill>
                       <a:srgbClr val="000000"/>
                     </a:solidFill>
@@ -12156,7 +12156,7 @@
               </a:ln>
               <a:extLst>
                 <a:ext uri="{91240B29-F687-4f45-9708-019B960494DF}">
-                  <a14:hiddenLine xmlns="" xmlns:a14="http://schemas.microsoft.com/office/drawing/2010/main" w="9525">
+                  <a14:hiddenLine xmlns:a14="http://schemas.microsoft.com/office/drawing/2010/main" xmlns="" w="9525">
                     <a:solidFill>
                       <a:srgbClr val="000000"/>
                     </a:solidFill>
@@ -12231,7 +12231,7 @@
               </a:ln>
               <a:extLst>
                 <a:ext uri="{91240B29-F687-4f45-9708-019B960494DF}">
-                  <a14:hiddenLine xmlns="" xmlns:a14="http://schemas.microsoft.com/office/drawing/2010/main" w="9525">
+                  <a14:hiddenLine xmlns:a14="http://schemas.microsoft.com/office/drawing/2010/main" xmlns="" w="9525">
                     <a:solidFill>
                       <a:srgbClr val="000000"/>
                     </a:solidFill>
@@ -12328,7 +12328,7 @@
               </a:ln>
               <a:extLst>
                 <a:ext uri="{91240B29-F687-4f45-9708-019B960494DF}">
-                  <a14:hiddenLine xmlns="" xmlns:a14="http://schemas.microsoft.com/office/drawing/2010/main" w="9525">
+                  <a14:hiddenLine xmlns:a14="http://schemas.microsoft.com/office/drawing/2010/main" xmlns="" w="9525">
                     <a:solidFill>
                       <a:srgbClr val="000000"/>
                     </a:solidFill>
@@ -12403,7 +12403,7 @@
               </a:ln>
               <a:extLst>
                 <a:ext uri="{91240B29-F687-4f45-9708-019B960494DF}">
-                  <a14:hiddenLine xmlns="" xmlns:a14="http://schemas.microsoft.com/office/drawing/2010/main" w="9525">
+                  <a14:hiddenLine xmlns:a14="http://schemas.microsoft.com/office/drawing/2010/main" xmlns="" w="9525">
                     <a:solidFill>
                       <a:srgbClr val="000000"/>
                     </a:solidFill>
@@ -12500,7 +12500,7 @@
               </a:ln>
               <a:extLst>
                 <a:ext uri="{91240B29-F687-4f45-9708-019B960494DF}">
-                  <a14:hiddenLine xmlns="" xmlns:a14="http://schemas.microsoft.com/office/drawing/2010/main" w="9525">
+                  <a14:hiddenLine xmlns:a14="http://schemas.microsoft.com/office/drawing/2010/main" xmlns="" w="9525">
                     <a:solidFill>
                       <a:srgbClr val="000000"/>
                     </a:solidFill>
@@ -12541,7 +12541,7 @@
               </a:ln>
               <a:extLst>
                 <a:ext uri="{91240B29-F687-4f45-9708-019B960494DF}">
-                  <a14:hiddenLine xmlns="" xmlns:a14="http://schemas.microsoft.com/office/drawing/2010/main" w="9525">
+                  <a14:hiddenLine xmlns:a14="http://schemas.microsoft.com/office/drawing/2010/main" xmlns="" w="9525">
                     <a:solidFill>
                       <a:srgbClr val="000000"/>
                     </a:solidFill>
@@ -13306,12 +13306,27 @@
           <a:lstStyle/>
           <a:p>
             <a:r>
-              <a:rPr lang="it-IT" sz="5400">
+              <a:rPr lang="it-IT" sz="5400" dirty="0">
                 <a:solidFill>
                   <a:srgbClr val="FFFFFF"/>
                 </a:solidFill>
               </a:rPr>
-              <a:t>Group K project proposal</a:t>
+              <a:t>project proposal</a:t>
+            </a:r>
+            <a:br>
+              <a:rPr lang="it-IT" sz="5400" dirty="0">
+                <a:solidFill>
+                  <a:srgbClr val="FFFFFF"/>
+                </a:solidFill>
+              </a:rPr>
+            </a:br>
+            <a:r>
+              <a:rPr lang="it-IT" sz="5400" dirty="0">
+                <a:solidFill>
+                  <a:srgbClr val="FFFFFF"/>
+                </a:solidFill>
+              </a:rPr>
+              <a:t>Group K</a:t>
             </a:r>
           </a:p>
         </p:txBody>
@@ -13534,7 +13549,7 @@
             </a:ln>
             <a:extLst>
               <a:ext uri="{91240B29-F687-4f45-9708-019B960494DF}">
-                <a14:hiddenLine xmlns:a14="http://schemas.microsoft.com/office/drawing/2010/main" xmlns:p14="http://schemas.microsoft.com/office/powerpoint/2010/main" xmlns:a16="http://schemas.microsoft.com/office/drawing/2014/main" xmlns="" w="9525">
+                <a14:hiddenLine xmlns="" xmlns:a16="http://schemas.microsoft.com/office/drawing/2014/main" xmlns:p14="http://schemas.microsoft.com/office/powerpoint/2010/main" xmlns:a14="http://schemas.microsoft.com/office/drawing/2010/main" w="9525">
                   <a:solidFill>
                     <a:srgbClr val="000000"/>
                   </a:solidFill>
@@ -13646,7 +13661,7 @@
             </a:ln>
             <a:extLst>
               <a:ext uri="{91240B29-F687-4f45-9708-019B960494DF}">
-                <a14:hiddenLine xmlns:a14="http://schemas.microsoft.com/office/drawing/2010/main" xmlns:p14="http://schemas.microsoft.com/office/powerpoint/2010/main" xmlns:a16="http://schemas.microsoft.com/office/drawing/2014/main" xmlns="" w="9525">
+                <a14:hiddenLine xmlns="" xmlns:a16="http://schemas.microsoft.com/office/drawing/2014/main" xmlns:p14="http://schemas.microsoft.com/office/powerpoint/2010/main" xmlns:a14="http://schemas.microsoft.com/office/drawing/2010/main" w="9525">
                   <a:solidFill>
                     <a:srgbClr val="000000"/>
                   </a:solidFill>
@@ -13758,7 +13773,7 @@
             </a:ln>
             <a:extLst>
               <a:ext uri="{91240B29-F687-4f45-9708-019B960494DF}">
-                <a14:hiddenLine xmlns:a14="http://schemas.microsoft.com/office/drawing/2010/main" xmlns:p14="http://schemas.microsoft.com/office/powerpoint/2010/main" xmlns:a16="http://schemas.microsoft.com/office/drawing/2014/main" xmlns="" w="9525">
+                <a14:hiddenLine xmlns="" xmlns:a16="http://schemas.microsoft.com/office/drawing/2014/main" xmlns:p14="http://schemas.microsoft.com/office/powerpoint/2010/main" xmlns:a14="http://schemas.microsoft.com/office/drawing/2010/main" w="9525">
                   <a:solidFill>
                     <a:srgbClr val="000000"/>
                   </a:solidFill>
@@ -13842,7 +13857,7 @@
             </a:ln>
             <a:extLst>
               <a:ext uri="{91240B29-F687-4f45-9708-019B960494DF}">
-                <a14:hiddenLine xmlns:a14="http://schemas.microsoft.com/office/drawing/2010/main" xmlns:p14="http://schemas.microsoft.com/office/powerpoint/2010/main" xmlns:a16="http://schemas.microsoft.com/office/drawing/2014/main" xmlns="" w="9525">
+                <a14:hiddenLine xmlns="" xmlns:a16="http://schemas.microsoft.com/office/drawing/2014/main" xmlns:p14="http://schemas.microsoft.com/office/powerpoint/2010/main" xmlns:a14="http://schemas.microsoft.com/office/drawing/2010/main" w="9525">
                   <a:solidFill>
                     <a:srgbClr val="000000"/>
                   </a:solidFill>
@@ -13954,7 +13969,7 @@
             </a:ln>
             <a:extLst>
               <a:ext uri="{91240B29-F687-4f45-9708-019B960494DF}">
-                <a14:hiddenLine xmlns:a14="http://schemas.microsoft.com/office/drawing/2010/main" xmlns:p14="http://schemas.microsoft.com/office/powerpoint/2010/main" xmlns:a16="http://schemas.microsoft.com/office/drawing/2014/main" xmlns="" w="9525">
+                <a14:hiddenLine xmlns="" xmlns:a16="http://schemas.microsoft.com/office/drawing/2014/main" xmlns:p14="http://schemas.microsoft.com/office/powerpoint/2010/main" xmlns:a14="http://schemas.microsoft.com/office/drawing/2010/main" w="9525">
                   <a:solidFill>
                     <a:srgbClr val="000000"/>
                   </a:solidFill>
@@ -14038,7 +14053,7 @@
             </a:ln>
             <a:extLst>
               <a:ext uri="{91240B29-F687-4f45-9708-019B960494DF}">
-                <a14:hiddenLine xmlns:a14="http://schemas.microsoft.com/office/drawing/2010/main" xmlns:p14="http://schemas.microsoft.com/office/powerpoint/2010/main" xmlns:a16="http://schemas.microsoft.com/office/drawing/2014/main" xmlns="" w="9525">
+                <a14:hiddenLine xmlns="" xmlns:a16="http://schemas.microsoft.com/office/drawing/2014/main" xmlns:p14="http://schemas.microsoft.com/office/powerpoint/2010/main" xmlns:a14="http://schemas.microsoft.com/office/drawing/2010/main" w="9525">
                   <a:solidFill>
                     <a:srgbClr val="000000"/>
                   </a:solidFill>
@@ -14122,7 +14137,7 @@
             </a:ln>
             <a:extLst>
               <a:ext uri="{91240B29-F687-4f45-9708-019B960494DF}">
-                <a14:hiddenLine xmlns:a14="http://schemas.microsoft.com/office/drawing/2010/main" xmlns:p14="http://schemas.microsoft.com/office/powerpoint/2010/main" xmlns:a16="http://schemas.microsoft.com/office/drawing/2014/main" xmlns="" w="9525">
+                <a14:hiddenLine xmlns="" xmlns:a16="http://schemas.microsoft.com/office/drawing/2014/main" xmlns:p14="http://schemas.microsoft.com/office/powerpoint/2010/main" xmlns:a14="http://schemas.microsoft.com/office/drawing/2010/main" w="9525">
                   <a:solidFill>
                     <a:srgbClr val="000000"/>
                   </a:solidFill>
@@ -14234,7 +14249,7 @@
             </a:ln>
             <a:extLst>
               <a:ext uri="{91240B29-F687-4f45-9708-019B960494DF}">
-                <a14:hiddenLine xmlns:a14="http://schemas.microsoft.com/office/drawing/2010/main" xmlns:p14="http://schemas.microsoft.com/office/powerpoint/2010/main" xmlns:a16="http://schemas.microsoft.com/office/drawing/2014/main" xmlns="" w="9525">
+                <a14:hiddenLine xmlns="" xmlns:a16="http://schemas.microsoft.com/office/drawing/2014/main" xmlns:p14="http://schemas.microsoft.com/office/powerpoint/2010/main" xmlns:a14="http://schemas.microsoft.com/office/drawing/2010/main" w="9525">
                   <a:solidFill>
                     <a:srgbClr val="000000"/>
                   </a:solidFill>
@@ -14346,7 +14361,7 @@
             </a:ln>
             <a:extLst>
               <a:ext uri="{91240B29-F687-4f45-9708-019B960494DF}">
-                <a14:hiddenLine xmlns:a14="http://schemas.microsoft.com/office/drawing/2010/main" xmlns:p14="http://schemas.microsoft.com/office/powerpoint/2010/main" xmlns:a16="http://schemas.microsoft.com/office/drawing/2014/main" xmlns="" w="9525">
+                <a14:hiddenLine xmlns="" xmlns:a16="http://schemas.microsoft.com/office/drawing/2014/main" xmlns:p14="http://schemas.microsoft.com/office/powerpoint/2010/main" xmlns:a14="http://schemas.microsoft.com/office/drawing/2010/main" w="9525">
                   <a:solidFill>
                     <a:srgbClr val="000000"/>
                   </a:solidFill>
@@ -14430,7 +14445,7 @@
             </a:ln>
             <a:extLst>
               <a:ext uri="{91240B29-F687-4f45-9708-019B960494DF}">
-                <a14:hiddenLine xmlns:a14="http://schemas.microsoft.com/office/drawing/2010/main" xmlns:p14="http://schemas.microsoft.com/office/powerpoint/2010/main" xmlns:a16="http://schemas.microsoft.com/office/drawing/2014/main" xmlns="" w="9525">
+                <a14:hiddenLine xmlns="" xmlns:a16="http://schemas.microsoft.com/office/drawing/2014/main" xmlns:p14="http://schemas.microsoft.com/office/powerpoint/2010/main" xmlns:a14="http://schemas.microsoft.com/office/drawing/2010/main" w="9525">
                   <a:solidFill>
                     <a:srgbClr val="000000"/>
                   </a:solidFill>
@@ -14562,7 +14577,7 @@
             </a:ln>
             <a:extLst>
               <a:ext uri="{91240B29-F687-4f45-9708-019B960494DF}">
-                <a14:hiddenLine xmlns:a14="http://schemas.microsoft.com/office/drawing/2010/main" xmlns:p14="http://schemas.microsoft.com/office/powerpoint/2010/main" xmlns:a16="http://schemas.microsoft.com/office/drawing/2014/main" xmlns="" w="9525">
+                <a14:hiddenLine xmlns="" xmlns:a16="http://schemas.microsoft.com/office/drawing/2014/main" xmlns:p14="http://schemas.microsoft.com/office/powerpoint/2010/main" xmlns:a14="http://schemas.microsoft.com/office/drawing/2010/main" w="9525">
                   <a:solidFill>
                     <a:srgbClr val="000000"/>
                   </a:solidFill>
@@ -14690,7 +14705,7 @@
             </a:ln>
             <a:extLst>
               <a:ext uri="{91240B29-F687-4f45-9708-019B960494DF}">
-                <a14:hiddenLine xmlns:a14="http://schemas.microsoft.com/office/drawing/2010/main" xmlns:p14="http://schemas.microsoft.com/office/powerpoint/2010/main" xmlns:a16="http://schemas.microsoft.com/office/drawing/2014/main" xmlns="" w="9525">
+                <a14:hiddenLine xmlns="" xmlns:a16="http://schemas.microsoft.com/office/drawing/2014/main" xmlns:p14="http://schemas.microsoft.com/office/powerpoint/2010/main" xmlns:a14="http://schemas.microsoft.com/office/drawing/2010/main" w="9525">
                   <a:solidFill>
                     <a:srgbClr val="000000"/>
                   </a:solidFill>
@@ -14774,7 +14789,7 @@
             </a:ln>
             <a:extLst>
               <a:ext uri="{91240B29-F687-4f45-9708-019B960494DF}">
-                <a14:hiddenLine xmlns:a14="http://schemas.microsoft.com/office/drawing/2010/main" xmlns:p14="http://schemas.microsoft.com/office/powerpoint/2010/main" xmlns:a16="http://schemas.microsoft.com/office/drawing/2014/main" xmlns="" w="9525">
+                <a14:hiddenLine xmlns="" xmlns:a16="http://schemas.microsoft.com/office/drawing/2014/main" xmlns:p14="http://schemas.microsoft.com/office/powerpoint/2010/main" xmlns:a14="http://schemas.microsoft.com/office/drawing/2010/main" w="9525">
                   <a:solidFill>
                     <a:srgbClr val="000000"/>
                   </a:solidFill>
@@ -14858,7 +14873,7 @@
             </a:ln>
             <a:extLst>
               <a:ext uri="{91240B29-F687-4f45-9708-019B960494DF}">
-                <a14:hiddenLine xmlns:a14="http://schemas.microsoft.com/office/drawing/2010/main" xmlns:p14="http://schemas.microsoft.com/office/powerpoint/2010/main" xmlns:a16="http://schemas.microsoft.com/office/drawing/2014/main" xmlns="" w="9525">
+                <a14:hiddenLine xmlns="" xmlns:a16="http://schemas.microsoft.com/office/drawing/2014/main" xmlns:p14="http://schemas.microsoft.com/office/powerpoint/2010/main" xmlns:a14="http://schemas.microsoft.com/office/drawing/2010/main" w="9525">
                   <a:solidFill>
                     <a:srgbClr val="000000"/>
                   </a:solidFill>
@@ -14970,7 +14985,7 @@
             </a:ln>
             <a:extLst>
               <a:ext uri="{91240B29-F687-4f45-9708-019B960494DF}">
-                <a14:hiddenLine xmlns:a14="http://schemas.microsoft.com/office/drawing/2010/main" xmlns:p14="http://schemas.microsoft.com/office/powerpoint/2010/main" xmlns:a16="http://schemas.microsoft.com/office/drawing/2014/main" xmlns="" w="9525">
+                <a14:hiddenLine xmlns="" xmlns:a16="http://schemas.microsoft.com/office/drawing/2014/main" xmlns:p14="http://schemas.microsoft.com/office/powerpoint/2010/main" xmlns:a14="http://schemas.microsoft.com/office/drawing/2010/main" w="9525">
                   <a:solidFill>
                     <a:srgbClr val="000000"/>
                   </a:solidFill>
@@ -15026,7 +15041,7 @@
             </a:ln>
             <a:extLst>
               <a:ext uri="{91240B29-F687-4f45-9708-019B960494DF}">
-                <a14:hiddenLine xmlns:a14="http://schemas.microsoft.com/office/drawing/2010/main" xmlns:p14="http://schemas.microsoft.com/office/powerpoint/2010/main" xmlns:a16="http://schemas.microsoft.com/office/drawing/2014/main" xmlns="" w="9525">
+                <a14:hiddenLine xmlns="" xmlns:a16="http://schemas.microsoft.com/office/drawing/2014/main" xmlns:p14="http://schemas.microsoft.com/office/powerpoint/2010/main" xmlns:a14="http://schemas.microsoft.com/office/drawing/2010/main" w="9525">
                   <a:solidFill>
                     <a:srgbClr val="000000"/>
                   </a:solidFill>
@@ -15113,7 +15128,7 @@
             </a:ln>
             <a:extLst>
               <a:ext uri="{91240B29-F687-4f45-9708-019B960494DF}">
-                <a14:hiddenLine xmlns:a14="http://schemas.microsoft.com/office/drawing/2010/main" xmlns:p14="http://schemas.microsoft.com/office/powerpoint/2010/main" xmlns:a16="http://schemas.microsoft.com/office/drawing/2014/main" xmlns="" w="9525">
+                <a14:hiddenLine xmlns="" xmlns:a16="http://schemas.microsoft.com/office/drawing/2014/main" xmlns:p14="http://schemas.microsoft.com/office/powerpoint/2010/main" xmlns:a14="http://schemas.microsoft.com/office/drawing/2010/main" w="9525">
                   <a:solidFill>
                     <a:srgbClr val="000000"/>
                   </a:solidFill>
@@ -15225,7 +15240,7 @@
             </a:ln>
             <a:extLst>
               <a:ext uri="{91240B29-F687-4f45-9708-019B960494DF}">
-                <a14:hiddenLine xmlns:a14="http://schemas.microsoft.com/office/drawing/2010/main" xmlns:p14="http://schemas.microsoft.com/office/powerpoint/2010/main" xmlns:a16="http://schemas.microsoft.com/office/drawing/2014/main" xmlns="" w="9525">
+                <a14:hiddenLine xmlns="" xmlns:a16="http://schemas.microsoft.com/office/drawing/2014/main" xmlns:p14="http://schemas.microsoft.com/office/powerpoint/2010/main" xmlns:a14="http://schemas.microsoft.com/office/drawing/2010/main" w="9525">
                   <a:solidFill>
                     <a:srgbClr val="000000"/>
                   </a:solidFill>
@@ -15309,7 +15324,7 @@
             </a:ln>
             <a:extLst>
               <a:ext uri="{91240B29-F687-4f45-9708-019B960494DF}">
-                <a14:hiddenLine xmlns:a14="http://schemas.microsoft.com/office/drawing/2010/main" xmlns:p14="http://schemas.microsoft.com/office/powerpoint/2010/main" xmlns:a16="http://schemas.microsoft.com/office/drawing/2014/main" xmlns="" w="9525">
+                <a14:hiddenLine xmlns="" xmlns:a16="http://schemas.microsoft.com/office/drawing/2014/main" xmlns:p14="http://schemas.microsoft.com/office/powerpoint/2010/main" xmlns:a14="http://schemas.microsoft.com/office/drawing/2010/main" w="9525">
                   <a:solidFill>
                     <a:srgbClr val="000000"/>
                   </a:solidFill>
@@ -15421,7 +15436,7 @@
             </a:ln>
             <a:extLst>
               <a:ext uri="{91240B29-F687-4f45-9708-019B960494DF}">
-                <a14:hiddenLine xmlns:a14="http://schemas.microsoft.com/office/drawing/2010/main" xmlns:p14="http://schemas.microsoft.com/office/powerpoint/2010/main" xmlns:a16="http://schemas.microsoft.com/office/drawing/2014/main" xmlns="" w="9525">
+                <a14:hiddenLine xmlns="" xmlns:a16="http://schemas.microsoft.com/office/drawing/2014/main" xmlns:p14="http://schemas.microsoft.com/office/powerpoint/2010/main" xmlns:a14="http://schemas.microsoft.com/office/drawing/2010/main" w="9525">
                   <a:solidFill>
                     <a:srgbClr val="000000"/>
                   </a:solidFill>
@@ -15508,7 +15523,7 @@
             </a:ln>
             <a:extLst>
               <a:ext uri="{91240B29-F687-4f45-9708-019B960494DF}">
-                <a14:hiddenLine xmlns:a14="http://schemas.microsoft.com/office/drawing/2010/main" xmlns:p14="http://schemas.microsoft.com/office/powerpoint/2010/main" xmlns:a16="http://schemas.microsoft.com/office/drawing/2014/main" xmlns="" w="9525">
+                <a14:hiddenLine xmlns="" xmlns:a16="http://schemas.microsoft.com/office/drawing/2014/main" xmlns:p14="http://schemas.microsoft.com/office/powerpoint/2010/main" xmlns:a14="http://schemas.microsoft.com/office/drawing/2010/main" w="9525">
                   <a:solidFill>
                     <a:srgbClr val="000000"/>
                   </a:solidFill>
@@ -15592,7 +15607,7 @@
             </a:ln>
             <a:extLst>
               <a:ext uri="{91240B29-F687-4f45-9708-019B960494DF}">
-                <a14:hiddenLine xmlns:a14="http://schemas.microsoft.com/office/drawing/2010/main" xmlns:p14="http://schemas.microsoft.com/office/powerpoint/2010/main" xmlns:a16="http://schemas.microsoft.com/office/drawing/2014/main" xmlns="" w="9525">
+                <a14:hiddenLine xmlns="" xmlns:a16="http://schemas.microsoft.com/office/drawing/2014/main" xmlns:p14="http://schemas.microsoft.com/office/powerpoint/2010/main" xmlns:a14="http://schemas.microsoft.com/office/drawing/2010/main" w="9525">
                   <a:solidFill>
                     <a:srgbClr val="000000"/>
                   </a:solidFill>
@@ -15704,7 +15719,7 @@
             </a:ln>
             <a:extLst>
               <a:ext uri="{91240B29-F687-4f45-9708-019B960494DF}">
-                <a14:hiddenLine xmlns:a14="http://schemas.microsoft.com/office/drawing/2010/main" xmlns:p14="http://schemas.microsoft.com/office/powerpoint/2010/main" xmlns:a16="http://schemas.microsoft.com/office/drawing/2014/main" xmlns="" w="9525">
+                <a14:hiddenLine xmlns="" xmlns:a16="http://schemas.microsoft.com/office/drawing/2014/main" xmlns:p14="http://schemas.microsoft.com/office/powerpoint/2010/main" xmlns:a14="http://schemas.microsoft.com/office/drawing/2010/main" w="9525">
                   <a:solidFill>
                     <a:srgbClr val="000000"/>
                   </a:solidFill>
@@ -15816,7 +15831,7 @@
             </a:ln>
             <a:extLst>
               <a:ext uri="{91240B29-F687-4f45-9708-019B960494DF}">
-                <a14:hiddenLine xmlns:a14="http://schemas.microsoft.com/office/drawing/2010/main" xmlns:p14="http://schemas.microsoft.com/office/powerpoint/2010/main" xmlns:a16="http://schemas.microsoft.com/office/drawing/2014/main" xmlns="" w="9525">
+                <a14:hiddenLine xmlns="" xmlns:a16="http://schemas.microsoft.com/office/drawing/2014/main" xmlns:p14="http://schemas.microsoft.com/office/powerpoint/2010/main" xmlns:a14="http://schemas.microsoft.com/office/drawing/2010/main" w="9525">
                   <a:solidFill>
                     <a:srgbClr val="000000"/>
                   </a:solidFill>
@@ -15903,7 +15918,7 @@
             </a:ln>
             <a:extLst>
               <a:ext uri="{91240B29-F687-4f45-9708-019B960494DF}">
-                <a14:hiddenLine xmlns:a14="http://schemas.microsoft.com/office/drawing/2010/main" xmlns:p14="http://schemas.microsoft.com/office/powerpoint/2010/main" xmlns:a16="http://schemas.microsoft.com/office/drawing/2014/main" xmlns="" w="9525">
+                <a14:hiddenLine xmlns="" xmlns:a16="http://schemas.microsoft.com/office/drawing/2014/main" xmlns:p14="http://schemas.microsoft.com/office/powerpoint/2010/main" xmlns:a14="http://schemas.microsoft.com/office/drawing/2010/main" w="9525">
                   <a:solidFill>
                     <a:srgbClr val="000000"/>
                   </a:solidFill>
@@ -16045,7 +16060,7 @@
             </a:ln>
             <a:extLst>
               <a:ext uri="{91240B29-F687-4f45-9708-019B960494DF}">
-                <a14:hiddenLine xmlns:a14="http://schemas.microsoft.com/office/drawing/2010/main" xmlns:p14="http://schemas.microsoft.com/office/powerpoint/2010/main" xmlns:a16="http://schemas.microsoft.com/office/drawing/2014/main" xmlns="" w="9525">
+                <a14:hiddenLine xmlns="" xmlns:a16="http://schemas.microsoft.com/office/drawing/2014/main" xmlns:p14="http://schemas.microsoft.com/office/powerpoint/2010/main" xmlns:a14="http://schemas.microsoft.com/office/drawing/2010/main" w="9525">
                   <a:solidFill>
                     <a:srgbClr val="000000"/>
                   </a:solidFill>
@@ -16195,338 +16210,13 @@
               <a:buNone/>
             </a:pPr>
             <a:r>
-              <a:rPr lang="it-IT" dirty="0" err="1">
+              <a:rPr lang="it-IT" sz="2200" dirty="0">
                 <a:latin typeface="Calibri Light" panose="020F0302020204030204" pitchFamily="34" charset="0"/>
                 <a:ea typeface="Calibri Light" panose="020F0302020204030204" pitchFamily="34" charset="0"/>
                 <a:cs typeface="Calibri Light" panose="020F0302020204030204" pitchFamily="34" charset="0"/>
               </a:rPr>
-              <a:t>We</a:t>
+              <a:t>We decided to use the normal turtlebot 3 arena with some changes: we added 3 pairs of walls to form a simple maze that the robot should navigate without hitting said walls or any other solid object</a:t>
             </a:r>
-            <a:r>
-              <a:rPr lang="it-IT" dirty="0">
-                <a:latin typeface="Calibri Light" panose="020F0302020204030204" pitchFamily="34" charset="0"/>
-                <a:ea typeface="Calibri Light" panose="020F0302020204030204" pitchFamily="34" charset="0"/>
-                <a:cs typeface="Calibri Light" panose="020F0302020204030204" pitchFamily="34" charset="0"/>
-              </a:rPr>
-              <a:t> </a:t>
-            </a:r>
-            <a:r>
-              <a:rPr lang="it-IT" dirty="0" err="1">
-                <a:latin typeface="Calibri Light" panose="020F0302020204030204" pitchFamily="34" charset="0"/>
-                <a:ea typeface="Calibri Light" panose="020F0302020204030204" pitchFamily="34" charset="0"/>
-                <a:cs typeface="Calibri Light" panose="020F0302020204030204" pitchFamily="34" charset="0"/>
-              </a:rPr>
-              <a:t>decided</a:t>
-            </a:r>
-            <a:r>
-              <a:rPr lang="it-IT" dirty="0">
-                <a:latin typeface="Calibri Light" panose="020F0302020204030204" pitchFamily="34" charset="0"/>
-                <a:ea typeface="Calibri Light" panose="020F0302020204030204" pitchFamily="34" charset="0"/>
-                <a:cs typeface="Calibri Light" panose="020F0302020204030204" pitchFamily="34" charset="0"/>
-              </a:rPr>
-              <a:t> to use the </a:t>
-            </a:r>
-            <a:r>
-              <a:rPr lang="it-IT" dirty="0" err="1">
-                <a:latin typeface="Calibri Light" panose="020F0302020204030204" pitchFamily="34" charset="0"/>
-                <a:ea typeface="Calibri Light" panose="020F0302020204030204" pitchFamily="34" charset="0"/>
-                <a:cs typeface="Calibri Light" panose="020F0302020204030204" pitchFamily="34" charset="0"/>
-              </a:rPr>
-              <a:t>normal</a:t>
-            </a:r>
-            <a:r>
-              <a:rPr lang="it-IT" dirty="0">
-                <a:latin typeface="Calibri Light" panose="020F0302020204030204" pitchFamily="34" charset="0"/>
-                <a:ea typeface="Calibri Light" panose="020F0302020204030204" pitchFamily="34" charset="0"/>
-                <a:cs typeface="Calibri Light" panose="020F0302020204030204" pitchFamily="34" charset="0"/>
-              </a:rPr>
-              <a:t> </a:t>
-            </a:r>
-            <a:r>
-              <a:rPr lang="it-IT" dirty="0" err="1">
-                <a:latin typeface="Calibri Light" panose="020F0302020204030204" pitchFamily="34" charset="0"/>
-                <a:ea typeface="Calibri Light" panose="020F0302020204030204" pitchFamily="34" charset="0"/>
-                <a:cs typeface="Calibri Light" panose="020F0302020204030204" pitchFamily="34" charset="0"/>
-              </a:rPr>
-              <a:t>turtlebot</a:t>
-            </a:r>
-            <a:r>
-              <a:rPr lang="it-IT" dirty="0">
-                <a:latin typeface="Calibri Light" panose="020F0302020204030204" pitchFamily="34" charset="0"/>
-                <a:ea typeface="Calibri Light" panose="020F0302020204030204" pitchFamily="34" charset="0"/>
-                <a:cs typeface="Calibri Light" panose="020F0302020204030204" pitchFamily="34" charset="0"/>
-              </a:rPr>
-              <a:t> 3 arena with some </a:t>
-            </a:r>
-            <a:r>
-              <a:rPr lang="it-IT" dirty="0" err="1">
-                <a:latin typeface="Calibri Light" panose="020F0302020204030204" pitchFamily="34" charset="0"/>
-                <a:ea typeface="Calibri Light" panose="020F0302020204030204" pitchFamily="34" charset="0"/>
-                <a:cs typeface="Calibri Light" panose="020F0302020204030204" pitchFamily="34" charset="0"/>
-              </a:rPr>
-              <a:t>changes</a:t>
-            </a:r>
-            <a:r>
-              <a:rPr lang="it-IT" dirty="0">
-                <a:latin typeface="Calibri Light" panose="020F0302020204030204" pitchFamily="34" charset="0"/>
-                <a:ea typeface="Calibri Light" panose="020F0302020204030204" pitchFamily="34" charset="0"/>
-                <a:cs typeface="Calibri Light" panose="020F0302020204030204" pitchFamily="34" charset="0"/>
-              </a:rPr>
-              <a:t>: </a:t>
-            </a:r>
-            <a:r>
-              <a:rPr lang="it-IT" dirty="0" err="1">
-                <a:latin typeface="Calibri Light" panose="020F0302020204030204" pitchFamily="34" charset="0"/>
-                <a:ea typeface="Calibri Light" panose="020F0302020204030204" pitchFamily="34" charset="0"/>
-                <a:cs typeface="Calibri Light" panose="020F0302020204030204" pitchFamily="34" charset="0"/>
-              </a:rPr>
-              <a:t>we</a:t>
-            </a:r>
-            <a:r>
-              <a:rPr lang="it-IT" dirty="0">
-                <a:latin typeface="Calibri Light" panose="020F0302020204030204" pitchFamily="34" charset="0"/>
-                <a:ea typeface="Calibri Light" panose="020F0302020204030204" pitchFamily="34" charset="0"/>
-                <a:cs typeface="Calibri Light" panose="020F0302020204030204" pitchFamily="34" charset="0"/>
-              </a:rPr>
-              <a:t> </a:t>
-            </a:r>
-            <a:r>
-              <a:rPr lang="it-IT" dirty="0" err="1">
-                <a:latin typeface="Calibri Light" panose="020F0302020204030204" pitchFamily="34" charset="0"/>
-                <a:ea typeface="Calibri Light" panose="020F0302020204030204" pitchFamily="34" charset="0"/>
-                <a:cs typeface="Calibri Light" panose="020F0302020204030204" pitchFamily="34" charset="0"/>
-              </a:rPr>
-              <a:t>added</a:t>
-            </a:r>
-            <a:r>
-              <a:rPr lang="it-IT" dirty="0">
-                <a:latin typeface="Calibri Light" panose="020F0302020204030204" pitchFamily="34" charset="0"/>
-                <a:ea typeface="Calibri Light" panose="020F0302020204030204" pitchFamily="34" charset="0"/>
-                <a:cs typeface="Calibri Light" panose="020F0302020204030204" pitchFamily="34" charset="0"/>
-              </a:rPr>
-              <a:t> 3 </a:t>
-            </a:r>
-            <a:r>
-              <a:rPr lang="it-IT" dirty="0" err="1">
-                <a:latin typeface="Calibri Light" panose="020F0302020204030204" pitchFamily="34" charset="0"/>
-                <a:ea typeface="Calibri Light" panose="020F0302020204030204" pitchFamily="34" charset="0"/>
-                <a:cs typeface="Calibri Light" panose="020F0302020204030204" pitchFamily="34" charset="0"/>
-              </a:rPr>
-              <a:t>pairs</a:t>
-            </a:r>
-            <a:r>
-              <a:rPr lang="it-IT" dirty="0">
-                <a:latin typeface="Calibri Light" panose="020F0302020204030204" pitchFamily="34" charset="0"/>
-                <a:ea typeface="Calibri Light" panose="020F0302020204030204" pitchFamily="34" charset="0"/>
-                <a:cs typeface="Calibri Light" panose="020F0302020204030204" pitchFamily="34" charset="0"/>
-              </a:rPr>
-              <a:t> of </a:t>
-            </a:r>
-            <a:r>
-              <a:rPr lang="it-IT" dirty="0" err="1">
-                <a:latin typeface="Calibri Light" panose="020F0302020204030204" pitchFamily="34" charset="0"/>
-                <a:ea typeface="Calibri Light" panose="020F0302020204030204" pitchFamily="34" charset="0"/>
-                <a:cs typeface="Calibri Light" panose="020F0302020204030204" pitchFamily="34" charset="0"/>
-              </a:rPr>
-              <a:t>walls</a:t>
-            </a:r>
-            <a:r>
-              <a:rPr lang="it-IT" dirty="0">
-                <a:latin typeface="Calibri Light" panose="020F0302020204030204" pitchFamily="34" charset="0"/>
-                <a:ea typeface="Calibri Light" panose="020F0302020204030204" pitchFamily="34" charset="0"/>
-                <a:cs typeface="Calibri Light" panose="020F0302020204030204" pitchFamily="34" charset="0"/>
-              </a:rPr>
-              <a:t> to form a </a:t>
-            </a:r>
-            <a:r>
-              <a:rPr lang="it-IT" dirty="0" err="1">
-                <a:latin typeface="Calibri Light" panose="020F0302020204030204" pitchFamily="34" charset="0"/>
-                <a:ea typeface="Calibri Light" panose="020F0302020204030204" pitchFamily="34" charset="0"/>
-                <a:cs typeface="Calibri Light" panose="020F0302020204030204" pitchFamily="34" charset="0"/>
-              </a:rPr>
-              <a:t>simple</a:t>
-            </a:r>
-            <a:r>
-              <a:rPr lang="it-IT" dirty="0">
-                <a:latin typeface="Calibri Light" panose="020F0302020204030204" pitchFamily="34" charset="0"/>
-                <a:ea typeface="Calibri Light" panose="020F0302020204030204" pitchFamily="34" charset="0"/>
-                <a:cs typeface="Calibri Light" panose="020F0302020204030204" pitchFamily="34" charset="0"/>
-              </a:rPr>
-              <a:t> </a:t>
-            </a:r>
-            <a:r>
-              <a:rPr lang="it-IT" dirty="0" err="1">
-                <a:latin typeface="Calibri Light" panose="020F0302020204030204" pitchFamily="34" charset="0"/>
-                <a:ea typeface="Calibri Light" panose="020F0302020204030204" pitchFamily="34" charset="0"/>
-                <a:cs typeface="Calibri Light" panose="020F0302020204030204" pitchFamily="34" charset="0"/>
-              </a:rPr>
-              <a:t>maze</a:t>
-            </a:r>
-            <a:r>
-              <a:rPr lang="it-IT" dirty="0">
-                <a:latin typeface="Calibri Light" panose="020F0302020204030204" pitchFamily="34" charset="0"/>
-                <a:ea typeface="Calibri Light" panose="020F0302020204030204" pitchFamily="34" charset="0"/>
-                <a:cs typeface="Calibri Light" panose="020F0302020204030204" pitchFamily="34" charset="0"/>
-              </a:rPr>
-              <a:t> </a:t>
-            </a:r>
-            <a:r>
-              <a:rPr lang="it-IT" dirty="0" err="1">
-                <a:latin typeface="Calibri Light" panose="020F0302020204030204" pitchFamily="34" charset="0"/>
-                <a:ea typeface="Calibri Light" panose="020F0302020204030204" pitchFamily="34" charset="0"/>
-                <a:cs typeface="Calibri Light" panose="020F0302020204030204" pitchFamily="34" charset="0"/>
-              </a:rPr>
-              <a:t>that</a:t>
-            </a:r>
-            <a:r>
-              <a:rPr lang="it-IT" dirty="0">
-                <a:latin typeface="Calibri Light" panose="020F0302020204030204" pitchFamily="34" charset="0"/>
-                <a:ea typeface="Calibri Light" panose="020F0302020204030204" pitchFamily="34" charset="0"/>
-                <a:cs typeface="Calibri Light" panose="020F0302020204030204" pitchFamily="34" charset="0"/>
-              </a:rPr>
-              <a:t> the robot </a:t>
-            </a:r>
-            <a:r>
-              <a:rPr lang="it-IT" dirty="0" err="1">
-                <a:latin typeface="Calibri Light" panose="020F0302020204030204" pitchFamily="34" charset="0"/>
-                <a:ea typeface="Calibri Light" panose="020F0302020204030204" pitchFamily="34" charset="0"/>
-                <a:cs typeface="Calibri Light" panose="020F0302020204030204" pitchFamily="34" charset="0"/>
-              </a:rPr>
-              <a:t>should</a:t>
-            </a:r>
-            <a:r>
-              <a:rPr lang="it-IT" dirty="0">
-                <a:latin typeface="Calibri Light" panose="020F0302020204030204" pitchFamily="34" charset="0"/>
-                <a:ea typeface="Calibri Light" panose="020F0302020204030204" pitchFamily="34" charset="0"/>
-                <a:cs typeface="Calibri Light" panose="020F0302020204030204" pitchFamily="34" charset="0"/>
-              </a:rPr>
-              <a:t> navigate </a:t>
-            </a:r>
-            <a:r>
-              <a:rPr lang="it-IT" dirty="0" err="1">
-                <a:latin typeface="Calibri Light" panose="020F0302020204030204" pitchFamily="34" charset="0"/>
-                <a:ea typeface="Calibri Light" panose="020F0302020204030204" pitchFamily="34" charset="0"/>
-                <a:cs typeface="Calibri Light" panose="020F0302020204030204" pitchFamily="34" charset="0"/>
-              </a:rPr>
-              <a:t>without</a:t>
-            </a:r>
-            <a:r>
-              <a:rPr lang="it-IT" dirty="0">
-                <a:latin typeface="Calibri Light" panose="020F0302020204030204" pitchFamily="34" charset="0"/>
-                <a:ea typeface="Calibri Light" panose="020F0302020204030204" pitchFamily="34" charset="0"/>
-                <a:cs typeface="Calibri Light" panose="020F0302020204030204" pitchFamily="34" charset="0"/>
-              </a:rPr>
-              <a:t> </a:t>
-            </a:r>
-            <a:r>
-              <a:rPr lang="it-IT" dirty="0" err="1">
-                <a:latin typeface="Calibri Light" panose="020F0302020204030204" pitchFamily="34" charset="0"/>
-                <a:ea typeface="Calibri Light" panose="020F0302020204030204" pitchFamily="34" charset="0"/>
-                <a:cs typeface="Calibri Light" panose="020F0302020204030204" pitchFamily="34" charset="0"/>
-              </a:rPr>
-              <a:t>hitting</a:t>
-            </a:r>
-            <a:r>
-              <a:rPr lang="it-IT" dirty="0">
-                <a:latin typeface="Calibri Light" panose="020F0302020204030204" pitchFamily="34" charset="0"/>
-                <a:ea typeface="Calibri Light" panose="020F0302020204030204" pitchFamily="34" charset="0"/>
-                <a:cs typeface="Calibri Light" panose="020F0302020204030204" pitchFamily="34" charset="0"/>
-              </a:rPr>
-              <a:t> </a:t>
-            </a:r>
-            <a:r>
-              <a:rPr lang="it-IT" dirty="0" err="1">
-                <a:latin typeface="Calibri Light" panose="020F0302020204030204" pitchFamily="34" charset="0"/>
-                <a:ea typeface="Calibri Light" panose="020F0302020204030204" pitchFamily="34" charset="0"/>
-                <a:cs typeface="Calibri Light" panose="020F0302020204030204" pitchFamily="34" charset="0"/>
-              </a:rPr>
-              <a:t>said</a:t>
-            </a:r>
-            <a:r>
-              <a:rPr lang="it-IT" dirty="0">
-                <a:latin typeface="Calibri Light" panose="020F0302020204030204" pitchFamily="34" charset="0"/>
-                <a:ea typeface="Calibri Light" panose="020F0302020204030204" pitchFamily="34" charset="0"/>
-                <a:cs typeface="Calibri Light" panose="020F0302020204030204" pitchFamily="34" charset="0"/>
-              </a:rPr>
-              <a:t> </a:t>
-            </a:r>
-            <a:r>
-              <a:rPr lang="it-IT" dirty="0" err="1">
-                <a:latin typeface="Calibri Light" panose="020F0302020204030204" pitchFamily="34" charset="0"/>
-                <a:ea typeface="Calibri Light" panose="020F0302020204030204" pitchFamily="34" charset="0"/>
-                <a:cs typeface="Calibri Light" panose="020F0302020204030204" pitchFamily="34" charset="0"/>
-              </a:rPr>
-              <a:t>walls</a:t>
-            </a:r>
-            <a:r>
-              <a:rPr lang="it-IT" dirty="0">
-                <a:latin typeface="Calibri Light" panose="020F0302020204030204" pitchFamily="34" charset="0"/>
-                <a:ea typeface="Calibri Light" panose="020F0302020204030204" pitchFamily="34" charset="0"/>
-                <a:cs typeface="Calibri Light" panose="020F0302020204030204" pitchFamily="34" charset="0"/>
-              </a:rPr>
-              <a:t> or </a:t>
-            </a:r>
-            <a:r>
-              <a:rPr lang="it-IT" dirty="0" err="1">
-                <a:latin typeface="Calibri Light" panose="020F0302020204030204" pitchFamily="34" charset="0"/>
-                <a:ea typeface="Calibri Light" panose="020F0302020204030204" pitchFamily="34" charset="0"/>
-                <a:cs typeface="Calibri Light" panose="020F0302020204030204" pitchFamily="34" charset="0"/>
-              </a:rPr>
-              <a:t>any</a:t>
-            </a:r>
-            <a:r>
-              <a:rPr lang="it-IT" dirty="0">
-                <a:latin typeface="Calibri Light" panose="020F0302020204030204" pitchFamily="34" charset="0"/>
-                <a:ea typeface="Calibri Light" panose="020F0302020204030204" pitchFamily="34" charset="0"/>
-                <a:cs typeface="Calibri Light" panose="020F0302020204030204" pitchFamily="34" charset="0"/>
-              </a:rPr>
-              <a:t> </a:t>
-            </a:r>
-            <a:r>
-              <a:rPr lang="it-IT" dirty="0" err="1">
-                <a:latin typeface="Calibri Light" panose="020F0302020204030204" pitchFamily="34" charset="0"/>
-                <a:ea typeface="Calibri Light" panose="020F0302020204030204" pitchFamily="34" charset="0"/>
-                <a:cs typeface="Calibri Light" panose="020F0302020204030204" pitchFamily="34" charset="0"/>
-              </a:rPr>
-              <a:t>other</a:t>
-            </a:r>
-            <a:r>
-              <a:rPr lang="it-IT" dirty="0">
-                <a:latin typeface="Calibri Light" panose="020F0302020204030204" pitchFamily="34" charset="0"/>
-                <a:ea typeface="Calibri Light" panose="020F0302020204030204" pitchFamily="34" charset="0"/>
-                <a:cs typeface="Calibri Light" panose="020F0302020204030204" pitchFamily="34" charset="0"/>
-              </a:rPr>
-              <a:t> </a:t>
-            </a:r>
-            <a:r>
-              <a:rPr lang="it-IT" dirty="0" err="1">
-                <a:latin typeface="Calibri Light" panose="020F0302020204030204" pitchFamily="34" charset="0"/>
-                <a:ea typeface="Calibri Light" panose="020F0302020204030204" pitchFamily="34" charset="0"/>
-                <a:cs typeface="Calibri Light" panose="020F0302020204030204" pitchFamily="34" charset="0"/>
-              </a:rPr>
-              <a:t>solid</a:t>
-            </a:r>
-            <a:r>
-              <a:rPr lang="it-IT" dirty="0">
-                <a:latin typeface="Calibri Light" panose="020F0302020204030204" pitchFamily="34" charset="0"/>
-                <a:ea typeface="Calibri Light" panose="020F0302020204030204" pitchFamily="34" charset="0"/>
-                <a:cs typeface="Calibri Light" panose="020F0302020204030204" pitchFamily="34" charset="0"/>
-              </a:rPr>
-              <a:t> </a:t>
-            </a:r>
-            <a:r>
-              <a:rPr lang="it-IT" dirty="0" err="1">
-                <a:latin typeface="Calibri Light" panose="020F0302020204030204" pitchFamily="34" charset="0"/>
-                <a:ea typeface="Calibri Light" panose="020F0302020204030204" pitchFamily="34" charset="0"/>
-                <a:cs typeface="Calibri Light" panose="020F0302020204030204" pitchFamily="34" charset="0"/>
-              </a:rPr>
-              <a:t>object</a:t>
-            </a:r>
-            <a:endParaRPr lang="it-IT" dirty="0">
-              <a:latin typeface="Calibri Light" panose="020F0302020204030204" pitchFamily="34" charset="0"/>
-              <a:ea typeface="Calibri Light" panose="020F0302020204030204" pitchFamily="34" charset="0"/>
-              <a:cs typeface="Calibri Light" panose="020F0302020204030204" pitchFamily="34" charset="0"/>
-            </a:endParaRPr>
           </a:p>
         </p:txBody>
       </p:sp>
@@ -16558,7 +16248,7 @@
         </p:blipFill>
         <p:spPr>
           <a:xfrm>
-            <a:off x="5457591" y="3093245"/>
+            <a:off x="5457591" y="3099595"/>
             <a:ext cx="2998196" cy="3308349"/>
           </a:xfrm>
           <a:prstGeom prst="rect">
@@ -16750,7 +16440,7 @@
             </a:ln>
             <a:extLst>
               <a:ext uri="{91240B29-F687-4f45-9708-019B960494DF}">
-                <a14:hiddenLine xmlns:a14="http://schemas.microsoft.com/office/drawing/2010/main" xmlns:p14="http://schemas.microsoft.com/office/powerpoint/2010/main" xmlns:a16="http://schemas.microsoft.com/office/drawing/2014/main" xmlns="" w="9525">
+                <a14:hiddenLine xmlns="" xmlns:a16="http://schemas.microsoft.com/office/drawing/2014/main" xmlns:p14="http://schemas.microsoft.com/office/powerpoint/2010/main" xmlns:a14="http://schemas.microsoft.com/office/drawing/2010/main" w="9525">
                   <a:solidFill>
                     <a:srgbClr val="000000"/>
                   </a:solidFill>
@@ -16862,7 +16552,7 @@
             </a:ln>
             <a:extLst>
               <a:ext uri="{91240B29-F687-4f45-9708-019B960494DF}">
-                <a14:hiddenLine xmlns:a14="http://schemas.microsoft.com/office/drawing/2010/main" xmlns:p14="http://schemas.microsoft.com/office/powerpoint/2010/main" xmlns:a16="http://schemas.microsoft.com/office/drawing/2014/main" xmlns="" w="9525">
+                <a14:hiddenLine xmlns="" xmlns:a16="http://schemas.microsoft.com/office/drawing/2014/main" xmlns:p14="http://schemas.microsoft.com/office/powerpoint/2010/main" xmlns:a14="http://schemas.microsoft.com/office/drawing/2010/main" w="9525">
                   <a:solidFill>
                     <a:srgbClr val="000000"/>
                   </a:solidFill>
@@ -16974,7 +16664,7 @@
             </a:ln>
             <a:extLst>
               <a:ext uri="{91240B29-F687-4f45-9708-019B960494DF}">
-                <a14:hiddenLine xmlns:a14="http://schemas.microsoft.com/office/drawing/2010/main" xmlns:p14="http://schemas.microsoft.com/office/powerpoint/2010/main" xmlns:a16="http://schemas.microsoft.com/office/drawing/2014/main" xmlns="" w="9525">
+                <a14:hiddenLine xmlns="" xmlns:a16="http://schemas.microsoft.com/office/drawing/2014/main" xmlns:p14="http://schemas.microsoft.com/office/powerpoint/2010/main" xmlns:a14="http://schemas.microsoft.com/office/drawing/2010/main" w="9525">
                   <a:solidFill>
                     <a:srgbClr val="000000"/>
                   </a:solidFill>
@@ -17058,7 +16748,7 @@
             </a:ln>
             <a:extLst>
               <a:ext uri="{91240B29-F687-4f45-9708-019B960494DF}">
-                <a14:hiddenLine xmlns:a14="http://schemas.microsoft.com/office/drawing/2010/main" xmlns:p14="http://schemas.microsoft.com/office/powerpoint/2010/main" xmlns:a16="http://schemas.microsoft.com/office/drawing/2014/main" xmlns="" w="9525">
+                <a14:hiddenLine xmlns="" xmlns:a16="http://schemas.microsoft.com/office/drawing/2014/main" xmlns:p14="http://schemas.microsoft.com/office/powerpoint/2010/main" xmlns:a14="http://schemas.microsoft.com/office/drawing/2010/main" w="9525">
                   <a:solidFill>
                     <a:srgbClr val="000000"/>
                   </a:solidFill>
@@ -17170,7 +16860,7 @@
             </a:ln>
             <a:extLst>
               <a:ext uri="{91240B29-F687-4f45-9708-019B960494DF}">
-                <a14:hiddenLine xmlns:a14="http://schemas.microsoft.com/office/drawing/2010/main" xmlns:p14="http://schemas.microsoft.com/office/powerpoint/2010/main" xmlns:a16="http://schemas.microsoft.com/office/drawing/2014/main" xmlns="" w="9525">
+                <a14:hiddenLine xmlns="" xmlns:a16="http://schemas.microsoft.com/office/drawing/2014/main" xmlns:p14="http://schemas.microsoft.com/office/powerpoint/2010/main" xmlns:a14="http://schemas.microsoft.com/office/drawing/2010/main" w="9525">
                   <a:solidFill>
                     <a:srgbClr val="000000"/>
                   </a:solidFill>
@@ -17254,7 +16944,7 @@
             </a:ln>
             <a:extLst>
               <a:ext uri="{91240B29-F687-4f45-9708-019B960494DF}">
-                <a14:hiddenLine xmlns:a14="http://schemas.microsoft.com/office/drawing/2010/main" xmlns:p14="http://schemas.microsoft.com/office/powerpoint/2010/main" xmlns:a16="http://schemas.microsoft.com/office/drawing/2014/main" xmlns="" w="9525">
+                <a14:hiddenLine xmlns="" xmlns:a16="http://schemas.microsoft.com/office/drawing/2014/main" xmlns:p14="http://schemas.microsoft.com/office/powerpoint/2010/main" xmlns:a14="http://schemas.microsoft.com/office/drawing/2010/main" w="9525">
                   <a:solidFill>
                     <a:srgbClr val="000000"/>
                   </a:solidFill>
@@ -17338,7 +17028,7 @@
             </a:ln>
             <a:extLst>
               <a:ext uri="{91240B29-F687-4f45-9708-019B960494DF}">
-                <a14:hiddenLine xmlns:a14="http://schemas.microsoft.com/office/drawing/2010/main" xmlns:p14="http://schemas.microsoft.com/office/powerpoint/2010/main" xmlns:a16="http://schemas.microsoft.com/office/drawing/2014/main" xmlns="" w="9525">
+                <a14:hiddenLine xmlns="" xmlns:a16="http://schemas.microsoft.com/office/drawing/2014/main" xmlns:p14="http://schemas.microsoft.com/office/powerpoint/2010/main" xmlns:a14="http://schemas.microsoft.com/office/drawing/2010/main" w="9525">
                   <a:solidFill>
                     <a:srgbClr val="000000"/>
                   </a:solidFill>
@@ -17450,7 +17140,7 @@
             </a:ln>
             <a:extLst>
               <a:ext uri="{91240B29-F687-4f45-9708-019B960494DF}">
-                <a14:hiddenLine xmlns:a14="http://schemas.microsoft.com/office/drawing/2010/main" xmlns:p14="http://schemas.microsoft.com/office/powerpoint/2010/main" xmlns:a16="http://schemas.microsoft.com/office/drawing/2014/main" xmlns="" w="9525">
+                <a14:hiddenLine xmlns="" xmlns:a16="http://schemas.microsoft.com/office/drawing/2014/main" xmlns:p14="http://schemas.microsoft.com/office/powerpoint/2010/main" xmlns:a14="http://schemas.microsoft.com/office/drawing/2010/main" w="9525">
                   <a:solidFill>
                     <a:srgbClr val="000000"/>
                   </a:solidFill>
@@ -17562,7 +17252,7 @@
             </a:ln>
             <a:extLst>
               <a:ext uri="{91240B29-F687-4f45-9708-019B960494DF}">
-                <a14:hiddenLine xmlns:a14="http://schemas.microsoft.com/office/drawing/2010/main" xmlns:p14="http://schemas.microsoft.com/office/powerpoint/2010/main" xmlns:a16="http://schemas.microsoft.com/office/drawing/2014/main" xmlns="" w="9525">
+                <a14:hiddenLine xmlns="" xmlns:a16="http://schemas.microsoft.com/office/drawing/2014/main" xmlns:p14="http://schemas.microsoft.com/office/powerpoint/2010/main" xmlns:a14="http://schemas.microsoft.com/office/drawing/2010/main" w="9525">
                   <a:solidFill>
                     <a:srgbClr val="000000"/>
                   </a:solidFill>
@@ -17646,7 +17336,7 @@
             </a:ln>
             <a:extLst>
               <a:ext uri="{91240B29-F687-4f45-9708-019B960494DF}">
-                <a14:hiddenLine xmlns:a14="http://schemas.microsoft.com/office/drawing/2010/main" xmlns:p14="http://schemas.microsoft.com/office/powerpoint/2010/main" xmlns:a16="http://schemas.microsoft.com/office/drawing/2014/main" xmlns="" w="9525">
+                <a14:hiddenLine xmlns="" xmlns:a16="http://schemas.microsoft.com/office/drawing/2014/main" xmlns:p14="http://schemas.microsoft.com/office/powerpoint/2010/main" xmlns:a14="http://schemas.microsoft.com/office/drawing/2010/main" w="9525">
                   <a:solidFill>
                     <a:srgbClr val="000000"/>
                   </a:solidFill>
@@ -17778,7 +17468,7 @@
             </a:ln>
             <a:extLst>
               <a:ext uri="{91240B29-F687-4f45-9708-019B960494DF}">
-                <a14:hiddenLine xmlns:a14="http://schemas.microsoft.com/office/drawing/2010/main" xmlns:p14="http://schemas.microsoft.com/office/powerpoint/2010/main" xmlns:a16="http://schemas.microsoft.com/office/drawing/2014/main" xmlns="" w="9525">
+                <a14:hiddenLine xmlns="" xmlns:a16="http://schemas.microsoft.com/office/drawing/2014/main" xmlns:p14="http://schemas.microsoft.com/office/powerpoint/2010/main" xmlns:a14="http://schemas.microsoft.com/office/drawing/2010/main" w="9525">
                   <a:solidFill>
                     <a:srgbClr val="000000"/>
                   </a:solidFill>
@@ -17906,7 +17596,7 @@
             </a:ln>
             <a:extLst>
               <a:ext uri="{91240B29-F687-4f45-9708-019B960494DF}">
-                <a14:hiddenLine xmlns:a14="http://schemas.microsoft.com/office/drawing/2010/main" xmlns:p14="http://schemas.microsoft.com/office/powerpoint/2010/main" xmlns:a16="http://schemas.microsoft.com/office/drawing/2014/main" xmlns="" w="9525">
+                <a14:hiddenLine xmlns="" xmlns:a16="http://schemas.microsoft.com/office/drawing/2014/main" xmlns:p14="http://schemas.microsoft.com/office/powerpoint/2010/main" xmlns:a14="http://schemas.microsoft.com/office/drawing/2010/main" w="9525">
                   <a:solidFill>
                     <a:srgbClr val="000000"/>
                   </a:solidFill>
@@ -17990,7 +17680,7 @@
             </a:ln>
             <a:extLst>
               <a:ext uri="{91240B29-F687-4f45-9708-019B960494DF}">
-                <a14:hiddenLine xmlns:a14="http://schemas.microsoft.com/office/drawing/2010/main" xmlns:p14="http://schemas.microsoft.com/office/powerpoint/2010/main" xmlns:a16="http://schemas.microsoft.com/office/drawing/2014/main" xmlns="" w="9525">
+                <a14:hiddenLine xmlns="" xmlns:a16="http://schemas.microsoft.com/office/drawing/2014/main" xmlns:p14="http://schemas.microsoft.com/office/powerpoint/2010/main" xmlns:a14="http://schemas.microsoft.com/office/drawing/2010/main" w="9525">
                   <a:solidFill>
                     <a:srgbClr val="000000"/>
                   </a:solidFill>
@@ -18074,7 +17764,7 @@
             </a:ln>
             <a:extLst>
               <a:ext uri="{91240B29-F687-4f45-9708-019B960494DF}">
-                <a14:hiddenLine xmlns:a14="http://schemas.microsoft.com/office/drawing/2010/main" xmlns:p14="http://schemas.microsoft.com/office/powerpoint/2010/main" xmlns:a16="http://schemas.microsoft.com/office/drawing/2014/main" xmlns="" w="9525">
+                <a14:hiddenLine xmlns="" xmlns:a16="http://schemas.microsoft.com/office/drawing/2014/main" xmlns:p14="http://schemas.microsoft.com/office/powerpoint/2010/main" xmlns:a14="http://schemas.microsoft.com/office/drawing/2010/main" w="9525">
                   <a:solidFill>
                     <a:srgbClr val="000000"/>
                   </a:solidFill>
@@ -18186,7 +17876,7 @@
             </a:ln>
             <a:extLst>
               <a:ext uri="{91240B29-F687-4f45-9708-019B960494DF}">
-                <a14:hiddenLine xmlns:a14="http://schemas.microsoft.com/office/drawing/2010/main" xmlns:p14="http://schemas.microsoft.com/office/powerpoint/2010/main" xmlns:a16="http://schemas.microsoft.com/office/drawing/2014/main" xmlns="" w="9525">
+                <a14:hiddenLine xmlns="" xmlns:a16="http://schemas.microsoft.com/office/drawing/2014/main" xmlns:p14="http://schemas.microsoft.com/office/powerpoint/2010/main" xmlns:a14="http://schemas.microsoft.com/office/drawing/2010/main" w="9525">
                   <a:solidFill>
                     <a:srgbClr val="000000"/>
                   </a:solidFill>
@@ -18242,7 +17932,7 @@
             </a:ln>
             <a:extLst>
               <a:ext uri="{91240B29-F687-4f45-9708-019B960494DF}">
-                <a14:hiddenLine xmlns:a14="http://schemas.microsoft.com/office/drawing/2010/main" xmlns:p14="http://schemas.microsoft.com/office/powerpoint/2010/main" xmlns:a16="http://schemas.microsoft.com/office/drawing/2014/main" xmlns="" w="9525">
+                <a14:hiddenLine xmlns="" xmlns:a16="http://schemas.microsoft.com/office/drawing/2014/main" xmlns:p14="http://schemas.microsoft.com/office/powerpoint/2010/main" xmlns:a14="http://schemas.microsoft.com/office/drawing/2010/main" w="9525">
                   <a:solidFill>
                     <a:srgbClr val="000000"/>
                   </a:solidFill>
@@ -18329,7 +18019,7 @@
             </a:ln>
             <a:extLst>
               <a:ext uri="{91240B29-F687-4f45-9708-019B960494DF}">
-                <a14:hiddenLine xmlns:a14="http://schemas.microsoft.com/office/drawing/2010/main" xmlns:p14="http://schemas.microsoft.com/office/powerpoint/2010/main" xmlns:a16="http://schemas.microsoft.com/office/drawing/2014/main" xmlns="" w="9525">
+                <a14:hiddenLine xmlns="" xmlns:a16="http://schemas.microsoft.com/office/drawing/2014/main" xmlns:p14="http://schemas.microsoft.com/office/powerpoint/2010/main" xmlns:a14="http://schemas.microsoft.com/office/drawing/2010/main" w="9525">
                   <a:solidFill>
                     <a:srgbClr val="000000"/>
                   </a:solidFill>
@@ -18441,7 +18131,7 @@
             </a:ln>
             <a:extLst>
               <a:ext uri="{91240B29-F687-4f45-9708-019B960494DF}">
-                <a14:hiddenLine xmlns:a14="http://schemas.microsoft.com/office/drawing/2010/main" xmlns:p14="http://schemas.microsoft.com/office/powerpoint/2010/main" xmlns:a16="http://schemas.microsoft.com/office/drawing/2014/main" xmlns="" w="9525">
+                <a14:hiddenLine xmlns="" xmlns:a16="http://schemas.microsoft.com/office/drawing/2014/main" xmlns:p14="http://schemas.microsoft.com/office/powerpoint/2010/main" xmlns:a14="http://schemas.microsoft.com/office/drawing/2010/main" w="9525">
                   <a:solidFill>
                     <a:srgbClr val="000000"/>
                   </a:solidFill>
@@ -18525,7 +18215,7 @@
             </a:ln>
             <a:extLst>
               <a:ext uri="{91240B29-F687-4f45-9708-019B960494DF}">
-                <a14:hiddenLine xmlns:a14="http://schemas.microsoft.com/office/drawing/2010/main" xmlns:p14="http://schemas.microsoft.com/office/powerpoint/2010/main" xmlns:a16="http://schemas.microsoft.com/office/drawing/2014/main" xmlns="" w="9525">
+                <a14:hiddenLine xmlns="" xmlns:a16="http://schemas.microsoft.com/office/drawing/2014/main" xmlns:p14="http://schemas.microsoft.com/office/powerpoint/2010/main" xmlns:a14="http://schemas.microsoft.com/office/drawing/2010/main" w="9525">
                   <a:solidFill>
                     <a:srgbClr val="000000"/>
                   </a:solidFill>
@@ -18637,7 +18327,7 @@
             </a:ln>
             <a:extLst>
               <a:ext uri="{91240B29-F687-4f45-9708-019B960494DF}">
-                <a14:hiddenLine xmlns:a14="http://schemas.microsoft.com/office/drawing/2010/main" xmlns:p14="http://schemas.microsoft.com/office/powerpoint/2010/main" xmlns:a16="http://schemas.microsoft.com/office/drawing/2014/main" xmlns="" w="9525">
+                <a14:hiddenLine xmlns="" xmlns:a16="http://schemas.microsoft.com/office/drawing/2014/main" xmlns:p14="http://schemas.microsoft.com/office/powerpoint/2010/main" xmlns:a14="http://schemas.microsoft.com/office/drawing/2010/main" w="9525">
                   <a:solidFill>
                     <a:srgbClr val="000000"/>
                   </a:solidFill>
@@ -18724,7 +18414,7 @@
             </a:ln>
             <a:extLst>
               <a:ext uri="{91240B29-F687-4f45-9708-019B960494DF}">
-                <a14:hiddenLine xmlns:a14="http://schemas.microsoft.com/office/drawing/2010/main" xmlns:p14="http://schemas.microsoft.com/office/powerpoint/2010/main" xmlns:a16="http://schemas.microsoft.com/office/drawing/2014/main" xmlns="" w="9525">
+                <a14:hiddenLine xmlns="" xmlns:a16="http://schemas.microsoft.com/office/drawing/2014/main" xmlns:p14="http://schemas.microsoft.com/office/powerpoint/2010/main" xmlns:a14="http://schemas.microsoft.com/office/drawing/2010/main" w="9525">
                   <a:solidFill>
                     <a:srgbClr val="000000"/>
                   </a:solidFill>
@@ -18808,7 +18498,7 @@
             </a:ln>
             <a:extLst>
               <a:ext uri="{91240B29-F687-4f45-9708-019B960494DF}">
-                <a14:hiddenLine xmlns:a14="http://schemas.microsoft.com/office/drawing/2010/main" xmlns:p14="http://schemas.microsoft.com/office/powerpoint/2010/main" xmlns:a16="http://schemas.microsoft.com/office/drawing/2014/main" xmlns="" w="9525">
+                <a14:hiddenLine xmlns="" xmlns:a16="http://schemas.microsoft.com/office/drawing/2014/main" xmlns:p14="http://schemas.microsoft.com/office/powerpoint/2010/main" xmlns:a14="http://schemas.microsoft.com/office/drawing/2010/main" w="9525">
                   <a:solidFill>
                     <a:srgbClr val="000000"/>
                   </a:solidFill>
@@ -18920,7 +18610,7 @@
             </a:ln>
             <a:extLst>
               <a:ext uri="{91240B29-F687-4f45-9708-019B960494DF}">
-                <a14:hiddenLine xmlns:a14="http://schemas.microsoft.com/office/drawing/2010/main" xmlns:p14="http://schemas.microsoft.com/office/powerpoint/2010/main" xmlns:a16="http://schemas.microsoft.com/office/drawing/2014/main" xmlns="" w="9525">
+                <a14:hiddenLine xmlns="" xmlns:a16="http://schemas.microsoft.com/office/drawing/2014/main" xmlns:p14="http://schemas.microsoft.com/office/powerpoint/2010/main" xmlns:a14="http://schemas.microsoft.com/office/drawing/2010/main" w="9525">
                   <a:solidFill>
                     <a:srgbClr val="000000"/>
                   </a:solidFill>
@@ -19032,7 +18722,7 @@
             </a:ln>
             <a:extLst>
               <a:ext uri="{91240B29-F687-4f45-9708-019B960494DF}">
-                <a14:hiddenLine xmlns:a14="http://schemas.microsoft.com/office/drawing/2010/main" xmlns:p14="http://schemas.microsoft.com/office/powerpoint/2010/main" xmlns:a16="http://schemas.microsoft.com/office/drawing/2014/main" xmlns="" w="9525">
+                <a14:hiddenLine xmlns="" xmlns:a16="http://schemas.microsoft.com/office/drawing/2014/main" xmlns:p14="http://schemas.microsoft.com/office/powerpoint/2010/main" xmlns:a14="http://schemas.microsoft.com/office/drawing/2010/main" w="9525">
                   <a:solidFill>
                     <a:srgbClr val="000000"/>
                   </a:solidFill>
@@ -19119,7 +18809,7 @@
             </a:ln>
             <a:extLst>
               <a:ext uri="{91240B29-F687-4f45-9708-019B960494DF}">
-                <a14:hiddenLine xmlns:a14="http://schemas.microsoft.com/office/drawing/2010/main" xmlns:p14="http://schemas.microsoft.com/office/powerpoint/2010/main" xmlns:a16="http://schemas.microsoft.com/office/drawing/2014/main" xmlns="" w="9525">
+                <a14:hiddenLine xmlns="" xmlns:a16="http://schemas.microsoft.com/office/drawing/2014/main" xmlns:p14="http://schemas.microsoft.com/office/powerpoint/2010/main" xmlns:a14="http://schemas.microsoft.com/office/drawing/2010/main" w="9525">
                   <a:solidFill>
                     <a:srgbClr val="000000"/>
                   </a:solidFill>
@@ -19261,7 +18951,7 @@
             </a:ln>
             <a:extLst>
               <a:ext uri="{91240B29-F687-4f45-9708-019B960494DF}">
-                <a14:hiddenLine xmlns:a14="http://schemas.microsoft.com/office/drawing/2010/main" xmlns:p14="http://schemas.microsoft.com/office/powerpoint/2010/main" xmlns:a16="http://schemas.microsoft.com/office/drawing/2014/main" xmlns="" w="9525">
+                <a14:hiddenLine xmlns="" xmlns:a16="http://schemas.microsoft.com/office/drawing/2014/main" xmlns:p14="http://schemas.microsoft.com/office/powerpoint/2010/main" xmlns:a14="http://schemas.microsoft.com/office/drawing/2010/main" w="9525">
                   <a:solidFill>
                     <a:srgbClr val="000000"/>
                   </a:solidFill>
@@ -19398,8 +19088,8 @@
         </p:nvSpPr>
         <p:spPr>
           <a:xfrm>
-            <a:off x="4744146" y="1892299"/>
-            <a:ext cx="7395467" cy="4697413"/>
+            <a:off x="4701283" y="891382"/>
+            <a:ext cx="7395467" cy="5051424"/>
           </a:xfrm>
         </p:spPr>
         <p:txBody>
@@ -19412,316 +19102,61 @@
               <a:buNone/>
             </a:pPr>
             <a:r>
-              <a:rPr lang="it-IT" dirty="0">
+              <a:rPr lang="it-IT" sz="2200" b="1" dirty="0">
                 <a:latin typeface="Calibri Light" panose="020F0302020204030204" pitchFamily="34" charset="0"/>
                 <a:ea typeface="Calibri Light" panose="020F0302020204030204" pitchFamily="34" charset="0"/>
                 <a:cs typeface="Calibri Light" panose="020F0302020204030204" pitchFamily="34" charset="0"/>
               </a:rPr>
-              <a:t>The </a:t>
+              <a:t>Primary task: </a:t>
             </a:r>
+          </a:p>
+          <a:p>
+            <a:pPr marL="0" indent="0">
+              <a:buNone/>
+            </a:pPr>
             <a:r>
-              <a:rPr lang="it-IT" dirty="0" err="1">
+              <a:rPr lang="it-IT" sz="2200" dirty="0">
                 <a:latin typeface="Calibri Light" panose="020F0302020204030204" pitchFamily="34" charset="0"/>
                 <a:ea typeface="Calibri Light" panose="020F0302020204030204" pitchFamily="34" charset="0"/>
                 <a:cs typeface="Calibri Light" panose="020F0302020204030204" pitchFamily="34" charset="0"/>
               </a:rPr>
-              <a:t>chosen</a:t>
+              <a:t>The chosen task is for the robot to navigate the maze without hitting the walls, the columns or the perimeter of the arena and after that, at the end of the arena, there is a specific position the robot should go towards until it reaches it.</a:t>
             </a:r>
+          </a:p>
+          <a:p>
+            <a:pPr marL="0" indent="0">
+              <a:buNone/>
+            </a:pPr>
+            <a:endParaRPr lang="it-IT" sz="2200" dirty="0">
+              <a:latin typeface="Calibri Light" panose="020F0302020204030204" pitchFamily="34" charset="0"/>
+              <a:ea typeface="Calibri Light" panose="020F0302020204030204" pitchFamily="34" charset="0"/>
+              <a:cs typeface="Calibri Light" panose="020F0302020204030204" pitchFamily="34" charset="0"/>
+            </a:endParaRPr>
+          </a:p>
+          <a:p>
+            <a:pPr marL="0" indent="0">
+              <a:buNone/>
+            </a:pPr>
             <a:r>
-              <a:rPr lang="it-IT" dirty="0">
+              <a:rPr lang="it-IT" sz="2200" b="1" dirty="0">
                 <a:latin typeface="Calibri Light" panose="020F0302020204030204" pitchFamily="34" charset="0"/>
                 <a:ea typeface="Calibri Light" panose="020F0302020204030204" pitchFamily="34" charset="0"/>
                 <a:cs typeface="Calibri Light" panose="020F0302020204030204" pitchFamily="34" charset="0"/>
               </a:rPr>
-              <a:t> task </a:t>
+              <a:t>Optional task:</a:t>
             </a:r>
+          </a:p>
+          <a:p>
+            <a:pPr marL="0" indent="0">
+              <a:buNone/>
+            </a:pPr>
             <a:r>
-              <a:rPr lang="it-IT" dirty="0" err="1">
+              <a:rPr lang="it-IT" sz="2200" dirty="0">
                 <a:latin typeface="Calibri Light" panose="020F0302020204030204" pitchFamily="34" charset="0"/>
                 <a:ea typeface="Calibri Light" panose="020F0302020204030204" pitchFamily="34" charset="0"/>
                 <a:cs typeface="Calibri Light" panose="020F0302020204030204" pitchFamily="34" charset="0"/>
               </a:rPr>
-              <a:t>is</a:t>
-            </a:r>
-            <a:r>
-              <a:rPr lang="it-IT" dirty="0">
-                <a:latin typeface="Calibri Light" panose="020F0302020204030204" pitchFamily="34" charset="0"/>
-                <a:ea typeface="Calibri Light" panose="020F0302020204030204" pitchFamily="34" charset="0"/>
-                <a:cs typeface="Calibri Light" panose="020F0302020204030204" pitchFamily="34" charset="0"/>
-              </a:rPr>
-              <a:t> for the robot to navigate the </a:t>
-            </a:r>
-            <a:r>
-              <a:rPr lang="it-IT" dirty="0" err="1">
-                <a:latin typeface="Calibri Light" panose="020F0302020204030204" pitchFamily="34" charset="0"/>
-                <a:ea typeface="Calibri Light" panose="020F0302020204030204" pitchFamily="34" charset="0"/>
-                <a:cs typeface="Calibri Light" panose="020F0302020204030204" pitchFamily="34" charset="0"/>
-              </a:rPr>
-              <a:t>maze</a:t>
-            </a:r>
-            <a:r>
-              <a:rPr lang="it-IT" dirty="0">
-                <a:latin typeface="Calibri Light" panose="020F0302020204030204" pitchFamily="34" charset="0"/>
-                <a:ea typeface="Calibri Light" panose="020F0302020204030204" pitchFamily="34" charset="0"/>
-                <a:cs typeface="Calibri Light" panose="020F0302020204030204" pitchFamily="34" charset="0"/>
-              </a:rPr>
-              <a:t> </a:t>
-            </a:r>
-            <a:r>
-              <a:rPr lang="it-IT" dirty="0" err="1">
-                <a:latin typeface="Calibri Light" panose="020F0302020204030204" pitchFamily="34" charset="0"/>
-                <a:ea typeface="Calibri Light" panose="020F0302020204030204" pitchFamily="34" charset="0"/>
-                <a:cs typeface="Calibri Light" panose="020F0302020204030204" pitchFamily="34" charset="0"/>
-              </a:rPr>
-              <a:t>without</a:t>
-            </a:r>
-            <a:r>
-              <a:rPr lang="it-IT" dirty="0">
-                <a:latin typeface="Calibri Light" panose="020F0302020204030204" pitchFamily="34" charset="0"/>
-                <a:ea typeface="Calibri Light" panose="020F0302020204030204" pitchFamily="34" charset="0"/>
-                <a:cs typeface="Calibri Light" panose="020F0302020204030204" pitchFamily="34" charset="0"/>
-              </a:rPr>
-              <a:t> </a:t>
-            </a:r>
-            <a:r>
-              <a:rPr lang="it-IT" dirty="0" err="1">
-                <a:latin typeface="Calibri Light" panose="020F0302020204030204" pitchFamily="34" charset="0"/>
-                <a:ea typeface="Calibri Light" panose="020F0302020204030204" pitchFamily="34" charset="0"/>
-                <a:cs typeface="Calibri Light" panose="020F0302020204030204" pitchFamily="34" charset="0"/>
-              </a:rPr>
-              <a:t>hitting</a:t>
-            </a:r>
-            <a:r>
-              <a:rPr lang="it-IT" dirty="0">
-                <a:latin typeface="Calibri Light" panose="020F0302020204030204" pitchFamily="34" charset="0"/>
-                <a:ea typeface="Calibri Light" panose="020F0302020204030204" pitchFamily="34" charset="0"/>
-                <a:cs typeface="Calibri Light" panose="020F0302020204030204" pitchFamily="34" charset="0"/>
-              </a:rPr>
-              <a:t> the </a:t>
-            </a:r>
-            <a:r>
-              <a:rPr lang="it-IT" dirty="0" err="1">
-                <a:latin typeface="Calibri Light" panose="020F0302020204030204" pitchFamily="34" charset="0"/>
-                <a:ea typeface="Calibri Light" panose="020F0302020204030204" pitchFamily="34" charset="0"/>
-                <a:cs typeface="Calibri Light" panose="020F0302020204030204" pitchFamily="34" charset="0"/>
-              </a:rPr>
-              <a:t>walls</a:t>
-            </a:r>
-            <a:r>
-              <a:rPr lang="it-IT" dirty="0">
-                <a:latin typeface="Calibri Light" panose="020F0302020204030204" pitchFamily="34" charset="0"/>
-                <a:ea typeface="Calibri Light" panose="020F0302020204030204" pitchFamily="34" charset="0"/>
-                <a:cs typeface="Calibri Light" panose="020F0302020204030204" pitchFamily="34" charset="0"/>
-              </a:rPr>
-              <a:t>, the </a:t>
-            </a:r>
-            <a:r>
-              <a:rPr lang="it-IT" dirty="0" err="1">
-                <a:latin typeface="Calibri Light" panose="020F0302020204030204" pitchFamily="34" charset="0"/>
-                <a:ea typeface="Calibri Light" panose="020F0302020204030204" pitchFamily="34" charset="0"/>
-                <a:cs typeface="Calibri Light" panose="020F0302020204030204" pitchFamily="34" charset="0"/>
-              </a:rPr>
-              <a:t>columns</a:t>
-            </a:r>
-            <a:r>
-              <a:rPr lang="it-IT" dirty="0">
-                <a:latin typeface="Calibri Light" panose="020F0302020204030204" pitchFamily="34" charset="0"/>
-                <a:ea typeface="Calibri Light" panose="020F0302020204030204" pitchFamily="34" charset="0"/>
-                <a:cs typeface="Calibri Light" panose="020F0302020204030204" pitchFamily="34" charset="0"/>
-              </a:rPr>
-              <a:t> or the </a:t>
-            </a:r>
-            <a:r>
-              <a:rPr lang="it-IT" dirty="0" err="1">
-                <a:latin typeface="Calibri Light" panose="020F0302020204030204" pitchFamily="34" charset="0"/>
-                <a:ea typeface="Calibri Light" panose="020F0302020204030204" pitchFamily="34" charset="0"/>
-                <a:cs typeface="Calibri Light" panose="020F0302020204030204" pitchFamily="34" charset="0"/>
-              </a:rPr>
-              <a:t>perimeter</a:t>
-            </a:r>
-            <a:r>
-              <a:rPr lang="it-IT" dirty="0">
-                <a:latin typeface="Calibri Light" panose="020F0302020204030204" pitchFamily="34" charset="0"/>
-                <a:ea typeface="Calibri Light" panose="020F0302020204030204" pitchFamily="34" charset="0"/>
-                <a:cs typeface="Calibri Light" panose="020F0302020204030204" pitchFamily="34" charset="0"/>
-              </a:rPr>
-              <a:t> of the arena and after </a:t>
-            </a:r>
-            <a:r>
-              <a:rPr lang="it-IT" dirty="0" err="1">
-                <a:latin typeface="Calibri Light" panose="020F0302020204030204" pitchFamily="34" charset="0"/>
-                <a:ea typeface="Calibri Light" panose="020F0302020204030204" pitchFamily="34" charset="0"/>
-                <a:cs typeface="Calibri Light" panose="020F0302020204030204" pitchFamily="34" charset="0"/>
-              </a:rPr>
-              <a:t>that</a:t>
-            </a:r>
-            <a:r>
-              <a:rPr lang="it-IT" dirty="0">
-                <a:latin typeface="Calibri Light" panose="020F0302020204030204" pitchFamily="34" charset="0"/>
-                <a:ea typeface="Calibri Light" panose="020F0302020204030204" pitchFamily="34" charset="0"/>
-                <a:cs typeface="Calibri Light" panose="020F0302020204030204" pitchFamily="34" charset="0"/>
-              </a:rPr>
-              <a:t>, </a:t>
-            </a:r>
-            <a:r>
-              <a:rPr lang="it-IT" dirty="0" err="1">
-                <a:latin typeface="Calibri Light" panose="020F0302020204030204" pitchFamily="34" charset="0"/>
-                <a:ea typeface="Calibri Light" panose="020F0302020204030204" pitchFamily="34" charset="0"/>
-                <a:cs typeface="Calibri Light" panose="020F0302020204030204" pitchFamily="34" charset="0"/>
-              </a:rPr>
-              <a:t>at</a:t>
-            </a:r>
-            <a:r>
-              <a:rPr lang="it-IT" dirty="0">
-                <a:latin typeface="Calibri Light" panose="020F0302020204030204" pitchFamily="34" charset="0"/>
-                <a:ea typeface="Calibri Light" panose="020F0302020204030204" pitchFamily="34" charset="0"/>
-                <a:cs typeface="Calibri Light" panose="020F0302020204030204" pitchFamily="34" charset="0"/>
-              </a:rPr>
-              <a:t> the end of the arena, </a:t>
-            </a:r>
-            <a:r>
-              <a:rPr lang="it-IT" dirty="0" err="1">
-                <a:latin typeface="Calibri Light" panose="020F0302020204030204" pitchFamily="34" charset="0"/>
-                <a:ea typeface="Calibri Light" panose="020F0302020204030204" pitchFamily="34" charset="0"/>
-                <a:cs typeface="Calibri Light" panose="020F0302020204030204" pitchFamily="34" charset="0"/>
-              </a:rPr>
-              <a:t>there</a:t>
-            </a:r>
-            <a:r>
-              <a:rPr lang="it-IT" dirty="0">
-                <a:latin typeface="Calibri Light" panose="020F0302020204030204" pitchFamily="34" charset="0"/>
-                <a:ea typeface="Calibri Light" panose="020F0302020204030204" pitchFamily="34" charset="0"/>
-                <a:cs typeface="Calibri Light" panose="020F0302020204030204" pitchFamily="34" charset="0"/>
-              </a:rPr>
-              <a:t> </a:t>
-            </a:r>
-            <a:r>
-              <a:rPr lang="it-IT" dirty="0" err="1">
-                <a:latin typeface="Calibri Light" panose="020F0302020204030204" pitchFamily="34" charset="0"/>
-                <a:ea typeface="Calibri Light" panose="020F0302020204030204" pitchFamily="34" charset="0"/>
-                <a:cs typeface="Calibri Light" panose="020F0302020204030204" pitchFamily="34" charset="0"/>
-              </a:rPr>
-              <a:t>is</a:t>
-            </a:r>
-            <a:r>
-              <a:rPr lang="it-IT" dirty="0">
-                <a:latin typeface="Calibri Light" panose="020F0302020204030204" pitchFamily="34" charset="0"/>
-                <a:ea typeface="Calibri Light" panose="020F0302020204030204" pitchFamily="34" charset="0"/>
-                <a:cs typeface="Calibri Light" panose="020F0302020204030204" pitchFamily="34" charset="0"/>
-              </a:rPr>
-              <a:t> a </a:t>
-            </a:r>
-            <a:r>
-              <a:rPr lang="it-IT" dirty="0" err="1">
-                <a:latin typeface="Calibri Light" panose="020F0302020204030204" pitchFamily="34" charset="0"/>
-                <a:ea typeface="Calibri Light" panose="020F0302020204030204" pitchFamily="34" charset="0"/>
-                <a:cs typeface="Calibri Light" panose="020F0302020204030204" pitchFamily="34" charset="0"/>
-              </a:rPr>
-              <a:t>specific</a:t>
-            </a:r>
-            <a:r>
-              <a:rPr lang="it-IT" dirty="0">
-                <a:latin typeface="Calibri Light" panose="020F0302020204030204" pitchFamily="34" charset="0"/>
-                <a:ea typeface="Calibri Light" panose="020F0302020204030204" pitchFamily="34" charset="0"/>
-                <a:cs typeface="Calibri Light" panose="020F0302020204030204" pitchFamily="34" charset="0"/>
-              </a:rPr>
-              <a:t> position the robot </a:t>
-            </a:r>
-            <a:r>
-              <a:rPr lang="it-IT" dirty="0" err="1">
-                <a:latin typeface="Calibri Light" panose="020F0302020204030204" pitchFamily="34" charset="0"/>
-                <a:ea typeface="Calibri Light" panose="020F0302020204030204" pitchFamily="34" charset="0"/>
-                <a:cs typeface="Calibri Light" panose="020F0302020204030204" pitchFamily="34" charset="0"/>
-              </a:rPr>
-              <a:t>should</a:t>
-            </a:r>
-            <a:r>
-              <a:rPr lang="it-IT" dirty="0">
-                <a:latin typeface="Calibri Light" panose="020F0302020204030204" pitchFamily="34" charset="0"/>
-                <a:ea typeface="Calibri Light" panose="020F0302020204030204" pitchFamily="34" charset="0"/>
-                <a:cs typeface="Calibri Light" panose="020F0302020204030204" pitchFamily="34" charset="0"/>
-              </a:rPr>
-              <a:t> go </a:t>
-            </a:r>
-            <a:r>
-              <a:rPr lang="it-IT" dirty="0" err="1">
-                <a:latin typeface="Calibri Light" panose="020F0302020204030204" pitchFamily="34" charset="0"/>
-                <a:ea typeface="Calibri Light" panose="020F0302020204030204" pitchFamily="34" charset="0"/>
-                <a:cs typeface="Calibri Light" panose="020F0302020204030204" pitchFamily="34" charset="0"/>
-              </a:rPr>
-              <a:t>towards</a:t>
-            </a:r>
-            <a:r>
-              <a:rPr lang="it-IT" dirty="0">
-                <a:latin typeface="Calibri Light" panose="020F0302020204030204" pitchFamily="34" charset="0"/>
-                <a:ea typeface="Calibri Light" panose="020F0302020204030204" pitchFamily="34" charset="0"/>
-                <a:cs typeface="Calibri Light" panose="020F0302020204030204" pitchFamily="34" charset="0"/>
-              </a:rPr>
-              <a:t> </a:t>
-            </a:r>
-            <a:r>
-              <a:rPr lang="it-IT" dirty="0" err="1">
-                <a:latin typeface="Calibri Light" panose="020F0302020204030204" pitchFamily="34" charset="0"/>
-                <a:ea typeface="Calibri Light" panose="020F0302020204030204" pitchFamily="34" charset="0"/>
-                <a:cs typeface="Calibri Light" panose="020F0302020204030204" pitchFamily="34" charset="0"/>
-              </a:rPr>
-              <a:t>until</a:t>
-            </a:r>
-            <a:r>
-              <a:rPr lang="it-IT" dirty="0">
-                <a:latin typeface="Calibri Light" panose="020F0302020204030204" pitchFamily="34" charset="0"/>
-                <a:ea typeface="Calibri Light" panose="020F0302020204030204" pitchFamily="34" charset="0"/>
-                <a:cs typeface="Calibri Light" panose="020F0302020204030204" pitchFamily="34" charset="0"/>
-              </a:rPr>
-              <a:t> </a:t>
-            </a:r>
-            <a:r>
-              <a:rPr lang="it-IT" dirty="0" err="1">
-                <a:latin typeface="Calibri Light" panose="020F0302020204030204" pitchFamily="34" charset="0"/>
-                <a:ea typeface="Calibri Light" panose="020F0302020204030204" pitchFamily="34" charset="0"/>
-                <a:cs typeface="Calibri Light" panose="020F0302020204030204" pitchFamily="34" charset="0"/>
-              </a:rPr>
-              <a:t>it</a:t>
-            </a:r>
-            <a:r>
-              <a:rPr lang="it-IT" dirty="0">
-                <a:latin typeface="Calibri Light" panose="020F0302020204030204" pitchFamily="34" charset="0"/>
-                <a:ea typeface="Calibri Light" panose="020F0302020204030204" pitchFamily="34" charset="0"/>
-                <a:cs typeface="Calibri Light" panose="020F0302020204030204" pitchFamily="34" charset="0"/>
-              </a:rPr>
-              <a:t> </a:t>
-            </a:r>
-            <a:r>
-              <a:rPr lang="it-IT" dirty="0" err="1">
-                <a:latin typeface="Calibri Light" panose="020F0302020204030204" pitchFamily="34" charset="0"/>
-                <a:ea typeface="Calibri Light" panose="020F0302020204030204" pitchFamily="34" charset="0"/>
-                <a:cs typeface="Calibri Light" panose="020F0302020204030204" pitchFamily="34" charset="0"/>
-              </a:rPr>
-              <a:t>reaches</a:t>
-            </a:r>
-            <a:r>
-              <a:rPr lang="it-IT" dirty="0">
-                <a:latin typeface="Calibri Light" panose="020F0302020204030204" pitchFamily="34" charset="0"/>
-                <a:ea typeface="Calibri Light" panose="020F0302020204030204" pitchFamily="34" charset="0"/>
-                <a:cs typeface="Calibri Light" panose="020F0302020204030204" pitchFamily="34" charset="0"/>
-              </a:rPr>
-              <a:t> </a:t>
-            </a:r>
-            <a:r>
-              <a:rPr lang="it-IT" dirty="0" err="1">
-                <a:latin typeface="Calibri Light" panose="020F0302020204030204" pitchFamily="34" charset="0"/>
-                <a:ea typeface="Calibri Light" panose="020F0302020204030204" pitchFamily="34" charset="0"/>
-                <a:cs typeface="Calibri Light" panose="020F0302020204030204" pitchFamily="34" charset="0"/>
-              </a:rPr>
-              <a:t>it</a:t>
-            </a:r>
-            <a:r>
-              <a:rPr lang="it-IT" dirty="0">
-                <a:latin typeface="Calibri Light" panose="020F0302020204030204" pitchFamily="34" charset="0"/>
-                <a:ea typeface="Calibri Light" panose="020F0302020204030204" pitchFamily="34" charset="0"/>
-                <a:cs typeface="Calibri Light" panose="020F0302020204030204" pitchFamily="34" charset="0"/>
-              </a:rPr>
-              <a:t> </a:t>
+              <a:t>After reaching the first given position, the turtlebot should navigate the maze backwards, back to the starting position.</a:t>
             </a:r>
           </a:p>
         </p:txBody>
@@ -19997,7 +19432,7 @@
             </a:ln>
             <a:extLst>
               <a:ext uri="{91240B29-F687-4f45-9708-019B960494DF}">
-                <a14:hiddenLine xmlns:a14="http://schemas.microsoft.com/office/drawing/2010/main" xmlns:p14="http://schemas.microsoft.com/office/powerpoint/2010/main" xmlns:a16="http://schemas.microsoft.com/office/drawing/2014/main" xmlns="" w="9525">
+                <a14:hiddenLine xmlns="" xmlns:a16="http://schemas.microsoft.com/office/drawing/2014/main" xmlns:p14="http://schemas.microsoft.com/office/powerpoint/2010/main" xmlns:a14="http://schemas.microsoft.com/office/drawing/2010/main" w="9525">
                   <a:solidFill>
                     <a:srgbClr val="000000"/>
                   </a:solidFill>
@@ -20109,7 +19544,7 @@
             </a:ln>
             <a:extLst>
               <a:ext uri="{91240B29-F687-4f45-9708-019B960494DF}">
-                <a14:hiddenLine xmlns:a14="http://schemas.microsoft.com/office/drawing/2010/main" xmlns:p14="http://schemas.microsoft.com/office/powerpoint/2010/main" xmlns:a16="http://schemas.microsoft.com/office/drawing/2014/main" xmlns="" w="9525">
+                <a14:hiddenLine xmlns="" xmlns:a16="http://schemas.microsoft.com/office/drawing/2014/main" xmlns:p14="http://schemas.microsoft.com/office/powerpoint/2010/main" xmlns:a14="http://schemas.microsoft.com/office/drawing/2010/main" w="9525">
                   <a:solidFill>
                     <a:srgbClr val="000000"/>
                   </a:solidFill>
@@ -20221,7 +19656,7 @@
             </a:ln>
             <a:extLst>
               <a:ext uri="{91240B29-F687-4f45-9708-019B960494DF}">
-                <a14:hiddenLine xmlns:a14="http://schemas.microsoft.com/office/drawing/2010/main" xmlns:p14="http://schemas.microsoft.com/office/powerpoint/2010/main" xmlns:a16="http://schemas.microsoft.com/office/drawing/2014/main" xmlns="" w="9525">
+                <a14:hiddenLine xmlns="" xmlns:a16="http://schemas.microsoft.com/office/drawing/2014/main" xmlns:p14="http://schemas.microsoft.com/office/powerpoint/2010/main" xmlns:a14="http://schemas.microsoft.com/office/drawing/2010/main" w="9525">
                   <a:solidFill>
                     <a:srgbClr val="000000"/>
                   </a:solidFill>
@@ -20305,7 +19740,7 @@
             </a:ln>
             <a:extLst>
               <a:ext uri="{91240B29-F687-4f45-9708-019B960494DF}">
-                <a14:hiddenLine xmlns:a14="http://schemas.microsoft.com/office/drawing/2010/main" xmlns:p14="http://schemas.microsoft.com/office/powerpoint/2010/main" xmlns:a16="http://schemas.microsoft.com/office/drawing/2014/main" xmlns="" w="9525">
+                <a14:hiddenLine xmlns="" xmlns:a16="http://schemas.microsoft.com/office/drawing/2014/main" xmlns:p14="http://schemas.microsoft.com/office/powerpoint/2010/main" xmlns:a14="http://schemas.microsoft.com/office/drawing/2010/main" w="9525">
                   <a:solidFill>
                     <a:srgbClr val="000000"/>
                   </a:solidFill>
@@ -20417,7 +19852,7 @@
             </a:ln>
             <a:extLst>
               <a:ext uri="{91240B29-F687-4f45-9708-019B960494DF}">
-                <a14:hiddenLine xmlns:a14="http://schemas.microsoft.com/office/drawing/2010/main" xmlns:p14="http://schemas.microsoft.com/office/powerpoint/2010/main" xmlns:a16="http://schemas.microsoft.com/office/drawing/2014/main" xmlns="" w="9525">
+                <a14:hiddenLine xmlns="" xmlns:a16="http://schemas.microsoft.com/office/drawing/2014/main" xmlns:p14="http://schemas.microsoft.com/office/powerpoint/2010/main" xmlns:a14="http://schemas.microsoft.com/office/drawing/2010/main" w="9525">
                   <a:solidFill>
                     <a:srgbClr val="000000"/>
                   </a:solidFill>
@@ -20501,7 +19936,7 @@
             </a:ln>
             <a:extLst>
               <a:ext uri="{91240B29-F687-4f45-9708-019B960494DF}">
-                <a14:hiddenLine xmlns:a14="http://schemas.microsoft.com/office/drawing/2010/main" xmlns:p14="http://schemas.microsoft.com/office/powerpoint/2010/main" xmlns:a16="http://schemas.microsoft.com/office/drawing/2014/main" xmlns="" w="9525">
+                <a14:hiddenLine xmlns="" xmlns:a16="http://schemas.microsoft.com/office/drawing/2014/main" xmlns:p14="http://schemas.microsoft.com/office/powerpoint/2010/main" xmlns:a14="http://schemas.microsoft.com/office/drawing/2010/main" w="9525">
                   <a:solidFill>
                     <a:srgbClr val="000000"/>
                   </a:solidFill>
@@ -20585,7 +20020,7 @@
             </a:ln>
             <a:extLst>
               <a:ext uri="{91240B29-F687-4f45-9708-019B960494DF}">
-                <a14:hiddenLine xmlns:a14="http://schemas.microsoft.com/office/drawing/2010/main" xmlns:p14="http://schemas.microsoft.com/office/powerpoint/2010/main" xmlns:a16="http://schemas.microsoft.com/office/drawing/2014/main" xmlns="" w="9525">
+                <a14:hiddenLine xmlns="" xmlns:a16="http://schemas.microsoft.com/office/drawing/2014/main" xmlns:p14="http://schemas.microsoft.com/office/powerpoint/2010/main" xmlns:a14="http://schemas.microsoft.com/office/drawing/2010/main" w="9525">
                   <a:solidFill>
                     <a:srgbClr val="000000"/>
                   </a:solidFill>
@@ -20697,7 +20132,7 @@
             </a:ln>
             <a:extLst>
               <a:ext uri="{91240B29-F687-4f45-9708-019B960494DF}">
-                <a14:hiddenLine xmlns:a14="http://schemas.microsoft.com/office/drawing/2010/main" xmlns:p14="http://schemas.microsoft.com/office/powerpoint/2010/main" xmlns:a16="http://schemas.microsoft.com/office/drawing/2014/main" xmlns="" w="9525">
+                <a14:hiddenLine xmlns="" xmlns:a16="http://schemas.microsoft.com/office/drawing/2014/main" xmlns:p14="http://schemas.microsoft.com/office/powerpoint/2010/main" xmlns:a14="http://schemas.microsoft.com/office/drawing/2010/main" w="9525">
                   <a:solidFill>
                     <a:srgbClr val="000000"/>
                   </a:solidFill>
@@ -20809,7 +20244,7 @@
             </a:ln>
             <a:extLst>
               <a:ext uri="{91240B29-F687-4f45-9708-019B960494DF}">
-                <a14:hiddenLine xmlns:a14="http://schemas.microsoft.com/office/drawing/2010/main" xmlns:p14="http://schemas.microsoft.com/office/powerpoint/2010/main" xmlns:a16="http://schemas.microsoft.com/office/drawing/2014/main" xmlns="" w="9525">
+                <a14:hiddenLine xmlns="" xmlns:a16="http://schemas.microsoft.com/office/drawing/2014/main" xmlns:p14="http://schemas.microsoft.com/office/powerpoint/2010/main" xmlns:a14="http://schemas.microsoft.com/office/drawing/2010/main" w="9525">
                   <a:solidFill>
                     <a:srgbClr val="000000"/>
                   </a:solidFill>
@@ -20893,7 +20328,7 @@
             </a:ln>
             <a:extLst>
               <a:ext uri="{91240B29-F687-4f45-9708-019B960494DF}">
-                <a14:hiddenLine xmlns:a14="http://schemas.microsoft.com/office/drawing/2010/main" xmlns:p14="http://schemas.microsoft.com/office/powerpoint/2010/main" xmlns:a16="http://schemas.microsoft.com/office/drawing/2014/main" xmlns="" w="9525">
+                <a14:hiddenLine xmlns="" xmlns:a16="http://schemas.microsoft.com/office/drawing/2014/main" xmlns:p14="http://schemas.microsoft.com/office/powerpoint/2010/main" xmlns:a14="http://schemas.microsoft.com/office/drawing/2010/main" w="9525">
                   <a:solidFill>
                     <a:srgbClr val="000000"/>
                   </a:solidFill>
@@ -21025,7 +20460,7 @@
             </a:ln>
             <a:extLst>
               <a:ext uri="{91240B29-F687-4f45-9708-019B960494DF}">
-                <a14:hiddenLine xmlns:a14="http://schemas.microsoft.com/office/drawing/2010/main" xmlns:p14="http://schemas.microsoft.com/office/powerpoint/2010/main" xmlns:a16="http://schemas.microsoft.com/office/drawing/2014/main" xmlns="" w="9525">
+                <a14:hiddenLine xmlns="" xmlns:a16="http://schemas.microsoft.com/office/drawing/2014/main" xmlns:p14="http://schemas.microsoft.com/office/powerpoint/2010/main" xmlns:a14="http://schemas.microsoft.com/office/drawing/2010/main" w="9525">
                   <a:solidFill>
                     <a:srgbClr val="000000"/>
                   </a:solidFill>
@@ -21153,7 +20588,7 @@
             </a:ln>
             <a:extLst>
               <a:ext uri="{91240B29-F687-4f45-9708-019B960494DF}">
-                <a14:hiddenLine xmlns:a14="http://schemas.microsoft.com/office/drawing/2010/main" xmlns:p14="http://schemas.microsoft.com/office/powerpoint/2010/main" xmlns:a16="http://schemas.microsoft.com/office/drawing/2014/main" xmlns="" w="9525">
+                <a14:hiddenLine xmlns="" xmlns:a16="http://schemas.microsoft.com/office/drawing/2014/main" xmlns:p14="http://schemas.microsoft.com/office/powerpoint/2010/main" xmlns:a14="http://schemas.microsoft.com/office/drawing/2010/main" w="9525">
                   <a:solidFill>
                     <a:srgbClr val="000000"/>
                   </a:solidFill>
@@ -21237,7 +20672,7 @@
             </a:ln>
             <a:extLst>
               <a:ext uri="{91240B29-F687-4f45-9708-019B960494DF}">
-                <a14:hiddenLine xmlns:a14="http://schemas.microsoft.com/office/drawing/2010/main" xmlns:p14="http://schemas.microsoft.com/office/powerpoint/2010/main" xmlns:a16="http://schemas.microsoft.com/office/drawing/2014/main" xmlns="" w="9525">
+                <a14:hiddenLine xmlns="" xmlns:a16="http://schemas.microsoft.com/office/drawing/2014/main" xmlns:p14="http://schemas.microsoft.com/office/powerpoint/2010/main" xmlns:a14="http://schemas.microsoft.com/office/drawing/2010/main" w="9525">
                   <a:solidFill>
                     <a:srgbClr val="000000"/>
                   </a:solidFill>
@@ -21321,7 +20756,7 @@
             </a:ln>
             <a:extLst>
               <a:ext uri="{91240B29-F687-4f45-9708-019B960494DF}">
-                <a14:hiddenLine xmlns:a14="http://schemas.microsoft.com/office/drawing/2010/main" xmlns:p14="http://schemas.microsoft.com/office/powerpoint/2010/main" xmlns:a16="http://schemas.microsoft.com/office/drawing/2014/main" xmlns="" w="9525">
+                <a14:hiddenLine xmlns="" xmlns:a16="http://schemas.microsoft.com/office/drawing/2014/main" xmlns:p14="http://schemas.microsoft.com/office/powerpoint/2010/main" xmlns:a14="http://schemas.microsoft.com/office/drawing/2010/main" w="9525">
                   <a:solidFill>
                     <a:srgbClr val="000000"/>
                   </a:solidFill>
@@ -21433,7 +20868,7 @@
             </a:ln>
             <a:extLst>
               <a:ext uri="{91240B29-F687-4f45-9708-019B960494DF}">
-                <a14:hiddenLine xmlns:a14="http://schemas.microsoft.com/office/drawing/2010/main" xmlns:p14="http://schemas.microsoft.com/office/powerpoint/2010/main" xmlns:a16="http://schemas.microsoft.com/office/drawing/2014/main" xmlns="" w="9525">
+                <a14:hiddenLine xmlns="" xmlns:a16="http://schemas.microsoft.com/office/drawing/2014/main" xmlns:p14="http://schemas.microsoft.com/office/powerpoint/2010/main" xmlns:a14="http://schemas.microsoft.com/office/drawing/2010/main" w="9525">
                   <a:solidFill>
                     <a:srgbClr val="000000"/>
                   </a:solidFill>
@@ -21489,7 +20924,7 @@
             </a:ln>
             <a:extLst>
               <a:ext uri="{91240B29-F687-4f45-9708-019B960494DF}">
-                <a14:hiddenLine xmlns:a14="http://schemas.microsoft.com/office/drawing/2010/main" xmlns:p14="http://schemas.microsoft.com/office/powerpoint/2010/main" xmlns:a16="http://schemas.microsoft.com/office/drawing/2014/main" xmlns="" w="9525">
+                <a14:hiddenLine xmlns="" xmlns:a16="http://schemas.microsoft.com/office/drawing/2014/main" xmlns:p14="http://schemas.microsoft.com/office/powerpoint/2010/main" xmlns:a14="http://schemas.microsoft.com/office/drawing/2010/main" w="9525">
                   <a:solidFill>
                     <a:srgbClr val="000000"/>
                   </a:solidFill>
@@ -21576,7 +21011,7 @@
             </a:ln>
             <a:extLst>
               <a:ext uri="{91240B29-F687-4f45-9708-019B960494DF}">
-                <a14:hiddenLine xmlns:a14="http://schemas.microsoft.com/office/drawing/2010/main" xmlns:p14="http://schemas.microsoft.com/office/powerpoint/2010/main" xmlns:a16="http://schemas.microsoft.com/office/drawing/2014/main" xmlns="" w="9525">
+                <a14:hiddenLine xmlns="" xmlns:a16="http://schemas.microsoft.com/office/drawing/2014/main" xmlns:p14="http://schemas.microsoft.com/office/powerpoint/2010/main" xmlns:a14="http://schemas.microsoft.com/office/drawing/2010/main" w="9525">
                   <a:solidFill>
                     <a:srgbClr val="000000"/>
                   </a:solidFill>
@@ -21688,7 +21123,7 @@
             </a:ln>
             <a:extLst>
               <a:ext uri="{91240B29-F687-4f45-9708-019B960494DF}">
-                <a14:hiddenLine xmlns:a14="http://schemas.microsoft.com/office/drawing/2010/main" xmlns:p14="http://schemas.microsoft.com/office/powerpoint/2010/main" xmlns:a16="http://schemas.microsoft.com/office/drawing/2014/main" xmlns="" w="9525">
+                <a14:hiddenLine xmlns="" xmlns:a16="http://schemas.microsoft.com/office/drawing/2014/main" xmlns:p14="http://schemas.microsoft.com/office/powerpoint/2010/main" xmlns:a14="http://schemas.microsoft.com/office/drawing/2010/main" w="9525">
                   <a:solidFill>
                     <a:srgbClr val="000000"/>
                   </a:solidFill>
@@ -21772,7 +21207,7 @@
             </a:ln>
             <a:extLst>
               <a:ext uri="{91240B29-F687-4f45-9708-019B960494DF}">
-                <a14:hiddenLine xmlns:a14="http://schemas.microsoft.com/office/drawing/2010/main" xmlns:p14="http://schemas.microsoft.com/office/powerpoint/2010/main" xmlns:a16="http://schemas.microsoft.com/office/drawing/2014/main" xmlns="" w="9525">
+                <a14:hiddenLine xmlns="" xmlns:a16="http://schemas.microsoft.com/office/drawing/2014/main" xmlns:p14="http://schemas.microsoft.com/office/powerpoint/2010/main" xmlns:a14="http://schemas.microsoft.com/office/drawing/2010/main" w="9525">
                   <a:solidFill>
                     <a:srgbClr val="000000"/>
                   </a:solidFill>
@@ -21884,7 +21319,7 @@
             </a:ln>
             <a:extLst>
               <a:ext uri="{91240B29-F687-4f45-9708-019B960494DF}">
-                <a14:hiddenLine xmlns:a14="http://schemas.microsoft.com/office/drawing/2010/main" xmlns:p14="http://schemas.microsoft.com/office/powerpoint/2010/main" xmlns:a16="http://schemas.microsoft.com/office/drawing/2014/main" xmlns="" w="9525">
+                <a14:hiddenLine xmlns="" xmlns:a16="http://schemas.microsoft.com/office/drawing/2014/main" xmlns:p14="http://schemas.microsoft.com/office/powerpoint/2010/main" xmlns:a14="http://schemas.microsoft.com/office/drawing/2010/main" w="9525">
                   <a:solidFill>
                     <a:srgbClr val="000000"/>
                   </a:solidFill>
@@ -21971,7 +21406,7 @@
             </a:ln>
             <a:extLst>
               <a:ext uri="{91240B29-F687-4f45-9708-019B960494DF}">
-                <a14:hiddenLine xmlns:a14="http://schemas.microsoft.com/office/drawing/2010/main" xmlns:p14="http://schemas.microsoft.com/office/powerpoint/2010/main" xmlns:a16="http://schemas.microsoft.com/office/drawing/2014/main" xmlns="" w="9525">
+                <a14:hiddenLine xmlns="" xmlns:a16="http://schemas.microsoft.com/office/drawing/2014/main" xmlns:p14="http://schemas.microsoft.com/office/powerpoint/2010/main" xmlns:a14="http://schemas.microsoft.com/office/drawing/2010/main" w="9525">
                   <a:solidFill>
                     <a:srgbClr val="000000"/>
                   </a:solidFill>
@@ -22055,7 +21490,7 @@
             </a:ln>
             <a:extLst>
               <a:ext uri="{91240B29-F687-4f45-9708-019B960494DF}">
-                <a14:hiddenLine xmlns:a14="http://schemas.microsoft.com/office/drawing/2010/main" xmlns:p14="http://schemas.microsoft.com/office/powerpoint/2010/main" xmlns:a16="http://schemas.microsoft.com/office/drawing/2014/main" xmlns="" w="9525">
+                <a14:hiddenLine xmlns="" xmlns:a16="http://schemas.microsoft.com/office/drawing/2014/main" xmlns:p14="http://schemas.microsoft.com/office/powerpoint/2010/main" xmlns:a14="http://schemas.microsoft.com/office/drawing/2010/main" w="9525">
                   <a:solidFill>
                     <a:srgbClr val="000000"/>
                   </a:solidFill>
@@ -22167,7 +21602,7 @@
             </a:ln>
             <a:extLst>
               <a:ext uri="{91240B29-F687-4f45-9708-019B960494DF}">
-                <a14:hiddenLine xmlns:a14="http://schemas.microsoft.com/office/drawing/2010/main" xmlns:p14="http://schemas.microsoft.com/office/powerpoint/2010/main" xmlns:a16="http://schemas.microsoft.com/office/drawing/2014/main" xmlns="" w="9525">
+                <a14:hiddenLine xmlns="" xmlns:a16="http://schemas.microsoft.com/office/drawing/2014/main" xmlns:p14="http://schemas.microsoft.com/office/powerpoint/2010/main" xmlns:a14="http://schemas.microsoft.com/office/drawing/2010/main" w="9525">
                   <a:solidFill>
                     <a:srgbClr val="000000"/>
                   </a:solidFill>
@@ -22279,7 +21714,7 @@
             </a:ln>
             <a:extLst>
               <a:ext uri="{91240B29-F687-4f45-9708-019B960494DF}">
-                <a14:hiddenLine xmlns:a14="http://schemas.microsoft.com/office/drawing/2010/main" xmlns:p14="http://schemas.microsoft.com/office/powerpoint/2010/main" xmlns:a16="http://schemas.microsoft.com/office/drawing/2014/main" xmlns="" w="9525">
+                <a14:hiddenLine xmlns="" xmlns:a16="http://schemas.microsoft.com/office/drawing/2014/main" xmlns:p14="http://schemas.microsoft.com/office/powerpoint/2010/main" xmlns:a14="http://schemas.microsoft.com/office/drawing/2010/main" w="9525">
                   <a:solidFill>
                     <a:srgbClr val="000000"/>
                   </a:solidFill>
@@ -22366,7 +21801,7 @@
             </a:ln>
             <a:extLst>
               <a:ext uri="{91240B29-F687-4f45-9708-019B960494DF}">
-                <a14:hiddenLine xmlns:a14="http://schemas.microsoft.com/office/drawing/2010/main" xmlns:p14="http://schemas.microsoft.com/office/powerpoint/2010/main" xmlns:a16="http://schemas.microsoft.com/office/drawing/2014/main" xmlns="" w="9525">
+                <a14:hiddenLine xmlns="" xmlns:a16="http://schemas.microsoft.com/office/drawing/2014/main" xmlns:p14="http://schemas.microsoft.com/office/powerpoint/2010/main" xmlns:a14="http://schemas.microsoft.com/office/drawing/2010/main" w="9525">
                   <a:solidFill>
                     <a:srgbClr val="000000"/>
                   </a:solidFill>
@@ -22508,7 +21943,7 @@
             </a:ln>
             <a:extLst>
               <a:ext uri="{91240B29-F687-4f45-9708-019B960494DF}">
-                <a14:hiddenLine xmlns:a14="http://schemas.microsoft.com/office/drawing/2010/main" xmlns:p14="http://schemas.microsoft.com/office/powerpoint/2010/main" xmlns:a16="http://schemas.microsoft.com/office/drawing/2014/main" xmlns="" w="9525">
+                <a14:hiddenLine xmlns="" xmlns:a16="http://schemas.microsoft.com/office/drawing/2014/main" xmlns:p14="http://schemas.microsoft.com/office/powerpoint/2010/main" xmlns:a14="http://schemas.microsoft.com/office/drawing/2010/main" w="9525">
                   <a:solidFill>
                     <a:srgbClr val="000000"/>
                   </a:solidFill>
@@ -22663,188 +22098,23 @@
               <a:buNone/>
             </a:pPr>
             <a:r>
-              <a:rPr lang="it-IT" dirty="0">
+              <a:rPr lang="it-IT" sz="2200" dirty="0">
+                <a:highlight>
+                  <a:srgbClr val="FF00FF"/>
+                </a:highlight>
                 <a:latin typeface="Calibri Light" panose="020F0302020204030204" pitchFamily="34" charset="0"/>
                 <a:ea typeface="Calibri Light" panose="020F0302020204030204" pitchFamily="34" charset="0"/>
                 <a:cs typeface="Calibri Light" panose="020F0302020204030204" pitchFamily="34" charset="0"/>
               </a:rPr>
-              <a:t>For the visual input of the robot </a:t>
+              <a:t>For the visual input of the robot we want to scrap the camera and use exclusively a laser sensor</a:t>
             </a:r>
             <a:r>
-              <a:rPr lang="it-IT" dirty="0" err="1">
+              <a:rPr lang="it-IT" sz="2200" dirty="0">
                 <a:latin typeface="Calibri Light" panose="020F0302020204030204" pitchFamily="34" charset="0"/>
                 <a:ea typeface="Calibri Light" panose="020F0302020204030204" pitchFamily="34" charset="0"/>
                 <a:cs typeface="Calibri Light" panose="020F0302020204030204" pitchFamily="34" charset="0"/>
               </a:rPr>
-              <a:t>we</a:t>
-            </a:r>
-            <a:r>
-              <a:rPr lang="it-IT" dirty="0">
-                <a:latin typeface="Calibri Light" panose="020F0302020204030204" pitchFamily="34" charset="0"/>
-                <a:ea typeface="Calibri Light" panose="020F0302020204030204" pitchFamily="34" charset="0"/>
-                <a:cs typeface="Calibri Light" panose="020F0302020204030204" pitchFamily="34" charset="0"/>
-              </a:rPr>
-              <a:t> </a:t>
-            </a:r>
-            <a:r>
-              <a:rPr lang="it-IT" dirty="0" err="1">
-                <a:latin typeface="Calibri Light" panose="020F0302020204030204" pitchFamily="34" charset="0"/>
-                <a:ea typeface="Calibri Light" panose="020F0302020204030204" pitchFamily="34" charset="0"/>
-                <a:cs typeface="Calibri Light" panose="020F0302020204030204" pitchFamily="34" charset="0"/>
-              </a:rPr>
-              <a:t>want</a:t>
-            </a:r>
-            <a:r>
-              <a:rPr lang="it-IT" dirty="0">
-                <a:latin typeface="Calibri Light" panose="020F0302020204030204" pitchFamily="34" charset="0"/>
-                <a:ea typeface="Calibri Light" panose="020F0302020204030204" pitchFamily="34" charset="0"/>
-                <a:cs typeface="Calibri Light" panose="020F0302020204030204" pitchFamily="34" charset="0"/>
-              </a:rPr>
-              <a:t> to </a:t>
-            </a:r>
-            <a:r>
-              <a:rPr lang="it-IT" dirty="0" err="1">
-                <a:latin typeface="Calibri Light" panose="020F0302020204030204" pitchFamily="34" charset="0"/>
-                <a:ea typeface="Calibri Light" panose="020F0302020204030204" pitchFamily="34" charset="0"/>
-                <a:cs typeface="Calibri Light" panose="020F0302020204030204" pitchFamily="34" charset="0"/>
-              </a:rPr>
-              <a:t>scrap</a:t>
-            </a:r>
-            <a:r>
-              <a:rPr lang="it-IT" dirty="0">
-                <a:latin typeface="Calibri Light" panose="020F0302020204030204" pitchFamily="34" charset="0"/>
-                <a:ea typeface="Calibri Light" panose="020F0302020204030204" pitchFamily="34" charset="0"/>
-                <a:cs typeface="Calibri Light" panose="020F0302020204030204" pitchFamily="34" charset="0"/>
-              </a:rPr>
-              <a:t> the camera and use </a:t>
-            </a:r>
-            <a:r>
-              <a:rPr lang="it-IT" dirty="0" err="1">
-                <a:latin typeface="Calibri Light" panose="020F0302020204030204" pitchFamily="34" charset="0"/>
-                <a:ea typeface="Calibri Light" panose="020F0302020204030204" pitchFamily="34" charset="0"/>
-                <a:cs typeface="Calibri Light" panose="020F0302020204030204" pitchFamily="34" charset="0"/>
-              </a:rPr>
-              <a:t>exclusively</a:t>
-            </a:r>
-            <a:r>
-              <a:rPr lang="it-IT" dirty="0">
-                <a:latin typeface="Calibri Light" panose="020F0302020204030204" pitchFamily="34" charset="0"/>
-                <a:ea typeface="Calibri Light" panose="020F0302020204030204" pitchFamily="34" charset="0"/>
-                <a:cs typeface="Calibri Light" panose="020F0302020204030204" pitchFamily="34" charset="0"/>
-              </a:rPr>
-              <a:t> a </a:t>
-            </a:r>
-            <a:r>
-              <a:rPr lang="it-IT" dirty="0" err="1">
-                <a:latin typeface="Calibri Light" panose="020F0302020204030204" pitchFamily="34" charset="0"/>
-                <a:ea typeface="Calibri Light" panose="020F0302020204030204" pitchFamily="34" charset="0"/>
-                <a:cs typeface="Calibri Light" panose="020F0302020204030204" pitchFamily="34" charset="0"/>
-              </a:rPr>
-              <a:t>LiDAR</a:t>
-            </a:r>
-            <a:r>
-              <a:rPr lang="it-IT" dirty="0">
-                <a:latin typeface="Calibri Light" panose="020F0302020204030204" pitchFamily="34" charset="0"/>
-                <a:ea typeface="Calibri Light" panose="020F0302020204030204" pitchFamily="34" charset="0"/>
-                <a:cs typeface="Calibri Light" panose="020F0302020204030204" pitchFamily="34" charset="0"/>
-              </a:rPr>
-              <a:t> </a:t>
-            </a:r>
-            <a:r>
-              <a:rPr lang="it-IT" dirty="0" err="1">
-                <a:latin typeface="Calibri Light" panose="020F0302020204030204" pitchFamily="34" charset="0"/>
-                <a:ea typeface="Calibri Light" panose="020F0302020204030204" pitchFamily="34" charset="0"/>
-                <a:cs typeface="Calibri Light" panose="020F0302020204030204" pitchFamily="34" charset="0"/>
-              </a:rPr>
-              <a:t>sensor</a:t>
-            </a:r>
-            <a:r>
-              <a:rPr lang="it-IT" dirty="0">
-                <a:latin typeface="Calibri Light" panose="020F0302020204030204" pitchFamily="34" charset="0"/>
-                <a:ea typeface="Calibri Light" panose="020F0302020204030204" pitchFamily="34" charset="0"/>
-                <a:cs typeface="Calibri Light" panose="020F0302020204030204" pitchFamily="34" charset="0"/>
-              </a:rPr>
-              <a:t>: </a:t>
-            </a:r>
-            <a:r>
-              <a:rPr lang="it-IT" dirty="0" err="1">
-                <a:latin typeface="Calibri Light" panose="020F0302020204030204" pitchFamily="34" charset="0"/>
-                <a:ea typeface="Calibri Light" panose="020F0302020204030204" pitchFamily="34" charset="0"/>
-                <a:cs typeface="Calibri Light" panose="020F0302020204030204" pitchFamily="34" charset="0"/>
-              </a:rPr>
-              <a:t>this</a:t>
-            </a:r>
-            <a:r>
-              <a:rPr lang="it-IT" dirty="0">
-                <a:latin typeface="Calibri Light" panose="020F0302020204030204" pitchFamily="34" charset="0"/>
-                <a:ea typeface="Calibri Light" panose="020F0302020204030204" pitchFamily="34" charset="0"/>
-                <a:cs typeface="Calibri Light" panose="020F0302020204030204" pitchFamily="34" charset="0"/>
-              </a:rPr>
-              <a:t> </a:t>
-            </a:r>
-            <a:r>
-              <a:rPr lang="it-IT" dirty="0" err="1">
-                <a:latin typeface="Calibri Light" panose="020F0302020204030204" pitchFamily="34" charset="0"/>
-                <a:ea typeface="Calibri Light" panose="020F0302020204030204" pitchFamily="34" charset="0"/>
-                <a:cs typeface="Calibri Light" panose="020F0302020204030204" pitchFamily="34" charset="0"/>
-              </a:rPr>
-              <a:t>is</a:t>
-            </a:r>
-            <a:r>
-              <a:rPr lang="it-IT" dirty="0">
-                <a:latin typeface="Calibri Light" panose="020F0302020204030204" pitchFamily="34" charset="0"/>
-                <a:ea typeface="Calibri Light" panose="020F0302020204030204" pitchFamily="34" charset="0"/>
-                <a:cs typeface="Calibri Light" panose="020F0302020204030204" pitchFamily="34" charset="0"/>
-              </a:rPr>
-              <a:t> </a:t>
-            </a:r>
-            <a:r>
-              <a:rPr lang="it-IT" dirty="0" err="1">
-                <a:latin typeface="Calibri Light" panose="020F0302020204030204" pitchFamily="34" charset="0"/>
-                <a:ea typeface="Calibri Light" panose="020F0302020204030204" pitchFamily="34" charset="0"/>
-                <a:cs typeface="Calibri Light" panose="020F0302020204030204" pitchFamily="34" charset="0"/>
-              </a:rPr>
-              <a:t>because</a:t>
-            </a:r>
-            <a:r>
-              <a:rPr lang="it-IT" dirty="0">
-                <a:latin typeface="Calibri Light" panose="020F0302020204030204" pitchFamily="34" charset="0"/>
-                <a:ea typeface="Calibri Light" panose="020F0302020204030204" pitchFamily="34" charset="0"/>
-                <a:cs typeface="Calibri Light" panose="020F0302020204030204" pitchFamily="34" charset="0"/>
-              </a:rPr>
-              <a:t> </a:t>
-            </a:r>
-            <a:r>
-              <a:rPr lang="it-IT" dirty="0" err="1">
-                <a:latin typeface="Calibri Light" panose="020F0302020204030204" pitchFamily="34" charset="0"/>
-                <a:ea typeface="Calibri Light" panose="020F0302020204030204" pitchFamily="34" charset="0"/>
-                <a:cs typeface="Calibri Light" panose="020F0302020204030204" pitchFamily="34" charset="0"/>
-              </a:rPr>
-              <a:t>we</a:t>
-            </a:r>
-            <a:r>
-              <a:rPr lang="it-IT" dirty="0">
-                <a:latin typeface="Calibri Light" panose="020F0302020204030204" pitchFamily="34" charset="0"/>
-                <a:ea typeface="Calibri Light" panose="020F0302020204030204" pitchFamily="34" charset="0"/>
-                <a:cs typeface="Calibri Light" panose="020F0302020204030204" pitchFamily="34" charset="0"/>
-              </a:rPr>
-              <a:t> </a:t>
-            </a:r>
-            <a:r>
-              <a:rPr lang="it-IT" dirty="0" err="1">
-                <a:latin typeface="Calibri Light" panose="020F0302020204030204" pitchFamily="34" charset="0"/>
-                <a:ea typeface="Calibri Light" panose="020F0302020204030204" pitchFamily="34" charset="0"/>
-                <a:cs typeface="Calibri Light" panose="020F0302020204030204" pitchFamily="34" charset="0"/>
-              </a:rPr>
-              <a:t>figured</a:t>
-            </a:r>
-            <a:r>
-              <a:rPr lang="it-IT" dirty="0">
-                <a:latin typeface="Calibri Light" panose="020F0302020204030204" pitchFamily="34" charset="0"/>
-                <a:ea typeface="Calibri Light" panose="020F0302020204030204" pitchFamily="34" charset="0"/>
-                <a:cs typeface="Calibri Light" panose="020F0302020204030204" pitchFamily="34" charset="0"/>
-              </a:rPr>
-              <a:t> CCCCCCCCC.</a:t>
+              <a:t>: this is because we figured that the laser would be less burdensome than image processing.</a:t>
             </a:r>
           </a:p>
           <a:p>
@@ -22852,244 +22122,12 @@
               <a:buNone/>
             </a:pPr>
             <a:r>
-              <a:rPr lang="it-IT" dirty="0" err="1">
+              <a:rPr lang="it-IT" sz="2200" dirty="0">
                 <a:latin typeface="Calibri Light" panose="020F0302020204030204" pitchFamily="34" charset="0"/>
                 <a:ea typeface="Calibri Light" panose="020F0302020204030204" pitchFamily="34" charset="0"/>
                 <a:cs typeface="Calibri Light" panose="020F0302020204030204" pitchFamily="34" charset="0"/>
               </a:rPr>
-              <a:t>We</a:t>
-            </a:r>
-            <a:r>
-              <a:rPr lang="it-IT" dirty="0">
-                <a:latin typeface="Calibri Light" panose="020F0302020204030204" pitchFamily="34" charset="0"/>
-                <a:ea typeface="Calibri Light" panose="020F0302020204030204" pitchFamily="34" charset="0"/>
-                <a:cs typeface="Calibri Light" panose="020F0302020204030204" pitchFamily="34" charset="0"/>
-              </a:rPr>
-              <a:t> </a:t>
-            </a:r>
-            <a:r>
-              <a:rPr lang="it-IT" dirty="0" err="1">
-                <a:latin typeface="Calibri Light" panose="020F0302020204030204" pitchFamily="34" charset="0"/>
-                <a:ea typeface="Calibri Light" panose="020F0302020204030204" pitchFamily="34" charset="0"/>
-                <a:cs typeface="Calibri Light" panose="020F0302020204030204" pitchFamily="34" charset="0"/>
-              </a:rPr>
-              <a:t>also</a:t>
-            </a:r>
-            <a:r>
-              <a:rPr lang="it-IT" dirty="0">
-                <a:latin typeface="Calibri Light" panose="020F0302020204030204" pitchFamily="34" charset="0"/>
-                <a:ea typeface="Calibri Light" panose="020F0302020204030204" pitchFamily="34" charset="0"/>
-                <a:cs typeface="Calibri Light" panose="020F0302020204030204" pitchFamily="34" charset="0"/>
-              </a:rPr>
-              <a:t> </a:t>
-            </a:r>
-            <a:r>
-              <a:rPr lang="it-IT" dirty="0" err="1">
-                <a:latin typeface="Calibri Light" panose="020F0302020204030204" pitchFamily="34" charset="0"/>
-                <a:ea typeface="Calibri Light" panose="020F0302020204030204" pitchFamily="34" charset="0"/>
-                <a:cs typeface="Calibri Light" panose="020F0302020204030204" pitchFamily="34" charset="0"/>
-              </a:rPr>
-              <a:t>changed</a:t>
-            </a:r>
-            <a:r>
-              <a:rPr lang="it-IT" dirty="0">
-                <a:latin typeface="Calibri Light" panose="020F0302020204030204" pitchFamily="34" charset="0"/>
-                <a:ea typeface="Calibri Light" panose="020F0302020204030204" pitchFamily="34" charset="0"/>
-                <a:cs typeface="Calibri Light" panose="020F0302020204030204" pitchFamily="34" charset="0"/>
-              </a:rPr>
-              <a:t> the </a:t>
-            </a:r>
-            <a:r>
-              <a:rPr lang="it-IT" dirty="0" err="1">
-                <a:latin typeface="Calibri Light" panose="020F0302020204030204" pitchFamily="34" charset="0"/>
-                <a:ea typeface="Calibri Light" panose="020F0302020204030204" pitchFamily="34" charset="0"/>
-                <a:cs typeface="Calibri Light" panose="020F0302020204030204" pitchFamily="34" charset="0"/>
-              </a:rPr>
-              <a:t>number</a:t>
-            </a:r>
-            <a:r>
-              <a:rPr lang="it-IT" dirty="0">
-                <a:latin typeface="Calibri Light" panose="020F0302020204030204" pitchFamily="34" charset="0"/>
-                <a:ea typeface="Calibri Light" panose="020F0302020204030204" pitchFamily="34" charset="0"/>
-                <a:cs typeface="Calibri Light" panose="020F0302020204030204" pitchFamily="34" charset="0"/>
-              </a:rPr>
-              <a:t> of </a:t>
-            </a:r>
-            <a:r>
-              <a:rPr lang="it-IT" dirty="0" err="1">
-                <a:latin typeface="Calibri Light" panose="020F0302020204030204" pitchFamily="34" charset="0"/>
-                <a:ea typeface="Calibri Light" panose="020F0302020204030204" pitchFamily="34" charset="0"/>
-                <a:cs typeface="Calibri Light" panose="020F0302020204030204" pitchFamily="34" charset="0"/>
-              </a:rPr>
-              <a:t>scannings</a:t>
-            </a:r>
-            <a:r>
-              <a:rPr lang="it-IT" dirty="0">
-                <a:latin typeface="Calibri Light" panose="020F0302020204030204" pitchFamily="34" charset="0"/>
-                <a:ea typeface="Calibri Light" panose="020F0302020204030204" pitchFamily="34" charset="0"/>
-                <a:cs typeface="Calibri Light" panose="020F0302020204030204" pitchFamily="34" charset="0"/>
-              </a:rPr>
-              <a:t>, from 5 </a:t>
-            </a:r>
-            <a:r>
-              <a:rPr lang="it-IT" dirty="0" err="1">
-                <a:latin typeface="Calibri Light" panose="020F0302020204030204" pitchFamily="34" charset="0"/>
-                <a:ea typeface="Calibri Light" panose="020F0302020204030204" pitchFamily="34" charset="0"/>
-                <a:cs typeface="Calibri Light" panose="020F0302020204030204" pitchFamily="34" charset="0"/>
-              </a:rPr>
-              <a:t>scans</a:t>
-            </a:r>
-            <a:r>
-              <a:rPr lang="it-IT" dirty="0">
-                <a:latin typeface="Calibri Light" panose="020F0302020204030204" pitchFamily="34" charset="0"/>
-                <a:ea typeface="Calibri Light" panose="020F0302020204030204" pitchFamily="34" charset="0"/>
-                <a:cs typeface="Calibri Light" panose="020F0302020204030204" pitchFamily="34" charset="0"/>
-              </a:rPr>
-              <a:t> (one </a:t>
-            </a:r>
-            <a:r>
-              <a:rPr lang="it-IT" dirty="0" err="1">
-                <a:latin typeface="Calibri Light" panose="020F0302020204030204" pitchFamily="34" charset="0"/>
-                <a:ea typeface="Calibri Light" panose="020F0302020204030204" pitchFamily="34" charset="0"/>
-                <a:cs typeface="Calibri Light" panose="020F0302020204030204" pitchFamily="34" charset="0"/>
-              </a:rPr>
-              <a:t>every</a:t>
-            </a:r>
-            <a:r>
-              <a:rPr lang="it-IT" dirty="0">
-                <a:latin typeface="Calibri Light" panose="020F0302020204030204" pitchFamily="34" charset="0"/>
-                <a:ea typeface="Calibri Light" panose="020F0302020204030204" pitchFamily="34" charset="0"/>
-                <a:cs typeface="Calibri Light" panose="020F0302020204030204" pitchFamily="34" charset="0"/>
-              </a:rPr>
-              <a:t> 72°) to CCCC </a:t>
-            </a:r>
-            <a:r>
-              <a:rPr lang="it-IT" dirty="0" err="1">
-                <a:latin typeface="Calibri Light" panose="020F0302020204030204" pitchFamily="34" charset="0"/>
-                <a:ea typeface="Calibri Light" panose="020F0302020204030204" pitchFamily="34" charset="0"/>
-                <a:cs typeface="Calibri Light" panose="020F0302020204030204" pitchFamily="34" charset="0"/>
-              </a:rPr>
-              <a:t>scans</a:t>
-            </a:r>
-            <a:r>
-              <a:rPr lang="it-IT" dirty="0">
-                <a:latin typeface="Calibri Light" panose="020F0302020204030204" pitchFamily="34" charset="0"/>
-                <a:ea typeface="Calibri Light" panose="020F0302020204030204" pitchFamily="34" charset="0"/>
-                <a:cs typeface="Calibri Light" panose="020F0302020204030204" pitchFamily="34" charset="0"/>
-              </a:rPr>
-              <a:t> (one </a:t>
-            </a:r>
-            <a:r>
-              <a:rPr lang="it-IT" dirty="0" err="1">
-                <a:latin typeface="Calibri Light" panose="020F0302020204030204" pitchFamily="34" charset="0"/>
-                <a:ea typeface="Calibri Light" panose="020F0302020204030204" pitchFamily="34" charset="0"/>
-                <a:cs typeface="Calibri Light" panose="020F0302020204030204" pitchFamily="34" charset="0"/>
-              </a:rPr>
-              <a:t>every</a:t>
-            </a:r>
-            <a:r>
-              <a:rPr lang="it-IT" dirty="0">
-                <a:latin typeface="Calibri Light" panose="020F0302020204030204" pitchFamily="34" charset="0"/>
-                <a:ea typeface="Calibri Light" panose="020F0302020204030204" pitchFamily="34" charset="0"/>
-                <a:cs typeface="Calibri Light" panose="020F0302020204030204" pitchFamily="34" charset="0"/>
-              </a:rPr>
-              <a:t> CCCC°) to </a:t>
-            </a:r>
-            <a:r>
-              <a:rPr lang="it-IT" dirty="0" err="1">
-                <a:latin typeface="Calibri Light" panose="020F0302020204030204" pitchFamily="34" charset="0"/>
-                <a:ea typeface="Calibri Light" panose="020F0302020204030204" pitchFamily="34" charset="0"/>
-                <a:cs typeface="Calibri Light" panose="020F0302020204030204" pitchFamily="34" charset="0"/>
-              </a:rPr>
-              <a:t>hopefully</a:t>
-            </a:r>
-            <a:r>
-              <a:rPr lang="it-IT" dirty="0">
-                <a:latin typeface="Calibri Light" panose="020F0302020204030204" pitchFamily="34" charset="0"/>
-                <a:ea typeface="Calibri Light" panose="020F0302020204030204" pitchFamily="34" charset="0"/>
-                <a:cs typeface="Calibri Light" panose="020F0302020204030204" pitchFamily="34" charset="0"/>
-              </a:rPr>
-              <a:t> solve some </a:t>
-            </a:r>
-            <a:r>
-              <a:rPr lang="it-IT" dirty="0" err="1">
-                <a:latin typeface="Calibri Light" panose="020F0302020204030204" pitchFamily="34" charset="0"/>
-                <a:ea typeface="Calibri Light" panose="020F0302020204030204" pitchFamily="34" charset="0"/>
-                <a:cs typeface="Calibri Light" panose="020F0302020204030204" pitchFamily="34" charset="0"/>
-              </a:rPr>
-              <a:t>problems</a:t>
-            </a:r>
-            <a:r>
-              <a:rPr lang="it-IT" dirty="0">
-                <a:latin typeface="Calibri Light" panose="020F0302020204030204" pitchFamily="34" charset="0"/>
-                <a:ea typeface="Calibri Light" panose="020F0302020204030204" pitchFamily="34" charset="0"/>
-                <a:cs typeface="Calibri Light" panose="020F0302020204030204" pitchFamily="34" charset="0"/>
-              </a:rPr>
-              <a:t> with the </a:t>
-            </a:r>
-            <a:r>
-              <a:rPr lang="it-IT" dirty="0" err="1">
-                <a:latin typeface="Calibri Light" panose="020F0302020204030204" pitchFamily="34" charset="0"/>
-                <a:ea typeface="Calibri Light" panose="020F0302020204030204" pitchFamily="34" charset="0"/>
-                <a:cs typeface="Calibri Light" panose="020F0302020204030204" pitchFamily="34" charset="0"/>
-              </a:rPr>
-              <a:t>original</a:t>
-            </a:r>
-            <a:r>
-              <a:rPr lang="it-IT" dirty="0">
-                <a:latin typeface="Calibri Light" panose="020F0302020204030204" pitchFamily="34" charset="0"/>
-                <a:ea typeface="Calibri Light" panose="020F0302020204030204" pitchFamily="34" charset="0"/>
-                <a:cs typeface="Calibri Light" panose="020F0302020204030204" pitchFamily="34" charset="0"/>
-              </a:rPr>
-              <a:t> model, </a:t>
-            </a:r>
-            <a:r>
-              <a:rPr lang="it-IT" dirty="0" err="1">
-                <a:latin typeface="Calibri Light" panose="020F0302020204030204" pitchFamily="34" charset="0"/>
-                <a:ea typeface="Calibri Light" panose="020F0302020204030204" pitchFamily="34" charset="0"/>
-                <a:cs typeface="Calibri Light" panose="020F0302020204030204" pitchFamily="34" charset="0"/>
-              </a:rPr>
-              <a:t>mainly</a:t>
-            </a:r>
-            <a:r>
-              <a:rPr lang="it-IT" dirty="0">
-                <a:latin typeface="Calibri Light" panose="020F0302020204030204" pitchFamily="34" charset="0"/>
-                <a:ea typeface="Calibri Light" panose="020F0302020204030204" pitchFamily="34" charset="0"/>
-                <a:cs typeface="Calibri Light" panose="020F0302020204030204" pitchFamily="34" charset="0"/>
-              </a:rPr>
-              <a:t> the </a:t>
-            </a:r>
-            <a:r>
-              <a:rPr lang="it-IT" dirty="0" err="1">
-                <a:latin typeface="Calibri Light" panose="020F0302020204030204" pitchFamily="34" charset="0"/>
-                <a:ea typeface="Calibri Light" panose="020F0302020204030204" pitchFamily="34" charset="0"/>
-                <a:cs typeface="Calibri Light" panose="020F0302020204030204" pitchFamily="34" charset="0"/>
-              </a:rPr>
-              <a:t>tendency</a:t>
-            </a:r>
-            <a:r>
-              <a:rPr lang="it-IT" dirty="0">
-                <a:latin typeface="Calibri Light" panose="020F0302020204030204" pitchFamily="34" charset="0"/>
-                <a:ea typeface="Calibri Light" panose="020F0302020204030204" pitchFamily="34" charset="0"/>
-                <a:cs typeface="Calibri Light" panose="020F0302020204030204" pitchFamily="34" charset="0"/>
-              </a:rPr>
-              <a:t> to crash on the </a:t>
-            </a:r>
-            <a:r>
-              <a:rPr lang="it-IT" dirty="0" err="1">
-                <a:latin typeface="Calibri Light" panose="020F0302020204030204" pitchFamily="34" charset="0"/>
-                <a:ea typeface="Calibri Light" panose="020F0302020204030204" pitchFamily="34" charset="0"/>
-                <a:cs typeface="Calibri Light" panose="020F0302020204030204" pitchFamily="34" charset="0"/>
-              </a:rPr>
-              <a:t>columns</a:t>
-            </a:r>
-            <a:r>
-              <a:rPr lang="it-IT" dirty="0">
-                <a:latin typeface="Calibri Light" panose="020F0302020204030204" pitchFamily="34" charset="0"/>
-                <a:ea typeface="Calibri Light" panose="020F0302020204030204" pitchFamily="34" charset="0"/>
-                <a:cs typeface="Calibri Light" panose="020F0302020204030204" pitchFamily="34" charset="0"/>
-              </a:rPr>
-              <a:t>. </a:t>
+              <a:t>We also changed the number of scannings, from 5 scans (one every 72°) to 24 scans (one every 15°) to hopefully solve some problems with the original model, mainly the tendency to crash on the columns.</a:t>
             </a:r>
           </a:p>
         </p:txBody>
@@ -23273,7 +22311,7 @@
             </a:ln>
             <a:extLst>
               <a:ext uri="{91240B29-F687-4f45-9708-019B960494DF}">
-                <a14:hiddenLine xmlns:a14="http://schemas.microsoft.com/office/drawing/2010/main" xmlns:p14="http://schemas.microsoft.com/office/powerpoint/2010/main" xmlns:a16="http://schemas.microsoft.com/office/drawing/2014/main" xmlns="" w="9525">
+                <a14:hiddenLine xmlns="" xmlns:a16="http://schemas.microsoft.com/office/drawing/2014/main" xmlns:p14="http://schemas.microsoft.com/office/powerpoint/2010/main" xmlns:a14="http://schemas.microsoft.com/office/drawing/2010/main" w="9525">
                   <a:solidFill>
                     <a:srgbClr val="000000"/>
                   </a:solidFill>
@@ -23385,7 +22423,7 @@
             </a:ln>
             <a:extLst>
               <a:ext uri="{91240B29-F687-4f45-9708-019B960494DF}">
-                <a14:hiddenLine xmlns:a14="http://schemas.microsoft.com/office/drawing/2010/main" xmlns:p14="http://schemas.microsoft.com/office/powerpoint/2010/main" xmlns:a16="http://schemas.microsoft.com/office/drawing/2014/main" xmlns="" w="9525">
+                <a14:hiddenLine xmlns="" xmlns:a16="http://schemas.microsoft.com/office/drawing/2014/main" xmlns:p14="http://schemas.microsoft.com/office/powerpoint/2010/main" xmlns:a14="http://schemas.microsoft.com/office/drawing/2010/main" w="9525">
                   <a:solidFill>
                     <a:srgbClr val="000000"/>
                   </a:solidFill>
@@ -23497,7 +22535,7 @@
             </a:ln>
             <a:extLst>
               <a:ext uri="{91240B29-F687-4f45-9708-019B960494DF}">
-                <a14:hiddenLine xmlns:a14="http://schemas.microsoft.com/office/drawing/2010/main" xmlns:p14="http://schemas.microsoft.com/office/powerpoint/2010/main" xmlns:a16="http://schemas.microsoft.com/office/drawing/2014/main" xmlns="" w="9525">
+                <a14:hiddenLine xmlns="" xmlns:a16="http://schemas.microsoft.com/office/drawing/2014/main" xmlns:p14="http://schemas.microsoft.com/office/powerpoint/2010/main" xmlns:a14="http://schemas.microsoft.com/office/drawing/2010/main" w="9525">
                   <a:solidFill>
                     <a:srgbClr val="000000"/>
                   </a:solidFill>
@@ -23581,7 +22619,7 @@
             </a:ln>
             <a:extLst>
               <a:ext uri="{91240B29-F687-4f45-9708-019B960494DF}">
-                <a14:hiddenLine xmlns:a14="http://schemas.microsoft.com/office/drawing/2010/main" xmlns:p14="http://schemas.microsoft.com/office/powerpoint/2010/main" xmlns:a16="http://schemas.microsoft.com/office/drawing/2014/main" xmlns="" w="9525">
+                <a14:hiddenLine xmlns="" xmlns:a16="http://schemas.microsoft.com/office/drawing/2014/main" xmlns:p14="http://schemas.microsoft.com/office/powerpoint/2010/main" xmlns:a14="http://schemas.microsoft.com/office/drawing/2010/main" w="9525">
                   <a:solidFill>
                     <a:srgbClr val="000000"/>
                   </a:solidFill>
@@ -23693,7 +22731,7 @@
             </a:ln>
             <a:extLst>
               <a:ext uri="{91240B29-F687-4f45-9708-019B960494DF}">
-                <a14:hiddenLine xmlns:a14="http://schemas.microsoft.com/office/drawing/2010/main" xmlns:p14="http://schemas.microsoft.com/office/powerpoint/2010/main" xmlns:a16="http://schemas.microsoft.com/office/drawing/2014/main" xmlns="" w="9525">
+                <a14:hiddenLine xmlns="" xmlns:a16="http://schemas.microsoft.com/office/drawing/2014/main" xmlns:p14="http://schemas.microsoft.com/office/powerpoint/2010/main" xmlns:a14="http://schemas.microsoft.com/office/drawing/2010/main" w="9525">
                   <a:solidFill>
                     <a:srgbClr val="000000"/>
                   </a:solidFill>
@@ -23777,7 +22815,7 @@
             </a:ln>
             <a:extLst>
               <a:ext uri="{91240B29-F687-4f45-9708-019B960494DF}">
-                <a14:hiddenLine xmlns:a14="http://schemas.microsoft.com/office/drawing/2010/main" xmlns:p14="http://schemas.microsoft.com/office/powerpoint/2010/main" xmlns:a16="http://schemas.microsoft.com/office/drawing/2014/main" xmlns="" w="9525">
+                <a14:hiddenLine xmlns="" xmlns:a16="http://schemas.microsoft.com/office/drawing/2014/main" xmlns:p14="http://schemas.microsoft.com/office/powerpoint/2010/main" xmlns:a14="http://schemas.microsoft.com/office/drawing/2010/main" w="9525">
                   <a:solidFill>
                     <a:srgbClr val="000000"/>
                   </a:solidFill>
@@ -23861,7 +22899,7 @@
             </a:ln>
             <a:extLst>
               <a:ext uri="{91240B29-F687-4f45-9708-019B960494DF}">
-                <a14:hiddenLine xmlns:a14="http://schemas.microsoft.com/office/drawing/2010/main" xmlns:p14="http://schemas.microsoft.com/office/powerpoint/2010/main" xmlns:a16="http://schemas.microsoft.com/office/drawing/2014/main" xmlns="" w="9525">
+                <a14:hiddenLine xmlns="" xmlns:a16="http://schemas.microsoft.com/office/drawing/2014/main" xmlns:p14="http://schemas.microsoft.com/office/powerpoint/2010/main" xmlns:a14="http://schemas.microsoft.com/office/drawing/2010/main" w="9525">
                   <a:solidFill>
                     <a:srgbClr val="000000"/>
                   </a:solidFill>
@@ -23973,7 +23011,7 @@
             </a:ln>
             <a:extLst>
               <a:ext uri="{91240B29-F687-4f45-9708-019B960494DF}">
-                <a14:hiddenLine xmlns:a14="http://schemas.microsoft.com/office/drawing/2010/main" xmlns:p14="http://schemas.microsoft.com/office/powerpoint/2010/main" xmlns:a16="http://schemas.microsoft.com/office/drawing/2014/main" xmlns="" w="9525">
+                <a14:hiddenLine xmlns="" xmlns:a16="http://schemas.microsoft.com/office/drawing/2014/main" xmlns:p14="http://schemas.microsoft.com/office/powerpoint/2010/main" xmlns:a14="http://schemas.microsoft.com/office/drawing/2010/main" w="9525">
                   <a:solidFill>
                     <a:srgbClr val="000000"/>
                   </a:solidFill>
@@ -24085,7 +23123,7 @@
             </a:ln>
             <a:extLst>
               <a:ext uri="{91240B29-F687-4f45-9708-019B960494DF}">
-                <a14:hiddenLine xmlns:a14="http://schemas.microsoft.com/office/drawing/2010/main" xmlns:p14="http://schemas.microsoft.com/office/powerpoint/2010/main" xmlns:a16="http://schemas.microsoft.com/office/drawing/2014/main" xmlns="" w="9525">
+                <a14:hiddenLine xmlns="" xmlns:a16="http://schemas.microsoft.com/office/drawing/2014/main" xmlns:p14="http://schemas.microsoft.com/office/powerpoint/2010/main" xmlns:a14="http://schemas.microsoft.com/office/drawing/2010/main" w="9525">
                   <a:solidFill>
                     <a:srgbClr val="000000"/>
                   </a:solidFill>
@@ -24169,7 +23207,7 @@
             </a:ln>
             <a:extLst>
               <a:ext uri="{91240B29-F687-4f45-9708-019B960494DF}">
-                <a14:hiddenLine xmlns:a14="http://schemas.microsoft.com/office/drawing/2010/main" xmlns:p14="http://schemas.microsoft.com/office/powerpoint/2010/main" xmlns:a16="http://schemas.microsoft.com/office/drawing/2014/main" xmlns="" w="9525">
+                <a14:hiddenLine xmlns="" xmlns:a16="http://schemas.microsoft.com/office/drawing/2014/main" xmlns:p14="http://schemas.microsoft.com/office/powerpoint/2010/main" xmlns:a14="http://schemas.microsoft.com/office/drawing/2010/main" w="9525">
                   <a:solidFill>
                     <a:srgbClr val="000000"/>
                   </a:solidFill>
@@ -24301,7 +23339,7 @@
             </a:ln>
             <a:extLst>
               <a:ext uri="{91240B29-F687-4f45-9708-019B960494DF}">
-                <a14:hiddenLine xmlns:a14="http://schemas.microsoft.com/office/drawing/2010/main" xmlns:p14="http://schemas.microsoft.com/office/powerpoint/2010/main" xmlns:a16="http://schemas.microsoft.com/office/drawing/2014/main" xmlns="" w="9525">
+                <a14:hiddenLine xmlns="" xmlns:a16="http://schemas.microsoft.com/office/drawing/2014/main" xmlns:p14="http://schemas.microsoft.com/office/powerpoint/2010/main" xmlns:a14="http://schemas.microsoft.com/office/drawing/2010/main" w="9525">
                   <a:solidFill>
                     <a:srgbClr val="000000"/>
                   </a:solidFill>
@@ -24429,7 +23467,7 @@
             </a:ln>
             <a:extLst>
               <a:ext uri="{91240B29-F687-4f45-9708-019B960494DF}">
-                <a14:hiddenLine xmlns:a14="http://schemas.microsoft.com/office/drawing/2010/main" xmlns:p14="http://schemas.microsoft.com/office/powerpoint/2010/main" xmlns:a16="http://schemas.microsoft.com/office/drawing/2014/main" xmlns="" w="9525">
+                <a14:hiddenLine xmlns="" xmlns:a16="http://schemas.microsoft.com/office/drawing/2014/main" xmlns:p14="http://schemas.microsoft.com/office/powerpoint/2010/main" xmlns:a14="http://schemas.microsoft.com/office/drawing/2010/main" w="9525">
                   <a:solidFill>
                     <a:srgbClr val="000000"/>
                   </a:solidFill>
@@ -24513,7 +23551,7 @@
             </a:ln>
             <a:extLst>
               <a:ext uri="{91240B29-F687-4f45-9708-019B960494DF}">
-                <a14:hiddenLine xmlns:a14="http://schemas.microsoft.com/office/drawing/2010/main" xmlns:p14="http://schemas.microsoft.com/office/powerpoint/2010/main" xmlns:a16="http://schemas.microsoft.com/office/drawing/2014/main" xmlns="" w="9525">
+                <a14:hiddenLine xmlns="" xmlns:a16="http://schemas.microsoft.com/office/drawing/2014/main" xmlns:p14="http://schemas.microsoft.com/office/powerpoint/2010/main" xmlns:a14="http://schemas.microsoft.com/office/drawing/2010/main" w="9525">
                   <a:solidFill>
                     <a:srgbClr val="000000"/>
                   </a:solidFill>
@@ -24597,7 +23635,7 @@
             </a:ln>
             <a:extLst>
               <a:ext uri="{91240B29-F687-4f45-9708-019B960494DF}">
-                <a14:hiddenLine xmlns:a14="http://schemas.microsoft.com/office/drawing/2010/main" xmlns:p14="http://schemas.microsoft.com/office/powerpoint/2010/main" xmlns:a16="http://schemas.microsoft.com/office/drawing/2014/main" xmlns="" w="9525">
+                <a14:hiddenLine xmlns="" xmlns:a16="http://schemas.microsoft.com/office/drawing/2014/main" xmlns:p14="http://schemas.microsoft.com/office/powerpoint/2010/main" xmlns:a14="http://schemas.microsoft.com/office/drawing/2010/main" w="9525">
                   <a:solidFill>
                     <a:srgbClr val="000000"/>
                   </a:solidFill>
@@ -24709,7 +23747,7 @@
             </a:ln>
             <a:extLst>
               <a:ext uri="{91240B29-F687-4f45-9708-019B960494DF}">
-                <a14:hiddenLine xmlns:a14="http://schemas.microsoft.com/office/drawing/2010/main" xmlns:p14="http://schemas.microsoft.com/office/powerpoint/2010/main" xmlns:a16="http://schemas.microsoft.com/office/drawing/2014/main" xmlns="" w="9525">
+                <a14:hiddenLine xmlns="" xmlns:a16="http://schemas.microsoft.com/office/drawing/2014/main" xmlns:p14="http://schemas.microsoft.com/office/powerpoint/2010/main" xmlns:a14="http://schemas.microsoft.com/office/drawing/2010/main" w="9525">
                   <a:solidFill>
                     <a:srgbClr val="000000"/>
                   </a:solidFill>
@@ -24765,7 +23803,7 @@
             </a:ln>
             <a:extLst>
               <a:ext uri="{91240B29-F687-4f45-9708-019B960494DF}">
-                <a14:hiddenLine xmlns:a14="http://schemas.microsoft.com/office/drawing/2010/main" xmlns:p14="http://schemas.microsoft.com/office/powerpoint/2010/main" xmlns:a16="http://schemas.microsoft.com/office/drawing/2014/main" xmlns="" w="9525">
+                <a14:hiddenLine xmlns="" xmlns:a16="http://schemas.microsoft.com/office/drawing/2014/main" xmlns:p14="http://schemas.microsoft.com/office/powerpoint/2010/main" xmlns:a14="http://schemas.microsoft.com/office/drawing/2010/main" w="9525">
                   <a:solidFill>
                     <a:srgbClr val="000000"/>
                   </a:solidFill>
@@ -24852,7 +23890,7 @@
             </a:ln>
             <a:extLst>
               <a:ext uri="{91240B29-F687-4f45-9708-019B960494DF}">
-                <a14:hiddenLine xmlns:a14="http://schemas.microsoft.com/office/drawing/2010/main" xmlns:p14="http://schemas.microsoft.com/office/powerpoint/2010/main" xmlns:a16="http://schemas.microsoft.com/office/drawing/2014/main" xmlns="" w="9525">
+                <a14:hiddenLine xmlns="" xmlns:a16="http://schemas.microsoft.com/office/drawing/2014/main" xmlns:p14="http://schemas.microsoft.com/office/powerpoint/2010/main" xmlns:a14="http://schemas.microsoft.com/office/drawing/2010/main" w="9525">
                   <a:solidFill>
                     <a:srgbClr val="000000"/>
                   </a:solidFill>
@@ -24964,7 +24002,7 @@
             </a:ln>
             <a:extLst>
               <a:ext uri="{91240B29-F687-4f45-9708-019B960494DF}">
-                <a14:hiddenLine xmlns:a14="http://schemas.microsoft.com/office/drawing/2010/main" xmlns:p14="http://schemas.microsoft.com/office/powerpoint/2010/main" xmlns:a16="http://schemas.microsoft.com/office/drawing/2014/main" xmlns="" w="9525">
+                <a14:hiddenLine xmlns="" xmlns:a16="http://schemas.microsoft.com/office/drawing/2014/main" xmlns:p14="http://schemas.microsoft.com/office/powerpoint/2010/main" xmlns:a14="http://schemas.microsoft.com/office/drawing/2010/main" w="9525">
                   <a:solidFill>
                     <a:srgbClr val="000000"/>
                   </a:solidFill>
@@ -25048,7 +24086,7 @@
             </a:ln>
             <a:extLst>
               <a:ext uri="{91240B29-F687-4f45-9708-019B960494DF}">
-                <a14:hiddenLine xmlns:a14="http://schemas.microsoft.com/office/drawing/2010/main" xmlns:p14="http://schemas.microsoft.com/office/powerpoint/2010/main" xmlns:a16="http://schemas.microsoft.com/office/drawing/2014/main" xmlns="" w="9525">
+                <a14:hiddenLine xmlns="" xmlns:a16="http://schemas.microsoft.com/office/drawing/2014/main" xmlns:p14="http://schemas.microsoft.com/office/powerpoint/2010/main" xmlns:a14="http://schemas.microsoft.com/office/drawing/2010/main" w="9525">
                   <a:solidFill>
                     <a:srgbClr val="000000"/>
                   </a:solidFill>
@@ -25160,7 +24198,7 @@
             </a:ln>
             <a:extLst>
               <a:ext uri="{91240B29-F687-4f45-9708-019B960494DF}">
-                <a14:hiddenLine xmlns:a14="http://schemas.microsoft.com/office/drawing/2010/main" xmlns:p14="http://schemas.microsoft.com/office/powerpoint/2010/main" xmlns:a16="http://schemas.microsoft.com/office/drawing/2014/main" xmlns="" w="9525">
+                <a14:hiddenLine xmlns="" xmlns:a16="http://schemas.microsoft.com/office/drawing/2014/main" xmlns:p14="http://schemas.microsoft.com/office/powerpoint/2010/main" xmlns:a14="http://schemas.microsoft.com/office/drawing/2010/main" w="9525">
                   <a:solidFill>
                     <a:srgbClr val="000000"/>
                   </a:solidFill>
@@ -25247,7 +24285,7 @@
             </a:ln>
             <a:extLst>
               <a:ext uri="{91240B29-F687-4f45-9708-019B960494DF}">
-                <a14:hiddenLine xmlns:a14="http://schemas.microsoft.com/office/drawing/2010/main" xmlns:p14="http://schemas.microsoft.com/office/powerpoint/2010/main" xmlns:a16="http://schemas.microsoft.com/office/drawing/2014/main" xmlns="" w="9525">
+                <a14:hiddenLine xmlns="" xmlns:a16="http://schemas.microsoft.com/office/drawing/2014/main" xmlns:p14="http://schemas.microsoft.com/office/powerpoint/2010/main" xmlns:a14="http://schemas.microsoft.com/office/drawing/2010/main" w="9525">
                   <a:solidFill>
                     <a:srgbClr val="000000"/>
                   </a:solidFill>
@@ -25331,7 +24369,7 @@
             </a:ln>
             <a:extLst>
               <a:ext uri="{91240B29-F687-4f45-9708-019B960494DF}">
-                <a14:hiddenLine xmlns:a14="http://schemas.microsoft.com/office/drawing/2010/main" xmlns:p14="http://schemas.microsoft.com/office/powerpoint/2010/main" xmlns:a16="http://schemas.microsoft.com/office/drawing/2014/main" xmlns="" w="9525">
+                <a14:hiddenLine xmlns="" xmlns:a16="http://schemas.microsoft.com/office/drawing/2014/main" xmlns:p14="http://schemas.microsoft.com/office/powerpoint/2010/main" xmlns:a14="http://schemas.microsoft.com/office/drawing/2010/main" w="9525">
                   <a:solidFill>
                     <a:srgbClr val="000000"/>
                   </a:solidFill>
@@ -25443,7 +24481,7 @@
             </a:ln>
             <a:extLst>
               <a:ext uri="{91240B29-F687-4f45-9708-019B960494DF}">
-                <a14:hiddenLine xmlns:a14="http://schemas.microsoft.com/office/drawing/2010/main" xmlns:p14="http://schemas.microsoft.com/office/powerpoint/2010/main" xmlns:a16="http://schemas.microsoft.com/office/drawing/2014/main" xmlns="" w="9525">
+                <a14:hiddenLine xmlns="" xmlns:a16="http://schemas.microsoft.com/office/drawing/2014/main" xmlns:p14="http://schemas.microsoft.com/office/powerpoint/2010/main" xmlns:a14="http://schemas.microsoft.com/office/drawing/2010/main" w="9525">
                   <a:solidFill>
                     <a:srgbClr val="000000"/>
                   </a:solidFill>
@@ -25555,7 +24593,7 @@
             </a:ln>
             <a:extLst>
               <a:ext uri="{91240B29-F687-4f45-9708-019B960494DF}">
-                <a14:hiddenLine xmlns:a14="http://schemas.microsoft.com/office/drawing/2010/main" xmlns:p14="http://schemas.microsoft.com/office/powerpoint/2010/main" xmlns:a16="http://schemas.microsoft.com/office/drawing/2014/main" xmlns="" w="9525">
+                <a14:hiddenLine xmlns="" xmlns:a16="http://schemas.microsoft.com/office/drawing/2014/main" xmlns:p14="http://schemas.microsoft.com/office/powerpoint/2010/main" xmlns:a14="http://schemas.microsoft.com/office/drawing/2010/main" w="9525">
                   <a:solidFill>
                     <a:srgbClr val="000000"/>
                   </a:solidFill>
@@ -25642,7 +24680,7 @@
             </a:ln>
             <a:extLst>
               <a:ext uri="{91240B29-F687-4f45-9708-019B960494DF}">
-                <a14:hiddenLine xmlns:a14="http://schemas.microsoft.com/office/drawing/2010/main" xmlns:p14="http://schemas.microsoft.com/office/powerpoint/2010/main" xmlns:a16="http://schemas.microsoft.com/office/drawing/2014/main" xmlns="" w="9525">
+                <a14:hiddenLine xmlns="" xmlns:a16="http://schemas.microsoft.com/office/drawing/2014/main" xmlns:p14="http://schemas.microsoft.com/office/powerpoint/2010/main" xmlns:a14="http://schemas.microsoft.com/office/drawing/2010/main" w="9525">
                   <a:solidFill>
                     <a:srgbClr val="000000"/>
                   </a:solidFill>
@@ -25784,7 +24822,7 @@
             </a:ln>
             <a:extLst>
               <a:ext uri="{91240B29-F687-4f45-9708-019B960494DF}">
-                <a14:hiddenLine xmlns:a14="http://schemas.microsoft.com/office/drawing/2010/main" xmlns:p14="http://schemas.microsoft.com/office/powerpoint/2010/main" xmlns:a16="http://schemas.microsoft.com/office/drawing/2014/main" xmlns="" w="9525">
+                <a14:hiddenLine xmlns="" xmlns:a16="http://schemas.microsoft.com/office/drawing/2014/main" xmlns:p14="http://schemas.microsoft.com/office/powerpoint/2010/main" xmlns:a14="http://schemas.microsoft.com/office/drawing/2010/main" w="9525">
                   <a:solidFill>
                     <a:srgbClr val="000000"/>
                   </a:solidFill>
@@ -25929,8 +24967,8 @@
         </p:nvSpPr>
         <p:spPr>
           <a:xfrm>
-            <a:off x="4855111" y="456406"/>
-            <a:ext cx="7113051" cy="4697413"/>
+            <a:off x="4852016" y="1604094"/>
+            <a:ext cx="7113051" cy="3753645"/>
           </a:xfrm>
         </p:spPr>
         <p:txBody>
@@ -25943,12 +24981,12 @@
               <a:buNone/>
             </a:pPr>
             <a:r>
-              <a:rPr lang="it-IT" dirty="0">
+              <a:rPr lang="it-IT" sz="2200" dirty="0">
                 <a:latin typeface="Calibri Light" panose="020F0302020204030204" pitchFamily="34" charset="0"/>
                 <a:ea typeface="Calibri Light" panose="020F0302020204030204" pitchFamily="34" charset="0"/>
                 <a:cs typeface="Calibri Light" panose="020F0302020204030204" pitchFamily="34" charset="0"/>
               </a:rPr>
-              <a:t>CCCCCCCCC</a:t>
+              <a:t>We intend to use DQN algorithm as its fast training time could allows us to try different combination of weights and parameter values in a relatively short amount of time.</a:t>
             </a:r>
           </a:p>
           <a:p>
@@ -25956,12 +24994,12 @@
               <a:buNone/>
             </a:pPr>
             <a:r>
-              <a:rPr lang="it-IT" dirty="0">
+              <a:rPr lang="it-IT" sz="2200" dirty="0">
                 <a:latin typeface="Calibri Light" panose="020F0302020204030204" pitchFamily="34" charset="0"/>
                 <a:ea typeface="Calibri Light" panose="020F0302020204030204" pitchFamily="34" charset="0"/>
                 <a:cs typeface="Calibri Light" panose="020F0302020204030204" pitchFamily="34" charset="0"/>
               </a:rPr>
-              <a:t>Chat dice di non usare algoritmi avanzati, tenersi su DQN? (Abbiamo parlato di PPO?)</a:t>
+              <a:t>If we are not able to obtain good results, we plan to try Policy Optimization Algorithms (Reinforce or Actor Critic) which would require much more training time.</a:t>
             </a:r>
           </a:p>
         </p:txBody>
@@ -26145,7 +25183,7 @@
             </a:ln>
             <a:extLst>
               <a:ext uri="{91240B29-F687-4f45-9708-019B960494DF}">
-                <a14:hiddenLine xmlns:a14="http://schemas.microsoft.com/office/drawing/2010/main" xmlns:p14="http://schemas.microsoft.com/office/powerpoint/2010/main" xmlns:a16="http://schemas.microsoft.com/office/drawing/2014/main" xmlns="" w="9525">
+                <a14:hiddenLine xmlns="" xmlns:a16="http://schemas.microsoft.com/office/drawing/2014/main" xmlns:p14="http://schemas.microsoft.com/office/powerpoint/2010/main" xmlns:a14="http://schemas.microsoft.com/office/drawing/2010/main" w="9525">
                   <a:solidFill>
                     <a:srgbClr val="000000"/>
                   </a:solidFill>
@@ -26257,7 +25295,7 @@
             </a:ln>
             <a:extLst>
               <a:ext uri="{91240B29-F687-4f45-9708-019B960494DF}">
-                <a14:hiddenLine xmlns:a14="http://schemas.microsoft.com/office/drawing/2010/main" xmlns:p14="http://schemas.microsoft.com/office/powerpoint/2010/main" xmlns:a16="http://schemas.microsoft.com/office/drawing/2014/main" xmlns="" w="9525">
+                <a14:hiddenLine xmlns="" xmlns:a16="http://schemas.microsoft.com/office/drawing/2014/main" xmlns:p14="http://schemas.microsoft.com/office/powerpoint/2010/main" xmlns:a14="http://schemas.microsoft.com/office/drawing/2010/main" w="9525">
                   <a:solidFill>
                     <a:srgbClr val="000000"/>
                   </a:solidFill>
@@ -26369,7 +25407,7 @@
             </a:ln>
             <a:extLst>
               <a:ext uri="{91240B29-F687-4f45-9708-019B960494DF}">
-                <a14:hiddenLine xmlns:a14="http://schemas.microsoft.com/office/drawing/2010/main" xmlns:p14="http://schemas.microsoft.com/office/powerpoint/2010/main" xmlns:a16="http://schemas.microsoft.com/office/drawing/2014/main" xmlns="" w="9525">
+                <a14:hiddenLine xmlns="" xmlns:a16="http://schemas.microsoft.com/office/drawing/2014/main" xmlns:p14="http://schemas.microsoft.com/office/powerpoint/2010/main" xmlns:a14="http://schemas.microsoft.com/office/drawing/2010/main" w="9525">
                   <a:solidFill>
                     <a:srgbClr val="000000"/>
                   </a:solidFill>
@@ -26453,7 +25491,7 @@
             </a:ln>
             <a:extLst>
               <a:ext uri="{91240B29-F687-4f45-9708-019B960494DF}">
-                <a14:hiddenLine xmlns:a14="http://schemas.microsoft.com/office/drawing/2010/main" xmlns:p14="http://schemas.microsoft.com/office/powerpoint/2010/main" xmlns:a16="http://schemas.microsoft.com/office/drawing/2014/main" xmlns="" w="9525">
+                <a14:hiddenLine xmlns="" xmlns:a16="http://schemas.microsoft.com/office/drawing/2014/main" xmlns:p14="http://schemas.microsoft.com/office/powerpoint/2010/main" xmlns:a14="http://schemas.microsoft.com/office/drawing/2010/main" w="9525">
                   <a:solidFill>
                     <a:srgbClr val="000000"/>
                   </a:solidFill>
@@ -26565,7 +25603,7 @@
             </a:ln>
             <a:extLst>
               <a:ext uri="{91240B29-F687-4f45-9708-019B960494DF}">
-                <a14:hiddenLine xmlns:a14="http://schemas.microsoft.com/office/drawing/2010/main" xmlns:p14="http://schemas.microsoft.com/office/powerpoint/2010/main" xmlns:a16="http://schemas.microsoft.com/office/drawing/2014/main" xmlns="" w="9525">
+                <a14:hiddenLine xmlns="" xmlns:a16="http://schemas.microsoft.com/office/drawing/2014/main" xmlns:p14="http://schemas.microsoft.com/office/powerpoint/2010/main" xmlns:a14="http://schemas.microsoft.com/office/drawing/2010/main" w="9525">
                   <a:solidFill>
                     <a:srgbClr val="000000"/>
                   </a:solidFill>
@@ -26649,7 +25687,7 @@
             </a:ln>
             <a:extLst>
               <a:ext uri="{91240B29-F687-4f45-9708-019B960494DF}">
-                <a14:hiddenLine xmlns:a14="http://schemas.microsoft.com/office/drawing/2010/main" xmlns:p14="http://schemas.microsoft.com/office/powerpoint/2010/main" xmlns:a16="http://schemas.microsoft.com/office/drawing/2014/main" xmlns="" w="9525">
+                <a14:hiddenLine xmlns="" xmlns:a16="http://schemas.microsoft.com/office/drawing/2014/main" xmlns:p14="http://schemas.microsoft.com/office/powerpoint/2010/main" xmlns:a14="http://schemas.microsoft.com/office/drawing/2010/main" w="9525">
                   <a:solidFill>
                     <a:srgbClr val="000000"/>
                   </a:solidFill>
@@ -26733,7 +25771,7 @@
             </a:ln>
             <a:extLst>
               <a:ext uri="{91240B29-F687-4f45-9708-019B960494DF}">
-                <a14:hiddenLine xmlns:a14="http://schemas.microsoft.com/office/drawing/2010/main" xmlns:p14="http://schemas.microsoft.com/office/powerpoint/2010/main" xmlns:a16="http://schemas.microsoft.com/office/drawing/2014/main" xmlns="" w="9525">
+                <a14:hiddenLine xmlns="" xmlns:a16="http://schemas.microsoft.com/office/drawing/2014/main" xmlns:p14="http://schemas.microsoft.com/office/powerpoint/2010/main" xmlns:a14="http://schemas.microsoft.com/office/drawing/2010/main" w="9525">
                   <a:solidFill>
                     <a:srgbClr val="000000"/>
                   </a:solidFill>
@@ -26845,7 +25883,7 @@
             </a:ln>
             <a:extLst>
               <a:ext uri="{91240B29-F687-4f45-9708-019B960494DF}">
-                <a14:hiddenLine xmlns:a14="http://schemas.microsoft.com/office/drawing/2010/main" xmlns:p14="http://schemas.microsoft.com/office/powerpoint/2010/main" xmlns:a16="http://schemas.microsoft.com/office/drawing/2014/main" xmlns="" w="9525">
+                <a14:hiddenLine xmlns="" xmlns:a16="http://schemas.microsoft.com/office/drawing/2014/main" xmlns:p14="http://schemas.microsoft.com/office/powerpoint/2010/main" xmlns:a14="http://schemas.microsoft.com/office/drawing/2010/main" w="9525">
                   <a:solidFill>
                     <a:srgbClr val="000000"/>
                   </a:solidFill>
@@ -26957,7 +25995,7 @@
             </a:ln>
             <a:extLst>
               <a:ext uri="{91240B29-F687-4f45-9708-019B960494DF}">
-                <a14:hiddenLine xmlns:a14="http://schemas.microsoft.com/office/drawing/2010/main" xmlns:p14="http://schemas.microsoft.com/office/powerpoint/2010/main" xmlns:a16="http://schemas.microsoft.com/office/drawing/2014/main" xmlns="" w="9525">
+                <a14:hiddenLine xmlns="" xmlns:a16="http://schemas.microsoft.com/office/drawing/2014/main" xmlns:p14="http://schemas.microsoft.com/office/powerpoint/2010/main" xmlns:a14="http://schemas.microsoft.com/office/drawing/2010/main" w="9525">
                   <a:solidFill>
                     <a:srgbClr val="000000"/>
                   </a:solidFill>
@@ -27041,7 +26079,7 @@
             </a:ln>
             <a:extLst>
               <a:ext uri="{91240B29-F687-4f45-9708-019B960494DF}">
-                <a14:hiddenLine xmlns:a14="http://schemas.microsoft.com/office/drawing/2010/main" xmlns:p14="http://schemas.microsoft.com/office/powerpoint/2010/main" xmlns:a16="http://schemas.microsoft.com/office/drawing/2014/main" xmlns="" w="9525">
+                <a14:hiddenLine xmlns="" xmlns:a16="http://schemas.microsoft.com/office/drawing/2014/main" xmlns:p14="http://schemas.microsoft.com/office/powerpoint/2010/main" xmlns:a14="http://schemas.microsoft.com/office/drawing/2010/main" w="9525">
                   <a:solidFill>
                     <a:srgbClr val="000000"/>
                   </a:solidFill>
@@ -27173,7 +26211,7 @@
             </a:ln>
             <a:extLst>
               <a:ext uri="{91240B29-F687-4f45-9708-019B960494DF}">
-                <a14:hiddenLine xmlns:a14="http://schemas.microsoft.com/office/drawing/2010/main" xmlns:p14="http://schemas.microsoft.com/office/powerpoint/2010/main" xmlns:a16="http://schemas.microsoft.com/office/drawing/2014/main" xmlns="" w="9525">
+                <a14:hiddenLine xmlns="" xmlns:a16="http://schemas.microsoft.com/office/drawing/2014/main" xmlns:p14="http://schemas.microsoft.com/office/powerpoint/2010/main" xmlns:a14="http://schemas.microsoft.com/office/drawing/2010/main" w="9525">
                   <a:solidFill>
                     <a:srgbClr val="000000"/>
                   </a:solidFill>
@@ -27301,7 +26339,7 @@
             </a:ln>
             <a:extLst>
               <a:ext uri="{91240B29-F687-4f45-9708-019B960494DF}">
-                <a14:hiddenLine xmlns:a14="http://schemas.microsoft.com/office/drawing/2010/main" xmlns:p14="http://schemas.microsoft.com/office/powerpoint/2010/main" xmlns:a16="http://schemas.microsoft.com/office/drawing/2014/main" xmlns="" w="9525">
+                <a14:hiddenLine xmlns="" xmlns:a16="http://schemas.microsoft.com/office/drawing/2014/main" xmlns:p14="http://schemas.microsoft.com/office/powerpoint/2010/main" xmlns:a14="http://schemas.microsoft.com/office/drawing/2010/main" w="9525">
                   <a:solidFill>
                     <a:srgbClr val="000000"/>
                   </a:solidFill>
@@ -27385,7 +26423,7 @@
             </a:ln>
             <a:extLst>
               <a:ext uri="{91240B29-F687-4f45-9708-019B960494DF}">
-                <a14:hiddenLine xmlns:a14="http://schemas.microsoft.com/office/drawing/2010/main" xmlns:p14="http://schemas.microsoft.com/office/powerpoint/2010/main" xmlns:a16="http://schemas.microsoft.com/office/drawing/2014/main" xmlns="" w="9525">
+                <a14:hiddenLine xmlns="" xmlns:a16="http://schemas.microsoft.com/office/drawing/2014/main" xmlns:p14="http://schemas.microsoft.com/office/powerpoint/2010/main" xmlns:a14="http://schemas.microsoft.com/office/drawing/2010/main" w="9525">
                   <a:solidFill>
                     <a:srgbClr val="000000"/>
                   </a:solidFill>
@@ -27469,7 +26507,7 @@
             </a:ln>
             <a:extLst>
               <a:ext uri="{91240B29-F687-4f45-9708-019B960494DF}">
-                <a14:hiddenLine xmlns:a14="http://schemas.microsoft.com/office/drawing/2010/main" xmlns:p14="http://schemas.microsoft.com/office/powerpoint/2010/main" xmlns:a16="http://schemas.microsoft.com/office/drawing/2014/main" xmlns="" w="9525">
+                <a14:hiddenLine xmlns="" xmlns:a16="http://schemas.microsoft.com/office/drawing/2014/main" xmlns:p14="http://schemas.microsoft.com/office/powerpoint/2010/main" xmlns:a14="http://schemas.microsoft.com/office/drawing/2010/main" w="9525">
                   <a:solidFill>
                     <a:srgbClr val="000000"/>
                   </a:solidFill>
@@ -27581,7 +26619,7 @@
             </a:ln>
             <a:extLst>
               <a:ext uri="{91240B29-F687-4f45-9708-019B960494DF}">
-                <a14:hiddenLine xmlns:a14="http://schemas.microsoft.com/office/drawing/2010/main" xmlns:p14="http://schemas.microsoft.com/office/powerpoint/2010/main" xmlns:a16="http://schemas.microsoft.com/office/drawing/2014/main" xmlns="" w="9525">
+                <a14:hiddenLine xmlns="" xmlns:a16="http://schemas.microsoft.com/office/drawing/2014/main" xmlns:p14="http://schemas.microsoft.com/office/powerpoint/2010/main" xmlns:a14="http://schemas.microsoft.com/office/drawing/2010/main" w="9525">
                   <a:solidFill>
                     <a:srgbClr val="000000"/>
                   </a:solidFill>
@@ -27637,7 +26675,7 @@
             </a:ln>
             <a:extLst>
               <a:ext uri="{91240B29-F687-4f45-9708-019B960494DF}">
-                <a14:hiddenLine xmlns:a14="http://schemas.microsoft.com/office/drawing/2010/main" xmlns:p14="http://schemas.microsoft.com/office/powerpoint/2010/main" xmlns:a16="http://schemas.microsoft.com/office/drawing/2014/main" xmlns="" w="9525">
+                <a14:hiddenLine xmlns="" xmlns:a16="http://schemas.microsoft.com/office/drawing/2014/main" xmlns:p14="http://schemas.microsoft.com/office/powerpoint/2010/main" xmlns:a14="http://schemas.microsoft.com/office/drawing/2010/main" w="9525">
                   <a:solidFill>
                     <a:srgbClr val="000000"/>
                   </a:solidFill>
@@ -27724,7 +26762,7 @@
             </a:ln>
             <a:extLst>
               <a:ext uri="{91240B29-F687-4f45-9708-019B960494DF}">
-                <a14:hiddenLine xmlns:a14="http://schemas.microsoft.com/office/drawing/2010/main" xmlns:p14="http://schemas.microsoft.com/office/powerpoint/2010/main" xmlns:a16="http://schemas.microsoft.com/office/drawing/2014/main" xmlns="" w="9525">
+                <a14:hiddenLine xmlns="" xmlns:a16="http://schemas.microsoft.com/office/drawing/2014/main" xmlns:p14="http://schemas.microsoft.com/office/powerpoint/2010/main" xmlns:a14="http://schemas.microsoft.com/office/drawing/2010/main" w="9525">
                   <a:solidFill>
                     <a:srgbClr val="000000"/>
                   </a:solidFill>
@@ -27836,7 +26874,7 @@
             </a:ln>
             <a:extLst>
               <a:ext uri="{91240B29-F687-4f45-9708-019B960494DF}">
-                <a14:hiddenLine xmlns:a14="http://schemas.microsoft.com/office/drawing/2010/main" xmlns:p14="http://schemas.microsoft.com/office/powerpoint/2010/main" xmlns:a16="http://schemas.microsoft.com/office/drawing/2014/main" xmlns="" w="9525">
+                <a14:hiddenLine xmlns="" xmlns:a16="http://schemas.microsoft.com/office/drawing/2014/main" xmlns:p14="http://schemas.microsoft.com/office/powerpoint/2010/main" xmlns:a14="http://schemas.microsoft.com/office/drawing/2010/main" w="9525">
                   <a:solidFill>
                     <a:srgbClr val="000000"/>
                   </a:solidFill>
@@ -27920,7 +26958,7 @@
             </a:ln>
             <a:extLst>
               <a:ext uri="{91240B29-F687-4f45-9708-019B960494DF}">
-                <a14:hiddenLine xmlns:a14="http://schemas.microsoft.com/office/drawing/2010/main" xmlns:p14="http://schemas.microsoft.com/office/powerpoint/2010/main" xmlns:a16="http://schemas.microsoft.com/office/drawing/2014/main" xmlns="" w="9525">
+                <a14:hiddenLine xmlns="" xmlns:a16="http://schemas.microsoft.com/office/drawing/2014/main" xmlns:p14="http://schemas.microsoft.com/office/powerpoint/2010/main" xmlns:a14="http://schemas.microsoft.com/office/drawing/2010/main" w="9525">
                   <a:solidFill>
                     <a:srgbClr val="000000"/>
                   </a:solidFill>
@@ -28032,7 +27070,7 @@
             </a:ln>
             <a:extLst>
               <a:ext uri="{91240B29-F687-4f45-9708-019B960494DF}">
-                <a14:hiddenLine xmlns:a14="http://schemas.microsoft.com/office/drawing/2010/main" xmlns:p14="http://schemas.microsoft.com/office/powerpoint/2010/main" xmlns:a16="http://schemas.microsoft.com/office/drawing/2014/main" xmlns="" w="9525">
+                <a14:hiddenLine xmlns="" xmlns:a16="http://schemas.microsoft.com/office/drawing/2014/main" xmlns:p14="http://schemas.microsoft.com/office/powerpoint/2010/main" xmlns:a14="http://schemas.microsoft.com/office/drawing/2010/main" w="9525">
                   <a:solidFill>
                     <a:srgbClr val="000000"/>
                   </a:solidFill>
@@ -28119,7 +27157,7 @@
             </a:ln>
             <a:extLst>
               <a:ext uri="{91240B29-F687-4f45-9708-019B960494DF}">
-                <a14:hiddenLine xmlns:a14="http://schemas.microsoft.com/office/drawing/2010/main" xmlns:p14="http://schemas.microsoft.com/office/powerpoint/2010/main" xmlns:a16="http://schemas.microsoft.com/office/drawing/2014/main" xmlns="" w="9525">
+                <a14:hiddenLine xmlns="" xmlns:a16="http://schemas.microsoft.com/office/drawing/2014/main" xmlns:p14="http://schemas.microsoft.com/office/powerpoint/2010/main" xmlns:a14="http://schemas.microsoft.com/office/drawing/2010/main" w="9525">
                   <a:solidFill>
                     <a:srgbClr val="000000"/>
                   </a:solidFill>
@@ -28203,7 +27241,7 @@
             </a:ln>
             <a:extLst>
               <a:ext uri="{91240B29-F687-4f45-9708-019B960494DF}">
-                <a14:hiddenLine xmlns:a14="http://schemas.microsoft.com/office/drawing/2010/main" xmlns:p14="http://schemas.microsoft.com/office/powerpoint/2010/main" xmlns:a16="http://schemas.microsoft.com/office/drawing/2014/main" xmlns="" w="9525">
+                <a14:hiddenLine xmlns="" xmlns:a16="http://schemas.microsoft.com/office/drawing/2014/main" xmlns:p14="http://schemas.microsoft.com/office/powerpoint/2010/main" xmlns:a14="http://schemas.microsoft.com/office/drawing/2010/main" w="9525">
                   <a:solidFill>
                     <a:srgbClr val="000000"/>
                   </a:solidFill>
@@ -28315,7 +27353,7 @@
             </a:ln>
             <a:extLst>
               <a:ext uri="{91240B29-F687-4f45-9708-019B960494DF}">
-                <a14:hiddenLine xmlns:a14="http://schemas.microsoft.com/office/drawing/2010/main" xmlns:p14="http://schemas.microsoft.com/office/powerpoint/2010/main" xmlns:a16="http://schemas.microsoft.com/office/drawing/2014/main" xmlns="" w="9525">
+                <a14:hiddenLine xmlns="" xmlns:a16="http://schemas.microsoft.com/office/drawing/2014/main" xmlns:p14="http://schemas.microsoft.com/office/powerpoint/2010/main" xmlns:a14="http://schemas.microsoft.com/office/drawing/2010/main" w="9525">
                   <a:solidFill>
                     <a:srgbClr val="000000"/>
                   </a:solidFill>
@@ -28427,7 +27465,7 @@
             </a:ln>
             <a:extLst>
               <a:ext uri="{91240B29-F687-4f45-9708-019B960494DF}">
-                <a14:hiddenLine xmlns:a14="http://schemas.microsoft.com/office/drawing/2010/main" xmlns:p14="http://schemas.microsoft.com/office/powerpoint/2010/main" xmlns:a16="http://schemas.microsoft.com/office/drawing/2014/main" xmlns="" w="9525">
+                <a14:hiddenLine xmlns="" xmlns:a16="http://schemas.microsoft.com/office/drawing/2014/main" xmlns:p14="http://schemas.microsoft.com/office/powerpoint/2010/main" xmlns:a14="http://schemas.microsoft.com/office/drawing/2010/main" w="9525">
                   <a:solidFill>
                     <a:srgbClr val="000000"/>
                   </a:solidFill>
@@ -28514,7 +27552,7 @@
             </a:ln>
             <a:extLst>
               <a:ext uri="{91240B29-F687-4f45-9708-019B960494DF}">
-                <a14:hiddenLine xmlns:a14="http://schemas.microsoft.com/office/drawing/2010/main" xmlns:p14="http://schemas.microsoft.com/office/powerpoint/2010/main" xmlns:a16="http://schemas.microsoft.com/office/drawing/2014/main" xmlns="" w="9525">
+                <a14:hiddenLine xmlns="" xmlns:a16="http://schemas.microsoft.com/office/drawing/2014/main" xmlns:p14="http://schemas.microsoft.com/office/powerpoint/2010/main" xmlns:a14="http://schemas.microsoft.com/office/drawing/2010/main" w="9525">
                   <a:solidFill>
                     <a:srgbClr val="000000"/>
                   </a:solidFill>
@@ -28656,7 +27694,7 @@
             </a:ln>
             <a:extLst>
               <a:ext uri="{91240B29-F687-4f45-9708-019B960494DF}">
-                <a14:hiddenLine xmlns:a14="http://schemas.microsoft.com/office/drawing/2010/main" xmlns:p14="http://schemas.microsoft.com/office/powerpoint/2010/main" xmlns:a16="http://schemas.microsoft.com/office/drawing/2014/main" xmlns="" w="9525">
+                <a14:hiddenLine xmlns="" xmlns:a16="http://schemas.microsoft.com/office/drawing/2014/main" xmlns:p14="http://schemas.microsoft.com/office/powerpoint/2010/main" xmlns:a14="http://schemas.microsoft.com/office/drawing/2010/main" w="9525">
                   <a:solidFill>
                     <a:srgbClr val="000000"/>
                   </a:solidFill>
@@ -28810,7 +27848,7 @@
         </p:spPr>
         <p:txBody>
           <a:bodyPr>
-            <a:normAutofit/>
+            <a:normAutofit fontScale="92500"/>
           </a:bodyPr>
           <a:lstStyle/>
           <a:p>
@@ -28818,324 +27856,12 @@
               <a:buNone/>
             </a:pPr>
             <a:r>
-              <a:rPr lang="it-IT" dirty="0" err="1">
-                <a:latin typeface="Calibri Light" panose="020F0302020204030204" pitchFamily="34" charset="0"/>
-                <a:ea typeface="Calibri Light" panose="020F0302020204030204" pitchFamily="34" charset="0"/>
-                <a:cs typeface="Calibri Light" panose="020F0302020204030204" pitchFamily="34" charset="0"/>
-              </a:rPr>
-              <a:t>We</a:t>
-            </a:r>
-            <a:r>
               <a:rPr lang="it-IT" dirty="0">
                 <a:latin typeface="Calibri Light" panose="020F0302020204030204" pitchFamily="34" charset="0"/>
                 <a:ea typeface="Calibri Light" panose="020F0302020204030204" pitchFamily="34" charset="0"/>
                 <a:cs typeface="Calibri Light" panose="020F0302020204030204" pitchFamily="34" charset="0"/>
               </a:rPr>
-              <a:t> </a:t>
-            </a:r>
-            <a:r>
-              <a:rPr lang="it-IT" dirty="0" err="1">
-                <a:latin typeface="Calibri Light" panose="020F0302020204030204" pitchFamily="34" charset="0"/>
-                <a:ea typeface="Calibri Light" panose="020F0302020204030204" pitchFamily="34" charset="0"/>
-                <a:cs typeface="Calibri Light" panose="020F0302020204030204" pitchFamily="34" charset="0"/>
-              </a:rPr>
-              <a:t>aim</a:t>
-            </a:r>
-            <a:r>
-              <a:rPr lang="it-IT" dirty="0">
-                <a:latin typeface="Calibri Light" panose="020F0302020204030204" pitchFamily="34" charset="0"/>
-                <a:ea typeface="Calibri Light" panose="020F0302020204030204" pitchFamily="34" charset="0"/>
-                <a:cs typeface="Calibri Light" panose="020F0302020204030204" pitchFamily="34" charset="0"/>
-              </a:rPr>
-              <a:t> to use a more sparse </a:t>
-            </a:r>
-            <a:r>
-              <a:rPr lang="it-IT" dirty="0" err="1">
-                <a:latin typeface="Calibri Light" panose="020F0302020204030204" pitchFamily="34" charset="0"/>
-                <a:ea typeface="Calibri Light" panose="020F0302020204030204" pitchFamily="34" charset="0"/>
-                <a:cs typeface="Calibri Light" panose="020F0302020204030204" pitchFamily="34" charset="0"/>
-              </a:rPr>
-              <a:t>reward</a:t>
-            </a:r>
-            <a:r>
-              <a:rPr lang="it-IT" dirty="0">
-                <a:latin typeface="Calibri Light" panose="020F0302020204030204" pitchFamily="34" charset="0"/>
-                <a:ea typeface="Calibri Light" panose="020F0302020204030204" pitchFamily="34" charset="0"/>
-                <a:cs typeface="Calibri Light" panose="020F0302020204030204" pitchFamily="34" charset="0"/>
-              </a:rPr>
-              <a:t> </a:t>
-            </a:r>
-            <a:r>
-              <a:rPr lang="it-IT" dirty="0" err="1">
-                <a:latin typeface="Calibri Light" panose="020F0302020204030204" pitchFamily="34" charset="0"/>
-                <a:ea typeface="Calibri Light" panose="020F0302020204030204" pitchFamily="34" charset="0"/>
-                <a:cs typeface="Calibri Light" panose="020F0302020204030204" pitchFamily="34" charset="0"/>
-              </a:rPr>
-              <a:t>scheme</a:t>
-            </a:r>
-            <a:r>
-              <a:rPr lang="it-IT" dirty="0">
-                <a:latin typeface="Calibri Light" panose="020F0302020204030204" pitchFamily="34" charset="0"/>
-                <a:ea typeface="Calibri Light" panose="020F0302020204030204" pitchFamily="34" charset="0"/>
-                <a:cs typeface="Calibri Light" panose="020F0302020204030204" pitchFamily="34" charset="0"/>
-              </a:rPr>
-              <a:t>, </a:t>
-            </a:r>
-            <a:r>
-              <a:rPr lang="it-IT" dirty="0" err="1">
-                <a:latin typeface="Calibri Light" panose="020F0302020204030204" pitchFamily="34" charset="0"/>
-                <a:ea typeface="Calibri Light" panose="020F0302020204030204" pitchFamily="34" charset="0"/>
-                <a:cs typeface="Calibri Light" panose="020F0302020204030204" pitchFamily="34" charset="0"/>
-              </a:rPr>
-              <a:t>specifically</a:t>
-            </a:r>
-            <a:r>
-              <a:rPr lang="it-IT" dirty="0">
-                <a:latin typeface="Calibri Light" panose="020F0302020204030204" pitchFamily="34" charset="0"/>
-                <a:ea typeface="Calibri Light" panose="020F0302020204030204" pitchFamily="34" charset="0"/>
-                <a:cs typeface="Calibri Light" panose="020F0302020204030204" pitchFamily="34" charset="0"/>
-              </a:rPr>
-              <a:t> </a:t>
-            </a:r>
-            <a:r>
-              <a:rPr lang="it-IT" dirty="0" err="1">
-                <a:latin typeface="Calibri Light" panose="020F0302020204030204" pitchFamily="34" charset="0"/>
-                <a:ea typeface="Calibri Light" panose="020F0302020204030204" pitchFamily="34" charset="0"/>
-                <a:cs typeface="Calibri Light" panose="020F0302020204030204" pitchFamily="34" charset="0"/>
-              </a:rPr>
-              <a:t>want</a:t>
-            </a:r>
-            <a:r>
-              <a:rPr lang="it-IT" dirty="0">
-                <a:latin typeface="Calibri Light" panose="020F0302020204030204" pitchFamily="34" charset="0"/>
-                <a:ea typeface="Calibri Light" panose="020F0302020204030204" pitchFamily="34" charset="0"/>
-                <a:cs typeface="Calibri Light" panose="020F0302020204030204" pitchFamily="34" charset="0"/>
-              </a:rPr>
-              <a:t> to use curriculum </a:t>
-            </a:r>
-            <a:r>
-              <a:rPr lang="it-IT" dirty="0" err="1">
-                <a:latin typeface="Calibri Light" panose="020F0302020204030204" pitchFamily="34" charset="0"/>
-                <a:ea typeface="Calibri Light" panose="020F0302020204030204" pitchFamily="34" charset="0"/>
-                <a:cs typeface="Calibri Light" panose="020F0302020204030204" pitchFamily="34" charset="0"/>
-              </a:rPr>
-              <a:t>based</a:t>
-            </a:r>
-            <a:r>
-              <a:rPr lang="it-IT" dirty="0">
-                <a:latin typeface="Calibri Light" panose="020F0302020204030204" pitchFamily="34" charset="0"/>
-                <a:ea typeface="Calibri Light" panose="020F0302020204030204" pitchFamily="34" charset="0"/>
-                <a:cs typeface="Calibri Light" panose="020F0302020204030204" pitchFamily="34" charset="0"/>
-              </a:rPr>
-              <a:t> </a:t>
-            </a:r>
-            <a:r>
-              <a:rPr lang="it-IT" dirty="0" err="1">
-                <a:latin typeface="Calibri Light" panose="020F0302020204030204" pitchFamily="34" charset="0"/>
-                <a:ea typeface="Calibri Light" panose="020F0302020204030204" pitchFamily="34" charset="0"/>
-                <a:cs typeface="Calibri Light" panose="020F0302020204030204" pitchFamily="34" charset="0"/>
-              </a:rPr>
-              <a:t>rewards</a:t>
-            </a:r>
-            <a:r>
-              <a:rPr lang="it-IT" dirty="0">
-                <a:latin typeface="Calibri Light" panose="020F0302020204030204" pitchFamily="34" charset="0"/>
-                <a:ea typeface="Calibri Light" panose="020F0302020204030204" pitchFamily="34" charset="0"/>
-                <a:cs typeface="Calibri Light" panose="020F0302020204030204" pitchFamily="34" charset="0"/>
-              </a:rPr>
-              <a:t>, </a:t>
-            </a:r>
-            <a:r>
-              <a:rPr lang="it-IT" dirty="0" err="1">
-                <a:latin typeface="Calibri Light" panose="020F0302020204030204" pitchFamily="34" charset="0"/>
-                <a:ea typeface="Calibri Light" panose="020F0302020204030204" pitchFamily="34" charset="0"/>
-                <a:cs typeface="Calibri Light" panose="020F0302020204030204" pitchFamily="34" charset="0"/>
-              </a:rPr>
-              <a:t>meaning</a:t>
-            </a:r>
-            <a:r>
-              <a:rPr lang="it-IT" dirty="0">
-                <a:latin typeface="Calibri Light" panose="020F0302020204030204" pitchFamily="34" charset="0"/>
-                <a:ea typeface="Calibri Light" panose="020F0302020204030204" pitchFamily="34" charset="0"/>
-                <a:cs typeface="Calibri Light" panose="020F0302020204030204" pitchFamily="34" charset="0"/>
-              </a:rPr>
-              <a:t> </a:t>
-            </a:r>
-            <a:r>
-              <a:rPr lang="it-IT" dirty="0" err="1">
-                <a:latin typeface="Calibri Light" panose="020F0302020204030204" pitchFamily="34" charset="0"/>
-                <a:ea typeface="Calibri Light" panose="020F0302020204030204" pitchFamily="34" charset="0"/>
-                <a:cs typeface="Calibri Light" panose="020F0302020204030204" pitchFamily="34" charset="0"/>
-              </a:rPr>
-              <a:t>that</a:t>
-            </a:r>
-            <a:r>
-              <a:rPr lang="it-IT" dirty="0">
-                <a:latin typeface="Calibri Light" panose="020F0302020204030204" pitchFamily="34" charset="0"/>
-                <a:ea typeface="Calibri Light" panose="020F0302020204030204" pitchFamily="34" charset="0"/>
-                <a:cs typeface="Calibri Light" panose="020F0302020204030204" pitchFamily="34" charset="0"/>
-              </a:rPr>
-              <a:t> </a:t>
-            </a:r>
-            <a:r>
-              <a:rPr lang="it-IT" dirty="0" err="1">
-                <a:latin typeface="Calibri Light" panose="020F0302020204030204" pitchFamily="34" charset="0"/>
-                <a:ea typeface="Calibri Light" panose="020F0302020204030204" pitchFamily="34" charset="0"/>
-                <a:cs typeface="Calibri Light" panose="020F0302020204030204" pitchFamily="34" charset="0"/>
-              </a:rPr>
-              <a:t>we</a:t>
-            </a:r>
-            <a:r>
-              <a:rPr lang="it-IT" dirty="0">
-                <a:latin typeface="Calibri Light" panose="020F0302020204030204" pitchFamily="34" charset="0"/>
-                <a:ea typeface="Calibri Light" panose="020F0302020204030204" pitchFamily="34" charset="0"/>
-                <a:cs typeface="Calibri Light" panose="020F0302020204030204" pitchFamily="34" charset="0"/>
-              </a:rPr>
-              <a:t> start from a </a:t>
-            </a:r>
-            <a:r>
-              <a:rPr lang="it-IT" dirty="0" err="1">
-                <a:latin typeface="Calibri Light" panose="020F0302020204030204" pitchFamily="34" charset="0"/>
-                <a:ea typeface="Calibri Light" panose="020F0302020204030204" pitchFamily="34" charset="0"/>
-                <a:cs typeface="Calibri Light" panose="020F0302020204030204" pitchFamily="34" charset="0"/>
-              </a:rPr>
-              <a:t>simple</a:t>
-            </a:r>
-            <a:r>
-              <a:rPr lang="it-IT" dirty="0">
-                <a:latin typeface="Calibri Light" panose="020F0302020204030204" pitchFamily="34" charset="0"/>
-                <a:ea typeface="Calibri Light" panose="020F0302020204030204" pitchFamily="34" charset="0"/>
-                <a:cs typeface="Calibri Light" panose="020F0302020204030204" pitchFamily="34" charset="0"/>
-              </a:rPr>
-              <a:t> </a:t>
-            </a:r>
-            <a:r>
-              <a:rPr lang="it-IT" dirty="0" err="1">
-                <a:latin typeface="Calibri Light" panose="020F0302020204030204" pitchFamily="34" charset="0"/>
-                <a:ea typeface="Calibri Light" panose="020F0302020204030204" pitchFamily="34" charset="0"/>
-                <a:cs typeface="Calibri Light" panose="020F0302020204030204" pitchFamily="34" charset="0"/>
-              </a:rPr>
-              <a:t>objective</a:t>
-            </a:r>
-            <a:r>
-              <a:rPr lang="it-IT" dirty="0">
-                <a:latin typeface="Calibri Light" panose="020F0302020204030204" pitchFamily="34" charset="0"/>
-                <a:ea typeface="Calibri Light" panose="020F0302020204030204" pitchFamily="34" charset="0"/>
-                <a:cs typeface="Calibri Light" panose="020F0302020204030204" pitchFamily="34" charset="0"/>
-              </a:rPr>
-              <a:t> (pass the first line of </a:t>
-            </a:r>
-            <a:r>
-              <a:rPr lang="it-IT" dirty="0" err="1">
-                <a:latin typeface="Calibri Light" panose="020F0302020204030204" pitchFamily="34" charset="0"/>
-                <a:ea typeface="Calibri Light" panose="020F0302020204030204" pitchFamily="34" charset="0"/>
-                <a:cs typeface="Calibri Light" panose="020F0302020204030204" pitchFamily="34" charset="0"/>
-              </a:rPr>
-              <a:t>walls</a:t>
-            </a:r>
-            <a:r>
-              <a:rPr lang="it-IT" dirty="0">
-                <a:latin typeface="Calibri Light" panose="020F0302020204030204" pitchFamily="34" charset="0"/>
-                <a:ea typeface="Calibri Light" panose="020F0302020204030204" pitchFamily="34" charset="0"/>
-                <a:cs typeface="Calibri Light" panose="020F0302020204030204" pitchFamily="34" charset="0"/>
-              </a:rPr>
-              <a:t>) and build up to a more </a:t>
-            </a:r>
-            <a:r>
-              <a:rPr lang="it-IT" dirty="0" err="1">
-                <a:latin typeface="Calibri Light" panose="020F0302020204030204" pitchFamily="34" charset="0"/>
-                <a:ea typeface="Calibri Light" panose="020F0302020204030204" pitchFamily="34" charset="0"/>
-                <a:cs typeface="Calibri Light" panose="020F0302020204030204" pitchFamily="34" charset="0"/>
-              </a:rPr>
-              <a:t>complex</a:t>
-            </a:r>
-            <a:r>
-              <a:rPr lang="it-IT" dirty="0">
-                <a:latin typeface="Calibri Light" panose="020F0302020204030204" pitchFamily="34" charset="0"/>
-                <a:ea typeface="Calibri Light" panose="020F0302020204030204" pitchFamily="34" charset="0"/>
-                <a:cs typeface="Calibri Light" panose="020F0302020204030204" pitchFamily="34" charset="0"/>
-              </a:rPr>
-              <a:t> one (</a:t>
-            </a:r>
-            <a:r>
-              <a:rPr lang="it-IT" dirty="0" err="1">
-                <a:latin typeface="Calibri Light" panose="020F0302020204030204" pitchFamily="34" charset="0"/>
-                <a:ea typeface="Calibri Light" panose="020F0302020204030204" pitchFamily="34" charset="0"/>
-                <a:cs typeface="Calibri Light" panose="020F0302020204030204" pitchFamily="34" charset="0"/>
-              </a:rPr>
-              <a:t>reach</a:t>
-            </a:r>
-            <a:r>
-              <a:rPr lang="it-IT" dirty="0">
-                <a:latin typeface="Calibri Light" panose="020F0302020204030204" pitchFamily="34" charset="0"/>
-                <a:ea typeface="Calibri Light" panose="020F0302020204030204" pitchFamily="34" charset="0"/>
-                <a:cs typeface="Calibri Light" panose="020F0302020204030204" pitchFamily="34" charset="0"/>
-              </a:rPr>
-              <a:t> the </a:t>
-            </a:r>
-            <a:r>
-              <a:rPr lang="it-IT" dirty="0" err="1">
-                <a:latin typeface="Calibri Light" panose="020F0302020204030204" pitchFamily="34" charset="0"/>
-                <a:ea typeface="Calibri Light" panose="020F0302020204030204" pitchFamily="34" charset="0"/>
-                <a:cs typeface="Calibri Light" panose="020F0302020204030204" pitchFamily="34" charset="0"/>
-              </a:rPr>
-              <a:t>coordinates</a:t>
-            </a:r>
-            <a:r>
-              <a:rPr lang="it-IT" dirty="0">
-                <a:latin typeface="Calibri Light" panose="020F0302020204030204" pitchFamily="34" charset="0"/>
-                <a:ea typeface="Calibri Light" panose="020F0302020204030204" pitchFamily="34" charset="0"/>
-                <a:cs typeface="Calibri Light" panose="020F0302020204030204" pitchFamily="34" charset="0"/>
-              </a:rPr>
-              <a:t> on the </a:t>
-            </a:r>
-            <a:r>
-              <a:rPr lang="it-IT" dirty="0" err="1">
-                <a:latin typeface="Calibri Light" panose="020F0302020204030204" pitchFamily="34" charset="0"/>
-                <a:ea typeface="Calibri Light" panose="020F0302020204030204" pitchFamily="34" charset="0"/>
-                <a:cs typeface="Calibri Light" panose="020F0302020204030204" pitchFamily="34" charset="0"/>
-              </a:rPr>
-              <a:t>other</a:t>
-            </a:r>
-            <a:r>
-              <a:rPr lang="it-IT" dirty="0">
-                <a:latin typeface="Calibri Light" panose="020F0302020204030204" pitchFamily="34" charset="0"/>
-                <a:ea typeface="Calibri Light" panose="020F0302020204030204" pitchFamily="34" charset="0"/>
-                <a:cs typeface="Calibri Light" panose="020F0302020204030204" pitchFamily="34" charset="0"/>
-              </a:rPr>
-              <a:t> side of the arena) and balance </a:t>
-            </a:r>
-            <a:r>
-              <a:rPr lang="it-IT" dirty="0" err="1">
-                <a:latin typeface="Calibri Light" panose="020F0302020204030204" pitchFamily="34" charset="0"/>
-                <a:ea typeface="Calibri Light" panose="020F0302020204030204" pitchFamily="34" charset="0"/>
-                <a:cs typeface="Calibri Light" panose="020F0302020204030204" pitchFamily="34" charset="0"/>
-              </a:rPr>
-              <a:t>this</a:t>
-            </a:r>
-            <a:r>
-              <a:rPr lang="it-IT" dirty="0">
-                <a:latin typeface="Calibri Light" panose="020F0302020204030204" pitchFamily="34" charset="0"/>
-                <a:ea typeface="Calibri Light" panose="020F0302020204030204" pitchFamily="34" charset="0"/>
-                <a:cs typeface="Calibri Light" panose="020F0302020204030204" pitchFamily="34" charset="0"/>
-              </a:rPr>
-              <a:t> with an </a:t>
-            </a:r>
-            <a:r>
-              <a:rPr lang="it-IT" dirty="0" err="1">
-                <a:latin typeface="Calibri Light" panose="020F0302020204030204" pitchFamily="34" charset="0"/>
-                <a:ea typeface="Calibri Light" panose="020F0302020204030204" pitchFamily="34" charset="0"/>
-                <a:cs typeface="Calibri Light" panose="020F0302020204030204" pitchFamily="34" charset="0"/>
-              </a:rPr>
-              <a:t>exploration</a:t>
-            </a:r>
-            <a:r>
-              <a:rPr lang="it-IT" dirty="0">
-                <a:latin typeface="Calibri Light" panose="020F0302020204030204" pitchFamily="34" charset="0"/>
-                <a:ea typeface="Calibri Light" panose="020F0302020204030204" pitchFamily="34" charset="0"/>
-                <a:cs typeface="Calibri Light" panose="020F0302020204030204" pitchFamily="34" charset="0"/>
-              </a:rPr>
-              <a:t> bonus. </a:t>
+              <a:t>We aim to use a more sparse reward scheme, specifically want to use curriculum based rewards, meaning that we start from a simple objective (e.g. pass the first line of walls) and build up to a more complex one (reach the coordinates on the other side of the arena) and balance this with an exploration bonus; to optimize the maze navigation time and smoothness we also plan to implement factorized rewards (collision avoidance, time to target).</a:t>
             </a:r>
           </a:p>
           <a:p>
@@ -29143,244 +27869,12 @@
               <a:buNone/>
             </a:pPr>
             <a:r>
-              <a:rPr lang="it-IT" dirty="0" err="1">
-                <a:latin typeface="Calibri Light" panose="020F0302020204030204" pitchFamily="34" charset="0"/>
-                <a:ea typeface="Calibri Light" panose="020F0302020204030204" pitchFamily="34" charset="0"/>
-                <a:cs typeface="Calibri Light" panose="020F0302020204030204" pitchFamily="34" charset="0"/>
-              </a:rPr>
-              <a:t>We</a:t>
-            </a:r>
-            <a:r>
               <a:rPr lang="it-IT" dirty="0">
                 <a:latin typeface="Calibri Light" panose="020F0302020204030204" pitchFamily="34" charset="0"/>
                 <a:ea typeface="Calibri Light" panose="020F0302020204030204" pitchFamily="34" charset="0"/>
                 <a:cs typeface="Calibri Light" panose="020F0302020204030204" pitchFamily="34" charset="0"/>
               </a:rPr>
-              <a:t> </a:t>
-            </a:r>
-            <a:r>
-              <a:rPr lang="it-IT" dirty="0" err="1">
-                <a:latin typeface="Calibri Light" panose="020F0302020204030204" pitchFamily="34" charset="0"/>
-                <a:ea typeface="Calibri Light" panose="020F0302020204030204" pitchFamily="34" charset="0"/>
-                <a:cs typeface="Calibri Light" panose="020F0302020204030204" pitchFamily="34" charset="0"/>
-              </a:rPr>
-              <a:t>want</a:t>
-            </a:r>
-            <a:r>
-              <a:rPr lang="it-IT" dirty="0">
-                <a:latin typeface="Calibri Light" panose="020F0302020204030204" pitchFamily="34" charset="0"/>
-                <a:ea typeface="Calibri Light" panose="020F0302020204030204" pitchFamily="34" charset="0"/>
-                <a:cs typeface="Calibri Light" panose="020F0302020204030204" pitchFamily="34" charset="0"/>
-              </a:rPr>
-              <a:t> the robot to </a:t>
-            </a:r>
-            <a:r>
-              <a:rPr lang="it-IT" dirty="0" err="1">
-                <a:latin typeface="Calibri Light" panose="020F0302020204030204" pitchFamily="34" charset="0"/>
-                <a:ea typeface="Calibri Light" panose="020F0302020204030204" pitchFamily="34" charset="0"/>
-                <a:cs typeface="Calibri Light" panose="020F0302020204030204" pitchFamily="34" charset="0"/>
-              </a:rPr>
-              <a:t>perform</a:t>
-            </a:r>
-            <a:r>
-              <a:rPr lang="it-IT" dirty="0">
-                <a:latin typeface="Calibri Light" panose="020F0302020204030204" pitchFamily="34" charset="0"/>
-                <a:ea typeface="Calibri Light" panose="020F0302020204030204" pitchFamily="34" charset="0"/>
-                <a:cs typeface="Calibri Light" panose="020F0302020204030204" pitchFamily="34" charset="0"/>
-              </a:rPr>
-              <a:t> the </a:t>
-            </a:r>
-            <a:r>
-              <a:rPr lang="it-IT" dirty="0" err="1">
-                <a:latin typeface="Calibri Light" panose="020F0302020204030204" pitchFamily="34" charset="0"/>
-                <a:ea typeface="Calibri Light" panose="020F0302020204030204" pitchFamily="34" charset="0"/>
-                <a:cs typeface="Calibri Light" panose="020F0302020204030204" pitchFamily="34" charset="0"/>
-              </a:rPr>
-              <a:t>maze</a:t>
-            </a:r>
-            <a:r>
-              <a:rPr lang="it-IT" dirty="0">
-                <a:latin typeface="Calibri Light" panose="020F0302020204030204" pitchFamily="34" charset="0"/>
-                <a:ea typeface="Calibri Light" panose="020F0302020204030204" pitchFamily="34" charset="0"/>
-                <a:cs typeface="Calibri Light" panose="020F0302020204030204" pitchFamily="34" charset="0"/>
-              </a:rPr>
-              <a:t> </a:t>
-            </a:r>
-            <a:r>
-              <a:rPr lang="it-IT" dirty="0" err="1">
-                <a:latin typeface="Calibri Light" panose="020F0302020204030204" pitchFamily="34" charset="0"/>
-                <a:ea typeface="Calibri Light" panose="020F0302020204030204" pitchFamily="34" charset="0"/>
-                <a:cs typeface="Calibri Light" panose="020F0302020204030204" pitchFamily="34" charset="0"/>
-              </a:rPr>
-              <a:t>navigation</a:t>
-            </a:r>
-            <a:r>
-              <a:rPr lang="it-IT" dirty="0">
-                <a:latin typeface="Calibri Light" panose="020F0302020204030204" pitchFamily="34" charset="0"/>
-                <a:ea typeface="Calibri Light" panose="020F0302020204030204" pitchFamily="34" charset="0"/>
-                <a:cs typeface="Calibri Light" panose="020F0302020204030204" pitchFamily="34" charset="0"/>
-              </a:rPr>
-              <a:t> </a:t>
-            </a:r>
-            <a:r>
-              <a:rPr lang="it-IT" dirty="0" err="1">
-                <a:latin typeface="Calibri Light" panose="020F0302020204030204" pitchFamily="34" charset="0"/>
-                <a:ea typeface="Calibri Light" panose="020F0302020204030204" pitchFamily="34" charset="0"/>
-                <a:cs typeface="Calibri Light" panose="020F0302020204030204" pitchFamily="34" charset="0"/>
-              </a:rPr>
-              <a:t>precisely</a:t>
-            </a:r>
-            <a:r>
-              <a:rPr lang="it-IT" dirty="0">
-                <a:latin typeface="Calibri Light" panose="020F0302020204030204" pitchFamily="34" charset="0"/>
-                <a:ea typeface="Calibri Light" panose="020F0302020204030204" pitchFamily="34" charset="0"/>
-                <a:cs typeface="Calibri Light" panose="020F0302020204030204" pitchFamily="34" charset="0"/>
-              </a:rPr>
-              <a:t> and, </a:t>
-            </a:r>
-            <a:r>
-              <a:rPr lang="it-IT" dirty="0" err="1">
-                <a:latin typeface="Calibri Light" panose="020F0302020204030204" pitchFamily="34" charset="0"/>
-                <a:ea typeface="Calibri Light" panose="020F0302020204030204" pitchFamily="34" charset="0"/>
-                <a:cs typeface="Calibri Light" panose="020F0302020204030204" pitchFamily="34" charset="0"/>
-              </a:rPr>
-              <a:t>without</a:t>
-            </a:r>
-            <a:r>
-              <a:rPr lang="it-IT" dirty="0">
-                <a:latin typeface="Calibri Light" panose="020F0302020204030204" pitchFamily="34" charset="0"/>
-                <a:ea typeface="Calibri Light" panose="020F0302020204030204" pitchFamily="34" charset="0"/>
-                <a:cs typeface="Calibri Light" panose="020F0302020204030204" pitchFamily="34" charset="0"/>
-              </a:rPr>
-              <a:t> </a:t>
-            </a:r>
-            <a:r>
-              <a:rPr lang="it-IT" dirty="0" err="1">
-                <a:latin typeface="Calibri Light" panose="020F0302020204030204" pitchFamily="34" charset="0"/>
-                <a:ea typeface="Calibri Light" panose="020F0302020204030204" pitchFamily="34" charset="0"/>
-                <a:cs typeface="Calibri Light" panose="020F0302020204030204" pitchFamily="34" charset="0"/>
-              </a:rPr>
-              <a:t>outside</a:t>
-            </a:r>
-            <a:r>
-              <a:rPr lang="it-IT" dirty="0">
-                <a:latin typeface="Calibri Light" panose="020F0302020204030204" pitchFamily="34" charset="0"/>
-                <a:ea typeface="Calibri Light" panose="020F0302020204030204" pitchFamily="34" charset="0"/>
-                <a:cs typeface="Calibri Light" panose="020F0302020204030204" pitchFamily="34" charset="0"/>
-              </a:rPr>
-              <a:t> info, the </a:t>
-            </a:r>
-            <a:r>
-              <a:rPr lang="it-IT" dirty="0" err="1">
-                <a:latin typeface="Calibri Light" panose="020F0302020204030204" pitchFamily="34" charset="0"/>
-                <a:ea typeface="Calibri Light" panose="020F0302020204030204" pitchFamily="34" charset="0"/>
-                <a:cs typeface="Calibri Light" panose="020F0302020204030204" pitchFamily="34" charset="0"/>
-              </a:rPr>
-              <a:t>exploration</a:t>
-            </a:r>
-            <a:r>
-              <a:rPr lang="it-IT" dirty="0">
-                <a:latin typeface="Calibri Light" panose="020F0302020204030204" pitchFamily="34" charset="0"/>
-                <a:ea typeface="Calibri Light" panose="020F0302020204030204" pitchFamily="34" charset="0"/>
-                <a:cs typeface="Calibri Light" panose="020F0302020204030204" pitchFamily="34" charset="0"/>
-              </a:rPr>
-              <a:t> bonus </a:t>
-            </a:r>
-            <a:r>
-              <a:rPr lang="it-IT" dirty="0" err="1">
-                <a:latin typeface="Calibri Light" panose="020F0302020204030204" pitchFamily="34" charset="0"/>
-                <a:ea typeface="Calibri Light" panose="020F0302020204030204" pitchFamily="34" charset="0"/>
-                <a:cs typeface="Calibri Light" panose="020F0302020204030204" pitchFamily="34" charset="0"/>
-              </a:rPr>
-              <a:t>could</a:t>
-            </a:r>
-            <a:r>
-              <a:rPr lang="it-IT" dirty="0">
-                <a:latin typeface="Calibri Light" panose="020F0302020204030204" pitchFamily="34" charset="0"/>
-                <a:ea typeface="Calibri Light" panose="020F0302020204030204" pitchFamily="34" charset="0"/>
-                <a:cs typeface="Calibri Light" panose="020F0302020204030204" pitchFamily="34" charset="0"/>
-              </a:rPr>
-              <a:t> </a:t>
-            </a:r>
-            <a:r>
-              <a:rPr lang="it-IT" dirty="0" err="1">
-                <a:latin typeface="Calibri Light" panose="020F0302020204030204" pitchFamily="34" charset="0"/>
-                <a:ea typeface="Calibri Light" panose="020F0302020204030204" pitchFamily="34" charset="0"/>
-                <a:cs typeface="Calibri Light" panose="020F0302020204030204" pitchFamily="34" charset="0"/>
-              </a:rPr>
-              <a:t>provides</a:t>
-            </a:r>
-            <a:r>
-              <a:rPr lang="it-IT" dirty="0">
-                <a:latin typeface="Calibri Light" panose="020F0302020204030204" pitchFamily="34" charset="0"/>
-                <a:ea typeface="Calibri Light" panose="020F0302020204030204" pitchFamily="34" charset="0"/>
-                <a:cs typeface="Calibri Light" panose="020F0302020204030204" pitchFamily="34" charset="0"/>
-              </a:rPr>
-              <a:t> </a:t>
-            </a:r>
-            <a:r>
-              <a:rPr lang="it-IT" dirty="0" err="1">
-                <a:latin typeface="Calibri Light" panose="020F0302020204030204" pitchFamily="34" charset="0"/>
-                <a:ea typeface="Calibri Light" panose="020F0302020204030204" pitchFamily="34" charset="0"/>
-                <a:cs typeface="Calibri Light" panose="020F0302020204030204" pitchFamily="34" charset="0"/>
-              </a:rPr>
-              <a:t>adaptability</a:t>
-            </a:r>
-            <a:r>
-              <a:rPr lang="it-IT" dirty="0">
-                <a:latin typeface="Calibri Light" panose="020F0302020204030204" pitchFamily="34" charset="0"/>
-                <a:ea typeface="Calibri Light" panose="020F0302020204030204" pitchFamily="34" charset="0"/>
-                <a:cs typeface="Calibri Light" panose="020F0302020204030204" pitchFamily="34" charset="0"/>
-              </a:rPr>
-              <a:t> to </a:t>
-            </a:r>
-            <a:r>
-              <a:rPr lang="it-IT" dirty="0" err="1">
-                <a:latin typeface="Calibri Light" panose="020F0302020204030204" pitchFamily="34" charset="0"/>
-                <a:ea typeface="Calibri Light" panose="020F0302020204030204" pitchFamily="34" charset="0"/>
-                <a:cs typeface="Calibri Light" panose="020F0302020204030204" pitchFamily="34" charset="0"/>
-              </a:rPr>
-              <a:t>different</a:t>
-            </a:r>
-            <a:r>
-              <a:rPr lang="it-IT" dirty="0">
-                <a:latin typeface="Calibri Light" panose="020F0302020204030204" pitchFamily="34" charset="0"/>
-                <a:ea typeface="Calibri Light" panose="020F0302020204030204" pitchFamily="34" charset="0"/>
-                <a:cs typeface="Calibri Light" panose="020F0302020204030204" pitchFamily="34" charset="0"/>
-              </a:rPr>
-              <a:t> </a:t>
-            </a:r>
-            <a:r>
-              <a:rPr lang="it-IT" dirty="0" err="1">
-                <a:latin typeface="Calibri Light" panose="020F0302020204030204" pitchFamily="34" charset="0"/>
-                <a:ea typeface="Calibri Light" panose="020F0302020204030204" pitchFamily="34" charset="0"/>
-                <a:cs typeface="Calibri Light" panose="020F0302020204030204" pitchFamily="34" charset="0"/>
-              </a:rPr>
-              <a:t>types</a:t>
-            </a:r>
-            <a:r>
-              <a:rPr lang="it-IT" dirty="0">
-                <a:latin typeface="Calibri Light" panose="020F0302020204030204" pitchFamily="34" charset="0"/>
-                <a:ea typeface="Calibri Light" panose="020F0302020204030204" pitchFamily="34" charset="0"/>
-                <a:cs typeface="Calibri Light" panose="020F0302020204030204" pitchFamily="34" charset="0"/>
-              </a:rPr>
-              <a:t> of </a:t>
-            </a:r>
-            <a:r>
-              <a:rPr lang="it-IT" dirty="0" err="1">
-                <a:latin typeface="Calibri Light" panose="020F0302020204030204" pitchFamily="34" charset="0"/>
-                <a:ea typeface="Calibri Light" panose="020F0302020204030204" pitchFamily="34" charset="0"/>
-                <a:cs typeface="Calibri Light" panose="020F0302020204030204" pitchFamily="34" charset="0"/>
-              </a:rPr>
-              <a:t>mazes</a:t>
-            </a:r>
-            <a:r>
-              <a:rPr lang="it-IT" dirty="0">
-                <a:latin typeface="Calibri Light" panose="020F0302020204030204" pitchFamily="34" charset="0"/>
-                <a:ea typeface="Calibri Light" panose="020F0302020204030204" pitchFamily="34" charset="0"/>
-                <a:cs typeface="Calibri Light" panose="020F0302020204030204" pitchFamily="34" charset="0"/>
-              </a:rPr>
-              <a:t> </a:t>
+              <a:t>We want the robot to perform the maze navigation precisely and, with limited outside information, the exploration bonus could provides adaptability to different types of mazes.</a:t>
             </a:r>
           </a:p>
         </p:txBody>
@@ -29564,7 +28058,7 @@
             </a:ln>
             <a:extLst>
               <a:ext uri="{91240B29-F687-4f45-9708-019B960494DF}">
-                <a14:hiddenLine xmlns:a14="http://schemas.microsoft.com/office/drawing/2010/main" xmlns:p14="http://schemas.microsoft.com/office/powerpoint/2010/main" xmlns:a16="http://schemas.microsoft.com/office/drawing/2014/main" xmlns="" w="9525">
+                <a14:hiddenLine xmlns="" xmlns:a16="http://schemas.microsoft.com/office/drawing/2014/main" xmlns:p14="http://schemas.microsoft.com/office/powerpoint/2010/main" xmlns:a14="http://schemas.microsoft.com/office/drawing/2010/main" w="9525">
                   <a:solidFill>
                     <a:srgbClr val="000000"/>
                   </a:solidFill>
@@ -29676,7 +28170,7 @@
             </a:ln>
             <a:extLst>
               <a:ext uri="{91240B29-F687-4f45-9708-019B960494DF}">
-                <a14:hiddenLine xmlns:a14="http://schemas.microsoft.com/office/drawing/2010/main" xmlns:p14="http://schemas.microsoft.com/office/powerpoint/2010/main" xmlns:a16="http://schemas.microsoft.com/office/drawing/2014/main" xmlns="" w="9525">
+                <a14:hiddenLine xmlns="" xmlns:a16="http://schemas.microsoft.com/office/drawing/2014/main" xmlns:p14="http://schemas.microsoft.com/office/powerpoint/2010/main" xmlns:a14="http://schemas.microsoft.com/office/drawing/2010/main" w="9525">
                   <a:solidFill>
                     <a:srgbClr val="000000"/>
                   </a:solidFill>
@@ -29788,7 +28282,7 @@
             </a:ln>
             <a:extLst>
               <a:ext uri="{91240B29-F687-4f45-9708-019B960494DF}">
-                <a14:hiddenLine xmlns:a14="http://schemas.microsoft.com/office/drawing/2010/main" xmlns:p14="http://schemas.microsoft.com/office/powerpoint/2010/main" xmlns:a16="http://schemas.microsoft.com/office/drawing/2014/main" xmlns="" w="9525">
+                <a14:hiddenLine xmlns="" xmlns:a16="http://schemas.microsoft.com/office/drawing/2014/main" xmlns:p14="http://schemas.microsoft.com/office/powerpoint/2010/main" xmlns:a14="http://schemas.microsoft.com/office/drawing/2010/main" w="9525">
                   <a:solidFill>
                     <a:srgbClr val="000000"/>
                   </a:solidFill>
@@ -29872,7 +28366,7 @@
             </a:ln>
             <a:extLst>
               <a:ext uri="{91240B29-F687-4f45-9708-019B960494DF}">
-                <a14:hiddenLine xmlns:a14="http://schemas.microsoft.com/office/drawing/2010/main" xmlns:p14="http://schemas.microsoft.com/office/powerpoint/2010/main" xmlns:a16="http://schemas.microsoft.com/office/drawing/2014/main" xmlns="" w="9525">
+                <a14:hiddenLine xmlns="" xmlns:a16="http://schemas.microsoft.com/office/drawing/2014/main" xmlns:p14="http://schemas.microsoft.com/office/powerpoint/2010/main" xmlns:a14="http://schemas.microsoft.com/office/drawing/2010/main" w="9525">
                   <a:solidFill>
                     <a:srgbClr val="000000"/>
                   </a:solidFill>
@@ -29984,7 +28478,7 @@
             </a:ln>
             <a:extLst>
               <a:ext uri="{91240B29-F687-4f45-9708-019B960494DF}">
-                <a14:hiddenLine xmlns:a14="http://schemas.microsoft.com/office/drawing/2010/main" xmlns:p14="http://schemas.microsoft.com/office/powerpoint/2010/main" xmlns:a16="http://schemas.microsoft.com/office/drawing/2014/main" xmlns="" w="9525">
+                <a14:hiddenLine xmlns="" xmlns:a16="http://schemas.microsoft.com/office/drawing/2014/main" xmlns:p14="http://schemas.microsoft.com/office/powerpoint/2010/main" xmlns:a14="http://schemas.microsoft.com/office/drawing/2010/main" w="9525">
                   <a:solidFill>
                     <a:srgbClr val="000000"/>
                   </a:solidFill>
@@ -30068,7 +28562,7 @@
             </a:ln>
             <a:extLst>
               <a:ext uri="{91240B29-F687-4f45-9708-019B960494DF}">
-                <a14:hiddenLine xmlns:a14="http://schemas.microsoft.com/office/drawing/2010/main" xmlns:p14="http://schemas.microsoft.com/office/powerpoint/2010/main" xmlns:a16="http://schemas.microsoft.com/office/drawing/2014/main" xmlns="" w="9525">
+                <a14:hiddenLine xmlns="" xmlns:a16="http://schemas.microsoft.com/office/drawing/2014/main" xmlns:p14="http://schemas.microsoft.com/office/powerpoint/2010/main" xmlns:a14="http://schemas.microsoft.com/office/drawing/2010/main" w="9525">
                   <a:solidFill>
                     <a:srgbClr val="000000"/>
                   </a:solidFill>
@@ -30152,7 +28646,7 @@
             </a:ln>
             <a:extLst>
               <a:ext uri="{91240B29-F687-4f45-9708-019B960494DF}">
-                <a14:hiddenLine xmlns:a14="http://schemas.microsoft.com/office/drawing/2010/main" xmlns:p14="http://schemas.microsoft.com/office/powerpoint/2010/main" xmlns:a16="http://schemas.microsoft.com/office/drawing/2014/main" xmlns="" w="9525">
+                <a14:hiddenLine xmlns="" xmlns:a16="http://schemas.microsoft.com/office/drawing/2014/main" xmlns:p14="http://schemas.microsoft.com/office/powerpoint/2010/main" xmlns:a14="http://schemas.microsoft.com/office/drawing/2010/main" w="9525">
                   <a:solidFill>
                     <a:srgbClr val="000000"/>
                   </a:solidFill>
@@ -30264,7 +28758,7 @@
             </a:ln>
             <a:extLst>
               <a:ext uri="{91240B29-F687-4f45-9708-019B960494DF}">
-                <a14:hiddenLine xmlns:a14="http://schemas.microsoft.com/office/drawing/2010/main" xmlns:p14="http://schemas.microsoft.com/office/powerpoint/2010/main" xmlns:a16="http://schemas.microsoft.com/office/drawing/2014/main" xmlns="" w="9525">
+                <a14:hiddenLine xmlns="" xmlns:a16="http://schemas.microsoft.com/office/drawing/2014/main" xmlns:p14="http://schemas.microsoft.com/office/powerpoint/2010/main" xmlns:a14="http://schemas.microsoft.com/office/drawing/2010/main" w="9525">
                   <a:solidFill>
                     <a:srgbClr val="000000"/>
                   </a:solidFill>
@@ -30376,7 +28870,7 @@
             </a:ln>
             <a:extLst>
               <a:ext uri="{91240B29-F687-4f45-9708-019B960494DF}">
-                <a14:hiddenLine xmlns:a14="http://schemas.microsoft.com/office/drawing/2010/main" xmlns:p14="http://schemas.microsoft.com/office/powerpoint/2010/main" xmlns:a16="http://schemas.microsoft.com/office/drawing/2014/main" xmlns="" w="9525">
+                <a14:hiddenLine xmlns="" xmlns:a16="http://schemas.microsoft.com/office/drawing/2014/main" xmlns:p14="http://schemas.microsoft.com/office/powerpoint/2010/main" xmlns:a14="http://schemas.microsoft.com/office/drawing/2010/main" w="9525">
                   <a:solidFill>
                     <a:srgbClr val="000000"/>
                   </a:solidFill>
@@ -30460,7 +28954,7 @@
             </a:ln>
             <a:extLst>
               <a:ext uri="{91240B29-F687-4f45-9708-019B960494DF}">
-                <a14:hiddenLine xmlns:a14="http://schemas.microsoft.com/office/drawing/2010/main" xmlns:p14="http://schemas.microsoft.com/office/powerpoint/2010/main" xmlns:a16="http://schemas.microsoft.com/office/drawing/2014/main" xmlns="" w="9525">
+                <a14:hiddenLine xmlns="" xmlns:a16="http://schemas.microsoft.com/office/drawing/2014/main" xmlns:p14="http://schemas.microsoft.com/office/powerpoint/2010/main" xmlns:a14="http://schemas.microsoft.com/office/drawing/2010/main" w="9525">
                   <a:solidFill>
                     <a:srgbClr val="000000"/>
                   </a:solidFill>
@@ -30592,7 +29086,7 @@
             </a:ln>
             <a:extLst>
               <a:ext uri="{91240B29-F687-4f45-9708-019B960494DF}">
-                <a14:hiddenLine xmlns:a14="http://schemas.microsoft.com/office/drawing/2010/main" xmlns:p14="http://schemas.microsoft.com/office/powerpoint/2010/main" xmlns:a16="http://schemas.microsoft.com/office/drawing/2014/main" xmlns="" w="9525">
+                <a14:hiddenLine xmlns="" xmlns:a16="http://schemas.microsoft.com/office/drawing/2014/main" xmlns:p14="http://schemas.microsoft.com/office/powerpoint/2010/main" xmlns:a14="http://schemas.microsoft.com/office/drawing/2010/main" w="9525">
                   <a:solidFill>
                     <a:srgbClr val="000000"/>
                   </a:solidFill>
@@ -30720,7 +29214,7 @@
             </a:ln>
             <a:extLst>
               <a:ext uri="{91240B29-F687-4f45-9708-019B960494DF}">
-                <a14:hiddenLine xmlns:a14="http://schemas.microsoft.com/office/drawing/2010/main" xmlns:p14="http://schemas.microsoft.com/office/powerpoint/2010/main" xmlns:a16="http://schemas.microsoft.com/office/drawing/2014/main" xmlns="" w="9525">
+                <a14:hiddenLine xmlns="" xmlns:a16="http://schemas.microsoft.com/office/drawing/2014/main" xmlns:p14="http://schemas.microsoft.com/office/powerpoint/2010/main" xmlns:a14="http://schemas.microsoft.com/office/drawing/2010/main" w="9525">
                   <a:solidFill>
                     <a:srgbClr val="000000"/>
                   </a:solidFill>
@@ -30804,7 +29298,7 @@
             </a:ln>
             <a:extLst>
               <a:ext uri="{91240B29-F687-4f45-9708-019B960494DF}">
-                <a14:hiddenLine xmlns:a14="http://schemas.microsoft.com/office/drawing/2010/main" xmlns:p14="http://schemas.microsoft.com/office/powerpoint/2010/main" xmlns:a16="http://schemas.microsoft.com/office/drawing/2014/main" xmlns="" w="9525">
+                <a14:hiddenLine xmlns="" xmlns:a16="http://schemas.microsoft.com/office/drawing/2014/main" xmlns:p14="http://schemas.microsoft.com/office/powerpoint/2010/main" xmlns:a14="http://schemas.microsoft.com/office/drawing/2010/main" w="9525">
                   <a:solidFill>
                     <a:srgbClr val="000000"/>
                   </a:solidFill>
@@ -30888,7 +29382,7 @@
             </a:ln>
             <a:extLst>
               <a:ext uri="{91240B29-F687-4f45-9708-019B960494DF}">
-                <a14:hiddenLine xmlns:a14="http://schemas.microsoft.com/office/drawing/2010/main" xmlns:p14="http://schemas.microsoft.com/office/powerpoint/2010/main" xmlns:a16="http://schemas.microsoft.com/office/drawing/2014/main" xmlns="" w="9525">
+                <a14:hiddenLine xmlns="" xmlns:a16="http://schemas.microsoft.com/office/drawing/2014/main" xmlns:p14="http://schemas.microsoft.com/office/powerpoint/2010/main" xmlns:a14="http://schemas.microsoft.com/office/drawing/2010/main" w="9525">
                   <a:solidFill>
                     <a:srgbClr val="000000"/>
                   </a:solidFill>
@@ -31000,7 +29494,7 @@
             </a:ln>
             <a:extLst>
               <a:ext uri="{91240B29-F687-4f45-9708-019B960494DF}">
-                <a14:hiddenLine xmlns:a14="http://schemas.microsoft.com/office/drawing/2010/main" xmlns:p14="http://schemas.microsoft.com/office/powerpoint/2010/main" xmlns:a16="http://schemas.microsoft.com/office/drawing/2014/main" xmlns="" w="9525">
+                <a14:hiddenLine xmlns="" xmlns:a16="http://schemas.microsoft.com/office/drawing/2014/main" xmlns:p14="http://schemas.microsoft.com/office/powerpoint/2010/main" xmlns:a14="http://schemas.microsoft.com/office/drawing/2010/main" w="9525">
                   <a:solidFill>
                     <a:srgbClr val="000000"/>
                   </a:solidFill>
@@ -31056,7 +29550,7 @@
             </a:ln>
             <a:extLst>
               <a:ext uri="{91240B29-F687-4f45-9708-019B960494DF}">
-                <a14:hiddenLine xmlns:a14="http://schemas.microsoft.com/office/drawing/2010/main" xmlns:p14="http://schemas.microsoft.com/office/powerpoint/2010/main" xmlns:a16="http://schemas.microsoft.com/office/drawing/2014/main" xmlns="" w="9525">
+                <a14:hiddenLine xmlns="" xmlns:a16="http://schemas.microsoft.com/office/drawing/2014/main" xmlns:p14="http://schemas.microsoft.com/office/powerpoint/2010/main" xmlns:a14="http://schemas.microsoft.com/office/drawing/2010/main" w="9525">
                   <a:solidFill>
                     <a:srgbClr val="000000"/>
                   </a:solidFill>
@@ -31143,7 +29637,7 @@
             </a:ln>
             <a:extLst>
               <a:ext uri="{91240B29-F687-4f45-9708-019B960494DF}">
-                <a14:hiddenLine xmlns:a14="http://schemas.microsoft.com/office/drawing/2010/main" xmlns:p14="http://schemas.microsoft.com/office/powerpoint/2010/main" xmlns:a16="http://schemas.microsoft.com/office/drawing/2014/main" xmlns="" w="9525">
+                <a14:hiddenLine xmlns="" xmlns:a16="http://schemas.microsoft.com/office/drawing/2014/main" xmlns:p14="http://schemas.microsoft.com/office/powerpoint/2010/main" xmlns:a14="http://schemas.microsoft.com/office/drawing/2010/main" w="9525">
                   <a:solidFill>
                     <a:srgbClr val="000000"/>
                   </a:solidFill>
@@ -31255,7 +29749,7 @@
             </a:ln>
             <a:extLst>
               <a:ext uri="{91240B29-F687-4f45-9708-019B960494DF}">
-                <a14:hiddenLine xmlns:a14="http://schemas.microsoft.com/office/drawing/2010/main" xmlns:p14="http://schemas.microsoft.com/office/powerpoint/2010/main" xmlns:a16="http://schemas.microsoft.com/office/drawing/2014/main" xmlns="" w="9525">
+                <a14:hiddenLine xmlns="" xmlns:a16="http://schemas.microsoft.com/office/drawing/2014/main" xmlns:p14="http://schemas.microsoft.com/office/powerpoint/2010/main" xmlns:a14="http://schemas.microsoft.com/office/drawing/2010/main" w="9525">
                   <a:solidFill>
                     <a:srgbClr val="000000"/>
                   </a:solidFill>
@@ -31339,7 +29833,7 @@
             </a:ln>
             <a:extLst>
               <a:ext uri="{91240B29-F687-4f45-9708-019B960494DF}">
-                <a14:hiddenLine xmlns:a14="http://schemas.microsoft.com/office/drawing/2010/main" xmlns:p14="http://schemas.microsoft.com/office/powerpoint/2010/main" xmlns:a16="http://schemas.microsoft.com/office/drawing/2014/main" xmlns="" w="9525">
+                <a14:hiddenLine xmlns="" xmlns:a16="http://schemas.microsoft.com/office/drawing/2014/main" xmlns:p14="http://schemas.microsoft.com/office/powerpoint/2010/main" xmlns:a14="http://schemas.microsoft.com/office/drawing/2010/main" w="9525">
                   <a:solidFill>
                     <a:srgbClr val="000000"/>
                   </a:solidFill>
@@ -31451,7 +29945,7 @@
             </a:ln>
             <a:extLst>
               <a:ext uri="{91240B29-F687-4f45-9708-019B960494DF}">
-                <a14:hiddenLine xmlns:a14="http://schemas.microsoft.com/office/drawing/2010/main" xmlns:p14="http://schemas.microsoft.com/office/powerpoint/2010/main" xmlns:a16="http://schemas.microsoft.com/office/drawing/2014/main" xmlns="" w="9525">
+                <a14:hiddenLine xmlns="" xmlns:a16="http://schemas.microsoft.com/office/drawing/2014/main" xmlns:p14="http://schemas.microsoft.com/office/powerpoint/2010/main" xmlns:a14="http://schemas.microsoft.com/office/drawing/2010/main" w="9525">
                   <a:solidFill>
                     <a:srgbClr val="000000"/>
                   </a:solidFill>
@@ -31538,7 +30032,7 @@
             </a:ln>
             <a:extLst>
               <a:ext uri="{91240B29-F687-4f45-9708-019B960494DF}">
-                <a14:hiddenLine xmlns:a14="http://schemas.microsoft.com/office/drawing/2010/main" xmlns:p14="http://schemas.microsoft.com/office/powerpoint/2010/main" xmlns:a16="http://schemas.microsoft.com/office/drawing/2014/main" xmlns="" w="9525">
+                <a14:hiddenLine xmlns="" xmlns:a16="http://schemas.microsoft.com/office/drawing/2014/main" xmlns:p14="http://schemas.microsoft.com/office/powerpoint/2010/main" xmlns:a14="http://schemas.microsoft.com/office/drawing/2010/main" w="9525">
                   <a:solidFill>
                     <a:srgbClr val="000000"/>
                   </a:solidFill>
@@ -31622,7 +30116,7 @@
             </a:ln>
             <a:extLst>
               <a:ext uri="{91240B29-F687-4f45-9708-019B960494DF}">
-                <a14:hiddenLine xmlns:a14="http://schemas.microsoft.com/office/drawing/2010/main" xmlns:p14="http://schemas.microsoft.com/office/powerpoint/2010/main" xmlns:a16="http://schemas.microsoft.com/office/drawing/2014/main" xmlns="" w="9525">
+                <a14:hiddenLine xmlns="" xmlns:a16="http://schemas.microsoft.com/office/drawing/2014/main" xmlns:p14="http://schemas.microsoft.com/office/powerpoint/2010/main" xmlns:a14="http://schemas.microsoft.com/office/drawing/2010/main" w="9525">
                   <a:solidFill>
                     <a:srgbClr val="000000"/>
                   </a:solidFill>
@@ -31734,7 +30228,7 @@
             </a:ln>
             <a:extLst>
               <a:ext uri="{91240B29-F687-4f45-9708-019B960494DF}">
-                <a14:hiddenLine xmlns:a14="http://schemas.microsoft.com/office/drawing/2010/main" xmlns:p14="http://schemas.microsoft.com/office/powerpoint/2010/main" xmlns:a16="http://schemas.microsoft.com/office/drawing/2014/main" xmlns="" w="9525">
+                <a14:hiddenLine xmlns="" xmlns:a16="http://schemas.microsoft.com/office/drawing/2014/main" xmlns:p14="http://schemas.microsoft.com/office/powerpoint/2010/main" xmlns:a14="http://schemas.microsoft.com/office/drawing/2010/main" w="9525">
                   <a:solidFill>
                     <a:srgbClr val="000000"/>
                   </a:solidFill>
@@ -31846,7 +30340,7 @@
             </a:ln>
             <a:extLst>
               <a:ext uri="{91240B29-F687-4f45-9708-019B960494DF}">
-                <a14:hiddenLine xmlns:a14="http://schemas.microsoft.com/office/drawing/2010/main" xmlns:p14="http://schemas.microsoft.com/office/powerpoint/2010/main" xmlns:a16="http://schemas.microsoft.com/office/drawing/2014/main" xmlns="" w="9525">
+                <a14:hiddenLine xmlns="" xmlns:a16="http://schemas.microsoft.com/office/drawing/2014/main" xmlns:p14="http://schemas.microsoft.com/office/powerpoint/2010/main" xmlns:a14="http://schemas.microsoft.com/office/drawing/2010/main" w="9525">
                   <a:solidFill>
                     <a:srgbClr val="000000"/>
                   </a:solidFill>
@@ -31933,7 +30427,7 @@
             </a:ln>
             <a:extLst>
               <a:ext uri="{91240B29-F687-4f45-9708-019B960494DF}">
-                <a14:hiddenLine xmlns:a14="http://schemas.microsoft.com/office/drawing/2010/main" xmlns:p14="http://schemas.microsoft.com/office/powerpoint/2010/main" xmlns:a16="http://schemas.microsoft.com/office/drawing/2014/main" xmlns="" w="9525">
+                <a14:hiddenLine xmlns="" xmlns:a16="http://schemas.microsoft.com/office/drawing/2014/main" xmlns:p14="http://schemas.microsoft.com/office/powerpoint/2010/main" xmlns:a14="http://schemas.microsoft.com/office/drawing/2010/main" w="9525">
                   <a:solidFill>
                     <a:srgbClr val="000000"/>
                   </a:solidFill>
@@ -32075,7 +30569,7 @@
             </a:ln>
             <a:extLst>
               <a:ext uri="{91240B29-F687-4f45-9708-019B960494DF}">
-                <a14:hiddenLine xmlns:a14="http://schemas.microsoft.com/office/drawing/2010/main" xmlns:p14="http://schemas.microsoft.com/office/powerpoint/2010/main" xmlns:a16="http://schemas.microsoft.com/office/drawing/2014/main" xmlns="" w="9525">
+                <a14:hiddenLine xmlns="" xmlns:a16="http://schemas.microsoft.com/office/drawing/2014/main" xmlns:p14="http://schemas.microsoft.com/office/powerpoint/2010/main" xmlns:a14="http://schemas.microsoft.com/office/drawing/2010/main" w="9525">
                   <a:solidFill>
                     <a:srgbClr val="000000"/>
                   </a:solidFill>
@@ -32217,7 +30711,7 @@
         </p:spPr>
         <p:txBody>
           <a:bodyPr>
-            <a:normAutofit lnSpcReduction="10000"/>
+            <a:normAutofit fontScale="92500"/>
           </a:bodyPr>
           <a:lstStyle/>
           <a:p>
@@ -32230,15 +30724,28 @@
                 <a:ea typeface="Calibri Light" panose="020F0302020204030204" pitchFamily="34" charset="0"/>
                 <a:cs typeface="Calibri Light" panose="020F0302020204030204" pitchFamily="34" charset="0"/>
               </a:rPr>
-              <a:t>In the </a:t>
+              <a:t>In the past months, as we made some trainings on the different models provided we understood that a good choice of parameters and reward weights is crucial if we want to have good results: we want to train different models with less episodes to infer on what’s the best combination of parameters for these specific objectives (mainly the decay rate, the batch size, learning rate and the reward function).</a:t>
             </a:r>
+          </a:p>
+          <a:p>
+            <a:pPr marL="0" indent="0">
+              <a:buNone/>
+            </a:pPr>
             <a:r>
-              <a:rPr lang="it-IT" dirty="0" err="1">
+              <a:rPr lang="it-IT" dirty="0">
                 <a:latin typeface="Calibri Light" panose="020F0302020204030204" pitchFamily="34" charset="0"/>
                 <a:ea typeface="Calibri Light" panose="020F0302020204030204" pitchFamily="34" charset="0"/>
                 <a:cs typeface="Calibri Light" panose="020F0302020204030204" pitchFamily="34" charset="0"/>
               </a:rPr>
-              <a:t>past</a:t>
+              <a:t>Also, choosing a good network architecture is pivital in ensuring the best outcome for the training so we plan to explore </a:t>
+            </a:r>
+            <a:r>
+              <a:rPr lang="it-IT">
+                <a:latin typeface="Calibri Light" panose="020F0302020204030204" pitchFamily="34" charset="0"/>
+                <a:ea typeface="Calibri Light" panose="020F0302020204030204" pitchFamily="34" charset="0"/>
+                <a:cs typeface="Calibri Light" panose="020F0302020204030204" pitchFamily="34" charset="0"/>
+              </a:rPr>
+              <a:t>different types (</a:t>
             </a:r>
             <a:r>
               <a:rPr lang="it-IT" dirty="0">
@@ -32246,732 +30753,7 @@
                 <a:ea typeface="Calibri Light" panose="020F0302020204030204" pitchFamily="34" charset="0"/>
                 <a:cs typeface="Calibri Light" panose="020F0302020204030204" pitchFamily="34" charset="0"/>
               </a:rPr>
-              <a:t> </a:t>
-            </a:r>
-            <a:r>
-              <a:rPr lang="it-IT" dirty="0" err="1">
-                <a:latin typeface="Calibri Light" panose="020F0302020204030204" pitchFamily="34" charset="0"/>
-                <a:ea typeface="Calibri Light" panose="020F0302020204030204" pitchFamily="34" charset="0"/>
-                <a:cs typeface="Calibri Light" panose="020F0302020204030204" pitchFamily="34" charset="0"/>
-              </a:rPr>
-              <a:t>months</a:t>
-            </a:r>
-            <a:r>
-              <a:rPr lang="it-IT" dirty="0">
-                <a:latin typeface="Calibri Light" panose="020F0302020204030204" pitchFamily="34" charset="0"/>
-                <a:ea typeface="Calibri Light" panose="020F0302020204030204" pitchFamily="34" charset="0"/>
-                <a:cs typeface="Calibri Light" panose="020F0302020204030204" pitchFamily="34" charset="0"/>
-              </a:rPr>
-              <a:t>, </a:t>
-            </a:r>
-            <a:r>
-              <a:rPr lang="it-IT" dirty="0" err="1">
-                <a:latin typeface="Calibri Light" panose="020F0302020204030204" pitchFamily="34" charset="0"/>
-                <a:ea typeface="Calibri Light" panose="020F0302020204030204" pitchFamily="34" charset="0"/>
-                <a:cs typeface="Calibri Light" panose="020F0302020204030204" pitchFamily="34" charset="0"/>
-              </a:rPr>
-              <a:t>as</a:t>
-            </a:r>
-            <a:r>
-              <a:rPr lang="it-IT" dirty="0">
-                <a:latin typeface="Calibri Light" panose="020F0302020204030204" pitchFamily="34" charset="0"/>
-                <a:ea typeface="Calibri Light" panose="020F0302020204030204" pitchFamily="34" charset="0"/>
-                <a:cs typeface="Calibri Light" panose="020F0302020204030204" pitchFamily="34" charset="0"/>
-              </a:rPr>
-              <a:t> </a:t>
-            </a:r>
-            <a:r>
-              <a:rPr lang="it-IT" dirty="0" err="1">
-                <a:latin typeface="Calibri Light" panose="020F0302020204030204" pitchFamily="34" charset="0"/>
-                <a:ea typeface="Calibri Light" panose="020F0302020204030204" pitchFamily="34" charset="0"/>
-                <a:cs typeface="Calibri Light" panose="020F0302020204030204" pitchFamily="34" charset="0"/>
-              </a:rPr>
-              <a:t>we</a:t>
-            </a:r>
-            <a:r>
-              <a:rPr lang="it-IT" dirty="0">
-                <a:latin typeface="Calibri Light" panose="020F0302020204030204" pitchFamily="34" charset="0"/>
-                <a:ea typeface="Calibri Light" panose="020F0302020204030204" pitchFamily="34" charset="0"/>
-                <a:cs typeface="Calibri Light" panose="020F0302020204030204" pitchFamily="34" charset="0"/>
-              </a:rPr>
-              <a:t> made some trainings on the </a:t>
-            </a:r>
-            <a:r>
-              <a:rPr lang="it-IT" dirty="0" err="1">
-                <a:latin typeface="Calibri Light" panose="020F0302020204030204" pitchFamily="34" charset="0"/>
-                <a:ea typeface="Calibri Light" panose="020F0302020204030204" pitchFamily="34" charset="0"/>
-                <a:cs typeface="Calibri Light" panose="020F0302020204030204" pitchFamily="34" charset="0"/>
-              </a:rPr>
-              <a:t>different</a:t>
-            </a:r>
-            <a:r>
-              <a:rPr lang="it-IT" dirty="0">
-                <a:latin typeface="Calibri Light" panose="020F0302020204030204" pitchFamily="34" charset="0"/>
-                <a:ea typeface="Calibri Light" panose="020F0302020204030204" pitchFamily="34" charset="0"/>
-                <a:cs typeface="Calibri Light" panose="020F0302020204030204" pitchFamily="34" charset="0"/>
-              </a:rPr>
-              <a:t> models </a:t>
-            </a:r>
-            <a:r>
-              <a:rPr lang="it-IT" dirty="0" err="1">
-                <a:latin typeface="Calibri Light" panose="020F0302020204030204" pitchFamily="34" charset="0"/>
-                <a:ea typeface="Calibri Light" panose="020F0302020204030204" pitchFamily="34" charset="0"/>
-                <a:cs typeface="Calibri Light" panose="020F0302020204030204" pitchFamily="34" charset="0"/>
-              </a:rPr>
-              <a:t>provided</a:t>
-            </a:r>
-            <a:r>
-              <a:rPr lang="it-IT" dirty="0">
-                <a:latin typeface="Calibri Light" panose="020F0302020204030204" pitchFamily="34" charset="0"/>
-                <a:ea typeface="Calibri Light" panose="020F0302020204030204" pitchFamily="34" charset="0"/>
-                <a:cs typeface="Calibri Light" panose="020F0302020204030204" pitchFamily="34" charset="0"/>
-              </a:rPr>
-              <a:t> </a:t>
-            </a:r>
-            <a:r>
-              <a:rPr lang="it-IT" dirty="0" err="1">
-                <a:latin typeface="Calibri Light" panose="020F0302020204030204" pitchFamily="34" charset="0"/>
-                <a:ea typeface="Calibri Light" panose="020F0302020204030204" pitchFamily="34" charset="0"/>
-                <a:cs typeface="Calibri Light" panose="020F0302020204030204" pitchFamily="34" charset="0"/>
-              </a:rPr>
-              <a:t>we</a:t>
-            </a:r>
-            <a:r>
-              <a:rPr lang="it-IT" dirty="0">
-                <a:latin typeface="Calibri Light" panose="020F0302020204030204" pitchFamily="34" charset="0"/>
-                <a:ea typeface="Calibri Light" panose="020F0302020204030204" pitchFamily="34" charset="0"/>
-                <a:cs typeface="Calibri Light" panose="020F0302020204030204" pitchFamily="34" charset="0"/>
-              </a:rPr>
-              <a:t> </a:t>
-            </a:r>
-            <a:r>
-              <a:rPr lang="it-IT" dirty="0" err="1">
-                <a:latin typeface="Calibri Light" panose="020F0302020204030204" pitchFamily="34" charset="0"/>
-                <a:ea typeface="Calibri Light" panose="020F0302020204030204" pitchFamily="34" charset="0"/>
-                <a:cs typeface="Calibri Light" panose="020F0302020204030204" pitchFamily="34" charset="0"/>
-              </a:rPr>
-              <a:t>understood</a:t>
-            </a:r>
-            <a:r>
-              <a:rPr lang="it-IT" dirty="0">
-                <a:latin typeface="Calibri Light" panose="020F0302020204030204" pitchFamily="34" charset="0"/>
-                <a:ea typeface="Calibri Light" panose="020F0302020204030204" pitchFamily="34" charset="0"/>
-                <a:cs typeface="Calibri Light" panose="020F0302020204030204" pitchFamily="34" charset="0"/>
-              </a:rPr>
-              <a:t> </a:t>
-            </a:r>
-            <a:r>
-              <a:rPr lang="it-IT" dirty="0" err="1">
-                <a:latin typeface="Calibri Light" panose="020F0302020204030204" pitchFamily="34" charset="0"/>
-                <a:ea typeface="Calibri Light" panose="020F0302020204030204" pitchFamily="34" charset="0"/>
-                <a:cs typeface="Calibri Light" panose="020F0302020204030204" pitchFamily="34" charset="0"/>
-              </a:rPr>
-              <a:t>that</a:t>
-            </a:r>
-            <a:r>
-              <a:rPr lang="it-IT" dirty="0">
-                <a:latin typeface="Calibri Light" panose="020F0302020204030204" pitchFamily="34" charset="0"/>
-                <a:ea typeface="Calibri Light" panose="020F0302020204030204" pitchFamily="34" charset="0"/>
-                <a:cs typeface="Calibri Light" panose="020F0302020204030204" pitchFamily="34" charset="0"/>
-              </a:rPr>
-              <a:t> a good </a:t>
-            </a:r>
-            <a:r>
-              <a:rPr lang="it-IT" dirty="0" err="1">
-                <a:latin typeface="Calibri Light" panose="020F0302020204030204" pitchFamily="34" charset="0"/>
-                <a:ea typeface="Calibri Light" panose="020F0302020204030204" pitchFamily="34" charset="0"/>
-                <a:cs typeface="Calibri Light" panose="020F0302020204030204" pitchFamily="34" charset="0"/>
-              </a:rPr>
-              <a:t>choice</a:t>
-            </a:r>
-            <a:r>
-              <a:rPr lang="it-IT" dirty="0">
-                <a:latin typeface="Calibri Light" panose="020F0302020204030204" pitchFamily="34" charset="0"/>
-                <a:ea typeface="Calibri Light" panose="020F0302020204030204" pitchFamily="34" charset="0"/>
-                <a:cs typeface="Calibri Light" panose="020F0302020204030204" pitchFamily="34" charset="0"/>
-              </a:rPr>
-              <a:t> of </a:t>
-            </a:r>
-            <a:r>
-              <a:rPr lang="it-IT" dirty="0" err="1">
-                <a:latin typeface="Calibri Light" panose="020F0302020204030204" pitchFamily="34" charset="0"/>
-                <a:ea typeface="Calibri Light" panose="020F0302020204030204" pitchFamily="34" charset="0"/>
-                <a:cs typeface="Calibri Light" panose="020F0302020204030204" pitchFamily="34" charset="0"/>
-              </a:rPr>
-              <a:t>parameters</a:t>
-            </a:r>
-            <a:r>
-              <a:rPr lang="it-IT" dirty="0">
-                <a:latin typeface="Calibri Light" panose="020F0302020204030204" pitchFamily="34" charset="0"/>
-                <a:ea typeface="Calibri Light" panose="020F0302020204030204" pitchFamily="34" charset="0"/>
-                <a:cs typeface="Calibri Light" panose="020F0302020204030204" pitchFamily="34" charset="0"/>
-              </a:rPr>
-              <a:t> </a:t>
-            </a:r>
-            <a:r>
-              <a:rPr lang="it-IT" dirty="0" err="1">
-                <a:latin typeface="Calibri Light" panose="020F0302020204030204" pitchFamily="34" charset="0"/>
-                <a:ea typeface="Calibri Light" panose="020F0302020204030204" pitchFamily="34" charset="0"/>
-                <a:cs typeface="Calibri Light" panose="020F0302020204030204" pitchFamily="34" charset="0"/>
-              </a:rPr>
-              <a:t>is</a:t>
-            </a:r>
-            <a:r>
-              <a:rPr lang="it-IT" dirty="0">
-                <a:latin typeface="Calibri Light" panose="020F0302020204030204" pitchFamily="34" charset="0"/>
-                <a:ea typeface="Calibri Light" panose="020F0302020204030204" pitchFamily="34" charset="0"/>
-                <a:cs typeface="Calibri Light" panose="020F0302020204030204" pitchFamily="34" charset="0"/>
-              </a:rPr>
-              <a:t> </a:t>
-            </a:r>
-            <a:r>
-              <a:rPr lang="it-IT" dirty="0" err="1">
-                <a:latin typeface="Calibri Light" panose="020F0302020204030204" pitchFamily="34" charset="0"/>
-                <a:ea typeface="Calibri Light" panose="020F0302020204030204" pitchFamily="34" charset="0"/>
-                <a:cs typeface="Calibri Light" panose="020F0302020204030204" pitchFamily="34" charset="0"/>
-              </a:rPr>
-              <a:t>crucial</a:t>
-            </a:r>
-            <a:r>
-              <a:rPr lang="it-IT" dirty="0">
-                <a:latin typeface="Calibri Light" panose="020F0302020204030204" pitchFamily="34" charset="0"/>
-                <a:ea typeface="Calibri Light" panose="020F0302020204030204" pitchFamily="34" charset="0"/>
-                <a:cs typeface="Calibri Light" panose="020F0302020204030204" pitchFamily="34" charset="0"/>
-              </a:rPr>
-              <a:t> </a:t>
-            </a:r>
-            <a:r>
-              <a:rPr lang="it-IT" dirty="0" err="1">
-                <a:latin typeface="Calibri Light" panose="020F0302020204030204" pitchFamily="34" charset="0"/>
-                <a:ea typeface="Calibri Light" panose="020F0302020204030204" pitchFamily="34" charset="0"/>
-                <a:cs typeface="Calibri Light" panose="020F0302020204030204" pitchFamily="34" charset="0"/>
-              </a:rPr>
-              <a:t>if</a:t>
-            </a:r>
-            <a:r>
-              <a:rPr lang="it-IT" dirty="0">
-                <a:latin typeface="Calibri Light" panose="020F0302020204030204" pitchFamily="34" charset="0"/>
-                <a:ea typeface="Calibri Light" panose="020F0302020204030204" pitchFamily="34" charset="0"/>
-                <a:cs typeface="Calibri Light" panose="020F0302020204030204" pitchFamily="34" charset="0"/>
-              </a:rPr>
-              <a:t> </a:t>
-            </a:r>
-            <a:r>
-              <a:rPr lang="it-IT" dirty="0" err="1">
-                <a:latin typeface="Calibri Light" panose="020F0302020204030204" pitchFamily="34" charset="0"/>
-                <a:ea typeface="Calibri Light" panose="020F0302020204030204" pitchFamily="34" charset="0"/>
-                <a:cs typeface="Calibri Light" panose="020F0302020204030204" pitchFamily="34" charset="0"/>
-              </a:rPr>
-              <a:t>we</a:t>
-            </a:r>
-            <a:r>
-              <a:rPr lang="it-IT" dirty="0">
-                <a:latin typeface="Calibri Light" panose="020F0302020204030204" pitchFamily="34" charset="0"/>
-                <a:ea typeface="Calibri Light" panose="020F0302020204030204" pitchFamily="34" charset="0"/>
-                <a:cs typeface="Calibri Light" panose="020F0302020204030204" pitchFamily="34" charset="0"/>
-              </a:rPr>
-              <a:t> </a:t>
-            </a:r>
-            <a:r>
-              <a:rPr lang="it-IT" dirty="0" err="1">
-                <a:latin typeface="Calibri Light" panose="020F0302020204030204" pitchFamily="34" charset="0"/>
-                <a:ea typeface="Calibri Light" panose="020F0302020204030204" pitchFamily="34" charset="0"/>
-                <a:cs typeface="Calibri Light" panose="020F0302020204030204" pitchFamily="34" charset="0"/>
-              </a:rPr>
-              <a:t>want</a:t>
-            </a:r>
-            <a:r>
-              <a:rPr lang="it-IT" dirty="0">
-                <a:latin typeface="Calibri Light" panose="020F0302020204030204" pitchFamily="34" charset="0"/>
-                <a:ea typeface="Calibri Light" panose="020F0302020204030204" pitchFamily="34" charset="0"/>
-                <a:cs typeface="Calibri Light" panose="020F0302020204030204" pitchFamily="34" charset="0"/>
-              </a:rPr>
-              <a:t> to </a:t>
-            </a:r>
-            <a:r>
-              <a:rPr lang="it-IT" dirty="0" err="1">
-                <a:latin typeface="Calibri Light" panose="020F0302020204030204" pitchFamily="34" charset="0"/>
-                <a:ea typeface="Calibri Light" panose="020F0302020204030204" pitchFamily="34" charset="0"/>
-                <a:cs typeface="Calibri Light" panose="020F0302020204030204" pitchFamily="34" charset="0"/>
-              </a:rPr>
-              <a:t>have</a:t>
-            </a:r>
-            <a:r>
-              <a:rPr lang="it-IT" dirty="0">
-                <a:latin typeface="Calibri Light" panose="020F0302020204030204" pitchFamily="34" charset="0"/>
-                <a:ea typeface="Calibri Light" panose="020F0302020204030204" pitchFamily="34" charset="0"/>
-                <a:cs typeface="Calibri Light" panose="020F0302020204030204" pitchFamily="34" charset="0"/>
-              </a:rPr>
-              <a:t> good </a:t>
-            </a:r>
-            <a:r>
-              <a:rPr lang="it-IT" dirty="0" err="1">
-                <a:latin typeface="Calibri Light" panose="020F0302020204030204" pitchFamily="34" charset="0"/>
-                <a:ea typeface="Calibri Light" panose="020F0302020204030204" pitchFamily="34" charset="0"/>
-                <a:cs typeface="Calibri Light" panose="020F0302020204030204" pitchFamily="34" charset="0"/>
-              </a:rPr>
-              <a:t>results</a:t>
-            </a:r>
-            <a:r>
-              <a:rPr lang="it-IT" dirty="0">
-                <a:latin typeface="Calibri Light" panose="020F0302020204030204" pitchFamily="34" charset="0"/>
-                <a:ea typeface="Calibri Light" panose="020F0302020204030204" pitchFamily="34" charset="0"/>
-                <a:cs typeface="Calibri Light" panose="020F0302020204030204" pitchFamily="34" charset="0"/>
-              </a:rPr>
-              <a:t>: </a:t>
-            </a:r>
-            <a:r>
-              <a:rPr lang="it-IT" dirty="0" err="1">
-                <a:latin typeface="Calibri Light" panose="020F0302020204030204" pitchFamily="34" charset="0"/>
-                <a:ea typeface="Calibri Light" panose="020F0302020204030204" pitchFamily="34" charset="0"/>
-                <a:cs typeface="Calibri Light" panose="020F0302020204030204" pitchFamily="34" charset="0"/>
-              </a:rPr>
-              <a:t>we</a:t>
-            </a:r>
-            <a:r>
-              <a:rPr lang="it-IT" dirty="0">
-                <a:latin typeface="Calibri Light" panose="020F0302020204030204" pitchFamily="34" charset="0"/>
-                <a:ea typeface="Calibri Light" panose="020F0302020204030204" pitchFamily="34" charset="0"/>
-                <a:cs typeface="Calibri Light" panose="020F0302020204030204" pitchFamily="34" charset="0"/>
-              </a:rPr>
-              <a:t> </a:t>
-            </a:r>
-            <a:r>
-              <a:rPr lang="it-IT" dirty="0" err="1">
-                <a:latin typeface="Calibri Light" panose="020F0302020204030204" pitchFamily="34" charset="0"/>
-                <a:ea typeface="Calibri Light" panose="020F0302020204030204" pitchFamily="34" charset="0"/>
-                <a:cs typeface="Calibri Light" panose="020F0302020204030204" pitchFamily="34" charset="0"/>
-              </a:rPr>
-              <a:t>want</a:t>
-            </a:r>
-            <a:r>
-              <a:rPr lang="it-IT" dirty="0">
-                <a:latin typeface="Calibri Light" panose="020F0302020204030204" pitchFamily="34" charset="0"/>
-                <a:ea typeface="Calibri Light" panose="020F0302020204030204" pitchFamily="34" charset="0"/>
-                <a:cs typeface="Calibri Light" panose="020F0302020204030204" pitchFamily="34" charset="0"/>
-              </a:rPr>
-              <a:t> to </a:t>
-            </a:r>
-            <a:r>
-              <a:rPr lang="it-IT" dirty="0" err="1">
-                <a:latin typeface="Calibri Light" panose="020F0302020204030204" pitchFamily="34" charset="0"/>
-                <a:ea typeface="Calibri Light" panose="020F0302020204030204" pitchFamily="34" charset="0"/>
-                <a:cs typeface="Calibri Light" panose="020F0302020204030204" pitchFamily="34" charset="0"/>
-              </a:rPr>
-              <a:t>train</a:t>
-            </a:r>
-            <a:r>
-              <a:rPr lang="it-IT" dirty="0">
-                <a:latin typeface="Calibri Light" panose="020F0302020204030204" pitchFamily="34" charset="0"/>
-                <a:ea typeface="Calibri Light" panose="020F0302020204030204" pitchFamily="34" charset="0"/>
-                <a:cs typeface="Calibri Light" panose="020F0302020204030204" pitchFamily="34" charset="0"/>
-              </a:rPr>
-              <a:t> </a:t>
-            </a:r>
-            <a:r>
-              <a:rPr lang="it-IT" dirty="0" err="1">
-                <a:latin typeface="Calibri Light" panose="020F0302020204030204" pitchFamily="34" charset="0"/>
-                <a:ea typeface="Calibri Light" panose="020F0302020204030204" pitchFamily="34" charset="0"/>
-                <a:cs typeface="Calibri Light" panose="020F0302020204030204" pitchFamily="34" charset="0"/>
-              </a:rPr>
-              <a:t>different</a:t>
-            </a:r>
-            <a:r>
-              <a:rPr lang="it-IT" dirty="0">
-                <a:latin typeface="Calibri Light" panose="020F0302020204030204" pitchFamily="34" charset="0"/>
-                <a:ea typeface="Calibri Light" panose="020F0302020204030204" pitchFamily="34" charset="0"/>
-                <a:cs typeface="Calibri Light" panose="020F0302020204030204" pitchFamily="34" charset="0"/>
-              </a:rPr>
-              <a:t> models with </a:t>
-            </a:r>
-            <a:r>
-              <a:rPr lang="it-IT" dirty="0" err="1">
-                <a:latin typeface="Calibri Light" panose="020F0302020204030204" pitchFamily="34" charset="0"/>
-                <a:ea typeface="Calibri Light" panose="020F0302020204030204" pitchFamily="34" charset="0"/>
-                <a:cs typeface="Calibri Light" panose="020F0302020204030204" pitchFamily="34" charset="0"/>
-              </a:rPr>
-              <a:t>less</a:t>
-            </a:r>
-            <a:r>
-              <a:rPr lang="it-IT" dirty="0">
-                <a:latin typeface="Calibri Light" panose="020F0302020204030204" pitchFamily="34" charset="0"/>
-                <a:ea typeface="Calibri Light" panose="020F0302020204030204" pitchFamily="34" charset="0"/>
-                <a:cs typeface="Calibri Light" panose="020F0302020204030204" pitchFamily="34" charset="0"/>
-              </a:rPr>
-              <a:t> </a:t>
-            </a:r>
-            <a:r>
-              <a:rPr lang="it-IT" dirty="0" err="1">
-                <a:latin typeface="Calibri Light" panose="020F0302020204030204" pitchFamily="34" charset="0"/>
-                <a:ea typeface="Calibri Light" panose="020F0302020204030204" pitchFamily="34" charset="0"/>
-                <a:cs typeface="Calibri Light" panose="020F0302020204030204" pitchFamily="34" charset="0"/>
-              </a:rPr>
-              <a:t>episodes</a:t>
-            </a:r>
-            <a:r>
-              <a:rPr lang="it-IT" dirty="0">
-                <a:latin typeface="Calibri Light" panose="020F0302020204030204" pitchFamily="34" charset="0"/>
-                <a:ea typeface="Calibri Light" panose="020F0302020204030204" pitchFamily="34" charset="0"/>
-                <a:cs typeface="Calibri Light" panose="020F0302020204030204" pitchFamily="34" charset="0"/>
-              </a:rPr>
-              <a:t> to </a:t>
-            </a:r>
-            <a:r>
-              <a:rPr lang="it-IT" dirty="0" err="1">
-                <a:latin typeface="Calibri Light" panose="020F0302020204030204" pitchFamily="34" charset="0"/>
-                <a:ea typeface="Calibri Light" panose="020F0302020204030204" pitchFamily="34" charset="0"/>
-                <a:cs typeface="Calibri Light" panose="020F0302020204030204" pitchFamily="34" charset="0"/>
-              </a:rPr>
-              <a:t>infer</a:t>
-            </a:r>
-            <a:r>
-              <a:rPr lang="it-IT" dirty="0">
-                <a:latin typeface="Calibri Light" panose="020F0302020204030204" pitchFamily="34" charset="0"/>
-                <a:ea typeface="Calibri Light" panose="020F0302020204030204" pitchFamily="34" charset="0"/>
-                <a:cs typeface="Calibri Light" panose="020F0302020204030204" pitchFamily="34" charset="0"/>
-              </a:rPr>
-              <a:t> on </a:t>
-            </a:r>
-            <a:r>
-              <a:rPr lang="it-IT" dirty="0" err="1">
-                <a:latin typeface="Calibri Light" panose="020F0302020204030204" pitchFamily="34" charset="0"/>
-                <a:ea typeface="Calibri Light" panose="020F0302020204030204" pitchFamily="34" charset="0"/>
-                <a:cs typeface="Calibri Light" panose="020F0302020204030204" pitchFamily="34" charset="0"/>
-              </a:rPr>
-              <a:t>what’s</a:t>
-            </a:r>
-            <a:r>
-              <a:rPr lang="it-IT" dirty="0">
-                <a:latin typeface="Calibri Light" panose="020F0302020204030204" pitchFamily="34" charset="0"/>
-                <a:ea typeface="Calibri Light" panose="020F0302020204030204" pitchFamily="34" charset="0"/>
-                <a:cs typeface="Calibri Light" panose="020F0302020204030204" pitchFamily="34" charset="0"/>
-              </a:rPr>
-              <a:t> the best </a:t>
-            </a:r>
-            <a:r>
-              <a:rPr lang="it-IT" dirty="0" err="1">
-                <a:latin typeface="Calibri Light" panose="020F0302020204030204" pitchFamily="34" charset="0"/>
-                <a:ea typeface="Calibri Light" panose="020F0302020204030204" pitchFamily="34" charset="0"/>
-                <a:cs typeface="Calibri Light" panose="020F0302020204030204" pitchFamily="34" charset="0"/>
-              </a:rPr>
-              <a:t>combination</a:t>
-            </a:r>
-            <a:r>
-              <a:rPr lang="it-IT" dirty="0">
-                <a:latin typeface="Calibri Light" panose="020F0302020204030204" pitchFamily="34" charset="0"/>
-                <a:ea typeface="Calibri Light" panose="020F0302020204030204" pitchFamily="34" charset="0"/>
-                <a:cs typeface="Calibri Light" panose="020F0302020204030204" pitchFamily="34" charset="0"/>
-              </a:rPr>
-              <a:t> of </a:t>
-            </a:r>
-            <a:r>
-              <a:rPr lang="it-IT" dirty="0" err="1">
-                <a:latin typeface="Calibri Light" panose="020F0302020204030204" pitchFamily="34" charset="0"/>
-                <a:ea typeface="Calibri Light" panose="020F0302020204030204" pitchFamily="34" charset="0"/>
-                <a:cs typeface="Calibri Light" panose="020F0302020204030204" pitchFamily="34" charset="0"/>
-              </a:rPr>
-              <a:t>parameters</a:t>
-            </a:r>
-            <a:r>
-              <a:rPr lang="it-IT" dirty="0">
-                <a:latin typeface="Calibri Light" panose="020F0302020204030204" pitchFamily="34" charset="0"/>
-                <a:ea typeface="Calibri Light" panose="020F0302020204030204" pitchFamily="34" charset="0"/>
-                <a:cs typeface="Calibri Light" panose="020F0302020204030204" pitchFamily="34" charset="0"/>
-              </a:rPr>
-              <a:t> for </a:t>
-            </a:r>
-            <a:r>
-              <a:rPr lang="it-IT" dirty="0" err="1">
-                <a:latin typeface="Calibri Light" panose="020F0302020204030204" pitchFamily="34" charset="0"/>
-                <a:ea typeface="Calibri Light" panose="020F0302020204030204" pitchFamily="34" charset="0"/>
-                <a:cs typeface="Calibri Light" panose="020F0302020204030204" pitchFamily="34" charset="0"/>
-              </a:rPr>
-              <a:t>these</a:t>
-            </a:r>
-            <a:r>
-              <a:rPr lang="it-IT" dirty="0">
-                <a:latin typeface="Calibri Light" panose="020F0302020204030204" pitchFamily="34" charset="0"/>
-                <a:ea typeface="Calibri Light" panose="020F0302020204030204" pitchFamily="34" charset="0"/>
-                <a:cs typeface="Calibri Light" panose="020F0302020204030204" pitchFamily="34" charset="0"/>
-              </a:rPr>
-              <a:t> </a:t>
-            </a:r>
-            <a:r>
-              <a:rPr lang="it-IT" dirty="0" err="1">
-                <a:latin typeface="Calibri Light" panose="020F0302020204030204" pitchFamily="34" charset="0"/>
-                <a:ea typeface="Calibri Light" panose="020F0302020204030204" pitchFamily="34" charset="0"/>
-                <a:cs typeface="Calibri Light" panose="020F0302020204030204" pitchFamily="34" charset="0"/>
-              </a:rPr>
-              <a:t>specific</a:t>
-            </a:r>
-            <a:r>
-              <a:rPr lang="it-IT" dirty="0">
-                <a:latin typeface="Calibri Light" panose="020F0302020204030204" pitchFamily="34" charset="0"/>
-                <a:ea typeface="Calibri Light" panose="020F0302020204030204" pitchFamily="34" charset="0"/>
-                <a:cs typeface="Calibri Light" panose="020F0302020204030204" pitchFamily="34" charset="0"/>
-              </a:rPr>
-              <a:t> </a:t>
-            </a:r>
-            <a:r>
-              <a:rPr lang="it-IT" dirty="0" err="1">
-                <a:latin typeface="Calibri Light" panose="020F0302020204030204" pitchFamily="34" charset="0"/>
-                <a:ea typeface="Calibri Light" panose="020F0302020204030204" pitchFamily="34" charset="0"/>
-                <a:cs typeface="Calibri Light" panose="020F0302020204030204" pitchFamily="34" charset="0"/>
-              </a:rPr>
-              <a:t>objectives</a:t>
-            </a:r>
-            <a:r>
-              <a:rPr lang="it-IT" dirty="0">
-                <a:latin typeface="Calibri Light" panose="020F0302020204030204" pitchFamily="34" charset="0"/>
-                <a:ea typeface="Calibri Light" panose="020F0302020204030204" pitchFamily="34" charset="0"/>
-                <a:cs typeface="Calibri Light" panose="020F0302020204030204" pitchFamily="34" charset="0"/>
-              </a:rPr>
-              <a:t> (</a:t>
-            </a:r>
-            <a:r>
-              <a:rPr lang="it-IT" dirty="0" err="1">
-                <a:latin typeface="Calibri Light" panose="020F0302020204030204" pitchFamily="34" charset="0"/>
-                <a:ea typeface="Calibri Light" panose="020F0302020204030204" pitchFamily="34" charset="0"/>
-                <a:cs typeface="Calibri Light" panose="020F0302020204030204" pitchFamily="34" charset="0"/>
-              </a:rPr>
-              <a:t>mainly</a:t>
-            </a:r>
-            <a:r>
-              <a:rPr lang="it-IT" dirty="0">
-                <a:latin typeface="Calibri Light" panose="020F0302020204030204" pitchFamily="34" charset="0"/>
-                <a:ea typeface="Calibri Light" panose="020F0302020204030204" pitchFamily="34" charset="0"/>
-                <a:cs typeface="Calibri Light" panose="020F0302020204030204" pitchFamily="34" charset="0"/>
-              </a:rPr>
-              <a:t> the </a:t>
-            </a:r>
-            <a:r>
-              <a:rPr lang="it-IT" dirty="0" err="1">
-                <a:latin typeface="Calibri Light" panose="020F0302020204030204" pitchFamily="34" charset="0"/>
-                <a:ea typeface="Calibri Light" panose="020F0302020204030204" pitchFamily="34" charset="0"/>
-                <a:cs typeface="Calibri Light" panose="020F0302020204030204" pitchFamily="34" charset="0"/>
-              </a:rPr>
-              <a:t>decay</a:t>
-            </a:r>
-            <a:r>
-              <a:rPr lang="it-IT" dirty="0">
-                <a:latin typeface="Calibri Light" panose="020F0302020204030204" pitchFamily="34" charset="0"/>
-                <a:ea typeface="Calibri Light" panose="020F0302020204030204" pitchFamily="34" charset="0"/>
-                <a:cs typeface="Calibri Light" panose="020F0302020204030204" pitchFamily="34" charset="0"/>
-              </a:rPr>
-              <a:t> rate, the epsilon </a:t>
-            </a:r>
-            <a:r>
-              <a:rPr lang="it-IT" dirty="0" err="1">
-                <a:latin typeface="Calibri Light" panose="020F0302020204030204" pitchFamily="34" charset="0"/>
-                <a:ea typeface="Calibri Light" panose="020F0302020204030204" pitchFamily="34" charset="0"/>
-                <a:cs typeface="Calibri Light" panose="020F0302020204030204" pitchFamily="34" charset="0"/>
-              </a:rPr>
-              <a:t>values</a:t>
-            </a:r>
-            <a:r>
-              <a:rPr lang="it-IT" dirty="0">
-                <a:latin typeface="Calibri Light" panose="020F0302020204030204" pitchFamily="34" charset="0"/>
-                <a:ea typeface="Calibri Light" panose="020F0302020204030204" pitchFamily="34" charset="0"/>
-                <a:cs typeface="Calibri Light" panose="020F0302020204030204" pitchFamily="34" charset="0"/>
-              </a:rPr>
-              <a:t> and the batch size).</a:t>
-            </a:r>
-          </a:p>
-          <a:p>
-            <a:pPr marL="0" indent="0">
-              <a:buNone/>
-            </a:pPr>
-            <a:r>
-              <a:rPr lang="it-IT" dirty="0" err="1">
-                <a:latin typeface="Calibri Light" panose="020F0302020204030204" pitchFamily="34" charset="0"/>
-                <a:ea typeface="Calibri Light" panose="020F0302020204030204" pitchFamily="34" charset="0"/>
-                <a:cs typeface="Calibri Light" panose="020F0302020204030204" pitchFamily="34" charset="0"/>
-              </a:rPr>
-              <a:t>Also</a:t>
-            </a:r>
-            <a:r>
-              <a:rPr lang="it-IT" dirty="0">
-                <a:latin typeface="Calibri Light" panose="020F0302020204030204" pitchFamily="34" charset="0"/>
-                <a:ea typeface="Calibri Light" panose="020F0302020204030204" pitchFamily="34" charset="0"/>
-                <a:cs typeface="Calibri Light" panose="020F0302020204030204" pitchFamily="34" charset="0"/>
-              </a:rPr>
-              <a:t>, </a:t>
-            </a:r>
-            <a:r>
-              <a:rPr lang="it-IT" dirty="0" err="1">
-                <a:latin typeface="Calibri Light" panose="020F0302020204030204" pitchFamily="34" charset="0"/>
-                <a:ea typeface="Calibri Light" panose="020F0302020204030204" pitchFamily="34" charset="0"/>
-                <a:cs typeface="Calibri Light" panose="020F0302020204030204" pitchFamily="34" charset="0"/>
-              </a:rPr>
-              <a:t>choosing</a:t>
-            </a:r>
-            <a:r>
-              <a:rPr lang="it-IT" dirty="0">
-                <a:latin typeface="Calibri Light" panose="020F0302020204030204" pitchFamily="34" charset="0"/>
-                <a:ea typeface="Calibri Light" panose="020F0302020204030204" pitchFamily="34" charset="0"/>
-                <a:cs typeface="Calibri Light" panose="020F0302020204030204" pitchFamily="34" charset="0"/>
-              </a:rPr>
-              <a:t> a good network </a:t>
-            </a:r>
-            <a:r>
-              <a:rPr lang="it-IT" dirty="0" err="1">
-                <a:latin typeface="Calibri Light" panose="020F0302020204030204" pitchFamily="34" charset="0"/>
-                <a:ea typeface="Calibri Light" panose="020F0302020204030204" pitchFamily="34" charset="0"/>
-                <a:cs typeface="Calibri Light" panose="020F0302020204030204" pitchFamily="34" charset="0"/>
-              </a:rPr>
-              <a:t>architecture</a:t>
-            </a:r>
-            <a:r>
-              <a:rPr lang="it-IT" dirty="0">
-                <a:latin typeface="Calibri Light" panose="020F0302020204030204" pitchFamily="34" charset="0"/>
-                <a:ea typeface="Calibri Light" panose="020F0302020204030204" pitchFamily="34" charset="0"/>
-                <a:cs typeface="Calibri Light" panose="020F0302020204030204" pitchFamily="34" charset="0"/>
-              </a:rPr>
-              <a:t> </a:t>
-            </a:r>
-            <a:r>
-              <a:rPr lang="it-IT" dirty="0" err="1">
-                <a:latin typeface="Calibri Light" panose="020F0302020204030204" pitchFamily="34" charset="0"/>
-                <a:ea typeface="Calibri Light" panose="020F0302020204030204" pitchFamily="34" charset="0"/>
-                <a:cs typeface="Calibri Light" panose="020F0302020204030204" pitchFamily="34" charset="0"/>
-              </a:rPr>
-              <a:t>is</a:t>
-            </a:r>
-            <a:r>
-              <a:rPr lang="it-IT" dirty="0">
-                <a:latin typeface="Calibri Light" panose="020F0302020204030204" pitchFamily="34" charset="0"/>
-                <a:ea typeface="Calibri Light" panose="020F0302020204030204" pitchFamily="34" charset="0"/>
-                <a:cs typeface="Calibri Light" panose="020F0302020204030204" pitchFamily="34" charset="0"/>
-              </a:rPr>
-              <a:t> </a:t>
-            </a:r>
-            <a:r>
-              <a:rPr lang="it-IT" dirty="0" err="1">
-                <a:latin typeface="Calibri Light" panose="020F0302020204030204" pitchFamily="34" charset="0"/>
-                <a:ea typeface="Calibri Light" panose="020F0302020204030204" pitchFamily="34" charset="0"/>
-                <a:cs typeface="Calibri Light" panose="020F0302020204030204" pitchFamily="34" charset="0"/>
-              </a:rPr>
-              <a:t>pivital</a:t>
-            </a:r>
-            <a:r>
-              <a:rPr lang="it-IT" dirty="0">
-                <a:latin typeface="Calibri Light" panose="020F0302020204030204" pitchFamily="34" charset="0"/>
-                <a:ea typeface="Calibri Light" panose="020F0302020204030204" pitchFamily="34" charset="0"/>
-                <a:cs typeface="Calibri Light" panose="020F0302020204030204" pitchFamily="34" charset="0"/>
-              </a:rPr>
-              <a:t> in </a:t>
-            </a:r>
-            <a:r>
-              <a:rPr lang="it-IT" dirty="0" err="1">
-                <a:latin typeface="Calibri Light" panose="020F0302020204030204" pitchFamily="34" charset="0"/>
-                <a:ea typeface="Calibri Light" panose="020F0302020204030204" pitchFamily="34" charset="0"/>
-                <a:cs typeface="Calibri Light" panose="020F0302020204030204" pitchFamily="34" charset="0"/>
-              </a:rPr>
-              <a:t>ensuring</a:t>
-            </a:r>
-            <a:r>
-              <a:rPr lang="it-IT" dirty="0">
-                <a:latin typeface="Calibri Light" panose="020F0302020204030204" pitchFamily="34" charset="0"/>
-                <a:ea typeface="Calibri Light" panose="020F0302020204030204" pitchFamily="34" charset="0"/>
-                <a:cs typeface="Calibri Light" panose="020F0302020204030204" pitchFamily="34" charset="0"/>
-              </a:rPr>
-              <a:t> the best </a:t>
-            </a:r>
-            <a:r>
-              <a:rPr lang="it-IT" dirty="0" err="1">
-                <a:latin typeface="Calibri Light" panose="020F0302020204030204" pitchFamily="34" charset="0"/>
-                <a:ea typeface="Calibri Light" panose="020F0302020204030204" pitchFamily="34" charset="0"/>
-                <a:cs typeface="Calibri Light" panose="020F0302020204030204" pitchFamily="34" charset="0"/>
-              </a:rPr>
-              <a:t>outcome</a:t>
-            </a:r>
-            <a:r>
-              <a:rPr lang="it-IT" dirty="0">
-                <a:latin typeface="Calibri Light" panose="020F0302020204030204" pitchFamily="34" charset="0"/>
-                <a:ea typeface="Calibri Light" panose="020F0302020204030204" pitchFamily="34" charset="0"/>
-                <a:cs typeface="Calibri Light" panose="020F0302020204030204" pitchFamily="34" charset="0"/>
-              </a:rPr>
-              <a:t> for the training so </a:t>
-            </a:r>
-            <a:r>
-              <a:rPr lang="it-IT" dirty="0" err="1">
-                <a:latin typeface="Calibri Light" panose="020F0302020204030204" pitchFamily="34" charset="0"/>
-                <a:ea typeface="Calibri Light" panose="020F0302020204030204" pitchFamily="34" charset="0"/>
-                <a:cs typeface="Calibri Light" panose="020F0302020204030204" pitchFamily="34" charset="0"/>
-              </a:rPr>
-              <a:t>we</a:t>
-            </a:r>
-            <a:r>
-              <a:rPr lang="it-IT" dirty="0">
-                <a:latin typeface="Calibri Light" panose="020F0302020204030204" pitchFamily="34" charset="0"/>
-                <a:ea typeface="Calibri Light" panose="020F0302020204030204" pitchFamily="34" charset="0"/>
-                <a:cs typeface="Calibri Light" panose="020F0302020204030204" pitchFamily="34" charset="0"/>
-              </a:rPr>
-              <a:t> </a:t>
-            </a:r>
-            <a:r>
-              <a:rPr lang="it-IT" dirty="0" err="1">
-                <a:latin typeface="Calibri Light" panose="020F0302020204030204" pitchFamily="34" charset="0"/>
-                <a:ea typeface="Calibri Light" panose="020F0302020204030204" pitchFamily="34" charset="0"/>
-                <a:cs typeface="Calibri Light" panose="020F0302020204030204" pitchFamily="34" charset="0"/>
-              </a:rPr>
-              <a:t>opted</a:t>
-            </a:r>
-            <a:r>
-              <a:rPr lang="it-IT" dirty="0">
-                <a:latin typeface="Calibri Light" panose="020F0302020204030204" pitchFamily="34" charset="0"/>
-                <a:ea typeface="Calibri Light" panose="020F0302020204030204" pitchFamily="34" charset="0"/>
-                <a:cs typeface="Calibri Light" panose="020F0302020204030204" pitchFamily="34" charset="0"/>
-              </a:rPr>
-              <a:t> for a RESIDUAL NETWORK: </a:t>
-            </a:r>
-            <a:r>
-              <a:rPr lang="it-IT" dirty="0" err="1">
-                <a:latin typeface="Calibri Light" panose="020F0302020204030204" pitchFamily="34" charset="0"/>
-                <a:ea typeface="Calibri Light" panose="020F0302020204030204" pitchFamily="34" charset="0"/>
-                <a:cs typeface="Calibri Light" panose="020F0302020204030204" pitchFamily="34" charset="0"/>
-              </a:rPr>
-              <a:t>this</a:t>
-            </a:r>
-            <a:r>
-              <a:rPr lang="it-IT" dirty="0">
-                <a:latin typeface="Calibri Light" panose="020F0302020204030204" pitchFamily="34" charset="0"/>
-                <a:ea typeface="Calibri Light" panose="020F0302020204030204" pitchFamily="34" charset="0"/>
-                <a:cs typeface="Calibri Light" panose="020F0302020204030204" pitchFamily="34" charset="0"/>
-              </a:rPr>
-              <a:t> way the </a:t>
-            </a:r>
-            <a:r>
-              <a:rPr lang="it-IT" dirty="0" err="1">
-                <a:latin typeface="Calibri Light" panose="020F0302020204030204" pitchFamily="34" charset="0"/>
-                <a:ea typeface="Calibri Light" panose="020F0302020204030204" pitchFamily="34" charset="0"/>
-                <a:cs typeface="Calibri Light" panose="020F0302020204030204" pitchFamily="34" charset="0"/>
-              </a:rPr>
-              <a:t>results</a:t>
-            </a:r>
-            <a:r>
-              <a:rPr lang="it-IT" dirty="0">
-                <a:latin typeface="Calibri Light" panose="020F0302020204030204" pitchFamily="34" charset="0"/>
-                <a:ea typeface="Calibri Light" panose="020F0302020204030204" pitchFamily="34" charset="0"/>
-                <a:cs typeface="Calibri Light" panose="020F0302020204030204" pitchFamily="34" charset="0"/>
-              </a:rPr>
-              <a:t> </a:t>
-            </a:r>
-            <a:r>
-              <a:rPr lang="it-IT" dirty="0" err="1">
-                <a:latin typeface="Calibri Light" panose="020F0302020204030204" pitchFamily="34" charset="0"/>
-                <a:ea typeface="Calibri Light" panose="020F0302020204030204" pitchFamily="34" charset="0"/>
-                <a:cs typeface="Calibri Light" panose="020F0302020204030204" pitchFamily="34" charset="0"/>
-              </a:rPr>
-              <a:t>should</a:t>
-            </a:r>
-            <a:r>
-              <a:rPr lang="it-IT" dirty="0">
-                <a:latin typeface="Calibri Light" panose="020F0302020204030204" pitchFamily="34" charset="0"/>
-                <a:ea typeface="Calibri Light" panose="020F0302020204030204" pitchFamily="34" charset="0"/>
-                <a:cs typeface="Calibri Light" panose="020F0302020204030204" pitchFamily="34" charset="0"/>
-              </a:rPr>
-              <a:t> CCCCCCC</a:t>
+              <a:t>e.g. Fully connected, Residual, RNN) to find the best suited one for our goals.</a:t>
             </a:r>
           </a:p>
         </p:txBody>
@@ -33155,7 +30937,7 @@
             </a:ln>
             <a:extLst>
               <a:ext uri="{91240B29-F687-4f45-9708-019B960494DF}">
-                <a14:hiddenLine xmlns:a14="http://schemas.microsoft.com/office/drawing/2010/main" xmlns:p14="http://schemas.microsoft.com/office/powerpoint/2010/main" xmlns:a16="http://schemas.microsoft.com/office/drawing/2014/main" xmlns="" w="9525">
+                <a14:hiddenLine xmlns="" xmlns:a16="http://schemas.microsoft.com/office/drawing/2014/main" xmlns:p14="http://schemas.microsoft.com/office/powerpoint/2010/main" xmlns:a14="http://schemas.microsoft.com/office/drawing/2010/main" w="9525">
                   <a:solidFill>
                     <a:srgbClr val="000000"/>
                   </a:solidFill>
@@ -33267,7 +31049,7 @@
             </a:ln>
             <a:extLst>
               <a:ext uri="{91240B29-F687-4f45-9708-019B960494DF}">
-                <a14:hiddenLine xmlns:a14="http://schemas.microsoft.com/office/drawing/2010/main" xmlns:p14="http://schemas.microsoft.com/office/powerpoint/2010/main" xmlns:a16="http://schemas.microsoft.com/office/drawing/2014/main" xmlns="" w="9525">
+                <a14:hiddenLine xmlns="" xmlns:a16="http://schemas.microsoft.com/office/drawing/2014/main" xmlns:p14="http://schemas.microsoft.com/office/powerpoint/2010/main" xmlns:a14="http://schemas.microsoft.com/office/drawing/2010/main" w="9525">
                   <a:solidFill>
                     <a:srgbClr val="000000"/>
                   </a:solidFill>
@@ -33379,7 +31161,7 @@
             </a:ln>
             <a:extLst>
               <a:ext uri="{91240B29-F687-4f45-9708-019B960494DF}">
-                <a14:hiddenLine xmlns:a14="http://schemas.microsoft.com/office/drawing/2010/main" xmlns:p14="http://schemas.microsoft.com/office/powerpoint/2010/main" xmlns:a16="http://schemas.microsoft.com/office/drawing/2014/main" xmlns="" w="9525">
+                <a14:hiddenLine xmlns="" xmlns:a16="http://schemas.microsoft.com/office/drawing/2014/main" xmlns:p14="http://schemas.microsoft.com/office/powerpoint/2010/main" xmlns:a14="http://schemas.microsoft.com/office/drawing/2010/main" w="9525">
                   <a:solidFill>
                     <a:srgbClr val="000000"/>
                   </a:solidFill>
@@ -33463,7 +31245,7 @@
             </a:ln>
             <a:extLst>
               <a:ext uri="{91240B29-F687-4f45-9708-019B960494DF}">
-                <a14:hiddenLine xmlns:a14="http://schemas.microsoft.com/office/drawing/2010/main" xmlns:p14="http://schemas.microsoft.com/office/powerpoint/2010/main" xmlns:a16="http://schemas.microsoft.com/office/drawing/2014/main" xmlns="" w="9525">
+                <a14:hiddenLine xmlns="" xmlns:a16="http://schemas.microsoft.com/office/drawing/2014/main" xmlns:p14="http://schemas.microsoft.com/office/powerpoint/2010/main" xmlns:a14="http://schemas.microsoft.com/office/drawing/2010/main" w="9525">
                   <a:solidFill>
                     <a:srgbClr val="000000"/>
                   </a:solidFill>
@@ -33575,7 +31357,7 @@
             </a:ln>
             <a:extLst>
               <a:ext uri="{91240B29-F687-4f45-9708-019B960494DF}">
-                <a14:hiddenLine xmlns:a14="http://schemas.microsoft.com/office/drawing/2010/main" xmlns:p14="http://schemas.microsoft.com/office/powerpoint/2010/main" xmlns:a16="http://schemas.microsoft.com/office/drawing/2014/main" xmlns="" w="9525">
+                <a14:hiddenLine xmlns="" xmlns:a16="http://schemas.microsoft.com/office/drawing/2014/main" xmlns:p14="http://schemas.microsoft.com/office/powerpoint/2010/main" xmlns:a14="http://schemas.microsoft.com/office/drawing/2010/main" w="9525">
                   <a:solidFill>
                     <a:srgbClr val="000000"/>
                   </a:solidFill>
@@ -33659,7 +31441,7 @@
             </a:ln>
             <a:extLst>
               <a:ext uri="{91240B29-F687-4f45-9708-019B960494DF}">
-                <a14:hiddenLine xmlns:a14="http://schemas.microsoft.com/office/drawing/2010/main" xmlns:p14="http://schemas.microsoft.com/office/powerpoint/2010/main" xmlns:a16="http://schemas.microsoft.com/office/drawing/2014/main" xmlns="" w="9525">
+                <a14:hiddenLine xmlns="" xmlns:a16="http://schemas.microsoft.com/office/drawing/2014/main" xmlns:p14="http://schemas.microsoft.com/office/powerpoint/2010/main" xmlns:a14="http://schemas.microsoft.com/office/drawing/2010/main" w="9525">
                   <a:solidFill>
                     <a:srgbClr val="000000"/>
                   </a:solidFill>
@@ -33743,7 +31525,7 @@
             </a:ln>
             <a:extLst>
               <a:ext uri="{91240B29-F687-4f45-9708-019B960494DF}">
-                <a14:hiddenLine xmlns:a14="http://schemas.microsoft.com/office/drawing/2010/main" xmlns:p14="http://schemas.microsoft.com/office/powerpoint/2010/main" xmlns:a16="http://schemas.microsoft.com/office/drawing/2014/main" xmlns="" w="9525">
+                <a14:hiddenLine xmlns="" xmlns:a16="http://schemas.microsoft.com/office/drawing/2014/main" xmlns:p14="http://schemas.microsoft.com/office/powerpoint/2010/main" xmlns:a14="http://schemas.microsoft.com/office/drawing/2010/main" w="9525">
                   <a:solidFill>
                     <a:srgbClr val="000000"/>
                   </a:solidFill>
@@ -33855,7 +31637,7 @@
             </a:ln>
             <a:extLst>
               <a:ext uri="{91240B29-F687-4f45-9708-019B960494DF}">
-                <a14:hiddenLine xmlns:a14="http://schemas.microsoft.com/office/drawing/2010/main" xmlns:p14="http://schemas.microsoft.com/office/powerpoint/2010/main" xmlns:a16="http://schemas.microsoft.com/office/drawing/2014/main" xmlns="" w="9525">
+                <a14:hiddenLine xmlns="" xmlns:a16="http://schemas.microsoft.com/office/drawing/2014/main" xmlns:p14="http://schemas.microsoft.com/office/powerpoint/2010/main" xmlns:a14="http://schemas.microsoft.com/office/drawing/2010/main" w="9525">
                   <a:solidFill>
                     <a:srgbClr val="000000"/>
                   </a:solidFill>
@@ -33967,7 +31749,7 @@
             </a:ln>
             <a:extLst>
               <a:ext uri="{91240B29-F687-4f45-9708-019B960494DF}">
-                <a14:hiddenLine xmlns:a14="http://schemas.microsoft.com/office/drawing/2010/main" xmlns:p14="http://schemas.microsoft.com/office/powerpoint/2010/main" xmlns:a16="http://schemas.microsoft.com/office/drawing/2014/main" xmlns="" w="9525">
+                <a14:hiddenLine xmlns="" xmlns:a16="http://schemas.microsoft.com/office/drawing/2014/main" xmlns:p14="http://schemas.microsoft.com/office/powerpoint/2010/main" xmlns:a14="http://schemas.microsoft.com/office/drawing/2010/main" w="9525">
                   <a:solidFill>
                     <a:srgbClr val="000000"/>
                   </a:solidFill>
@@ -34051,7 +31833,7 @@
             </a:ln>
             <a:extLst>
               <a:ext uri="{91240B29-F687-4f45-9708-019B960494DF}">
-                <a14:hiddenLine xmlns:a14="http://schemas.microsoft.com/office/drawing/2010/main" xmlns:p14="http://schemas.microsoft.com/office/powerpoint/2010/main" xmlns:a16="http://schemas.microsoft.com/office/drawing/2014/main" xmlns="" w="9525">
+                <a14:hiddenLine xmlns="" xmlns:a16="http://schemas.microsoft.com/office/drawing/2014/main" xmlns:p14="http://schemas.microsoft.com/office/powerpoint/2010/main" xmlns:a14="http://schemas.microsoft.com/office/drawing/2010/main" w="9525">
                   <a:solidFill>
                     <a:srgbClr val="000000"/>
                   </a:solidFill>
@@ -34183,7 +31965,7 @@
             </a:ln>
             <a:extLst>
               <a:ext uri="{91240B29-F687-4f45-9708-019B960494DF}">
-                <a14:hiddenLine xmlns:a14="http://schemas.microsoft.com/office/drawing/2010/main" xmlns:p14="http://schemas.microsoft.com/office/powerpoint/2010/main" xmlns:a16="http://schemas.microsoft.com/office/drawing/2014/main" xmlns="" w="9525">
+                <a14:hiddenLine xmlns="" xmlns:a16="http://schemas.microsoft.com/office/drawing/2014/main" xmlns:p14="http://schemas.microsoft.com/office/powerpoint/2010/main" xmlns:a14="http://schemas.microsoft.com/office/drawing/2010/main" w="9525">
                   <a:solidFill>
                     <a:srgbClr val="000000"/>
                   </a:solidFill>
@@ -34311,7 +32093,7 @@
             </a:ln>
             <a:extLst>
               <a:ext uri="{91240B29-F687-4f45-9708-019B960494DF}">
-                <a14:hiddenLine xmlns:a14="http://schemas.microsoft.com/office/drawing/2010/main" xmlns:p14="http://schemas.microsoft.com/office/powerpoint/2010/main" xmlns:a16="http://schemas.microsoft.com/office/drawing/2014/main" xmlns="" w="9525">
+                <a14:hiddenLine xmlns="" xmlns:a16="http://schemas.microsoft.com/office/drawing/2014/main" xmlns:p14="http://schemas.microsoft.com/office/powerpoint/2010/main" xmlns:a14="http://schemas.microsoft.com/office/drawing/2010/main" w="9525">
                   <a:solidFill>
                     <a:srgbClr val="000000"/>
                   </a:solidFill>
@@ -34395,7 +32177,7 @@
             </a:ln>
             <a:extLst>
               <a:ext uri="{91240B29-F687-4f45-9708-019B960494DF}">
-                <a14:hiddenLine xmlns:a14="http://schemas.microsoft.com/office/drawing/2010/main" xmlns:p14="http://schemas.microsoft.com/office/powerpoint/2010/main" xmlns:a16="http://schemas.microsoft.com/office/drawing/2014/main" xmlns="" w="9525">
+                <a14:hiddenLine xmlns="" xmlns:a16="http://schemas.microsoft.com/office/drawing/2014/main" xmlns:p14="http://schemas.microsoft.com/office/powerpoint/2010/main" xmlns:a14="http://schemas.microsoft.com/office/drawing/2010/main" w="9525">
                   <a:solidFill>
                     <a:srgbClr val="000000"/>
                   </a:solidFill>
@@ -34479,7 +32261,7 @@
             </a:ln>
             <a:extLst>
               <a:ext uri="{91240B29-F687-4f45-9708-019B960494DF}">
-                <a14:hiddenLine xmlns:a14="http://schemas.microsoft.com/office/drawing/2010/main" xmlns:p14="http://schemas.microsoft.com/office/powerpoint/2010/main" xmlns:a16="http://schemas.microsoft.com/office/drawing/2014/main" xmlns="" w="9525">
+                <a14:hiddenLine xmlns="" xmlns:a16="http://schemas.microsoft.com/office/drawing/2014/main" xmlns:p14="http://schemas.microsoft.com/office/powerpoint/2010/main" xmlns:a14="http://schemas.microsoft.com/office/drawing/2010/main" w="9525">
                   <a:solidFill>
                     <a:srgbClr val="000000"/>
                   </a:solidFill>
@@ -34591,7 +32373,7 @@
             </a:ln>
             <a:extLst>
               <a:ext uri="{91240B29-F687-4f45-9708-019B960494DF}">
-                <a14:hiddenLine xmlns:a14="http://schemas.microsoft.com/office/drawing/2010/main" xmlns:p14="http://schemas.microsoft.com/office/powerpoint/2010/main" xmlns:a16="http://schemas.microsoft.com/office/drawing/2014/main" xmlns="" w="9525">
+                <a14:hiddenLine xmlns="" xmlns:a16="http://schemas.microsoft.com/office/drawing/2014/main" xmlns:p14="http://schemas.microsoft.com/office/powerpoint/2010/main" xmlns:a14="http://schemas.microsoft.com/office/drawing/2010/main" w="9525">
                   <a:solidFill>
                     <a:srgbClr val="000000"/>
                   </a:solidFill>
@@ -34647,7 +32429,7 @@
             </a:ln>
             <a:extLst>
               <a:ext uri="{91240B29-F687-4f45-9708-019B960494DF}">
-                <a14:hiddenLine xmlns:a14="http://schemas.microsoft.com/office/drawing/2010/main" xmlns:p14="http://schemas.microsoft.com/office/powerpoint/2010/main" xmlns:a16="http://schemas.microsoft.com/office/drawing/2014/main" xmlns="" w="9525">
+                <a14:hiddenLine xmlns="" xmlns:a16="http://schemas.microsoft.com/office/drawing/2014/main" xmlns:p14="http://schemas.microsoft.com/office/powerpoint/2010/main" xmlns:a14="http://schemas.microsoft.com/office/drawing/2010/main" w="9525">
                   <a:solidFill>
                     <a:srgbClr val="000000"/>
                   </a:solidFill>
@@ -34734,7 +32516,7 @@
             </a:ln>
             <a:extLst>
               <a:ext uri="{91240B29-F687-4f45-9708-019B960494DF}">
-                <a14:hiddenLine xmlns:a14="http://schemas.microsoft.com/office/drawing/2010/main" xmlns:p14="http://schemas.microsoft.com/office/powerpoint/2010/main" xmlns:a16="http://schemas.microsoft.com/office/drawing/2014/main" xmlns="" w="9525">
+                <a14:hiddenLine xmlns="" xmlns:a16="http://schemas.microsoft.com/office/drawing/2014/main" xmlns:p14="http://schemas.microsoft.com/office/powerpoint/2010/main" xmlns:a14="http://schemas.microsoft.com/office/drawing/2010/main" w="9525">
                   <a:solidFill>
                     <a:srgbClr val="000000"/>
                   </a:solidFill>
@@ -34846,7 +32628,7 @@
             </a:ln>
             <a:extLst>
               <a:ext uri="{91240B29-F687-4f45-9708-019B960494DF}">
-                <a14:hiddenLine xmlns:a14="http://schemas.microsoft.com/office/drawing/2010/main" xmlns:p14="http://schemas.microsoft.com/office/powerpoint/2010/main" xmlns:a16="http://schemas.microsoft.com/office/drawing/2014/main" xmlns="" w="9525">
+                <a14:hiddenLine xmlns="" xmlns:a16="http://schemas.microsoft.com/office/drawing/2014/main" xmlns:p14="http://schemas.microsoft.com/office/powerpoint/2010/main" xmlns:a14="http://schemas.microsoft.com/office/drawing/2010/main" w="9525">
                   <a:solidFill>
                     <a:srgbClr val="000000"/>
                   </a:solidFill>
@@ -34930,7 +32712,7 @@
             </a:ln>
             <a:extLst>
               <a:ext uri="{91240B29-F687-4f45-9708-019B960494DF}">
-                <a14:hiddenLine xmlns:a14="http://schemas.microsoft.com/office/drawing/2010/main" xmlns:p14="http://schemas.microsoft.com/office/powerpoint/2010/main" xmlns:a16="http://schemas.microsoft.com/office/drawing/2014/main" xmlns="" w="9525">
+                <a14:hiddenLine xmlns="" xmlns:a16="http://schemas.microsoft.com/office/drawing/2014/main" xmlns:p14="http://schemas.microsoft.com/office/powerpoint/2010/main" xmlns:a14="http://schemas.microsoft.com/office/drawing/2010/main" w="9525">
                   <a:solidFill>
                     <a:srgbClr val="000000"/>
                   </a:solidFill>
@@ -35042,7 +32824,7 @@
             </a:ln>
             <a:extLst>
               <a:ext uri="{91240B29-F687-4f45-9708-019B960494DF}">
-                <a14:hiddenLine xmlns:a14="http://schemas.microsoft.com/office/drawing/2010/main" xmlns:p14="http://schemas.microsoft.com/office/powerpoint/2010/main" xmlns:a16="http://schemas.microsoft.com/office/drawing/2014/main" xmlns="" w="9525">
+                <a14:hiddenLine xmlns="" xmlns:a16="http://schemas.microsoft.com/office/drawing/2014/main" xmlns:p14="http://schemas.microsoft.com/office/powerpoint/2010/main" xmlns:a14="http://schemas.microsoft.com/office/drawing/2010/main" w="9525">
                   <a:solidFill>
                     <a:srgbClr val="000000"/>
                   </a:solidFill>
@@ -35129,7 +32911,7 @@
             </a:ln>
             <a:extLst>
               <a:ext uri="{91240B29-F687-4f45-9708-019B960494DF}">
-                <a14:hiddenLine xmlns:a14="http://schemas.microsoft.com/office/drawing/2010/main" xmlns:p14="http://schemas.microsoft.com/office/powerpoint/2010/main" xmlns:a16="http://schemas.microsoft.com/office/drawing/2014/main" xmlns="" w="9525">
+                <a14:hiddenLine xmlns="" xmlns:a16="http://schemas.microsoft.com/office/drawing/2014/main" xmlns:p14="http://schemas.microsoft.com/office/powerpoint/2010/main" xmlns:a14="http://schemas.microsoft.com/office/drawing/2010/main" w="9525">
                   <a:solidFill>
                     <a:srgbClr val="000000"/>
                   </a:solidFill>
@@ -35213,7 +32995,7 @@
             </a:ln>
             <a:extLst>
               <a:ext uri="{91240B29-F687-4f45-9708-019B960494DF}">
-                <a14:hiddenLine xmlns:a14="http://schemas.microsoft.com/office/drawing/2010/main" xmlns:p14="http://schemas.microsoft.com/office/powerpoint/2010/main" xmlns:a16="http://schemas.microsoft.com/office/drawing/2014/main" xmlns="" w="9525">
+                <a14:hiddenLine xmlns="" xmlns:a16="http://schemas.microsoft.com/office/drawing/2014/main" xmlns:p14="http://schemas.microsoft.com/office/powerpoint/2010/main" xmlns:a14="http://schemas.microsoft.com/office/drawing/2010/main" w="9525">
                   <a:solidFill>
                     <a:srgbClr val="000000"/>
                   </a:solidFill>
@@ -35325,7 +33107,7 @@
             </a:ln>
             <a:extLst>
               <a:ext uri="{91240B29-F687-4f45-9708-019B960494DF}">
-                <a14:hiddenLine xmlns:a14="http://schemas.microsoft.com/office/drawing/2010/main" xmlns:p14="http://schemas.microsoft.com/office/powerpoint/2010/main" xmlns:a16="http://schemas.microsoft.com/office/drawing/2014/main" xmlns="" w="9525">
+                <a14:hiddenLine xmlns="" xmlns:a16="http://schemas.microsoft.com/office/drawing/2014/main" xmlns:p14="http://schemas.microsoft.com/office/powerpoint/2010/main" xmlns:a14="http://schemas.microsoft.com/office/drawing/2010/main" w="9525">
                   <a:solidFill>
                     <a:srgbClr val="000000"/>
                   </a:solidFill>
@@ -35437,7 +33219,7 @@
             </a:ln>
             <a:extLst>
               <a:ext uri="{91240B29-F687-4f45-9708-019B960494DF}">
-                <a14:hiddenLine xmlns:a14="http://schemas.microsoft.com/office/drawing/2010/main" xmlns:p14="http://schemas.microsoft.com/office/powerpoint/2010/main" xmlns:a16="http://schemas.microsoft.com/office/drawing/2014/main" xmlns="" w="9525">
+                <a14:hiddenLine xmlns="" xmlns:a16="http://schemas.microsoft.com/office/drawing/2014/main" xmlns:p14="http://schemas.microsoft.com/office/powerpoint/2010/main" xmlns:a14="http://schemas.microsoft.com/office/drawing/2010/main" w="9525">
                   <a:solidFill>
                     <a:srgbClr val="000000"/>
                   </a:solidFill>
@@ -35524,7 +33306,7 @@
             </a:ln>
             <a:extLst>
               <a:ext uri="{91240B29-F687-4f45-9708-019B960494DF}">
-                <a14:hiddenLine xmlns:a14="http://schemas.microsoft.com/office/drawing/2010/main" xmlns:p14="http://schemas.microsoft.com/office/powerpoint/2010/main" xmlns:a16="http://schemas.microsoft.com/office/drawing/2014/main" xmlns="" w="9525">
+                <a14:hiddenLine xmlns="" xmlns:a16="http://schemas.microsoft.com/office/drawing/2014/main" xmlns:p14="http://schemas.microsoft.com/office/powerpoint/2010/main" xmlns:a14="http://schemas.microsoft.com/office/drawing/2010/main" w="9525">
                   <a:solidFill>
                     <a:srgbClr val="000000"/>
                   </a:solidFill>
@@ -35666,7 +33448,7 @@
             </a:ln>
             <a:extLst>
               <a:ext uri="{91240B29-F687-4f45-9708-019B960494DF}">
-                <a14:hiddenLine xmlns:a14="http://schemas.microsoft.com/office/drawing/2010/main" xmlns:p14="http://schemas.microsoft.com/office/powerpoint/2010/main" xmlns:a16="http://schemas.microsoft.com/office/drawing/2014/main" xmlns="" w="9525">
+                <a14:hiddenLine xmlns="" xmlns:a16="http://schemas.microsoft.com/office/drawing/2014/main" xmlns:p14="http://schemas.microsoft.com/office/powerpoint/2010/main" xmlns:a14="http://schemas.microsoft.com/office/drawing/2010/main" w="9525">
                   <a:solidFill>
                     <a:srgbClr val="000000"/>
                   </a:solidFill>
@@ -35821,204 +33603,12 @@
               <a:buNone/>
             </a:pPr>
             <a:r>
-              <a:rPr lang="it-IT" dirty="0" err="1"/>
-              <a:t>Having</a:t>
-            </a:r>
-            <a:r>
-              <a:rPr lang="it-IT" dirty="0"/>
-              <a:t> a </a:t>
-            </a:r>
-            <a:r>
-              <a:rPr lang="it-IT" dirty="0" err="1"/>
-              <a:t>number</a:t>
-            </a:r>
-            <a:r>
-              <a:rPr lang="it-IT" dirty="0"/>
-              <a:t> of clear </a:t>
-            </a:r>
-            <a:r>
-              <a:rPr lang="it-IT" dirty="0" err="1"/>
-              <a:t>objectives</a:t>
-            </a:r>
-            <a:r>
-              <a:rPr lang="it-IT" dirty="0"/>
-              <a:t> makes </a:t>
-            </a:r>
-            <a:r>
-              <a:rPr lang="it-IT" dirty="0" err="1"/>
-              <a:t>it</a:t>
-            </a:r>
-            <a:r>
-              <a:rPr lang="it-IT" dirty="0"/>
-              <a:t> easy to </a:t>
-            </a:r>
-            <a:r>
-              <a:rPr lang="it-IT" dirty="0" err="1"/>
-              <a:t>evaluate</a:t>
-            </a:r>
-            <a:r>
-              <a:rPr lang="it-IT" dirty="0"/>
-              <a:t> the success of the overall training </a:t>
-            </a:r>
-            <a:r>
-              <a:rPr lang="it-IT" dirty="0" err="1"/>
-              <a:t>process</a:t>
-            </a:r>
-            <a:r>
-              <a:rPr lang="it-IT" dirty="0"/>
-              <a:t> </a:t>
-            </a:r>
-            <a:r>
-              <a:rPr lang="it-IT" dirty="0" err="1"/>
-              <a:t>but</a:t>
-            </a:r>
-            <a:r>
-              <a:rPr lang="it-IT" dirty="0"/>
-              <a:t>, in </a:t>
-            </a:r>
-            <a:r>
-              <a:rPr lang="it-IT" dirty="0" err="1"/>
-              <a:t>addition</a:t>
-            </a:r>
-            <a:r>
-              <a:rPr lang="it-IT" dirty="0"/>
-              <a:t> to </a:t>
-            </a:r>
-            <a:r>
-              <a:rPr lang="it-IT" dirty="0" err="1"/>
-              <a:t>avoiding</a:t>
-            </a:r>
-            <a:r>
-              <a:rPr lang="it-IT" dirty="0"/>
-              <a:t> </a:t>
-            </a:r>
-            <a:r>
-              <a:rPr lang="it-IT" dirty="0" err="1"/>
-              <a:t>obstacles</a:t>
-            </a:r>
-            <a:r>
-              <a:rPr lang="it-IT" dirty="0"/>
-              <a:t> and </a:t>
-            </a:r>
-            <a:r>
-              <a:rPr lang="it-IT" dirty="0" err="1"/>
-              <a:t>reaching</a:t>
-            </a:r>
-            <a:r>
-              <a:rPr lang="it-IT" dirty="0"/>
-              <a:t> the </a:t>
-            </a:r>
-            <a:r>
-              <a:rPr lang="it-IT" dirty="0" err="1"/>
-              <a:t>final</a:t>
-            </a:r>
-            <a:r>
-              <a:rPr lang="it-IT" dirty="0"/>
-              <a:t> </a:t>
-            </a:r>
-            <a:r>
-              <a:rPr lang="it-IT" dirty="0" err="1"/>
-              <a:t>coordinates</a:t>
-            </a:r>
-            <a:r>
-              <a:rPr lang="it-IT" dirty="0"/>
-              <a:t>, </a:t>
-            </a:r>
-            <a:r>
-              <a:rPr lang="it-IT" dirty="0" err="1"/>
-              <a:t>we</a:t>
-            </a:r>
-            <a:r>
-              <a:rPr lang="it-IT" dirty="0"/>
-              <a:t> </a:t>
-            </a:r>
-            <a:r>
-              <a:rPr lang="it-IT" dirty="0" err="1"/>
-              <a:t>want</a:t>
-            </a:r>
-            <a:r>
-              <a:rPr lang="it-IT" dirty="0"/>
-              <a:t> to use the </a:t>
-            </a:r>
-            <a:r>
-              <a:rPr lang="it-IT" dirty="0" err="1"/>
-              <a:t>number</a:t>
-            </a:r>
-            <a:r>
-              <a:rPr lang="it-IT" dirty="0"/>
-              <a:t> of steps, </a:t>
-            </a:r>
-            <a:r>
-              <a:rPr lang="it-IT" dirty="0" err="1"/>
-              <a:t>meaning</a:t>
-            </a:r>
-            <a:r>
-              <a:rPr lang="it-IT" dirty="0"/>
-              <a:t> the time </a:t>
-            </a:r>
-            <a:r>
-              <a:rPr lang="it-IT" dirty="0" err="1"/>
-              <a:t>needed</a:t>
-            </a:r>
-            <a:r>
-              <a:rPr lang="it-IT" dirty="0"/>
-              <a:t>, to </a:t>
-            </a:r>
-            <a:r>
-              <a:rPr lang="it-IT" dirty="0" err="1"/>
-              <a:t>reach</a:t>
-            </a:r>
-            <a:r>
-              <a:rPr lang="it-IT" dirty="0"/>
-              <a:t> the </a:t>
-            </a:r>
-            <a:r>
-              <a:rPr lang="it-IT" dirty="0" err="1"/>
-              <a:t>final</a:t>
-            </a:r>
-            <a:r>
-              <a:rPr lang="it-IT" dirty="0"/>
-              <a:t> </a:t>
-            </a:r>
-            <a:r>
-              <a:rPr lang="it-IT" dirty="0" err="1"/>
-              <a:t>objective</a:t>
-            </a:r>
-            <a:r>
-              <a:rPr lang="it-IT" dirty="0"/>
-              <a:t> </a:t>
-            </a:r>
-            <a:r>
-              <a:rPr lang="it-IT" dirty="0" err="1"/>
-              <a:t>as</a:t>
-            </a:r>
-            <a:r>
-              <a:rPr lang="it-IT" dirty="0"/>
-              <a:t> </a:t>
-            </a:r>
-            <a:r>
-              <a:rPr lang="it-IT" dirty="0" err="1"/>
-              <a:t>another</a:t>
-            </a:r>
-            <a:r>
-              <a:rPr lang="it-IT" dirty="0"/>
-              <a:t> </a:t>
-            </a:r>
-            <a:r>
-              <a:rPr lang="it-IT" dirty="0" err="1"/>
-              <a:t>evalution</a:t>
-            </a:r>
-            <a:r>
-              <a:rPr lang="it-IT" dirty="0"/>
-              <a:t> </a:t>
-            </a:r>
-            <a:r>
-              <a:rPr lang="it-IT" dirty="0" err="1"/>
-              <a:t>metric</a:t>
-            </a:r>
-            <a:r>
-              <a:rPr lang="it-IT" dirty="0"/>
-              <a:t>.</a:t>
+              <a:rPr lang="it-IT" sz="2200" dirty="0">
+                <a:latin typeface="Calibri Light" panose="020F0302020204030204" pitchFamily="34" charset="0"/>
+                <a:ea typeface="Calibri Light" panose="020F0302020204030204" pitchFamily="34" charset="0"/>
+                <a:cs typeface="Calibri Light" panose="020F0302020204030204" pitchFamily="34" charset="0"/>
+              </a:rPr>
+              <a:t>Having a number of clear objectives makes it easy to evaluate the success of the overall training process and, in addition to avoiding obstacles and reaching the final coordinates, we want to use the number of steps, meaning the time needed, to reach the final objective as another evalution metric.</a:t>
             </a:r>
           </a:p>
           <a:p>
@@ -36026,140 +33616,12 @@
               <a:buNone/>
             </a:pPr>
             <a:r>
-              <a:rPr lang="it-IT" dirty="0" err="1"/>
-              <a:t>This</a:t>
-            </a:r>
-            <a:r>
-              <a:rPr lang="it-IT" dirty="0"/>
-              <a:t> </a:t>
-            </a:r>
-            <a:r>
-              <a:rPr lang="it-IT" dirty="0" err="1"/>
-              <a:t>has</a:t>
-            </a:r>
-            <a:r>
-              <a:rPr lang="it-IT" dirty="0"/>
-              <a:t> </a:t>
-            </a:r>
-            <a:r>
-              <a:rPr lang="it-IT" dirty="0" err="1"/>
-              <a:t>also</a:t>
-            </a:r>
-            <a:r>
-              <a:rPr lang="it-IT" dirty="0"/>
-              <a:t> the </a:t>
-            </a:r>
-            <a:r>
-              <a:rPr lang="it-IT" dirty="0" err="1"/>
-              <a:t>purpose</a:t>
-            </a:r>
-            <a:r>
-              <a:rPr lang="it-IT" dirty="0"/>
-              <a:t> of </a:t>
-            </a:r>
-            <a:r>
-              <a:rPr lang="it-IT" dirty="0" err="1"/>
-              <a:t>helping</a:t>
-            </a:r>
-            <a:r>
-              <a:rPr lang="it-IT" dirty="0"/>
-              <a:t> </a:t>
-            </a:r>
-            <a:r>
-              <a:rPr lang="it-IT" dirty="0" err="1"/>
-              <a:t>us</a:t>
-            </a:r>
-            <a:r>
-              <a:rPr lang="it-IT" dirty="0"/>
-              <a:t> </a:t>
-            </a:r>
-            <a:r>
-              <a:rPr lang="it-IT" dirty="0" err="1"/>
-              <a:t>troubleshooting</a:t>
-            </a:r>
-            <a:r>
-              <a:rPr lang="it-IT" dirty="0"/>
-              <a:t>, </a:t>
-            </a:r>
-            <a:r>
-              <a:rPr lang="it-IT" dirty="0" err="1"/>
-              <a:t>as</a:t>
-            </a:r>
-            <a:r>
-              <a:rPr lang="it-IT" dirty="0"/>
-              <a:t> a </a:t>
-            </a:r>
-            <a:r>
-              <a:rPr lang="it-IT" dirty="0" err="1"/>
-              <a:t>slower</a:t>
-            </a:r>
-            <a:r>
-              <a:rPr lang="it-IT" dirty="0"/>
-              <a:t> time helps </a:t>
-            </a:r>
-            <a:r>
-              <a:rPr lang="it-IT" dirty="0" err="1"/>
-              <a:t>us</a:t>
-            </a:r>
-            <a:r>
-              <a:rPr lang="it-IT" dirty="0"/>
-              <a:t> to </a:t>
-            </a:r>
-            <a:r>
-              <a:rPr lang="it-IT" dirty="0" err="1"/>
-              <a:t>evaluate</a:t>
-            </a:r>
-            <a:r>
-              <a:rPr lang="it-IT" dirty="0"/>
-              <a:t> </a:t>
-            </a:r>
-            <a:r>
-              <a:rPr lang="it-IT" dirty="0" err="1"/>
-              <a:t>if</a:t>
-            </a:r>
-            <a:r>
-              <a:rPr lang="it-IT" dirty="0"/>
-              <a:t> </a:t>
-            </a:r>
-            <a:r>
-              <a:rPr lang="it-IT" dirty="0" err="1"/>
-              <a:t>we</a:t>
-            </a:r>
-            <a:r>
-              <a:rPr lang="it-IT" dirty="0"/>
-              <a:t> </a:t>
-            </a:r>
-            <a:r>
-              <a:rPr lang="it-IT" dirty="0" err="1"/>
-              <a:t>need</a:t>
-            </a:r>
-            <a:r>
-              <a:rPr lang="it-IT" dirty="0"/>
-              <a:t> to </a:t>
-            </a:r>
-            <a:r>
-              <a:rPr lang="it-IT" dirty="0" err="1"/>
-              <a:t>change</a:t>
-            </a:r>
-            <a:r>
-              <a:rPr lang="it-IT" dirty="0"/>
-              <a:t> </a:t>
-            </a:r>
-            <a:r>
-              <a:rPr lang="it-IT" dirty="0" err="1"/>
-              <a:t>our</a:t>
-            </a:r>
-            <a:r>
-              <a:rPr lang="it-IT" dirty="0"/>
-              <a:t> </a:t>
-            </a:r>
-            <a:r>
-              <a:rPr lang="it-IT" dirty="0" err="1"/>
-              <a:t>trainig</a:t>
-            </a:r>
-            <a:r>
-              <a:rPr lang="it-IT" dirty="0"/>
-              <a:t> strategy</a:t>
+              <a:rPr lang="it-IT" sz="2200" dirty="0">
+                <a:latin typeface="Calibri Light" panose="020F0302020204030204" pitchFamily="34" charset="0"/>
+                <a:ea typeface="Calibri Light" panose="020F0302020204030204" pitchFamily="34" charset="0"/>
+                <a:cs typeface="Calibri Light" panose="020F0302020204030204" pitchFamily="34" charset="0"/>
+              </a:rPr>
+              <a:t>This has also the purpose of helping us troubleshooting, as a slower time helps us to evaluate if we need to change our trainig strategy.</a:t>
             </a:r>
           </a:p>
         </p:txBody>

--- a/Mini-Project/GroupK.pptx
+++ b/Mini-Project/GroupK.pptx
@@ -125,28 +125,6 @@
 </p188:authorLst>
 </file>
 
-<file path=ppt/comments/modernComment_101_DBD6A9B6.xml><?xml version="1.0" encoding="utf-8"?>
-<p188:cmLst xmlns:a="http://schemas.openxmlformats.org/drawingml/2006/main" xmlns:r="http://schemas.openxmlformats.org/officeDocument/2006/relationships" xmlns:p188="http://schemas.microsoft.com/office/powerpoint/2018/8/main">
-  <p188:cm id="{9C6E84F6-8127-4DE9-A904-7A1BB53958BE}" authorId="{8EDACC5F-7525-39CA-BE44-7F818D23E369}" created="2025-12-23T10:32:10.227">
-    <ac:deMkLst xmlns:ac="http://schemas.microsoft.com/office/drawing/2013/main/command">
-      <pc:docMk xmlns:pc="http://schemas.microsoft.com/office/powerpoint/2013/main/command"/>
-      <pc:sldMk xmlns:pc="http://schemas.microsoft.com/office/powerpoint/2013/main/command" cId="3688278454" sldId="257"/>
-      <ac:picMk id="5" creationId="{B76CB909-7CE4-6670-9602-DA515957F5E0}"/>
-    </ac:deMkLst>
-    <p188:txBody>
-      <a:bodyPr/>
-      <a:lstStyle/>
-      <a:p>
-        <a:r>
-          <a:rPr lang="it-IT"/>
-          <a:t>TEMP</a:t>
-        </a:r>
-      </a:p>
-    </p188:txBody>
-  </p188:cm>
-</p188:cmLst>
-</file>
-
 <file path=ppt/slideLayouts/slideLayout1.xml><?xml version="1.0" encoding="utf-8"?>
 <p:sldLayout xmlns:a="http://schemas.openxmlformats.org/drawingml/2006/main" xmlns:r="http://schemas.openxmlformats.org/officeDocument/2006/relationships" xmlns:p="http://schemas.openxmlformats.org/presentationml/2006/main" showMasterSp="0" type="title" preserve="1">
   <p:cSld name="Diapositiva titolo">
@@ -197,7 +175,7 @@
           <a:noFill/>
           <a:extLst>
             <a:ext uri="{909E8E84-426E-40dd-AFC4-6F175D3DCCD1}">
-              <a14:hiddenFill xmlns:a14="http://schemas.microsoft.com/office/drawing/2010/main" xmlns="">
+              <a14:hiddenFill xmlns="" xmlns:a14="http://schemas.microsoft.com/office/drawing/2010/main">
                 <a:solidFill>
                   <a:srgbClr val="FFFFFF"/>
                 </a:solidFill>
@@ -257,7 +235,7 @@
             </a:ln>
             <a:extLst>
               <a:ext uri="{91240B29-F687-4f45-9708-019B960494DF}">
-                <a14:hiddenLine xmlns:a14="http://schemas.microsoft.com/office/drawing/2010/main" xmlns="" w="9525">
+                <a14:hiddenLine xmlns="" xmlns:a14="http://schemas.microsoft.com/office/drawing/2010/main" w="9525">
                   <a:solidFill>
                     <a:srgbClr val="000000"/>
                   </a:solidFill>
@@ -354,7 +332,7 @@
             </a:ln>
             <a:extLst>
               <a:ext uri="{91240B29-F687-4f45-9708-019B960494DF}">
-                <a14:hiddenLine xmlns:a14="http://schemas.microsoft.com/office/drawing/2010/main" xmlns="" w="9525">
+                <a14:hiddenLine xmlns="" xmlns:a14="http://schemas.microsoft.com/office/drawing/2010/main" w="9525">
                   <a:solidFill>
                     <a:srgbClr val="000000"/>
                   </a:solidFill>
@@ -451,7 +429,7 @@
             </a:ln>
             <a:extLst>
               <a:ext uri="{91240B29-F687-4f45-9708-019B960494DF}">
-                <a14:hiddenLine xmlns:a14="http://schemas.microsoft.com/office/drawing/2010/main" xmlns="" w="9525">
+                <a14:hiddenLine xmlns="" xmlns:a14="http://schemas.microsoft.com/office/drawing/2010/main" w="9525">
                   <a:solidFill>
                     <a:srgbClr val="000000"/>
                   </a:solidFill>
@@ -492,7 +470,7 @@
             </a:ln>
             <a:extLst>
               <a:ext uri="{91240B29-F687-4f45-9708-019B960494DF}">
-                <a14:hiddenLine xmlns:a14="http://schemas.microsoft.com/office/drawing/2010/main" xmlns="" w="9525">
+                <a14:hiddenLine xmlns="" xmlns:a14="http://schemas.microsoft.com/office/drawing/2010/main" w="9525">
                   <a:solidFill>
                     <a:srgbClr val="000000"/>
                   </a:solidFill>
@@ -589,7 +567,7 @@
             </a:ln>
             <a:extLst>
               <a:ext uri="{91240B29-F687-4f45-9708-019B960494DF}">
-                <a14:hiddenLine xmlns:a14="http://schemas.microsoft.com/office/drawing/2010/main" xmlns="" w="9525">
+                <a14:hiddenLine xmlns="" xmlns:a14="http://schemas.microsoft.com/office/drawing/2010/main" w="9525">
                   <a:solidFill>
                     <a:srgbClr val="000000"/>
                   </a:solidFill>
@@ -658,7 +636,7 @@
             </a:ln>
             <a:extLst>
               <a:ext uri="{91240B29-F687-4f45-9708-019B960494DF}">
-                <a14:hiddenLine xmlns:a14="http://schemas.microsoft.com/office/drawing/2010/main" xmlns="" w="9525">
+                <a14:hiddenLine xmlns="" xmlns:a14="http://schemas.microsoft.com/office/drawing/2010/main" w="9525">
                   <a:solidFill>
                     <a:srgbClr val="000000"/>
                   </a:solidFill>
@@ -727,7 +705,7 @@
             </a:ln>
             <a:extLst>
               <a:ext uri="{91240B29-F687-4f45-9708-019B960494DF}">
-                <a14:hiddenLine xmlns:a14="http://schemas.microsoft.com/office/drawing/2010/main" xmlns="" w="9525">
+                <a14:hiddenLine xmlns="" xmlns:a14="http://schemas.microsoft.com/office/drawing/2010/main" w="9525">
                   <a:solidFill>
                     <a:srgbClr val="000000"/>
                   </a:solidFill>
@@ -824,7 +802,7 @@
             </a:ln>
             <a:extLst>
               <a:ext uri="{91240B29-F687-4f45-9708-019B960494DF}">
-                <a14:hiddenLine xmlns:a14="http://schemas.microsoft.com/office/drawing/2010/main" xmlns="" w="9525">
+                <a14:hiddenLine xmlns="" xmlns:a14="http://schemas.microsoft.com/office/drawing/2010/main" w="9525">
                   <a:solidFill>
                     <a:srgbClr val="000000"/>
                   </a:solidFill>
@@ -893,7 +871,7 @@
             </a:ln>
             <a:extLst>
               <a:ext uri="{91240B29-F687-4f45-9708-019B960494DF}">
-                <a14:hiddenLine xmlns:a14="http://schemas.microsoft.com/office/drawing/2010/main" xmlns="" w="9525">
+                <a14:hiddenLine xmlns="" xmlns:a14="http://schemas.microsoft.com/office/drawing/2010/main" w="9525">
                   <a:solidFill>
                     <a:srgbClr val="000000"/>
                   </a:solidFill>
@@ -962,7 +940,7 @@
             </a:ln>
             <a:extLst>
               <a:ext uri="{91240B29-F687-4f45-9708-019B960494DF}">
-                <a14:hiddenLine xmlns:a14="http://schemas.microsoft.com/office/drawing/2010/main" xmlns="" w="9525">
+                <a14:hiddenLine xmlns="" xmlns:a14="http://schemas.microsoft.com/office/drawing/2010/main" w="9525">
                   <a:solidFill>
                     <a:srgbClr val="000000"/>
                   </a:solidFill>
@@ -1059,7 +1037,7 @@
             </a:ln>
             <a:extLst>
               <a:ext uri="{91240B29-F687-4f45-9708-019B960494DF}">
-                <a14:hiddenLine xmlns:a14="http://schemas.microsoft.com/office/drawing/2010/main" xmlns="" w="9525">
+                <a14:hiddenLine xmlns="" xmlns:a14="http://schemas.microsoft.com/office/drawing/2010/main" w="9525">
                   <a:solidFill>
                     <a:srgbClr val="000000"/>
                   </a:solidFill>
@@ -1156,7 +1134,7 @@
             </a:ln>
             <a:extLst>
               <a:ext uri="{91240B29-F687-4f45-9708-019B960494DF}">
-                <a14:hiddenLine xmlns:a14="http://schemas.microsoft.com/office/drawing/2010/main" xmlns="" w="9525">
+                <a14:hiddenLine xmlns="" xmlns:a14="http://schemas.microsoft.com/office/drawing/2010/main" w="9525">
                   <a:solidFill>
                     <a:srgbClr val="000000"/>
                   </a:solidFill>
@@ -1225,7 +1203,7 @@
             </a:ln>
             <a:extLst>
               <a:ext uri="{91240B29-F687-4f45-9708-019B960494DF}">
-                <a14:hiddenLine xmlns:a14="http://schemas.microsoft.com/office/drawing/2010/main" xmlns="" w="9525">
+                <a14:hiddenLine xmlns="" xmlns:a14="http://schemas.microsoft.com/office/drawing/2010/main" w="9525">
                   <a:solidFill>
                     <a:srgbClr val="000000"/>
                   </a:solidFill>
@@ -1342,7 +1320,7 @@
             </a:ln>
             <a:extLst>
               <a:ext uri="{91240B29-F687-4f45-9708-019B960494DF}">
-                <a14:hiddenLine xmlns:a14="http://schemas.microsoft.com/office/drawing/2010/main" xmlns="" w="9525">
+                <a14:hiddenLine xmlns="" xmlns:a14="http://schemas.microsoft.com/office/drawing/2010/main" w="9525">
                   <a:solidFill>
                     <a:srgbClr val="000000"/>
                   </a:solidFill>
@@ -1411,7 +1389,7 @@
             </a:ln>
             <a:extLst>
               <a:ext uri="{91240B29-F687-4f45-9708-019B960494DF}">
-                <a14:hiddenLine xmlns:a14="http://schemas.microsoft.com/office/drawing/2010/main" xmlns="" w="9525">
+                <a14:hiddenLine xmlns="" xmlns:a14="http://schemas.microsoft.com/office/drawing/2010/main" w="9525">
                   <a:solidFill>
                     <a:srgbClr val="000000"/>
                   </a:solidFill>
@@ -1508,7 +1486,7 @@
             </a:ln>
             <a:extLst>
               <a:ext uri="{91240B29-F687-4f45-9708-019B960494DF}">
-                <a14:hiddenLine xmlns:a14="http://schemas.microsoft.com/office/drawing/2010/main" xmlns="" w="9525">
+                <a14:hiddenLine xmlns="" xmlns:a14="http://schemas.microsoft.com/office/drawing/2010/main" w="9525">
                   <a:solidFill>
                     <a:srgbClr val="000000"/>
                   </a:solidFill>
@@ -1605,7 +1583,7 @@
             </a:ln>
             <a:extLst>
               <a:ext uri="{91240B29-F687-4f45-9708-019B960494DF}">
-                <a14:hiddenLine xmlns:a14="http://schemas.microsoft.com/office/drawing/2010/main" xmlns="" w="9525">
+                <a14:hiddenLine xmlns="" xmlns:a14="http://schemas.microsoft.com/office/drawing/2010/main" w="9525">
                   <a:solidFill>
                     <a:srgbClr val="000000"/>
                   </a:solidFill>
@@ -1674,7 +1652,7 @@
             </a:ln>
             <a:extLst>
               <a:ext uri="{91240B29-F687-4f45-9708-019B960494DF}">
-                <a14:hiddenLine xmlns:a14="http://schemas.microsoft.com/office/drawing/2010/main" xmlns="" w="9525">
+                <a14:hiddenLine xmlns="" xmlns:a14="http://schemas.microsoft.com/office/drawing/2010/main" w="9525">
                   <a:solidFill>
                     <a:srgbClr val="000000"/>
                   </a:solidFill>
@@ -1771,7 +1749,7 @@
             </a:ln>
             <a:extLst>
               <a:ext uri="{91240B29-F687-4f45-9708-019B960494DF}">
-                <a14:hiddenLine xmlns:a14="http://schemas.microsoft.com/office/drawing/2010/main" xmlns="" w="9525">
+                <a14:hiddenLine xmlns="" xmlns:a14="http://schemas.microsoft.com/office/drawing/2010/main" w="9525">
                   <a:solidFill>
                     <a:srgbClr val="000000"/>
                   </a:solidFill>
@@ -1868,7 +1846,7 @@
             </a:ln>
             <a:extLst>
               <a:ext uri="{91240B29-F687-4f45-9708-019B960494DF}">
-                <a14:hiddenLine xmlns:a14="http://schemas.microsoft.com/office/drawing/2010/main" xmlns="" w="9525">
+                <a14:hiddenLine xmlns="" xmlns:a14="http://schemas.microsoft.com/office/drawing/2010/main" w="9525">
                   <a:solidFill>
                     <a:srgbClr val="000000"/>
                   </a:solidFill>
@@ -1931,7 +1909,7 @@
             </a:ln>
             <a:extLst>
               <a:ext uri="{91240B29-F687-4f45-9708-019B960494DF}">
-                <a14:hiddenLine xmlns:a14="http://schemas.microsoft.com/office/drawing/2010/main" xmlns="" w="9525">
+                <a14:hiddenLine xmlns="" xmlns:a14="http://schemas.microsoft.com/office/drawing/2010/main" w="9525">
                   <a:solidFill>
                     <a:srgbClr val="000000"/>
                   </a:solidFill>
@@ -2028,7 +2006,7 @@
             </a:ln>
             <a:extLst>
               <a:ext uri="{91240B29-F687-4f45-9708-019B960494DF}">
-                <a14:hiddenLine xmlns:a14="http://schemas.microsoft.com/office/drawing/2010/main" xmlns="" w="9525">
+                <a14:hiddenLine xmlns="" xmlns:a14="http://schemas.microsoft.com/office/drawing/2010/main" w="9525">
                   <a:solidFill>
                     <a:srgbClr val="000000"/>
                   </a:solidFill>
@@ -2091,7 +2069,7 @@
             </a:ln>
             <a:extLst>
               <a:ext uri="{91240B29-F687-4f45-9708-019B960494DF}">
-                <a14:hiddenLine xmlns:a14="http://schemas.microsoft.com/office/drawing/2010/main" xmlns="" w="9525">
+                <a14:hiddenLine xmlns="" xmlns:a14="http://schemas.microsoft.com/office/drawing/2010/main" w="9525">
                   <a:solidFill>
                     <a:srgbClr val="000000"/>
                   </a:solidFill>
@@ -2188,7 +2166,7 @@
             </a:ln>
             <a:extLst>
               <a:ext uri="{91240B29-F687-4f45-9708-019B960494DF}">
-                <a14:hiddenLine xmlns:a14="http://schemas.microsoft.com/office/drawing/2010/main" xmlns="" w="9525">
+                <a14:hiddenLine xmlns="" xmlns:a14="http://schemas.microsoft.com/office/drawing/2010/main" w="9525">
                   <a:solidFill>
                     <a:srgbClr val="000000"/>
                   </a:solidFill>
@@ -2263,7 +2241,7 @@
             </a:ln>
             <a:extLst>
               <a:ext uri="{91240B29-F687-4f45-9708-019B960494DF}">
-                <a14:hiddenLine xmlns:a14="http://schemas.microsoft.com/office/drawing/2010/main" xmlns="" w="9525">
+                <a14:hiddenLine xmlns="" xmlns:a14="http://schemas.microsoft.com/office/drawing/2010/main" w="9525">
                   <a:solidFill>
                     <a:srgbClr val="000000"/>
                   </a:solidFill>
@@ -2360,7 +2338,7 @@
             </a:ln>
             <a:extLst>
               <a:ext uri="{91240B29-F687-4f45-9708-019B960494DF}">
-                <a14:hiddenLine xmlns:a14="http://schemas.microsoft.com/office/drawing/2010/main" xmlns="" w="9525">
+                <a14:hiddenLine xmlns="" xmlns:a14="http://schemas.microsoft.com/office/drawing/2010/main" w="9525">
                   <a:solidFill>
                     <a:srgbClr val="000000"/>
                   </a:solidFill>
@@ -2435,7 +2413,7 @@
             </a:ln>
             <a:extLst>
               <a:ext uri="{91240B29-F687-4f45-9708-019B960494DF}">
-                <a14:hiddenLine xmlns:a14="http://schemas.microsoft.com/office/drawing/2010/main" xmlns="" w="9525">
+                <a14:hiddenLine xmlns="" xmlns:a14="http://schemas.microsoft.com/office/drawing/2010/main" w="9525">
                   <a:solidFill>
                     <a:srgbClr val="000000"/>
                   </a:solidFill>
@@ -2532,7 +2510,7 @@
             </a:ln>
             <a:extLst>
               <a:ext uri="{91240B29-F687-4f45-9708-019B960494DF}">
-                <a14:hiddenLine xmlns:a14="http://schemas.microsoft.com/office/drawing/2010/main" xmlns="" w="9525">
+                <a14:hiddenLine xmlns="" xmlns:a14="http://schemas.microsoft.com/office/drawing/2010/main" w="9525">
                   <a:solidFill>
                     <a:srgbClr val="000000"/>
                   </a:solidFill>
@@ -2573,7 +2551,7 @@
             </a:ln>
             <a:extLst>
               <a:ext uri="{91240B29-F687-4f45-9708-019B960494DF}">
-                <a14:hiddenLine xmlns:a14="http://schemas.microsoft.com/office/drawing/2010/main" xmlns="" w="9525">
+                <a14:hiddenLine xmlns="" xmlns:a14="http://schemas.microsoft.com/office/drawing/2010/main" w="9525">
                   <a:solidFill>
                     <a:srgbClr val="000000"/>
                   </a:solidFill>
@@ -2670,7 +2648,7 @@
             </a:ln>
             <a:extLst>
               <a:ext uri="{91240B29-F687-4f45-9708-019B960494DF}">
-                <a14:hiddenLine xmlns:a14="http://schemas.microsoft.com/office/drawing/2010/main" xmlns="" w="9525">
+                <a14:hiddenLine xmlns="" xmlns:a14="http://schemas.microsoft.com/office/drawing/2010/main" w="9525">
                   <a:solidFill>
                     <a:srgbClr val="000000"/>
                   </a:solidFill>
@@ -2739,7 +2717,7 @@
             </a:ln>
             <a:extLst>
               <a:ext uri="{91240B29-F687-4f45-9708-019B960494DF}">
-                <a14:hiddenLine xmlns:a14="http://schemas.microsoft.com/office/drawing/2010/main" xmlns="" w="9525">
+                <a14:hiddenLine xmlns="" xmlns:a14="http://schemas.microsoft.com/office/drawing/2010/main" w="9525">
                   <a:solidFill>
                     <a:srgbClr val="000000"/>
                   </a:solidFill>
@@ -2808,7 +2786,7 @@
             </a:ln>
             <a:extLst>
               <a:ext uri="{91240B29-F687-4f45-9708-019B960494DF}">
-                <a14:hiddenLine xmlns:a14="http://schemas.microsoft.com/office/drawing/2010/main" xmlns="" w="9525">
+                <a14:hiddenLine xmlns="" xmlns:a14="http://schemas.microsoft.com/office/drawing/2010/main" w="9525">
                   <a:solidFill>
                     <a:srgbClr val="000000"/>
                   </a:solidFill>
@@ -2905,7 +2883,7 @@
             </a:ln>
             <a:extLst>
               <a:ext uri="{91240B29-F687-4f45-9708-019B960494DF}">
-                <a14:hiddenLine xmlns:a14="http://schemas.microsoft.com/office/drawing/2010/main" xmlns="" w="9525">
+                <a14:hiddenLine xmlns="" xmlns:a14="http://schemas.microsoft.com/office/drawing/2010/main" w="9525">
                   <a:solidFill>
                     <a:srgbClr val="000000"/>
                   </a:solidFill>
@@ -2980,7 +2958,7 @@
             </a:ln>
             <a:extLst>
               <a:ext uri="{91240B29-F687-4f45-9708-019B960494DF}">
-                <a14:hiddenLine xmlns:a14="http://schemas.microsoft.com/office/drawing/2010/main" xmlns="" w="9525">
+                <a14:hiddenLine xmlns="" xmlns:a14="http://schemas.microsoft.com/office/drawing/2010/main" w="9525">
                   <a:solidFill>
                     <a:srgbClr val="000000"/>
                   </a:solidFill>
@@ -3049,7 +3027,7 @@
             </a:ln>
             <a:extLst>
               <a:ext uri="{91240B29-F687-4f45-9708-019B960494DF}">
-                <a14:hiddenLine xmlns:a14="http://schemas.microsoft.com/office/drawing/2010/main" xmlns="" w="9525">
+                <a14:hiddenLine xmlns="" xmlns:a14="http://schemas.microsoft.com/office/drawing/2010/main" w="9525">
                   <a:solidFill>
                     <a:srgbClr val="000000"/>
                   </a:solidFill>
@@ -3146,7 +3124,7 @@
             </a:ln>
             <a:extLst>
               <a:ext uri="{91240B29-F687-4f45-9708-019B960494DF}">
-                <a14:hiddenLine xmlns:a14="http://schemas.microsoft.com/office/drawing/2010/main" xmlns="" w="9525">
+                <a14:hiddenLine xmlns="" xmlns:a14="http://schemas.microsoft.com/office/drawing/2010/main" w="9525">
                   <a:solidFill>
                     <a:srgbClr val="000000"/>
                   </a:solidFill>
@@ -3215,7 +3193,7 @@
             </a:ln>
             <a:extLst>
               <a:ext uri="{91240B29-F687-4f45-9708-019B960494DF}">
-                <a14:hiddenLine xmlns:a14="http://schemas.microsoft.com/office/drawing/2010/main" xmlns="" w="9525">
+                <a14:hiddenLine xmlns="" xmlns:a14="http://schemas.microsoft.com/office/drawing/2010/main" w="9525">
                   <a:solidFill>
                     <a:srgbClr val="000000"/>
                   </a:solidFill>
@@ -3312,7 +3290,7 @@
             </a:ln>
             <a:extLst>
               <a:ext uri="{91240B29-F687-4f45-9708-019B960494DF}">
-                <a14:hiddenLine xmlns:a14="http://schemas.microsoft.com/office/drawing/2010/main" xmlns="" w="9525">
+                <a14:hiddenLine xmlns="" xmlns:a14="http://schemas.microsoft.com/office/drawing/2010/main" w="9525">
                   <a:solidFill>
                     <a:srgbClr val="000000"/>
                   </a:solidFill>
@@ -3381,7 +3359,7 @@
             </a:ln>
             <a:extLst>
               <a:ext uri="{91240B29-F687-4f45-9708-019B960494DF}">
-                <a14:hiddenLine xmlns:a14="http://schemas.microsoft.com/office/drawing/2010/main" xmlns="" w="9525">
+                <a14:hiddenLine xmlns="" xmlns:a14="http://schemas.microsoft.com/office/drawing/2010/main" w="9525">
                   <a:solidFill>
                     <a:srgbClr val="000000"/>
                   </a:solidFill>
@@ -3478,7 +3456,7 @@
             </a:ln>
             <a:extLst>
               <a:ext uri="{91240B29-F687-4f45-9708-019B960494DF}">
-                <a14:hiddenLine xmlns:a14="http://schemas.microsoft.com/office/drawing/2010/main" xmlns="" w="9525">
+                <a14:hiddenLine xmlns="" xmlns:a14="http://schemas.microsoft.com/office/drawing/2010/main" w="9525">
                   <a:solidFill>
                     <a:srgbClr val="000000"/>
                   </a:solidFill>
@@ -3519,7 +3497,7 @@
             </a:ln>
             <a:extLst>
               <a:ext uri="{91240B29-F687-4f45-9708-019B960494DF}">
-                <a14:hiddenLine xmlns:a14="http://schemas.microsoft.com/office/drawing/2010/main" xmlns="" w="9525">
+                <a14:hiddenLine xmlns="" xmlns:a14="http://schemas.microsoft.com/office/drawing/2010/main" w="9525">
                   <a:solidFill>
                     <a:srgbClr val="000000"/>
                   </a:solidFill>
@@ -3591,7 +3569,7 @@
             </a:ln>
             <a:extLst>
               <a:ext uri="{91240B29-F687-4f45-9708-019B960494DF}">
-                <a14:hiddenLine xmlns:a14="http://schemas.microsoft.com/office/drawing/2010/main" xmlns="" w="9525">
+                <a14:hiddenLine xmlns="" xmlns:a14="http://schemas.microsoft.com/office/drawing/2010/main" w="9525">
                   <a:solidFill>
                     <a:srgbClr val="000000"/>
                   </a:solidFill>
@@ -3688,7 +3666,7 @@
             </a:ln>
             <a:extLst>
               <a:ext uri="{91240B29-F687-4f45-9708-019B960494DF}">
-                <a14:hiddenLine xmlns:a14="http://schemas.microsoft.com/office/drawing/2010/main" xmlns="" w="9525">
+                <a14:hiddenLine xmlns="" xmlns:a14="http://schemas.microsoft.com/office/drawing/2010/main" w="9525">
                   <a:solidFill>
                     <a:srgbClr val="000000"/>
                   </a:solidFill>
@@ -3757,7 +3735,7 @@
             </a:ln>
             <a:extLst>
               <a:ext uri="{91240B29-F687-4f45-9708-019B960494DF}">
-                <a14:hiddenLine xmlns:a14="http://schemas.microsoft.com/office/drawing/2010/main" xmlns="" w="9525">
+                <a14:hiddenLine xmlns="" xmlns:a14="http://schemas.microsoft.com/office/drawing/2010/main" w="9525">
                   <a:solidFill>
                     <a:srgbClr val="000000"/>
                   </a:solidFill>
@@ -3854,7 +3832,7 @@
             </a:ln>
             <a:extLst>
               <a:ext uri="{91240B29-F687-4f45-9708-019B960494DF}">
-                <a14:hiddenLine xmlns:a14="http://schemas.microsoft.com/office/drawing/2010/main" xmlns="" w="9525">
+                <a14:hiddenLine xmlns="" xmlns:a14="http://schemas.microsoft.com/office/drawing/2010/main" w="9525">
                   <a:solidFill>
                     <a:srgbClr val="000000"/>
                   </a:solidFill>
@@ -3951,7 +3929,7 @@
             </a:ln>
             <a:extLst>
               <a:ext uri="{91240B29-F687-4f45-9708-019B960494DF}">
-                <a14:hiddenLine xmlns:a14="http://schemas.microsoft.com/office/drawing/2010/main" xmlns="" w="9525">
+                <a14:hiddenLine xmlns="" xmlns:a14="http://schemas.microsoft.com/office/drawing/2010/main" w="9525">
                   <a:solidFill>
                     <a:srgbClr val="000000"/>
                   </a:solidFill>
@@ -4023,7 +4001,7 @@
             </a:ln>
             <a:extLst>
               <a:ext uri="{91240B29-F687-4f45-9708-019B960494DF}">
-                <a14:hiddenLine xmlns:a14="http://schemas.microsoft.com/office/drawing/2010/main" xmlns="" w="9525">
+                <a14:hiddenLine xmlns="" xmlns:a14="http://schemas.microsoft.com/office/drawing/2010/main" w="9525">
                   <a:solidFill>
                     <a:srgbClr val="000000"/>
                   </a:solidFill>
@@ -4092,7 +4070,7 @@
             </a:ln>
             <a:extLst>
               <a:ext uri="{91240B29-F687-4f45-9708-019B960494DF}">
-                <a14:hiddenLine xmlns:a14="http://schemas.microsoft.com/office/drawing/2010/main" xmlns="" w="9525">
+                <a14:hiddenLine xmlns="" xmlns:a14="http://schemas.microsoft.com/office/drawing/2010/main" w="9525">
                   <a:solidFill>
                     <a:srgbClr val="000000"/>
                   </a:solidFill>
@@ -4189,7 +4167,7 @@
             </a:ln>
             <a:extLst>
               <a:ext uri="{91240B29-F687-4f45-9708-019B960494DF}">
-                <a14:hiddenLine xmlns:a14="http://schemas.microsoft.com/office/drawing/2010/main" xmlns="" w="9525">
+                <a14:hiddenLine xmlns="" xmlns:a14="http://schemas.microsoft.com/office/drawing/2010/main" w="9525">
                   <a:solidFill>
                     <a:srgbClr val="000000"/>
                   </a:solidFill>
@@ -4286,7 +4264,7 @@
             </a:ln>
             <a:extLst>
               <a:ext uri="{91240B29-F687-4f45-9708-019B960494DF}">
-                <a14:hiddenLine xmlns:a14="http://schemas.microsoft.com/office/drawing/2010/main" xmlns="" w="9525">
+                <a14:hiddenLine xmlns="" xmlns:a14="http://schemas.microsoft.com/office/drawing/2010/main" w="9525">
                   <a:solidFill>
                     <a:srgbClr val="000000"/>
                   </a:solidFill>
@@ -4355,7 +4333,7 @@
             </a:ln>
             <a:extLst>
               <a:ext uri="{91240B29-F687-4f45-9708-019B960494DF}">
-                <a14:hiddenLine xmlns:a14="http://schemas.microsoft.com/office/drawing/2010/main" xmlns="" w="9525">
+                <a14:hiddenLine xmlns="" xmlns:a14="http://schemas.microsoft.com/office/drawing/2010/main" w="9525">
                   <a:solidFill>
                     <a:srgbClr val="000000"/>
                   </a:solidFill>
@@ -4482,7 +4460,7 @@
             </a:ln>
             <a:extLst>
               <a:ext uri="{91240B29-F687-4f45-9708-019B960494DF}">
-                <a14:hiddenLine xmlns:a14="http://schemas.microsoft.com/office/drawing/2010/main" xmlns="" w="9525">
+                <a14:hiddenLine xmlns="" xmlns:a14="http://schemas.microsoft.com/office/drawing/2010/main" w="9525">
                   <a:solidFill>
                     <a:srgbClr val="000000"/>
                   </a:solidFill>
@@ -4557,7 +4535,7 @@
             </a:ln>
             <a:extLst>
               <a:ext uri="{91240B29-F687-4f45-9708-019B960494DF}">
-                <a14:hiddenLine xmlns:a14="http://schemas.microsoft.com/office/drawing/2010/main" xmlns="" w="9525">
+                <a14:hiddenLine xmlns="" xmlns:a14="http://schemas.microsoft.com/office/drawing/2010/main" w="9525">
                   <a:solidFill>
                     <a:srgbClr val="000000"/>
                   </a:solidFill>
@@ -4654,7 +4632,7 @@
             </a:ln>
             <a:extLst>
               <a:ext uri="{91240B29-F687-4f45-9708-019B960494DF}">
-                <a14:hiddenLine xmlns:a14="http://schemas.microsoft.com/office/drawing/2010/main" xmlns="" w="9525">
+                <a14:hiddenLine xmlns="" xmlns:a14="http://schemas.microsoft.com/office/drawing/2010/main" w="9525">
                   <a:solidFill>
                     <a:srgbClr val="000000"/>
                   </a:solidFill>
@@ -4801,7 +4779,7 @@
           <a:p>
             <a:fld id="{C7CC04FB-86A9-4518-B68C-513A8C480987}" type="datetimeFigureOut">
               <a:rPr lang="it-IT" smtClean="0"/>
-              <a:t>13/01/2026</a:t>
+              <a:t>18/01/2026</a:t>
             </a:fld>
             <a:endParaRPr lang="it-IT"/>
           </a:p>
@@ -4853,7 +4831,7 @@
           <a:p>
             <a:fld id="{53989CFC-89DE-4F17-B3B6-DFC80C736B18}" type="slidenum">
               <a:rPr lang="it-IT" smtClean="0"/>
-              <a:t>‹#›</a:t>
+              <a:t>‹N›</a:t>
             </a:fld>
             <a:endParaRPr lang="it-IT"/>
           </a:p>
@@ -5068,7 +5046,7 @@
           <a:p>
             <a:fld id="{C7CC04FB-86A9-4518-B68C-513A8C480987}" type="datetimeFigureOut">
               <a:rPr lang="it-IT" smtClean="0"/>
-              <a:t>13/01/2026</a:t>
+              <a:t>18/01/2026</a:t>
             </a:fld>
             <a:endParaRPr lang="it-IT"/>
           </a:p>
@@ -5110,7 +5088,7 @@
           <a:p>
             <a:fld id="{53989CFC-89DE-4F17-B3B6-DFC80C736B18}" type="slidenum">
               <a:rPr lang="it-IT" smtClean="0"/>
-              <a:t>‹#›</a:t>
+              <a:t>‹N›</a:t>
             </a:fld>
             <a:endParaRPr lang="it-IT"/>
           </a:p>
@@ -5264,7 +5242,7 @@
           <a:p>
             <a:fld id="{C7CC04FB-86A9-4518-B68C-513A8C480987}" type="datetimeFigureOut">
               <a:rPr lang="it-IT" smtClean="0"/>
-              <a:t>13/01/2026</a:t>
+              <a:t>18/01/2026</a:t>
             </a:fld>
             <a:endParaRPr lang="it-IT"/>
           </a:p>
@@ -5306,7 +5284,7 @@
           <a:p>
             <a:fld id="{53989CFC-89DE-4F17-B3B6-DFC80C736B18}" type="slidenum">
               <a:rPr lang="it-IT" smtClean="0"/>
-              <a:t>‹#›</a:t>
+              <a:t>‹N›</a:t>
             </a:fld>
             <a:endParaRPr lang="it-IT"/>
           </a:p>
@@ -5527,7 +5505,7 @@
           <a:p>
             <a:fld id="{C7CC04FB-86A9-4518-B68C-513A8C480987}" type="datetimeFigureOut">
               <a:rPr lang="it-IT" smtClean="0"/>
-              <a:t>13/01/2026</a:t>
+              <a:t>18/01/2026</a:t>
             </a:fld>
             <a:endParaRPr lang="it-IT"/>
           </a:p>
@@ -5569,7 +5547,7 @@
           <a:p>
             <a:fld id="{53989CFC-89DE-4F17-B3B6-DFC80C736B18}" type="slidenum">
               <a:rPr lang="it-IT" smtClean="0"/>
-              <a:t>‹#›</a:t>
+              <a:t>‹N›</a:t>
             </a:fld>
             <a:endParaRPr lang="it-IT"/>
           </a:p>
@@ -5961,7 +5939,7 @@
           <a:p>
             <a:fld id="{C7CC04FB-86A9-4518-B68C-513A8C480987}" type="datetimeFigureOut">
               <a:rPr lang="it-IT" smtClean="0"/>
-              <a:t>13/01/2026</a:t>
+              <a:t>18/01/2026</a:t>
             </a:fld>
             <a:endParaRPr lang="it-IT"/>
           </a:p>
@@ -6003,7 +5981,7 @@
           <a:p>
             <a:fld id="{53989CFC-89DE-4F17-B3B6-DFC80C736B18}" type="slidenum">
               <a:rPr lang="it-IT" smtClean="0"/>
-              <a:t>‹#›</a:t>
+              <a:t>‹N›</a:t>
             </a:fld>
             <a:endParaRPr lang="it-IT"/>
           </a:p>
@@ -6507,7 +6485,7 @@
           <a:p>
             <a:fld id="{C7CC04FB-86A9-4518-B68C-513A8C480987}" type="datetimeFigureOut">
               <a:rPr lang="it-IT" smtClean="0"/>
-              <a:t>13/01/2026</a:t>
+              <a:t>18/01/2026</a:t>
             </a:fld>
             <a:endParaRPr lang="it-IT"/>
           </a:p>
@@ -6549,7 +6527,7 @@
           <a:p>
             <a:fld id="{53989CFC-89DE-4F17-B3B6-DFC80C736B18}" type="slidenum">
               <a:rPr lang="it-IT" smtClean="0"/>
-              <a:t>‹#›</a:t>
+              <a:t>‹N›</a:t>
             </a:fld>
             <a:endParaRPr lang="it-IT"/>
           </a:p>
@@ -7227,7 +7205,7 @@
           <a:p>
             <a:fld id="{C7CC04FB-86A9-4518-B68C-513A8C480987}" type="datetimeFigureOut">
               <a:rPr lang="it-IT" smtClean="0"/>
-              <a:t>13/01/2026</a:t>
+              <a:t>18/01/2026</a:t>
             </a:fld>
             <a:endParaRPr lang="it-IT"/>
           </a:p>
@@ -7269,7 +7247,7 @@
           <a:p>
             <a:fld id="{53989CFC-89DE-4F17-B3B6-DFC80C736B18}" type="slidenum">
               <a:rPr lang="it-IT" smtClean="0"/>
-              <a:t>‹#›</a:t>
+              <a:t>‹N›</a:t>
             </a:fld>
             <a:endParaRPr lang="it-IT"/>
           </a:p>
@@ -7397,7 +7375,7 @@
           <a:p>
             <a:fld id="{C7CC04FB-86A9-4518-B68C-513A8C480987}" type="datetimeFigureOut">
               <a:rPr lang="it-IT" smtClean="0"/>
-              <a:t>13/01/2026</a:t>
+              <a:t>18/01/2026</a:t>
             </a:fld>
             <a:endParaRPr lang="it-IT"/>
           </a:p>
@@ -7439,7 +7417,7 @@
           <a:p>
             <a:fld id="{53989CFC-89DE-4F17-B3B6-DFC80C736B18}" type="slidenum">
               <a:rPr lang="it-IT" smtClean="0"/>
-              <a:t>‹#›</a:t>
+              <a:t>‹N›</a:t>
             </a:fld>
             <a:endParaRPr lang="it-IT"/>
           </a:p>
@@ -7577,7 +7555,7 @@
           <a:p>
             <a:fld id="{C7CC04FB-86A9-4518-B68C-513A8C480987}" type="datetimeFigureOut">
               <a:rPr lang="it-IT" smtClean="0"/>
-              <a:t>13/01/2026</a:t>
+              <a:t>18/01/2026</a:t>
             </a:fld>
             <a:endParaRPr lang="it-IT"/>
           </a:p>
@@ -7619,7 +7597,7 @@
           <a:p>
             <a:fld id="{53989CFC-89DE-4F17-B3B6-DFC80C736B18}" type="slidenum">
               <a:rPr lang="it-IT" smtClean="0"/>
-              <a:t>‹#›</a:t>
+              <a:t>‹N›</a:t>
             </a:fld>
             <a:endParaRPr lang="it-IT"/>
           </a:p>
@@ -7747,7 +7725,7 @@
           <a:p>
             <a:fld id="{C7CC04FB-86A9-4518-B68C-513A8C480987}" type="datetimeFigureOut">
               <a:rPr lang="it-IT" smtClean="0"/>
-              <a:t>13/01/2026</a:t>
+              <a:t>18/01/2026</a:t>
             </a:fld>
             <a:endParaRPr lang="it-IT"/>
           </a:p>
@@ -7789,7 +7767,7 @@
           <a:p>
             <a:fld id="{53989CFC-89DE-4F17-B3B6-DFC80C736B18}" type="slidenum">
               <a:rPr lang="it-IT" smtClean="0"/>
-              <a:t>‹#›</a:t>
+              <a:t>‹N›</a:t>
             </a:fld>
             <a:endParaRPr lang="it-IT"/>
           </a:p>
@@ -7997,7 +7975,7 @@
           <a:p>
             <a:fld id="{C7CC04FB-86A9-4518-B68C-513A8C480987}" type="datetimeFigureOut">
               <a:rPr lang="it-IT" smtClean="0"/>
-              <a:t>13/01/2026</a:t>
+              <a:t>18/01/2026</a:t>
             </a:fld>
             <a:endParaRPr lang="it-IT"/>
           </a:p>
@@ -8039,7 +8017,7 @@
           <a:p>
             <a:fld id="{53989CFC-89DE-4F17-B3B6-DFC80C736B18}" type="slidenum">
               <a:rPr lang="it-IT" smtClean="0"/>
-              <a:t>‹#›</a:t>
+              <a:t>‹N›</a:t>
             </a:fld>
             <a:endParaRPr lang="it-IT"/>
           </a:p>
@@ -8229,7 +8207,7 @@
           <a:p>
             <a:fld id="{C7CC04FB-86A9-4518-B68C-513A8C480987}" type="datetimeFigureOut">
               <a:rPr lang="it-IT" smtClean="0"/>
-              <a:t>13/01/2026</a:t>
+              <a:t>18/01/2026</a:t>
             </a:fld>
             <a:endParaRPr lang="it-IT"/>
           </a:p>
@@ -8271,7 +8249,7 @@
           <a:p>
             <a:fld id="{53989CFC-89DE-4F17-B3B6-DFC80C736B18}" type="slidenum">
               <a:rPr lang="it-IT" smtClean="0"/>
-              <a:t>‹#›</a:t>
+              <a:t>‹N›</a:t>
             </a:fld>
             <a:endParaRPr lang="it-IT"/>
           </a:p>
@@ -8610,7 +8588,7 @@
           <a:p>
             <a:fld id="{C7CC04FB-86A9-4518-B68C-513A8C480987}" type="datetimeFigureOut">
               <a:rPr lang="it-IT" smtClean="0"/>
-              <a:t>13/01/2026</a:t>
+              <a:t>18/01/2026</a:t>
             </a:fld>
             <a:endParaRPr lang="it-IT"/>
           </a:p>
@@ -8652,7 +8630,7 @@
           <a:p>
             <a:fld id="{53989CFC-89DE-4F17-B3B6-DFC80C736B18}" type="slidenum">
               <a:rPr lang="it-IT" smtClean="0"/>
-              <a:t>‹#›</a:t>
+              <a:t>‹N›</a:t>
             </a:fld>
             <a:endParaRPr lang="it-IT"/>
           </a:p>
@@ -8728,7 +8706,7 @@
           <a:p>
             <a:fld id="{C7CC04FB-86A9-4518-B68C-513A8C480987}" type="datetimeFigureOut">
               <a:rPr lang="it-IT" smtClean="0"/>
-              <a:t>13/01/2026</a:t>
+              <a:t>18/01/2026</a:t>
             </a:fld>
             <a:endParaRPr lang="it-IT"/>
           </a:p>
@@ -8770,7 +8748,7 @@
           <a:p>
             <a:fld id="{53989CFC-89DE-4F17-B3B6-DFC80C736B18}" type="slidenum">
               <a:rPr lang="it-IT" smtClean="0"/>
-              <a:t>‹#›</a:t>
+              <a:t>‹N›</a:t>
             </a:fld>
             <a:endParaRPr lang="it-IT"/>
           </a:p>
@@ -8823,7 +8801,7 @@
           <a:p>
             <a:fld id="{C7CC04FB-86A9-4518-B68C-513A8C480987}" type="datetimeFigureOut">
               <a:rPr lang="it-IT" smtClean="0"/>
-              <a:t>13/01/2026</a:t>
+              <a:t>18/01/2026</a:t>
             </a:fld>
             <a:endParaRPr lang="it-IT"/>
           </a:p>
@@ -8865,7 +8843,7 @@
           <a:p>
             <a:fld id="{53989CFC-89DE-4F17-B3B6-DFC80C736B18}" type="slidenum">
               <a:rPr lang="it-IT" smtClean="0"/>
-              <a:t>‹#›</a:t>
+              <a:t>‹N›</a:t>
             </a:fld>
             <a:endParaRPr lang="it-IT"/>
           </a:p>
@@ -9072,7 +9050,7 @@
           <a:p>
             <a:fld id="{C7CC04FB-86A9-4518-B68C-513A8C480987}" type="datetimeFigureOut">
               <a:rPr lang="it-IT" smtClean="0"/>
-              <a:t>13/01/2026</a:t>
+              <a:t>18/01/2026</a:t>
             </a:fld>
             <a:endParaRPr lang="it-IT"/>
           </a:p>
@@ -9114,7 +9092,7 @@
           <a:p>
             <a:fld id="{53989CFC-89DE-4F17-B3B6-DFC80C736B18}" type="slidenum">
               <a:rPr lang="it-IT" smtClean="0"/>
-              <a:t>‹#›</a:t>
+              <a:t>‹N›</a:t>
             </a:fld>
             <a:endParaRPr lang="it-IT"/>
           </a:p>
@@ -9352,7 +9330,7 @@
           <a:p>
             <a:fld id="{C7CC04FB-86A9-4518-B68C-513A8C480987}" type="datetimeFigureOut">
               <a:rPr lang="it-IT" smtClean="0"/>
-              <a:t>13/01/2026</a:t>
+              <a:t>18/01/2026</a:t>
             </a:fld>
             <a:endParaRPr lang="it-IT"/>
           </a:p>
@@ -9394,7 +9372,7 @@
           <a:p>
             <a:fld id="{53989CFC-89DE-4F17-B3B6-DFC80C736B18}" type="slidenum">
               <a:rPr lang="it-IT" smtClean="0"/>
-              <a:t>‹#›</a:t>
+              <a:t>‹N›</a:t>
             </a:fld>
             <a:endParaRPr lang="it-IT"/>
           </a:p>
@@ -9468,7 +9446,7 @@
           <a:noFill/>
           <a:extLst>
             <a:ext uri="{909E8E84-426E-40dd-AFC4-6F175D3DCCD1}">
-              <a14:hiddenFill xmlns:a14="http://schemas.microsoft.com/office/drawing/2010/main" xmlns="">
+              <a14:hiddenFill xmlns="" xmlns:a14="http://schemas.microsoft.com/office/drawing/2010/main">
                 <a:solidFill>
                   <a:srgbClr val="FFFFFF"/>
                 </a:solidFill>
@@ -9542,7 +9520,7 @@
               </a:ln>
               <a:extLst>
                 <a:ext uri="{91240B29-F687-4f45-9708-019B960494DF}">
-                  <a14:hiddenLine xmlns:a14="http://schemas.microsoft.com/office/drawing/2010/main" xmlns="" w="9525">
+                  <a14:hiddenLine xmlns="" xmlns:a14="http://schemas.microsoft.com/office/drawing/2010/main" w="9525">
                     <a:solidFill>
                       <a:srgbClr val="000000"/>
                     </a:solidFill>
@@ -9639,7 +9617,7 @@
               </a:ln>
               <a:extLst>
                 <a:ext uri="{91240B29-F687-4f45-9708-019B960494DF}">
-                  <a14:hiddenLine xmlns:a14="http://schemas.microsoft.com/office/drawing/2010/main" xmlns="" w="9525">
+                  <a14:hiddenLine xmlns="" xmlns:a14="http://schemas.microsoft.com/office/drawing/2010/main" w="9525">
                     <a:solidFill>
                       <a:srgbClr val="000000"/>
                     </a:solidFill>
@@ -9736,7 +9714,7 @@
               </a:ln>
               <a:extLst>
                 <a:ext uri="{91240B29-F687-4f45-9708-019B960494DF}">
-                  <a14:hiddenLine xmlns:a14="http://schemas.microsoft.com/office/drawing/2010/main" xmlns="" w="9525">
+                  <a14:hiddenLine xmlns="" xmlns:a14="http://schemas.microsoft.com/office/drawing/2010/main" w="9525">
                     <a:solidFill>
                       <a:srgbClr val="000000"/>
                     </a:solidFill>
@@ -9805,7 +9783,7 @@
               </a:ln>
               <a:extLst>
                 <a:ext uri="{91240B29-F687-4f45-9708-019B960494DF}">
-                  <a14:hiddenLine xmlns:a14="http://schemas.microsoft.com/office/drawing/2010/main" xmlns="" w="9525">
+                  <a14:hiddenLine xmlns="" xmlns:a14="http://schemas.microsoft.com/office/drawing/2010/main" w="9525">
                     <a:solidFill>
                       <a:srgbClr val="000000"/>
                     </a:solidFill>
@@ -9902,7 +9880,7 @@
               </a:ln>
               <a:extLst>
                 <a:ext uri="{91240B29-F687-4f45-9708-019B960494DF}">
-                  <a14:hiddenLine xmlns:a14="http://schemas.microsoft.com/office/drawing/2010/main" xmlns="" w="9525">
+                  <a14:hiddenLine xmlns="" xmlns:a14="http://schemas.microsoft.com/office/drawing/2010/main" w="9525">
                     <a:solidFill>
                       <a:srgbClr val="000000"/>
                     </a:solidFill>
@@ -9971,7 +9949,7 @@
               </a:ln>
               <a:extLst>
                 <a:ext uri="{91240B29-F687-4f45-9708-019B960494DF}">
-                  <a14:hiddenLine xmlns:a14="http://schemas.microsoft.com/office/drawing/2010/main" xmlns="" w="9525">
+                  <a14:hiddenLine xmlns="" xmlns:a14="http://schemas.microsoft.com/office/drawing/2010/main" w="9525">
                     <a:solidFill>
                       <a:srgbClr val="000000"/>
                     </a:solidFill>
@@ -10040,7 +10018,7 @@
               </a:ln>
               <a:extLst>
                 <a:ext uri="{91240B29-F687-4f45-9708-019B960494DF}">
-                  <a14:hiddenLine xmlns:a14="http://schemas.microsoft.com/office/drawing/2010/main" xmlns="" w="9525">
+                  <a14:hiddenLine xmlns="" xmlns:a14="http://schemas.microsoft.com/office/drawing/2010/main" w="9525">
                     <a:solidFill>
                       <a:srgbClr val="000000"/>
                     </a:solidFill>
@@ -10137,7 +10115,7 @@
               </a:ln>
               <a:extLst>
                 <a:ext uri="{91240B29-F687-4f45-9708-019B960494DF}">
-                  <a14:hiddenLine xmlns:a14="http://schemas.microsoft.com/office/drawing/2010/main" xmlns="" w="9525">
+                  <a14:hiddenLine xmlns="" xmlns:a14="http://schemas.microsoft.com/office/drawing/2010/main" w="9525">
                     <a:solidFill>
                       <a:srgbClr val="000000"/>
                     </a:solidFill>
@@ -10234,7 +10212,7 @@
               </a:ln>
               <a:extLst>
                 <a:ext uri="{91240B29-F687-4f45-9708-019B960494DF}">
-                  <a14:hiddenLine xmlns:a14="http://schemas.microsoft.com/office/drawing/2010/main" xmlns="" w="9525">
+                  <a14:hiddenLine xmlns="" xmlns:a14="http://schemas.microsoft.com/office/drawing/2010/main" w="9525">
                     <a:solidFill>
                       <a:srgbClr val="000000"/>
                     </a:solidFill>
@@ -10303,7 +10281,7 @@
               </a:ln>
               <a:extLst>
                 <a:ext uri="{91240B29-F687-4f45-9708-019B960494DF}">
-                  <a14:hiddenLine xmlns:a14="http://schemas.microsoft.com/office/drawing/2010/main" xmlns="" w="9525">
+                  <a14:hiddenLine xmlns="" xmlns:a14="http://schemas.microsoft.com/office/drawing/2010/main" w="9525">
                     <a:solidFill>
                       <a:srgbClr val="000000"/>
                     </a:solidFill>
@@ -10420,7 +10398,7 @@
               </a:ln>
               <a:extLst>
                 <a:ext uri="{91240B29-F687-4f45-9708-019B960494DF}">
-                  <a14:hiddenLine xmlns:a14="http://schemas.microsoft.com/office/drawing/2010/main" xmlns="" w="9525">
+                  <a14:hiddenLine xmlns="" xmlns:a14="http://schemas.microsoft.com/office/drawing/2010/main" w="9525">
                     <a:solidFill>
                       <a:srgbClr val="000000"/>
                     </a:solidFill>
@@ -10518,7 +10496,7 @@
               </a:ln>
               <a:extLst>
                 <a:ext uri="{91240B29-F687-4f45-9708-019B960494DF}">
-                  <a14:hiddenLine xmlns:a14="http://schemas.microsoft.com/office/drawing/2010/main" xmlns="" w="9525">
+                  <a14:hiddenLine xmlns="" xmlns:a14="http://schemas.microsoft.com/office/drawing/2010/main" w="9525">
                     <a:solidFill>
                       <a:srgbClr val="000000"/>
                     </a:solidFill>
@@ -10587,7 +10565,7 @@
               </a:ln>
               <a:extLst>
                 <a:ext uri="{91240B29-F687-4f45-9708-019B960494DF}">
-                  <a14:hiddenLine xmlns:a14="http://schemas.microsoft.com/office/drawing/2010/main" xmlns="" w="9525">
+                  <a14:hiddenLine xmlns="" xmlns:a14="http://schemas.microsoft.com/office/drawing/2010/main" w="9525">
                     <a:solidFill>
                       <a:srgbClr val="000000"/>
                     </a:solidFill>
@@ -10656,7 +10634,7 @@
               </a:ln>
               <a:extLst>
                 <a:ext uri="{91240B29-F687-4f45-9708-019B960494DF}">
-                  <a14:hiddenLine xmlns:a14="http://schemas.microsoft.com/office/drawing/2010/main" xmlns="" w="9525">
+                  <a14:hiddenLine xmlns="" xmlns:a14="http://schemas.microsoft.com/office/drawing/2010/main" w="9525">
                     <a:solidFill>
                       <a:srgbClr val="000000"/>
                     </a:solidFill>
@@ -10753,7 +10731,7 @@
               </a:ln>
               <a:extLst>
                 <a:ext uri="{91240B29-F687-4f45-9708-019B960494DF}">
-                  <a14:hiddenLine xmlns:a14="http://schemas.microsoft.com/office/drawing/2010/main" xmlns="" w="9525">
+                  <a14:hiddenLine xmlns="" xmlns:a14="http://schemas.microsoft.com/office/drawing/2010/main" w="9525">
                     <a:solidFill>
                       <a:srgbClr val="000000"/>
                     </a:solidFill>
@@ -10794,7 +10772,7 @@
               </a:ln>
               <a:extLst>
                 <a:ext uri="{91240B29-F687-4f45-9708-019B960494DF}">
-                  <a14:hiddenLine xmlns:a14="http://schemas.microsoft.com/office/drawing/2010/main" xmlns="" w="9525">
+                  <a14:hiddenLine xmlns="" xmlns:a14="http://schemas.microsoft.com/office/drawing/2010/main" w="9525">
                     <a:solidFill>
                       <a:srgbClr val="000000"/>
                     </a:solidFill>
@@ -10866,7 +10844,7 @@
               </a:ln>
               <a:extLst>
                 <a:ext uri="{91240B29-F687-4f45-9708-019B960494DF}">
-                  <a14:hiddenLine xmlns:a14="http://schemas.microsoft.com/office/drawing/2010/main" xmlns="" w="9525">
+                  <a14:hiddenLine xmlns="" xmlns:a14="http://schemas.microsoft.com/office/drawing/2010/main" w="9525">
                     <a:solidFill>
                       <a:srgbClr val="000000"/>
                     </a:solidFill>
@@ -10963,7 +10941,7 @@
               </a:ln>
               <a:extLst>
                 <a:ext uri="{91240B29-F687-4f45-9708-019B960494DF}">
-                  <a14:hiddenLine xmlns:a14="http://schemas.microsoft.com/office/drawing/2010/main" xmlns="" w="9525">
+                  <a14:hiddenLine xmlns="" xmlns:a14="http://schemas.microsoft.com/office/drawing/2010/main" w="9525">
                     <a:solidFill>
                       <a:srgbClr val="000000"/>
                     </a:solidFill>
@@ -11032,7 +11010,7 @@
               </a:ln>
               <a:extLst>
                 <a:ext uri="{91240B29-F687-4f45-9708-019B960494DF}">
-                  <a14:hiddenLine xmlns:a14="http://schemas.microsoft.com/office/drawing/2010/main" xmlns="" w="9525">
+                  <a14:hiddenLine xmlns="" xmlns:a14="http://schemas.microsoft.com/office/drawing/2010/main" w="9525">
                     <a:solidFill>
                       <a:srgbClr val="000000"/>
                     </a:solidFill>
@@ -11129,7 +11107,7 @@
               </a:ln>
               <a:extLst>
                 <a:ext uri="{91240B29-F687-4f45-9708-019B960494DF}">
-                  <a14:hiddenLine xmlns:a14="http://schemas.microsoft.com/office/drawing/2010/main" xmlns="" w="9525">
+                  <a14:hiddenLine xmlns="" xmlns:a14="http://schemas.microsoft.com/office/drawing/2010/main" w="9525">
                     <a:solidFill>
                       <a:srgbClr val="000000"/>
                     </a:solidFill>
@@ -11201,7 +11179,7 @@
               </a:ln>
               <a:extLst>
                 <a:ext uri="{91240B29-F687-4f45-9708-019B960494DF}">
-                  <a14:hiddenLine xmlns:a14="http://schemas.microsoft.com/office/drawing/2010/main" xmlns="" w="9525">
+                  <a14:hiddenLine xmlns="" xmlns:a14="http://schemas.microsoft.com/office/drawing/2010/main" w="9525">
                     <a:solidFill>
                       <a:srgbClr val="000000"/>
                     </a:solidFill>
@@ -11270,7 +11248,7 @@
               </a:ln>
               <a:extLst>
                 <a:ext uri="{91240B29-F687-4f45-9708-019B960494DF}">
-                  <a14:hiddenLine xmlns:a14="http://schemas.microsoft.com/office/drawing/2010/main" xmlns="" w="9525">
+                  <a14:hiddenLine xmlns="" xmlns:a14="http://schemas.microsoft.com/office/drawing/2010/main" w="9525">
                     <a:solidFill>
                       <a:srgbClr val="000000"/>
                     </a:solidFill>
@@ -11367,7 +11345,7 @@
               </a:ln>
               <a:extLst>
                 <a:ext uri="{91240B29-F687-4f45-9708-019B960494DF}">
-                  <a14:hiddenLine xmlns:a14="http://schemas.microsoft.com/office/drawing/2010/main" xmlns="" w="9525">
+                  <a14:hiddenLine xmlns="" xmlns:a14="http://schemas.microsoft.com/office/drawing/2010/main" w="9525">
                     <a:solidFill>
                       <a:srgbClr val="000000"/>
                     </a:solidFill>
@@ -11464,7 +11442,7 @@
               </a:ln>
               <a:extLst>
                 <a:ext uri="{91240B29-F687-4f45-9708-019B960494DF}">
-                  <a14:hiddenLine xmlns:a14="http://schemas.microsoft.com/office/drawing/2010/main" xmlns="" w="9525">
+                  <a14:hiddenLine xmlns="" xmlns:a14="http://schemas.microsoft.com/office/drawing/2010/main" w="9525">
                     <a:solidFill>
                       <a:srgbClr val="000000"/>
                     </a:solidFill>
@@ -11536,7 +11514,7 @@
               </a:ln>
               <a:extLst>
                 <a:ext uri="{91240B29-F687-4f45-9708-019B960494DF}">
-                  <a14:hiddenLine xmlns:a14="http://schemas.microsoft.com/office/drawing/2010/main" xmlns="" w="9525">
+                  <a14:hiddenLine xmlns="" xmlns:a14="http://schemas.microsoft.com/office/drawing/2010/main" w="9525">
                     <a:solidFill>
                       <a:srgbClr val="000000"/>
                     </a:solidFill>
@@ -11663,7 +11641,7 @@
               </a:ln>
               <a:extLst>
                 <a:ext uri="{91240B29-F687-4f45-9708-019B960494DF}">
-                  <a14:hiddenLine xmlns:a14="http://schemas.microsoft.com/office/drawing/2010/main" xmlns="" w="9525">
+                  <a14:hiddenLine xmlns="" xmlns:a14="http://schemas.microsoft.com/office/drawing/2010/main" w="9525">
                     <a:solidFill>
                       <a:srgbClr val="000000"/>
                     </a:solidFill>
@@ -11768,7 +11746,7 @@
               </a:ln>
               <a:extLst>
                 <a:ext uri="{91240B29-F687-4f45-9708-019B960494DF}">
-                  <a14:hiddenLine xmlns:a14="http://schemas.microsoft.com/office/drawing/2010/main" xmlns="" w="9525">
+                  <a14:hiddenLine xmlns="" xmlns:a14="http://schemas.microsoft.com/office/drawing/2010/main" w="9525">
                     <a:solidFill>
                       <a:srgbClr val="000000"/>
                     </a:solidFill>
@@ -11890,7 +11868,7 @@
               </a:ln>
               <a:extLst>
                 <a:ext uri="{91240B29-F687-4f45-9708-019B960494DF}">
-                  <a14:hiddenLine xmlns:a14="http://schemas.microsoft.com/office/drawing/2010/main" xmlns="" w="9525">
+                  <a14:hiddenLine xmlns="" xmlns:a14="http://schemas.microsoft.com/office/drawing/2010/main" w="9525">
                     <a:solidFill>
                       <a:srgbClr val="000000"/>
                     </a:solidFill>
@@ -11987,7 +11965,7 @@
               </a:ln>
               <a:extLst>
                 <a:ext uri="{91240B29-F687-4f45-9708-019B960494DF}">
-                  <a14:hiddenLine xmlns:a14="http://schemas.microsoft.com/office/drawing/2010/main" xmlns="" w="9525">
+                  <a14:hiddenLine xmlns="" xmlns:a14="http://schemas.microsoft.com/office/drawing/2010/main" w="9525">
                     <a:solidFill>
                       <a:srgbClr val="000000"/>
                     </a:solidFill>
@@ -12059,7 +12037,7 @@
               </a:ln>
               <a:extLst>
                 <a:ext uri="{91240B29-F687-4f45-9708-019B960494DF}">
-                  <a14:hiddenLine xmlns:a14="http://schemas.microsoft.com/office/drawing/2010/main" xmlns="" w="9525">
+                  <a14:hiddenLine xmlns="" xmlns:a14="http://schemas.microsoft.com/office/drawing/2010/main" w="9525">
                     <a:solidFill>
                       <a:srgbClr val="000000"/>
                     </a:solidFill>
@@ -12156,7 +12134,7 @@
               </a:ln>
               <a:extLst>
                 <a:ext uri="{91240B29-F687-4f45-9708-019B960494DF}">
-                  <a14:hiddenLine xmlns:a14="http://schemas.microsoft.com/office/drawing/2010/main" xmlns="" w="9525">
+                  <a14:hiddenLine xmlns="" xmlns:a14="http://schemas.microsoft.com/office/drawing/2010/main" w="9525">
                     <a:solidFill>
                       <a:srgbClr val="000000"/>
                     </a:solidFill>
@@ -12231,7 +12209,7 @@
               </a:ln>
               <a:extLst>
                 <a:ext uri="{91240B29-F687-4f45-9708-019B960494DF}">
-                  <a14:hiddenLine xmlns:a14="http://schemas.microsoft.com/office/drawing/2010/main" xmlns="" w="9525">
+                  <a14:hiddenLine xmlns="" xmlns:a14="http://schemas.microsoft.com/office/drawing/2010/main" w="9525">
                     <a:solidFill>
                       <a:srgbClr val="000000"/>
                     </a:solidFill>
@@ -12328,7 +12306,7 @@
               </a:ln>
               <a:extLst>
                 <a:ext uri="{91240B29-F687-4f45-9708-019B960494DF}">
-                  <a14:hiddenLine xmlns:a14="http://schemas.microsoft.com/office/drawing/2010/main" xmlns="" w="9525">
+                  <a14:hiddenLine xmlns="" xmlns:a14="http://schemas.microsoft.com/office/drawing/2010/main" w="9525">
                     <a:solidFill>
                       <a:srgbClr val="000000"/>
                     </a:solidFill>
@@ -12403,7 +12381,7 @@
               </a:ln>
               <a:extLst>
                 <a:ext uri="{91240B29-F687-4f45-9708-019B960494DF}">
-                  <a14:hiddenLine xmlns:a14="http://schemas.microsoft.com/office/drawing/2010/main" xmlns="" w="9525">
+                  <a14:hiddenLine xmlns="" xmlns:a14="http://schemas.microsoft.com/office/drawing/2010/main" w="9525">
                     <a:solidFill>
                       <a:srgbClr val="000000"/>
                     </a:solidFill>
@@ -12500,7 +12478,7 @@
               </a:ln>
               <a:extLst>
                 <a:ext uri="{91240B29-F687-4f45-9708-019B960494DF}">
-                  <a14:hiddenLine xmlns:a14="http://schemas.microsoft.com/office/drawing/2010/main" xmlns="" w="9525">
+                  <a14:hiddenLine xmlns="" xmlns:a14="http://schemas.microsoft.com/office/drawing/2010/main" w="9525">
                     <a:solidFill>
                       <a:srgbClr val="000000"/>
                     </a:solidFill>
@@ -12541,7 +12519,7 @@
               </a:ln>
               <a:extLst>
                 <a:ext uri="{91240B29-F687-4f45-9708-019B960494DF}">
-                  <a14:hiddenLine xmlns:a14="http://schemas.microsoft.com/office/drawing/2010/main" xmlns="" w="9525">
+                  <a14:hiddenLine xmlns="" xmlns:a14="http://schemas.microsoft.com/office/drawing/2010/main" w="9525">
                     <a:solidFill>
                       <a:srgbClr val="000000"/>
                     </a:solidFill>
@@ -12688,7 +12666,7 @@
           <a:p>
             <a:fld id="{C7CC04FB-86A9-4518-B68C-513A8C480987}" type="datetimeFigureOut">
               <a:rPr lang="it-IT" smtClean="0"/>
-              <a:t>13/01/2026</a:t>
+              <a:t>18/01/2026</a:t>
             </a:fld>
             <a:endParaRPr lang="it-IT"/>
           </a:p>
@@ -12766,7 +12744,7 @@
           <a:p>
             <a:fld id="{53989CFC-89DE-4F17-B3B6-DFC80C736B18}" type="slidenum">
               <a:rPr lang="it-IT" smtClean="0"/>
-              <a:t>‹#›</a:t>
+              <a:t>‹N›</a:t>
             </a:fld>
             <a:endParaRPr lang="it-IT"/>
           </a:p>
@@ -13549,7 +13527,7 @@
             </a:ln>
             <a:extLst>
               <a:ext uri="{91240B29-F687-4f45-9708-019B960494DF}">
-                <a14:hiddenLine xmlns="" xmlns:a16="http://schemas.microsoft.com/office/drawing/2014/main" xmlns:p14="http://schemas.microsoft.com/office/powerpoint/2010/main" xmlns:a14="http://schemas.microsoft.com/office/drawing/2010/main" w="9525">
+                <a14:hiddenLine xmlns:a14="http://schemas.microsoft.com/office/drawing/2010/main" xmlns:p14="http://schemas.microsoft.com/office/powerpoint/2010/main" xmlns:a16="http://schemas.microsoft.com/office/drawing/2014/main" xmlns="" w="9525">
                   <a:solidFill>
                     <a:srgbClr val="000000"/>
                   </a:solidFill>
@@ -13661,7 +13639,7 @@
             </a:ln>
             <a:extLst>
               <a:ext uri="{91240B29-F687-4f45-9708-019B960494DF}">
-                <a14:hiddenLine xmlns="" xmlns:a16="http://schemas.microsoft.com/office/drawing/2014/main" xmlns:p14="http://schemas.microsoft.com/office/powerpoint/2010/main" xmlns:a14="http://schemas.microsoft.com/office/drawing/2010/main" w="9525">
+                <a14:hiddenLine xmlns:a14="http://schemas.microsoft.com/office/drawing/2010/main" xmlns:p14="http://schemas.microsoft.com/office/powerpoint/2010/main" xmlns:a16="http://schemas.microsoft.com/office/drawing/2014/main" xmlns="" w="9525">
                   <a:solidFill>
                     <a:srgbClr val="000000"/>
                   </a:solidFill>
@@ -13773,7 +13751,7 @@
             </a:ln>
             <a:extLst>
               <a:ext uri="{91240B29-F687-4f45-9708-019B960494DF}">
-                <a14:hiddenLine xmlns="" xmlns:a16="http://schemas.microsoft.com/office/drawing/2014/main" xmlns:p14="http://schemas.microsoft.com/office/powerpoint/2010/main" xmlns:a14="http://schemas.microsoft.com/office/drawing/2010/main" w="9525">
+                <a14:hiddenLine xmlns:a14="http://schemas.microsoft.com/office/drawing/2010/main" xmlns:p14="http://schemas.microsoft.com/office/powerpoint/2010/main" xmlns:a16="http://schemas.microsoft.com/office/drawing/2014/main" xmlns="" w="9525">
                   <a:solidFill>
                     <a:srgbClr val="000000"/>
                   </a:solidFill>
@@ -13857,7 +13835,7 @@
             </a:ln>
             <a:extLst>
               <a:ext uri="{91240B29-F687-4f45-9708-019B960494DF}">
-                <a14:hiddenLine xmlns="" xmlns:a16="http://schemas.microsoft.com/office/drawing/2014/main" xmlns:p14="http://schemas.microsoft.com/office/powerpoint/2010/main" xmlns:a14="http://schemas.microsoft.com/office/drawing/2010/main" w="9525">
+                <a14:hiddenLine xmlns:a14="http://schemas.microsoft.com/office/drawing/2010/main" xmlns:p14="http://schemas.microsoft.com/office/powerpoint/2010/main" xmlns:a16="http://schemas.microsoft.com/office/drawing/2014/main" xmlns="" w="9525">
                   <a:solidFill>
                     <a:srgbClr val="000000"/>
                   </a:solidFill>
@@ -13969,7 +13947,7 @@
             </a:ln>
             <a:extLst>
               <a:ext uri="{91240B29-F687-4f45-9708-019B960494DF}">
-                <a14:hiddenLine xmlns="" xmlns:a16="http://schemas.microsoft.com/office/drawing/2014/main" xmlns:p14="http://schemas.microsoft.com/office/powerpoint/2010/main" xmlns:a14="http://schemas.microsoft.com/office/drawing/2010/main" w="9525">
+                <a14:hiddenLine xmlns:a14="http://schemas.microsoft.com/office/drawing/2010/main" xmlns:p14="http://schemas.microsoft.com/office/powerpoint/2010/main" xmlns:a16="http://schemas.microsoft.com/office/drawing/2014/main" xmlns="" w="9525">
                   <a:solidFill>
                     <a:srgbClr val="000000"/>
                   </a:solidFill>
@@ -14053,7 +14031,7 @@
             </a:ln>
             <a:extLst>
               <a:ext uri="{91240B29-F687-4f45-9708-019B960494DF}">
-                <a14:hiddenLine xmlns="" xmlns:a16="http://schemas.microsoft.com/office/drawing/2014/main" xmlns:p14="http://schemas.microsoft.com/office/powerpoint/2010/main" xmlns:a14="http://schemas.microsoft.com/office/drawing/2010/main" w="9525">
+                <a14:hiddenLine xmlns:a14="http://schemas.microsoft.com/office/drawing/2010/main" xmlns:p14="http://schemas.microsoft.com/office/powerpoint/2010/main" xmlns:a16="http://schemas.microsoft.com/office/drawing/2014/main" xmlns="" w="9525">
                   <a:solidFill>
                     <a:srgbClr val="000000"/>
                   </a:solidFill>
@@ -14137,7 +14115,7 @@
             </a:ln>
             <a:extLst>
               <a:ext uri="{91240B29-F687-4f45-9708-019B960494DF}">
-                <a14:hiddenLine xmlns="" xmlns:a16="http://schemas.microsoft.com/office/drawing/2014/main" xmlns:p14="http://schemas.microsoft.com/office/powerpoint/2010/main" xmlns:a14="http://schemas.microsoft.com/office/drawing/2010/main" w="9525">
+                <a14:hiddenLine xmlns:a14="http://schemas.microsoft.com/office/drawing/2010/main" xmlns:p14="http://schemas.microsoft.com/office/powerpoint/2010/main" xmlns:a16="http://schemas.microsoft.com/office/drawing/2014/main" xmlns="" w="9525">
                   <a:solidFill>
                     <a:srgbClr val="000000"/>
                   </a:solidFill>
@@ -14249,7 +14227,7 @@
             </a:ln>
             <a:extLst>
               <a:ext uri="{91240B29-F687-4f45-9708-019B960494DF}">
-                <a14:hiddenLine xmlns="" xmlns:a16="http://schemas.microsoft.com/office/drawing/2014/main" xmlns:p14="http://schemas.microsoft.com/office/powerpoint/2010/main" xmlns:a14="http://schemas.microsoft.com/office/drawing/2010/main" w="9525">
+                <a14:hiddenLine xmlns:a14="http://schemas.microsoft.com/office/drawing/2010/main" xmlns:p14="http://schemas.microsoft.com/office/powerpoint/2010/main" xmlns:a16="http://schemas.microsoft.com/office/drawing/2014/main" xmlns="" w="9525">
                   <a:solidFill>
                     <a:srgbClr val="000000"/>
                   </a:solidFill>
@@ -14361,7 +14339,7 @@
             </a:ln>
             <a:extLst>
               <a:ext uri="{91240B29-F687-4f45-9708-019B960494DF}">
-                <a14:hiddenLine xmlns="" xmlns:a16="http://schemas.microsoft.com/office/drawing/2014/main" xmlns:p14="http://schemas.microsoft.com/office/powerpoint/2010/main" xmlns:a14="http://schemas.microsoft.com/office/drawing/2010/main" w="9525">
+                <a14:hiddenLine xmlns:a14="http://schemas.microsoft.com/office/drawing/2010/main" xmlns:p14="http://schemas.microsoft.com/office/powerpoint/2010/main" xmlns:a16="http://schemas.microsoft.com/office/drawing/2014/main" xmlns="" w="9525">
                   <a:solidFill>
                     <a:srgbClr val="000000"/>
                   </a:solidFill>
@@ -14445,7 +14423,7 @@
             </a:ln>
             <a:extLst>
               <a:ext uri="{91240B29-F687-4f45-9708-019B960494DF}">
-                <a14:hiddenLine xmlns="" xmlns:a16="http://schemas.microsoft.com/office/drawing/2014/main" xmlns:p14="http://schemas.microsoft.com/office/powerpoint/2010/main" xmlns:a14="http://schemas.microsoft.com/office/drawing/2010/main" w="9525">
+                <a14:hiddenLine xmlns:a14="http://schemas.microsoft.com/office/drawing/2010/main" xmlns:p14="http://schemas.microsoft.com/office/powerpoint/2010/main" xmlns:a16="http://schemas.microsoft.com/office/drawing/2014/main" xmlns="" w="9525">
                   <a:solidFill>
                     <a:srgbClr val="000000"/>
                   </a:solidFill>
@@ -14577,7 +14555,7 @@
             </a:ln>
             <a:extLst>
               <a:ext uri="{91240B29-F687-4f45-9708-019B960494DF}">
-                <a14:hiddenLine xmlns="" xmlns:a16="http://schemas.microsoft.com/office/drawing/2014/main" xmlns:p14="http://schemas.microsoft.com/office/powerpoint/2010/main" xmlns:a14="http://schemas.microsoft.com/office/drawing/2010/main" w="9525">
+                <a14:hiddenLine xmlns:a14="http://schemas.microsoft.com/office/drawing/2010/main" xmlns:p14="http://schemas.microsoft.com/office/powerpoint/2010/main" xmlns:a16="http://schemas.microsoft.com/office/drawing/2014/main" xmlns="" w="9525">
                   <a:solidFill>
                     <a:srgbClr val="000000"/>
                   </a:solidFill>
@@ -14705,7 +14683,7 @@
             </a:ln>
             <a:extLst>
               <a:ext uri="{91240B29-F687-4f45-9708-019B960494DF}">
-                <a14:hiddenLine xmlns="" xmlns:a16="http://schemas.microsoft.com/office/drawing/2014/main" xmlns:p14="http://schemas.microsoft.com/office/powerpoint/2010/main" xmlns:a14="http://schemas.microsoft.com/office/drawing/2010/main" w="9525">
+                <a14:hiddenLine xmlns:a14="http://schemas.microsoft.com/office/drawing/2010/main" xmlns:p14="http://schemas.microsoft.com/office/powerpoint/2010/main" xmlns:a16="http://schemas.microsoft.com/office/drawing/2014/main" xmlns="" w="9525">
                   <a:solidFill>
                     <a:srgbClr val="000000"/>
                   </a:solidFill>
@@ -14789,7 +14767,7 @@
             </a:ln>
             <a:extLst>
               <a:ext uri="{91240B29-F687-4f45-9708-019B960494DF}">
-                <a14:hiddenLine xmlns="" xmlns:a16="http://schemas.microsoft.com/office/drawing/2014/main" xmlns:p14="http://schemas.microsoft.com/office/powerpoint/2010/main" xmlns:a14="http://schemas.microsoft.com/office/drawing/2010/main" w="9525">
+                <a14:hiddenLine xmlns:a14="http://schemas.microsoft.com/office/drawing/2010/main" xmlns:p14="http://schemas.microsoft.com/office/powerpoint/2010/main" xmlns:a16="http://schemas.microsoft.com/office/drawing/2014/main" xmlns="" w="9525">
                   <a:solidFill>
                     <a:srgbClr val="000000"/>
                   </a:solidFill>
@@ -14873,7 +14851,7 @@
             </a:ln>
             <a:extLst>
               <a:ext uri="{91240B29-F687-4f45-9708-019B960494DF}">
-                <a14:hiddenLine xmlns="" xmlns:a16="http://schemas.microsoft.com/office/drawing/2014/main" xmlns:p14="http://schemas.microsoft.com/office/powerpoint/2010/main" xmlns:a14="http://schemas.microsoft.com/office/drawing/2010/main" w="9525">
+                <a14:hiddenLine xmlns:a14="http://schemas.microsoft.com/office/drawing/2010/main" xmlns:p14="http://schemas.microsoft.com/office/powerpoint/2010/main" xmlns:a16="http://schemas.microsoft.com/office/drawing/2014/main" xmlns="" w="9525">
                   <a:solidFill>
                     <a:srgbClr val="000000"/>
                   </a:solidFill>
@@ -14985,7 +14963,7 @@
             </a:ln>
             <a:extLst>
               <a:ext uri="{91240B29-F687-4f45-9708-019B960494DF}">
-                <a14:hiddenLine xmlns="" xmlns:a16="http://schemas.microsoft.com/office/drawing/2014/main" xmlns:p14="http://schemas.microsoft.com/office/powerpoint/2010/main" xmlns:a14="http://schemas.microsoft.com/office/drawing/2010/main" w="9525">
+                <a14:hiddenLine xmlns:a14="http://schemas.microsoft.com/office/drawing/2010/main" xmlns:p14="http://schemas.microsoft.com/office/powerpoint/2010/main" xmlns:a16="http://schemas.microsoft.com/office/drawing/2014/main" xmlns="" w="9525">
                   <a:solidFill>
                     <a:srgbClr val="000000"/>
                   </a:solidFill>
@@ -15041,7 +15019,7 @@
             </a:ln>
             <a:extLst>
               <a:ext uri="{91240B29-F687-4f45-9708-019B960494DF}">
-                <a14:hiddenLine xmlns="" xmlns:a16="http://schemas.microsoft.com/office/drawing/2014/main" xmlns:p14="http://schemas.microsoft.com/office/powerpoint/2010/main" xmlns:a14="http://schemas.microsoft.com/office/drawing/2010/main" w="9525">
+                <a14:hiddenLine xmlns:a14="http://schemas.microsoft.com/office/drawing/2010/main" xmlns:p14="http://schemas.microsoft.com/office/powerpoint/2010/main" xmlns:a16="http://schemas.microsoft.com/office/drawing/2014/main" xmlns="" w="9525">
                   <a:solidFill>
                     <a:srgbClr val="000000"/>
                   </a:solidFill>
@@ -15128,7 +15106,7 @@
             </a:ln>
             <a:extLst>
               <a:ext uri="{91240B29-F687-4f45-9708-019B960494DF}">
-                <a14:hiddenLine xmlns="" xmlns:a16="http://schemas.microsoft.com/office/drawing/2014/main" xmlns:p14="http://schemas.microsoft.com/office/powerpoint/2010/main" xmlns:a14="http://schemas.microsoft.com/office/drawing/2010/main" w="9525">
+                <a14:hiddenLine xmlns:a14="http://schemas.microsoft.com/office/drawing/2010/main" xmlns:p14="http://schemas.microsoft.com/office/powerpoint/2010/main" xmlns:a16="http://schemas.microsoft.com/office/drawing/2014/main" xmlns="" w="9525">
                   <a:solidFill>
                     <a:srgbClr val="000000"/>
                   </a:solidFill>
@@ -15240,7 +15218,7 @@
             </a:ln>
             <a:extLst>
               <a:ext uri="{91240B29-F687-4f45-9708-019B960494DF}">
-                <a14:hiddenLine xmlns="" xmlns:a16="http://schemas.microsoft.com/office/drawing/2014/main" xmlns:p14="http://schemas.microsoft.com/office/powerpoint/2010/main" xmlns:a14="http://schemas.microsoft.com/office/drawing/2010/main" w="9525">
+                <a14:hiddenLine xmlns:a14="http://schemas.microsoft.com/office/drawing/2010/main" xmlns:p14="http://schemas.microsoft.com/office/powerpoint/2010/main" xmlns:a16="http://schemas.microsoft.com/office/drawing/2014/main" xmlns="" w="9525">
                   <a:solidFill>
                     <a:srgbClr val="000000"/>
                   </a:solidFill>
@@ -15324,7 +15302,7 @@
             </a:ln>
             <a:extLst>
               <a:ext uri="{91240B29-F687-4f45-9708-019B960494DF}">
-                <a14:hiddenLine xmlns="" xmlns:a16="http://schemas.microsoft.com/office/drawing/2014/main" xmlns:p14="http://schemas.microsoft.com/office/powerpoint/2010/main" xmlns:a14="http://schemas.microsoft.com/office/drawing/2010/main" w="9525">
+                <a14:hiddenLine xmlns:a14="http://schemas.microsoft.com/office/drawing/2010/main" xmlns:p14="http://schemas.microsoft.com/office/powerpoint/2010/main" xmlns:a16="http://schemas.microsoft.com/office/drawing/2014/main" xmlns="" w="9525">
                   <a:solidFill>
                     <a:srgbClr val="000000"/>
                   </a:solidFill>
@@ -15436,7 +15414,7 @@
             </a:ln>
             <a:extLst>
               <a:ext uri="{91240B29-F687-4f45-9708-019B960494DF}">
-                <a14:hiddenLine xmlns="" xmlns:a16="http://schemas.microsoft.com/office/drawing/2014/main" xmlns:p14="http://schemas.microsoft.com/office/powerpoint/2010/main" xmlns:a14="http://schemas.microsoft.com/office/drawing/2010/main" w="9525">
+                <a14:hiddenLine xmlns:a14="http://schemas.microsoft.com/office/drawing/2010/main" xmlns:p14="http://schemas.microsoft.com/office/powerpoint/2010/main" xmlns:a16="http://schemas.microsoft.com/office/drawing/2014/main" xmlns="" w="9525">
                   <a:solidFill>
                     <a:srgbClr val="000000"/>
                   </a:solidFill>
@@ -15523,7 +15501,7 @@
             </a:ln>
             <a:extLst>
               <a:ext uri="{91240B29-F687-4f45-9708-019B960494DF}">
-                <a14:hiddenLine xmlns="" xmlns:a16="http://schemas.microsoft.com/office/drawing/2014/main" xmlns:p14="http://schemas.microsoft.com/office/powerpoint/2010/main" xmlns:a14="http://schemas.microsoft.com/office/drawing/2010/main" w="9525">
+                <a14:hiddenLine xmlns:a14="http://schemas.microsoft.com/office/drawing/2010/main" xmlns:p14="http://schemas.microsoft.com/office/powerpoint/2010/main" xmlns:a16="http://schemas.microsoft.com/office/drawing/2014/main" xmlns="" w="9525">
                   <a:solidFill>
                     <a:srgbClr val="000000"/>
                   </a:solidFill>
@@ -15607,7 +15585,7 @@
             </a:ln>
             <a:extLst>
               <a:ext uri="{91240B29-F687-4f45-9708-019B960494DF}">
-                <a14:hiddenLine xmlns="" xmlns:a16="http://schemas.microsoft.com/office/drawing/2014/main" xmlns:p14="http://schemas.microsoft.com/office/powerpoint/2010/main" xmlns:a14="http://schemas.microsoft.com/office/drawing/2010/main" w="9525">
+                <a14:hiddenLine xmlns:a14="http://schemas.microsoft.com/office/drawing/2010/main" xmlns:p14="http://schemas.microsoft.com/office/powerpoint/2010/main" xmlns:a16="http://schemas.microsoft.com/office/drawing/2014/main" xmlns="" w="9525">
                   <a:solidFill>
                     <a:srgbClr val="000000"/>
                   </a:solidFill>
@@ -15719,7 +15697,7 @@
             </a:ln>
             <a:extLst>
               <a:ext uri="{91240B29-F687-4f45-9708-019B960494DF}">
-                <a14:hiddenLine xmlns="" xmlns:a16="http://schemas.microsoft.com/office/drawing/2014/main" xmlns:p14="http://schemas.microsoft.com/office/powerpoint/2010/main" xmlns:a14="http://schemas.microsoft.com/office/drawing/2010/main" w="9525">
+                <a14:hiddenLine xmlns:a14="http://schemas.microsoft.com/office/drawing/2010/main" xmlns:p14="http://schemas.microsoft.com/office/powerpoint/2010/main" xmlns:a16="http://schemas.microsoft.com/office/drawing/2014/main" xmlns="" w="9525">
                   <a:solidFill>
                     <a:srgbClr val="000000"/>
                   </a:solidFill>
@@ -15831,7 +15809,7 @@
             </a:ln>
             <a:extLst>
               <a:ext uri="{91240B29-F687-4f45-9708-019B960494DF}">
-                <a14:hiddenLine xmlns="" xmlns:a16="http://schemas.microsoft.com/office/drawing/2014/main" xmlns:p14="http://schemas.microsoft.com/office/powerpoint/2010/main" xmlns:a14="http://schemas.microsoft.com/office/drawing/2010/main" w="9525">
+                <a14:hiddenLine xmlns:a14="http://schemas.microsoft.com/office/drawing/2010/main" xmlns:p14="http://schemas.microsoft.com/office/powerpoint/2010/main" xmlns:a16="http://schemas.microsoft.com/office/drawing/2014/main" xmlns="" w="9525">
                   <a:solidFill>
                     <a:srgbClr val="000000"/>
                   </a:solidFill>
@@ -15918,7 +15896,7 @@
             </a:ln>
             <a:extLst>
               <a:ext uri="{91240B29-F687-4f45-9708-019B960494DF}">
-                <a14:hiddenLine xmlns="" xmlns:a16="http://schemas.microsoft.com/office/drawing/2014/main" xmlns:p14="http://schemas.microsoft.com/office/powerpoint/2010/main" xmlns:a14="http://schemas.microsoft.com/office/drawing/2010/main" w="9525">
+                <a14:hiddenLine xmlns:a14="http://schemas.microsoft.com/office/drawing/2010/main" xmlns:p14="http://schemas.microsoft.com/office/powerpoint/2010/main" xmlns:a16="http://schemas.microsoft.com/office/drawing/2014/main" xmlns="" w="9525">
                   <a:solidFill>
                     <a:srgbClr val="000000"/>
                   </a:solidFill>
@@ -16060,7 +16038,7 @@
             </a:ln>
             <a:extLst>
               <a:ext uri="{91240B29-F687-4f45-9708-019B960494DF}">
-                <a14:hiddenLine xmlns="" xmlns:a16="http://schemas.microsoft.com/office/drawing/2014/main" xmlns:p14="http://schemas.microsoft.com/office/powerpoint/2010/main" xmlns:a14="http://schemas.microsoft.com/office/drawing/2010/main" w="9525">
+                <a14:hiddenLine xmlns:a14="http://schemas.microsoft.com/office/drawing/2010/main" xmlns:p14="http://schemas.microsoft.com/office/powerpoint/2010/main" xmlns:a16="http://schemas.microsoft.com/office/drawing/2014/main" xmlns="" w="9525">
                   <a:solidFill>
                     <a:srgbClr val="000000"/>
                   </a:solidFill>
@@ -16215,8 +16193,321 @@
                 <a:ea typeface="Calibri Light" panose="020F0302020204030204" pitchFamily="34" charset="0"/>
                 <a:cs typeface="Calibri Light" panose="020F0302020204030204" pitchFamily="34" charset="0"/>
               </a:rPr>
-              <a:t>We decided to use the normal turtlebot 3 arena with some changes: we added 3 pairs of walls to form a simple maze that the robot should navigate without hitting said walls or any other solid object</a:t>
+              <a:t>We decided to use the normal turtlebot 3 arena with some changes: we added 3 pairs of walls to form a simple maze that the robot should navigate without hitting said walls or any other </a:t>
             </a:r>
+            <a:r>
+              <a:rPr lang="it-IT" sz="2200" dirty="0" err="1">
+                <a:latin typeface="Calibri Light" panose="020F0302020204030204" pitchFamily="34" charset="0"/>
+                <a:ea typeface="Calibri Light" panose="020F0302020204030204" pitchFamily="34" charset="0"/>
+                <a:cs typeface="Calibri Light" panose="020F0302020204030204" pitchFamily="34" charset="0"/>
+              </a:rPr>
+              <a:t>solid</a:t>
+            </a:r>
+            <a:r>
+              <a:rPr lang="it-IT" sz="2200" dirty="0">
+                <a:latin typeface="Calibri Light" panose="020F0302020204030204" pitchFamily="34" charset="0"/>
+                <a:ea typeface="Calibri Light" panose="020F0302020204030204" pitchFamily="34" charset="0"/>
+                <a:cs typeface="Calibri Light" panose="020F0302020204030204" pitchFamily="34" charset="0"/>
+              </a:rPr>
+              <a:t> </a:t>
+            </a:r>
+            <a:r>
+              <a:rPr lang="it-IT" sz="2200" dirty="0" err="1">
+                <a:latin typeface="Calibri Light" panose="020F0302020204030204" pitchFamily="34" charset="0"/>
+                <a:ea typeface="Calibri Light" panose="020F0302020204030204" pitchFamily="34" charset="0"/>
+                <a:cs typeface="Calibri Light" panose="020F0302020204030204" pitchFamily="34" charset="0"/>
+              </a:rPr>
+              <a:t>object</a:t>
+            </a:r>
+            <a:endParaRPr lang="it-IT" sz="2200" dirty="0">
+              <a:latin typeface="Calibri Light" panose="020F0302020204030204" pitchFamily="34" charset="0"/>
+              <a:ea typeface="Calibri Light" panose="020F0302020204030204" pitchFamily="34" charset="0"/>
+              <a:cs typeface="Calibri Light" panose="020F0302020204030204" pitchFamily="34" charset="0"/>
+            </a:endParaRPr>
+          </a:p>
+          <a:p>
+            <a:pPr marL="0" indent="0">
+              <a:buNone/>
+            </a:pPr>
+            <a:r>
+              <a:rPr lang="it-IT" sz="2200" b="1" dirty="0">
+                <a:latin typeface="Calibri Light" panose="020F0302020204030204" pitchFamily="34" charset="0"/>
+                <a:ea typeface="Calibri Light" panose="020F0302020204030204" pitchFamily="34" charset="0"/>
+                <a:cs typeface="Calibri Light" panose="020F0302020204030204" pitchFamily="34" charset="0"/>
+              </a:rPr>
+              <a:t>Optional: </a:t>
+            </a:r>
+            <a:r>
+              <a:rPr lang="it-IT" sz="2200" dirty="0" err="1">
+                <a:latin typeface="Calibri Light" panose="020F0302020204030204" pitchFamily="34" charset="0"/>
+                <a:ea typeface="Calibri Light" panose="020F0302020204030204" pitchFamily="34" charset="0"/>
+                <a:cs typeface="Calibri Light" panose="020F0302020204030204" pitchFamily="34" charset="0"/>
+              </a:rPr>
+              <a:t>If</a:t>
+            </a:r>
+            <a:r>
+              <a:rPr lang="it-IT" sz="2200" dirty="0">
+                <a:latin typeface="Calibri Light" panose="020F0302020204030204" pitchFamily="34" charset="0"/>
+                <a:ea typeface="Calibri Light" panose="020F0302020204030204" pitchFamily="34" charset="0"/>
+                <a:cs typeface="Calibri Light" panose="020F0302020204030204" pitchFamily="34" charset="0"/>
+              </a:rPr>
+              <a:t> </a:t>
+            </a:r>
+            <a:r>
+              <a:rPr lang="it-IT" sz="2200" dirty="0" err="1">
+                <a:latin typeface="Calibri Light" panose="020F0302020204030204" pitchFamily="34" charset="0"/>
+                <a:ea typeface="Calibri Light" panose="020F0302020204030204" pitchFamily="34" charset="0"/>
+                <a:cs typeface="Calibri Light" panose="020F0302020204030204" pitchFamily="34" charset="0"/>
+              </a:rPr>
+              <a:t>we</a:t>
+            </a:r>
+            <a:r>
+              <a:rPr lang="it-IT" sz="2200" dirty="0">
+                <a:latin typeface="Calibri Light" panose="020F0302020204030204" pitchFamily="34" charset="0"/>
+                <a:ea typeface="Calibri Light" panose="020F0302020204030204" pitchFamily="34" charset="0"/>
+                <a:cs typeface="Calibri Light" panose="020F0302020204030204" pitchFamily="34" charset="0"/>
+              </a:rPr>
+              <a:t> </a:t>
+            </a:r>
+            <a:r>
+              <a:rPr lang="it-IT" sz="2200" dirty="0" err="1">
+                <a:latin typeface="Calibri Light" panose="020F0302020204030204" pitchFamily="34" charset="0"/>
+                <a:ea typeface="Calibri Light" panose="020F0302020204030204" pitchFamily="34" charset="0"/>
+                <a:cs typeface="Calibri Light" panose="020F0302020204030204" pitchFamily="34" charset="0"/>
+              </a:rPr>
+              <a:t>find</a:t>
+            </a:r>
+            <a:r>
+              <a:rPr lang="it-IT" sz="2200" dirty="0">
+                <a:latin typeface="Calibri Light" panose="020F0302020204030204" pitchFamily="34" charset="0"/>
+                <a:ea typeface="Calibri Light" panose="020F0302020204030204" pitchFamily="34" charset="0"/>
+                <a:cs typeface="Calibri Light" panose="020F0302020204030204" pitchFamily="34" charset="0"/>
+              </a:rPr>
+              <a:t> the robot </a:t>
+            </a:r>
+            <a:r>
+              <a:rPr lang="it-IT" sz="2200" dirty="0" err="1">
+                <a:latin typeface="Calibri Light" panose="020F0302020204030204" pitchFamily="34" charset="0"/>
+                <a:ea typeface="Calibri Light" panose="020F0302020204030204" pitchFamily="34" charset="0"/>
+                <a:cs typeface="Calibri Light" panose="020F0302020204030204" pitchFamily="34" charset="0"/>
+              </a:rPr>
+              <a:t>too</a:t>
+            </a:r>
+            <a:r>
+              <a:rPr lang="it-IT" sz="2200" dirty="0">
+                <a:latin typeface="Calibri Light" panose="020F0302020204030204" pitchFamily="34" charset="0"/>
+                <a:ea typeface="Calibri Light" panose="020F0302020204030204" pitchFamily="34" charset="0"/>
+                <a:cs typeface="Calibri Light" panose="020F0302020204030204" pitchFamily="34" charset="0"/>
+              </a:rPr>
+              <a:t> </a:t>
+            </a:r>
+            <a:r>
+              <a:rPr lang="it-IT" sz="2200" dirty="0" err="1">
+                <a:latin typeface="Calibri Light" panose="020F0302020204030204" pitchFamily="34" charset="0"/>
+                <a:ea typeface="Calibri Light" panose="020F0302020204030204" pitchFamily="34" charset="0"/>
+                <a:cs typeface="Calibri Light" panose="020F0302020204030204" pitchFamily="34" charset="0"/>
+              </a:rPr>
+              <a:t>efficient</a:t>
+            </a:r>
+            <a:r>
+              <a:rPr lang="it-IT" sz="2200" dirty="0">
+                <a:latin typeface="Calibri Light" panose="020F0302020204030204" pitchFamily="34" charset="0"/>
+                <a:ea typeface="Calibri Light" panose="020F0302020204030204" pitchFamily="34" charset="0"/>
+                <a:cs typeface="Calibri Light" panose="020F0302020204030204" pitchFamily="34" charset="0"/>
+              </a:rPr>
+              <a:t> in </a:t>
+            </a:r>
+            <a:r>
+              <a:rPr lang="it-IT" sz="2200" dirty="0" err="1">
+                <a:latin typeface="Calibri Light" panose="020F0302020204030204" pitchFamily="34" charset="0"/>
+                <a:ea typeface="Calibri Light" panose="020F0302020204030204" pitchFamily="34" charset="0"/>
+                <a:cs typeface="Calibri Light" panose="020F0302020204030204" pitchFamily="34" charset="0"/>
+              </a:rPr>
+              <a:t>navigating</a:t>
+            </a:r>
+            <a:r>
+              <a:rPr lang="it-IT" sz="2200" dirty="0">
+                <a:latin typeface="Calibri Light" panose="020F0302020204030204" pitchFamily="34" charset="0"/>
+                <a:ea typeface="Calibri Light" panose="020F0302020204030204" pitchFamily="34" charset="0"/>
+                <a:cs typeface="Calibri Light" panose="020F0302020204030204" pitchFamily="34" charset="0"/>
+              </a:rPr>
+              <a:t> </a:t>
+            </a:r>
+            <a:r>
+              <a:rPr lang="it-IT" sz="2200" dirty="0" err="1">
+                <a:latin typeface="Calibri Light" panose="020F0302020204030204" pitchFamily="34" charset="0"/>
+                <a:ea typeface="Calibri Light" panose="020F0302020204030204" pitchFamily="34" charset="0"/>
+                <a:cs typeface="Calibri Light" panose="020F0302020204030204" pitchFamily="34" charset="0"/>
+              </a:rPr>
+              <a:t>this</a:t>
+            </a:r>
+            <a:r>
+              <a:rPr lang="it-IT" sz="2200" dirty="0">
+                <a:latin typeface="Calibri Light" panose="020F0302020204030204" pitchFamily="34" charset="0"/>
+                <a:ea typeface="Calibri Light" panose="020F0302020204030204" pitchFamily="34" charset="0"/>
+                <a:cs typeface="Calibri Light" panose="020F0302020204030204" pitchFamily="34" charset="0"/>
+              </a:rPr>
+              <a:t> </a:t>
+            </a:r>
+            <a:r>
+              <a:rPr lang="it-IT" sz="2200" dirty="0" err="1">
+                <a:latin typeface="Calibri Light" panose="020F0302020204030204" pitchFamily="34" charset="0"/>
+                <a:ea typeface="Calibri Light" panose="020F0302020204030204" pitchFamily="34" charset="0"/>
+                <a:cs typeface="Calibri Light" panose="020F0302020204030204" pitchFamily="34" charset="0"/>
+              </a:rPr>
+              <a:t>maze</a:t>
+            </a:r>
+            <a:r>
+              <a:rPr lang="it-IT" sz="2200" dirty="0">
+                <a:latin typeface="Calibri Light" panose="020F0302020204030204" pitchFamily="34" charset="0"/>
+                <a:ea typeface="Calibri Light" panose="020F0302020204030204" pitchFamily="34" charset="0"/>
+                <a:cs typeface="Calibri Light" panose="020F0302020204030204" pitchFamily="34" charset="0"/>
+              </a:rPr>
+              <a:t> </a:t>
+            </a:r>
+            <a:r>
+              <a:rPr lang="it-IT" sz="2200" dirty="0" err="1">
+                <a:latin typeface="Calibri Light" panose="020F0302020204030204" pitchFamily="34" charset="0"/>
+                <a:ea typeface="Calibri Light" panose="020F0302020204030204" pitchFamily="34" charset="0"/>
+                <a:cs typeface="Calibri Light" panose="020F0302020204030204" pitchFamily="34" charset="0"/>
+              </a:rPr>
+              <a:t>we</a:t>
+            </a:r>
+            <a:r>
+              <a:rPr lang="it-IT" sz="2200" dirty="0">
+                <a:latin typeface="Calibri Light" panose="020F0302020204030204" pitchFamily="34" charset="0"/>
+                <a:ea typeface="Calibri Light" panose="020F0302020204030204" pitchFamily="34" charset="0"/>
+                <a:cs typeface="Calibri Light" panose="020F0302020204030204" pitchFamily="34" charset="0"/>
+              </a:rPr>
+              <a:t> plan to make </a:t>
+            </a:r>
+            <a:r>
+              <a:rPr lang="it-IT" sz="2200" dirty="0" err="1">
+                <a:latin typeface="Calibri Light" panose="020F0302020204030204" pitchFamily="34" charset="0"/>
+                <a:ea typeface="Calibri Light" panose="020F0302020204030204" pitchFamily="34" charset="0"/>
+                <a:cs typeface="Calibri Light" panose="020F0302020204030204" pitchFamily="34" charset="0"/>
+              </a:rPr>
+              <a:t>it</a:t>
+            </a:r>
+            <a:r>
+              <a:rPr lang="it-IT" sz="2200" dirty="0">
+                <a:latin typeface="Calibri Light" panose="020F0302020204030204" pitchFamily="34" charset="0"/>
+                <a:ea typeface="Calibri Light" panose="020F0302020204030204" pitchFamily="34" charset="0"/>
+                <a:cs typeface="Calibri Light" panose="020F0302020204030204" pitchFamily="34" charset="0"/>
+              </a:rPr>
+              <a:t> </a:t>
+            </a:r>
+            <a:r>
+              <a:rPr lang="it-IT" sz="2200" dirty="0" err="1">
+                <a:latin typeface="Calibri Light" panose="020F0302020204030204" pitchFamily="34" charset="0"/>
+                <a:ea typeface="Calibri Light" panose="020F0302020204030204" pitchFamily="34" charset="0"/>
+                <a:cs typeface="Calibri Light" panose="020F0302020204030204" pitchFamily="34" charset="0"/>
+              </a:rPr>
+              <a:t>harder</a:t>
+            </a:r>
+            <a:r>
+              <a:rPr lang="it-IT" sz="2200" dirty="0">
+                <a:latin typeface="Calibri Light" panose="020F0302020204030204" pitchFamily="34" charset="0"/>
+                <a:ea typeface="Calibri Light" panose="020F0302020204030204" pitchFamily="34" charset="0"/>
+                <a:cs typeface="Calibri Light" panose="020F0302020204030204" pitchFamily="34" charset="0"/>
+              </a:rPr>
+              <a:t> (by </a:t>
+            </a:r>
+            <a:r>
+              <a:rPr lang="it-IT" sz="2200" dirty="0" err="1">
+                <a:latin typeface="Calibri Light" panose="020F0302020204030204" pitchFamily="34" charset="0"/>
+                <a:ea typeface="Calibri Light" panose="020F0302020204030204" pitchFamily="34" charset="0"/>
+                <a:cs typeface="Calibri Light" panose="020F0302020204030204" pitchFamily="34" charset="0"/>
+              </a:rPr>
+              <a:t>adding</a:t>
+            </a:r>
+            <a:r>
+              <a:rPr lang="it-IT" sz="2200" dirty="0">
+                <a:latin typeface="Calibri Light" panose="020F0302020204030204" pitchFamily="34" charset="0"/>
+                <a:ea typeface="Calibri Light" panose="020F0302020204030204" pitchFamily="34" charset="0"/>
+                <a:cs typeface="Calibri Light" panose="020F0302020204030204" pitchFamily="34" charset="0"/>
+              </a:rPr>
+              <a:t> more </a:t>
+            </a:r>
+            <a:r>
+              <a:rPr lang="it-IT" sz="2200" dirty="0" err="1">
+                <a:latin typeface="Calibri Light" panose="020F0302020204030204" pitchFamily="34" charset="0"/>
+                <a:ea typeface="Calibri Light" panose="020F0302020204030204" pitchFamily="34" charset="0"/>
+                <a:cs typeface="Calibri Light" panose="020F0302020204030204" pitchFamily="34" charset="0"/>
+              </a:rPr>
+              <a:t>obstacles</a:t>
+            </a:r>
+            <a:r>
+              <a:rPr lang="it-IT" sz="2200" dirty="0">
+                <a:latin typeface="Calibri Light" panose="020F0302020204030204" pitchFamily="34" charset="0"/>
+                <a:ea typeface="Calibri Light" panose="020F0302020204030204" pitchFamily="34" charset="0"/>
+                <a:cs typeface="Calibri Light" panose="020F0302020204030204" pitchFamily="34" charset="0"/>
+              </a:rPr>
+              <a:t> or a </a:t>
+            </a:r>
+            <a:r>
+              <a:rPr lang="it-IT" sz="2200" dirty="0" err="1">
+                <a:latin typeface="Calibri Light" panose="020F0302020204030204" pitchFamily="34" charset="0"/>
+                <a:ea typeface="Calibri Light" panose="020F0302020204030204" pitchFamily="34" charset="0"/>
+                <a:cs typeface="Calibri Light" panose="020F0302020204030204" pitchFamily="34" charset="0"/>
+              </a:rPr>
+              <a:t>longer</a:t>
+            </a:r>
+            <a:r>
+              <a:rPr lang="it-IT" sz="2200" dirty="0">
+                <a:latin typeface="Calibri Light" panose="020F0302020204030204" pitchFamily="34" charset="0"/>
+                <a:ea typeface="Calibri Light" panose="020F0302020204030204" pitchFamily="34" charset="0"/>
+                <a:cs typeface="Calibri Light" panose="020F0302020204030204" pitchFamily="34" charset="0"/>
+              </a:rPr>
+              <a:t> </a:t>
+            </a:r>
+            <a:r>
+              <a:rPr lang="it-IT" sz="2200" dirty="0" err="1">
+                <a:latin typeface="Calibri Light" panose="020F0302020204030204" pitchFamily="34" charset="0"/>
+                <a:ea typeface="Calibri Light" panose="020F0302020204030204" pitchFamily="34" charset="0"/>
+                <a:cs typeface="Calibri Light" panose="020F0302020204030204" pitchFamily="34" charset="0"/>
+              </a:rPr>
+              <a:t>route</a:t>
+            </a:r>
+            <a:r>
+              <a:rPr lang="it-IT" sz="2200" dirty="0">
+                <a:latin typeface="Calibri Light" panose="020F0302020204030204" pitchFamily="34" charset="0"/>
+                <a:ea typeface="Calibri Light" panose="020F0302020204030204" pitchFamily="34" charset="0"/>
+                <a:cs typeface="Calibri Light" panose="020F0302020204030204" pitchFamily="34" charset="0"/>
+              </a:rPr>
+              <a:t> to the </a:t>
+            </a:r>
+            <a:r>
+              <a:rPr lang="it-IT" sz="2200" dirty="0" err="1">
+                <a:latin typeface="Calibri Light" panose="020F0302020204030204" pitchFamily="34" charset="0"/>
+                <a:ea typeface="Calibri Light" panose="020F0302020204030204" pitchFamily="34" charset="0"/>
+                <a:cs typeface="Calibri Light" panose="020F0302020204030204" pitchFamily="34" charset="0"/>
+              </a:rPr>
+              <a:t>objective</a:t>
+            </a:r>
+            <a:r>
+              <a:rPr lang="it-IT" sz="2200" dirty="0">
+                <a:latin typeface="Calibri Light" panose="020F0302020204030204" pitchFamily="34" charset="0"/>
+                <a:ea typeface="Calibri Light" panose="020F0302020204030204" pitchFamily="34" charset="0"/>
+                <a:cs typeface="Calibri Light" panose="020F0302020204030204" pitchFamily="34" charset="0"/>
+              </a:rPr>
+              <a:t>)</a:t>
+            </a:r>
+            <a:endParaRPr lang="it-IT" sz="2200" b="1" dirty="0">
+              <a:latin typeface="Calibri Light" panose="020F0302020204030204" pitchFamily="34" charset="0"/>
+              <a:ea typeface="Calibri Light" panose="020F0302020204030204" pitchFamily="34" charset="0"/>
+              <a:cs typeface="Calibri Light" panose="020F0302020204030204" pitchFamily="34" charset="0"/>
+            </a:endParaRPr>
+          </a:p>
+          <a:p>
+            <a:pPr marL="0" indent="0">
+              <a:buNone/>
+            </a:pPr>
+            <a:endParaRPr lang="it-IT" sz="2200" dirty="0">
+              <a:latin typeface="Calibri Light" panose="020F0302020204030204" pitchFamily="34" charset="0"/>
+              <a:ea typeface="Calibri Light" panose="020F0302020204030204" pitchFamily="34" charset="0"/>
+              <a:cs typeface="Calibri Light" panose="020F0302020204030204" pitchFamily="34" charset="0"/>
+            </a:endParaRPr>
           </a:p>
         </p:txBody>
       </p:sp>
@@ -16226,6 +16517,42 @@
             <a:extLst>
               <a:ext uri="{FF2B5EF4-FFF2-40B4-BE49-F238E27FC236}">
                 <a16:creationId xmlns:a16="http://schemas.microsoft.com/office/drawing/2014/main" id="{B76CB909-7CE4-6670-9602-DA515957F5E0}"/>
+              </a:ext>
+            </a:extLst>
+          </p:cNvPr>
+          <p:cNvPicPr>
+            <a:picLocks noChangeAspect="1"/>
+          </p:cNvPicPr>
+          <p:nvPr/>
+        </p:nvPicPr>
+        <p:blipFill>
+          <a:blip r:embed="rId2">
+            <a:extLst>
+              <a:ext uri="{28A0092B-C50C-407E-A947-70E740481C1C}">
+                <a14:useLocalDpi xmlns:a14="http://schemas.microsoft.com/office/drawing/2010/main" val="0"/>
+              </a:ext>
+            </a:extLst>
+          </a:blip>
+          <a:stretch>
+            <a:fillRect/>
+          </a:stretch>
+        </p:blipFill>
+        <p:spPr>
+          <a:xfrm>
+            <a:off x="5028309" y="3784568"/>
+            <a:ext cx="2456626" cy="2710755"/>
+          </a:xfrm>
+          <a:prstGeom prst="rect">
+            <a:avLst/>
+          </a:prstGeom>
+        </p:spPr>
+      </p:pic>
+      <p:pic>
+        <p:nvPicPr>
+          <p:cNvPr id="7" name="Immagine 6" descr="Immagine che contiene schermata, pixel, design&#10;&#10;Il contenuto generato dall'IA potrebbe non essere corretto.">
+            <a:extLst>
+              <a:ext uri="{FF2B5EF4-FFF2-40B4-BE49-F238E27FC236}">
+                <a16:creationId xmlns:a16="http://schemas.microsoft.com/office/drawing/2014/main" id="{7D7F3170-4F44-A18A-2A8D-D1D3FAA05743}"/>
               </a:ext>
             </a:extLst>
           </p:cNvPr>
@@ -16248,8 +16575,8 @@
         </p:blipFill>
         <p:spPr>
           <a:xfrm>
-            <a:off x="5457591" y="3099595"/>
-            <a:ext cx="2998196" cy="3308349"/>
+            <a:off x="7945408" y="3784567"/>
+            <a:ext cx="3847132" cy="2710756"/>
           </a:xfrm>
           <a:prstGeom prst="rect">
             <a:avLst/>
@@ -16266,11 +16593,6 @@
   <p:clrMapOvr>
     <a:masterClrMapping/>
   </p:clrMapOvr>
-  <p:extLst>
-    <p:ext uri="{6950BFC3-D8DA-4A85-94F7-54DA5524770B}">
-      <p188:commentRel xmlns:p188="http://schemas.microsoft.com/office/powerpoint/2018/8/main" r:id="rId2"/>
-    </p:ext>
-  </p:extLst>
 </p:sld>
 </file>
 
@@ -16440,7 +16762,7 @@
             </a:ln>
             <a:extLst>
               <a:ext uri="{91240B29-F687-4f45-9708-019B960494DF}">
-                <a14:hiddenLine xmlns="" xmlns:a16="http://schemas.microsoft.com/office/drawing/2014/main" xmlns:p14="http://schemas.microsoft.com/office/powerpoint/2010/main" xmlns:a14="http://schemas.microsoft.com/office/drawing/2010/main" w="9525">
+                <a14:hiddenLine xmlns:a14="http://schemas.microsoft.com/office/drawing/2010/main" xmlns:p14="http://schemas.microsoft.com/office/powerpoint/2010/main" xmlns:a16="http://schemas.microsoft.com/office/drawing/2014/main" xmlns="" w="9525">
                   <a:solidFill>
                     <a:srgbClr val="000000"/>
                   </a:solidFill>
@@ -16552,7 +16874,7 @@
             </a:ln>
             <a:extLst>
               <a:ext uri="{91240B29-F687-4f45-9708-019B960494DF}">
-                <a14:hiddenLine xmlns="" xmlns:a16="http://schemas.microsoft.com/office/drawing/2014/main" xmlns:p14="http://schemas.microsoft.com/office/powerpoint/2010/main" xmlns:a14="http://schemas.microsoft.com/office/drawing/2010/main" w="9525">
+                <a14:hiddenLine xmlns:a14="http://schemas.microsoft.com/office/drawing/2010/main" xmlns:p14="http://schemas.microsoft.com/office/powerpoint/2010/main" xmlns:a16="http://schemas.microsoft.com/office/drawing/2014/main" xmlns="" w="9525">
                   <a:solidFill>
                     <a:srgbClr val="000000"/>
                   </a:solidFill>
@@ -16664,7 +16986,7 @@
             </a:ln>
             <a:extLst>
               <a:ext uri="{91240B29-F687-4f45-9708-019B960494DF}">
-                <a14:hiddenLine xmlns="" xmlns:a16="http://schemas.microsoft.com/office/drawing/2014/main" xmlns:p14="http://schemas.microsoft.com/office/powerpoint/2010/main" xmlns:a14="http://schemas.microsoft.com/office/drawing/2010/main" w="9525">
+                <a14:hiddenLine xmlns:a14="http://schemas.microsoft.com/office/drawing/2010/main" xmlns:p14="http://schemas.microsoft.com/office/powerpoint/2010/main" xmlns:a16="http://schemas.microsoft.com/office/drawing/2014/main" xmlns="" w="9525">
                   <a:solidFill>
                     <a:srgbClr val="000000"/>
                   </a:solidFill>
@@ -16748,7 +17070,7 @@
             </a:ln>
             <a:extLst>
               <a:ext uri="{91240B29-F687-4f45-9708-019B960494DF}">
-                <a14:hiddenLine xmlns="" xmlns:a16="http://schemas.microsoft.com/office/drawing/2014/main" xmlns:p14="http://schemas.microsoft.com/office/powerpoint/2010/main" xmlns:a14="http://schemas.microsoft.com/office/drawing/2010/main" w="9525">
+                <a14:hiddenLine xmlns:a14="http://schemas.microsoft.com/office/drawing/2010/main" xmlns:p14="http://schemas.microsoft.com/office/powerpoint/2010/main" xmlns:a16="http://schemas.microsoft.com/office/drawing/2014/main" xmlns="" w="9525">
                   <a:solidFill>
                     <a:srgbClr val="000000"/>
                   </a:solidFill>
@@ -16860,7 +17182,7 @@
             </a:ln>
             <a:extLst>
               <a:ext uri="{91240B29-F687-4f45-9708-019B960494DF}">
-                <a14:hiddenLine xmlns="" xmlns:a16="http://schemas.microsoft.com/office/drawing/2014/main" xmlns:p14="http://schemas.microsoft.com/office/powerpoint/2010/main" xmlns:a14="http://schemas.microsoft.com/office/drawing/2010/main" w="9525">
+                <a14:hiddenLine xmlns:a14="http://schemas.microsoft.com/office/drawing/2010/main" xmlns:p14="http://schemas.microsoft.com/office/powerpoint/2010/main" xmlns:a16="http://schemas.microsoft.com/office/drawing/2014/main" xmlns="" w="9525">
                   <a:solidFill>
                     <a:srgbClr val="000000"/>
                   </a:solidFill>
@@ -16944,7 +17266,7 @@
             </a:ln>
             <a:extLst>
               <a:ext uri="{91240B29-F687-4f45-9708-019B960494DF}">
-                <a14:hiddenLine xmlns="" xmlns:a16="http://schemas.microsoft.com/office/drawing/2014/main" xmlns:p14="http://schemas.microsoft.com/office/powerpoint/2010/main" xmlns:a14="http://schemas.microsoft.com/office/drawing/2010/main" w="9525">
+                <a14:hiddenLine xmlns:a14="http://schemas.microsoft.com/office/drawing/2010/main" xmlns:p14="http://schemas.microsoft.com/office/powerpoint/2010/main" xmlns:a16="http://schemas.microsoft.com/office/drawing/2014/main" xmlns="" w="9525">
                   <a:solidFill>
                     <a:srgbClr val="000000"/>
                   </a:solidFill>
@@ -17028,7 +17350,7 @@
             </a:ln>
             <a:extLst>
               <a:ext uri="{91240B29-F687-4f45-9708-019B960494DF}">
-                <a14:hiddenLine xmlns="" xmlns:a16="http://schemas.microsoft.com/office/drawing/2014/main" xmlns:p14="http://schemas.microsoft.com/office/powerpoint/2010/main" xmlns:a14="http://schemas.microsoft.com/office/drawing/2010/main" w="9525">
+                <a14:hiddenLine xmlns:a14="http://schemas.microsoft.com/office/drawing/2010/main" xmlns:p14="http://schemas.microsoft.com/office/powerpoint/2010/main" xmlns:a16="http://schemas.microsoft.com/office/drawing/2014/main" xmlns="" w="9525">
                   <a:solidFill>
                     <a:srgbClr val="000000"/>
                   </a:solidFill>
@@ -17140,7 +17462,7 @@
             </a:ln>
             <a:extLst>
               <a:ext uri="{91240B29-F687-4f45-9708-019B960494DF}">
-                <a14:hiddenLine xmlns="" xmlns:a16="http://schemas.microsoft.com/office/drawing/2014/main" xmlns:p14="http://schemas.microsoft.com/office/powerpoint/2010/main" xmlns:a14="http://schemas.microsoft.com/office/drawing/2010/main" w="9525">
+                <a14:hiddenLine xmlns:a14="http://schemas.microsoft.com/office/drawing/2010/main" xmlns:p14="http://schemas.microsoft.com/office/powerpoint/2010/main" xmlns:a16="http://schemas.microsoft.com/office/drawing/2014/main" xmlns="" w="9525">
                   <a:solidFill>
                     <a:srgbClr val="000000"/>
                   </a:solidFill>
@@ -17252,7 +17574,7 @@
             </a:ln>
             <a:extLst>
               <a:ext uri="{91240B29-F687-4f45-9708-019B960494DF}">
-                <a14:hiddenLine xmlns="" xmlns:a16="http://schemas.microsoft.com/office/drawing/2014/main" xmlns:p14="http://schemas.microsoft.com/office/powerpoint/2010/main" xmlns:a14="http://schemas.microsoft.com/office/drawing/2010/main" w="9525">
+                <a14:hiddenLine xmlns:a14="http://schemas.microsoft.com/office/drawing/2010/main" xmlns:p14="http://schemas.microsoft.com/office/powerpoint/2010/main" xmlns:a16="http://schemas.microsoft.com/office/drawing/2014/main" xmlns="" w="9525">
                   <a:solidFill>
                     <a:srgbClr val="000000"/>
                   </a:solidFill>
@@ -17336,7 +17658,7 @@
             </a:ln>
             <a:extLst>
               <a:ext uri="{91240B29-F687-4f45-9708-019B960494DF}">
-                <a14:hiddenLine xmlns="" xmlns:a16="http://schemas.microsoft.com/office/drawing/2014/main" xmlns:p14="http://schemas.microsoft.com/office/powerpoint/2010/main" xmlns:a14="http://schemas.microsoft.com/office/drawing/2010/main" w="9525">
+                <a14:hiddenLine xmlns:a14="http://schemas.microsoft.com/office/drawing/2010/main" xmlns:p14="http://schemas.microsoft.com/office/powerpoint/2010/main" xmlns:a16="http://schemas.microsoft.com/office/drawing/2014/main" xmlns="" w="9525">
                   <a:solidFill>
                     <a:srgbClr val="000000"/>
                   </a:solidFill>
@@ -17468,7 +17790,7 @@
             </a:ln>
             <a:extLst>
               <a:ext uri="{91240B29-F687-4f45-9708-019B960494DF}">
-                <a14:hiddenLine xmlns="" xmlns:a16="http://schemas.microsoft.com/office/drawing/2014/main" xmlns:p14="http://schemas.microsoft.com/office/powerpoint/2010/main" xmlns:a14="http://schemas.microsoft.com/office/drawing/2010/main" w="9525">
+                <a14:hiddenLine xmlns:a14="http://schemas.microsoft.com/office/drawing/2010/main" xmlns:p14="http://schemas.microsoft.com/office/powerpoint/2010/main" xmlns:a16="http://schemas.microsoft.com/office/drawing/2014/main" xmlns="" w="9525">
                   <a:solidFill>
                     <a:srgbClr val="000000"/>
                   </a:solidFill>
@@ -17596,7 +17918,7 @@
             </a:ln>
             <a:extLst>
               <a:ext uri="{91240B29-F687-4f45-9708-019B960494DF}">
-                <a14:hiddenLine xmlns="" xmlns:a16="http://schemas.microsoft.com/office/drawing/2014/main" xmlns:p14="http://schemas.microsoft.com/office/powerpoint/2010/main" xmlns:a14="http://schemas.microsoft.com/office/drawing/2010/main" w="9525">
+                <a14:hiddenLine xmlns:a14="http://schemas.microsoft.com/office/drawing/2010/main" xmlns:p14="http://schemas.microsoft.com/office/powerpoint/2010/main" xmlns:a16="http://schemas.microsoft.com/office/drawing/2014/main" xmlns="" w="9525">
                   <a:solidFill>
                     <a:srgbClr val="000000"/>
                   </a:solidFill>
@@ -17680,7 +18002,7 @@
             </a:ln>
             <a:extLst>
               <a:ext uri="{91240B29-F687-4f45-9708-019B960494DF}">
-                <a14:hiddenLine xmlns="" xmlns:a16="http://schemas.microsoft.com/office/drawing/2014/main" xmlns:p14="http://schemas.microsoft.com/office/powerpoint/2010/main" xmlns:a14="http://schemas.microsoft.com/office/drawing/2010/main" w="9525">
+                <a14:hiddenLine xmlns:a14="http://schemas.microsoft.com/office/drawing/2010/main" xmlns:p14="http://schemas.microsoft.com/office/powerpoint/2010/main" xmlns:a16="http://schemas.microsoft.com/office/drawing/2014/main" xmlns="" w="9525">
                   <a:solidFill>
                     <a:srgbClr val="000000"/>
                   </a:solidFill>
@@ -17764,7 +18086,7 @@
             </a:ln>
             <a:extLst>
               <a:ext uri="{91240B29-F687-4f45-9708-019B960494DF}">
-                <a14:hiddenLine xmlns="" xmlns:a16="http://schemas.microsoft.com/office/drawing/2014/main" xmlns:p14="http://schemas.microsoft.com/office/powerpoint/2010/main" xmlns:a14="http://schemas.microsoft.com/office/drawing/2010/main" w="9525">
+                <a14:hiddenLine xmlns:a14="http://schemas.microsoft.com/office/drawing/2010/main" xmlns:p14="http://schemas.microsoft.com/office/powerpoint/2010/main" xmlns:a16="http://schemas.microsoft.com/office/drawing/2014/main" xmlns="" w="9525">
                   <a:solidFill>
                     <a:srgbClr val="000000"/>
                   </a:solidFill>
@@ -17876,7 +18198,7 @@
             </a:ln>
             <a:extLst>
               <a:ext uri="{91240B29-F687-4f45-9708-019B960494DF}">
-                <a14:hiddenLine xmlns="" xmlns:a16="http://schemas.microsoft.com/office/drawing/2014/main" xmlns:p14="http://schemas.microsoft.com/office/powerpoint/2010/main" xmlns:a14="http://schemas.microsoft.com/office/drawing/2010/main" w="9525">
+                <a14:hiddenLine xmlns:a14="http://schemas.microsoft.com/office/drawing/2010/main" xmlns:p14="http://schemas.microsoft.com/office/powerpoint/2010/main" xmlns:a16="http://schemas.microsoft.com/office/drawing/2014/main" xmlns="" w="9525">
                   <a:solidFill>
                     <a:srgbClr val="000000"/>
                   </a:solidFill>
@@ -17932,7 +18254,7 @@
             </a:ln>
             <a:extLst>
               <a:ext uri="{91240B29-F687-4f45-9708-019B960494DF}">
-                <a14:hiddenLine xmlns="" xmlns:a16="http://schemas.microsoft.com/office/drawing/2014/main" xmlns:p14="http://schemas.microsoft.com/office/powerpoint/2010/main" xmlns:a14="http://schemas.microsoft.com/office/drawing/2010/main" w="9525">
+                <a14:hiddenLine xmlns:a14="http://schemas.microsoft.com/office/drawing/2010/main" xmlns:p14="http://schemas.microsoft.com/office/powerpoint/2010/main" xmlns:a16="http://schemas.microsoft.com/office/drawing/2014/main" xmlns="" w="9525">
                   <a:solidFill>
                     <a:srgbClr val="000000"/>
                   </a:solidFill>
@@ -18019,7 +18341,7 @@
             </a:ln>
             <a:extLst>
               <a:ext uri="{91240B29-F687-4f45-9708-019B960494DF}">
-                <a14:hiddenLine xmlns="" xmlns:a16="http://schemas.microsoft.com/office/drawing/2014/main" xmlns:p14="http://schemas.microsoft.com/office/powerpoint/2010/main" xmlns:a14="http://schemas.microsoft.com/office/drawing/2010/main" w="9525">
+                <a14:hiddenLine xmlns:a14="http://schemas.microsoft.com/office/drawing/2010/main" xmlns:p14="http://schemas.microsoft.com/office/powerpoint/2010/main" xmlns:a16="http://schemas.microsoft.com/office/drawing/2014/main" xmlns="" w="9525">
                   <a:solidFill>
                     <a:srgbClr val="000000"/>
                   </a:solidFill>
@@ -18131,7 +18453,7 @@
             </a:ln>
             <a:extLst>
               <a:ext uri="{91240B29-F687-4f45-9708-019B960494DF}">
-                <a14:hiddenLine xmlns="" xmlns:a16="http://schemas.microsoft.com/office/drawing/2014/main" xmlns:p14="http://schemas.microsoft.com/office/powerpoint/2010/main" xmlns:a14="http://schemas.microsoft.com/office/drawing/2010/main" w="9525">
+                <a14:hiddenLine xmlns:a14="http://schemas.microsoft.com/office/drawing/2010/main" xmlns:p14="http://schemas.microsoft.com/office/powerpoint/2010/main" xmlns:a16="http://schemas.microsoft.com/office/drawing/2014/main" xmlns="" w="9525">
                   <a:solidFill>
                     <a:srgbClr val="000000"/>
                   </a:solidFill>
@@ -18215,7 +18537,7 @@
             </a:ln>
             <a:extLst>
               <a:ext uri="{91240B29-F687-4f45-9708-019B960494DF}">
-                <a14:hiddenLine xmlns="" xmlns:a16="http://schemas.microsoft.com/office/drawing/2014/main" xmlns:p14="http://schemas.microsoft.com/office/powerpoint/2010/main" xmlns:a14="http://schemas.microsoft.com/office/drawing/2010/main" w="9525">
+                <a14:hiddenLine xmlns:a14="http://schemas.microsoft.com/office/drawing/2010/main" xmlns:p14="http://schemas.microsoft.com/office/powerpoint/2010/main" xmlns:a16="http://schemas.microsoft.com/office/drawing/2014/main" xmlns="" w="9525">
                   <a:solidFill>
                     <a:srgbClr val="000000"/>
                   </a:solidFill>
@@ -18327,7 +18649,7 @@
             </a:ln>
             <a:extLst>
               <a:ext uri="{91240B29-F687-4f45-9708-019B960494DF}">
-                <a14:hiddenLine xmlns="" xmlns:a16="http://schemas.microsoft.com/office/drawing/2014/main" xmlns:p14="http://schemas.microsoft.com/office/powerpoint/2010/main" xmlns:a14="http://schemas.microsoft.com/office/drawing/2010/main" w="9525">
+                <a14:hiddenLine xmlns:a14="http://schemas.microsoft.com/office/drawing/2010/main" xmlns:p14="http://schemas.microsoft.com/office/powerpoint/2010/main" xmlns:a16="http://schemas.microsoft.com/office/drawing/2014/main" xmlns="" w="9525">
                   <a:solidFill>
                     <a:srgbClr val="000000"/>
                   </a:solidFill>
@@ -18414,7 +18736,7 @@
             </a:ln>
             <a:extLst>
               <a:ext uri="{91240B29-F687-4f45-9708-019B960494DF}">
-                <a14:hiddenLine xmlns="" xmlns:a16="http://schemas.microsoft.com/office/drawing/2014/main" xmlns:p14="http://schemas.microsoft.com/office/powerpoint/2010/main" xmlns:a14="http://schemas.microsoft.com/office/drawing/2010/main" w="9525">
+                <a14:hiddenLine xmlns:a14="http://schemas.microsoft.com/office/drawing/2010/main" xmlns:p14="http://schemas.microsoft.com/office/powerpoint/2010/main" xmlns:a16="http://schemas.microsoft.com/office/drawing/2014/main" xmlns="" w="9525">
                   <a:solidFill>
                     <a:srgbClr val="000000"/>
                   </a:solidFill>
@@ -18498,7 +18820,7 @@
             </a:ln>
             <a:extLst>
               <a:ext uri="{91240B29-F687-4f45-9708-019B960494DF}">
-                <a14:hiddenLine xmlns="" xmlns:a16="http://schemas.microsoft.com/office/drawing/2014/main" xmlns:p14="http://schemas.microsoft.com/office/powerpoint/2010/main" xmlns:a14="http://schemas.microsoft.com/office/drawing/2010/main" w="9525">
+                <a14:hiddenLine xmlns:a14="http://schemas.microsoft.com/office/drawing/2010/main" xmlns:p14="http://schemas.microsoft.com/office/powerpoint/2010/main" xmlns:a16="http://schemas.microsoft.com/office/drawing/2014/main" xmlns="" w="9525">
                   <a:solidFill>
                     <a:srgbClr val="000000"/>
                   </a:solidFill>
@@ -18610,7 +18932,7 @@
             </a:ln>
             <a:extLst>
               <a:ext uri="{91240B29-F687-4f45-9708-019B960494DF}">
-                <a14:hiddenLine xmlns="" xmlns:a16="http://schemas.microsoft.com/office/drawing/2014/main" xmlns:p14="http://schemas.microsoft.com/office/powerpoint/2010/main" xmlns:a14="http://schemas.microsoft.com/office/drawing/2010/main" w="9525">
+                <a14:hiddenLine xmlns:a14="http://schemas.microsoft.com/office/drawing/2010/main" xmlns:p14="http://schemas.microsoft.com/office/powerpoint/2010/main" xmlns:a16="http://schemas.microsoft.com/office/drawing/2014/main" xmlns="" w="9525">
                   <a:solidFill>
                     <a:srgbClr val="000000"/>
                   </a:solidFill>
@@ -18722,7 +19044,7 @@
             </a:ln>
             <a:extLst>
               <a:ext uri="{91240B29-F687-4f45-9708-019B960494DF}">
-                <a14:hiddenLine xmlns="" xmlns:a16="http://schemas.microsoft.com/office/drawing/2014/main" xmlns:p14="http://schemas.microsoft.com/office/powerpoint/2010/main" xmlns:a14="http://schemas.microsoft.com/office/drawing/2010/main" w="9525">
+                <a14:hiddenLine xmlns:a14="http://schemas.microsoft.com/office/drawing/2010/main" xmlns:p14="http://schemas.microsoft.com/office/powerpoint/2010/main" xmlns:a16="http://schemas.microsoft.com/office/drawing/2014/main" xmlns="" w="9525">
                   <a:solidFill>
                     <a:srgbClr val="000000"/>
                   </a:solidFill>
@@ -18809,7 +19131,7 @@
             </a:ln>
             <a:extLst>
               <a:ext uri="{91240B29-F687-4f45-9708-019B960494DF}">
-                <a14:hiddenLine xmlns="" xmlns:a16="http://schemas.microsoft.com/office/drawing/2014/main" xmlns:p14="http://schemas.microsoft.com/office/powerpoint/2010/main" xmlns:a14="http://schemas.microsoft.com/office/drawing/2010/main" w="9525">
+                <a14:hiddenLine xmlns:a14="http://schemas.microsoft.com/office/drawing/2010/main" xmlns:p14="http://schemas.microsoft.com/office/powerpoint/2010/main" xmlns:a16="http://schemas.microsoft.com/office/drawing/2014/main" xmlns="" w="9525">
                   <a:solidFill>
                     <a:srgbClr val="000000"/>
                   </a:solidFill>
@@ -18951,7 +19273,7 @@
             </a:ln>
             <a:extLst>
               <a:ext uri="{91240B29-F687-4f45-9708-019B960494DF}">
-                <a14:hiddenLine xmlns="" xmlns:a16="http://schemas.microsoft.com/office/drawing/2014/main" xmlns:p14="http://schemas.microsoft.com/office/powerpoint/2010/main" xmlns:a14="http://schemas.microsoft.com/office/drawing/2010/main" w="9525">
+                <a14:hiddenLine xmlns:a14="http://schemas.microsoft.com/office/drawing/2010/main" xmlns:p14="http://schemas.microsoft.com/office/powerpoint/2010/main" xmlns:a16="http://schemas.microsoft.com/office/drawing/2014/main" xmlns="" w="9525">
                   <a:solidFill>
                     <a:srgbClr val="000000"/>
                   </a:solidFill>
@@ -19088,8 +19410,8 @@
         </p:nvSpPr>
         <p:spPr>
           <a:xfrm>
-            <a:off x="4701283" y="891382"/>
-            <a:ext cx="7395467" cy="5051424"/>
+            <a:off x="4744146" y="1305037"/>
+            <a:ext cx="7395467" cy="4238402"/>
           </a:xfrm>
         </p:spPr>
         <p:txBody>
@@ -19432,7 +19754,7 @@
             </a:ln>
             <a:extLst>
               <a:ext uri="{91240B29-F687-4f45-9708-019B960494DF}">
-                <a14:hiddenLine xmlns="" xmlns:a16="http://schemas.microsoft.com/office/drawing/2014/main" xmlns:p14="http://schemas.microsoft.com/office/powerpoint/2010/main" xmlns:a14="http://schemas.microsoft.com/office/drawing/2010/main" w="9525">
+                <a14:hiddenLine xmlns:a14="http://schemas.microsoft.com/office/drawing/2010/main" xmlns:p14="http://schemas.microsoft.com/office/powerpoint/2010/main" xmlns:a16="http://schemas.microsoft.com/office/drawing/2014/main" xmlns="" w="9525">
                   <a:solidFill>
                     <a:srgbClr val="000000"/>
                   </a:solidFill>
@@ -19544,7 +19866,7 @@
             </a:ln>
             <a:extLst>
               <a:ext uri="{91240B29-F687-4f45-9708-019B960494DF}">
-                <a14:hiddenLine xmlns="" xmlns:a16="http://schemas.microsoft.com/office/drawing/2014/main" xmlns:p14="http://schemas.microsoft.com/office/powerpoint/2010/main" xmlns:a14="http://schemas.microsoft.com/office/drawing/2010/main" w="9525">
+                <a14:hiddenLine xmlns:a14="http://schemas.microsoft.com/office/drawing/2010/main" xmlns:p14="http://schemas.microsoft.com/office/powerpoint/2010/main" xmlns:a16="http://schemas.microsoft.com/office/drawing/2014/main" xmlns="" w="9525">
                   <a:solidFill>
                     <a:srgbClr val="000000"/>
                   </a:solidFill>
@@ -19656,7 +19978,7 @@
             </a:ln>
             <a:extLst>
               <a:ext uri="{91240B29-F687-4f45-9708-019B960494DF}">
-                <a14:hiddenLine xmlns="" xmlns:a16="http://schemas.microsoft.com/office/drawing/2014/main" xmlns:p14="http://schemas.microsoft.com/office/powerpoint/2010/main" xmlns:a14="http://schemas.microsoft.com/office/drawing/2010/main" w="9525">
+                <a14:hiddenLine xmlns:a14="http://schemas.microsoft.com/office/drawing/2010/main" xmlns:p14="http://schemas.microsoft.com/office/powerpoint/2010/main" xmlns:a16="http://schemas.microsoft.com/office/drawing/2014/main" xmlns="" w="9525">
                   <a:solidFill>
                     <a:srgbClr val="000000"/>
                   </a:solidFill>
@@ -19740,7 +20062,7 @@
             </a:ln>
             <a:extLst>
               <a:ext uri="{91240B29-F687-4f45-9708-019B960494DF}">
-                <a14:hiddenLine xmlns="" xmlns:a16="http://schemas.microsoft.com/office/drawing/2014/main" xmlns:p14="http://schemas.microsoft.com/office/powerpoint/2010/main" xmlns:a14="http://schemas.microsoft.com/office/drawing/2010/main" w="9525">
+                <a14:hiddenLine xmlns:a14="http://schemas.microsoft.com/office/drawing/2010/main" xmlns:p14="http://schemas.microsoft.com/office/powerpoint/2010/main" xmlns:a16="http://schemas.microsoft.com/office/drawing/2014/main" xmlns="" w="9525">
                   <a:solidFill>
                     <a:srgbClr val="000000"/>
                   </a:solidFill>
@@ -19852,7 +20174,7 @@
             </a:ln>
             <a:extLst>
               <a:ext uri="{91240B29-F687-4f45-9708-019B960494DF}">
-                <a14:hiddenLine xmlns="" xmlns:a16="http://schemas.microsoft.com/office/drawing/2014/main" xmlns:p14="http://schemas.microsoft.com/office/powerpoint/2010/main" xmlns:a14="http://schemas.microsoft.com/office/drawing/2010/main" w="9525">
+                <a14:hiddenLine xmlns:a14="http://schemas.microsoft.com/office/drawing/2010/main" xmlns:p14="http://schemas.microsoft.com/office/powerpoint/2010/main" xmlns:a16="http://schemas.microsoft.com/office/drawing/2014/main" xmlns="" w="9525">
                   <a:solidFill>
                     <a:srgbClr val="000000"/>
                   </a:solidFill>
@@ -19936,7 +20258,7 @@
             </a:ln>
             <a:extLst>
               <a:ext uri="{91240B29-F687-4f45-9708-019B960494DF}">
-                <a14:hiddenLine xmlns="" xmlns:a16="http://schemas.microsoft.com/office/drawing/2014/main" xmlns:p14="http://schemas.microsoft.com/office/powerpoint/2010/main" xmlns:a14="http://schemas.microsoft.com/office/drawing/2010/main" w="9525">
+                <a14:hiddenLine xmlns:a14="http://schemas.microsoft.com/office/drawing/2010/main" xmlns:p14="http://schemas.microsoft.com/office/powerpoint/2010/main" xmlns:a16="http://schemas.microsoft.com/office/drawing/2014/main" xmlns="" w="9525">
                   <a:solidFill>
                     <a:srgbClr val="000000"/>
                   </a:solidFill>
@@ -20020,7 +20342,7 @@
             </a:ln>
             <a:extLst>
               <a:ext uri="{91240B29-F687-4f45-9708-019B960494DF}">
-                <a14:hiddenLine xmlns="" xmlns:a16="http://schemas.microsoft.com/office/drawing/2014/main" xmlns:p14="http://schemas.microsoft.com/office/powerpoint/2010/main" xmlns:a14="http://schemas.microsoft.com/office/drawing/2010/main" w="9525">
+                <a14:hiddenLine xmlns:a14="http://schemas.microsoft.com/office/drawing/2010/main" xmlns:p14="http://schemas.microsoft.com/office/powerpoint/2010/main" xmlns:a16="http://schemas.microsoft.com/office/drawing/2014/main" xmlns="" w="9525">
                   <a:solidFill>
                     <a:srgbClr val="000000"/>
                   </a:solidFill>
@@ -20132,7 +20454,7 @@
             </a:ln>
             <a:extLst>
               <a:ext uri="{91240B29-F687-4f45-9708-019B960494DF}">
-                <a14:hiddenLine xmlns="" xmlns:a16="http://schemas.microsoft.com/office/drawing/2014/main" xmlns:p14="http://schemas.microsoft.com/office/powerpoint/2010/main" xmlns:a14="http://schemas.microsoft.com/office/drawing/2010/main" w="9525">
+                <a14:hiddenLine xmlns:a14="http://schemas.microsoft.com/office/drawing/2010/main" xmlns:p14="http://schemas.microsoft.com/office/powerpoint/2010/main" xmlns:a16="http://schemas.microsoft.com/office/drawing/2014/main" xmlns="" w="9525">
                   <a:solidFill>
                     <a:srgbClr val="000000"/>
                   </a:solidFill>
@@ -20244,7 +20566,7 @@
             </a:ln>
             <a:extLst>
               <a:ext uri="{91240B29-F687-4f45-9708-019B960494DF}">
-                <a14:hiddenLine xmlns="" xmlns:a16="http://schemas.microsoft.com/office/drawing/2014/main" xmlns:p14="http://schemas.microsoft.com/office/powerpoint/2010/main" xmlns:a14="http://schemas.microsoft.com/office/drawing/2010/main" w="9525">
+                <a14:hiddenLine xmlns:a14="http://schemas.microsoft.com/office/drawing/2010/main" xmlns:p14="http://schemas.microsoft.com/office/powerpoint/2010/main" xmlns:a16="http://schemas.microsoft.com/office/drawing/2014/main" xmlns="" w="9525">
                   <a:solidFill>
                     <a:srgbClr val="000000"/>
                   </a:solidFill>
@@ -20328,7 +20650,7 @@
             </a:ln>
             <a:extLst>
               <a:ext uri="{91240B29-F687-4f45-9708-019B960494DF}">
-                <a14:hiddenLine xmlns="" xmlns:a16="http://schemas.microsoft.com/office/drawing/2014/main" xmlns:p14="http://schemas.microsoft.com/office/powerpoint/2010/main" xmlns:a14="http://schemas.microsoft.com/office/drawing/2010/main" w="9525">
+                <a14:hiddenLine xmlns:a14="http://schemas.microsoft.com/office/drawing/2010/main" xmlns:p14="http://schemas.microsoft.com/office/powerpoint/2010/main" xmlns:a16="http://schemas.microsoft.com/office/drawing/2014/main" xmlns="" w="9525">
                   <a:solidFill>
                     <a:srgbClr val="000000"/>
                   </a:solidFill>
@@ -20460,7 +20782,7 @@
             </a:ln>
             <a:extLst>
               <a:ext uri="{91240B29-F687-4f45-9708-019B960494DF}">
-                <a14:hiddenLine xmlns="" xmlns:a16="http://schemas.microsoft.com/office/drawing/2014/main" xmlns:p14="http://schemas.microsoft.com/office/powerpoint/2010/main" xmlns:a14="http://schemas.microsoft.com/office/drawing/2010/main" w="9525">
+                <a14:hiddenLine xmlns:a14="http://schemas.microsoft.com/office/drawing/2010/main" xmlns:p14="http://schemas.microsoft.com/office/powerpoint/2010/main" xmlns:a16="http://schemas.microsoft.com/office/drawing/2014/main" xmlns="" w="9525">
                   <a:solidFill>
                     <a:srgbClr val="000000"/>
                   </a:solidFill>
@@ -20588,7 +20910,7 @@
             </a:ln>
             <a:extLst>
               <a:ext uri="{91240B29-F687-4f45-9708-019B960494DF}">
-                <a14:hiddenLine xmlns="" xmlns:a16="http://schemas.microsoft.com/office/drawing/2014/main" xmlns:p14="http://schemas.microsoft.com/office/powerpoint/2010/main" xmlns:a14="http://schemas.microsoft.com/office/drawing/2010/main" w="9525">
+                <a14:hiddenLine xmlns:a14="http://schemas.microsoft.com/office/drawing/2010/main" xmlns:p14="http://schemas.microsoft.com/office/powerpoint/2010/main" xmlns:a16="http://schemas.microsoft.com/office/drawing/2014/main" xmlns="" w="9525">
                   <a:solidFill>
                     <a:srgbClr val="000000"/>
                   </a:solidFill>
@@ -20672,7 +20994,7 @@
             </a:ln>
             <a:extLst>
               <a:ext uri="{91240B29-F687-4f45-9708-019B960494DF}">
-                <a14:hiddenLine xmlns="" xmlns:a16="http://schemas.microsoft.com/office/drawing/2014/main" xmlns:p14="http://schemas.microsoft.com/office/powerpoint/2010/main" xmlns:a14="http://schemas.microsoft.com/office/drawing/2010/main" w="9525">
+                <a14:hiddenLine xmlns:a14="http://schemas.microsoft.com/office/drawing/2010/main" xmlns:p14="http://schemas.microsoft.com/office/powerpoint/2010/main" xmlns:a16="http://schemas.microsoft.com/office/drawing/2014/main" xmlns="" w="9525">
                   <a:solidFill>
                     <a:srgbClr val="000000"/>
                   </a:solidFill>
@@ -20756,7 +21078,7 @@
             </a:ln>
             <a:extLst>
               <a:ext uri="{91240B29-F687-4f45-9708-019B960494DF}">
-                <a14:hiddenLine xmlns="" xmlns:a16="http://schemas.microsoft.com/office/drawing/2014/main" xmlns:p14="http://schemas.microsoft.com/office/powerpoint/2010/main" xmlns:a14="http://schemas.microsoft.com/office/drawing/2010/main" w="9525">
+                <a14:hiddenLine xmlns:a14="http://schemas.microsoft.com/office/drawing/2010/main" xmlns:p14="http://schemas.microsoft.com/office/powerpoint/2010/main" xmlns:a16="http://schemas.microsoft.com/office/drawing/2014/main" xmlns="" w="9525">
                   <a:solidFill>
                     <a:srgbClr val="000000"/>
                   </a:solidFill>
@@ -20868,7 +21190,7 @@
             </a:ln>
             <a:extLst>
               <a:ext uri="{91240B29-F687-4f45-9708-019B960494DF}">
-                <a14:hiddenLine xmlns="" xmlns:a16="http://schemas.microsoft.com/office/drawing/2014/main" xmlns:p14="http://schemas.microsoft.com/office/powerpoint/2010/main" xmlns:a14="http://schemas.microsoft.com/office/drawing/2010/main" w="9525">
+                <a14:hiddenLine xmlns:a14="http://schemas.microsoft.com/office/drawing/2010/main" xmlns:p14="http://schemas.microsoft.com/office/powerpoint/2010/main" xmlns:a16="http://schemas.microsoft.com/office/drawing/2014/main" xmlns="" w="9525">
                   <a:solidFill>
                     <a:srgbClr val="000000"/>
                   </a:solidFill>
@@ -20924,7 +21246,7 @@
             </a:ln>
             <a:extLst>
               <a:ext uri="{91240B29-F687-4f45-9708-019B960494DF}">
-                <a14:hiddenLine xmlns="" xmlns:a16="http://schemas.microsoft.com/office/drawing/2014/main" xmlns:p14="http://schemas.microsoft.com/office/powerpoint/2010/main" xmlns:a14="http://schemas.microsoft.com/office/drawing/2010/main" w="9525">
+                <a14:hiddenLine xmlns:a14="http://schemas.microsoft.com/office/drawing/2010/main" xmlns:p14="http://schemas.microsoft.com/office/powerpoint/2010/main" xmlns:a16="http://schemas.microsoft.com/office/drawing/2014/main" xmlns="" w="9525">
                   <a:solidFill>
                     <a:srgbClr val="000000"/>
                   </a:solidFill>
@@ -21011,7 +21333,7 @@
             </a:ln>
             <a:extLst>
               <a:ext uri="{91240B29-F687-4f45-9708-019B960494DF}">
-                <a14:hiddenLine xmlns="" xmlns:a16="http://schemas.microsoft.com/office/drawing/2014/main" xmlns:p14="http://schemas.microsoft.com/office/powerpoint/2010/main" xmlns:a14="http://schemas.microsoft.com/office/drawing/2010/main" w="9525">
+                <a14:hiddenLine xmlns:a14="http://schemas.microsoft.com/office/drawing/2010/main" xmlns:p14="http://schemas.microsoft.com/office/powerpoint/2010/main" xmlns:a16="http://schemas.microsoft.com/office/drawing/2014/main" xmlns="" w="9525">
                   <a:solidFill>
                     <a:srgbClr val="000000"/>
                   </a:solidFill>
@@ -21123,7 +21445,7 @@
             </a:ln>
             <a:extLst>
               <a:ext uri="{91240B29-F687-4f45-9708-019B960494DF}">
-                <a14:hiddenLine xmlns="" xmlns:a16="http://schemas.microsoft.com/office/drawing/2014/main" xmlns:p14="http://schemas.microsoft.com/office/powerpoint/2010/main" xmlns:a14="http://schemas.microsoft.com/office/drawing/2010/main" w="9525">
+                <a14:hiddenLine xmlns:a14="http://schemas.microsoft.com/office/drawing/2010/main" xmlns:p14="http://schemas.microsoft.com/office/powerpoint/2010/main" xmlns:a16="http://schemas.microsoft.com/office/drawing/2014/main" xmlns="" w="9525">
                   <a:solidFill>
                     <a:srgbClr val="000000"/>
                   </a:solidFill>
@@ -21207,7 +21529,7 @@
             </a:ln>
             <a:extLst>
               <a:ext uri="{91240B29-F687-4f45-9708-019B960494DF}">
-                <a14:hiddenLine xmlns="" xmlns:a16="http://schemas.microsoft.com/office/drawing/2014/main" xmlns:p14="http://schemas.microsoft.com/office/powerpoint/2010/main" xmlns:a14="http://schemas.microsoft.com/office/drawing/2010/main" w="9525">
+                <a14:hiddenLine xmlns:a14="http://schemas.microsoft.com/office/drawing/2010/main" xmlns:p14="http://schemas.microsoft.com/office/powerpoint/2010/main" xmlns:a16="http://schemas.microsoft.com/office/drawing/2014/main" xmlns="" w="9525">
                   <a:solidFill>
                     <a:srgbClr val="000000"/>
                   </a:solidFill>
@@ -21319,7 +21641,7 @@
             </a:ln>
             <a:extLst>
               <a:ext uri="{91240B29-F687-4f45-9708-019B960494DF}">
-                <a14:hiddenLine xmlns="" xmlns:a16="http://schemas.microsoft.com/office/drawing/2014/main" xmlns:p14="http://schemas.microsoft.com/office/powerpoint/2010/main" xmlns:a14="http://schemas.microsoft.com/office/drawing/2010/main" w="9525">
+                <a14:hiddenLine xmlns:a14="http://schemas.microsoft.com/office/drawing/2010/main" xmlns:p14="http://schemas.microsoft.com/office/powerpoint/2010/main" xmlns:a16="http://schemas.microsoft.com/office/drawing/2014/main" xmlns="" w="9525">
                   <a:solidFill>
                     <a:srgbClr val="000000"/>
                   </a:solidFill>
@@ -21406,7 +21728,7 @@
             </a:ln>
             <a:extLst>
               <a:ext uri="{91240B29-F687-4f45-9708-019B960494DF}">
-                <a14:hiddenLine xmlns="" xmlns:a16="http://schemas.microsoft.com/office/drawing/2014/main" xmlns:p14="http://schemas.microsoft.com/office/powerpoint/2010/main" xmlns:a14="http://schemas.microsoft.com/office/drawing/2010/main" w="9525">
+                <a14:hiddenLine xmlns:a14="http://schemas.microsoft.com/office/drawing/2010/main" xmlns:p14="http://schemas.microsoft.com/office/powerpoint/2010/main" xmlns:a16="http://schemas.microsoft.com/office/drawing/2014/main" xmlns="" w="9525">
                   <a:solidFill>
                     <a:srgbClr val="000000"/>
                   </a:solidFill>
@@ -21490,7 +21812,7 @@
             </a:ln>
             <a:extLst>
               <a:ext uri="{91240B29-F687-4f45-9708-019B960494DF}">
-                <a14:hiddenLine xmlns="" xmlns:a16="http://schemas.microsoft.com/office/drawing/2014/main" xmlns:p14="http://schemas.microsoft.com/office/powerpoint/2010/main" xmlns:a14="http://schemas.microsoft.com/office/drawing/2010/main" w="9525">
+                <a14:hiddenLine xmlns:a14="http://schemas.microsoft.com/office/drawing/2010/main" xmlns:p14="http://schemas.microsoft.com/office/powerpoint/2010/main" xmlns:a16="http://schemas.microsoft.com/office/drawing/2014/main" xmlns="" w="9525">
                   <a:solidFill>
                     <a:srgbClr val="000000"/>
                   </a:solidFill>
@@ -21602,7 +21924,7 @@
             </a:ln>
             <a:extLst>
               <a:ext uri="{91240B29-F687-4f45-9708-019B960494DF}">
-                <a14:hiddenLine xmlns="" xmlns:a16="http://schemas.microsoft.com/office/drawing/2014/main" xmlns:p14="http://schemas.microsoft.com/office/powerpoint/2010/main" xmlns:a14="http://schemas.microsoft.com/office/drawing/2010/main" w="9525">
+                <a14:hiddenLine xmlns:a14="http://schemas.microsoft.com/office/drawing/2010/main" xmlns:p14="http://schemas.microsoft.com/office/powerpoint/2010/main" xmlns:a16="http://schemas.microsoft.com/office/drawing/2014/main" xmlns="" w="9525">
                   <a:solidFill>
                     <a:srgbClr val="000000"/>
                   </a:solidFill>
@@ -21714,7 +22036,7 @@
             </a:ln>
             <a:extLst>
               <a:ext uri="{91240B29-F687-4f45-9708-019B960494DF}">
-                <a14:hiddenLine xmlns="" xmlns:a16="http://schemas.microsoft.com/office/drawing/2014/main" xmlns:p14="http://schemas.microsoft.com/office/powerpoint/2010/main" xmlns:a14="http://schemas.microsoft.com/office/drawing/2010/main" w="9525">
+                <a14:hiddenLine xmlns:a14="http://schemas.microsoft.com/office/drawing/2010/main" xmlns:p14="http://schemas.microsoft.com/office/powerpoint/2010/main" xmlns:a16="http://schemas.microsoft.com/office/drawing/2014/main" xmlns="" w="9525">
                   <a:solidFill>
                     <a:srgbClr val="000000"/>
                   </a:solidFill>
@@ -21801,7 +22123,7 @@
             </a:ln>
             <a:extLst>
               <a:ext uri="{91240B29-F687-4f45-9708-019B960494DF}">
-                <a14:hiddenLine xmlns="" xmlns:a16="http://schemas.microsoft.com/office/drawing/2014/main" xmlns:p14="http://schemas.microsoft.com/office/powerpoint/2010/main" xmlns:a14="http://schemas.microsoft.com/office/drawing/2010/main" w="9525">
+                <a14:hiddenLine xmlns:a14="http://schemas.microsoft.com/office/drawing/2010/main" xmlns:p14="http://schemas.microsoft.com/office/powerpoint/2010/main" xmlns:a16="http://schemas.microsoft.com/office/drawing/2014/main" xmlns="" w="9525">
                   <a:solidFill>
                     <a:srgbClr val="000000"/>
                   </a:solidFill>
@@ -21943,7 +22265,7 @@
             </a:ln>
             <a:extLst>
               <a:ext uri="{91240B29-F687-4f45-9708-019B960494DF}">
-                <a14:hiddenLine xmlns="" xmlns:a16="http://schemas.microsoft.com/office/drawing/2014/main" xmlns:p14="http://schemas.microsoft.com/office/powerpoint/2010/main" xmlns:a14="http://schemas.microsoft.com/office/drawing/2010/main" w="9525">
+                <a14:hiddenLine xmlns:a14="http://schemas.microsoft.com/office/drawing/2010/main" xmlns:p14="http://schemas.microsoft.com/office/powerpoint/2010/main" xmlns:a16="http://schemas.microsoft.com/office/drawing/2014/main" xmlns="" w="9525">
                   <a:solidFill>
                     <a:srgbClr val="000000"/>
                   </a:solidFill>
@@ -22084,8 +22406,8 @@
         </p:nvSpPr>
         <p:spPr>
           <a:xfrm>
-            <a:off x="4860989" y="1089406"/>
-            <a:ext cx="7197661" cy="4697413"/>
+            <a:off x="4891609" y="1858963"/>
+            <a:ext cx="7014642" cy="3116263"/>
           </a:xfrm>
         </p:spPr>
         <p:txBody>
@@ -22099,14 +22421,19 @@
             </a:pPr>
             <a:r>
               <a:rPr lang="it-IT" sz="2200" dirty="0">
-                <a:highlight>
-                  <a:srgbClr val="FF00FF"/>
-                </a:highlight>
                 <a:latin typeface="Calibri Light" panose="020F0302020204030204" pitchFamily="34" charset="0"/>
                 <a:ea typeface="Calibri Light" panose="020F0302020204030204" pitchFamily="34" charset="0"/>
                 <a:cs typeface="Calibri Light" panose="020F0302020204030204" pitchFamily="34" charset="0"/>
               </a:rPr>
-              <a:t>For the visual input of the robot we want to scrap the camera and use exclusively a laser sensor</a:t>
+              <a:t>For the visual input of the robot </a:t>
+            </a:r>
+            <a:r>
+              <a:rPr lang="it-IT" sz="2200" dirty="0" err="1">
+                <a:latin typeface="Calibri Light" panose="020F0302020204030204" pitchFamily="34" charset="0"/>
+                <a:ea typeface="Calibri Light" panose="020F0302020204030204" pitchFamily="34" charset="0"/>
+                <a:cs typeface="Calibri Light" panose="020F0302020204030204" pitchFamily="34" charset="0"/>
+              </a:rPr>
+              <a:t>we</a:t>
             </a:r>
             <a:r>
               <a:rPr lang="it-IT" sz="2200" dirty="0">
@@ -22114,7 +22441,39 @@
                 <a:ea typeface="Calibri Light" panose="020F0302020204030204" pitchFamily="34" charset="0"/>
                 <a:cs typeface="Calibri Light" panose="020F0302020204030204" pitchFamily="34" charset="0"/>
               </a:rPr>
-              <a:t>: this is because we figured that the laser would be less burdensome than image processing.</a:t>
+              <a:t> </a:t>
+            </a:r>
+            <a:r>
+              <a:rPr lang="it-IT" sz="2200" dirty="0" err="1">
+                <a:latin typeface="Calibri Light" panose="020F0302020204030204" pitchFamily="34" charset="0"/>
+                <a:ea typeface="Calibri Light" panose="020F0302020204030204" pitchFamily="34" charset="0"/>
+                <a:cs typeface="Calibri Light" panose="020F0302020204030204" pitchFamily="34" charset="0"/>
+              </a:rPr>
+              <a:t>want</a:t>
+            </a:r>
+            <a:r>
+              <a:rPr lang="it-IT" sz="2200" dirty="0">
+                <a:latin typeface="Calibri Light" panose="020F0302020204030204" pitchFamily="34" charset="0"/>
+                <a:ea typeface="Calibri Light" panose="020F0302020204030204" pitchFamily="34" charset="0"/>
+                <a:cs typeface="Calibri Light" panose="020F0302020204030204" pitchFamily="34" charset="0"/>
+              </a:rPr>
+              <a:t> to </a:t>
+            </a:r>
+            <a:r>
+              <a:rPr lang="it-IT" sz="2200" dirty="0" err="1">
+                <a:latin typeface="Calibri Light" panose="020F0302020204030204" pitchFamily="34" charset="0"/>
+                <a:ea typeface="Calibri Light" panose="020F0302020204030204" pitchFamily="34" charset="0"/>
+                <a:cs typeface="Calibri Light" panose="020F0302020204030204" pitchFamily="34" charset="0"/>
+              </a:rPr>
+              <a:t>exclusively</a:t>
+            </a:r>
+            <a:r>
+              <a:rPr lang="it-IT" sz="2200" dirty="0">
+                <a:latin typeface="Calibri Light" panose="020F0302020204030204" pitchFamily="34" charset="0"/>
+                <a:ea typeface="Calibri Light" panose="020F0302020204030204" pitchFamily="34" charset="0"/>
+                <a:cs typeface="Calibri Light" panose="020F0302020204030204" pitchFamily="34" charset="0"/>
+              </a:rPr>
+              <a:t> use the laser sensor: this is because we figured that the laser would be less burdensome than image processing.</a:t>
             </a:r>
           </a:p>
           <a:p>
@@ -22311,7 +22670,7 @@
             </a:ln>
             <a:extLst>
               <a:ext uri="{91240B29-F687-4f45-9708-019B960494DF}">
-                <a14:hiddenLine xmlns="" xmlns:a16="http://schemas.microsoft.com/office/drawing/2014/main" xmlns:p14="http://schemas.microsoft.com/office/powerpoint/2010/main" xmlns:a14="http://schemas.microsoft.com/office/drawing/2010/main" w="9525">
+                <a14:hiddenLine xmlns:a14="http://schemas.microsoft.com/office/drawing/2010/main" xmlns:p14="http://schemas.microsoft.com/office/powerpoint/2010/main" xmlns:a16="http://schemas.microsoft.com/office/drawing/2014/main" xmlns="" w="9525">
                   <a:solidFill>
                     <a:srgbClr val="000000"/>
                   </a:solidFill>
@@ -22423,7 +22782,7 @@
             </a:ln>
             <a:extLst>
               <a:ext uri="{91240B29-F687-4f45-9708-019B960494DF}">
-                <a14:hiddenLine xmlns="" xmlns:a16="http://schemas.microsoft.com/office/drawing/2014/main" xmlns:p14="http://schemas.microsoft.com/office/powerpoint/2010/main" xmlns:a14="http://schemas.microsoft.com/office/drawing/2010/main" w="9525">
+                <a14:hiddenLine xmlns:a14="http://schemas.microsoft.com/office/drawing/2010/main" xmlns:p14="http://schemas.microsoft.com/office/powerpoint/2010/main" xmlns:a16="http://schemas.microsoft.com/office/drawing/2014/main" xmlns="" w="9525">
                   <a:solidFill>
                     <a:srgbClr val="000000"/>
                   </a:solidFill>
@@ -22535,7 +22894,7 @@
             </a:ln>
             <a:extLst>
               <a:ext uri="{91240B29-F687-4f45-9708-019B960494DF}">
-                <a14:hiddenLine xmlns="" xmlns:a16="http://schemas.microsoft.com/office/drawing/2014/main" xmlns:p14="http://schemas.microsoft.com/office/powerpoint/2010/main" xmlns:a14="http://schemas.microsoft.com/office/drawing/2010/main" w="9525">
+                <a14:hiddenLine xmlns:a14="http://schemas.microsoft.com/office/drawing/2010/main" xmlns:p14="http://schemas.microsoft.com/office/powerpoint/2010/main" xmlns:a16="http://schemas.microsoft.com/office/drawing/2014/main" xmlns="" w="9525">
                   <a:solidFill>
                     <a:srgbClr val="000000"/>
                   </a:solidFill>
@@ -22619,7 +22978,7 @@
             </a:ln>
             <a:extLst>
               <a:ext uri="{91240B29-F687-4f45-9708-019B960494DF}">
-                <a14:hiddenLine xmlns="" xmlns:a16="http://schemas.microsoft.com/office/drawing/2014/main" xmlns:p14="http://schemas.microsoft.com/office/powerpoint/2010/main" xmlns:a14="http://schemas.microsoft.com/office/drawing/2010/main" w="9525">
+                <a14:hiddenLine xmlns:a14="http://schemas.microsoft.com/office/drawing/2010/main" xmlns:p14="http://schemas.microsoft.com/office/powerpoint/2010/main" xmlns:a16="http://schemas.microsoft.com/office/drawing/2014/main" xmlns="" w="9525">
                   <a:solidFill>
                     <a:srgbClr val="000000"/>
                   </a:solidFill>
@@ -22731,7 +23090,7 @@
             </a:ln>
             <a:extLst>
               <a:ext uri="{91240B29-F687-4f45-9708-019B960494DF}">
-                <a14:hiddenLine xmlns="" xmlns:a16="http://schemas.microsoft.com/office/drawing/2014/main" xmlns:p14="http://schemas.microsoft.com/office/powerpoint/2010/main" xmlns:a14="http://schemas.microsoft.com/office/drawing/2010/main" w="9525">
+                <a14:hiddenLine xmlns:a14="http://schemas.microsoft.com/office/drawing/2010/main" xmlns:p14="http://schemas.microsoft.com/office/powerpoint/2010/main" xmlns:a16="http://schemas.microsoft.com/office/drawing/2014/main" xmlns="" w="9525">
                   <a:solidFill>
                     <a:srgbClr val="000000"/>
                   </a:solidFill>
@@ -22815,7 +23174,7 @@
             </a:ln>
             <a:extLst>
               <a:ext uri="{91240B29-F687-4f45-9708-019B960494DF}">
-                <a14:hiddenLine xmlns="" xmlns:a16="http://schemas.microsoft.com/office/drawing/2014/main" xmlns:p14="http://schemas.microsoft.com/office/powerpoint/2010/main" xmlns:a14="http://schemas.microsoft.com/office/drawing/2010/main" w="9525">
+                <a14:hiddenLine xmlns:a14="http://schemas.microsoft.com/office/drawing/2010/main" xmlns:p14="http://schemas.microsoft.com/office/powerpoint/2010/main" xmlns:a16="http://schemas.microsoft.com/office/drawing/2014/main" xmlns="" w="9525">
                   <a:solidFill>
                     <a:srgbClr val="000000"/>
                   </a:solidFill>
@@ -22899,7 +23258,7 @@
             </a:ln>
             <a:extLst>
               <a:ext uri="{91240B29-F687-4f45-9708-019B960494DF}">
-                <a14:hiddenLine xmlns="" xmlns:a16="http://schemas.microsoft.com/office/drawing/2014/main" xmlns:p14="http://schemas.microsoft.com/office/powerpoint/2010/main" xmlns:a14="http://schemas.microsoft.com/office/drawing/2010/main" w="9525">
+                <a14:hiddenLine xmlns:a14="http://schemas.microsoft.com/office/drawing/2010/main" xmlns:p14="http://schemas.microsoft.com/office/powerpoint/2010/main" xmlns:a16="http://schemas.microsoft.com/office/drawing/2014/main" xmlns="" w="9525">
                   <a:solidFill>
                     <a:srgbClr val="000000"/>
                   </a:solidFill>
@@ -23011,7 +23370,7 @@
             </a:ln>
             <a:extLst>
               <a:ext uri="{91240B29-F687-4f45-9708-019B960494DF}">
-                <a14:hiddenLine xmlns="" xmlns:a16="http://schemas.microsoft.com/office/drawing/2014/main" xmlns:p14="http://schemas.microsoft.com/office/powerpoint/2010/main" xmlns:a14="http://schemas.microsoft.com/office/drawing/2010/main" w="9525">
+                <a14:hiddenLine xmlns:a14="http://schemas.microsoft.com/office/drawing/2010/main" xmlns:p14="http://schemas.microsoft.com/office/powerpoint/2010/main" xmlns:a16="http://schemas.microsoft.com/office/drawing/2014/main" xmlns="" w="9525">
                   <a:solidFill>
                     <a:srgbClr val="000000"/>
                   </a:solidFill>
@@ -23123,7 +23482,7 @@
             </a:ln>
             <a:extLst>
               <a:ext uri="{91240B29-F687-4f45-9708-019B960494DF}">
-                <a14:hiddenLine xmlns="" xmlns:a16="http://schemas.microsoft.com/office/drawing/2014/main" xmlns:p14="http://schemas.microsoft.com/office/powerpoint/2010/main" xmlns:a14="http://schemas.microsoft.com/office/drawing/2010/main" w="9525">
+                <a14:hiddenLine xmlns:a14="http://schemas.microsoft.com/office/drawing/2010/main" xmlns:p14="http://schemas.microsoft.com/office/powerpoint/2010/main" xmlns:a16="http://schemas.microsoft.com/office/drawing/2014/main" xmlns="" w="9525">
                   <a:solidFill>
                     <a:srgbClr val="000000"/>
                   </a:solidFill>
@@ -23207,7 +23566,7 @@
             </a:ln>
             <a:extLst>
               <a:ext uri="{91240B29-F687-4f45-9708-019B960494DF}">
-                <a14:hiddenLine xmlns="" xmlns:a16="http://schemas.microsoft.com/office/drawing/2014/main" xmlns:p14="http://schemas.microsoft.com/office/powerpoint/2010/main" xmlns:a14="http://schemas.microsoft.com/office/drawing/2010/main" w="9525">
+                <a14:hiddenLine xmlns:a14="http://schemas.microsoft.com/office/drawing/2010/main" xmlns:p14="http://schemas.microsoft.com/office/powerpoint/2010/main" xmlns:a16="http://schemas.microsoft.com/office/drawing/2014/main" xmlns="" w="9525">
                   <a:solidFill>
                     <a:srgbClr val="000000"/>
                   </a:solidFill>
@@ -23339,7 +23698,7 @@
             </a:ln>
             <a:extLst>
               <a:ext uri="{91240B29-F687-4f45-9708-019B960494DF}">
-                <a14:hiddenLine xmlns="" xmlns:a16="http://schemas.microsoft.com/office/drawing/2014/main" xmlns:p14="http://schemas.microsoft.com/office/powerpoint/2010/main" xmlns:a14="http://schemas.microsoft.com/office/drawing/2010/main" w="9525">
+                <a14:hiddenLine xmlns:a14="http://schemas.microsoft.com/office/drawing/2010/main" xmlns:p14="http://schemas.microsoft.com/office/powerpoint/2010/main" xmlns:a16="http://schemas.microsoft.com/office/drawing/2014/main" xmlns="" w="9525">
                   <a:solidFill>
                     <a:srgbClr val="000000"/>
                   </a:solidFill>
@@ -23467,7 +23826,7 @@
             </a:ln>
             <a:extLst>
               <a:ext uri="{91240B29-F687-4f45-9708-019B960494DF}">
-                <a14:hiddenLine xmlns="" xmlns:a16="http://schemas.microsoft.com/office/drawing/2014/main" xmlns:p14="http://schemas.microsoft.com/office/powerpoint/2010/main" xmlns:a14="http://schemas.microsoft.com/office/drawing/2010/main" w="9525">
+                <a14:hiddenLine xmlns:a14="http://schemas.microsoft.com/office/drawing/2010/main" xmlns:p14="http://schemas.microsoft.com/office/powerpoint/2010/main" xmlns:a16="http://schemas.microsoft.com/office/drawing/2014/main" xmlns="" w="9525">
                   <a:solidFill>
                     <a:srgbClr val="000000"/>
                   </a:solidFill>
@@ -23551,7 +23910,7 @@
             </a:ln>
             <a:extLst>
               <a:ext uri="{91240B29-F687-4f45-9708-019B960494DF}">
-                <a14:hiddenLine xmlns="" xmlns:a16="http://schemas.microsoft.com/office/drawing/2014/main" xmlns:p14="http://schemas.microsoft.com/office/powerpoint/2010/main" xmlns:a14="http://schemas.microsoft.com/office/drawing/2010/main" w="9525">
+                <a14:hiddenLine xmlns:a14="http://schemas.microsoft.com/office/drawing/2010/main" xmlns:p14="http://schemas.microsoft.com/office/powerpoint/2010/main" xmlns:a16="http://schemas.microsoft.com/office/drawing/2014/main" xmlns="" w="9525">
                   <a:solidFill>
                     <a:srgbClr val="000000"/>
                   </a:solidFill>
@@ -23635,7 +23994,7 @@
             </a:ln>
             <a:extLst>
               <a:ext uri="{91240B29-F687-4f45-9708-019B960494DF}">
-                <a14:hiddenLine xmlns="" xmlns:a16="http://schemas.microsoft.com/office/drawing/2014/main" xmlns:p14="http://schemas.microsoft.com/office/powerpoint/2010/main" xmlns:a14="http://schemas.microsoft.com/office/drawing/2010/main" w="9525">
+                <a14:hiddenLine xmlns:a14="http://schemas.microsoft.com/office/drawing/2010/main" xmlns:p14="http://schemas.microsoft.com/office/powerpoint/2010/main" xmlns:a16="http://schemas.microsoft.com/office/drawing/2014/main" xmlns="" w="9525">
                   <a:solidFill>
                     <a:srgbClr val="000000"/>
                   </a:solidFill>
@@ -23747,7 +24106,7 @@
             </a:ln>
             <a:extLst>
               <a:ext uri="{91240B29-F687-4f45-9708-019B960494DF}">
-                <a14:hiddenLine xmlns="" xmlns:a16="http://schemas.microsoft.com/office/drawing/2014/main" xmlns:p14="http://schemas.microsoft.com/office/powerpoint/2010/main" xmlns:a14="http://schemas.microsoft.com/office/drawing/2010/main" w="9525">
+                <a14:hiddenLine xmlns:a14="http://schemas.microsoft.com/office/drawing/2010/main" xmlns:p14="http://schemas.microsoft.com/office/powerpoint/2010/main" xmlns:a16="http://schemas.microsoft.com/office/drawing/2014/main" xmlns="" w="9525">
                   <a:solidFill>
                     <a:srgbClr val="000000"/>
                   </a:solidFill>
@@ -23803,7 +24162,7 @@
             </a:ln>
             <a:extLst>
               <a:ext uri="{91240B29-F687-4f45-9708-019B960494DF}">
-                <a14:hiddenLine xmlns="" xmlns:a16="http://schemas.microsoft.com/office/drawing/2014/main" xmlns:p14="http://schemas.microsoft.com/office/powerpoint/2010/main" xmlns:a14="http://schemas.microsoft.com/office/drawing/2010/main" w="9525">
+                <a14:hiddenLine xmlns:a14="http://schemas.microsoft.com/office/drawing/2010/main" xmlns:p14="http://schemas.microsoft.com/office/powerpoint/2010/main" xmlns:a16="http://schemas.microsoft.com/office/drawing/2014/main" xmlns="" w="9525">
                   <a:solidFill>
                     <a:srgbClr val="000000"/>
                   </a:solidFill>
@@ -23890,7 +24249,7 @@
             </a:ln>
             <a:extLst>
               <a:ext uri="{91240B29-F687-4f45-9708-019B960494DF}">
-                <a14:hiddenLine xmlns="" xmlns:a16="http://schemas.microsoft.com/office/drawing/2014/main" xmlns:p14="http://schemas.microsoft.com/office/powerpoint/2010/main" xmlns:a14="http://schemas.microsoft.com/office/drawing/2010/main" w="9525">
+                <a14:hiddenLine xmlns:a14="http://schemas.microsoft.com/office/drawing/2010/main" xmlns:p14="http://schemas.microsoft.com/office/powerpoint/2010/main" xmlns:a16="http://schemas.microsoft.com/office/drawing/2014/main" xmlns="" w="9525">
                   <a:solidFill>
                     <a:srgbClr val="000000"/>
                   </a:solidFill>
@@ -24002,7 +24361,7 @@
             </a:ln>
             <a:extLst>
               <a:ext uri="{91240B29-F687-4f45-9708-019B960494DF}">
-                <a14:hiddenLine xmlns="" xmlns:a16="http://schemas.microsoft.com/office/drawing/2014/main" xmlns:p14="http://schemas.microsoft.com/office/powerpoint/2010/main" xmlns:a14="http://schemas.microsoft.com/office/drawing/2010/main" w="9525">
+                <a14:hiddenLine xmlns:a14="http://schemas.microsoft.com/office/drawing/2010/main" xmlns:p14="http://schemas.microsoft.com/office/powerpoint/2010/main" xmlns:a16="http://schemas.microsoft.com/office/drawing/2014/main" xmlns="" w="9525">
                   <a:solidFill>
                     <a:srgbClr val="000000"/>
                   </a:solidFill>
@@ -24086,7 +24445,7 @@
             </a:ln>
             <a:extLst>
               <a:ext uri="{91240B29-F687-4f45-9708-019B960494DF}">
-                <a14:hiddenLine xmlns="" xmlns:a16="http://schemas.microsoft.com/office/drawing/2014/main" xmlns:p14="http://schemas.microsoft.com/office/powerpoint/2010/main" xmlns:a14="http://schemas.microsoft.com/office/drawing/2010/main" w="9525">
+                <a14:hiddenLine xmlns:a14="http://schemas.microsoft.com/office/drawing/2010/main" xmlns:p14="http://schemas.microsoft.com/office/powerpoint/2010/main" xmlns:a16="http://schemas.microsoft.com/office/drawing/2014/main" xmlns="" w="9525">
                   <a:solidFill>
                     <a:srgbClr val="000000"/>
                   </a:solidFill>
@@ -24198,7 +24557,7 @@
             </a:ln>
             <a:extLst>
               <a:ext uri="{91240B29-F687-4f45-9708-019B960494DF}">
-                <a14:hiddenLine xmlns="" xmlns:a16="http://schemas.microsoft.com/office/drawing/2014/main" xmlns:p14="http://schemas.microsoft.com/office/powerpoint/2010/main" xmlns:a14="http://schemas.microsoft.com/office/drawing/2010/main" w="9525">
+                <a14:hiddenLine xmlns:a14="http://schemas.microsoft.com/office/drawing/2010/main" xmlns:p14="http://schemas.microsoft.com/office/powerpoint/2010/main" xmlns:a16="http://schemas.microsoft.com/office/drawing/2014/main" xmlns="" w="9525">
                   <a:solidFill>
                     <a:srgbClr val="000000"/>
                   </a:solidFill>
@@ -24285,7 +24644,7 @@
             </a:ln>
             <a:extLst>
               <a:ext uri="{91240B29-F687-4f45-9708-019B960494DF}">
-                <a14:hiddenLine xmlns="" xmlns:a16="http://schemas.microsoft.com/office/drawing/2014/main" xmlns:p14="http://schemas.microsoft.com/office/powerpoint/2010/main" xmlns:a14="http://schemas.microsoft.com/office/drawing/2010/main" w="9525">
+                <a14:hiddenLine xmlns:a14="http://schemas.microsoft.com/office/drawing/2010/main" xmlns:p14="http://schemas.microsoft.com/office/powerpoint/2010/main" xmlns:a16="http://schemas.microsoft.com/office/drawing/2014/main" xmlns="" w="9525">
                   <a:solidFill>
                     <a:srgbClr val="000000"/>
                   </a:solidFill>
@@ -24369,7 +24728,7 @@
             </a:ln>
             <a:extLst>
               <a:ext uri="{91240B29-F687-4f45-9708-019B960494DF}">
-                <a14:hiddenLine xmlns="" xmlns:a16="http://schemas.microsoft.com/office/drawing/2014/main" xmlns:p14="http://schemas.microsoft.com/office/powerpoint/2010/main" xmlns:a14="http://schemas.microsoft.com/office/drawing/2010/main" w="9525">
+                <a14:hiddenLine xmlns:a14="http://schemas.microsoft.com/office/drawing/2010/main" xmlns:p14="http://schemas.microsoft.com/office/powerpoint/2010/main" xmlns:a16="http://schemas.microsoft.com/office/drawing/2014/main" xmlns="" w="9525">
                   <a:solidFill>
                     <a:srgbClr val="000000"/>
                   </a:solidFill>
@@ -24481,7 +24840,7 @@
             </a:ln>
             <a:extLst>
               <a:ext uri="{91240B29-F687-4f45-9708-019B960494DF}">
-                <a14:hiddenLine xmlns="" xmlns:a16="http://schemas.microsoft.com/office/drawing/2014/main" xmlns:p14="http://schemas.microsoft.com/office/powerpoint/2010/main" xmlns:a14="http://schemas.microsoft.com/office/drawing/2010/main" w="9525">
+                <a14:hiddenLine xmlns:a14="http://schemas.microsoft.com/office/drawing/2010/main" xmlns:p14="http://schemas.microsoft.com/office/powerpoint/2010/main" xmlns:a16="http://schemas.microsoft.com/office/drawing/2014/main" xmlns="" w="9525">
                   <a:solidFill>
                     <a:srgbClr val="000000"/>
                   </a:solidFill>
@@ -24593,7 +24952,7 @@
             </a:ln>
             <a:extLst>
               <a:ext uri="{91240B29-F687-4f45-9708-019B960494DF}">
-                <a14:hiddenLine xmlns="" xmlns:a16="http://schemas.microsoft.com/office/drawing/2014/main" xmlns:p14="http://schemas.microsoft.com/office/powerpoint/2010/main" xmlns:a14="http://schemas.microsoft.com/office/drawing/2010/main" w="9525">
+                <a14:hiddenLine xmlns:a14="http://schemas.microsoft.com/office/drawing/2010/main" xmlns:p14="http://schemas.microsoft.com/office/powerpoint/2010/main" xmlns:a16="http://schemas.microsoft.com/office/drawing/2014/main" xmlns="" w="9525">
                   <a:solidFill>
                     <a:srgbClr val="000000"/>
                   </a:solidFill>
@@ -24680,7 +25039,7 @@
             </a:ln>
             <a:extLst>
               <a:ext uri="{91240B29-F687-4f45-9708-019B960494DF}">
-                <a14:hiddenLine xmlns="" xmlns:a16="http://schemas.microsoft.com/office/drawing/2014/main" xmlns:p14="http://schemas.microsoft.com/office/powerpoint/2010/main" xmlns:a14="http://schemas.microsoft.com/office/drawing/2010/main" w="9525">
+                <a14:hiddenLine xmlns:a14="http://schemas.microsoft.com/office/drawing/2010/main" xmlns:p14="http://schemas.microsoft.com/office/powerpoint/2010/main" xmlns:a16="http://schemas.microsoft.com/office/drawing/2014/main" xmlns="" w="9525">
                   <a:solidFill>
                     <a:srgbClr val="000000"/>
                   </a:solidFill>
@@ -24822,7 +25181,7 @@
             </a:ln>
             <a:extLst>
               <a:ext uri="{91240B29-F687-4f45-9708-019B960494DF}">
-                <a14:hiddenLine xmlns="" xmlns:a16="http://schemas.microsoft.com/office/drawing/2014/main" xmlns:p14="http://schemas.microsoft.com/office/powerpoint/2010/main" xmlns:a14="http://schemas.microsoft.com/office/drawing/2010/main" w="9525">
+                <a14:hiddenLine xmlns:a14="http://schemas.microsoft.com/office/drawing/2010/main" xmlns:p14="http://schemas.microsoft.com/office/powerpoint/2010/main" xmlns:a16="http://schemas.microsoft.com/office/drawing/2014/main" xmlns="" w="9525">
                   <a:solidFill>
                     <a:srgbClr val="000000"/>
                   </a:solidFill>
@@ -24967,8 +25326,8 @@
         </p:nvSpPr>
         <p:spPr>
           <a:xfrm>
-            <a:off x="4852016" y="1604094"/>
-            <a:ext cx="7113051" cy="3753645"/>
+            <a:off x="4852016" y="1975199"/>
+            <a:ext cx="7113051" cy="2687289"/>
           </a:xfrm>
         </p:spPr>
         <p:txBody>
@@ -25183,7 +25542,7 @@
             </a:ln>
             <a:extLst>
               <a:ext uri="{91240B29-F687-4f45-9708-019B960494DF}">
-                <a14:hiddenLine xmlns="" xmlns:a16="http://schemas.microsoft.com/office/drawing/2014/main" xmlns:p14="http://schemas.microsoft.com/office/powerpoint/2010/main" xmlns:a14="http://schemas.microsoft.com/office/drawing/2010/main" w="9525">
+                <a14:hiddenLine xmlns:a14="http://schemas.microsoft.com/office/drawing/2010/main" xmlns:p14="http://schemas.microsoft.com/office/powerpoint/2010/main" xmlns:a16="http://schemas.microsoft.com/office/drawing/2014/main" xmlns="" w="9525">
                   <a:solidFill>
                     <a:srgbClr val="000000"/>
                   </a:solidFill>
@@ -25295,7 +25654,7 @@
             </a:ln>
             <a:extLst>
               <a:ext uri="{91240B29-F687-4f45-9708-019B960494DF}">
-                <a14:hiddenLine xmlns="" xmlns:a16="http://schemas.microsoft.com/office/drawing/2014/main" xmlns:p14="http://schemas.microsoft.com/office/powerpoint/2010/main" xmlns:a14="http://schemas.microsoft.com/office/drawing/2010/main" w="9525">
+                <a14:hiddenLine xmlns:a14="http://schemas.microsoft.com/office/drawing/2010/main" xmlns:p14="http://schemas.microsoft.com/office/powerpoint/2010/main" xmlns:a16="http://schemas.microsoft.com/office/drawing/2014/main" xmlns="" w="9525">
                   <a:solidFill>
                     <a:srgbClr val="000000"/>
                   </a:solidFill>
@@ -25407,7 +25766,7 @@
             </a:ln>
             <a:extLst>
               <a:ext uri="{91240B29-F687-4f45-9708-019B960494DF}">
-                <a14:hiddenLine xmlns="" xmlns:a16="http://schemas.microsoft.com/office/drawing/2014/main" xmlns:p14="http://schemas.microsoft.com/office/powerpoint/2010/main" xmlns:a14="http://schemas.microsoft.com/office/drawing/2010/main" w="9525">
+                <a14:hiddenLine xmlns:a14="http://schemas.microsoft.com/office/drawing/2010/main" xmlns:p14="http://schemas.microsoft.com/office/powerpoint/2010/main" xmlns:a16="http://schemas.microsoft.com/office/drawing/2014/main" xmlns="" w="9525">
                   <a:solidFill>
                     <a:srgbClr val="000000"/>
                   </a:solidFill>
@@ -25491,7 +25850,7 @@
             </a:ln>
             <a:extLst>
               <a:ext uri="{91240B29-F687-4f45-9708-019B960494DF}">
-                <a14:hiddenLine xmlns="" xmlns:a16="http://schemas.microsoft.com/office/drawing/2014/main" xmlns:p14="http://schemas.microsoft.com/office/powerpoint/2010/main" xmlns:a14="http://schemas.microsoft.com/office/drawing/2010/main" w="9525">
+                <a14:hiddenLine xmlns:a14="http://schemas.microsoft.com/office/drawing/2010/main" xmlns:p14="http://schemas.microsoft.com/office/powerpoint/2010/main" xmlns:a16="http://schemas.microsoft.com/office/drawing/2014/main" xmlns="" w="9525">
                   <a:solidFill>
                     <a:srgbClr val="000000"/>
                   </a:solidFill>
@@ -25603,7 +25962,7 @@
             </a:ln>
             <a:extLst>
               <a:ext uri="{91240B29-F687-4f45-9708-019B960494DF}">
-                <a14:hiddenLine xmlns="" xmlns:a16="http://schemas.microsoft.com/office/drawing/2014/main" xmlns:p14="http://schemas.microsoft.com/office/powerpoint/2010/main" xmlns:a14="http://schemas.microsoft.com/office/drawing/2010/main" w="9525">
+                <a14:hiddenLine xmlns:a14="http://schemas.microsoft.com/office/drawing/2010/main" xmlns:p14="http://schemas.microsoft.com/office/powerpoint/2010/main" xmlns:a16="http://schemas.microsoft.com/office/drawing/2014/main" xmlns="" w="9525">
                   <a:solidFill>
                     <a:srgbClr val="000000"/>
                   </a:solidFill>
@@ -25687,7 +26046,7 @@
             </a:ln>
             <a:extLst>
               <a:ext uri="{91240B29-F687-4f45-9708-019B960494DF}">
-                <a14:hiddenLine xmlns="" xmlns:a16="http://schemas.microsoft.com/office/drawing/2014/main" xmlns:p14="http://schemas.microsoft.com/office/powerpoint/2010/main" xmlns:a14="http://schemas.microsoft.com/office/drawing/2010/main" w="9525">
+                <a14:hiddenLine xmlns:a14="http://schemas.microsoft.com/office/drawing/2010/main" xmlns:p14="http://schemas.microsoft.com/office/powerpoint/2010/main" xmlns:a16="http://schemas.microsoft.com/office/drawing/2014/main" xmlns="" w="9525">
                   <a:solidFill>
                     <a:srgbClr val="000000"/>
                   </a:solidFill>
@@ -25771,7 +26130,7 @@
             </a:ln>
             <a:extLst>
               <a:ext uri="{91240B29-F687-4f45-9708-019B960494DF}">
-                <a14:hiddenLine xmlns="" xmlns:a16="http://schemas.microsoft.com/office/drawing/2014/main" xmlns:p14="http://schemas.microsoft.com/office/powerpoint/2010/main" xmlns:a14="http://schemas.microsoft.com/office/drawing/2010/main" w="9525">
+                <a14:hiddenLine xmlns:a14="http://schemas.microsoft.com/office/drawing/2010/main" xmlns:p14="http://schemas.microsoft.com/office/powerpoint/2010/main" xmlns:a16="http://schemas.microsoft.com/office/drawing/2014/main" xmlns="" w="9525">
                   <a:solidFill>
                     <a:srgbClr val="000000"/>
                   </a:solidFill>
@@ -25883,7 +26242,7 @@
             </a:ln>
             <a:extLst>
               <a:ext uri="{91240B29-F687-4f45-9708-019B960494DF}">
-                <a14:hiddenLine xmlns="" xmlns:a16="http://schemas.microsoft.com/office/drawing/2014/main" xmlns:p14="http://schemas.microsoft.com/office/powerpoint/2010/main" xmlns:a14="http://schemas.microsoft.com/office/drawing/2010/main" w="9525">
+                <a14:hiddenLine xmlns:a14="http://schemas.microsoft.com/office/drawing/2010/main" xmlns:p14="http://schemas.microsoft.com/office/powerpoint/2010/main" xmlns:a16="http://schemas.microsoft.com/office/drawing/2014/main" xmlns="" w="9525">
                   <a:solidFill>
                     <a:srgbClr val="000000"/>
                   </a:solidFill>
@@ -25995,7 +26354,7 @@
             </a:ln>
             <a:extLst>
               <a:ext uri="{91240B29-F687-4f45-9708-019B960494DF}">
-                <a14:hiddenLine xmlns="" xmlns:a16="http://schemas.microsoft.com/office/drawing/2014/main" xmlns:p14="http://schemas.microsoft.com/office/powerpoint/2010/main" xmlns:a14="http://schemas.microsoft.com/office/drawing/2010/main" w="9525">
+                <a14:hiddenLine xmlns:a14="http://schemas.microsoft.com/office/drawing/2010/main" xmlns:p14="http://schemas.microsoft.com/office/powerpoint/2010/main" xmlns:a16="http://schemas.microsoft.com/office/drawing/2014/main" xmlns="" w="9525">
                   <a:solidFill>
                     <a:srgbClr val="000000"/>
                   </a:solidFill>
@@ -26079,7 +26438,7 @@
             </a:ln>
             <a:extLst>
               <a:ext uri="{91240B29-F687-4f45-9708-019B960494DF}">
-                <a14:hiddenLine xmlns="" xmlns:a16="http://schemas.microsoft.com/office/drawing/2014/main" xmlns:p14="http://schemas.microsoft.com/office/powerpoint/2010/main" xmlns:a14="http://schemas.microsoft.com/office/drawing/2010/main" w="9525">
+                <a14:hiddenLine xmlns:a14="http://schemas.microsoft.com/office/drawing/2010/main" xmlns:p14="http://schemas.microsoft.com/office/powerpoint/2010/main" xmlns:a16="http://schemas.microsoft.com/office/drawing/2014/main" xmlns="" w="9525">
                   <a:solidFill>
                     <a:srgbClr val="000000"/>
                   </a:solidFill>
@@ -26211,7 +26570,7 @@
             </a:ln>
             <a:extLst>
               <a:ext uri="{91240B29-F687-4f45-9708-019B960494DF}">
-                <a14:hiddenLine xmlns="" xmlns:a16="http://schemas.microsoft.com/office/drawing/2014/main" xmlns:p14="http://schemas.microsoft.com/office/powerpoint/2010/main" xmlns:a14="http://schemas.microsoft.com/office/drawing/2010/main" w="9525">
+                <a14:hiddenLine xmlns:a14="http://schemas.microsoft.com/office/drawing/2010/main" xmlns:p14="http://schemas.microsoft.com/office/powerpoint/2010/main" xmlns:a16="http://schemas.microsoft.com/office/drawing/2014/main" xmlns="" w="9525">
                   <a:solidFill>
                     <a:srgbClr val="000000"/>
                   </a:solidFill>
@@ -26339,7 +26698,7 @@
             </a:ln>
             <a:extLst>
               <a:ext uri="{91240B29-F687-4f45-9708-019B960494DF}">
-                <a14:hiddenLine xmlns="" xmlns:a16="http://schemas.microsoft.com/office/drawing/2014/main" xmlns:p14="http://schemas.microsoft.com/office/powerpoint/2010/main" xmlns:a14="http://schemas.microsoft.com/office/drawing/2010/main" w="9525">
+                <a14:hiddenLine xmlns:a14="http://schemas.microsoft.com/office/drawing/2010/main" xmlns:p14="http://schemas.microsoft.com/office/powerpoint/2010/main" xmlns:a16="http://schemas.microsoft.com/office/drawing/2014/main" xmlns="" w="9525">
                   <a:solidFill>
                     <a:srgbClr val="000000"/>
                   </a:solidFill>
@@ -26423,7 +26782,7 @@
             </a:ln>
             <a:extLst>
               <a:ext uri="{91240B29-F687-4f45-9708-019B960494DF}">
-                <a14:hiddenLine xmlns="" xmlns:a16="http://schemas.microsoft.com/office/drawing/2014/main" xmlns:p14="http://schemas.microsoft.com/office/powerpoint/2010/main" xmlns:a14="http://schemas.microsoft.com/office/drawing/2010/main" w="9525">
+                <a14:hiddenLine xmlns:a14="http://schemas.microsoft.com/office/drawing/2010/main" xmlns:p14="http://schemas.microsoft.com/office/powerpoint/2010/main" xmlns:a16="http://schemas.microsoft.com/office/drawing/2014/main" xmlns="" w="9525">
                   <a:solidFill>
                     <a:srgbClr val="000000"/>
                   </a:solidFill>
@@ -26507,7 +26866,7 @@
             </a:ln>
             <a:extLst>
               <a:ext uri="{91240B29-F687-4f45-9708-019B960494DF}">
-                <a14:hiddenLine xmlns="" xmlns:a16="http://schemas.microsoft.com/office/drawing/2014/main" xmlns:p14="http://schemas.microsoft.com/office/powerpoint/2010/main" xmlns:a14="http://schemas.microsoft.com/office/drawing/2010/main" w="9525">
+                <a14:hiddenLine xmlns:a14="http://schemas.microsoft.com/office/drawing/2010/main" xmlns:p14="http://schemas.microsoft.com/office/powerpoint/2010/main" xmlns:a16="http://schemas.microsoft.com/office/drawing/2014/main" xmlns="" w="9525">
                   <a:solidFill>
                     <a:srgbClr val="000000"/>
                   </a:solidFill>
@@ -26619,7 +26978,7 @@
             </a:ln>
             <a:extLst>
               <a:ext uri="{91240B29-F687-4f45-9708-019B960494DF}">
-                <a14:hiddenLine xmlns="" xmlns:a16="http://schemas.microsoft.com/office/drawing/2014/main" xmlns:p14="http://schemas.microsoft.com/office/powerpoint/2010/main" xmlns:a14="http://schemas.microsoft.com/office/drawing/2010/main" w="9525">
+                <a14:hiddenLine xmlns:a14="http://schemas.microsoft.com/office/drawing/2010/main" xmlns:p14="http://schemas.microsoft.com/office/powerpoint/2010/main" xmlns:a16="http://schemas.microsoft.com/office/drawing/2014/main" xmlns="" w="9525">
                   <a:solidFill>
                     <a:srgbClr val="000000"/>
                   </a:solidFill>
@@ -26675,7 +27034,7 @@
             </a:ln>
             <a:extLst>
               <a:ext uri="{91240B29-F687-4f45-9708-019B960494DF}">
-                <a14:hiddenLine xmlns="" xmlns:a16="http://schemas.microsoft.com/office/drawing/2014/main" xmlns:p14="http://schemas.microsoft.com/office/powerpoint/2010/main" xmlns:a14="http://schemas.microsoft.com/office/drawing/2010/main" w="9525">
+                <a14:hiddenLine xmlns:a14="http://schemas.microsoft.com/office/drawing/2010/main" xmlns:p14="http://schemas.microsoft.com/office/powerpoint/2010/main" xmlns:a16="http://schemas.microsoft.com/office/drawing/2014/main" xmlns="" w="9525">
                   <a:solidFill>
                     <a:srgbClr val="000000"/>
                   </a:solidFill>
@@ -26762,7 +27121,7 @@
             </a:ln>
             <a:extLst>
               <a:ext uri="{91240B29-F687-4f45-9708-019B960494DF}">
-                <a14:hiddenLine xmlns="" xmlns:a16="http://schemas.microsoft.com/office/drawing/2014/main" xmlns:p14="http://schemas.microsoft.com/office/powerpoint/2010/main" xmlns:a14="http://schemas.microsoft.com/office/drawing/2010/main" w="9525">
+                <a14:hiddenLine xmlns:a14="http://schemas.microsoft.com/office/drawing/2010/main" xmlns:p14="http://schemas.microsoft.com/office/powerpoint/2010/main" xmlns:a16="http://schemas.microsoft.com/office/drawing/2014/main" xmlns="" w="9525">
                   <a:solidFill>
                     <a:srgbClr val="000000"/>
                   </a:solidFill>
@@ -26874,7 +27233,7 @@
             </a:ln>
             <a:extLst>
               <a:ext uri="{91240B29-F687-4f45-9708-019B960494DF}">
-                <a14:hiddenLine xmlns="" xmlns:a16="http://schemas.microsoft.com/office/drawing/2014/main" xmlns:p14="http://schemas.microsoft.com/office/powerpoint/2010/main" xmlns:a14="http://schemas.microsoft.com/office/drawing/2010/main" w="9525">
+                <a14:hiddenLine xmlns:a14="http://schemas.microsoft.com/office/drawing/2010/main" xmlns:p14="http://schemas.microsoft.com/office/powerpoint/2010/main" xmlns:a16="http://schemas.microsoft.com/office/drawing/2014/main" xmlns="" w="9525">
                   <a:solidFill>
                     <a:srgbClr val="000000"/>
                   </a:solidFill>
@@ -26958,7 +27317,7 @@
             </a:ln>
             <a:extLst>
               <a:ext uri="{91240B29-F687-4f45-9708-019B960494DF}">
-                <a14:hiddenLine xmlns="" xmlns:a16="http://schemas.microsoft.com/office/drawing/2014/main" xmlns:p14="http://schemas.microsoft.com/office/powerpoint/2010/main" xmlns:a14="http://schemas.microsoft.com/office/drawing/2010/main" w="9525">
+                <a14:hiddenLine xmlns:a14="http://schemas.microsoft.com/office/drawing/2010/main" xmlns:p14="http://schemas.microsoft.com/office/powerpoint/2010/main" xmlns:a16="http://schemas.microsoft.com/office/drawing/2014/main" xmlns="" w="9525">
                   <a:solidFill>
                     <a:srgbClr val="000000"/>
                   </a:solidFill>
@@ -27070,7 +27429,7 @@
             </a:ln>
             <a:extLst>
               <a:ext uri="{91240B29-F687-4f45-9708-019B960494DF}">
-                <a14:hiddenLine xmlns="" xmlns:a16="http://schemas.microsoft.com/office/drawing/2014/main" xmlns:p14="http://schemas.microsoft.com/office/powerpoint/2010/main" xmlns:a14="http://schemas.microsoft.com/office/drawing/2010/main" w="9525">
+                <a14:hiddenLine xmlns:a14="http://schemas.microsoft.com/office/drawing/2010/main" xmlns:p14="http://schemas.microsoft.com/office/powerpoint/2010/main" xmlns:a16="http://schemas.microsoft.com/office/drawing/2014/main" xmlns="" w="9525">
                   <a:solidFill>
                     <a:srgbClr val="000000"/>
                   </a:solidFill>
@@ -27157,7 +27516,7 @@
             </a:ln>
             <a:extLst>
               <a:ext uri="{91240B29-F687-4f45-9708-019B960494DF}">
-                <a14:hiddenLine xmlns="" xmlns:a16="http://schemas.microsoft.com/office/drawing/2014/main" xmlns:p14="http://schemas.microsoft.com/office/powerpoint/2010/main" xmlns:a14="http://schemas.microsoft.com/office/drawing/2010/main" w="9525">
+                <a14:hiddenLine xmlns:a14="http://schemas.microsoft.com/office/drawing/2010/main" xmlns:p14="http://schemas.microsoft.com/office/powerpoint/2010/main" xmlns:a16="http://schemas.microsoft.com/office/drawing/2014/main" xmlns="" w="9525">
                   <a:solidFill>
                     <a:srgbClr val="000000"/>
                   </a:solidFill>
@@ -27241,7 +27600,7 @@
             </a:ln>
             <a:extLst>
               <a:ext uri="{91240B29-F687-4f45-9708-019B960494DF}">
-                <a14:hiddenLine xmlns="" xmlns:a16="http://schemas.microsoft.com/office/drawing/2014/main" xmlns:p14="http://schemas.microsoft.com/office/powerpoint/2010/main" xmlns:a14="http://schemas.microsoft.com/office/drawing/2010/main" w="9525">
+                <a14:hiddenLine xmlns:a14="http://schemas.microsoft.com/office/drawing/2010/main" xmlns:p14="http://schemas.microsoft.com/office/powerpoint/2010/main" xmlns:a16="http://schemas.microsoft.com/office/drawing/2014/main" xmlns="" w="9525">
                   <a:solidFill>
                     <a:srgbClr val="000000"/>
                   </a:solidFill>
@@ -27353,7 +27712,7 @@
             </a:ln>
             <a:extLst>
               <a:ext uri="{91240B29-F687-4f45-9708-019B960494DF}">
-                <a14:hiddenLine xmlns="" xmlns:a16="http://schemas.microsoft.com/office/drawing/2014/main" xmlns:p14="http://schemas.microsoft.com/office/powerpoint/2010/main" xmlns:a14="http://schemas.microsoft.com/office/drawing/2010/main" w="9525">
+                <a14:hiddenLine xmlns:a14="http://schemas.microsoft.com/office/drawing/2010/main" xmlns:p14="http://schemas.microsoft.com/office/powerpoint/2010/main" xmlns:a16="http://schemas.microsoft.com/office/drawing/2014/main" xmlns="" w="9525">
                   <a:solidFill>
                     <a:srgbClr val="000000"/>
                   </a:solidFill>
@@ -27465,7 +27824,7 @@
             </a:ln>
             <a:extLst>
               <a:ext uri="{91240B29-F687-4f45-9708-019B960494DF}">
-                <a14:hiddenLine xmlns="" xmlns:a16="http://schemas.microsoft.com/office/drawing/2014/main" xmlns:p14="http://schemas.microsoft.com/office/powerpoint/2010/main" xmlns:a14="http://schemas.microsoft.com/office/drawing/2010/main" w="9525">
+                <a14:hiddenLine xmlns:a14="http://schemas.microsoft.com/office/drawing/2010/main" xmlns:p14="http://schemas.microsoft.com/office/powerpoint/2010/main" xmlns:a16="http://schemas.microsoft.com/office/drawing/2014/main" xmlns="" w="9525">
                   <a:solidFill>
                     <a:srgbClr val="000000"/>
                   </a:solidFill>
@@ -27552,7 +27911,7 @@
             </a:ln>
             <a:extLst>
               <a:ext uri="{91240B29-F687-4f45-9708-019B960494DF}">
-                <a14:hiddenLine xmlns="" xmlns:a16="http://schemas.microsoft.com/office/drawing/2014/main" xmlns:p14="http://schemas.microsoft.com/office/powerpoint/2010/main" xmlns:a14="http://schemas.microsoft.com/office/drawing/2010/main" w="9525">
+                <a14:hiddenLine xmlns:a14="http://schemas.microsoft.com/office/drawing/2010/main" xmlns:p14="http://schemas.microsoft.com/office/powerpoint/2010/main" xmlns:a16="http://schemas.microsoft.com/office/drawing/2014/main" xmlns="" w="9525">
                   <a:solidFill>
                     <a:srgbClr val="000000"/>
                   </a:solidFill>
@@ -27694,7 +28053,7 @@
             </a:ln>
             <a:extLst>
               <a:ext uri="{91240B29-F687-4f45-9708-019B960494DF}">
-                <a14:hiddenLine xmlns="" xmlns:a16="http://schemas.microsoft.com/office/drawing/2014/main" xmlns:p14="http://schemas.microsoft.com/office/powerpoint/2010/main" xmlns:a14="http://schemas.microsoft.com/office/drawing/2010/main" w="9525">
+                <a14:hiddenLine xmlns:a14="http://schemas.microsoft.com/office/drawing/2010/main" xmlns:p14="http://schemas.microsoft.com/office/powerpoint/2010/main" xmlns:a16="http://schemas.microsoft.com/office/drawing/2014/main" xmlns="" w="9525">
                   <a:solidFill>
                     <a:srgbClr val="000000"/>
                   </a:solidFill>
@@ -27861,7 +28220,7 @@
                 <a:ea typeface="Calibri Light" panose="020F0302020204030204" pitchFamily="34" charset="0"/>
                 <a:cs typeface="Calibri Light" panose="020F0302020204030204" pitchFamily="34" charset="0"/>
               </a:rPr>
-              <a:t>We aim to use a more sparse reward scheme, specifically want to use curriculum based rewards, meaning that we start from a simple objective (e.g. pass the first line of walls) and build up to a more complex one (reach the coordinates on the other side of the arena) and balance this with an exploration bonus; to optimize the maze navigation time and smoothness we also plan to implement factorized rewards (collision avoidance, time to target).</a:t>
+              <a:t>We aim to use a more sparse reward scheme, specifically want to use goal sampling curriculum, meaning that we start from a simple objective (e.g. pass the first line of walls) and build up to a more complex one (reach the coordinates on the other side of the arena) and balance this with an exploration bonus; to optimize the maze navigation time and smoothness we also plan to implement factorized rewards (collision avoidance, time to target).</a:t>
             </a:r>
           </a:p>
           <a:p>
@@ -28058,7 +28417,7 @@
             </a:ln>
             <a:extLst>
               <a:ext uri="{91240B29-F687-4f45-9708-019B960494DF}">
-                <a14:hiddenLine xmlns="" xmlns:a16="http://schemas.microsoft.com/office/drawing/2014/main" xmlns:p14="http://schemas.microsoft.com/office/powerpoint/2010/main" xmlns:a14="http://schemas.microsoft.com/office/drawing/2010/main" w="9525">
+                <a14:hiddenLine xmlns:a14="http://schemas.microsoft.com/office/drawing/2010/main" xmlns:p14="http://schemas.microsoft.com/office/powerpoint/2010/main" xmlns:a16="http://schemas.microsoft.com/office/drawing/2014/main" xmlns="" w="9525">
                   <a:solidFill>
                     <a:srgbClr val="000000"/>
                   </a:solidFill>
@@ -28170,7 +28529,7 @@
             </a:ln>
             <a:extLst>
               <a:ext uri="{91240B29-F687-4f45-9708-019B960494DF}">
-                <a14:hiddenLine xmlns="" xmlns:a16="http://schemas.microsoft.com/office/drawing/2014/main" xmlns:p14="http://schemas.microsoft.com/office/powerpoint/2010/main" xmlns:a14="http://schemas.microsoft.com/office/drawing/2010/main" w="9525">
+                <a14:hiddenLine xmlns:a14="http://schemas.microsoft.com/office/drawing/2010/main" xmlns:p14="http://schemas.microsoft.com/office/powerpoint/2010/main" xmlns:a16="http://schemas.microsoft.com/office/drawing/2014/main" xmlns="" w="9525">
                   <a:solidFill>
                     <a:srgbClr val="000000"/>
                   </a:solidFill>
@@ -28282,7 +28641,7 @@
             </a:ln>
             <a:extLst>
               <a:ext uri="{91240B29-F687-4f45-9708-019B960494DF}">
-                <a14:hiddenLine xmlns="" xmlns:a16="http://schemas.microsoft.com/office/drawing/2014/main" xmlns:p14="http://schemas.microsoft.com/office/powerpoint/2010/main" xmlns:a14="http://schemas.microsoft.com/office/drawing/2010/main" w="9525">
+                <a14:hiddenLine xmlns:a14="http://schemas.microsoft.com/office/drawing/2010/main" xmlns:p14="http://schemas.microsoft.com/office/powerpoint/2010/main" xmlns:a16="http://schemas.microsoft.com/office/drawing/2014/main" xmlns="" w="9525">
                   <a:solidFill>
                     <a:srgbClr val="000000"/>
                   </a:solidFill>
@@ -28366,7 +28725,7 @@
             </a:ln>
             <a:extLst>
               <a:ext uri="{91240B29-F687-4f45-9708-019B960494DF}">
-                <a14:hiddenLine xmlns="" xmlns:a16="http://schemas.microsoft.com/office/drawing/2014/main" xmlns:p14="http://schemas.microsoft.com/office/powerpoint/2010/main" xmlns:a14="http://schemas.microsoft.com/office/drawing/2010/main" w="9525">
+                <a14:hiddenLine xmlns:a14="http://schemas.microsoft.com/office/drawing/2010/main" xmlns:p14="http://schemas.microsoft.com/office/powerpoint/2010/main" xmlns:a16="http://schemas.microsoft.com/office/drawing/2014/main" xmlns="" w="9525">
                   <a:solidFill>
                     <a:srgbClr val="000000"/>
                   </a:solidFill>
@@ -28478,7 +28837,7 @@
             </a:ln>
             <a:extLst>
               <a:ext uri="{91240B29-F687-4f45-9708-019B960494DF}">
-                <a14:hiddenLine xmlns="" xmlns:a16="http://schemas.microsoft.com/office/drawing/2014/main" xmlns:p14="http://schemas.microsoft.com/office/powerpoint/2010/main" xmlns:a14="http://schemas.microsoft.com/office/drawing/2010/main" w="9525">
+                <a14:hiddenLine xmlns:a14="http://schemas.microsoft.com/office/drawing/2010/main" xmlns:p14="http://schemas.microsoft.com/office/powerpoint/2010/main" xmlns:a16="http://schemas.microsoft.com/office/drawing/2014/main" xmlns="" w="9525">
                   <a:solidFill>
                     <a:srgbClr val="000000"/>
                   </a:solidFill>
@@ -28562,7 +28921,7 @@
             </a:ln>
             <a:extLst>
               <a:ext uri="{91240B29-F687-4f45-9708-019B960494DF}">
-                <a14:hiddenLine xmlns="" xmlns:a16="http://schemas.microsoft.com/office/drawing/2014/main" xmlns:p14="http://schemas.microsoft.com/office/powerpoint/2010/main" xmlns:a14="http://schemas.microsoft.com/office/drawing/2010/main" w="9525">
+                <a14:hiddenLine xmlns:a14="http://schemas.microsoft.com/office/drawing/2010/main" xmlns:p14="http://schemas.microsoft.com/office/powerpoint/2010/main" xmlns:a16="http://schemas.microsoft.com/office/drawing/2014/main" xmlns="" w="9525">
                   <a:solidFill>
                     <a:srgbClr val="000000"/>
                   </a:solidFill>
@@ -28646,7 +29005,7 @@
             </a:ln>
             <a:extLst>
               <a:ext uri="{91240B29-F687-4f45-9708-019B960494DF}">
-                <a14:hiddenLine xmlns="" xmlns:a16="http://schemas.microsoft.com/office/drawing/2014/main" xmlns:p14="http://schemas.microsoft.com/office/powerpoint/2010/main" xmlns:a14="http://schemas.microsoft.com/office/drawing/2010/main" w="9525">
+                <a14:hiddenLine xmlns:a14="http://schemas.microsoft.com/office/drawing/2010/main" xmlns:p14="http://schemas.microsoft.com/office/powerpoint/2010/main" xmlns:a16="http://schemas.microsoft.com/office/drawing/2014/main" xmlns="" w="9525">
                   <a:solidFill>
                     <a:srgbClr val="000000"/>
                   </a:solidFill>
@@ -28758,7 +29117,7 @@
             </a:ln>
             <a:extLst>
               <a:ext uri="{91240B29-F687-4f45-9708-019B960494DF}">
-                <a14:hiddenLine xmlns="" xmlns:a16="http://schemas.microsoft.com/office/drawing/2014/main" xmlns:p14="http://schemas.microsoft.com/office/powerpoint/2010/main" xmlns:a14="http://schemas.microsoft.com/office/drawing/2010/main" w="9525">
+                <a14:hiddenLine xmlns:a14="http://schemas.microsoft.com/office/drawing/2010/main" xmlns:p14="http://schemas.microsoft.com/office/powerpoint/2010/main" xmlns:a16="http://schemas.microsoft.com/office/drawing/2014/main" xmlns="" w="9525">
                   <a:solidFill>
                     <a:srgbClr val="000000"/>
                   </a:solidFill>
@@ -28870,7 +29229,7 @@
             </a:ln>
             <a:extLst>
               <a:ext uri="{91240B29-F687-4f45-9708-019B960494DF}">
-                <a14:hiddenLine xmlns="" xmlns:a16="http://schemas.microsoft.com/office/drawing/2014/main" xmlns:p14="http://schemas.microsoft.com/office/powerpoint/2010/main" xmlns:a14="http://schemas.microsoft.com/office/drawing/2010/main" w="9525">
+                <a14:hiddenLine xmlns:a14="http://schemas.microsoft.com/office/drawing/2010/main" xmlns:p14="http://schemas.microsoft.com/office/powerpoint/2010/main" xmlns:a16="http://schemas.microsoft.com/office/drawing/2014/main" xmlns="" w="9525">
                   <a:solidFill>
                     <a:srgbClr val="000000"/>
                   </a:solidFill>
@@ -28954,7 +29313,7 @@
             </a:ln>
             <a:extLst>
               <a:ext uri="{91240B29-F687-4f45-9708-019B960494DF}">
-                <a14:hiddenLine xmlns="" xmlns:a16="http://schemas.microsoft.com/office/drawing/2014/main" xmlns:p14="http://schemas.microsoft.com/office/powerpoint/2010/main" xmlns:a14="http://schemas.microsoft.com/office/drawing/2010/main" w="9525">
+                <a14:hiddenLine xmlns:a14="http://schemas.microsoft.com/office/drawing/2010/main" xmlns:p14="http://schemas.microsoft.com/office/powerpoint/2010/main" xmlns:a16="http://schemas.microsoft.com/office/drawing/2014/main" xmlns="" w="9525">
                   <a:solidFill>
                     <a:srgbClr val="000000"/>
                   </a:solidFill>
@@ -29086,7 +29445,7 @@
             </a:ln>
             <a:extLst>
               <a:ext uri="{91240B29-F687-4f45-9708-019B960494DF}">
-                <a14:hiddenLine xmlns="" xmlns:a16="http://schemas.microsoft.com/office/drawing/2014/main" xmlns:p14="http://schemas.microsoft.com/office/powerpoint/2010/main" xmlns:a14="http://schemas.microsoft.com/office/drawing/2010/main" w="9525">
+                <a14:hiddenLine xmlns:a14="http://schemas.microsoft.com/office/drawing/2010/main" xmlns:p14="http://schemas.microsoft.com/office/powerpoint/2010/main" xmlns:a16="http://schemas.microsoft.com/office/drawing/2014/main" xmlns="" w="9525">
                   <a:solidFill>
                     <a:srgbClr val="000000"/>
                   </a:solidFill>
@@ -29214,7 +29573,7 @@
             </a:ln>
             <a:extLst>
               <a:ext uri="{91240B29-F687-4f45-9708-019B960494DF}">
-                <a14:hiddenLine xmlns="" xmlns:a16="http://schemas.microsoft.com/office/drawing/2014/main" xmlns:p14="http://schemas.microsoft.com/office/powerpoint/2010/main" xmlns:a14="http://schemas.microsoft.com/office/drawing/2010/main" w="9525">
+                <a14:hiddenLine xmlns:a14="http://schemas.microsoft.com/office/drawing/2010/main" xmlns:p14="http://schemas.microsoft.com/office/powerpoint/2010/main" xmlns:a16="http://schemas.microsoft.com/office/drawing/2014/main" xmlns="" w="9525">
                   <a:solidFill>
                     <a:srgbClr val="000000"/>
                   </a:solidFill>
@@ -29298,7 +29657,7 @@
             </a:ln>
             <a:extLst>
               <a:ext uri="{91240B29-F687-4f45-9708-019B960494DF}">
-                <a14:hiddenLine xmlns="" xmlns:a16="http://schemas.microsoft.com/office/drawing/2014/main" xmlns:p14="http://schemas.microsoft.com/office/powerpoint/2010/main" xmlns:a14="http://schemas.microsoft.com/office/drawing/2010/main" w="9525">
+                <a14:hiddenLine xmlns:a14="http://schemas.microsoft.com/office/drawing/2010/main" xmlns:p14="http://schemas.microsoft.com/office/powerpoint/2010/main" xmlns:a16="http://schemas.microsoft.com/office/drawing/2014/main" xmlns="" w="9525">
                   <a:solidFill>
                     <a:srgbClr val="000000"/>
                   </a:solidFill>
@@ -29382,7 +29741,7 @@
             </a:ln>
             <a:extLst>
               <a:ext uri="{91240B29-F687-4f45-9708-019B960494DF}">
-                <a14:hiddenLine xmlns="" xmlns:a16="http://schemas.microsoft.com/office/drawing/2014/main" xmlns:p14="http://schemas.microsoft.com/office/powerpoint/2010/main" xmlns:a14="http://schemas.microsoft.com/office/drawing/2010/main" w="9525">
+                <a14:hiddenLine xmlns:a14="http://schemas.microsoft.com/office/drawing/2010/main" xmlns:p14="http://schemas.microsoft.com/office/powerpoint/2010/main" xmlns:a16="http://schemas.microsoft.com/office/drawing/2014/main" xmlns="" w="9525">
                   <a:solidFill>
                     <a:srgbClr val="000000"/>
                   </a:solidFill>
@@ -29494,7 +29853,7 @@
             </a:ln>
             <a:extLst>
               <a:ext uri="{91240B29-F687-4f45-9708-019B960494DF}">
-                <a14:hiddenLine xmlns="" xmlns:a16="http://schemas.microsoft.com/office/drawing/2014/main" xmlns:p14="http://schemas.microsoft.com/office/powerpoint/2010/main" xmlns:a14="http://schemas.microsoft.com/office/drawing/2010/main" w="9525">
+                <a14:hiddenLine xmlns:a14="http://schemas.microsoft.com/office/drawing/2010/main" xmlns:p14="http://schemas.microsoft.com/office/powerpoint/2010/main" xmlns:a16="http://schemas.microsoft.com/office/drawing/2014/main" xmlns="" w="9525">
                   <a:solidFill>
                     <a:srgbClr val="000000"/>
                   </a:solidFill>
@@ -29550,7 +29909,7 @@
             </a:ln>
             <a:extLst>
               <a:ext uri="{91240B29-F687-4f45-9708-019B960494DF}">
-                <a14:hiddenLine xmlns="" xmlns:a16="http://schemas.microsoft.com/office/drawing/2014/main" xmlns:p14="http://schemas.microsoft.com/office/powerpoint/2010/main" xmlns:a14="http://schemas.microsoft.com/office/drawing/2010/main" w="9525">
+                <a14:hiddenLine xmlns:a14="http://schemas.microsoft.com/office/drawing/2010/main" xmlns:p14="http://schemas.microsoft.com/office/powerpoint/2010/main" xmlns:a16="http://schemas.microsoft.com/office/drawing/2014/main" xmlns="" w="9525">
                   <a:solidFill>
                     <a:srgbClr val="000000"/>
                   </a:solidFill>
@@ -29637,7 +29996,7 @@
             </a:ln>
             <a:extLst>
               <a:ext uri="{91240B29-F687-4f45-9708-019B960494DF}">
-                <a14:hiddenLine xmlns="" xmlns:a16="http://schemas.microsoft.com/office/drawing/2014/main" xmlns:p14="http://schemas.microsoft.com/office/powerpoint/2010/main" xmlns:a14="http://schemas.microsoft.com/office/drawing/2010/main" w="9525">
+                <a14:hiddenLine xmlns:a14="http://schemas.microsoft.com/office/drawing/2010/main" xmlns:p14="http://schemas.microsoft.com/office/powerpoint/2010/main" xmlns:a16="http://schemas.microsoft.com/office/drawing/2014/main" xmlns="" w="9525">
                   <a:solidFill>
                     <a:srgbClr val="000000"/>
                   </a:solidFill>
@@ -29749,7 +30108,7 @@
             </a:ln>
             <a:extLst>
               <a:ext uri="{91240B29-F687-4f45-9708-019B960494DF}">
-                <a14:hiddenLine xmlns="" xmlns:a16="http://schemas.microsoft.com/office/drawing/2014/main" xmlns:p14="http://schemas.microsoft.com/office/powerpoint/2010/main" xmlns:a14="http://schemas.microsoft.com/office/drawing/2010/main" w="9525">
+                <a14:hiddenLine xmlns:a14="http://schemas.microsoft.com/office/drawing/2010/main" xmlns:p14="http://schemas.microsoft.com/office/powerpoint/2010/main" xmlns:a16="http://schemas.microsoft.com/office/drawing/2014/main" xmlns="" w="9525">
                   <a:solidFill>
                     <a:srgbClr val="000000"/>
                   </a:solidFill>
@@ -29833,7 +30192,7 @@
             </a:ln>
             <a:extLst>
               <a:ext uri="{91240B29-F687-4f45-9708-019B960494DF}">
-                <a14:hiddenLine xmlns="" xmlns:a16="http://schemas.microsoft.com/office/drawing/2014/main" xmlns:p14="http://schemas.microsoft.com/office/powerpoint/2010/main" xmlns:a14="http://schemas.microsoft.com/office/drawing/2010/main" w="9525">
+                <a14:hiddenLine xmlns:a14="http://schemas.microsoft.com/office/drawing/2010/main" xmlns:p14="http://schemas.microsoft.com/office/powerpoint/2010/main" xmlns:a16="http://schemas.microsoft.com/office/drawing/2014/main" xmlns="" w="9525">
                   <a:solidFill>
                     <a:srgbClr val="000000"/>
                   </a:solidFill>
@@ -29945,7 +30304,7 @@
             </a:ln>
             <a:extLst>
               <a:ext uri="{91240B29-F687-4f45-9708-019B960494DF}">
-                <a14:hiddenLine xmlns="" xmlns:a16="http://schemas.microsoft.com/office/drawing/2014/main" xmlns:p14="http://schemas.microsoft.com/office/powerpoint/2010/main" xmlns:a14="http://schemas.microsoft.com/office/drawing/2010/main" w="9525">
+                <a14:hiddenLine xmlns:a14="http://schemas.microsoft.com/office/drawing/2010/main" xmlns:p14="http://schemas.microsoft.com/office/powerpoint/2010/main" xmlns:a16="http://schemas.microsoft.com/office/drawing/2014/main" xmlns="" w="9525">
                   <a:solidFill>
                     <a:srgbClr val="000000"/>
                   </a:solidFill>
@@ -30032,7 +30391,7 @@
             </a:ln>
             <a:extLst>
               <a:ext uri="{91240B29-F687-4f45-9708-019B960494DF}">
-                <a14:hiddenLine xmlns="" xmlns:a16="http://schemas.microsoft.com/office/drawing/2014/main" xmlns:p14="http://schemas.microsoft.com/office/powerpoint/2010/main" xmlns:a14="http://schemas.microsoft.com/office/drawing/2010/main" w="9525">
+                <a14:hiddenLine xmlns:a14="http://schemas.microsoft.com/office/drawing/2010/main" xmlns:p14="http://schemas.microsoft.com/office/powerpoint/2010/main" xmlns:a16="http://schemas.microsoft.com/office/drawing/2014/main" xmlns="" w="9525">
                   <a:solidFill>
                     <a:srgbClr val="000000"/>
                   </a:solidFill>
@@ -30116,7 +30475,7 @@
             </a:ln>
             <a:extLst>
               <a:ext uri="{91240B29-F687-4f45-9708-019B960494DF}">
-                <a14:hiddenLine xmlns="" xmlns:a16="http://schemas.microsoft.com/office/drawing/2014/main" xmlns:p14="http://schemas.microsoft.com/office/powerpoint/2010/main" xmlns:a14="http://schemas.microsoft.com/office/drawing/2010/main" w="9525">
+                <a14:hiddenLine xmlns:a14="http://schemas.microsoft.com/office/drawing/2010/main" xmlns:p14="http://schemas.microsoft.com/office/powerpoint/2010/main" xmlns:a16="http://schemas.microsoft.com/office/drawing/2014/main" xmlns="" w="9525">
                   <a:solidFill>
                     <a:srgbClr val="000000"/>
                   </a:solidFill>
@@ -30228,7 +30587,7 @@
             </a:ln>
             <a:extLst>
               <a:ext uri="{91240B29-F687-4f45-9708-019B960494DF}">
-                <a14:hiddenLine xmlns="" xmlns:a16="http://schemas.microsoft.com/office/drawing/2014/main" xmlns:p14="http://schemas.microsoft.com/office/powerpoint/2010/main" xmlns:a14="http://schemas.microsoft.com/office/drawing/2010/main" w="9525">
+                <a14:hiddenLine xmlns:a14="http://schemas.microsoft.com/office/drawing/2010/main" xmlns:p14="http://schemas.microsoft.com/office/powerpoint/2010/main" xmlns:a16="http://schemas.microsoft.com/office/drawing/2014/main" xmlns="" w="9525">
                   <a:solidFill>
                     <a:srgbClr val="000000"/>
                   </a:solidFill>
@@ -30340,7 +30699,7 @@
             </a:ln>
             <a:extLst>
               <a:ext uri="{91240B29-F687-4f45-9708-019B960494DF}">
-                <a14:hiddenLine xmlns="" xmlns:a16="http://schemas.microsoft.com/office/drawing/2014/main" xmlns:p14="http://schemas.microsoft.com/office/powerpoint/2010/main" xmlns:a14="http://schemas.microsoft.com/office/drawing/2010/main" w="9525">
+                <a14:hiddenLine xmlns:a14="http://schemas.microsoft.com/office/drawing/2010/main" xmlns:p14="http://schemas.microsoft.com/office/powerpoint/2010/main" xmlns:a16="http://schemas.microsoft.com/office/drawing/2014/main" xmlns="" w="9525">
                   <a:solidFill>
                     <a:srgbClr val="000000"/>
                   </a:solidFill>
@@ -30427,7 +30786,7 @@
             </a:ln>
             <a:extLst>
               <a:ext uri="{91240B29-F687-4f45-9708-019B960494DF}">
-                <a14:hiddenLine xmlns="" xmlns:a16="http://schemas.microsoft.com/office/drawing/2014/main" xmlns:p14="http://schemas.microsoft.com/office/powerpoint/2010/main" xmlns:a14="http://schemas.microsoft.com/office/drawing/2010/main" w="9525">
+                <a14:hiddenLine xmlns:a14="http://schemas.microsoft.com/office/drawing/2010/main" xmlns:p14="http://schemas.microsoft.com/office/powerpoint/2010/main" xmlns:a16="http://schemas.microsoft.com/office/drawing/2014/main" xmlns="" w="9525">
                   <a:solidFill>
                     <a:srgbClr val="000000"/>
                   </a:solidFill>
@@ -30569,7 +30928,7 @@
             </a:ln>
             <a:extLst>
               <a:ext uri="{91240B29-F687-4f45-9708-019B960494DF}">
-                <a14:hiddenLine xmlns="" xmlns:a16="http://schemas.microsoft.com/office/drawing/2014/main" xmlns:p14="http://schemas.microsoft.com/office/powerpoint/2010/main" xmlns:a14="http://schemas.microsoft.com/office/drawing/2010/main" w="9525">
+                <a14:hiddenLine xmlns:a14="http://schemas.microsoft.com/office/drawing/2010/main" xmlns:p14="http://schemas.microsoft.com/office/powerpoint/2010/main" xmlns:a16="http://schemas.microsoft.com/office/drawing/2014/main" xmlns="" w="9525">
                   <a:solidFill>
                     <a:srgbClr val="000000"/>
                   </a:solidFill>
@@ -30740,12 +31099,12 @@
               <a:t>Also, choosing a good network architecture is pivital in ensuring the best outcome for the training so we plan to explore </a:t>
             </a:r>
             <a:r>
-              <a:rPr lang="it-IT">
+              <a:rPr lang="it-IT" dirty="0" err="1">
                 <a:latin typeface="Calibri Light" panose="020F0302020204030204" pitchFamily="34" charset="0"/>
                 <a:ea typeface="Calibri Light" panose="020F0302020204030204" pitchFamily="34" charset="0"/>
                 <a:cs typeface="Calibri Light" panose="020F0302020204030204" pitchFamily="34" charset="0"/>
               </a:rPr>
-              <a:t>different types (</a:t>
+              <a:t>different</a:t>
             </a:r>
             <a:r>
               <a:rPr lang="it-IT" dirty="0">
@@ -30753,7 +31112,23 @@
                 <a:ea typeface="Calibri Light" panose="020F0302020204030204" pitchFamily="34" charset="0"/>
                 <a:cs typeface="Calibri Light" panose="020F0302020204030204" pitchFamily="34" charset="0"/>
               </a:rPr>
-              <a:t>e.g. Fully connected, Residual, RNN) to find the best suited one for our goals.</a:t>
+              <a:t> </a:t>
+            </a:r>
+            <a:r>
+              <a:rPr lang="it-IT" dirty="0" err="1">
+                <a:latin typeface="Calibri Light" panose="020F0302020204030204" pitchFamily="34" charset="0"/>
+                <a:ea typeface="Calibri Light" panose="020F0302020204030204" pitchFamily="34" charset="0"/>
+                <a:cs typeface="Calibri Light" panose="020F0302020204030204" pitchFamily="34" charset="0"/>
+              </a:rPr>
+              <a:t>types</a:t>
+            </a:r>
+            <a:r>
+              <a:rPr lang="it-IT" dirty="0">
+                <a:latin typeface="Calibri Light" panose="020F0302020204030204" pitchFamily="34" charset="0"/>
+                <a:ea typeface="Calibri Light" panose="020F0302020204030204" pitchFamily="34" charset="0"/>
+                <a:cs typeface="Calibri Light" panose="020F0302020204030204" pitchFamily="34" charset="0"/>
+              </a:rPr>
+              <a:t> (e.g. Fully connected, Residual, RNN) to find the best suited one for our goals.</a:t>
             </a:r>
           </a:p>
         </p:txBody>
@@ -30937,7 +31312,7 @@
             </a:ln>
             <a:extLst>
               <a:ext uri="{91240B29-F687-4f45-9708-019B960494DF}">
-                <a14:hiddenLine xmlns="" xmlns:a16="http://schemas.microsoft.com/office/drawing/2014/main" xmlns:p14="http://schemas.microsoft.com/office/powerpoint/2010/main" xmlns:a14="http://schemas.microsoft.com/office/drawing/2010/main" w="9525">
+                <a14:hiddenLine xmlns:a14="http://schemas.microsoft.com/office/drawing/2010/main" xmlns:p14="http://schemas.microsoft.com/office/powerpoint/2010/main" xmlns:a16="http://schemas.microsoft.com/office/drawing/2014/main" xmlns="" w="9525">
                   <a:solidFill>
                     <a:srgbClr val="000000"/>
                   </a:solidFill>
@@ -31049,7 +31424,7 @@
             </a:ln>
             <a:extLst>
               <a:ext uri="{91240B29-F687-4f45-9708-019B960494DF}">
-                <a14:hiddenLine xmlns="" xmlns:a16="http://schemas.microsoft.com/office/drawing/2014/main" xmlns:p14="http://schemas.microsoft.com/office/powerpoint/2010/main" xmlns:a14="http://schemas.microsoft.com/office/drawing/2010/main" w="9525">
+                <a14:hiddenLine xmlns:a14="http://schemas.microsoft.com/office/drawing/2010/main" xmlns:p14="http://schemas.microsoft.com/office/powerpoint/2010/main" xmlns:a16="http://schemas.microsoft.com/office/drawing/2014/main" xmlns="" w="9525">
                   <a:solidFill>
                     <a:srgbClr val="000000"/>
                   </a:solidFill>
@@ -31161,7 +31536,7 @@
             </a:ln>
             <a:extLst>
               <a:ext uri="{91240B29-F687-4f45-9708-019B960494DF}">
-                <a14:hiddenLine xmlns="" xmlns:a16="http://schemas.microsoft.com/office/drawing/2014/main" xmlns:p14="http://schemas.microsoft.com/office/powerpoint/2010/main" xmlns:a14="http://schemas.microsoft.com/office/drawing/2010/main" w="9525">
+                <a14:hiddenLine xmlns:a14="http://schemas.microsoft.com/office/drawing/2010/main" xmlns:p14="http://schemas.microsoft.com/office/powerpoint/2010/main" xmlns:a16="http://schemas.microsoft.com/office/drawing/2014/main" xmlns="" w="9525">
                   <a:solidFill>
                     <a:srgbClr val="000000"/>
                   </a:solidFill>
@@ -31245,7 +31620,7 @@
             </a:ln>
             <a:extLst>
               <a:ext uri="{91240B29-F687-4f45-9708-019B960494DF}">
-                <a14:hiddenLine xmlns="" xmlns:a16="http://schemas.microsoft.com/office/drawing/2014/main" xmlns:p14="http://schemas.microsoft.com/office/powerpoint/2010/main" xmlns:a14="http://schemas.microsoft.com/office/drawing/2010/main" w="9525">
+                <a14:hiddenLine xmlns:a14="http://schemas.microsoft.com/office/drawing/2010/main" xmlns:p14="http://schemas.microsoft.com/office/powerpoint/2010/main" xmlns:a16="http://schemas.microsoft.com/office/drawing/2014/main" xmlns="" w="9525">
                   <a:solidFill>
                     <a:srgbClr val="000000"/>
                   </a:solidFill>
@@ -31357,7 +31732,7 @@
             </a:ln>
             <a:extLst>
               <a:ext uri="{91240B29-F687-4f45-9708-019B960494DF}">
-                <a14:hiddenLine xmlns="" xmlns:a16="http://schemas.microsoft.com/office/drawing/2014/main" xmlns:p14="http://schemas.microsoft.com/office/powerpoint/2010/main" xmlns:a14="http://schemas.microsoft.com/office/drawing/2010/main" w="9525">
+                <a14:hiddenLine xmlns:a14="http://schemas.microsoft.com/office/drawing/2010/main" xmlns:p14="http://schemas.microsoft.com/office/powerpoint/2010/main" xmlns:a16="http://schemas.microsoft.com/office/drawing/2014/main" xmlns="" w="9525">
                   <a:solidFill>
                     <a:srgbClr val="000000"/>
                   </a:solidFill>
@@ -31441,7 +31816,7 @@
             </a:ln>
             <a:extLst>
               <a:ext uri="{91240B29-F687-4f45-9708-019B960494DF}">
-                <a14:hiddenLine xmlns="" xmlns:a16="http://schemas.microsoft.com/office/drawing/2014/main" xmlns:p14="http://schemas.microsoft.com/office/powerpoint/2010/main" xmlns:a14="http://schemas.microsoft.com/office/drawing/2010/main" w="9525">
+                <a14:hiddenLine xmlns:a14="http://schemas.microsoft.com/office/drawing/2010/main" xmlns:p14="http://schemas.microsoft.com/office/powerpoint/2010/main" xmlns:a16="http://schemas.microsoft.com/office/drawing/2014/main" xmlns="" w="9525">
                   <a:solidFill>
                     <a:srgbClr val="000000"/>
                   </a:solidFill>
@@ -31525,7 +31900,7 @@
             </a:ln>
             <a:extLst>
               <a:ext uri="{91240B29-F687-4f45-9708-019B960494DF}">
-                <a14:hiddenLine xmlns="" xmlns:a16="http://schemas.microsoft.com/office/drawing/2014/main" xmlns:p14="http://schemas.microsoft.com/office/powerpoint/2010/main" xmlns:a14="http://schemas.microsoft.com/office/drawing/2010/main" w="9525">
+                <a14:hiddenLine xmlns:a14="http://schemas.microsoft.com/office/drawing/2010/main" xmlns:p14="http://schemas.microsoft.com/office/powerpoint/2010/main" xmlns:a16="http://schemas.microsoft.com/office/drawing/2014/main" xmlns="" w="9525">
                   <a:solidFill>
                     <a:srgbClr val="000000"/>
                   </a:solidFill>
@@ -31637,7 +32012,7 @@
             </a:ln>
             <a:extLst>
               <a:ext uri="{91240B29-F687-4f45-9708-019B960494DF}">
-                <a14:hiddenLine xmlns="" xmlns:a16="http://schemas.microsoft.com/office/drawing/2014/main" xmlns:p14="http://schemas.microsoft.com/office/powerpoint/2010/main" xmlns:a14="http://schemas.microsoft.com/office/drawing/2010/main" w="9525">
+                <a14:hiddenLine xmlns:a14="http://schemas.microsoft.com/office/drawing/2010/main" xmlns:p14="http://schemas.microsoft.com/office/powerpoint/2010/main" xmlns:a16="http://schemas.microsoft.com/office/drawing/2014/main" xmlns="" w="9525">
                   <a:solidFill>
                     <a:srgbClr val="000000"/>
                   </a:solidFill>
@@ -31749,7 +32124,7 @@
             </a:ln>
             <a:extLst>
               <a:ext uri="{91240B29-F687-4f45-9708-019B960494DF}">
-                <a14:hiddenLine xmlns="" xmlns:a16="http://schemas.microsoft.com/office/drawing/2014/main" xmlns:p14="http://schemas.microsoft.com/office/powerpoint/2010/main" xmlns:a14="http://schemas.microsoft.com/office/drawing/2010/main" w="9525">
+                <a14:hiddenLine xmlns:a14="http://schemas.microsoft.com/office/drawing/2010/main" xmlns:p14="http://schemas.microsoft.com/office/powerpoint/2010/main" xmlns:a16="http://schemas.microsoft.com/office/drawing/2014/main" xmlns="" w="9525">
                   <a:solidFill>
                     <a:srgbClr val="000000"/>
                   </a:solidFill>
@@ -31833,7 +32208,7 @@
             </a:ln>
             <a:extLst>
               <a:ext uri="{91240B29-F687-4f45-9708-019B960494DF}">
-                <a14:hiddenLine xmlns="" xmlns:a16="http://schemas.microsoft.com/office/drawing/2014/main" xmlns:p14="http://schemas.microsoft.com/office/powerpoint/2010/main" xmlns:a14="http://schemas.microsoft.com/office/drawing/2010/main" w="9525">
+                <a14:hiddenLine xmlns:a14="http://schemas.microsoft.com/office/drawing/2010/main" xmlns:p14="http://schemas.microsoft.com/office/powerpoint/2010/main" xmlns:a16="http://schemas.microsoft.com/office/drawing/2014/main" xmlns="" w="9525">
                   <a:solidFill>
                     <a:srgbClr val="000000"/>
                   </a:solidFill>
@@ -31965,7 +32340,7 @@
             </a:ln>
             <a:extLst>
               <a:ext uri="{91240B29-F687-4f45-9708-019B960494DF}">
-                <a14:hiddenLine xmlns="" xmlns:a16="http://schemas.microsoft.com/office/drawing/2014/main" xmlns:p14="http://schemas.microsoft.com/office/powerpoint/2010/main" xmlns:a14="http://schemas.microsoft.com/office/drawing/2010/main" w="9525">
+                <a14:hiddenLine xmlns:a14="http://schemas.microsoft.com/office/drawing/2010/main" xmlns:p14="http://schemas.microsoft.com/office/powerpoint/2010/main" xmlns:a16="http://schemas.microsoft.com/office/drawing/2014/main" xmlns="" w="9525">
                   <a:solidFill>
                     <a:srgbClr val="000000"/>
                   </a:solidFill>
@@ -32093,7 +32468,7 @@
             </a:ln>
             <a:extLst>
               <a:ext uri="{91240B29-F687-4f45-9708-019B960494DF}">
-                <a14:hiddenLine xmlns="" xmlns:a16="http://schemas.microsoft.com/office/drawing/2014/main" xmlns:p14="http://schemas.microsoft.com/office/powerpoint/2010/main" xmlns:a14="http://schemas.microsoft.com/office/drawing/2010/main" w="9525">
+                <a14:hiddenLine xmlns:a14="http://schemas.microsoft.com/office/drawing/2010/main" xmlns:p14="http://schemas.microsoft.com/office/powerpoint/2010/main" xmlns:a16="http://schemas.microsoft.com/office/drawing/2014/main" xmlns="" w="9525">
                   <a:solidFill>
                     <a:srgbClr val="000000"/>
                   </a:solidFill>
@@ -32177,7 +32552,7 @@
             </a:ln>
             <a:extLst>
               <a:ext uri="{91240B29-F687-4f45-9708-019B960494DF}">
-                <a14:hiddenLine xmlns="" xmlns:a16="http://schemas.microsoft.com/office/drawing/2014/main" xmlns:p14="http://schemas.microsoft.com/office/powerpoint/2010/main" xmlns:a14="http://schemas.microsoft.com/office/drawing/2010/main" w="9525">
+                <a14:hiddenLine xmlns:a14="http://schemas.microsoft.com/office/drawing/2010/main" xmlns:p14="http://schemas.microsoft.com/office/powerpoint/2010/main" xmlns:a16="http://schemas.microsoft.com/office/drawing/2014/main" xmlns="" w="9525">
                   <a:solidFill>
                     <a:srgbClr val="000000"/>
                   </a:solidFill>
@@ -32261,7 +32636,7 @@
             </a:ln>
             <a:extLst>
               <a:ext uri="{91240B29-F687-4f45-9708-019B960494DF}">
-                <a14:hiddenLine xmlns="" xmlns:a16="http://schemas.microsoft.com/office/drawing/2014/main" xmlns:p14="http://schemas.microsoft.com/office/powerpoint/2010/main" xmlns:a14="http://schemas.microsoft.com/office/drawing/2010/main" w="9525">
+                <a14:hiddenLine xmlns:a14="http://schemas.microsoft.com/office/drawing/2010/main" xmlns:p14="http://schemas.microsoft.com/office/powerpoint/2010/main" xmlns:a16="http://schemas.microsoft.com/office/drawing/2014/main" xmlns="" w="9525">
                   <a:solidFill>
                     <a:srgbClr val="000000"/>
                   </a:solidFill>
@@ -32373,7 +32748,7 @@
             </a:ln>
             <a:extLst>
               <a:ext uri="{91240B29-F687-4f45-9708-019B960494DF}">
-                <a14:hiddenLine xmlns="" xmlns:a16="http://schemas.microsoft.com/office/drawing/2014/main" xmlns:p14="http://schemas.microsoft.com/office/powerpoint/2010/main" xmlns:a14="http://schemas.microsoft.com/office/drawing/2010/main" w="9525">
+                <a14:hiddenLine xmlns:a14="http://schemas.microsoft.com/office/drawing/2010/main" xmlns:p14="http://schemas.microsoft.com/office/powerpoint/2010/main" xmlns:a16="http://schemas.microsoft.com/office/drawing/2014/main" xmlns="" w="9525">
                   <a:solidFill>
                     <a:srgbClr val="000000"/>
                   </a:solidFill>
@@ -32429,7 +32804,7 @@
             </a:ln>
             <a:extLst>
               <a:ext uri="{91240B29-F687-4f45-9708-019B960494DF}">
-                <a14:hiddenLine xmlns="" xmlns:a16="http://schemas.microsoft.com/office/drawing/2014/main" xmlns:p14="http://schemas.microsoft.com/office/powerpoint/2010/main" xmlns:a14="http://schemas.microsoft.com/office/drawing/2010/main" w="9525">
+                <a14:hiddenLine xmlns:a14="http://schemas.microsoft.com/office/drawing/2010/main" xmlns:p14="http://schemas.microsoft.com/office/powerpoint/2010/main" xmlns:a16="http://schemas.microsoft.com/office/drawing/2014/main" xmlns="" w="9525">
                   <a:solidFill>
                     <a:srgbClr val="000000"/>
                   </a:solidFill>
@@ -32516,7 +32891,7 @@
             </a:ln>
             <a:extLst>
               <a:ext uri="{91240B29-F687-4f45-9708-019B960494DF}">
-                <a14:hiddenLine xmlns="" xmlns:a16="http://schemas.microsoft.com/office/drawing/2014/main" xmlns:p14="http://schemas.microsoft.com/office/powerpoint/2010/main" xmlns:a14="http://schemas.microsoft.com/office/drawing/2010/main" w="9525">
+                <a14:hiddenLine xmlns:a14="http://schemas.microsoft.com/office/drawing/2010/main" xmlns:p14="http://schemas.microsoft.com/office/powerpoint/2010/main" xmlns:a16="http://schemas.microsoft.com/office/drawing/2014/main" xmlns="" w="9525">
                   <a:solidFill>
                     <a:srgbClr val="000000"/>
                   </a:solidFill>
@@ -32628,7 +33003,7 @@
             </a:ln>
             <a:extLst>
               <a:ext uri="{91240B29-F687-4f45-9708-019B960494DF}">
-                <a14:hiddenLine xmlns="" xmlns:a16="http://schemas.microsoft.com/office/drawing/2014/main" xmlns:p14="http://schemas.microsoft.com/office/powerpoint/2010/main" xmlns:a14="http://schemas.microsoft.com/office/drawing/2010/main" w="9525">
+                <a14:hiddenLine xmlns:a14="http://schemas.microsoft.com/office/drawing/2010/main" xmlns:p14="http://schemas.microsoft.com/office/powerpoint/2010/main" xmlns:a16="http://schemas.microsoft.com/office/drawing/2014/main" xmlns="" w="9525">
                   <a:solidFill>
                     <a:srgbClr val="000000"/>
                   </a:solidFill>
@@ -32712,7 +33087,7 @@
             </a:ln>
             <a:extLst>
               <a:ext uri="{91240B29-F687-4f45-9708-019B960494DF}">
-                <a14:hiddenLine xmlns="" xmlns:a16="http://schemas.microsoft.com/office/drawing/2014/main" xmlns:p14="http://schemas.microsoft.com/office/powerpoint/2010/main" xmlns:a14="http://schemas.microsoft.com/office/drawing/2010/main" w="9525">
+                <a14:hiddenLine xmlns:a14="http://schemas.microsoft.com/office/drawing/2010/main" xmlns:p14="http://schemas.microsoft.com/office/powerpoint/2010/main" xmlns:a16="http://schemas.microsoft.com/office/drawing/2014/main" xmlns="" w="9525">
                   <a:solidFill>
                     <a:srgbClr val="000000"/>
                   </a:solidFill>
@@ -32824,7 +33199,7 @@
             </a:ln>
             <a:extLst>
               <a:ext uri="{91240B29-F687-4f45-9708-019B960494DF}">
-                <a14:hiddenLine xmlns="" xmlns:a16="http://schemas.microsoft.com/office/drawing/2014/main" xmlns:p14="http://schemas.microsoft.com/office/powerpoint/2010/main" xmlns:a14="http://schemas.microsoft.com/office/drawing/2010/main" w="9525">
+                <a14:hiddenLine xmlns:a14="http://schemas.microsoft.com/office/drawing/2010/main" xmlns:p14="http://schemas.microsoft.com/office/powerpoint/2010/main" xmlns:a16="http://schemas.microsoft.com/office/drawing/2014/main" xmlns="" w="9525">
                   <a:solidFill>
                     <a:srgbClr val="000000"/>
                   </a:solidFill>
@@ -32911,7 +33286,7 @@
             </a:ln>
             <a:extLst>
               <a:ext uri="{91240B29-F687-4f45-9708-019B960494DF}">
-                <a14:hiddenLine xmlns="" xmlns:a16="http://schemas.microsoft.com/office/drawing/2014/main" xmlns:p14="http://schemas.microsoft.com/office/powerpoint/2010/main" xmlns:a14="http://schemas.microsoft.com/office/drawing/2010/main" w="9525">
+                <a14:hiddenLine xmlns:a14="http://schemas.microsoft.com/office/drawing/2010/main" xmlns:p14="http://schemas.microsoft.com/office/powerpoint/2010/main" xmlns:a16="http://schemas.microsoft.com/office/drawing/2014/main" xmlns="" w="9525">
                   <a:solidFill>
                     <a:srgbClr val="000000"/>
                   </a:solidFill>
@@ -32995,7 +33370,7 @@
             </a:ln>
             <a:extLst>
               <a:ext uri="{91240B29-F687-4f45-9708-019B960494DF}">
-                <a14:hiddenLine xmlns="" xmlns:a16="http://schemas.microsoft.com/office/drawing/2014/main" xmlns:p14="http://schemas.microsoft.com/office/powerpoint/2010/main" xmlns:a14="http://schemas.microsoft.com/office/drawing/2010/main" w="9525">
+                <a14:hiddenLine xmlns:a14="http://schemas.microsoft.com/office/drawing/2010/main" xmlns:p14="http://schemas.microsoft.com/office/powerpoint/2010/main" xmlns:a16="http://schemas.microsoft.com/office/drawing/2014/main" xmlns="" w="9525">
                   <a:solidFill>
                     <a:srgbClr val="000000"/>
                   </a:solidFill>
@@ -33107,7 +33482,7 @@
             </a:ln>
             <a:extLst>
               <a:ext uri="{91240B29-F687-4f45-9708-019B960494DF}">
-                <a14:hiddenLine xmlns="" xmlns:a16="http://schemas.microsoft.com/office/drawing/2014/main" xmlns:p14="http://schemas.microsoft.com/office/powerpoint/2010/main" xmlns:a14="http://schemas.microsoft.com/office/drawing/2010/main" w="9525">
+                <a14:hiddenLine xmlns:a14="http://schemas.microsoft.com/office/drawing/2010/main" xmlns:p14="http://schemas.microsoft.com/office/powerpoint/2010/main" xmlns:a16="http://schemas.microsoft.com/office/drawing/2014/main" xmlns="" w="9525">
                   <a:solidFill>
                     <a:srgbClr val="000000"/>
                   </a:solidFill>
@@ -33219,7 +33594,7 @@
             </a:ln>
             <a:extLst>
               <a:ext uri="{91240B29-F687-4f45-9708-019B960494DF}">
-                <a14:hiddenLine xmlns="" xmlns:a16="http://schemas.microsoft.com/office/drawing/2014/main" xmlns:p14="http://schemas.microsoft.com/office/powerpoint/2010/main" xmlns:a14="http://schemas.microsoft.com/office/drawing/2010/main" w="9525">
+                <a14:hiddenLine xmlns:a14="http://schemas.microsoft.com/office/drawing/2010/main" xmlns:p14="http://schemas.microsoft.com/office/powerpoint/2010/main" xmlns:a16="http://schemas.microsoft.com/office/drawing/2014/main" xmlns="" w="9525">
                   <a:solidFill>
                     <a:srgbClr val="000000"/>
                   </a:solidFill>
@@ -33306,7 +33681,7 @@
             </a:ln>
             <a:extLst>
               <a:ext uri="{91240B29-F687-4f45-9708-019B960494DF}">
-                <a14:hiddenLine xmlns="" xmlns:a16="http://schemas.microsoft.com/office/drawing/2014/main" xmlns:p14="http://schemas.microsoft.com/office/powerpoint/2010/main" xmlns:a14="http://schemas.microsoft.com/office/drawing/2010/main" w="9525">
+                <a14:hiddenLine xmlns:a14="http://schemas.microsoft.com/office/drawing/2010/main" xmlns:p14="http://schemas.microsoft.com/office/powerpoint/2010/main" xmlns:a16="http://schemas.microsoft.com/office/drawing/2014/main" xmlns="" w="9525">
                   <a:solidFill>
                     <a:srgbClr val="000000"/>
                   </a:solidFill>
@@ -33448,7 +33823,7 @@
             </a:ln>
             <a:extLst>
               <a:ext uri="{91240B29-F687-4f45-9708-019B960494DF}">
-                <a14:hiddenLine xmlns="" xmlns:a16="http://schemas.microsoft.com/office/drawing/2014/main" xmlns:p14="http://schemas.microsoft.com/office/powerpoint/2010/main" xmlns:a14="http://schemas.microsoft.com/office/drawing/2010/main" w="9525">
+                <a14:hiddenLine xmlns:a14="http://schemas.microsoft.com/office/drawing/2010/main" xmlns:p14="http://schemas.microsoft.com/office/powerpoint/2010/main" xmlns:a16="http://schemas.microsoft.com/office/drawing/2014/main" xmlns="" w="9525">
                   <a:solidFill>
                     <a:srgbClr val="000000"/>
                   </a:solidFill>
@@ -33589,13 +33964,13 @@
         </p:nvSpPr>
         <p:spPr>
           <a:xfrm>
-            <a:off x="4874162" y="998538"/>
-            <a:ext cx="6997003" cy="4697413"/>
+            <a:off x="4910040" y="1550639"/>
+            <a:ext cx="6997003" cy="3747198"/>
           </a:xfrm>
         </p:spPr>
         <p:txBody>
           <a:bodyPr>
-            <a:normAutofit/>
+            <a:normAutofit lnSpcReduction="10000"/>
           </a:bodyPr>
           <a:lstStyle/>
           <a:p>
@@ -33621,7 +33996,23 @@
                 <a:ea typeface="Calibri Light" panose="020F0302020204030204" pitchFamily="34" charset="0"/>
                 <a:cs typeface="Calibri Light" panose="020F0302020204030204" pitchFamily="34" charset="0"/>
               </a:rPr>
-              <a:t>This has also the purpose of helping us troubleshooting, as a slower time helps us to evaluate if we need to change our trainig strategy.</a:t>
+              <a:t>This has also the purpose of helping us troubleshooting, as a slower time helps us to evaluate if we need to change </a:t>
+            </a:r>
+            <a:r>
+              <a:rPr lang="it-IT" sz="2200" dirty="0" err="1">
+                <a:latin typeface="Calibri Light" panose="020F0302020204030204" pitchFamily="34" charset="0"/>
+                <a:ea typeface="Calibri Light" panose="020F0302020204030204" pitchFamily="34" charset="0"/>
+                <a:cs typeface="Calibri Light" panose="020F0302020204030204" pitchFamily="34" charset="0"/>
+              </a:rPr>
+              <a:t>our</a:t>
+            </a:r>
+            <a:r>
+              <a:rPr lang="it-IT" sz="2200" dirty="0">
+                <a:latin typeface="Calibri Light" panose="020F0302020204030204" pitchFamily="34" charset="0"/>
+                <a:ea typeface="Calibri Light" panose="020F0302020204030204" pitchFamily="34" charset="0"/>
+                <a:cs typeface="Calibri Light" panose="020F0302020204030204" pitchFamily="34" charset="0"/>
+              </a:rPr>
+              <a:t> training strategy.</a:t>
             </a:r>
           </a:p>
         </p:txBody>
